--- a/02-aks-advanced-configuration/slides/Advanced AKS Configuration.pptx
+++ b/02-aks-advanced-configuration/slides/Advanced AKS Configuration.pptx
@@ -204,7 +204,7 @@
           <a:p>
             <a:fld id="{11837477-D453-41A7-B038-AF1F6C7EED11}" type="datetimeFigureOut">
               <a:rPr lang="en-US" smtClean="0"/>
-              <a:t>2/15/2021</a:t>
+              <a:t>2/22/2021</a:t>
             </a:fld>
             <a:endParaRPr lang="en-US"/>
           </a:p>
@@ -1343,7 +1343,7 @@
           <a:p>
             <a:fld id="{CE88D40F-0E01-46E3-A0A3-09B1E418DDBF}" type="datetimeFigureOut">
               <a:rPr lang="en-US" smtClean="0"/>
-              <a:t>2/15/2021</a:t>
+              <a:t>2/22/2021</a:t>
             </a:fld>
             <a:endParaRPr lang="en-US"/>
           </a:p>
@@ -1541,7 +1541,7 @@
           <a:p>
             <a:fld id="{CE88D40F-0E01-46E3-A0A3-09B1E418DDBF}" type="datetimeFigureOut">
               <a:rPr lang="en-US" smtClean="0"/>
-              <a:t>2/15/2021</a:t>
+              <a:t>2/22/2021</a:t>
             </a:fld>
             <a:endParaRPr lang="en-US"/>
           </a:p>
@@ -1749,7 +1749,7 @@
           <a:p>
             <a:fld id="{CE88D40F-0E01-46E3-A0A3-09B1E418DDBF}" type="datetimeFigureOut">
               <a:rPr lang="en-US" smtClean="0"/>
-              <a:t>2/15/2021</a:t>
+              <a:t>2/22/2021</a:t>
             </a:fld>
             <a:endParaRPr lang="en-US"/>
           </a:p>
@@ -2391,7 +2391,7 @@
           <a:p>
             <a:fld id="{CE88D40F-0E01-46E3-A0A3-09B1E418DDBF}" type="datetimeFigureOut">
               <a:rPr lang="en-US" smtClean="0"/>
-              <a:t>2/15/2021</a:t>
+              <a:t>2/22/2021</a:t>
             </a:fld>
             <a:endParaRPr lang="en-US"/>
           </a:p>
@@ -2666,7 +2666,7 @@
           <a:p>
             <a:fld id="{CE88D40F-0E01-46E3-A0A3-09B1E418DDBF}" type="datetimeFigureOut">
               <a:rPr lang="en-US" smtClean="0"/>
-              <a:t>2/15/2021</a:t>
+              <a:t>2/22/2021</a:t>
             </a:fld>
             <a:endParaRPr lang="en-US"/>
           </a:p>
@@ -2931,7 +2931,7 @@
           <a:p>
             <a:fld id="{CE88D40F-0E01-46E3-A0A3-09B1E418DDBF}" type="datetimeFigureOut">
               <a:rPr lang="en-US" smtClean="0"/>
-              <a:t>2/15/2021</a:t>
+              <a:t>2/22/2021</a:t>
             </a:fld>
             <a:endParaRPr lang="en-US"/>
           </a:p>
@@ -3343,7 +3343,7 @@
           <a:p>
             <a:fld id="{CE88D40F-0E01-46E3-A0A3-09B1E418DDBF}" type="datetimeFigureOut">
               <a:rPr lang="en-US" smtClean="0"/>
-              <a:t>2/15/2021</a:t>
+              <a:t>2/22/2021</a:t>
             </a:fld>
             <a:endParaRPr lang="en-US"/>
           </a:p>
@@ -3484,7 +3484,7 @@
           <a:p>
             <a:fld id="{CE88D40F-0E01-46E3-A0A3-09B1E418DDBF}" type="datetimeFigureOut">
               <a:rPr lang="en-US" smtClean="0"/>
-              <a:t>2/15/2021</a:t>
+              <a:t>2/22/2021</a:t>
             </a:fld>
             <a:endParaRPr lang="en-US"/>
           </a:p>
@@ -3597,7 +3597,7 @@
           <a:p>
             <a:fld id="{CE88D40F-0E01-46E3-A0A3-09B1E418DDBF}" type="datetimeFigureOut">
               <a:rPr lang="en-US" smtClean="0"/>
-              <a:t>2/15/2021</a:t>
+              <a:t>2/22/2021</a:t>
             </a:fld>
             <a:endParaRPr lang="en-US"/>
           </a:p>
@@ -3908,7 +3908,7 @@
           <a:p>
             <a:fld id="{CE88D40F-0E01-46E3-A0A3-09B1E418DDBF}" type="datetimeFigureOut">
               <a:rPr lang="en-US" smtClean="0"/>
-              <a:t>2/15/2021</a:t>
+              <a:t>2/22/2021</a:t>
             </a:fld>
             <a:endParaRPr lang="en-US"/>
           </a:p>
@@ -4196,7 +4196,7 @@
           <a:p>
             <a:fld id="{CE88D40F-0E01-46E3-A0A3-09B1E418DDBF}" type="datetimeFigureOut">
               <a:rPr lang="en-US" smtClean="0"/>
-              <a:t>2/15/2021</a:t>
+              <a:t>2/22/2021</a:t>
             </a:fld>
             <a:endParaRPr lang="en-US"/>
           </a:p>
@@ -4437,7 +4437,7 @@
           <a:p>
             <a:fld id="{CE88D40F-0E01-46E3-A0A3-09B1E418DDBF}" type="datetimeFigureOut">
               <a:rPr lang="en-US" smtClean="0"/>
-              <a:t>2/15/2021</a:t>
+              <a:t>2/22/2021</a:t>
             </a:fld>
             <a:endParaRPr lang="en-US"/>
           </a:p>
@@ -11253,8 +11253,8 @@
         </p:nvCxnSpPr>
         <p:spPr>
           <a:xfrm rot="16200000" flipH="1">
-            <a:off x="4154114" y="3607939"/>
-            <a:ext cx="725093" cy="1"/>
+            <a:off x="4101486" y="3555311"/>
+            <a:ext cx="830349" cy="1"/>
           </a:xfrm>
           <a:prstGeom prst="bentConnector3">
             <a:avLst/>
@@ -11280,10 +11280,10 @@
       </p:cxnSp>
       <p:grpSp>
         <p:nvGrpSpPr>
-          <p:cNvPr id="98" name="Group 97">
-            <a:extLst>
-              <a:ext uri="{FF2B5EF4-FFF2-40B4-BE49-F238E27FC236}">
-                <a16:creationId xmlns:a16="http://schemas.microsoft.com/office/drawing/2014/main" id="{76A36CAD-880F-4CEC-8331-0F2E294F16D2}"/>
+          <p:cNvPr id="21" name="Group 20">
+            <a:extLst>
+              <a:ext uri="{FF2B5EF4-FFF2-40B4-BE49-F238E27FC236}">
+                <a16:creationId xmlns:a16="http://schemas.microsoft.com/office/drawing/2014/main" id="{FF12E0C8-84BE-4571-8C84-4011E65346A0}"/>
               </a:ext>
             </a:extLst>
           </p:cNvPr>
@@ -11294,7 +11294,7 @@
           <a:xfrm>
             <a:off x="1125655" y="4731777"/>
             <a:ext cx="1144865" cy="717444"/>
-            <a:chOff x="1082247" y="4490541"/>
+            <a:chOff x="1125655" y="4731777"/>
             <a:chExt cx="1144865" cy="717444"/>
           </a:xfrm>
         </p:grpSpPr>
@@ -11329,7 +11329,7 @@
           </p:blipFill>
           <p:spPr>
             <a:xfrm>
-              <a:off x="1422473" y="4490541"/>
+              <a:off x="1465881" y="4731777"/>
               <a:ext cx="464414" cy="464414"/>
             </a:xfrm>
             <a:prstGeom prst="rect">
@@ -11351,7 +11351,7 @@
           </p:nvSpPr>
           <p:spPr>
             <a:xfrm>
-              <a:off x="1082247" y="4961764"/>
+              <a:off x="1125655" y="5203000"/>
               <a:ext cx="1144865" cy="246221"/>
             </a:xfrm>
             <a:prstGeom prst="rect">
@@ -11796,7 +11796,7 @@
         </p:nvGrpSpPr>
         <p:grpSpPr>
           <a:xfrm>
-            <a:off x="4284452" y="2780979"/>
+            <a:off x="4284452" y="2675723"/>
             <a:ext cx="1726053" cy="487378"/>
             <a:chOff x="4284452" y="2780979"/>
             <a:chExt cx="1726053" cy="487378"/>
@@ -13031,7 +13031,7 @@
         <p:spPr>
           <a:xfrm>
             <a:off x="4516418" y="2210719"/>
-            <a:ext cx="242" cy="570260"/>
+            <a:ext cx="242" cy="465004"/>
           </a:xfrm>
           <a:prstGeom prst="straightConnector1">
             <a:avLst/>
@@ -13200,6 +13200,101 @@
           </a:fontRef>
         </p:style>
       </p:cxnSp>
+      <p:grpSp>
+        <p:nvGrpSpPr>
+          <p:cNvPr id="17" name="Group 16">
+            <a:extLst>
+              <a:ext uri="{FF2B5EF4-FFF2-40B4-BE49-F238E27FC236}">
+                <a16:creationId xmlns:a16="http://schemas.microsoft.com/office/drawing/2014/main" id="{9FD14DB1-8418-4327-9B45-D4D8D11F0CD1}"/>
+              </a:ext>
+            </a:extLst>
+          </p:cNvPr>
+          <p:cNvGrpSpPr/>
+          <p:nvPr/>
+        </p:nvGrpSpPr>
+        <p:grpSpPr>
+          <a:xfrm>
+            <a:off x="7081305" y="4457861"/>
+            <a:ext cx="800219" cy="647389"/>
+            <a:chOff x="7081305" y="4457861"/>
+            <a:chExt cx="800219" cy="647389"/>
+          </a:xfrm>
+        </p:grpSpPr>
+        <p:pic>
+          <p:nvPicPr>
+            <p:cNvPr id="11" name="Graphic 10">
+              <a:extLst>
+                <a:ext uri="{FF2B5EF4-FFF2-40B4-BE49-F238E27FC236}">
+                  <a16:creationId xmlns:a16="http://schemas.microsoft.com/office/drawing/2014/main" id="{662AC5C0-19E8-4C58-A0B6-C2493F1138DC}"/>
+                </a:ext>
+              </a:extLst>
+            </p:cNvPr>
+            <p:cNvPicPr>
+              <a:picLocks noChangeAspect="1"/>
+            </p:cNvPicPr>
+            <p:nvPr/>
+          </p:nvPicPr>
+          <p:blipFill>
+            <a:blip r:embed="rId32">
+              <a:extLst>
+                <a:ext uri="{28A0092B-C50C-407E-A947-70E740481C1C}">
+                  <a14:useLocalDpi xmlns:a14="http://schemas.microsoft.com/office/drawing/2010/main" val="0"/>
+                </a:ext>
+                <a:ext uri="{96DAC541-7B7A-43D3-8B79-37D633B846F1}">
+                  <asvg:svgBlip xmlns:asvg="http://schemas.microsoft.com/office/drawing/2016/SVG/main" r:embed="rId33"/>
+                </a:ext>
+              </a:extLst>
+            </a:blip>
+            <a:stretch>
+              <a:fillRect/>
+            </a:stretch>
+          </p:blipFill>
+          <p:spPr>
+            <a:xfrm>
+              <a:off x="7244665" y="4457861"/>
+              <a:ext cx="458571" cy="458571"/>
+            </a:xfrm>
+            <a:prstGeom prst="rect">
+              <a:avLst/>
+            </a:prstGeom>
+          </p:spPr>
+        </p:pic>
+        <p:sp>
+          <p:nvSpPr>
+            <p:cNvPr id="76" name="TextBox 75">
+              <a:extLst>
+                <a:ext uri="{FF2B5EF4-FFF2-40B4-BE49-F238E27FC236}">
+                  <a16:creationId xmlns:a16="http://schemas.microsoft.com/office/drawing/2014/main" id="{B8CD9FC7-7FD5-4AC4-83B9-AC46A2931213}"/>
+                </a:ext>
+              </a:extLst>
+            </p:cNvPr>
+            <p:cNvSpPr txBox="1"/>
+            <p:nvPr/>
+          </p:nvSpPr>
+          <p:spPr>
+            <a:xfrm>
+              <a:off x="7081305" y="4859029"/>
+              <a:ext cx="800219" cy="246221"/>
+            </a:xfrm>
+            <a:prstGeom prst="rect">
+              <a:avLst/>
+            </a:prstGeom>
+            <a:noFill/>
+          </p:spPr>
+          <p:txBody>
+            <a:bodyPr wrap="none" rtlCol="0">
+              <a:spAutoFit/>
+            </a:bodyPr>
+            <a:lstStyle/>
+            <a:p>
+              <a:r>
+                <a:rPr lang="en-US" sz="1000" dirty="0"/>
+                <a:t>Private DNS</a:t>
+              </a:r>
+            </a:p>
+          </p:txBody>
+        </p:sp>
+      </p:grpSp>
     </p:spTree>
     <p:extLst>
       <p:ext uri="{BB962C8B-B14F-4D97-AF65-F5344CB8AC3E}">

--- a/02-aks-advanced-configuration/slides/Advanced AKS Configuration.pptx
+++ b/02-aks-advanced-configuration/slides/Advanced AKS Configuration.pptx
@@ -204,7 +204,7 @@
           <a:p>
             <a:fld id="{11837477-D453-41A7-B038-AF1F6C7EED11}" type="datetimeFigureOut">
               <a:rPr lang="en-US" smtClean="0"/>
-              <a:t>2/22/2021</a:t>
+              <a:t>3/23/2021</a:t>
             </a:fld>
             <a:endParaRPr lang="en-US"/>
           </a:p>
@@ -1343,7 +1343,7 @@
           <a:p>
             <a:fld id="{CE88D40F-0E01-46E3-A0A3-09B1E418DDBF}" type="datetimeFigureOut">
               <a:rPr lang="en-US" smtClean="0"/>
-              <a:t>2/22/2021</a:t>
+              <a:t>3/23/2021</a:t>
             </a:fld>
             <a:endParaRPr lang="en-US"/>
           </a:p>
@@ -1541,7 +1541,7 @@
           <a:p>
             <a:fld id="{CE88D40F-0E01-46E3-A0A3-09B1E418DDBF}" type="datetimeFigureOut">
               <a:rPr lang="en-US" smtClean="0"/>
-              <a:t>2/22/2021</a:t>
+              <a:t>3/23/2021</a:t>
             </a:fld>
             <a:endParaRPr lang="en-US"/>
           </a:p>
@@ -1749,7 +1749,7 @@
           <a:p>
             <a:fld id="{CE88D40F-0E01-46E3-A0A3-09B1E418DDBF}" type="datetimeFigureOut">
               <a:rPr lang="en-US" smtClean="0"/>
-              <a:t>2/22/2021</a:t>
+              <a:t>3/23/2021</a:t>
             </a:fld>
             <a:endParaRPr lang="en-US"/>
           </a:p>
@@ -2391,7 +2391,7 @@
           <a:p>
             <a:fld id="{CE88D40F-0E01-46E3-A0A3-09B1E418DDBF}" type="datetimeFigureOut">
               <a:rPr lang="en-US" smtClean="0"/>
-              <a:t>2/22/2021</a:t>
+              <a:t>3/23/2021</a:t>
             </a:fld>
             <a:endParaRPr lang="en-US"/>
           </a:p>
@@ -2666,7 +2666,7 @@
           <a:p>
             <a:fld id="{CE88D40F-0E01-46E3-A0A3-09B1E418DDBF}" type="datetimeFigureOut">
               <a:rPr lang="en-US" smtClean="0"/>
-              <a:t>2/22/2021</a:t>
+              <a:t>3/23/2021</a:t>
             </a:fld>
             <a:endParaRPr lang="en-US"/>
           </a:p>
@@ -2931,7 +2931,7 @@
           <a:p>
             <a:fld id="{CE88D40F-0E01-46E3-A0A3-09B1E418DDBF}" type="datetimeFigureOut">
               <a:rPr lang="en-US" smtClean="0"/>
-              <a:t>2/22/2021</a:t>
+              <a:t>3/23/2021</a:t>
             </a:fld>
             <a:endParaRPr lang="en-US"/>
           </a:p>
@@ -3343,7 +3343,7 @@
           <a:p>
             <a:fld id="{CE88D40F-0E01-46E3-A0A3-09B1E418DDBF}" type="datetimeFigureOut">
               <a:rPr lang="en-US" smtClean="0"/>
-              <a:t>2/22/2021</a:t>
+              <a:t>3/23/2021</a:t>
             </a:fld>
             <a:endParaRPr lang="en-US"/>
           </a:p>
@@ -3484,7 +3484,7 @@
           <a:p>
             <a:fld id="{CE88D40F-0E01-46E3-A0A3-09B1E418DDBF}" type="datetimeFigureOut">
               <a:rPr lang="en-US" smtClean="0"/>
-              <a:t>2/22/2021</a:t>
+              <a:t>3/23/2021</a:t>
             </a:fld>
             <a:endParaRPr lang="en-US"/>
           </a:p>
@@ -3597,7 +3597,7 @@
           <a:p>
             <a:fld id="{CE88D40F-0E01-46E3-A0A3-09B1E418DDBF}" type="datetimeFigureOut">
               <a:rPr lang="en-US" smtClean="0"/>
-              <a:t>2/22/2021</a:t>
+              <a:t>3/23/2021</a:t>
             </a:fld>
             <a:endParaRPr lang="en-US"/>
           </a:p>
@@ -3908,7 +3908,7 @@
           <a:p>
             <a:fld id="{CE88D40F-0E01-46E3-A0A3-09B1E418DDBF}" type="datetimeFigureOut">
               <a:rPr lang="en-US" smtClean="0"/>
-              <a:t>2/22/2021</a:t>
+              <a:t>3/23/2021</a:t>
             </a:fld>
             <a:endParaRPr lang="en-US"/>
           </a:p>
@@ -4196,7 +4196,7 @@
           <a:p>
             <a:fld id="{CE88D40F-0E01-46E3-A0A3-09B1E418DDBF}" type="datetimeFigureOut">
               <a:rPr lang="en-US" smtClean="0"/>
-              <a:t>2/22/2021</a:t>
+              <a:t>3/23/2021</a:t>
             </a:fld>
             <a:endParaRPr lang="en-US"/>
           </a:p>
@@ -4437,7 +4437,7 @@
           <a:p>
             <a:fld id="{CE88D40F-0E01-46E3-A0A3-09B1E418DDBF}" type="datetimeFigureOut">
               <a:rPr lang="en-US" smtClean="0"/>
-              <a:t>2/22/2021</a:t>
+              <a:t>3/23/2021</a:t>
             </a:fld>
             <a:endParaRPr lang="en-US"/>
           </a:p>
@@ -11885,101 +11885,6 @@
       </p:grpSp>
       <p:grpSp>
         <p:nvGrpSpPr>
-          <p:cNvPr id="33" name="Group 32">
-            <a:extLst>
-              <a:ext uri="{FF2B5EF4-FFF2-40B4-BE49-F238E27FC236}">
-                <a16:creationId xmlns:a16="http://schemas.microsoft.com/office/drawing/2014/main" id="{8E0A9DAD-0490-438B-BF9C-F91289E8201E}"/>
-              </a:ext>
-            </a:extLst>
-          </p:cNvPr>
-          <p:cNvGrpSpPr/>
-          <p:nvPr/>
-        </p:nvGrpSpPr>
-        <p:grpSpPr>
-          <a:xfrm>
-            <a:off x="4284211" y="1746305"/>
-            <a:ext cx="1379820" cy="508990"/>
-            <a:chOff x="5546096" y="1108555"/>
-            <a:chExt cx="1379820" cy="508990"/>
-          </a:xfrm>
-        </p:grpSpPr>
-        <p:pic>
-          <p:nvPicPr>
-            <p:cNvPr id="100" name="Graphic 99">
-              <a:extLst>
-                <a:ext uri="{FF2B5EF4-FFF2-40B4-BE49-F238E27FC236}">
-                  <a16:creationId xmlns:a16="http://schemas.microsoft.com/office/drawing/2014/main" id="{EBDD02B5-2457-4891-ABC8-B950A57EF750}"/>
-                </a:ext>
-              </a:extLst>
-            </p:cNvPr>
-            <p:cNvPicPr>
-              <a:picLocks noChangeAspect="1"/>
-            </p:cNvPicPr>
-            <p:nvPr/>
-          </p:nvPicPr>
-          <p:blipFill>
-            <a:blip r:embed="rId18">
-              <a:extLst>
-                <a:ext uri="{28A0092B-C50C-407E-A947-70E740481C1C}">
-                  <a14:useLocalDpi xmlns:a14="http://schemas.microsoft.com/office/drawing/2010/main" val="0"/>
-                </a:ext>
-                <a:ext uri="{96DAC541-7B7A-43D3-8B79-37D633B846F1}">
-                  <asvg:svgBlip xmlns:asvg="http://schemas.microsoft.com/office/drawing/2016/SVG/main" r:embed="rId19"/>
-                </a:ext>
-              </a:extLst>
-            </a:blip>
-            <a:stretch>
-              <a:fillRect/>
-            </a:stretch>
-          </p:blipFill>
-          <p:spPr>
-            <a:xfrm>
-              <a:off x="5546096" y="1108555"/>
-              <a:ext cx="464414" cy="464414"/>
-            </a:xfrm>
-            <a:prstGeom prst="rect">
-              <a:avLst/>
-            </a:prstGeom>
-          </p:spPr>
-        </p:pic>
-        <p:sp>
-          <p:nvSpPr>
-            <p:cNvPr id="71" name="TextBox 70">
-              <a:extLst>
-                <a:ext uri="{FF2B5EF4-FFF2-40B4-BE49-F238E27FC236}">
-                  <a16:creationId xmlns:a16="http://schemas.microsoft.com/office/drawing/2014/main" id="{2F98AFB6-8C29-4C38-8652-22E9185C2BEC}"/>
-                </a:ext>
-              </a:extLst>
-            </p:cNvPr>
-            <p:cNvSpPr txBox="1"/>
-            <p:nvPr/>
-          </p:nvSpPr>
-          <p:spPr>
-            <a:xfrm>
-              <a:off x="5958810" y="1217435"/>
-              <a:ext cx="967106" cy="400110"/>
-            </a:xfrm>
-            <a:prstGeom prst="rect">
-              <a:avLst/>
-            </a:prstGeom>
-            <a:noFill/>
-          </p:spPr>
-          <p:txBody>
-            <a:bodyPr wrap="square" rtlCol="0">
-              <a:spAutoFit/>
-            </a:bodyPr>
-            <a:lstStyle/>
-            <a:p>
-              <a:r>
-                <a:rPr lang="en-US" sz="1000" dirty="0"/>
-                <a:t>Front Door (WAF)</a:t>
-              </a:r>
-            </a:p>
-          </p:txBody>
-        </p:sp>
-      </p:grpSp>
-      <p:grpSp>
-        <p:nvGrpSpPr>
           <p:cNvPr id="18" name="Group 17">
             <a:extLst>
               <a:ext uri="{FF2B5EF4-FFF2-40B4-BE49-F238E27FC236}">
@@ -12083,13 +11988,13 @@
               <p:nvPr/>
             </p:nvPicPr>
             <p:blipFill>
-              <a:blip r:embed="rId20">
+              <a:blip r:embed="rId18">
                 <a:extLst>
                   <a:ext uri="{28A0092B-C50C-407E-A947-70E740481C1C}">
                     <a14:useLocalDpi xmlns:a14="http://schemas.microsoft.com/office/drawing/2010/main" val="0"/>
                   </a:ext>
                   <a:ext uri="{96DAC541-7B7A-43D3-8B79-37D633B846F1}">
-                    <asvg:svgBlip xmlns:asvg="http://schemas.microsoft.com/office/drawing/2016/SVG/main" r:embed="rId21"/>
+                    <asvg:svgBlip xmlns:asvg="http://schemas.microsoft.com/office/drawing/2016/SVG/main" r:embed="rId19"/>
                   </a:ext>
                 </a:extLst>
               </a:blip>
@@ -12263,13 +12168,13 @@
               <p:nvPr/>
             </p:nvPicPr>
             <p:blipFill>
-              <a:blip r:embed="rId22">
+              <a:blip r:embed="rId20">
                 <a:extLst>
                   <a:ext uri="{28A0092B-C50C-407E-A947-70E740481C1C}">
                     <a14:useLocalDpi xmlns:a14="http://schemas.microsoft.com/office/drawing/2010/main" val="0"/>
                   </a:ext>
                   <a:ext uri="{96DAC541-7B7A-43D3-8B79-37D633B846F1}">
-                    <asvg:svgBlip xmlns:asvg="http://schemas.microsoft.com/office/drawing/2016/SVG/main" r:embed="rId23"/>
+                    <asvg:svgBlip xmlns:asvg="http://schemas.microsoft.com/office/drawing/2016/SVG/main" r:embed="rId21"/>
                   </a:ext>
                 </a:extLst>
               </a:blip>
@@ -12364,13 +12269,13 @@
                 <p:nvPr/>
               </p:nvPicPr>
               <p:blipFill>
-                <a:blip r:embed="rId20">
+                <a:blip r:embed="rId18">
                   <a:extLst>
                     <a:ext uri="{28A0092B-C50C-407E-A947-70E740481C1C}">
                       <a14:useLocalDpi xmlns:a14="http://schemas.microsoft.com/office/drawing/2010/main" val="0"/>
                     </a:ext>
                     <a:ext uri="{96DAC541-7B7A-43D3-8B79-37D633B846F1}">
-                      <asvg:svgBlip xmlns:asvg="http://schemas.microsoft.com/office/drawing/2016/SVG/main" r:embed="rId21"/>
+                      <asvg:svgBlip xmlns:asvg="http://schemas.microsoft.com/office/drawing/2016/SVG/main" r:embed="rId19"/>
                     </a:ext>
                   </a:extLst>
                 </a:blip>
@@ -12596,13 +12501,13 @@
               <p:nvPr/>
             </p:nvPicPr>
             <p:blipFill>
-              <a:blip r:embed="rId22">
+              <a:blip r:embed="rId20">
                 <a:extLst>
                   <a:ext uri="{28A0092B-C50C-407E-A947-70E740481C1C}">
                     <a14:useLocalDpi xmlns:a14="http://schemas.microsoft.com/office/drawing/2010/main" val="0"/>
                   </a:ext>
                   <a:ext uri="{96DAC541-7B7A-43D3-8B79-37D633B846F1}">
-                    <asvg:svgBlip xmlns:asvg="http://schemas.microsoft.com/office/drawing/2016/SVG/main" r:embed="rId23"/>
+                    <asvg:svgBlip xmlns:asvg="http://schemas.microsoft.com/office/drawing/2016/SVG/main" r:embed="rId21"/>
                   </a:ext>
                 </a:extLst>
               </a:blip>
@@ -12693,13 +12598,13 @@
             <p:nvPr/>
           </p:nvPicPr>
           <p:blipFill>
-            <a:blip r:embed="rId24">
+            <a:blip r:embed="rId22">
               <a:extLst>
                 <a:ext uri="{28A0092B-C50C-407E-A947-70E740481C1C}">
                   <a14:useLocalDpi xmlns:a14="http://schemas.microsoft.com/office/drawing/2010/main" val="0"/>
                 </a:ext>
                 <a:ext uri="{96DAC541-7B7A-43D3-8B79-37D633B846F1}">
-                  <asvg:svgBlip xmlns:asvg="http://schemas.microsoft.com/office/drawing/2016/SVG/main" r:embed="rId25"/>
+                  <asvg:svgBlip xmlns:asvg="http://schemas.microsoft.com/office/drawing/2016/SVG/main" r:embed="rId23"/>
                 </a:ext>
               </a:extLst>
             </a:blip>
@@ -12753,13 +12658,13 @@
             <p:nvPr/>
           </p:nvPicPr>
           <p:blipFill>
-            <a:blip r:embed="rId26">
+            <a:blip r:embed="rId24">
               <a:extLst>
                 <a:ext uri="{28A0092B-C50C-407E-A947-70E740481C1C}">
                   <a14:useLocalDpi xmlns:a14="http://schemas.microsoft.com/office/drawing/2010/main" val="0"/>
                 </a:ext>
                 <a:ext uri="{96DAC541-7B7A-43D3-8B79-37D633B846F1}">
-                  <asvg:svgBlip xmlns:asvg="http://schemas.microsoft.com/office/drawing/2016/SVG/main" r:embed="rId27"/>
+                  <asvg:svgBlip xmlns:asvg="http://schemas.microsoft.com/office/drawing/2016/SVG/main" r:embed="rId25"/>
                 </a:ext>
               </a:extLst>
             </a:blip>
@@ -12849,13 +12754,13 @@
             <p:nvPr/>
           </p:nvPicPr>
           <p:blipFill>
-            <a:blip r:embed="rId28">
+            <a:blip r:embed="rId26">
               <a:extLst>
                 <a:ext uri="{28A0092B-C50C-407E-A947-70E740481C1C}">
                   <a14:useLocalDpi xmlns:a14="http://schemas.microsoft.com/office/drawing/2010/main" val="0"/>
                 </a:ext>
                 <a:ext uri="{96DAC541-7B7A-43D3-8B79-37D633B846F1}">
-                  <asvg:svgBlip xmlns:asvg="http://schemas.microsoft.com/office/drawing/2016/SVG/main" r:embed="rId29"/>
+                  <asvg:svgBlip xmlns:asvg="http://schemas.microsoft.com/office/drawing/2016/SVG/main" r:embed="rId27"/>
                 </a:ext>
               </a:extLst>
             </a:blip>
@@ -12945,13 +12850,13 @@
             <p:nvPr/>
           </p:nvPicPr>
           <p:blipFill>
-            <a:blip r:embed="rId30">
+            <a:blip r:embed="rId28">
               <a:extLst>
                 <a:ext uri="{28A0092B-C50C-407E-A947-70E740481C1C}">
                   <a14:useLocalDpi xmlns:a14="http://schemas.microsoft.com/office/drawing/2010/main" val="0"/>
                 </a:ext>
                 <a:ext uri="{96DAC541-7B7A-43D3-8B79-37D633B846F1}">
-                  <asvg:svgBlip xmlns:asvg="http://schemas.microsoft.com/office/drawing/2016/SVG/main" r:embed="rId31"/>
+                  <asvg:svgBlip xmlns:asvg="http://schemas.microsoft.com/office/drawing/2016/SVG/main" r:embed="rId29"/>
                 </a:ext>
               </a:extLst>
             </a:blip>
@@ -13023,7 +12928,7 @@
             </a:extLst>
           </p:cNvPr>
           <p:cNvCxnSpPr>
-            <a:stCxn id="100" idx="2"/>
+            <a:cxnSpLocks/>
             <a:endCxn id="12" idx="0"/>
           </p:cNvCxnSpPr>
           <p:nvPr/>
@@ -13235,13 +13140,13 @@
             <p:nvPr/>
           </p:nvPicPr>
           <p:blipFill>
-            <a:blip r:embed="rId32">
+            <a:blip r:embed="rId30">
               <a:extLst>
                 <a:ext uri="{28A0092B-C50C-407E-A947-70E740481C1C}">
                   <a14:useLocalDpi xmlns:a14="http://schemas.microsoft.com/office/drawing/2010/main" val="0"/>
                 </a:ext>
                 <a:ext uri="{96DAC541-7B7A-43D3-8B79-37D633B846F1}">
-                  <asvg:svgBlip xmlns:asvg="http://schemas.microsoft.com/office/drawing/2016/SVG/main" r:embed="rId33"/>
+                  <asvg:svgBlip xmlns:asvg="http://schemas.microsoft.com/office/drawing/2016/SVG/main" r:embed="rId31"/>
                 </a:ext>
               </a:extLst>
             </a:blip>

--- a/02-aks-advanced-configuration/slides/Advanced AKS Configuration.pptx
+++ b/02-aks-advanced-configuration/slides/Advanced AKS Configuration.pptx
@@ -5,7 +5,7 @@
     <p:sldMasterId id="2147483648" r:id="rId1"/>
   </p:sldMasterIdLst>
   <p:notesMasterIdLst>
-    <p:notesMasterId r:id="rId10"/>
+    <p:notesMasterId r:id="rId11"/>
   </p:notesMasterIdLst>
   <p:sldIdLst>
     <p:sldId id="256" r:id="rId2"/>
@@ -14,8 +14,9 @@
     <p:sldId id="258" r:id="rId5"/>
     <p:sldId id="260" r:id="rId6"/>
     <p:sldId id="259" r:id="rId7"/>
-    <p:sldId id="320" r:id="rId8"/>
-    <p:sldId id="2076136272" r:id="rId9"/>
+    <p:sldId id="2076136272" r:id="rId8"/>
+    <p:sldId id="2076136273" r:id="rId9"/>
+    <p:sldId id="2076136274" r:id="rId10"/>
   </p:sldIdLst>
   <p:sldSz cx="12192000" cy="6858000"/>
   <p:notesSz cx="6858000" cy="9144000"/>
@@ -204,7 +205,7 @@
           <a:p>
             <a:fld id="{11837477-D453-41A7-B038-AF1F6C7EED11}" type="datetimeFigureOut">
               <a:rPr lang="en-US" smtClean="0"/>
-              <a:t>3/23/2021</a:t>
+              <a:t>3/28/2021</a:t>
             </a:fld>
             <a:endParaRPr lang="en-US"/>
           </a:p>
@@ -1101,7 +1102,7 @@
     </p:spTree>
     <p:extLst>
       <p:ext uri="{BB962C8B-B14F-4D97-AF65-F5344CB8AC3E}">
-        <p14:creationId xmlns:p14="http://schemas.microsoft.com/office/powerpoint/2010/main" val="2669103762"/>
+        <p14:creationId xmlns:p14="http://schemas.microsoft.com/office/powerpoint/2010/main" val="2370068568"/>
       </p:ext>
     </p:extLst>
   </p:cSld>
@@ -1186,7 +1187,92 @@
     </p:spTree>
     <p:extLst>
       <p:ext uri="{BB962C8B-B14F-4D97-AF65-F5344CB8AC3E}">
-        <p14:creationId xmlns:p14="http://schemas.microsoft.com/office/powerpoint/2010/main" val="2370068568"/>
+        <p14:creationId xmlns:p14="http://schemas.microsoft.com/office/powerpoint/2010/main" val="3436207051"/>
+      </p:ext>
+    </p:extLst>
+  </p:cSld>
+  <p:clrMapOvr>
+    <a:masterClrMapping/>
+  </p:clrMapOvr>
+</p:notes>
+</file>
+
+<file path=ppt/notesSlides/notesSlide8.xml><?xml version="1.0" encoding="utf-8"?>
+<p:notes xmlns:a="http://schemas.openxmlformats.org/drawingml/2006/main" xmlns:r="http://schemas.openxmlformats.org/officeDocument/2006/relationships" xmlns:p="http://schemas.openxmlformats.org/presentationml/2006/main">
+  <p:cSld>
+    <p:spTree>
+      <p:nvGrpSpPr>
+        <p:cNvPr id="1" name=""/>
+        <p:cNvGrpSpPr/>
+        <p:nvPr/>
+      </p:nvGrpSpPr>
+      <p:grpSpPr>
+        <a:xfrm>
+          <a:off x="0" y="0"/>
+          <a:ext cx="0" cy="0"/>
+          <a:chOff x="0" y="0"/>
+          <a:chExt cx="0" cy="0"/>
+        </a:xfrm>
+      </p:grpSpPr>
+      <p:sp>
+        <p:nvSpPr>
+          <p:cNvPr id="2" name="Slide Image Placeholder 1"/>
+          <p:cNvSpPr>
+            <a:spLocks noGrp="1" noRot="1" noChangeAspect="1"/>
+          </p:cNvSpPr>
+          <p:nvPr>
+            <p:ph type="sldImg"/>
+          </p:nvPr>
+        </p:nvSpPr>
+        <p:spPr/>
+      </p:sp>
+      <p:sp>
+        <p:nvSpPr>
+          <p:cNvPr id="3" name="Notes Placeholder 2"/>
+          <p:cNvSpPr>
+            <a:spLocks noGrp="1"/>
+          </p:cNvSpPr>
+          <p:nvPr>
+            <p:ph type="body" idx="1"/>
+          </p:nvPr>
+        </p:nvSpPr>
+        <p:spPr/>
+        <p:txBody>
+          <a:bodyPr/>
+          <a:lstStyle/>
+          <a:p>
+            <a:pPr algn="l"/>
+            <a:endParaRPr lang="en-US" dirty="0"/>
+          </a:p>
+        </p:txBody>
+      </p:sp>
+      <p:sp>
+        <p:nvSpPr>
+          <p:cNvPr id="4" name="Slide Number Placeholder 3"/>
+          <p:cNvSpPr>
+            <a:spLocks noGrp="1"/>
+          </p:cNvSpPr>
+          <p:nvPr>
+            <p:ph type="sldNum" sz="quarter" idx="5"/>
+          </p:nvPr>
+        </p:nvSpPr>
+        <p:spPr/>
+        <p:txBody>
+          <a:bodyPr/>
+          <a:lstStyle/>
+          <a:p>
+            <a:fld id="{00A560F4-8102-4EC4-BB24-179BCBD2EB8E}" type="slidenum">
+              <a:rPr lang="en-US" smtClean="0"/>
+              <a:t>9</a:t>
+            </a:fld>
+            <a:endParaRPr lang="en-US"/>
+          </a:p>
+        </p:txBody>
+      </p:sp>
+    </p:spTree>
+    <p:extLst>
+      <p:ext uri="{BB962C8B-B14F-4D97-AF65-F5344CB8AC3E}">
+        <p14:creationId xmlns:p14="http://schemas.microsoft.com/office/powerpoint/2010/main" val="2338693571"/>
       </p:ext>
     </p:extLst>
   </p:cSld>
@@ -1343,7 +1429,7 @@
           <a:p>
             <a:fld id="{CE88D40F-0E01-46E3-A0A3-09B1E418DDBF}" type="datetimeFigureOut">
               <a:rPr lang="en-US" smtClean="0"/>
-              <a:t>3/23/2021</a:t>
+              <a:t>3/28/2021</a:t>
             </a:fld>
             <a:endParaRPr lang="en-US"/>
           </a:p>
@@ -1541,7 +1627,7 @@
           <a:p>
             <a:fld id="{CE88D40F-0E01-46E3-A0A3-09B1E418DDBF}" type="datetimeFigureOut">
               <a:rPr lang="en-US" smtClean="0"/>
-              <a:t>3/23/2021</a:t>
+              <a:t>3/28/2021</a:t>
             </a:fld>
             <a:endParaRPr lang="en-US"/>
           </a:p>
@@ -1749,7 +1835,7 @@
           <a:p>
             <a:fld id="{CE88D40F-0E01-46E3-A0A3-09B1E418DDBF}" type="datetimeFigureOut">
               <a:rPr lang="en-US" smtClean="0"/>
-              <a:t>3/23/2021</a:t>
+              <a:t>3/28/2021</a:t>
             </a:fld>
             <a:endParaRPr lang="en-US"/>
           </a:p>
@@ -2391,7 +2477,7 @@
           <a:p>
             <a:fld id="{CE88D40F-0E01-46E3-A0A3-09B1E418DDBF}" type="datetimeFigureOut">
               <a:rPr lang="en-US" smtClean="0"/>
-              <a:t>3/23/2021</a:t>
+              <a:t>3/28/2021</a:t>
             </a:fld>
             <a:endParaRPr lang="en-US"/>
           </a:p>
@@ -2666,7 +2752,7 @@
           <a:p>
             <a:fld id="{CE88D40F-0E01-46E3-A0A3-09B1E418DDBF}" type="datetimeFigureOut">
               <a:rPr lang="en-US" smtClean="0"/>
-              <a:t>3/23/2021</a:t>
+              <a:t>3/28/2021</a:t>
             </a:fld>
             <a:endParaRPr lang="en-US"/>
           </a:p>
@@ -2931,7 +3017,7 @@
           <a:p>
             <a:fld id="{CE88D40F-0E01-46E3-A0A3-09B1E418DDBF}" type="datetimeFigureOut">
               <a:rPr lang="en-US" smtClean="0"/>
-              <a:t>3/23/2021</a:t>
+              <a:t>3/28/2021</a:t>
             </a:fld>
             <a:endParaRPr lang="en-US"/>
           </a:p>
@@ -3343,7 +3429,7 @@
           <a:p>
             <a:fld id="{CE88D40F-0E01-46E3-A0A3-09B1E418DDBF}" type="datetimeFigureOut">
               <a:rPr lang="en-US" smtClean="0"/>
-              <a:t>3/23/2021</a:t>
+              <a:t>3/28/2021</a:t>
             </a:fld>
             <a:endParaRPr lang="en-US"/>
           </a:p>
@@ -3484,7 +3570,7 @@
           <a:p>
             <a:fld id="{CE88D40F-0E01-46E3-A0A3-09B1E418DDBF}" type="datetimeFigureOut">
               <a:rPr lang="en-US" smtClean="0"/>
-              <a:t>3/23/2021</a:t>
+              <a:t>3/28/2021</a:t>
             </a:fld>
             <a:endParaRPr lang="en-US"/>
           </a:p>
@@ -3597,7 +3683,7 @@
           <a:p>
             <a:fld id="{CE88D40F-0E01-46E3-A0A3-09B1E418DDBF}" type="datetimeFigureOut">
               <a:rPr lang="en-US" smtClean="0"/>
-              <a:t>3/23/2021</a:t>
+              <a:t>3/28/2021</a:t>
             </a:fld>
             <a:endParaRPr lang="en-US"/>
           </a:p>
@@ -3908,7 +3994,7 @@
           <a:p>
             <a:fld id="{CE88D40F-0E01-46E3-A0A3-09B1E418DDBF}" type="datetimeFigureOut">
               <a:rPr lang="en-US" smtClean="0"/>
-              <a:t>3/23/2021</a:t>
+              <a:t>3/28/2021</a:t>
             </a:fld>
             <a:endParaRPr lang="en-US"/>
           </a:p>
@@ -4196,7 +4282,7 @@
           <a:p>
             <a:fld id="{CE88D40F-0E01-46E3-A0A3-09B1E418DDBF}" type="datetimeFigureOut">
               <a:rPr lang="en-US" smtClean="0"/>
-              <a:t>3/23/2021</a:t>
+              <a:t>3/28/2021</a:t>
             </a:fld>
             <a:endParaRPr lang="en-US"/>
           </a:p>
@@ -4437,7 +4523,7 @@
           <a:p>
             <a:fld id="{CE88D40F-0E01-46E3-A0A3-09B1E418DDBF}" type="datetimeFigureOut">
               <a:rPr lang="en-US" smtClean="0"/>
-              <a:t>3/23/2021</a:t>
+              <a:t>3/28/2021</a:t>
             </a:fld>
             <a:endParaRPr lang="en-US"/>
           </a:p>
@@ -7033,26 +7119,13 @@
           <a:p>
             <a:r>
               <a:rPr lang="en-US" dirty="0"/>
-              <a:t>Advanced </a:t>
-            </a:r>
-            <a:r>
-              <a:rPr lang="en-US"/>
-              <a:t>AKS configuration</a:t>
-            </a:r>
-            <a:endParaRPr lang="en-US" dirty="0"/>
+              <a:t>Advanced AKS configuration</a:t>
+            </a:r>
           </a:p>
           <a:p>
             <a:r>
               <a:rPr lang="en-US" dirty="0"/>
-              <a:t>Use </a:t>
-            </a:r>
-            <a:r>
-              <a:rPr lang="en-US" dirty="0" err="1"/>
-              <a:t>Pulumi</a:t>
-            </a:r>
-            <a:r>
-              <a:rPr lang="en-US" dirty="0"/>
-              <a:t> to provision and configuring AKS </a:t>
+              <a:t>Use Pulumi to provision and configuring AKS </a:t>
             </a:r>
             <a:r>
               <a:rPr lang="en-US" dirty="0" err="1"/>
@@ -7942,2757 +8015,6 @@
 </file>
 
 <file path=ppt/slides/slide7.xml><?xml version="1.0" encoding="utf-8"?>
-<p:sld xmlns:a="http://schemas.openxmlformats.org/drawingml/2006/main" xmlns:r="http://schemas.openxmlformats.org/officeDocument/2006/relationships" xmlns:p="http://schemas.openxmlformats.org/presentationml/2006/main">
-  <p:cSld>
-    <p:spTree>
-      <p:nvGrpSpPr>
-        <p:cNvPr id="1" name=""/>
-        <p:cNvGrpSpPr/>
-        <p:nvPr/>
-      </p:nvGrpSpPr>
-      <p:grpSpPr>
-        <a:xfrm>
-          <a:off x="0" y="0"/>
-          <a:ext cx="0" cy="0"/>
-          <a:chOff x="0" y="0"/>
-          <a:chExt cx="0" cy="0"/>
-        </a:xfrm>
-      </p:grpSpPr>
-      <p:sp>
-        <p:nvSpPr>
-          <p:cNvPr id="2" name="Title 1">
-            <a:extLst>
-              <a:ext uri="{FF2B5EF4-FFF2-40B4-BE49-F238E27FC236}">
-                <a16:creationId xmlns:a16="http://schemas.microsoft.com/office/drawing/2014/main" id="{AF708F16-5DBC-4B6A-8DFC-6213EECAA9C2}"/>
-              </a:ext>
-            </a:extLst>
-          </p:cNvPr>
-          <p:cNvSpPr>
-            <a:spLocks noGrp="1"/>
-          </p:cNvSpPr>
-          <p:nvPr>
-            <p:ph type="title"/>
-          </p:nvPr>
-        </p:nvSpPr>
-        <p:spPr/>
-        <p:txBody>
-          <a:bodyPr/>
-          <a:lstStyle/>
-          <a:p>
-            <a:r>
-              <a:rPr lang="en-US" dirty="0"/>
-              <a:t>Infrastructure</a:t>
-            </a:r>
-          </a:p>
-        </p:txBody>
-      </p:sp>
-      <p:pic>
-        <p:nvPicPr>
-          <p:cNvPr id="4" name="Google Shape;56;p13">
-            <a:extLst>
-              <a:ext uri="{FF2B5EF4-FFF2-40B4-BE49-F238E27FC236}">
-                <a16:creationId xmlns:a16="http://schemas.microsoft.com/office/drawing/2014/main" id="{5DC2FED0-7C5F-460C-998D-2520FD324176}"/>
-              </a:ext>
-            </a:extLst>
-          </p:cNvPr>
-          <p:cNvPicPr preferRelativeResize="0"/>
-          <p:nvPr/>
-        </p:nvPicPr>
-        <p:blipFill>
-          <a:blip r:embed="rId3">
-            <a:alphaModFix/>
-          </a:blip>
-          <a:stretch>
-            <a:fillRect/>
-          </a:stretch>
-        </p:blipFill>
-        <p:spPr>
-          <a:xfrm>
-            <a:off x="10989179" y="5736492"/>
-            <a:ext cx="1202821" cy="1121508"/>
-          </a:xfrm>
-          <a:prstGeom prst="rect">
-            <a:avLst/>
-          </a:prstGeom>
-          <a:noFill/>
-          <a:ln>
-            <a:noFill/>
-          </a:ln>
-        </p:spPr>
-      </p:pic>
-      <p:pic>
-        <p:nvPicPr>
-          <p:cNvPr id="6" name="Picture 5">
-            <a:extLst>
-              <a:ext uri="{FF2B5EF4-FFF2-40B4-BE49-F238E27FC236}">
-                <a16:creationId xmlns:a16="http://schemas.microsoft.com/office/drawing/2014/main" id="{562789FC-24E6-41E1-B839-308F71066FC1}"/>
-              </a:ext>
-            </a:extLst>
-          </p:cNvPr>
-          <p:cNvPicPr>
-            <a:picLocks noChangeAspect="1"/>
-          </p:cNvPicPr>
-          <p:nvPr/>
-        </p:nvPicPr>
-        <p:blipFill>
-          <a:blip r:embed="rId4"/>
-          <a:stretch>
-            <a:fillRect/>
-          </a:stretch>
-        </p:blipFill>
-        <p:spPr>
-          <a:xfrm>
-            <a:off x="10765535" y="469734"/>
-            <a:ext cx="1010865" cy="1010865"/>
-          </a:xfrm>
-          <a:prstGeom prst="rect">
-            <a:avLst/>
-          </a:prstGeom>
-        </p:spPr>
-      </p:pic>
-      <p:pic>
-        <p:nvPicPr>
-          <p:cNvPr id="9" name="Graphic 8">
-            <a:extLst>
-              <a:ext uri="{FF2B5EF4-FFF2-40B4-BE49-F238E27FC236}">
-                <a16:creationId xmlns:a16="http://schemas.microsoft.com/office/drawing/2014/main" id="{92DE313B-900C-40F8-B44F-500D6420AD0C}"/>
-              </a:ext>
-            </a:extLst>
-          </p:cNvPr>
-          <p:cNvPicPr>
-            <a:picLocks noChangeAspect="1"/>
-          </p:cNvPicPr>
-          <p:nvPr/>
-        </p:nvPicPr>
-        <p:blipFill>
-          <a:blip r:embed="rId5">
-            <a:extLst>
-              <a:ext uri="{28A0092B-C50C-407E-A947-70E740481C1C}">
-                <a14:useLocalDpi xmlns:a14="http://schemas.microsoft.com/office/drawing/2010/main" val="0"/>
-              </a:ext>
-              <a:ext uri="{96DAC541-7B7A-43D3-8B79-37D633B846F1}">
-                <asvg:svgBlip xmlns:asvg="http://schemas.microsoft.com/office/drawing/2016/SVG/main" r:embed="rId6"/>
-              </a:ext>
-            </a:extLst>
-          </a:blip>
-          <a:stretch>
-            <a:fillRect/>
-          </a:stretch>
-        </p:blipFill>
-        <p:spPr>
-          <a:xfrm>
-            <a:off x="2911258" y="3799667"/>
-            <a:ext cx="393217" cy="393217"/>
-          </a:xfrm>
-          <a:prstGeom prst="rect">
-            <a:avLst/>
-          </a:prstGeom>
-        </p:spPr>
-      </p:pic>
-      <p:grpSp>
-        <p:nvGrpSpPr>
-          <p:cNvPr id="49" name="Group 48">
-            <a:extLst>
-              <a:ext uri="{FF2B5EF4-FFF2-40B4-BE49-F238E27FC236}">
-                <a16:creationId xmlns:a16="http://schemas.microsoft.com/office/drawing/2014/main" id="{7750D624-94D9-4CA0-B825-123BD9CF770E}"/>
-              </a:ext>
-            </a:extLst>
-          </p:cNvPr>
-          <p:cNvGrpSpPr/>
-          <p:nvPr/>
-        </p:nvGrpSpPr>
-        <p:grpSpPr>
-          <a:xfrm>
-            <a:off x="3388687" y="4726564"/>
-            <a:ext cx="697627" cy="827116"/>
-            <a:chOff x="3550948" y="3920375"/>
-            <a:chExt cx="697627" cy="827116"/>
-          </a:xfrm>
-        </p:grpSpPr>
-        <p:pic>
-          <p:nvPicPr>
-            <p:cNvPr id="7" name="Graphic 6">
-              <a:extLst>
-                <a:ext uri="{FF2B5EF4-FFF2-40B4-BE49-F238E27FC236}">
-                  <a16:creationId xmlns:a16="http://schemas.microsoft.com/office/drawing/2014/main" id="{52E93C3C-1655-40EE-A865-841A44028CD4}"/>
-                </a:ext>
-              </a:extLst>
-            </p:cNvPr>
-            <p:cNvPicPr>
-              <a:picLocks noChangeAspect="1"/>
-            </p:cNvPicPr>
-            <p:nvPr/>
-          </p:nvPicPr>
-          <p:blipFill>
-            <a:blip r:embed="rId7">
-              <a:extLst>
-                <a:ext uri="{28A0092B-C50C-407E-A947-70E740481C1C}">
-                  <a14:useLocalDpi xmlns:a14="http://schemas.microsoft.com/office/drawing/2010/main" val="0"/>
-                </a:ext>
-                <a:ext uri="{96DAC541-7B7A-43D3-8B79-37D633B846F1}">
-                  <asvg:svgBlip xmlns:asvg="http://schemas.microsoft.com/office/drawing/2016/SVG/main" r:embed="rId8"/>
-                </a:ext>
-              </a:extLst>
-            </a:blip>
-            <a:stretch>
-              <a:fillRect/>
-            </a:stretch>
-          </p:blipFill>
-          <p:spPr>
-            <a:xfrm>
-              <a:off x="3667554" y="3920375"/>
-              <a:ext cx="464416" cy="464416"/>
-            </a:xfrm>
-            <a:prstGeom prst="rect">
-              <a:avLst/>
-            </a:prstGeom>
-          </p:spPr>
-        </p:pic>
-        <p:sp>
-          <p:nvSpPr>
-            <p:cNvPr id="46" name="TextBox 45">
-              <a:extLst>
-                <a:ext uri="{FF2B5EF4-FFF2-40B4-BE49-F238E27FC236}">
-                  <a16:creationId xmlns:a16="http://schemas.microsoft.com/office/drawing/2014/main" id="{45AB030F-9807-484D-86BC-3A9EAC420485}"/>
-                </a:ext>
-              </a:extLst>
-            </p:cNvPr>
-            <p:cNvSpPr txBox="1"/>
-            <p:nvPr/>
-          </p:nvSpPr>
-          <p:spPr>
-            <a:xfrm>
-              <a:off x="3550948" y="4347381"/>
-              <a:ext cx="697627" cy="400110"/>
-            </a:xfrm>
-            <a:prstGeom prst="rect">
-              <a:avLst/>
-            </a:prstGeom>
-            <a:noFill/>
-          </p:spPr>
-          <p:txBody>
-            <a:bodyPr wrap="none" rtlCol="0">
-              <a:spAutoFit/>
-            </a:bodyPr>
-            <a:lstStyle/>
-            <a:p>
-              <a:pPr algn="ctr"/>
-              <a:r>
-                <a:rPr lang="en-US" sz="1000" dirty="0"/>
-                <a:t>System </a:t>
-              </a:r>
-            </a:p>
-            <a:p>
-              <a:pPr algn="ctr"/>
-              <a:r>
-                <a:rPr lang="en-US" sz="1000" dirty="0"/>
-                <a:t>Nodepool</a:t>
-              </a:r>
-            </a:p>
-          </p:txBody>
-        </p:sp>
-      </p:grpSp>
-      <p:grpSp>
-        <p:nvGrpSpPr>
-          <p:cNvPr id="48" name="Group 47">
-            <a:extLst>
-              <a:ext uri="{FF2B5EF4-FFF2-40B4-BE49-F238E27FC236}">
-                <a16:creationId xmlns:a16="http://schemas.microsoft.com/office/drawing/2014/main" id="{A058822C-E0AF-4FB9-8049-F047CB30558B}"/>
-              </a:ext>
-            </a:extLst>
-          </p:cNvPr>
-          <p:cNvGrpSpPr/>
-          <p:nvPr/>
-        </p:nvGrpSpPr>
-        <p:grpSpPr>
-          <a:xfrm>
-            <a:off x="5315093" y="4710521"/>
-            <a:ext cx="721672" cy="839412"/>
-            <a:chOff x="4962626" y="3920375"/>
-            <a:chExt cx="721672" cy="839412"/>
-          </a:xfrm>
-        </p:grpSpPr>
-        <p:pic>
-          <p:nvPicPr>
-            <p:cNvPr id="42" name="Graphic 41">
-              <a:extLst>
-                <a:ext uri="{FF2B5EF4-FFF2-40B4-BE49-F238E27FC236}">
-                  <a16:creationId xmlns:a16="http://schemas.microsoft.com/office/drawing/2014/main" id="{7C876E2A-10D7-4B53-969B-22F8D0302E35}"/>
-                </a:ext>
-              </a:extLst>
-            </p:cNvPr>
-            <p:cNvPicPr>
-              <a:picLocks noChangeAspect="1"/>
-            </p:cNvPicPr>
-            <p:nvPr/>
-          </p:nvPicPr>
-          <p:blipFill>
-            <a:blip r:embed="rId7">
-              <a:extLst>
-                <a:ext uri="{28A0092B-C50C-407E-A947-70E740481C1C}">
-                  <a14:useLocalDpi xmlns:a14="http://schemas.microsoft.com/office/drawing/2010/main" val="0"/>
-                </a:ext>
-                <a:ext uri="{96DAC541-7B7A-43D3-8B79-37D633B846F1}">
-                  <asvg:svgBlip xmlns:asvg="http://schemas.microsoft.com/office/drawing/2016/SVG/main" r:embed="rId8"/>
-                </a:ext>
-              </a:extLst>
-            </a:blip>
-            <a:stretch>
-              <a:fillRect/>
-            </a:stretch>
-          </p:blipFill>
-          <p:spPr>
-            <a:xfrm>
-              <a:off x="5091254" y="3920375"/>
-              <a:ext cx="464416" cy="464416"/>
-            </a:xfrm>
-            <a:prstGeom prst="rect">
-              <a:avLst/>
-            </a:prstGeom>
-          </p:spPr>
-        </p:pic>
-        <p:sp>
-          <p:nvSpPr>
-            <p:cNvPr id="47" name="TextBox 46">
-              <a:extLst>
-                <a:ext uri="{FF2B5EF4-FFF2-40B4-BE49-F238E27FC236}">
-                  <a16:creationId xmlns:a16="http://schemas.microsoft.com/office/drawing/2014/main" id="{A2000AB8-0FED-4BED-ADD1-AD89070BCD2A}"/>
-                </a:ext>
-              </a:extLst>
-            </p:cNvPr>
-            <p:cNvSpPr txBox="1"/>
-            <p:nvPr/>
-          </p:nvSpPr>
-          <p:spPr>
-            <a:xfrm>
-              <a:off x="4962626" y="4359677"/>
-              <a:ext cx="721672" cy="400110"/>
-            </a:xfrm>
-            <a:prstGeom prst="rect">
-              <a:avLst/>
-            </a:prstGeom>
-            <a:noFill/>
-          </p:spPr>
-          <p:txBody>
-            <a:bodyPr wrap="none" rtlCol="0">
-              <a:spAutoFit/>
-            </a:bodyPr>
-            <a:lstStyle/>
-            <a:p>
-              <a:pPr algn="ctr"/>
-              <a:r>
-                <a:rPr lang="en-US" sz="1000" dirty="0"/>
-                <a:t>Workload </a:t>
-              </a:r>
-            </a:p>
-            <a:p>
-              <a:pPr algn="ctr"/>
-              <a:r>
-                <a:rPr lang="en-US" sz="1000" dirty="0"/>
-                <a:t>Nodepool</a:t>
-              </a:r>
-            </a:p>
-          </p:txBody>
-        </p:sp>
-      </p:grpSp>
-      <p:grpSp>
-        <p:nvGrpSpPr>
-          <p:cNvPr id="51" name="Group 50">
-            <a:extLst>
-              <a:ext uri="{FF2B5EF4-FFF2-40B4-BE49-F238E27FC236}">
-                <a16:creationId xmlns:a16="http://schemas.microsoft.com/office/drawing/2014/main" id="{379A2A45-1ECA-4E01-8990-9365FF2D6180}"/>
-              </a:ext>
-            </a:extLst>
-          </p:cNvPr>
-          <p:cNvGrpSpPr/>
-          <p:nvPr/>
-        </p:nvGrpSpPr>
-        <p:grpSpPr>
-          <a:xfrm>
-            <a:off x="4284453" y="3970487"/>
-            <a:ext cx="1484578" cy="464415"/>
-            <a:chOff x="4350799" y="3212180"/>
-            <a:chExt cx="1484578" cy="464415"/>
-          </a:xfrm>
-        </p:grpSpPr>
-        <p:pic>
-          <p:nvPicPr>
-            <p:cNvPr id="15" name="Graphic 14">
-              <a:extLst>
-                <a:ext uri="{FF2B5EF4-FFF2-40B4-BE49-F238E27FC236}">
-                  <a16:creationId xmlns:a16="http://schemas.microsoft.com/office/drawing/2014/main" id="{2A6792FA-DB64-4DC7-8DB4-F840BDB2F40D}"/>
-                </a:ext>
-              </a:extLst>
-            </p:cNvPr>
-            <p:cNvPicPr>
-              <a:picLocks noChangeAspect="1"/>
-            </p:cNvPicPr>
-            <p:nvPr/>
-          </p:nvPicPr>
-          <p:blipFill>
-            <a:blip r:embed="rId9">
-              <a:extLst>
-                <a:ext uri="{28A0092B-C50C-407E-A947-70E740481C1C}">
-                  <a14:useLocalDpi xmlns:a14="http://schemas.microsoft.com/office/drawing/2010/main" val="0"/>
-                </a:ext>
-                <a:ext uri="{96DAC541-7B7A-43D3-8B79-37D633B846F1}">
-                  <asvg:svgBlip xmlns:asvg="http://schemas.microsoft.com/office/drawing/2016/SVG/main" r:embed="rId10"/>
-                </a:ext>
-              </a:extLst>
-            </a:blip>
-            <a:stretch>
-              <a:fillRect/>
-            </a:stretch>
-          </p:blipFill>
-          <p:spPr>
-            <a:xfrm>
-              <a:off x="4350799" y="3212180"/>
-              <a:ext cx="464415" cy="464415"/>
-            </a:xfrm>
-            <a:prstGeom prst="rect">
-              <a:avLst/>
-            </a:prstGeom>
-          </p:spPr>
-        </p:pic>
-        <p:sp>
-          <p:nvSpPr>
-            <p:cNvPr id="50" name="TextBox 49">
-              <a:extLst>
-                <a:ext uri="{FF2B5EF4-FFF2-40B4-BE49-F238E27FC236}">
-                  <a16:creationId xmlns:a16="http://schemas.microsoft.com/office/drawing/2014/main" id="{3E4294BE-6E31-468E-A20A-6907EA24EE52}"/>
-                </a:ext>
-              </a:extLst>
-            </p:cNvPr>
-            <p:cNvSpPr txBox="1"/>
-            <p:nvPr/>
-          </p:nvSpPr>
-          <p:spPr>
-            <a:xfrm>
-              <a:off x="4746328" y="3244332"/>
-              <a:ext cx="1089049" cy="400110"/>
-            </a:xfrm>
-            <a:prstGeom prst="rect">
-              <a:avLst/>
-            </a:prstGeom>
-            <a:noFill/>
-          </p:spPr>
-          <p:txBody>
-            <a:bodyPr wrap="square" rtlCol="0">
-              <a:spAutoFit/>
-            </a:bodyPr>
-            <a:lstStyle/>
-            <a:p>
-              <a:r>
-                <a:rPr lang="en-US" sz="1000" dirty="0"/>
-                <a:t>Nginx Ingress</a:t>
-              </a:r>
-            </a:p>
-            <a:p>
-              <a:r>
-                <a:rPr lang="en-US" sz="1000" dirty="0"/>
-                <a:t>controller (SLB)</a:t>
-              </a:r>
-            </a:p>
-          </p:txBody>
-        </p:sp>
-      </p:grpSp>
-      <p:cxnSp>
-        <p:nvCxnSpPr>
-          <p:cNvPr id="53" name="Connector: Elbow 52">
-            <a:extLst>
-              <a:ext uri="{FF2B5EF4-FFF2-40B4-BE49-F238E27FC236}">
-                <a16:creationId xmlns:a16="http://schemas.microsoft.com/office/drawing/2014/main" id="{5E8C712E-08EF-4C7D-843F-29C88554DDC4}"/>
-              </a:ext>
-            </a:extLst>
-          </p:cNvPr>
-          <p:cNvCxnSpPr>
-            <a:stCxn id="15" idx="2"/>
-            <a:endCxn id="7" idx="0"/>
-          </p:cNvCxnSpPr>
-          <p:nvPr/>
-        </p:nvCxnSpPr>
-        <p:spPr>
-          <a:xfrm rot="5400000">
-            <a:off x="3981250" y="4191153"/>
-            <a:ext cx="291662" cy="779160"/>
-          </a:xfrm>
-          <a:prstGeom prst="bentConnector3">
-            <a:avLst/>
-          </a:prstGeom>
-          <a:ln>
-            <a:tailEnd type="triangle"/>
-          </a:ln>
-        </p:spPr>
-        <p:style>
-          <a:lnRef idx="1">
-            <a:schemeClr val="accent1"/>
-          </a:lnRef>
-          <a:fillRef idx="0">
-            <a:schemeClr val="accent1"/>
-          </a:fillRef>
-          <a:effectRef idx="0">
-            <a:schemeClr val="accent1"/>
-          </a:effectRef>
-          <a:fontRef idx="minor">
-            <a:schemeClr val="tx1"/>
-          </a:fontRef>
-        </p:style>
-      </p:cxnSp>
-      <p:cxnSp>
-        <p:nvCxnSpPr>
-          <p:cNvPr id="60" name="Connector: Elbow 59">
-            <a:extLst>
-              <a:ext uri="{FF2B5EF4-FFF2-40B4-BE49-F238E27FC236}">
-                <a16:creationId xmlns:a16="http://schemas.microsoft.com/office/drawing/2014/main" id="{3F0AA1B5-51EB-4D0C-9CD2-6C421A793121}"/>
-              </a:ext>
-            </a:extLst>
-          </p:cNvPr>
-          <p:cNvCxnSpPr>
-            <a:cxnSpLocks/>
-            <a:endCxn id="42" idx="0"/>
-          </p:cNvCxnSpPr>
-          <p:nvPr/>
-        </p:nvCxnSpPr>
-        <p:spPr>
-          <a:xfrm>
-            <a:off x="4516200" y="4591767"/>
-            <a:ext cx="1159729" cy="118754"/>
-          </a:xfrm>
-          <a:prstGeom prst="bentConnector2">
-            <a:avLst/>
-          </a:prstGeom>
-          <a:ln>
-            <a:tailEnd type="triangle"/>
-          </a:ln>
-        </p:spPr>
-        <p:style>
-          <a:lnRef idx="1">
-            <a:schemeClr val="accent1"/>
-          </a:lnRef>
-          <a:fillRef idx="0">
-            <a:schemeClr val="accent1"/>
-          </a:fillRef>
-          <a:effectRef idx="0">
-            <a:schemeClr val="accent1"/>
-          </a:effectRef>
-          <a:fontRef idx="minor">
-            <a:schemeClr val="tx1"/>
-          </a:fontRef>
-        </p:style>
-      </p:cxnSp>
-      <p:cxnSp>
-        <p:nvCxnSpPr>
-          <p:cNvPr id="63" name="Connector: Elbow 62">
-            <a:extLst>
-              <a:ext uri="{FF2B5EF4-FFF2-40B4-BE49-F238E27FC236}">
-                <a16:creationId xmlns:a16="http://schemas.microsoft.com/office/drawing/2014/main" id="{E4722500-60F2-496B-A0C8-BEFC7471E8FE}"/>
-              </a:ext>
-            </a:extLst>
-          </p:cNvPr>
-          <p:cNvCxnSpPr>
-            <a:stCxn id="12" idx="2"/>
-            <a:endCxn id="15" idx="0"/>
-          </p:cNvCxnSpPr>
-          <p:nvPr/>
-        </p:nvCxnSpPr>
-        <p:spPr>
-          <a:xfrm rot="16200000" flipH="1">
-            <a:off x="4154114" y="3607939"/>
-            <a:ext cx="725093" cy="1"/>
-          </a:xfrm>
-          <a:prstGeom prst="bentConnector3">
-            <a:avLst/>
-          </a:prstGeom>
-          <a:ln>
-            <a:tailEnd type="triangle"/>
-          </a:ln>
-        </p:spPr>
-        <p:style>
-          <a:lnRef idx="1">
-            <a:schemeClr val="accent1"/>
-          </a:lnRef>
-          <a:fillRef idx="0">
-            <a:schemeClr val="accent1"/>
-          </a:fillRef>
-          <a:effectRef idx="0">
-            <a:schemeClr val="accent1"/>
-          </a:effectRef>
-          <a:fontRef idx="minor">
-            <a:schemeClr val="tx1"/>
-          </a:fontRef>
-        </p:style>
-      </p:cxnSp>
-      <p:cxnSp>
-        <p:nvCxnSpPr>
-          <p:cNvPr id="70" name="Connector: Elbow 69">
-            <a:extLst>
-              <a:ext uri="{FF2B5EF4-FFF2-40B4-BE49-F238E27FC236}">
-                <a16:creationId xmlns:a16="http://schemas.microsoft.com/office/drawing/2014/main" id="{EA7C3777-2174-432B-9EE3-92D0D6A8EBDE}"/>
-              </a:ext>
-            </a:extLst>
-          </p:cNvPr>
-          <p:cNvCxnSpPr>
-            <a:stCxn id="23" idx="2"/>
-            <a:endCxn id="12" idx="0"/>
-          </p:cNvCxnSpPr>
-          <p:nvPr/>
-        </p:nvCxnSpPr>
-        <p:spPr>
-          <a:xfrm rot="16200000" flipH="1">
-            <a:off x="4331984" y="2596302"/>
-            <a:ext cx="368893" cy="459"/>
-          </a:xfrm>
-          <a:prstGeom prst="bentConnector3">
-            <a:avLst/>
-          </a:prstGeom>
-          <a:ln>
-            <a:tailEnd type="triangle"/>
-          </a:ln>
-        </p:spPr>
-        <p:style>
-          <a:lnRef idx="1">
-            <a:schemeClr val="accent1"/>
-          </a:lnRef>
-          <a:fillRef idx="0">
-            <a:schemeClr val="accent1"/>
-          </a:fillRef>
-          <a:effectRef idx="0">
-            <a:schemeClr val="accent1"/>
-          </a:effectRef>
-          <a:fontRef idx="minor">
-            <a:schemeClr val="tx1"/>
-          </a:fontRef>
-        </p:style>
-      </p:cxnSp>
-      <p:sp>
-        <p:nvSpPr>
-          <p:cNvPr id="72" name="Rectangle 71">
-            <a:extLst>
-              <a:ext uri="{FF2B5EF4-FFF2-40B4-BE49-F238E27FC236}">
-                <a16:creationId xmlns:a16="http://schemas.microsoft.com/office/drawing/2014/main" id="{1145F759-F8D6-4D5C-A35D-FF3BD13F3B91}"/>
-              </a:ext>
-            </a:extLst>
-          </p:cNvPr>
-          <p:cNvSpPr/>
-          <p:nvPr/>
-        </p:nvSpPr>
-        <p:spPr>
-          <a:xfrm>
-            <a:off x="2842953" y="3746482"/>
-            <a:ext cx="3599411" cy="1906285"/>
-          </a:xfrm>
-          <a:prstGeom prst="rect">
-            <a:avLst/>
-          </a:prstGeom>
-          <a:noFill/>
-          <a:ln>
-            <a:prstDash val="lgDash"/>
-          </a:ln>
-        </p:spPr>
-        <p:style>
-          <a:lnRef idx="2">
-            <a:schemeClr val="accent1">
-              <a:shade val="50000"/>
-            </a:schemeClr>
-          </a:lnRef>
-          <a:fillRef idx="1">
-            <a:schemeClr val="accent1"/>
-          </a:fillRef>
-          <a:effectRef idx="0">
-            <a:schemeClr val="accent1"/>
-          </a:effectRef>
-          <a:fontRef idx="minor">
-            <a:schemeClr val="lt1"/>
-          </a:fontRef>
-        </p:style>
-        <p:txBody>
-          <a:bodyPr rtlCol="0" anchor="ctr"/>
-          <a:lstStyle/>
-          <a:p>
-            <a:pPr algn="ctr"/>
-            <a:endParaRPr lang="en-US"/>
-          </a:p>
-        </p:txBody>
-      </p:sp>
-      <p:sp>
-        <p:nvSpPr>
-          <p:cNvPr id="73" name="Rectangle 72">
-            <a:extLst>
-              <a:ext uri="{FF2B5EF4-FFF2-40B4-BE49-F238E27FC236}">
-                <a16:creationId xmlns:a16="http://schemas.microsoft.com/office/drawing/2014/main" id="{8DABFB2F-B120-48F5-BF4B-8339C821B6D7}"/>
-              </a:ext>
-            </a:extLst>
-          </p:cNvPr>
-          <p:cNvSpPr/>
-          <p:nvPr/>
-        </p:nvSpPr>
-        <p:spPr>
-          <a:xfrm>
-            <a:off x="2842953" y="2557336"/>
-            <a:ext cx="3599411" cy="688056"/>
-          </a:xfrm>
-          <a:prstGeom prst="rect">
-            <a:avLst/>
-          </a:prstGeom>
-          <a:noFill/>
-          <a:ln>
-            <a:prstDash val="lgDash"/>
-          </a:ln>
-        </p:spPr>
-        <p:style>
-          <a:lnRef idx="2">
-            <a:schemeClr val="accent1">
-              <a:shade val="50000"/>
-            </a:schemeClr>
-          </a:lnRef>
-          <a:fillRef idx="1">
-            <a:schemeClr val="accent1"/>
-          </a:fillRef>
-          <a:effectRef idx="0">
-            <a:schemeClr val="accent1"/>
-          </a:effectRef>
-          <a:fontRef idx="minor">
-            <a:schemeClr val="lt1"/>
-          </a:fontRef>
-        </p:style>
-        <p:txBody>
-          <a:bodyPr rtlCol="0" anchor="ctr"/>
-          <a:lstStyle/>
-          <a:p>
-            <a:pPr algn="ctr"/>
-            <a:endParaRPr lang="en-US"/>
-          </a:p>
-        </p:txBody>
-      </p:sp>
-      <p:sp>
-        <p:nvSpPr>
-          <p:cNvPr id="74" name="Rectangle 73">
-            <a:extLst>
-              <a:ext uri="{FF2B5EF4-FFF2-40B4-BE49-F238E27FC236}">
-                <a16:creationId xmlns:a16="http://schemas.microsoft.com/office/drawing/2014/main" id="{8A045277-52EE-41B8-8DA2-EEF67B4EB82A}"/>
-              </a:ext>
-            </a:extLst>
-          </p:cNvPr>
-          <p:cNvSpPr/>
-          <p:nvPr/>
-        </p:nvSpPr>
-        <p:spPr>
-          <a:xfrm>
-            <a:off x="2842952" y="1785717"/>
-            <a:ext cx="3599411" cy="688056"/>
-          </a:xfrm>
-          <a:prstGeom prst="rect">
-            <a:avLst/>
-          </a:prstGeom>
-          <a:noFill/>
-          <a:ln>
-            <a:prstDash val="lgDash"/>
-          </a:ln>
-        </p:spPr>
-        <p:style>
-          <a:lnRef idx="2">
-            <a:schemeClr val="accent1">
-              <a:shade val="50000"/>
-            </a:schemeClr>
-          </a:lnRef>
-          <a:fillRef idx="1">
-            <a:schemeClr val="accent1"/>
-          </a:fillRef>
-          <a:effectRef idx="0">
-            <a:schemeClr val="accent1"/>
-          </a:effectRef>
-          <a:fontRef idx="minor">
-            <a:schemeClr val="lt1"/>
-          </a:fontRef>
-        </p:style>
-        <p:txBody>
-          <a:bodyPr rtlCol="0" anchor="ctr"/>
-          <a:lstStyle/>
-          <a:p>
-            <a:pPr algn="ctr"/>
-            <a:endParaRPr lang="en-US"/>
-          </a:p>
-        </p:txBody>
-      </p:sp>
-      <p:cxnSp>
-        <p:nvCxnSpPr>
-          <p:cNvPr id="76" name="Connector: Elbow 75">
-            <a:extLst>
-              <a:ext uri="{FF2B5EF4-FFF2-40B4-BE49-F238E27FC236}">
-                <a16:creationId xmlns:a16="http://schemas.microsoft.com/office/drawing/2014/main" id="{D62F31E2-0B40-450C-8BA2-00527D57E164}"/>
-              </a:ext>
-            </a:extLst>
-          </p:cNvPr>
-          <p:cNvCxnSpPr>
-            <a:cxnSpLocks/>
-            <a:stCxn id="100" idx="1"/>
-            <a:endCxn id="103" idx="3"/>
-          </p:cNvCxnSpPr>
-          <p:nvPr/>
-        </p:nvCxnSpPr>
-        <p:spPr>
-          <a:xfrm rot="10800000" flipV="1">
-            <a:off x="4719098" y="1307509"/>
-            <a:ext cx="826999" cy="2919"/>
-          </a:xfrm>
-          <a:prstGeom prst="bentConnector3">
-            <a:avLst>
-              <a:gd name="adj1" fmla="val 50000"/>
-            </a:avLst>
-          </a:prstGeom>
-          <a:ln>
-            <a:tailEnd type="triangle"/>
-          </a:ln>
-        </p:spPr>
-        <p:style>
-          <a:lnRef idx="1">
-            <a:schemeClr val="accent1"/>
-          </a:lnRef>
-          <a:fillRef idx="0">
-            <a:schemeClr val="accent1"/>
-          </a:fillRef>
-          <a:effectRef idx="0">
-            <a:schemeClr val="accent1"/>
-          </a:effectRef>
-          <a:fontRef idx="minor">
-            <a:schemeClr val="tx1"/>
-          </a:fontRef>
-        </p:style>
-      </p:cxnSp>
-      <p:sp>
-        <p:nvSpPr>
-          <p:cNvPr id="77" name="TextBox 76">
-            <a:extLst>
-              <a:ext uri="{FF2B5EF4-FFF2-40B4-BE49-F238E27FC236}">
-                <a16:creationId xmlns:a16="http://schemas.microsoft.com/office/drawing/2014/main" id="{F928DDEF-CDB0-47AB-9EBE-4A255645836D}"/>
-              </a:ext>
-            </a:extLst>
-          </p:cNvPr>
-          <p:cNvSpPr txBox="1"/>
-          <p:nvPr/>
-        </p:nvSpPr>
-        <p:spPr>
-          <a:xfrm>
-            <a:off x="5572142" y="2269333"/>
-            <a:ext cx="967106" cy="246221"/>
-          </a:xfrm>
-          <a:prstGeom prst="rect">
-            <a:avLst/>
-          </a:prstGeom>
-          <a:noFill/>
-        </p:spPr>
-        <p:txBody>
-          <a:bodyPr wrap="square" rtlCol="0">
-            <a:spAutoFit/>
-          </a:bodyPr>
-          <a:lstStyle/>
-          <a:p>
-            <a:pPr algn="r"/>
-            <a:r>
-              <a:rPr lang="en-US" sz="1000" dirty="0"/>
-              <a:t>AGW subnet</a:t>
-            </a:r>
-          </a:p>
-        </p:txBody>
-      </p:sp>
-      <p:sp>
-        <p:nvSpPr>
-          <p:cNvPr id="78" name="TextBox 77">
-            <a:extLst>
-              <a:ext uri="{FF2B5EF4-FFF2-40B4-BE49-F238E27FC236}">
-                <a16:creationId xmlns:a16="http://schemas.microsoft.com/office/drawing/2014/main" id="{8660CB76-795A-4458-94C1-09B5E8CF4DA8}"/>
-              </a:ext>
-            </a:extLst>
-          </p:cNvPr>
-          <p:cNvSpPr txBox="1"/>
-          <p:nvPr/>
-        </p:nvSpPr>
-        <p:spPr>
-          <a:xfrm>
-            <a:off x="5526957" y="3047490"/>
-            <a:ext cx="967106" cy="246221"/>
-          </a:xfrm>
-          <a:prstGeom prst="rect">
-            <a:avLst/>
-          </a:prstGeom>
-          <a:noFill/>
-        </p:spPr>
-        <p:txBody>
-          <a:bodyPr wrap="square" rtlCol="0">
-            <a:spAutoFit/>
-          </a:bodyPr>
-          <a:lstStyle/>
-          <a:p>
-            <a:pPr algn="r"/>
-            <a:r>
-              <a:rPr lang="en-US" sz="1000" dirty="0"/>
-              <a:t>APIM subnet</a:t>
-            </a:r>
-          </a:p>
-        </p:txBody>
-      </p:sp>
-      <p:sp>
-        <p:nvSpPr>
-          <p:cNvPr id="79" name="TextBox 78">
-            <a:extLst>
-              <a:ext uri="{FF2B5EF4-FFF2-40B4-BE49-F238E27FC236}">
-                <a16:creationId xmlns:a16="http://schemas.microsoft.com/office/drawing/2014/main" id="{E4A4BB18-6F49-4F94-9A73-D439AF5BC5E4}"/>
-              </a:ext>
-            </a:extLst>
-          </p:cNvPr>
-          <p:cNvSpPr txBox="1"/>
-          <p:nvPr/>
-        </p:nvSpPr>
-        <p:spPr>
-          <a:xfrm>
-            <a:off x="2783571" y="5453147"/>
-            <a:ext cx="967106" cy="246221"/>
-          </a:xfrm>
-          <a:prstGeom prst="rect">
-            <a:avLst/>
-          </a:prstGeom>
-          <a:noFill/>
-        </p:spPr>
-        <p:txBody>
-          <a:bodyPr wrap="square" rtlCol="0">
-            <a:spAutoFit/>
-          </a:bodyPr>
-          <a:lstStyle/>
-          <a:p>
-            <a:r>
-              <a:rPr lang="en-US" sz="1000" dirty="0"/>
-              <a:t>AKS subnet</a:t>
-            </a:r>
-          </a:p>
-        </p:txBody>
-      </p:sp>
-      <p:sp>
-        <p:nvSpPr>
-          <p:cNvPr id="80" name="Rectangle 79">
-            <a:extLst>
-              <a:ext uri="{FF2B5EF4-FFF2-40B4-BE49-F238E27FC236}">
-                <a16:creationId xmlns:a16="http://schemas.microsoft.com/office/drawing/2014/main" id="{06D06C80-61AD-40AD-A254-90E26D89F9F3}"/>
-              </a:ext>
-            </a:extLst>
-          </p:cNvPr>
-          <p:cNvSpPr/>
-          <p:nvPr/>
-        </p:nvSpPr>
-        <p:spPr>
-          <a:xfrm>
-            <a:off x="2664069" y="3676558"/>
-            <a:ext cx="3930695" cy="2249922"/>
-          </a:xfrm>
-          <a:prstGeom prst="rect">
-            <a:avLst/>
-          </a:prstGeom>
-          <a:noFill/>
-          <a:ln>
-            <a:prstDash val="lgDash"/>
-          </a:ln>
-        </p:spPr>
-        <p:style>
-          <a:lnRef idx="2">
-            <a:schemeClr val="accent1">
-              <a:shade val="50000"/>
-            </a:schemeClr>
-          </a:lnRef>
-          <a:fillRef idx="1">
-            <a:schemeClr val="accent1"/>
-          </a:fillRef>
-          <a:effectRef idx="0">
-            <a:schemeClr val="accent1"/>
-          </a:effectRef>
-          <a:fontRef idx="minor">
-            <a:schemeClr val="lt1"/>
-          </a:fontRef>
-        </p:style>
-        <p:txBody>
-          <a:bodyPr rtlCol="0" anchor="ctr"/>
-          <a:lstStyle/>
-          <a:p>
-            <a:pPr algn="ctr"/>
-            <a:endParaRPr lang="en-US"/>
-          </a:p>
-        </p:txBody>
-      </p:sp>
-      <p:pic>
-        <p:nvPicPr>
-          <p:cNvPr id="82" name="Graphic 81">
-            <a:extLst>
-              <a:ext uri="{FF2B5EF4-FFF2-40B4-BE49-F238E27FC236}">
-                <a16:creationId xmlns:a16="http://schemas.microsoft.com/office/drawing/2014/main" id="{711CAAFD-17C2-4C96-9613-FEB58B352AB3}"/>
-              </a:ext>
-            </a:extLst>
-          </p:cNvPr>
-          <p:cNvPicPr>
-            <a:picLocks noChangeAspect="1"/>
-          </p:cNvPicPr>
-          <p:nvPr/>
-        </p:nvPicPr>
-        <p:blipFill>
-          <a:blip r:embed="rId11">
-            <a:extLst>
-              <a:ext uri="{28A0092B-C50C-407E-A947-70E740481C1C}">
-                <a14:useLocalDpi xmlns:a14="http://schemas.microsoft.com/office/drawing/2010/main" val="0"/>
-              </a:ext>
-              <a:ext uri="{96DAC541-7B7A-43D3-8B79-37D633B846F1}">
-                <asvg:svgBlip xmlns:asvg="http://schemas.microsoft.com/office/drawing/2016/SVG/main" r:embed="rId12"/>
-              </a:ext>
-            </a:extLst>
-          </a:blip>
-          <a:stretch>
-            <a:fillRect/>
-          </a:stretch>
-        </p:blipFill>
-        <p:spPr>
-          <a:xfrm>
-            <a:off x="2704578" y="5699723"/>
-            <a:ext cx="251979" cy="251979"/>
-          </a:xfrm>
-          <a:prstGeom prst="rect">
-            <a:avLst/>
-          </a:prstGeom>
-        </p:spPr>
-      </p:pic>
-      <p:sp>
-        <p:nvSpPr>
-          <p:cNvPr id="84" name="Rectangle 83">
-            <a:extLst>
-              <a:ext uri="{FF2B5EF4-FFF2-40B4-BE49-F238E27FC236}">
-                <a16:creationId xmlns:a16="http://schemas.microsoft.com/office/drawing/2014/main" id="{4BFF43BF-EF17-4EA8-BFF4-6C46DBD8EC95}"/>
-              </a:ext>
-            </a:extLst>
-          </p:cNvPr>
-          <p:cNvSpPr/>
-          <p:nvPr/>
-        </p:nvSpPr>
-        <p:spPr>
-          <a:xfrm>
-            <a:off x="2667533" y="1701047"/>
-            <a:ext cx="3930695" cy="1813556"/>
-          </a:xfrm>
-          <a:prstGeom prst="rect">
-            <a:avLst/>
-          </a:prstGeom>
-          <a:noFill/>
-          <a:ln>
-            <a:prstDash val="lgDash"/>
-          </a:ln>
-        </p:spPr>
-        <p:style>
-          <a:lnRef idx="2">
-            <a:schemeClr val="accent1">
-              <a:shade val="50000"/>
-            </a:schemeClr>
-          </a:lnRef>
-          <a:fillRef idx="1">
-            <a:schemeClr val="accent1"/>
-          </a:fillRef>
-          <a:effectRef idx="0">
-            <a:schemeClr val="accent1"/>
-          </a:effectRef>
-          <a:fontRef idx="minor">
-            <a:schemeClr val="lt1"/>
-          </a:fontRef>
-        </p:style>
-        <p:txBody>
-          <a:bodyPr rtlCol="0" anchor="ctr"/>
-          <a:lstStyle/>
-          <a:p>
-            <a:pPr algn="ctr"/>
-            <a:endParaRPr lang="en-US"/>
-          </a:p>
-        </p:txBody>
-      </p:sp>
-      <p:pic>
-        <p:nvPicPr>
-          <p:cNvPr id="85" name="Graphic 84">
-            <a:extLst>
-              <a:ext uri="{FF2B5EF4-FFF2-40B4-BE49-F238E27FC236}">
-                <a16:creationId xmlns:a16="http://schemas.microsoft.com/office/drawing/2014/main" id="{F42B162A-0AF5-4A4B-8B5B-CA2144BFA801}"/>
-              </a:ext>
-            </a:extLst>
-          </p:cNvPr>
-          <p:cNvPicPr>
-            <a:picLocks noChangeAspect="1"/>
-          </p:cNvPicPr>
-          <p:nvPr/>
-        </p:nvPicPr>
-        <p:blipFill>
-          <a:blip r:embed="rId11">
-            <a:extLst>
-              <a:ext uri="{28A0092B-C50C-407E-A947-70E740481C1C}">
-                <a14:useLocalDpi xmlns:a14="http://schemas.microsoft.com/office/drawing/2010/main" val="0"/>
-              </a:ext>
-              <a:ext uri="{96DAC541-7B7A-43D3-8B79-37D633B846F1}">
-                <asvg:svgBlip xmlns:asvg="http://schemas.microsoft.com/office/drawing/2016/SVG/main" r:embed="rId12"/>
-              </a:ext>
-            </a:extLst>
-          </a:blip>
-          <a:stretch>
-            <a:fillRect/>
-          </a:stretch>
-        </p:blipFill>
-        <p:spPr>
-          <a:xfrm>
-            <a:off x="2697941" y="3286002"/>
-            <a:ext cx="251979" cy="251979"/>
-          </a:xfrm>
-          <a:prstGeom prst="rect">
-            <a:avLst/>
-          </a:prstGeom>
-        </p:spPr>
-      </p:pic>
-      <p:sp>
-        <p:nvSpPr>
-          <p:cNvPr id="86" name="TextBox 85">
-            <a:extLst>
-              <a:ext uri="{FF2B5EF4-FFF2-40B4-BE49-F238E27FC236}">
-                <a16:creationId xmlns:a16="http://schemas.microsoft.com/office/drawing/2014/main" id="{0D76ED6A-AF72-4363-9C6D-72205F9F3D63}"/>
-              </a:ext>
-            </a:extLst>
-          </p:cNvPr>
-          <p:cNvSpPr txBox="1"/>
-          <p:nvPr/>
-        </p:nvSpPr>
-        <p:spPr>
-          <a:xfrm>
-            <a:off x="2905134" y="3288792"/>
-            <a:ext cx="967106" cy="246221"/>
-          </a:xfrm>
-          <a:prstGeom prst="rect">
-            <a:avLst/>
-          </a:prstGeom>
-          <a:noFill/>
-        </p:spPr>
-        <p:txBody>
-          <a:bodyPr wrap="square" rtlCol="0">
-            <a:spAutoFit/>
-          </a:bodyPr>
-          <a:lstStyle/>
-          <a:p>
-            <a:r>
-              <a:rPr lang="en-US" sz="1000" dirty="0"/>
-              <a:t>APIM VNet</a:t>
-            </a:r>
-          </a:p>
-        </p:txBody>
-      </p:sp>
-      <p:sp>
-        <p:nvSpPr>
-          <p:cNvPr id="87" name="TextBox 86">
-            <a:extLst>
-              <a:ext uri="{FF2B5EF4-FFF2-40B4-BE49-F238E27FC236}">
-                <a16:creationId xmlns:a16="http://schemas.microsoft.com/office/drawing/2014/main" id="{01FF6855-8A3A-47DB-8567-4D615C557433}"/>
-              </a:ext>
-            </a:extLst>
-          </p:cNvPr>
-          <p:cNvSpPr txBox="1"/>
-          <p:nvPr/>
-        </p:nvSpPr>
-        <p:spPr>
-          <a:xfrm>
-            <a:off x="2905134" y="5699014"/>
-            <a:ext cx="967106" cy="246221"/>
-          </a:xfrm>
-          <a:prstGeom prst="rect">
-            <a:avLst/>
-          </a:prstGeom>
-          <a:noFill/>
-        </p:spPr>
-        <p:txBody>
-          <a:bodyPr wrap="square" rtlCol="0">
-            <a:spAutoFit/>
-          </a:bodyPr>
-          <a:lstStyle/>
-          <a:p>
-            <a:r>
-              <a:rPr lang="en-US" sz="1000" dirty="0"/>
-              <a:t>AKS VNet</a:t>
-            </a:r>
-          </a:p>
-        </p:txBody>
-      </p:sp>
-      <p:sp>
-        <p:nvSpPr>
-          <p:cNvPr id="90" name="TextBox 89">
-            <a:extLst>
-              <a:ext uri="{FF2B5EF4-FFF2-40B4-BE49-F238E27FC236}">
-                <a16:creationId xmlns:a16="http://schemas.microsoft.com/office/drawing/2014/main" id="{BE6F5629-6E61-4286-8A58-FA42169508C9}"/>
-              </a:ext>
-            </a:extLst>
-          </p:cNvPr>
-          <p:cNvSpPr txBox="1"/>
-          <p:nvPr/>
-        </p:nvSpPr>
-        <p:spPr>
-          <a:xfrm rot="16200000">
-            <a:off x="1758330" y="3490192"/>
-            <a:ext cx="1169726" cy="246221"/>
-          </a:xfrm>
-          <a:prstGeom prst="rect">
-            <a:avLst/>
-          </a:prstGeom>
-          <a:noFill/>
-        </p:spPr>
-        <p:txBody>
-          <a:bodyPr wrap="square" rtlCol="0">
-            <a:spAutoFit/>
-          </a:bodyPr>
-          <a:lstStyle/>
-          <a:p>
-            <a:r>
-              <a:rPr lang="en-US" sz="1000" dirty="0"/>
-              <a:t>VNet peering</a:t>
-            </a:r>
-          </a:p>
-        </p:txBody>
-      </p:sp>
-      <p:sp>
-        <p:nvSpPr>
-          <p:cNvPr id="94" name="Rectangle 93">
-            <a:extLst>
-              <a:ext uri="{FF2B5EF4-FFF2-40B4-BE49-F238E27FC236}">
-                <a16:creationId xmlns:a16="http://schemas.microsoft.com/office/drawing/2014/main" id="{F4F1791A-87EE-4EB6-8CAC-E7715C8E60F3}"/>
-              </a:ext>
-            </a:extLst>
-          </p:cNvPr>
-          <p:cNvSpPr/>
-          <p:nvPr/>
-        </p:nvSpPr>
-        <p:spPr>
-          <a:xfrm>
-            <a:off x="3631223" y="5822124"/>
-            <a:ext cx="2044706" cy="184662"/>
-          </a:xfrm>
-          <a:prstGeom prst="rect">
-            <a:avLst/>
-          </a:prstGeom>
-          <a:solidFill>
-            <a:schemeClr val="accent4">
-              <a:lumMod val="20000"/>
-              <a:lumOff val="80000"/>
-            </a:schemeClr>
-          </a:solidFill>
-        </p:spPr>
-        <p:style>
-          <a:lnRef idx="2">
-            <a:schemeClr val="accent1">
-              <a:shade val="50000"/>
-            </a:schemeClr>
-          </a:lnRef>
-          <a:fillRef idx="1">
-            <a:schemeClr val="accent1"/>
-          </a:fillRef>
-          <a:effectRef idx="0">
-            <a:schemeClr val="accent1"/>
-          </a:effectRef>
-          <a:fontRef idx="minor">
-            <a:schemeClr val="lt1"/>
-          </a:fontRef>
-        </p:style>
-        <p:txBody>
-          <a:bodyPr rtlCol="0" anchor="ctr"/>
-          <a:lstStyle/>
-          <a:p>
-            <a:pPr algn="ctr"/>
-            <a:r>
-              <a:rPr lang="en-US" sz="1000" dirty="0">
-                <a:solidFill>
-                  <a:schemeClr val="tx1"/>
-                </a:solidFill>
-              </a:rPr>
-              <a:t>VNet Service Endpoints</a:t>
-            </a:r>
-          </a:p>
-        </p:txBody>
-      </p:sp>
-      <p:cxnSp>
-        <p:nvCxnSpPr>
-          <p:cNvPr id="96" name="Connector: Elbow 95">
-            <a:extLst>
-              <a:ext uri="{FF2B5EF4-FFF2-40B4-BE49-F238E27FC236}">
-                <a16:creationId xmlns:a16="http://schemas.microsoft.com/office/drawing/2014/main" id="{1691A7DD-32D0-492D-8B1E-91C72F976D2B}"/>
-              </a:ext>
-            </a:extLst>
-          </p:cNvPr>
-          <p:cNvCxnSpPr>
-            <a:cxnSpLocks/>
-            <a:stCxn id="42" idx="1"/>
-            <a:endCxn id="30" idx="0"/>
-          </p:cNvCxnSpPr>
-          <p:nvPr/>
-        </p:nvCxnSpPr>
-        <p:spPr>
-          <a:xfrm rot="10800000" flipV="1">
-            <a:off x="4642657" y="4942728"/>
-            <a:ext cx="801064" cy="1240157"/>
-          </a:xfrm>
-          <a:prstGeom prst="bentConnector2">
-            <a:avLst/>
-          </a:prstGeom>
-          <a:ln>
-            <a:tailEnd type="triangle"/>
-          </a:ln>
-        </p:spPr>
-        <p:style>
-          <a:lnRef idx="1">
-            <a:schemeClr val="accent1"/>
-          </a:lnRef>
-          <a:fillRef idx="0">
-            <a:schemeClr val="accent1"/>
-          </a:fillRef>
-          <a:effectRef idx="0">
-            <a:schemeClr val="accent1"/>
-          </a:effectRef>
-          <a:fontRef idx="minor">
-            <a:schemeClr val="tx1"/>
-          </a:fontRef>
-        </p:style>
-      </p:cxnSp>
-      <p:grpSp>
-        <p:nvGrpSpPr>
-          <p:cNvPr id="98" name="Group 97">
-            <a:extLst>
-              <a:ext uri="{FF2B5EF4-FFF2-40B4-BE49-F238E27FC236}">
-                <a16:creationId xmlns:a16="http://schemas.microsoft.com/office/drawing/2014/main" id="{76A36CAD-880F-4CEC-8331-0F2E294F16D2}"/>
-              </a:ext>
-            </a:extLst>
-          </p:cNvPr>
-          <p:cNvGrpSpPr/>
-          <p:nvPr/>
-        </p:nvGrpSpPr>
-        <p:grpSpPr>
-          <a:xfrm>
-            <a:off x="1125655" y="4731777"/>
-            <a:ext cx="1144865" cy="717444"/>
-            <a:chOff x="1082247" y="4490541"/>
-            <a:chExt cx="1144865" cy="717444"/>
-          </a:xfrm>
-        </p:grpSpPr>
-        <p:pic>
-          <p:nvPicPr>
-            <p:cNvPr id="27" name="Graphic 26">
-              <a:extLst>
-                <a:ext uri="{FF2B5EF4-FFF2-40B4-BE49-F238E27FC236}">
-                  <a16:creationId xmlns:a16="http://schemas.microsoft.com/office/drawing/2014/main" id="{8138B671-7F71-4E17-8C83-D031DF287FC1}"/>
-                </a:ext>
-              </a:extLst>
-            </p:cNvPr>
-            <p:cNvPicPr>
-              <a:picLocks noChangeAspect="1"/>
-            </p:cNvPicPr>
-            <p:nvPr/>
-          </p:nvPicPr>
-          <p:blipFill>
-            <a:blip r:embed="rId13">
-              <a:extLst>
-                <a:ext uri="{28A0092B-C50C-407E-A947-70E740481C1C}">
-                  <a14:useLocalDpi xmlns:a14="http://schemas.microsoft.com/office/drawing/2010/main" val="0"/>
-                </a:ext>
-                <a:ext uri="{96DAC541-7B7A-43D3-8B79-37D633B846F1}">
-                  <asvg:svgBlip xmlns:asvg="http://schemas.microsoft.com/office/drawing/2016/SVG/main" r:embed="rId14"/>
-                </a:ext>
-              </a:extLst>
-            </a:blip>
-            <a:stretch>
-              <a:fillRect/>
-            </a:stretch>
-          </p:blipFill>
-          <p:spPr>
-            <a:xfrm>
-              <a:off x="1422473" y="4490541"/>
-              <a:ext cx="464414" cy="464414"/>
-            </a:xfrm>
-            <a:prstGeom prst="rect">
-              <a:avLst/>
-            </a:prstGeom>
-          </p:spPr>
-        </p:pic>
-        <p:sp>
-          <p:nvSpPr>
-            <p:cNvPr id="97" name="TextBox 96">
-              <a:extLst>
-                <a:ext uri="{FF2B5EF4-FFF2-40B4-BE49-F238E27FC236}">
-                  <a16:creationId xmlns:a16="http://schemas.microsoft.com/office/drawing/2014/main" id="{8C3F45F0-365C-4378-B844-12F3101615BE}"/>
-                </a:ext>
-              </a:extLst>
-            </p:cNvPr>
-            <p:cNvSpPr txBox="1"/>
-            <p:nvPr/>
-          </p:nvSpPr>
-          <p:spPr>
-            <a:xfrm>
-              <a:off x="1082247" y="4961764"/>
-              <a:ext cx="1144865" cy="246221"/>
-            </a:xfrm>
-            <a:prstGeom prst="rect">
-              <a:avLst/>
-            </a:prstGeom>
-            <a:noFill/>
-          </p:spPr>
-          <p:txBody>
-            <a:bodyPr wrap="none" rtlCol="0">
-              <a:spAutoFit/>
-            </a:bodyPr>
-            <a:lstStyle/>
-            <a:p>
-              <a:r>
-                <a:rPr lang="en-US" sz="1000" dirty="0"/>
-                <a:t>Container Registry</a:t>
-              </a:r>
-            </a:p>
-          </p:txBody>
-        </p:sp>
-      </p:grpSp>
-      <p:cxnSp>
-        <p:nvCxnSpPr>
-          <p:cNvPr id="104" name="Connector: Elbow 103">
-            <a:extLst>
-              <a:ext uri="{FF2B5EF4-FFF2-40B4-BE49-F238E27FC236}">
-                <a16:creationId xmlns:a16="http://schemas.microsoft.com/office/drawing/2014/main" id="{64222C99-BEDF-4E7E-A888-F99B3724DB78}"/>
-              </a:ext>
-            </a:extLst>
-          </p:cNvPr>
-          <p:cNvCxnSpPr>
-            <a:cxnSpLocks/>
-            <a:stCxn id="80" idx="1"/>
-            <a:endCxn id="84" idx="1"/>
-          </p:cNvCxnSpPr>
-          <p:nvPr/>
-        </p:nvCxnSpPr>
-        <p:spPr>
-          <a:xfrm rot="10800000" flipH="1">
-            <a:off x="2664069" y="2607825"/>
-            <a:ext cx="3464" cy="2193694"/>
-          </a:xfrm>
-          <a:prstGeom prst="bentConnector3">
-            <a:avLst>
-              <a:gd name="adj1" fmla="val -6599307"/>
-            </a:avLst>
-          </a:prstGeom>
-        </p:spPr>
-        <p:style>
-          <a:lnRef idx="1">
-            <a:schemeClr val="accent1"/>
-          </a:lnRef>
-          <a:fillRef idx="0">
-            <a:schemeClr val="accent1"/>
-          </a:fillRef>
-          <a:effectRef idx="0">
-            <a:schemeClr val="accent1"/>
-          </a:effectRef>
-          <a:fontRef idx="minor">
-            <a:schemeClr val="tx1"/>
-          </a:fontRef>
-        </p:style>
-      </p:cxnSp>
-      <p:cxnSp>
-        <p:nvCxnSpPr>
-          <p:cNvPr id="8" name="Connector: Elbow 7">
-            <a:extLst>
-              <a:ext uri="{FF2B5EF4-FFF2-40B4-BE49-F238E27FC236}">
-                <a16:creationId xmlns:a16="http://schemas.microsoft.com/office/drawing/2014/main" id="{3479C7C3-4328-4B2C-A263-ADCA6A5D800F}"/>
-              </a:ext>
-            </a:extLst>
-          </p:cNvPr>
-          <p:cNvCxnSpPr>
-            <a:cxnSpLocks/>
-            <a:stCxn id="42" idx="3"/>
-            <a:endCxn id="37" idx="0"/>
-          </p:cNvCxnSpPr>
-          <p:nvPr/>
-        </p:nvCxnSpPr>
-        <p:spPr>
-          <a:xfrm>
-            <a:off x="5908137" y="4942729"/>
-            <a:ext cx="317644" cy="1241369"/>
-          </a:xfrm>
-          <a:prstGeom prst="bentConnector2">
-            <a:avLst/>
-          </a:prstGeom>
-          <a:ln>
-            <a:tailEnd type="triangle"/>
-          </a:ln>
-        </p:spPr>
-        <p:style>
-          <a:lnRef idx="1">
-            <a:schemeClr val="accent1"/>
-          </a:lnRef>
-          <a:fillRef idx="0">
-            <a:schemeClr val="accent1"/>
-          </a:fillRef>
-          <a:effectRef idx="0">
-            <a:schemeClr val="accent1"/>
-          </a:effectRef>
-          <a:fontRef idx="minor">
-            <a:schemeClr val="tx1"/>
-          </a:fontRef>
-        </p:style>
-      </p:cxnSp>
-      <p:pic>
-        <p:nvPicPr>
-          <p:cNvPr id="13" name="Picture 12">
-            <a:extLst>
-              <a:ext uri="{FF2B5EF4-FFF2-40B4-BE49-F238E27FC236}">
-                <a16:creationId xmlns:a16="http://schemas.microsoft.com/office/drawing/2014/main" id="{4CC2C820-C2AE-44C7-BF18-B5F32EF48AD4}"/>
-              </a:ext>
-            </a:extLst>
-          </p:cNvPr>
-          <p:cNvPicPr>
-            <a:picLocks noChangeAspect="1"/>
-          </p:cNvPicPr>
-          <p:nvPr/>
-        </p:nvPicPr>
-        <p:blipFill>
-          <a:blip r:embed="rId15"/>
-          <a:stretch>
-            <a:fillRect/>
-          </a:stretch>
-        </p:blipFill>
-        <p:spPr>
-          <a:xfrm>
-            <a:off x="7128925" y="6162032"/>
-            <a:ext cx="701101" cy="426757"/>
-          </a:xfrm>
-          <a:prstGeom prst="rect">
-            <a:avLst/>
-          </a:prstGeom>
-        </p:spPr>
-      </p:pic>
-      <p:cxnSp>
-        <p:nvCxnSpPr>
-          <p:cNvPr id="16" name="Connector: Elbow 15">
-            <a:extLst>
-              <a:ext uri="{FF2B5EF4-FFF2-40B4-BE49-F238E27FC236}">
-                <a16:creationId xmlns:a16="http://schemas.microsoft.com/office/drawing/2014/main" id="{AFB06820-2BCA-4A48-9787-E762AC5FDE31}"/>
-              </a:ext>
-            </a:extLst>
-          </p:cNvPr>
-          <p:cNvCxnSpPr>
-            <a:cxnSpLocks/>
-            <a:stCxn id="37" idx="3"/>
-            <a:endCxn id="13" idx="1"/>
-          </p:cNvCxnSpPr>
-          <p:nvPr/>
-        </p:nvCxnSpPr>
-        <p:spPr>
-          <a:xfrm>
-            <a:off x="6411527" y="6369844"/>
-            <a:ext cx="717398" cy="5567"/>
-          </a:xfrm>
-          <a:prstGeom prst="bentConnector3">
-            <a:avLst/>
-          </a:prstGeom>
-          <a:ln>
-            <a:tailEnd type="triangle"/>
-          </a:ln>
-        </p:spPr>
-        <p:style>
-          <a:lnRef idx="1">
-            <a:schemeClr val="accent1"/>
-          </a:lnRef>
-          <a:fillRef idx="0">
-            <a:schemeClr val="accent1"/>
-          </a:fillRef>
-          <a:effectRef idx="0">
-            <a:schemeClr val="accent1"/>
-          </a:effectRef>
-          <a:fontRef idx="minor">
-            <a:schemeClr val="tx1"/>
-          </a:fontRef>
-        </p:style>
-      </p:cxnSp>
-      <p:grpSp>
-        <p:nvGrpSpPr>
-          <p:cNvPr id="20" name="Group 19">
-            <a:extLst>
-              <a:ext uri="{FF2B5EF4-FFF2-40B4-BE49-F238E27FC236}">
-                <a16:creationId xmlns:a16="http://schemas.microsoft.com/office/drawing/2014/main" id="{6E95E8B4-B833-424A-9C50-3748026F3D55}"/>
-              </a:ext>
-            </a:extLst>
-          </p:cNvPr>
-          <p:cNvGrpSpPr/>
-          <p:nvPr/>
-        </p:nvGrpSpPr>
-        <p:grpSpPr>
-          <a:xfrm>
-            <a:off x="6959581" y="2815283"/>
-            <a:ext cx="967106" cy="694214"/>
-            <a:chOff x="6959581" y="2815283"/>
-            <a:chExt cx="967106" cy="694214"/>
-          </a:xfrm>
-        </p:grpSpPr>
-        <p:pic>
-          <p:nvPicPr>
-            <p:cNvPr id="32" name="Graphic 31">
-              <a:extLst>
-                <a:ext uri="{FF2B5EF4-FFF2-40B4-BE49-F238E27FC236}">
-                  <a16:creationId xmlns:a16="http://schemas.microsoft.com/office/drawing/2014/main" id="{D551EEB9-6F87-46CB-8FD5-78AD74791A24}"/>
-                </a:ext>
-              </a:extLst>
-            </p:cNvPr>
-            <p:cNvPicPr>
-              <a:picLocks noChangeAspect="1"/>
-            </p:cNvPicPr>
-            <p:nvPr/>
-          </p:nvPicPr>
-          <p:blipFill>
-            <a:blip r:embed="rId16">
-              <a:extLst>
-                <a:ext uri="{28A0092B-C50C-407E-A947-70E740481C1C}">
-                  <a14:useLocalDpi xmlns:a14="http://schemas.microsoft.com/office/drawing/2010/main" val="0"/>
-                </a:ext>
-                <a:ext uri="{96DAC541-7B7A-43D3-8B79-37D633B846F1}">
-                  <asvg:svgBlip xmlns:asvg="http://schemas.microsoft.com/office/drawing/2016/SVG/main" r:embed="rId17"/>
-                </a:ext>
-              </a:extLst>
-            </a:blip>
-            <a:stretch>
-              <a:fillRect/>
-            </a:stretch>
-          </p:blipFill>
-          <p:spPr>
-            <a:xfrm>
-              <a:off x="7210927" y="2815283"/>
-              <a:ext cx="464414" cy="464414"/>
-            </a:xfrm>
-            <a:prstGeom prst="rect">
-              <a:avLst/>
-            </a:prstGeom>
-          </p:spPr>
-        </p:pic>
-        <p:sp>
-          <p:nvSpPr>
-            <p:cNvPr id="58" name="TextBox 57">
-              <a:extLst>
-                <a:ext uri="{FF2B5EF4-FFF2-40B4-BE49-F238E27FC236}">
-                  <a16:creationId xmlns:a16="http://schemas.microsoft.com/office/drawing/2014/main" id="{DF2116D3-E722-45A8-B829-22245B693CA0}"/>
-                </a:ext>
-              </a:extLst>
-            </p:cNvPr>
-            <p:cNvSpPr txBox="1"/>
-            <p:nvPr/>
-          </p:nvSpPr>
-          <p:spPr>
-            <a:xfrm>
-              <a:off x="6959581" y="3263276"/>
-              <a:ext cx="967106" cy="246221"/>
-            </a:xfrm>
-            <a:prstGeom prst="rect">
-              <a:avLst/>
-            </a:prstGeom>
-            <a:noFill/>
-          </p:spPr>
-          <p:txBody>
-            <a:bodyPr wrap="square" rtlCol="0">
-              <a:spAutoFit/>
-            </a:bodyPr>
-            <a:lstStyle/>
-            <a:p>
-              <a:pPr algn="ctr"/>
-              <a:r>
-                <a:rPr lang="en-US" sz="1000" dirty="0"/>
-                <a:t>Monitor</a:t>
-              </a:r>
-            </a:p>
-          </p:txBody>
-        </p:sp>
-      </p:grpSp>
-      <p:grpSp>
-        <p:nvGrpSpPr>
-          <p:cNvPr id="26" name="Group 25">
-            <a:extLst>
-              <a:ext uri="{FF2B5EF4-FFF2-40B4-BE49-F238E27FC236}">
-                <a16:creationId xmlns:a16="http://schemas.microsoft.com/office/drawing/2014/main" id="{58BC0E6F-EB06-486A-94E5-8256680F70BD}"/>
-              </a:ext>
-            </a:extLst>
-          </p:cNvPr>
-          <p:cNvGrpSpPr/>
-          <p:nvPr/>
-        </p:nvGrpSpPr>
-        <p:grpSpPr>
-          <a:xfrm>
-            <a:off x="1930295" y="4931242"/>
-            <a:ext cx="1574998" cy="246221"/>
-            <a:chOff x="1930295" y="4931242"/>
-            <a:chExt cx="1574998" cy="246221"/>
-          </a:xfrm>
-        </p:grpSpPr>
-        <p:cxnSp>
-          <p:nvCxnSpPr>
-            <p:cNvPr id="22" name="Straight Arrow Connector 21">
-              <a:extLst>
-                <a:ext uri="{FF2B5EF4-FFF2-40B4-BE49-F238E27FC236}">
-                  <a16:creationId xmlns:a16="http://schemas.microsoft.com/office/drawing/2014/main" id="{896D548D-1BDE-4B48-A27D-3C1ABC29932A}"/>
-                </a:ext>
-              </a:extLst>
-            </p:cNvPr>
-            <p:cNvCxnSpPr>
-              <a:cxnSpLocks/>
-              <a:stCxn id="7" idx="1"/>
-              <a:endCxn id="27" idx="3"/>
-            </p:cNvCxnSpPr>
-            <p:nvPr/>
-          </p:nvCxnSpPr>
-          <p:spPr>
-            <a:xfrm flipH="1">
-              <a:off x="1930295" y="4958772"/>
-              <a:ext cx="1574998" cy="5212"/>
-            </a:xfrm>
-            <a:prstGeom prst="straightConnector1">
-              <a:avLst/>
-            </a:prstGeom>
-            <a:ln>
-              <a:tailEnd type="triangle"/>
-            </a:ln>
-          </p:spPr>
-          <p:style>
-            <a:lnRef idx="1">
-              <a:schemeClr val="accent1"/>
-            </a:lnRef>
-            <a:fillRef idx="0">
-              <a:schemeClr val="accent1"/>
-            </a:fillRef>
-            <a:effectRef idx="0">
-              <a:schemeClr val="accent1"/>
-            </a:effectRef>
-            <a:fontRef idx="minor">
-              <a:schemeClr val="tx1"/>
-            </a:fontRef>
-          </p:style>
-        </p:cxnSp>
-        <p:sp>
-          <p:nvSpPr>
-            <p:cNvPr id="64" name="TextBox 63">
-              <a:extLst>
-                <a:ext uri="{FF2B5EF4-FFF2-40B4-BE49-F238E27FC236}">
-                  <a16:creationId xmlns:a16="http://schemas.microsoft.com/office/drawing/2014/main" id="{A45D468A-5E45-4F67-8979-B17153029538}"/>
-                </a:ext>
-              </a:extLst>
-            </p:cNvPr>
-            <p:cNvSpPr txBox="1"/>
-            <p:nvPr/>
-          </p:nvSpPr>
-          <p:spPr>
-            <a:xfrm>
-              <a:off x="2193625" y="4931242"/>
-              <a:ext cx="405635" cy="246221"/>
-            </a:xfrm>
-            <a:prstGeom prst="rect">
-              <a:avLst/>
-            </a:prstGeom>
-            <a:noFill/>
-          </p:spPr>
-          <p:txBody>
-            <a:bodyPr wrap="square" rtlCol="0">
-              <a:spAutoFit/>
-            </a:bodyPr>
-            <a:lstStyle/>
-            <a:p>
-              <a:r>
-                <a:rPr lang="en-US" sz="1000" dirty="0"/>
-                <a:t>pull</a:t>
-              </a:r>
-            </a:p>
-          </p:txBody>
-        </p:sp>
-      </p:grpSp>
-      <p:grpSp>
-        <p:nvGrpSpPr>
-          <p:cNvPr id="28" name="Group 27">
-            <a:extLst>
-              <a:ext uri="{FF2B5EF4-FFF2-40B4-BE49-F238E27FC236}">
-                <a16:creationId xmlns:a16="http://schemas.microsoft.com/office/drawing/2014/main" id="{4B3E869A-0ABB-4151-B63D-24F6142B5196}"/>
-              </a:ext>
-            </a:extLst>
-          </p:cNvPr>
-          <p:cNvGrpSpPr/>
-          <p:nvPr/>
-        </p:nvGrpSpPr>
-        <p:grpSpPr>
-          <a:xfrm>
-            <a:off x="4284452" y="2780979"/>
-            <a:ext cx="1726053" cy="464415"/>
-            <a:chOff x="4284452" y="2780979"/>
-            <a:chExt cx="1726053" cy="464415"/>
-          </a:xfrm>
-        </p:grpSpPr>
-        <p:pic>
-          <p:nvPicPr>
-            <p:cNvPr id="12" name="Graphic 11">
-              <a:extLst>
-                <a:ext uri="{FF2B5EF4-FFF2-40B4-BE49-F238E27FC236}">
-                  <a16:creationId xmlns:a16="http://schemas.microsoft.com/office/drawing/2014/main" id="{2F77943D-6513-4FDF-9EC7-0AA5AC0DB242}"/>
-                </a:ext>
-              </a:extLst>
-            </p:cNvPr>
-            <p:cNvPicPr>
-              <a:picLocks noChangeAspect="1"/>
-            </p:cNvPicPr>
-            <p:nvPr/>
-          </p:nvPicPr>
-          <p:blipFill>
-            <a:blip r:embed="rId18">
-              <a:extLst>
-                <a:ext uri="{28A0092B-C50C-407E-A947-70E740481C1C}">
-                  <a14:useLocalDpi xmlns:a14="http://schemas.microsoft.com/office/drawing/2010/main" val="0"/>
-                </a:ext>
-                <a:ext uri="{96DAC541-7B7A-43D3-8B79-37D633B846F1}">
-                  <asvg:svgBlip xmlns:asvg="http://schemas.microsoft.com/office/drawing/2016/SVG/main" r:embed="rId19"/>
-                </a:ext>
-              </a:extLst>
-            </a:blip>
-            <a:stretch>
-              <a:fillRect/>
-            </a:stretch>
-          </p:blipFill>
-          <p:spPr>
-            <a:xfrm>
-              <a:off x="4284452" y="2780979"/>
-              <a:ext cx="464415" cy="464415"/>
-            </a:xfrm>
-            <a:prstGeom prst="rect">
-              <a:avLst/>
-            </a:prstGeom>
-          </p:spPr>
-        </p:pic>
-        <p:sp>
-          <p:nvSpPr>
-            <p:cNvPr id="66" name="TextBox 65">
-              <a:extLst>
-                <a:ext uri="{FF2B5EF4-FFF2-40B4-BE49-F238E27FC236}">
-                  <a16:creationId xmlns:a16="http://schemas.microsoft.com/office/drawing/2014/main" id="{103B8D38-6883-4361-8AAB-DC4EC3A77339}"/>
-                </a:ext>
-              </a:extLst>
-            </p:cNvPr>
-            <p:cNvSpPr txBox="1"/>
-            <p:nvPr/>
-          </p:nvSpPr>
-          <p:spPr>
-            <a:xfrm>
-              <a:off x="4682050" y="2868247"/>
-              <a:ext cx="1328455" cy="246221"/>
-            </a:xfrm>
-            <a:prstGeom prst="rect">
-              <a:avLst/>
-            </a:prstGeom>
-            <a:noFill/>
-          </p:spPr>
-          <p:txBody>
-            <a:bodyPr wrap="square" rtlCol="0">
-              <a:spAutoFit/>
-            </a:bodyPr>
-            <a:lstStyle/>
-            <a:p>
-              <a:r>
-                <a:rPr lang="en-US" sz="1000" dirty="0"/>
-                <a:t>API Management</a:t>
-              </a:r>
-            </a:p>
-          </p:txBody>
-        </p:sp>
-      </p:grpSp>
-      <p:grpSp>
-        <p:nvGrpSpPr>
-          <p:cNvPr id="31" name="Group 30">
-            <a:extLst>
-              <a:ext uri="{FF2B5EF4-FFF2-40B4-BE49-F238E27FC236}">
-                <a16:creationId xmlns:a16="http://schemas.microsoft.com/office/drawing/2014/main" id="{A2BEAC5D-4125-4E5C-A31E-A06B5865050F}"/>
-              </a:ext>
-            </a:extLst>
-          </p:cNvPr>
-          <p:cNvGrpSpPr/>
-          <p:nvPr/>
-        </p:nvGrpSpPr>
-        <p:grpSpPr>
-          <a:xfrm>
-            <a:off x="4283993" y="1947671"/>
-            <a:ext cx="1752772" cy="464415"/>
-            <a:chOff x="4283993" y="1947671"/>
-            <a:chExt cx="1752772" cy="464415"/>
-          </a:xfrm>
-        </p:grpSpPr>
-        <p:pic>
-          <p:nvPicPr>
-            <p:cNvPr id="23" name="Graphic 22">
-              <a:extLst>
-                <a:ext uri="{FF2B5EF4-FFF2-40B4-BE49-F238E27FC236}">
-                  <a16:creationId xmlns:a16="http://schemas.microsoft.com/office/drawing/2014/main" id="{AF4D93CD-C43A-4FC4-B01C-923F7F2C06A9}"/>
-                </a:ext>
-              </a:extLst>
-            </p:cNvPr>
-            <p:cNvPicPr>
-              <a:picLocks noChangeAspect="1"/>
-            </p:cNvPicPr>
-            <p:nvPr/>
-          </p:nvPicPr>
-          <p:blipFill>
-            <a:blip r:embed="rId20">
-              <a:extLst>
-                <a:ext uri="{28A0092B-C50C-407E-A947-70E740481C1C}">
-                  <a14:useLocalDpi xmlns:a14="http://schemas.microsoft.com/office/drawing/2010/main" val="0"/>
-                </a:ext>
-                <a:ext uri="{96DAC541-7B7A-43D3-8B79-37D633B846F1}">
-                  <asvg:svgBlip xmlns:asvg="http://schemas.microsoft.com/office/drawing/2016/SVG/main" r:embed="rId21"/>
-                </a:ext>
-              </a:extLst>
-            </a:blip>
-            <a:stretch>
-              <a:fillRect/>
-            </a:stretch>
-          </p:blipFill>
-          <p:spPr>
-            <a:xfrm>
-              <a:off x="4283993" y="1947671"/>
-              <a:ext cx="464415" cy="464415"/>
-            </a:xfrm>
-            <a:prstGeom prst="rect">
-              <a:avLst/>
-            </a:prstGeom>
-          </p:spPr>
-        </p:pic>
-        <p:sp>
-          <p:nvSpPr>
-            <p:cNvPr id="68" name="TextBox 67">
-              <a:extLst>
-                <a:ext uri="{FF2B5EF4-FFF2-40B4-BE49-F238E27FC236}">
-                  <a16:creationId xmlns:a16="http://schemas.microsoft.com/office/drawing/2014/main" id="{7A821648-61D5-42D3-A525-7A240E07672F}"/>
-                </a:ext>
-              </a:extLst>
-            </p:cNvPr>
-            <p:cNvSpPr txBox="1"/>
-            <p:nvPr/>
-          </p:nvSpPr>
-          <p:spPr>
-            <a:xfrm>
-              <a:off x="4684976" y="1979968"/>
-              <a:ext cx="1351789" cy="400110"/>
-            </a:xfrm>
-            <a:prstGeom prst="rect">
-              <a:avLst/>
-            </a:prstGeom>
-            <a:noFill/>
-          </p:spPr>
-          <p:txBody>
-            <a:bodyPr wrap="square" rtlCol="0">
-              <a:spAutoFit/>
-            </a:bodyPr>
-            <a:lstStyle/>
-            <a:p>
-              <a:r>
-                <a:rPr lang="en-US" sz="1000" dirty="0"/>
-                <a:t>Application Gateway</a:t>
-              </a:r>
-            </a:p>
-            <a:p>
-              <a:r>
-                <a:rPr lang="en-US" sz="1000" dirty="0"/>
-                <a:t>WAF</a:t>
-              </a:r>
-            </a:p>
-          </p:txBody>
-        </p:sp>
-      </p:grpSp>
-      <p:grpSp>
-        <p:nvGrpSpPr>
-          <p:cNvPr id="33" name="Group 32">
-            <a:extLst>
-              <a:ext uri="{FF2B5EF4-FFF2-40B4-BE49-F238E27FC236}">
-                <a16:creationId xmlns:a16="http://schemas.microsoft.com/office/drawing/2014/main" id="{8E0A9DAD-0490-438B-BF9C-F91289E8201E}"/>
-              </a:ext>
-            </a:extLst>
-          </p:cNvPr>
-          <p:cNvGrpSpPr/>
-          <p:nvPr/>
-        </p:nvGrpSpPr>
-        <p:grpSpPr>
-          <a:xfrm>
-            <a:off x="5546096" y="1075303"/>
-            <a:ext cx="1379820" cy="464414"/>
-            <a:chOff x="5546096" y="1108555"/>
-            <a:chExt cx="1379820" cy="464414"/>
-          </a:xfrm>
-        </p:grpSpPr>
-        <p:pic>
-          <p:nvPicPr>
-            <p:cNvPr id="100" name="Graphic 99">
-              <a:extLst>
-                <a:ext uri="{FF2B5EF4-FFF2-40B4-BE49-F238E27FC236}">
-                  <a16:creationId xmlns:a16="http://schemas.microsoft.com/office/drawing/2014/main" id="{EBDD02B5-2457-4891-ABC8-B950A57EF750}"/>
-                </a:ext>
-              </a:extLst>
-            </p:cNvPr>
-            <p:cNvPicPr>
-              <a:picLocks noChangeAspect="1"/>
-            </p:cNvPicPr>
-            <p:nvPr/>
-          </p:nvPicPr>
-          <p:blipFill>
-            <a:blip r:embed="rId22">
-              <a:extLst>
-                <a:ext uri="{28A0092B-C50C-407E-A947-70E740481C1C}">
-                  <a14:useLocalDpi xmlns:a14="http://schemas.microsoft.com/office/drawing/2010/main" val="0"/>
-                </a:ext>
-                <a:ext uri="{96DAC541-7B7A-43D3-8B79-37D633B846F1}">
-                  <asvg:svgBlip xmlns:asvg="http://schemas.microsoft.com/office/drawing/2016/SVG/main" r:embed="rId23"/>
-                </a:ext>
-              </a:extLst>
-            </a:blip>
-            <a:stretch>
-              <a:fillRect/>
-            </a:stretch>
-          </p:blipFill>
-          <p:spPr>
-            <a:xfrm>
-              <a:off x="5546096" y="1108555"/>
-              <a:ext cx="464414" cy="464414"/>
-            </a:xfrm>
-            <a:prstGeom prst="rect">
-              <a:avLst/>
-            </a:prstGeom>
-          </p:spPr>
-        </p:pic>
-        <p:sp>
-          <p:nvSpPr>
-            <p:cNvPr id="71" name="TextBox 70">
-              <a:extLst>
-                <a:ext uri="{FF2B5EF4-FFF2-40B4-BE49-F238E27FC236}">
-                  <a16:creationId xmlns:a16="http://schemas.microsoft.com/office/drawing/2014/main" id="{2F98AFB6-8C29-4C38-8652-22E9185C2BEC}"/>
-                </a:ext>
-              </a:extLst>
-            </p:cNvPr>
-            <p:cNvSpPr txBox="1"/>
-            <p:nvPr/>
-          </p:nvSpPr>
-          <p:spPr>
-            <a:xfrm>
-              <a:off x="5958810" y="1217435"/>
-              <a:ext cx="967106" cy="246221"/>
-            </a:xfrm>
-            <a:prstGeom prst="rect">
-              <a:avLst/>
-            </a:prstGeom>
-            <a:noFill/>
-          </p:spPr>
-          <p:txBody>
-            <a:bodyPr wrap="square" rtlCol="0">
-              <a:spAutoFit/>
-            </a:bodyPr>
-            <a:lstStyle/>
-            <a:p>
-              <a:r>
-                <a:rPr lang="en-US" sz="1000" dirty="0"/>
-                <a:t>Front Door</a:t>
-              </a:r>
-            </a:p>
-          </p:txBody>
-        </p:sp>
-      </p:grpSp>
-      <p:pic>
-        <p:nvPicPr>
-          <p:cNvPr id="35" name="Graphic 34">
-            <a:extLst>
-              <a:ext uri="{FF2B5EF4-FFF2-40B4-BE49-F238E27FC236}">
-                <a16:creationId xmlns:a16="http://schemas.microsoft.com/office/drawing/2014/main" id="{AA8DFD16-8C4D-4636-894D-1D61EE64B8DA}"/>
-              </a:ext>
-            </a:extLst>
-          </p:cNvPr>
-          <p:cNvPicPr>
-            <a:picLocks noChangeAspect="1"/>
-          </p:cNvPicPr>
-          <p:nvPr/>
-        </p:nvPicPr>
-        <p:blipFill>
-          <a:blip r:embed="rId24">
-            <a:extLst>
-              <a:ext uri="{28A0092B-C50C-407E-A947-70E740481C1C}">
-                <a14:useLocalDpi xmlns:a14="http://schemas.microsoft.com/office/drawing/2010/main" val="0"/>
-              </a:ext>
-              <a:ext uri="{96DAC541-7B7A-43D3-8B79-37D633B846F1}">
-                <asvg:svgBlip xmlns:asvg="http://schemas.microsoft.com/office/drawing/2016/SVG/main" r:embed="rId25"/>
-              </a:ext>
-            </a:extLst>
-          </a:blip>
-          <a:stretch>
-            <a:fillRect/>
-          </a:stretch>
-        </p:blipFill>
-        <p:spPr>
-          <a:xfrm>
-            <a:off x="6255847" y="3777119"/>
-            <a:ext cx="171450" cy="171450"/>
-          </a:xfrm>
-          <a:prstGeom prst="rect">
-            <a:avLst/>
-          </a:prstGeom>
-        </p:spPr>
-      </p:pic>
-      <p:pic>
-        <p:nvPicPr>
-          <p:cNvPr id="75" name="Graphic 74">
-            <a:extLst>
-              <a:ext uri="{FF2B5EF4-FFF2-40B4-BE49-F238E27FC236}">
-                <a16:creationId xmlns:a16="http://schemas.microsoft.com/office/drawing/2014/main" id="{D502F66E-19DF-470E-82F2-3090370EB01C}"/>
-              </a:ext>
-            </a:extLst>
-          </p:cNvPr>
-          <p:cNvPicPr>
-            <a:picLocks noChangeAspect="1"/>
-          </p:cNvPicPr>
-          <p:nvPr/>
-        </p:nvPicPr>
-        <p:blipFill>
-          <a:blip r:embed="rId24">
-            <a:extLst>
-              <a:ext uri="{28A0092B-C50C-407E-A947-70E740481C1C}">
-                <a14:useLocalDpi xmlns:a14="http://schemas.microsoft.com/office/drawing/2010/main" val="0"/>
-              </a:ext>
-              <a:ext uri="{96DAC541-7B7A-43D3-8B79-37D633B846F1}">
-                <asvg:svgBlip xmlns:asvg="http://schemas.microsoft.com/office/drawing/2016/SVG/main" r:embed="rId25"/>
-              </a:ext>
-            </a:extLst>
-          </a:blip>
-          <a:stretch>
-            <a:fillRect/>
-          </a:stretch>
-        </p:blipFill>
-        <p:spPr>
-          <a:xfrm>
-            <a:off x="6257040" y="2591688"/>
-            <a:ext cx="171450" cy="171450"/>
-          </a:xfrm>
-          <a:prstGeom prst="rect">
-            <a:avLst/>
-          </a:prstGeom>
-        </p:spPr>
-      </p:pic>
-      <p:pic>
-        <p:nvPicPr>
-          <p:cNvPr id="81" name="Graphic 80">
-            <a:extLst>
-              <a:ext uri="{FF2B5EF4-FFF2-40B4-BE49-F238E27FC236}">
-                <a16:creationId xmlns:a16="http://schemas.microsoft.com/office/drawing/2014/main" id="{E99803F2-C81B-4B1D-8CD6-FC1A76C0ABF5}"/>
-              </a:ext>
-            </a:extLst>
-          </p:cNvPr>
-          <p:cNvPicPr>
-            <a:picLocks noChangeAspect="1"/>
-          </p:cNvPicPr>
-          <p:nvPr/>
-        </p:nvPicPr>
-        <p:blipFill>
-          <a:blip r:embed="rId24">
-            <a:extLst>
-              <a:ext uri="{28A0092B-C50C-407E-A947-70E740481C1C}">
-                <a14:useLocalDpi xmlns:a14="http://schemas.microsoft.com/office/drawing/2010/main" val="0"/>
-              </a:ext>
-              <a:ext uri="{96DAC541-7B7A-43D3-8B79-37D633B846F1}">
-                <asvg:svgBlip xmlns:asvg="http://schemas.microsoft.com/office/drawing/2016/SVG/main" r:embed="rId25"/>
-              </a:ext>
-            </a:extLst>
-          </a:blip>
-          <a:stretch>
-            <a:fillRect/>
-          </a:stretch>
-        </p:blipFill>
-        <p:spPr>
-          <a:xfrm>
-            <a:off x="6250208" y="1810946"/>
-            <a:ext cx="171450" cy="171450"/>
-          </a:xfrm>
-          <a:prstGeom prst="rect">
-            <a:avLst/>
-          </a:prstGeom>
-        </p:spPr>
-      </p:pic>
-      <p:grpSp>
-        <p:nvGrpSpPr>
-          <p:cNvPr id="40" name="Group 39">
-            <a:extLst>
-              <a:ext uri="{FF2B5EF4-FFF2-40B4-BE49-F238E27FC236}">
-                <a16:creationId xmlns:a16="http://schemas.microsoft.com/office/drawing/2014/main" id="{D8B6A42D-8108-4C3E-8783-44E39A8152D1}"/>
-              </a:ext>
-            </a:extLst>
-          </p:cNvPr>
-          <p:cNvGrpSpPr/>
-          <p:nvPr/>
-        </p:nvGrpSpPr>
-        <p:grpSpPr>
-          <a:xfrm>
-            <a:off x="5874507" y="6184098"/>
-            <a:ext cx="701101" cy="528576"/>
-            <a:chOff x="5823976" y="5580210"/>
-            <a:chExt cx="701101" cy="528576"/>
-          </a:xfrm>
-        </p:grpSpPr>
-        <p:sp>
-          <p:nvSpPr>
-            <p:cNvPr id="52" name="TextBox 51">
-              <a:extLst>
-                <a:ext uri="{FF2B5EF4-FFF2-40B4-BE49-F238E27FC236}">
-                  <a16:creationId xmlns:a16="http://schemas.microsoft.com/office/drawing/2014/main" id="{2AA891F3-A26D-44F4-AA3F-84AEF4F46C66}"/>
-                </a:ext>
-              </a:extLst>
-            </p:cNvPr>
-            <p:cNvSpPr txBox="1"/>
-            <p:nvPr/>
-          </p:nvSpPr>
-          <p:spPr>
-            <a:xfrm>
-              <a:off x="5823976" y="5862565"/>
-              <a:ext cx="701101" cy="246221"/>
-            </a:xfrm>
-            <a:prstGeom prst="rect">
-              <a:avLst/>
-            </a:prstGeom>
-            <a:noFill/>
-          </p:spPr>
-          <p:txBody>
-            <a:bodyPr wrap="square" rtlCol="0">
-              <a:spAutoFit/>
-            </a:bodyPr>
-            <a:lstStyle/>
-            <a:p>
-              <a:pPr algn="ctr"/>
-              <a:r>
-                <a:rPr lang="en-US" sz="1000" dirty="0"/>
-                <a:t>egress IP</a:t>
-              </a:r>
-            </a:p>
-          </p:txBody>
-        </p:sp>
-        <p:pic>
-          <p:nvPicPr>
-            <p:cNvPr id="37" name="Graphic 36">
-              <a:extLst>
-                <a:ext uri="{FF2B5EF4-FFF2-40B4-BE49-F238E27FC236}">
-                  <a16:creationId xmlns:a16="http://schemas.microsoft.com/office/drawing/2014/main" id="{32DBFB4D-4EFB-4B25-B98C-8EDB3B49D3A4}"/>
-                </a:ext>
-              </a:extLst>
-            </p:cNvPr>
-            <p:cNvPicPr>
-              <a:picLocks noChangeAspect="1"/>
-            </p:cNvPicPr>
-            <p:nvPr/>
-          </p:nvPicPr>
-          <p:blipFill>
-            <a:blip r:embed="rId26">
-              <a:extLst>
-                <a:ext uri="{28A0092B-C50C-407E-A947-70E740481C1C}">
-                  <a14:useLocalDpi xmlns:a14="http://schemas.microsoft.com/office/drawing/2010/main" val="0"/>
-                </a:ext>
-                <a:ext uri="{96DAC541-7B7A-43D3-8B79-37D633B846F1}">
-                  <asvg:svgBlip xmlns:asvg="http://schemas.microsoft.com/office/drawing/2016/SVG/main" r:embed="rId27"/>
-                </a:ext>
-              </a:extLst>
-            </a:blip>
-            <a:stretch>
-              <a:fillRect/>
-            </a:stretch>
-          </p:blipFill>
-          <p:spPr>
-            <a:xfrm>
-              <a:off x="5989504" y="5580210"/>
-              <a:ext cx="371492" cy="371492"/>
-            </a:xfrm>
-            <a:prstGeom prst="rect">
-              <a:avLst/>
-            </a:prstGeom>
-          </p:spPr>
-        </p:pic>
-      </p:grpSp>
-      <p:cxnSp>
-        <p:nvCxnSpPr>
-          <p:cNvPr id="59" name="Connector: Elbow 58">
-            <a:extLst>
-              <a:ext uri="{FF2B5EF4-FFF2-40B4-BE49-F238E27FC236}">
-                <a16:creationId xmlns:a16="http://schemas.microsoft.com/office/drawing/2014/main" id="{3E1CE9E3-A4D7-43AA-BCDF-AD91D6300A53}"/>
-              </a:ext>
-            </a:extLst>
-          </p:cNvPr>
-          <p:cNvCxnSpPr>
-            <a:cxnSpLocks/>
-            <a:stCxn id="42" idx="1"/>
-            <a:endCxn id="56" idx="0"/>
-          </p:cNvCxnSpPr>
-          <p:nvPr/>
-        </p:nvCxnSpPr>
-        <p:spPr>
-          <a:xfrm rot="10800000" flipV="1">
-            <a:off x="5308191" y="4942729"/>
-            <a:ext cx="135530" cy="1239908"/>
-          </a:xfrm>
-          <a:prstGeom prst="bentConnector2">
-            <a:avLst/>
-          </a:prstGeom>
-          <a:ln>
-            <a:tailEnd type="triangle"/>
-          </a:ln>
-        </p:spPr>
-        <p:style>
-          <a:lnRef idx="1">
-            <a:schemeClr val="accent1"/>
-          </a:lnRef>
-          <a:fillRef idx="0">
-            <a:schemeClr val="accent1"/>
-          </a:fillRef>
-          <a:effectRef idx="0">
-            <a:schemeClr val="accent1"/>
-          </a:effectRef>
-          <a:fontRef idx="minor">
-            <a:schemeClr val="tx1"/>
-          </a:fontRef>
-        </p:style>
-      </p:cxnSp>
-      <p:grpSp>
-        <p:nvGrpSpPr>
-          <p:cNvPr id="61" name="Group 60">
-            <a:extLst>
-              <a:ext uri="{FF2B5EF4-FFF2-40B4-BE49-F238E27FC236}">
-                <a16:creationId xmlns:a16="http://schemas.microsoft.com/office/drawing/2014/main" id="{46EA5BB3-2634-419B-ACF1-B8D3285C4B9E}"/>
-              </a:ext>
-            </a:extLst>
-          </p:cNvPr>
-          <p:cNvGrpSpPr/>
-          <p:nvPr/>
-        </p:nvGrpSpPr>
-        <p:grpSpPr>
-          <a:xfrm>
-            <a:off x="4159104" y="6182886"/>
-            <a:ext cx="967106" cy="612230"/>
-            <a:chOff x="4159104" y="6184098"/>
-            <a:chExt cx="967106" cy="612230"/>
-          </a:xfrm>
-        </p:grpSpPr>
-        <p:pic>
-          <p:nvPicPr>
-            <p:cNvPr id="30" name="Graphic 29">
-              <a:extLst>
-                <a:ext uri="{FF2B5EF4-FFF2-40B4-BE49-F238E27FC236}">
-                  <a16:creationId xmlns:a16="http://schemas.microsoft.com/office/drawing/2014/main" id="{D84DA98C-5DFE-40E2-8064-ABD79B552230}"/>
-                </a:ext>
-              </a:extLst>
-            </p:cNvPr>
-            <p:cNvPicPr>
-              <a:picLocks noChangeAspect="1"/>
-            </p:cNvPicPr>
-            <p:nvPr/>
-          </p:nvPicPr>
-          <p:blipFill>
-            <a:blip r:embed="rId28">
-              <a:extLst>
-                <a:ext uri="{28A0092B-C50C-407E-A947-70E740481C1C}">
-                  <a14:useLocalDpi xmlns:a14="http://schemas.microsoft.com/office/drawing/2010/main" val="0"/>
-                </a:ext>
-                <a:ext uri="{96DAC541-7B7A-43D3-8B79-37D633B846F1}">
-                  <asvg:svgBlip xmlns:asvg="http://schemas.microsoft.com/office/drawing/2016/SVG/main" r:embed="rId29"/>
-                </a:ext>
-              </a:extLst>
-            </a:blip>
-            <a:stretch>
-              <a:fillRect/>
-            </a:stretch>
-          </p:blipFill>
-          <p:spPr>
-            <a:xfrm>
-              <a:off x="4410449" y="6184098"/>
-              <a:ext cx="464416" cy="464416"/>
-            </a:xfrm>
-            <a:prstGeom prst="rect">
-              <a:avLst/>
-            </a:prstGeom>
-          </p:spPr>
-        </p:pic>
-        <p:sp>
-          <p:nvSpPr>
-            <p:cNvPr id="89" name="TextBox 88">
-              <a:extLst>
-                <a:ext uri="{FF2B5EF4-FFF2-40B4-BE49-F238E27FC236}">
-                  <a16:creationId xmlns:a16="http://schemas.microsoft.com/office/drawing/2014/main" id="{673476EF-17D5-4B62-B494-CBF9FD064295}"/>
-                </a:ext>
-              </a:extLst>
-            </p:cNvPr>
-            <p:cNvSpPr txBox="1"/>
-            <p:nvPr/>
-          </p:nvSpPr>
-          <p:spPr>
-            <a:xfrm>
-              <a:off x="4159104" y="6550107"/>
-              <a:ext cx="967106" cy="246221"/>
-            </a:xfrm>
-            <a:prstGeom prst="rect">
-              <a:avLst/>
-            </a:prstGeom>
-            <a:noFill/>
-          </p:spPr>
-          <p:txBody>
-            <a:bodyPr wrap="square" rtlCol="0">
-              <a:spAutoFit/>
-            </a:bodyPr>
-            <a:lstStyle/>
-            <a:p>
-              <a:pPr algn="ctr"/>
-              <a:r>
-                <a:rPr lang="en-US" sz="1000" dirty="0"/>
-                <a:t>CosmosDB</a:t>
-              </a:r>
-            </a:p>
-          </p:txBody>
-        </p:sp>
-      </p:grpSp>
-      <p:grpSp>
-        <p:nvGrpSpPr>
-          <p:cNvPr id="65" name="Group 64">
-            <a:extLst>
-              <a:ext uri="{FF2B5EF4-FFF2-40B4-BE49-F238E27FC236}">
-                <a16:creationId xmlns:a16="http://schemas.microsoft.com/office/drawing/2014/main" id="{FEC7ABA4-22CC-46A1-9056-4FA019F0F18C}"/>
-              </a:ext>
-            </a:extLst>
-          </p:cNvPr>
-          <p:cNvGrpSpPr/>
-          <p:nvPr/>
-        </p:nvGrpSpPr>
-        <p:grpSpPr>
-          <a:xfrm>
-            <a:off x="4839084" y="6182637"/>
-            <a:ext cx="967106" cy="581931"/>
-            <a:chOff x="4834631" y="6182637"/>
-            <a:chExt cx="967106" cy="581931"/>
-          </a:xfrm>
-        </p:grpSpPr>
-        <p:pic>
-          <p:nvPicPr>
-            <p:cNvPr id="56" name="Graphic 55">
-              <a:extLst>
-                <a:ext uri="{FF2B5EF4-FFF2-40B4-BE49-F238E27FC236}">
-                  <a16:creationId xmlns:a16="http://schemas.microsoft.com/office/drawing/2014/main" id="{A4657D8D-D698-423C-92F4-DE73AC32EE88}"/>
-                </a:ext>
-              </a:extLst>
-            </p:cNvPr>
-            <p:cNvPicPr>
-              <a:picLocks noChangeAspect="1"/>
-            </p:cNvPicPr>
-            <p:nvPr/>
-          </p:nvPicPr>
-          <p:blipFill>
-            <a:blip r:embed="rId30">
-              <a:extLst>
-                <a:ext uri="{28A0092B-C50C-407E-A947-70E740481C1C}">
-                  <a14:useLocalDpi xmlns:a14="http://schemas.microsoft.com/office/drawing/2010/main" val="0"/>
-                </a:ext>
-                <a:ext uri="{96DAC541-7B7A-43D3-8B79-37D633B846F1}">
-                  <asvg:svgBlip xmlns:asvg="http://schemas.microsoft.com/office/drawing/2016/SVG/main" r:embed="rId31"/>
-                </a:ext>
-              </a:extLst>
-            </a:blip>
-            <a:stretch>
-              <a:fillRect/>
-            </a:stretch>
-          </p:blipFill>
-          <p:spPr>
-            <a:xfrm>
-              <a:off x="5117992" y="6182637"/>
-              <a:ext cx="371491" cy="371491"/>
-            </a:xfrm>
-            <a:prstGeom prst="rect">
-              <a:avLst/>
-            </a:prstGeom>
-          </p:spPr>
-        </p:pic>
-        <p:sp>
-          <p:nvSpPr>
-            <p:cNvPr id="91" name="TextBox 90">
-              <a:extLst>
-                <a:ext uri="{FF2B5EF4-FFF2-40B4-BE49-F238E27FC236}">
-                  <a16:creationId xmlns:a16="http://schemas.microsoft.com/office/drawing/2014/main" id="{594A9A13-2BA6-4E3E-80C3-EE1DE2CD231D}"/>
-                </a:ext>
-              </a:extLst>
-            </p:cNvPr>
-            <p:cNvSpPr txBox="1"/>
-            <p:nvPr/>
-          </p:nvSpPr>
-          <p:spPr>
-            <a:xfrm>
-              <a:off x="4834631" y="6518347"/>
-              <a:ext cx="967106" cy="246221"/>
-            </a:xfrm>
-            <a:prstGeom prst="rect">
-              <a:avLst/>
-            </a:prstGeom>
-            <a:noFill/>
-          </p:spPr>
-          <p:txBody>
-            <a:bodyPr wrap="square" rtlCol="0">
-              <a:spAutoFit/>
-            </a:bodyPr>
-            <a:lstStyle/>
-            <a:p>
-              <a:pPr algn="ctr"/>
-              <a:r>
-                <a:rPr lang="en-US" sz="1000" dirty="0"/>
-                <a:t>KeyVault</a:t>
-              </a:r>
-            </a:p>
-          </p:txBody>
-        </p:sp>
-      </p:grpSp>
-      <p:grpSp>
-        <p:nvGrpSpPr>
-          <p:cNvPr id="92" name="Group 91">
-            <a:extLst>
-              <a:ext uri="{FF2B5EF4-FFF2-40B4-BE49-F238E27FC236}">
-                <a16:creationId xmlns:a16="http://schemas.microsoft.com/office/drawing/2014/main" id="{E62D6D58-DD12-40F4-91F7-ADBD431920EE}"/>
-              </a:ext>
-            </a:extLst>
-          </p:cNvPr>
-          <p:cNvGrpSpPr/>
-          <p:nvPr/>
-        </p:nvGrpSpPr>
-        <p:grpSpPr>
-          <a:xfrm>
-            <a:off x="6997862" y="3556069"/>
-            <a:ext cx="967106" cy="784999"/>
-            <a:chOff x="7024664" y="3607940"/>
-            <a:chExt cx="967106" cy="784999"/>
-          </a:xfrm>
-        </p:grpSpPr>
-        <p:pic>
-          <p:nvPicPr>
-            <p:cNvPr id="88" name="Graphic 87">
-              <a:extLst>
-                <a:ext uri="{FF2B5EF4-FFF2-40B4-BE49-F238E27FC236}">
-                  <a16:creationId xmlns:a16="http://schemas.microsoft.com/office/drawing/2014/main" id="{AA2EE23F-0BF1-4B89-B44B-1BBB5B530D0E}"/>
-                </a:ext>
-              </a:extLst>
-            </p:cNvPr>
-            <p:cNvPicPr>
-              <a:picLocks noChangeAspect="1"/>
-            </p:cNvPicPr>
-            <p:nvPr/>
-          </p:nvPicPr>
-          <p:blipFill>
-            <a:blip r:embed="rId32">
-              <a:extLst>
-                <a:ext uri="{28A0092B-C50C-407E-A947-70E740481C1C}">
-                  <a14:useLocalDpi xmlns:a14="http://schemas.microsoft.com/office/drawing/2010/main" val="0"/>
-                </a:ext>
-                <a:ext uri="{96DAC541-7B7A-43D3-8B79-37D633B846F1}">
-                  <asvg:svgBlip xmlns:asvg="http://schemas.microsoft.com/office/drawing/2016/SVG/main" r:embed="rId33"/>
-                </a:ext>
-              </a:extLst>
-            </a:blip>
-            <a:stretch>
-              <a:fillRect/>
-            </a:stretch>
-          </p:blipFill>
-          <p:spPr>
-            <a:xfrm>
-              <a:off x="7276010" y="3607940"/>
-              <a:ext cx="464414" cy="464414"/>
-            </a:xfrm>
-            <a:prstGeom prst="rect">
-              <a:avLst/>
-            </a:prstGeom>
-          </p:spPr>
-        </p:pic>
-        <p:sp>
-          <p:nvSpPr>
-            <p:cNvPr id="99" name="TextBox 98">
-              <a:extLst>
-                <a:ext uri="{FF2B5EF4-FFF2-40B4-BE49-F238E27FC236}">
-                  <a16:creationId xmlns:a16="http://schemas.microsoft.com/office/drawing/2014/main" id="{506E47ED-284C-45AD-BCBA-0F07A155BA0D}"/>
-                </a:ext>
-              </a:extLst>
-            </p:cNvPr>
-            <p:cNvSpPr txBox="1"/>
-            <p:nvPr/>
-          </p:nvSpPr>
-          <p:spPr>
-            <a:xfrm>
-              <a:off x="7024664" y="3992829"/>
-              <a:ext cx="967106" cy="400110"/>
-            </a:xfrm>
-            <a:prstGeom prst="rect">
-              <a:avLst/>
-            </a:prstGeom>
-            <a:noFill/>
-          </p:spPr>
-          <p:txBody>
-            <a:bodyPr wrap="square" rtlCol="0">
-              <a:spAutoFit/>
-            </a:bodyPr>
-            <a:lstStyle/>
-            <a:p>
-              <a:pPr algn="ctr"/>
-              <a:r>
-                <a:rPr lang="en-US" sz="1000" dirty="0"/>
-                <a:t>Public IP</a:t>
-              </a:r>
-            </a:p>
-            <a:p>
-              <a:pPr algn="ctr"/>
-              <a:r>
-                <a:rPr lang="en-US" sz="1000" dirty="0"/>
-                <a:t>Prefix</a:t>
-              </a:r>
-            </a:p>
-          </p:txBody>
-        </p:sp>
-      </p:grpSp>
-      <p:grpSp>
-        <p:nvGrpSpPr>
-          <p:cNvPr id="101" name="Group 100">
-            <a:extLst>
-              <a:ext uri="{FF2B5EF4-FFF2-40B4-BE49-F238E27FC236}">
-                <a16:creationId xmlns:a16="http://schemas.microsoft.com/office/drawing/2014/main" id="{8D7958F0-AF95-4DEA-B6A7-DC557C6DCA2C}"/>
-              </a:ext>
-            </a:extLst>
-          </p:cNvPr>
-          <p:cNvGrpSpPr/>
-          <p:nvPr/>
-        </p:nvGrpSpPr>
-        <p:grpSpPr>
-          <a:xfrm>
-            <a:off x="4182077" y="1124683"/>
-            <a:ext cx="701101" cy="528576"/>
-            <a:chOff x="5823976" y="5580210"/>
-            <a:chExt cx="701101" cy="528576"/>
-          </a:xfrm>
-        </p:grpSpPr>
-        <p:sp>
-          <p:nvSpPr>
-            <p:cNvPr id="102" name="TextBox 101">
-              <a:extLst>
-                <a:ext uri="{FF2B5EF4-FFF2-40B4-BE49-F238E27FC236}">
-                  <a16:creationId xmlns:a16="http://schemas.microsoft.com/office/drawing/2014/main" id="{9B83DA89-F3EC-4CB7-9620-5D32749C8364}"/>
-                </a:ext>
-              </a:extLst>
-            </p:cNvPr>
-            <p:cNvSpPr txBox="1"/>
-            <p:nvPr/>
-          </p:nvSpPr>
-          <p:spPr>
-            <a:xfrm>
-              <a:off x="5823976" y="5862565"/>
-              <a:ext cx="701101" cy="246221"/>
-            </a:xfrm>
-            <a:prstGeom prst="rect">
-              <a:avLst/>
-            </a:prstGeom>
-            <a:noFill/>
-          </p:spPr>
-          <p:txBody>
-            <a:bodyPr wrap="square" rtlCol="0">
-              <a:spAutoFit/>
-            </a:bodyPr>
-            <a:lstStyle/>
-            <a:p>
-              <a:pPr algn="ctr"/>
-              <a:r>
-                <a:rPr lang="en-US" sz="1000" dirty="0"/>
-                <a:t>Public IP</a:t>
-              </a:r>
-            </a:p>
-          </p:txBody>
-        </p:sp>
-        <p:pic>
-          <p:nvPicPr>
-            <p:cNvPr id="103" name="Graphic 102">
-              <a:extLst>
-                <a:ext uri="{FF2B5EF4-FFF2-40B4-BE49-F238E27FC236}">
-                  <a16:creationId xmlns:a16="http://schemas.microsoft.com/office/drawing/2014/main" id="{617996B8-E1B2-4929-9ABA-4ADFB286A999}"/>
-                </a:ext>
-              </a:extLst>
-            </p:cNvPr>
-            <p:cNvPicPr>
-              <a:picLocks noChangeAspect="1"/>
-            </p:cNvPicPr>
-            <p:nvPr/>
-          </p:nvPicPr>
-          <p:blipFill>
-            <a:blip r:embed="rId26">
-              <a:extLst>
-                <a:ext uri="{28A0092B-C50C-407E-A947-70E740481C1C}">
-                  <a14:useLocalDpi xmlns:a14="http://schemas.microsoft.com/office/drawing/2010/main" val="0"/>
-                </a:ext>
-                <a:ext uri="{96DAC541-7B7A-43D3-8B79-37D633B846F1}">
-                  <asvg:svgBlip xmlns:asvg="http://schemas.microsoft.com/office/drawing/2016/SVG/main" r:embed="rId27"/>
-                </a:ext>
-              </a:extLst>
-            </a:blip>
-            <a:stretch>
-              <a:fillRect/>
-            </a:stretch>
-          </p:blipFill>
-          <p:spPr>
-            <a:xfrm>
-              <a:off x="5989504" y="5580210"/>
-              <a:ext cx="371492" cy="371492"/>
-            </a:xfrm>
-            <a:prstGeom prst="rect">
-              <a:avLst/>
-            </a:prstGeom>
-          </p:spPr>
-        </p:pic>
-      </p:grpSp>
-      <p:cxnSp>
-        <p:nvCxnSpPr>
-          <p:cNvPr id="105" name="Connector: Elbow 104">
-            <a:extLst>
-              <a:ext uri="{FF2B5EF4-FFF2-40B4-BE49-F238E27FC236}">
-                <a16:creationId xmlns:a16="http://schemas.microsoft.com/office/drawing/2014/main" id="{EA350925-1A54-4EF8-9EF0-3B4AD2D5AE05}"/>
-              </a:ext>
-            </a:extLst>
-          </p:cNvPr>
-          <p:cNvCxnSpPr>
-            <a:stCxn id="103" idx="2"/>
-            <a:endCxn id="23" idx="0"/>
-          </p:cNvCxnSpPr>
-          <p:nvPr/>
-        </p:nvCxnSpPr>
-        <p:spPr>
-          <a:xfrm rot="5400000">
-            <a:off x="4299028" y="1713348"/>
-            <a:ext cx="451496" cy="17150"/>
-          </a:xfrm>
-          <a:prstGeom prst="bentConnector3">
-            <a:avLst/>
-          </a:prstGeom>
-          <a:ln>
-            <a:tailEnd type="triangle"/>
-          </a:ln>
-        </p:spPr>
-        <p:style>
-          <a:lnRef idx="1">
-            <a:schemeClr val="accent1"/>
-          </a:lnRef>
-          <a:fillRef idx="0">
-            <a:schemeClr val="accent1"/>
-          </a:fillRef>
-          <a:effectRef idx="0">
-            <a:schemeClr val="accent1"/>
-          </a:effectRef>
-          <a:fontRef idx="minor">
-            <a:schemeClr val="tx1"/>
-          </a:fontRef>
-        </p:style>
-      </p:cxnSp>
-    </p:spTree>
-    <p:extLst>
-      <p:ext uri="{BB962C8B-B14F-4D97-AF65-F5344CB8AC3E}">
-        <p14:creationId xmlns:p14="http://schemas.microsoft.com/office/powerpoint/2010/main" val="2135504599"/>
-      </p:ext>
-    </p:extLst>
-  </p:cSld>
-  <p:clrMapOvr>
-    <a:masterClrMapping/>
-  </p:clrMapOvr>
-</p:sld>
-</file>
-
-<file path=ppt/slides/slide8.xml><?xml version="1.0" encoding="utf-8"?>
 <p:sld xmlns:a="http://schemas.openxmlformats.org/drawingml/2006/main" xmlns:r="http://schemas.openxmlformats.org/officeDocument/2006/relationships" xmlns:p="http://schemas.openxmlformats.org/presentationml/2006/main">
   <p:cSld>
     <p:spTree>
@@ -13312,6 +10634,1683 @@
       </p:par>
     </p:tnLst>
   </p:timing>
+</p:sld>
+</file>
+
+<file path=ppt/slides/slide8.xml><?xml version="1.0" encoding="utf-8"?>
+<p:sld xmlns:a="http://schemas.openxmlformats.org/drawingml/2006/main" xmlns:r="http://schemas.openxmlformats.org/officeDocument/2006/relationships" xmlns:p="http://schemas.openxmlformats.org/presentationml/2006/main">
+  <p:cSld>
+    <p:spTree>
+      <p:nvGrpSpPr>
+        <p:cNvPr id="1" name=""/>
+        <p:cNvGrpSpPr/>
+        <p:nvPr/>
+      </p:nvGrpSpPr>
+      <p:grpSpPr>
+        <a:xfrm>
+          <a:off x="0" y="0"/>
+          <a:ext cx="0" cy="0"/>
+          <a:chOff x="0" y="0"/>
+          <a:chExt cx="0" cy="0"/>
+        </a:xfrm>
+      </p:grpSpPr>
+      <p:sp>
+        <p:nvSpPr>
+          <p:cNvPr id="2" name="Title 1">
+            <a:extLst>
+              <a:ext uri="{FF2B5EF4-FFF2-40B4-BE49-F238E27FC236}">
+                <a16:creationId xmlns:a16="http://schemas.microsoft.com/office/drawing/2014/main" id="{AF708F16-5DBC-4B6A-8DFC-6213EECAA9C2}"/>
+              </a:ext>
+            </a:extLst>
+          </p:cNvPr>
+          <p:cNvSpPr>
+            <a:spLocks noGrp="1"/>
+          </p:cNvSpPr>
+          <p:nvPr>
+            <p:ph type="title"/>
+          </p:nvPr>
+        </p:nvSpPr>
+        <p:spPr>
+          <a:xfrm>
+            <a:off x="415600" y="349240"/>
+            <a:ext cx="11360800" cy="763600"/>
+          </a:xfrm>
+        </p:spPr>
+        <p:txBody>
+          <a:bodyPr/>
+          <a:lstStyle/>
+          <a:p>
+            <a:r>
+              <a:rPr lang="en-US" dirty="0"/>
+              <a:t>Infrastructure</a:t>
+            </a:r>
+          </a:p>
+        </p:txBody>
+      </p:sp>
+      <p:pic>
+        <p:nvPicPr>
+          <p:cNvPr id="4" name="Google Shape;56;p13">
+            <a:extLst>
+              <a:ext uri="{FF2B5EF4-FFF2-40B4-BE49-F238E27FC236}">
+                <a16:creationId xmlns:a16="http://schemas.microsoft.com/office/drawing/2014/main" id="{5DC2FED0-7C5F-460C-998D-2520FD324176}"/>
+              </a:ext>
+            </a:extLst>
+          </p:cNvPr>
+          <p:cNvPicPr preferRelativeResize="0"/>
+          <p:nvPr/>
+        </p:nvPicPr>
+        <p:blipFill>
+          <a:blip r:embed="rId3">
+            <a:alphaModFix/>
+          </a:blip>
+          <a:stretch>
+            <a:fillRect/>
+          </a:stretch>
+        </p:blipFill>
+        <p:spPr>
+          <a:xfrm>
+            <a:off x="10989179" y="5736492"/>
+            <a:ext cx="1202821" cy="1121508"/>
+          </a:xfrm>
+          <a:prstGeom prst="rect">
+            <a:avLst/>
+          </a:prstGeom>
+          <a:noFill/>
+          <a:ln>
+            <a:noFill/>
+          </a:ln>
+        </p:spPr>
+      </p:pic>
+      <p:pic>
+        <p:nvPicPr>
+          <p:cNvPr id="6" name="Picture 5">
+            <a:extLst>
+              <a:ext uri="{FF2B5EF4-FFF2-40B4-BE49-F238E27FC236}">
+                <a16:creationId xmlns:a16="http://schemas.microsoft.com/office/drawing/2014/main" id="{562789FC-24E6-41E1-B839-308F71066FC1}"/>
+              </a:ext>
+            </a:extLst>
+          </p:cNvPr>
+          <p:cNvPicPr>
+            <a:picLocks noChangeAspect="1"/>
+          </p:cNvPicPr>
+          <p:nvPr/>
+        </p:nvPicPr>
+        <p:blipFill>
+          <a:blip r:embed="rId4"/>
+          <a:stretch>
+            <a:fillRect/>
+          </a:stretch>
+        </p:blipFill>
+        <p:spPr>
+          <a:xfrm>
+            <a:off x="10765535" y="469734"/>
+            <a:ext cx="1010865" cy="1010865"/>
+          </a:xfrm>
+          <a:prstGeom prst="rect">
+            <a:avLst/>
+          </a:prstGeom>
+        </p:spPr>
+      </p:pic>
+      <p:grpSp>
+        <p:nvGrpSpPr>
+          <p:cNvPr id="19" name="Group 18">
+            <a:extLst>
+              <a:ext uri="{FF2B5EF4-FFF2-40B4-BE49-F238E27FC236}">
+                <a16:creationId xmlns:a16="http://schemas.microsoft.com/office/drawing/2014/main" id="{775D5DFD-07C9-4C1E-8835-56220B091075}"/>
+              </a:ext>
+            </a:extLst>
+          </p:cNvPr>
+          <p:cNvGrpSpPr/>
+          <p:nvPr/>
+        </p:nvGrpSpPr>
+        <p:grpSpPr>
+          <a:xfrm>
+            <a:off x="2220082" y="2987409"/>
+            <a:ext cx="447451" cy="1814111"/>
+            <a:chOff x="2220082" y="2987409"/>
+            <a:chExt cx="447451" cy="1814111"/>
+          </a:xfrm>
+        </p:grpSpPr>
+        <p:sp>
+          <p:nvSpPr>
+            <p:cNvPr id="90" name="TextBox 89">
+              <a:extLst>
+                <a:ext uri="{FF2B5EF4-FFF2-40B4-BE49-F238E27FC236}">
+                  <a16:creationId xmlns:a16="http://schemas.microsoft.com/office/drawing/2014/main" id="{BE6F5629-6E61-4286-8A58-FA42169508C9}"/>
+                </a:ext>
+              </a:extLst>
+            </p:cNvPr>
+            <p:cNvSpPr txBox="1"/>
+            <p:nvPr/>
+          </p:nvSpPr>
+          <p:spPr>
+            <a:xfrm rot="16200000">
+              <a:off x="1758330" y="3490192"/>
+              <a:ext cx="1169726" cy="246221"/>
+            </a:xfrm>
+            <a:prstGeom prst="rect">
+              <a:avLst/>
+            </a:prstGeom>
+            <a:noFill/>
+          </p:spPr>
+          <p:txBody>
+            <a:bodyPr wrap="square" rtlCol="0">
+              <a:spAutoFit/>
+            </a:bodyPr>
+            <a:lstStyle/>
+            <a:p>
+              <a:r>
+                <a:rPr lang="en-US" sz="1000" dirty="0"/>
+                <a:t>VNet peering</a:t>
+              </a:r>
+            </a:p>
+          </p:txBody>
+        </p:sp>
+        <p:cxnSp>
+          <p:nvCxnSpPr>
+            <p:cNvPr id="104" name="Connector: Elbow 103">
+              <a:extLst>
+                <a:ext uri="{FF2B5EF4-FFF2-40B4-BE49-F238E27FC236}">
+                  <a16:creationId xmlns:a16="http://schemas.microsoft.com/office/drawing/2014/main" id="{64222C99-BEDF-4E7E-A888-F99B3724DB78}"/>
+                </a:ext>
+              </a:extLst>
+            </p:cNvPr>
+            <p:cNvCxnSpPr>
+              <a:cxnSpLocks/>
+              <a:stCxn id="80" idx="1"/>
+              <a:endCxn id="84" idx="1"/>
+            </p:cNvCxnSpPr>
+            <p:nvPr/>
+          </p:nvCxnSpPr>
+          <p:spPr>
+            <a:xfrm rot="10800000" flipH="1">
+              <a:off x="2664069" y="2987409"/>
+              <a:ext cx="3464" cy="1814111"/>
+            </a:xfrm>
+            <a:prstGeom prst="bentConnector3">
+              <a:avLst>
+                <a:gd name="adj1" fmla="val -6599307"/>
+              </a:avLst>
+            </a:prstGeom>
+          </p:spPr>
+          <p:style>
+            <a:lnRef idx="1">
+              <a:schemeClr val="accent1"/>
+            </a:lnRef>
+            <a:fillRef idx="0">
+              <a:schemeClr val="accent1"/>
+            </a:fillRef>
+            <a:effectRef idx="0">
+              <a:schemeClr val="accent1"/>
+            </a:effectRef>
+            <a:fontRef idx="minor">
+              <a:schemeClr val="tx1"/>
+            </a:fontRef>
+          </p:style>
+        </p:cxnSp>
+      </p:grpSp>
+      <p:grpSp>
+        <p:nvGrpSpPr>
+          <p:cNvPr id="10" name="Group 9">
+            <a:extLst>
+              <a:ext uri="{FF2B5EF4-FFF2-40B4-BE49-F238E27FC236}">
+                <a16:creationId xmlns:a16="http://schemas.microsoft.com/office/drawing/2014/main" id="{92855EB2-81BB-43C2-84C1-98AF02C28D6C}"/>
+              </a:ext>
+            </a:extLst>
+          </p:cNvPr>
+          <p:cNvGrpSpPr/>
+          <p:nvPr/>
+        </p:nvGrpSpPr>
+        <p:grpSpPr>
+          <a:xfrm>
+            <a:off x="2667533" y="2460213"/>
+            <a:ext cx="3930695" cy="1077768"/>
+            <a:chOff x="2667533" y="2460213"/>
+            <a:chExt cx="3930695" cy="1077768"/>
+          </a:xfrm>
+        </p:grpSpPr>
+        <p:grpSp>
+          <p:nvGrpSpPr>
+            <p:cNvPr id="5" name="Group 4">
+              <a:extLst>
+                <a:ext uri="{FF2B5EF4-FFF2-40B4-BE49-F238E27FC236}">
+                  <a16:creationId xmlns:a16="http://schemas.microsoft.com/office/drawing/2014/main" id="{A539E6F8-1035-4BAE-A592-F1D25CB1424A}"/>
+                </a:ext>
+              </a:extLst>
+            </p:cNvPr>
+            <p:cNvGrpSpPr/>
+            <p:nvPr/>
+          </p:nvGrpSpPr>
+          <p:grpSpPr>
+            <a:xfrm>
+              <a:off x="2697941" y="3286002"/>
+              <a:ext cx="1330851" cy="251979"/>
+              <a:chOff x="2697941" y="3286002"/>
+              <a:chExt cx="1330851" cy="251979"/>
+            </a:xfrm>
+          </p:grpSpPr>
+          <p:pic>
+            <p:nvPicPr>
+              <p:cNvPr id="85" name="Graphic 84">
+                <a:extLst>
+                  <a:ext uri="{FF2B5EF4-FFF2-40B4-BE49-F238E27FC236}">
+                    <a16:creationId xmlns:a16="http://schemas.microsoft.com/office/drawing/2014/main" id="{F42B162A-0AF5-4A4B-8B5B-CA2144BFA801}"/>
+                  </a:ext>
+                </a:extLst>
+              </p:cNvPr>
+              <p:cNvPicPr>
+                <a:picLocks noChangeAspect="1"/>
+              </p:cNvPicPr>
+              <p:nvPr/>
+            </p:nvPicPr>
+            <p:blipFill>
+              <a:blip r:embed="rId5">
+                <a:extLst>
+                  <a:ext uri="{28A0092B-C50C-407E-A947-70E740481C1C}">
+                    <a14:useLocalDpi xmlns:a14="http://schemas.microsoft.com/office/drawing/2010/main" val="0"/>
+                  </a:ext>
+                  <a:ext uri="{96DAC541-7B7A-43D3-8B79-37D633B846F1}">
+                    <asvg:svgBlip xmlns:asvg="http://schemas.microsoft.com/office/drawing/2016/SVG/main" r:embed="rId6"/>
+                  </a:ext>
+                </a:extLst>
+              </a:blip>
+              <a:stretch>
+                <a:fillRect/>
+              </a:stretch>
+            </p:blipFill>
+            <p:spPr>
+              <a:xfrm>
+                <a:off x="2697941" y="3286002"/>
+                <a:ext cx="251979" cy="251979"/>
+              </a:xfrm>
+              <a:prstGeom prst="rect">
+                <a:avLst/>
+              </a:prstGeom>
+            </p:spPr>
+          </p:pic>
+          <p:sp>
+            <p:nvSpPr>
+              <p:cNvPr id="86" name="TextBox 85">
+                <a:extLst>
+                  <a:ext uri="{FF2B5EF4-FFF2-40B4-BE49-F238E27FC236}">
+                    <a16:creationId xmlns:a16="http://schemas.microsoft.com/office/drawing/2014/main" id="{0D76ED6A-AF72-4363-9C6D-72205F9F3D63}"/>
+                  </a:ext>
+                </a:extLst>
+              </p:cNvPr>
+              <p:cNvSpPr txBox="1"/>
+              <p:nvPr/>
+            </p:nvSpPr>
+            <p:spPr>
+              <a:xfrm>
+                <a:off x="2905133" y="3288792"/>
+                <a:ext cx="1123659" cy="246221"/>
+              </a:xfrm>
+              <a:prstGeom prst="rect">
+                <a:avLst/>
+              </a:prstGeom>
+              <a:noFill/>
+            </p:spPr>
+            <p:txBody>
+              <a:bodyPr wrap="square" rtlCol="0">
+                <a:spAutoFit/>
+              </a:bodyPr>
+              <a:lstStyle/>
+              <a:p>
+                <a:r>
+                  <a:rPr lang="en-US" sz="1000" dirty="0"/>
+                  <a:t>iac-ws2-base-vnet</a:t>
+                </a:r>
+              </a:p>
+            </p:txBody>
+          </p:sp>
+        </p:grpSp>
+        <p:sp>
+          <p:nvSpPr>
+            <p:cNvPr id="84" name="Rectangle 83">
+              <a:extLst>
+                <a:ext uri="{FF2B5EF4-FFF2-40B4-BE49-F238E27FC236}">
+                  <a16:creationId xmlns:a16="http://schemas.microsoft.com/office/drawing/2014/main" id="{4BFF43BF-EF17-4EA8-BFF4-6C46DBD8EC95}"/>
+                </a:ext>
+              </a:extLst>
+            </p:cNvPr>
+            <p:cNvSpPr/>
+            <p:nvPr/>
+          </p:nvSpPr>
+          <p:spPr>
+            <a:xfrm>
+              <a:off x="2667533" y="2460213"/>
+              <a:ext cx="3930695" cy="1054389"/>
+            </a:xfrm>
+            <a:prstGeom prst="rect">
+              <a:avLst/>
+            </a:prstGeom>
+            <a:noFill/>
+            <a:ln>
+              <a:prstDash val="sysDash"/>
+            </a:ln>
+          </p:spPr>
+          <p:style>
+            <a:lnRef idx="2">
+              <a:schemeClr val="accent1">
+                <a:shade val="50000"/>
+              </a:schemeClr>
+            </a:lnRef>
+            <a:fillRef idx="1">
+              <a:schemeClr val="accent1"/>
+            </a:fillRef>
+            <a:effectRef idx="0">
+              <a:schemeClr val="accent1"/>
+            </a:effectRef>
+            <a:fontRef idx="minor">
+              <a:schemeClr val="lt1"/>
+            </a:fontRef>
+          </p:style>
+          <p:txBody>
+            <a:bodyPr rtlCol="0" anchor="ctr"/>
+            <a:lstStyle/>
+            <a:p>
+              <a:pPr algn="ctr"/>
+              <a:endParaRPr lang="en-US"/>
+            </a:p>
+          </p:txBody>
+        </p:sp>
+        <p:sp>
+          <p:nvSpPr>
+            <p:cNvPr id="73" name="Rectangle 72">
+              <a:extLst>
+                <a:ext uri="{FF2B5EF4-FFF2-40B4-BE49-F238E27FC236}">
+                  <a16:creationId xmlns:a16="http://schemas.microsoft.com/office/drawing/2014/main" id="{8DABFB2F-B120-48F5-BF4B-8339C821B6D7}"/>
+                </a:ext>
+              </a:extLst>
+            </p:cNvPr>
+            <p:cNvSpPr/>
+            <p:nvPr/>
+          </p:nvSpPr>
+          <p:spPr>
+            <a:xfrm>
+              <a:off x="2842953" y="2557336"/>
+              <a:ext cx="3599411" cy="688056"/>
+            </a:xfrm>
+            <a:prstGeom prst="rect">
+              <a:avLst/>
+            </a:prstGeom>
+            <a:noFill/>
+            <a:ln>
+              <a:prstDash val="dash"/>
+            </a:ln>
+          </p:spPr>
+          <p:style>
+            <a:lnRef idx="2">
+              <a:schemeClr val="accent1">
+                <a:shade val="50000"/>
+              </a:schemeClr>
+            </a:lnRef>
+            <a:fillRef idx="1">
+              <a:schemeClr val="accent1"/>
+            </a:fillRef>
+            <a:effectRef idx="0">
+              <a:schemeClr val="accent1"/>
+            </a:effectRef>
+            <a:fontRef idx="minor">
+              <a:schemeClr val="lt1"/>
+            </a:fontRef>
+          </p:style>
+          <p:txBody>
+            <a:bodyPr rtlCol="0" anchor="ctr"/>
+            <a:lstStyle/>
+            <a:p>
+              <a:pPr algn="ctr"/>
+              <a:endParaRPr lang="en-US"/>
+            </a:p>
+          </p:txBody>
+        </p:sp>
+        <p:sp>
+          <p:nvSpPr>
+            <p:cNvPr id="78" name="TextBox 77">
+              <a:extLst>
+                <a:ext uri="{FF2B5EF4-FFF2-40B4-BE49-F238E27FC236}">
+                  <a16:creationId xmlns:a16="http://schemas.microsoft.com/office/drawing/2014/main" id="{8660CB76-795A-4458-94C1-09B5E8CF4DA8}"/>
+                </a:ext>
+              </a:extLst>
+            </p:cNvPr>
+            <p:cNvSpPr txBox="1"/>
+            <p:nvPr/>
+          </p:nvSpPr>
+          <p:spPr>
+            <a:xfrm>
+              <a:off x="5526957" y="3047490"/>
+              <a:ext cx="967106" cy="246221"/>
+            </a:xfrm>
+            <a:prstGeom prst="rect">
+              <a:avLst/>
+            </a:prstGeom>
+            <a:noFill/>
+          </p:spPr>
+          <p:txBody>
+            <a:bodyPr wrap="square" rtlCol="0">
+              <a:spAutoFit/>
+            </a:bodyPr>
+            <a:lstStyle/>
+            <a:p>
+              <a:pPr algn="r"/>
+              <a:r>
+                <a:rPr lang="en-US" sz="1000" dirty="0"/>
+                <a:t>apim-net</a:t>
+              </a:r>
+            </a:p>
+          </p:txBody>
+        </p:sp>
+        <p:pic>
+          <p:nvPicPr>
+            <p:cNvPr id="75" name="Graphic 74">
+              <a:extLst>
+                <a:ext uri="{FF2B5EF4-FFF2-40B4-BE49-F238E27FC236}">
+                  <a16:creationId xmlns:a16="http://schemas.microsoft.com/office/drawing/2014/main" id="{D502F66E-19DF-470E-82F2-3090370EB01C}"/>
+                </a:ext>
+              </a:extLst>
+            </p:cNvPr>
+            <p:cNvPicPr>
+              <a:picLocks noChangeAspect="1"/>
+            </p:cNvPicPr>
+            <p:nvPr/>
+          </p:nvPicPr>
+          <p:blipFill>
+            <a:blip r:embed="rId7">
+              <a:extLst>
+                <a:ext uri="{28A0092B-C50C-407E-A947-70E740481C1C}">
+                  <a14:useLocalDpi xmlns:a14="http://schemas.microsoft.com/office/drawing/2010/main" val="0"/>
+                </a:ext>
+                <a:ext uri="{96DAC541-7B7A-43D3-8B79-37D633B846F1}">
+                  <asvg:svgBlip xmlns:asvg="http://schemas.microsoft.com/office/drawing/2016/SVG/main" r:embed="rId8"/>
+                </a:ext>
+              </a:extLst>
+            </a:blip>
+            <a:stretch>
+              <a:fillRect/>
+            </a:stretch>
+          </p:blipFill>
+          <p:spPr>
+            <a:xfrm>
+              <a:off x="6257040" y="2591688"/>
+              <a:ext cx="171450" cy="171450"/>
+            </a:xfrm>
+            <a:prstGeom prst="rect">
+              <a:avLst/>
+            </a:prstGeom>
+          </p:spPr>
+        </p:pic>
+      </p:grpSp>
+      <p:grpSp>
+        <p:nvGrpSpPr>
+          <p:cNvPr id="24" name="Group 23">
+            <a:extLst>
+              <a:ext uri="{FF2B5EF4-FFF2-40B4-BE49-F238E27FC236}">
+                <a16:creationId xmlns:a16="http://schemas.microsoft.com/office/drawing/2014/main" id="{E4D53730-E620-472D-9CB4-718107FC5A7C}"/>
+              </a:ext>
+            </a:extLst>
+          </p:cNvPr>
+          <p:cNvGrpSpPr/>
+          <p:nvPr/>
+        </p:nvGrpSpPr>
+        <p:grpSpPr>
+          <a:xfrm>
+            <a:off x="2664069" y="3676558"/>
+            <a:ext cx="3930695" cy="2411705"/>
+            <a:chOff x="2664069" y="3676558"/>
+            <a:chExt cx="3930695" cy="2411705"/>
+          </a:xfrm>
+        </p:grpSpPr>
+        <p:sp>
+          <p:nvSpPr>
+            <p:cNvPr id="80" name="Rectangle 79">
+              <a:extLst>
+                <a:ext uri="{FF2B5EF4-FFF2-40B4-BE49-F238E27FC236}">
+                  <a16:creationId xmlns:a16="http://schemas.microsoft.com/office/drawing/2014/main" id="{06D06C80-61AD-40AD-A254-90E26D89F9F3}"/>
+                </a:ext>
+              </a:extLst>
+            </p:cNvPr>
+            <p:cNvSpPr/>
+            <p:nvPr/>
+          </p:nvSpPr>
+          <p:spPr>
+            <a:xfrm>
+              <a:off x="2664069" y="3676558"/>
+              <a:ext cx="3930695" cy="2249922"/>
+            </a:xfrm>
+            <a:prstGeom prst="rect">
+              <a:avLst/>
+            </a:prstGeom>
+            <a:noFill/>
+            <a:ln>
+              <a:prstDash val="sysDash"/>
+            </a:ln>
+          </p:spPr>
+          <p:style>
+            <a:lnRef idx="2">
+              <a:schemeClr val="accent1">
+                <a:shade val="50000"/>
+              </a:schemeClr>
+            </a:lnRef>
+            <a:fillRef idx="1">
+              <a:schemeClr val="accent1"/>
+            </a:fillRef>
+            <a:effectRef idx="0">
+              <a:schemeClr val="accent1"/>
+            </a:effectRef>
+            <a:fontRef idx="minor">
+              <a:schemeClr val="lt1"/>
+            </a:fontRef>
+          </p:style>
+          <p:txBody>
+            <a:bodyPr rtlCol="0" anchor="ctr"/>
+            <a:lstStyle/>
+            <a:p>
+              <a:pPr algn="ctr"/>
+              <a:endParaRPr lang="en-US"/>
+            </a:p>
+          </p:txBody>
+        </p:sp>
+        <p:grpSp>
+          <p:nvGrpSpPr>
+            <p:cNvPr id="3" name="Group 2">
+              <a:extLst>
+                <a:ext uri="{FF2B5EF4-FFF2-40B4-BE49-F238E27FC236}">
+                  <a16:creationId xmlns:a16="http://schemas.microsoft.com/office/drawing/2014/main" id="{C7A33962-800E-4C6D-A77F-7F2A1D60AE3F}"/>
+                </a:ext>
+              </a:extLst>
+            </p:cNvPr>
+            <p:cNvGrpSpPr/>
+            <p:nvPr/>
+          </p:nvGrpSpPr>
+          <p:grpSpPr>
+            <a:xfrm>
+              <a:off x="2704578" y="5699014"/>
+              <a:ext cx="1613924" cy="252688"/>
+              <a:chOff x="2704578" y="5699014"/>
+              <a:chExt cx="1613924" cy="252688"/>
+            </a:xfrm>
+          </p:grpSpPr>
+          <p:pic>
+            <p:nvPicPr>
+              <p:cNvPr id="82" name="Graphic 81">
+                <a:extLst>
+                  <a:ext uri="{FF2B5EF4-FFF2-40B4-BE49-F238E27FC236}">
+                    <a16:creationId xmlns:a16="http://schemas.microsoft.com/office/drawing/2014/main" id="{711CAAFD-17C2-4C96-9613-FEB58B352AB3}"/>
+                  </a:ext>
+                </a:extLst>
+              </p:cNvPr>
+              <p:cNvPicPr>
+                <a:picLocks noChangeAspect="1"/>
+              </p:cNvPicPr>
+              <p:nvPr/>
+            </p:nvPicPr>
+            <p:blipFill>
+              <a:blip r:embed="rId5">
+                <a:extLst>
+                  <a:ext uri="{28A0092B-C50C-407E-A947-70E740481C1C}">
+                    <a14:useLocalDpi xmlns:a14="http://schemas.microsoft.com/office/drawing/2010/main" val="0"/>
+                  </a:ext>
+                  <a:ext uri="{96DAC541-7B7A-43D3-8B79-37D633B846F1}">
+                    <asvg:svgBlip xmlns:asvg="http://schemas.microsoft.com/office/drawing/2016/SVG/main" r:embed="rId6"/>
+                  </a:ext>
+                </a:extLst>
+              </a:blip>
+              <a:stretch>
+                <a:fillRect/>
+              </a:stretch>
+            </p:blipFill>
+            <p:spPr>
+              <a:xfrm>
+                <a:off x="2704578" y="5699723"/>
+                <a:ext cx="251979" cy="251979"/>
+              </a:xfrm>
+              <a:prstGeom prst="rect">
+                <a:avLst/>
+              </a:prstGeom>
+            </p:spPr>
+          </p:pic>
+          <p:sp>
+            <p:nvSpPr>
+              <p:cNvPr id="87" name="TextBox 86">
+                <a:extLst>
+                  <a:ext uri="{FF2B5EF4-FFF2-40B4-BE49-F238E27FC236}">
+                    <a16:creationId xmlns:a16="http://schemas.microsoft.com/office/drawing/2014/main" id="{01FF6855-8A3A-47DB-8567-4D615C557433}"/>
+                  </a:ext>
+                </a:extLst>
+              </p:cNvPr>
+              <p:cNvSpPr txBox="1"/>
+              <p:nvPr/>
+            </p:nvSpPr>
+            <p:spPr>
+              <a:xfrm>
+                <a:off x="2905133" y="5699014"/>
+                <a:ext cx="1413369" cy="246221"/>
+              </a:xfrm>
+              <a:prstGeom prst="rect">
+                <a:avLst/>
+              </a:prstGeom>
+              <a:noFill/>
+            </p:spPr>
+            <p:txBody>
+              <a:bodyPr wrap="square" rtlCol="0">
+                <a:spAutoFit/>
+              </a:bodyPr>
+              <a:lstStyle/>
+              <a:p>
+                <a:r>
+                  <a:rPr lang="en-US" sz="1000" dirty="0"/>
+                  <a:t>iac-ws2-aks-blue-vnet</a:t>
+                </a:r>
+              </a:p>
+            </p:txBody>
+          </p:sp>
+        </p:grpSp>
+        <p:sp>
+          <p:nvSpPr>
+            <p:cNvPr id="72" name="Rectangle 71">
+              <a:extLst>
+                <a:ext uri="{FF2B5EF4-FFF2-40B4-BE49-F238E27FC236}">
+                  <a16:creationId xmlns:a16="http://schemas.microsoft.com/office/drawing/2014/main" id="{1145F759-F8D6-4D5C-A35D-FF3BD13F3B91}"/>
+                </a:ext>
+              </a:extLst>
+            </p:cNvPr>
+            <p:cNvSpPr/>
+            <p:nvPr/>
+          </p:nvSpPr>
+          <p:spPr>
+            <a:xfrm>
+              <a:off x="2842953" y="3746482"/>
+              <a:ext cx="3599411" cy="1906285"/>
+            </a:xfrm>
+            <a:prstGeom prst="rect">
+              <a:avLst/>
+            </a:prstGeom>
+            <a:noFill/>
+            <a:ln>
+              <a:prstDash val="dash"/>
+            </a:ln>
+          </p:spPr>
+          <p:style>
+            <a:lnRef idx="2">
+              <a:schemeClr val="accent1">
+                <a:shade val="50000"/>
+              </a:schemeClr>
+            </a:lnRef>
+            <a:fillRef idx="1">
+              <a:schemeClr val="accent1"/>
+            </a:fillRef>
+            <a:effectRef idx="0">
+              <a:schemeClr val="accent1"/>
+            </a:effectRef>
+            <a:fontRef idx="minor">
+              <a:schemeClr val="lt1"/>
+            </a:fontRef>
+          </p:style>
+          <p:txBody>
+            <a:bodyPr rtlCol="0" anchor="ctr"/>
+            <a:lstStyle/>
+            <a:p>
+              <a:pPr algn="ctr"/>
+              <a:endParaRPr lang="en-US"/>
+            </a:p>
+          </p:txBody>
+        </p:sp>
+        <p:sp>
+          <p:nvSpPr>
+            <p:cNvPr id="79" name="TextBox 78">
+              <a:extLst>
+                <a:ext uri="{FF2B5EF4-FFF2-40B4-BE49-F238E27FC236}">
+                  <a16:creationId xmlns:a16="http://schemas.microsoft.com/office/drawing/2014/main" id="{E4A4BB18-6F49-4F94-9A73-D439AF5BC5E4}"/>
+                </a:ext>
+              </a:extLst>
+            </p:cNvPr>
+            <p:cNvSpPr txBox="1"/>
+            <p:nvPr/>
+          </p:nvSpPr>
+          <p:spPr>
+            <a:xfrm>
+              <a:off x="2783571" y="5453147"/>
+              <a:ext cx="967106" cy="246221"/>
+            </a:xfrm>
+            <a:prstGeom prst="rect">
+              <a:avLst/>
+            </a:prstGeom>
+            <a:noFill/>
+          </p:spPr>
+          <p:txBody>
+            <a:bodyPr wrap="square" rtlCol="0">
+              <a:spAutoFit/>
+            </a:bodyPr>
+            <a:lstStyle/>
+            <a:p>
+              <a:r>
+                <a:rPr lang="en-US" sz="1000" dirty="0"/>
+                <a:t>aks-net</a:t>
+              </a:r>
+            </a:p>
+          </p:txBody>
+        </p:sp>
+        <p:pic>
+          <p:nvPicPr>
+            <p:cNvPr id="35" name="Graphic 34">
+              <a:extLst>
+                <a:ext uri="{FF2B5EF4-FFF2-40B4-BE49-F238E27FC236}">
+                  <a16:creationId xmlns:a16="http://schemas.microsoft.com/office/drawing/2014/main" id="{AA8DFD16-8C4D-4636-894D-1D61EE64B8DA}"/>
+                </a:ext>
+              </a:extLst>
+            </p:cNvPr>
+            <p:cNvPicPr>
+              <a:picLocks noChangeAspect="1"/>
+            </p:cNvPicPr>
+            <p:nvPr/>
+          </p:nvPicPr>
+          <p:blipFill>
+            <a:blip r:embed="rId7">
+              <a:extLst>
+                <a:ext uri="{28A0092B-C50C-407E-A947-70E740481C1C}">
+                  <a14:useLocalDpi xmlns:a14="http://schemas.microsoft.com/office/drawing/2010/main" val="0"/>
+                </a:ext>
+                <a:ext uri="{96DAC541-7B7A-43D3-8B79-37D633B846F1}">
+                  <asvg:svgBlip xmlns:asvg="http://schemas.microsoft.com/office/drawing/2016/SVG/main" r:embed="rId8"/>
+                </a:ext>
+              </a:extLst>
+            </a:blip>
+            <a:stretch>
+              <a:fillRect/>
+            </a:stretch>
+          </p:blipFill>
+          <p:spPr>
+            <a:xfrm>
+              <a:off x="6255847" y="3777119"/>
+              <a:ext cx="171450" cy="171450"/>
+            </a:xfrm>
+            <a:prstGeom prst="rect">
+              <a:avLst/>
+            </a:prstGeom>
+          </p:spPr>
+        </p:pic>
+        <p:sp>
+          <p:nvSpPr>
+            <p:cNvPr id="94" name="Rectangle 93">
+              <a:extLst>
+                <a:ext uri="{FF2B5EF4-FFF2-40B4-BE49-F238E27FC236}">
+                  <a16:creationId xmlns:a16="http://schemas.microsoft.com/office/drawing/2014/main" id="{F4F1791A-87EE-4EB6-8CAC-E7715C8E60F3}"/>
+                </a:ext>
+              </a:extLst>
+            </p:cNvPr>
+            <p:cNvSpPr/>
+            <p:nvPr/>
+          </p:nvSpPr>
+          <p:spPr>
+            <a:xfrm>
+              <a:off x="3631223" y="5903601"/>
+              <a:ext cx="2044706" cy="184662"/>
+            </a:xfrm>
+            <a:prstGeom prst="rect">
+              <a:avLst/>
+            </a:prstGeom>
+            <a:solidFill>
+              <a:schemeClr val="accent4">
+                <a:lumMod val="20000"/>
+                <a:lumOff val="80000"/>
+              </a:schemeClr>
+            </a:solidFill>
+          </p:spPr>
+          <p:style>
+            <a:lnRef idx="2">
+              <a:schemeClr val="accent1">
+                <a:shade val="50000"/>
+              </a:schemeClr>
+            </a:lnRef>
+            <a:fillRef idx="1">
+              <a:schemeClr val="accent1"/>
+            </a:fillRef>
+            <a:effectRef idx="0">
+              <a:schemeClr val="accent1"/>
+            </a:effectRef>
+            <a:fontRef idx="minor">
+              <a:schemeClr val="lt1"/>
+            </a:fontRef>
+          </p:style>
+          <p:txBody>
+            <a:bodyPr rtlCol="0" anchor="ctr"/>
+            <a:lstStyle/>
+            <a:p>
+              <a:pPr algn="ctr"/>
+              <a:r>
+                <a:rPr lang="en-US" sz="1000" dirty="0">
+                  <a:solidFill>
+                    <a:schemeClr val="tx1"/>
+                  </a:solidFill>
+                </a:rPr>
+                <a:t>VNet Service Endpoints</a:t>
+              </a:r>
+            </a:p>
+          </p:txBody>
+        </p:sp>
+      </p:grpSp>
+    </p:spTree>
+    <p:extLst>
+      <p:ext uri="{BB962C8B-B14F-4D97-AF65-F5344CB8AC3E}">
+        <p14:creationId xmlns:p14="http://schemas.microsoft.com/office/powerpoint/2010/main" val="872098847"/>
+      </p:ext>
+    </p:extLst>
+  </p:cSld>
+  <p:clrMapOvr>
+    <a:masterClrMapping/>
+  </p:clrMapOvr>
+</p:sld>
+</file>
+
+<file path=ppt/slides/slide9.xml><?xml version="1.0" encoding="utf-8"?>
+<p:sld xmlns:a="http://schemas.openxmlformats.org/drawingml/2006/main" xmlns:r="http://schemas.openxmlformats.org/officeDocument/2006/relationships" xmlns:p="http://schemas.openxmlformats.org/presentationml/2006/main">
+  <p:cSld>
+    <p:spTree>
+      <p:nvGrpSpPr>
+        <p:cNvPr id="1" name=""/>
+        <p:cNvGrpSpPr/>
+        <p:nvPr/>
+      </p:nvGrpSpPr>
+      <p:grpSpPr>
+        <a:xfrm>
+          <a:off x="0" y="0"/>
+          <a:ext cx="0" cy="0"/>
+          <a:chOff x="0" y="0"/>
+          <a:chExt cx="0" cy="0"/>
+        </a:xfrm>
+      </p:grpSpPr>
+      <p:sp>
+        <p:nvSpPr>
+          <p:cNvPr id="2" name="Title 1">
+            <a:extLst>
+              <a:ext uri="{FF2B5EF4-FFF2-40B4-BE49-F238E27FC236}">
+                <a16:creationId xmlns:a16="http://schemas.microsoft.com/office/drawing/2014/main" id="{AF708F16-5DBC-4B6A-8DFC-6213EECAA9C2}"/>
+              </a:ext>
+            </a:extLst>
+          </p:cNvPr>
+          <p:cNvSpPr>
+            <a:spLocks noGrp="1"/>
+          </p:cNvSpPr>
+          <p:nvPr>
+            <p:ph type="title"/>
+          </p:nvPr>
+        </p:nvSpPr>
+        <p:spPr>
+          <a:xfrm>
+            <a:off x="415600" y="349240"/>
+            <a:ext cx="11360800" cy="763600"/>
+          </a:xfrm>
+        </p:spPr>
+        <p:txBody>
+          <a:bodyPr/>
+          <a:lstStyle/>
+          <a:p>
+            <a:r>
+              <a:rPr lang="en-US" dirty="0"/>
+              <a:t>Infrastructure</a:t>
+            </a:r>
+          </a:p>
+        </p:txBody>
+      </p:sp>
+      <p:pic>
+        <p:nvPicPr>
+          <p:cNvPr id="4" name="Google Shape;56;p13">
+            <a:extLst>
+              <a:ext uri="{FF2B5EF4-FFF2-40B4-BE49-F238E27FC236}">
+                <a16:creationId xmlns:a16="http://schemas.microsoft.com/office/drawing/2014/main" id="{5DC2FED0-7C5F-460C-998D-2520FD324176}"/>
+              </a:ext>
+            </a:extLst>
+          </p:cNvPr>
+          <p:cNvPicPr preferRelativeResize="0"/>
+          <p:nvPr/>
+        </p:nvPicPr>
+        <p:blipFill>
+          <a:blip r:embed="rId3">
+            <a:alphaModFix/>
+          </a:blip>
+          <a:stretch>
+            <a:fillRect/>
+          </a:stretch>
+        </p:blipFill>
+        <p:spPr>
+          <a:xfrm>
+            <a:off x="10989179" y="5736492"/>
+            <a:ext cx="1202821" cy="1121508"/>
+          </a:xfrm>
+          <a:prstGeom prst="rect">
+            <a:avLst/>
+          </a:prstGeom>
+          <a:noFill/>
+          <a:ln>
+            <a:noFill/>
+          </a:ln>
+        </p:spPr>
+      </p:pic>
+      <p:pic>
+        <p:nvPicPr>
+          <p:cNvPr id="6" name="Picture 5">
+            <a:extLst>
+              <a:ext uri="{FF2B5EF4-FFF2-40B4-BE49-F238E27FC236}">
+                <a16:creationId xmlns:a16="http://schemas.microsoft.com/office/drawing/2014/main" id="{562789FC-24E6-41E1-B839-308F71066FC1}"/>
+              </a:ext>
+            </a:extLst>
+          </p:cNvPr>
+          <p:cNvPicPr>
+            <a:picLocks noChangeAspect="1"/>
+          </p:cNvPicPr>
+          <p:nvPr/>
+        </p:nvPicPr>
+        <p:blipFill>
+          <a:blip r:embed="rId4"/>
+          <a:stretch>
+            <a:fillRect/>
+          </a:stretch>
+        </p:blipFill>
+        <p:spPr>
+          <a:xfrm>
+            <a:off x="10765535" y="469734"/>
+            <a:ext cx="1010865" cy="1010865"/>
+          </a:xfrm>
+          <a:prstGeom prst="rect">
+            <a:avLst/>
+          </a:prstGeom>
+        </p:spPr>
+      </p:pic>
+      <p:grpSp>
+        <p:nvGrpSpPr>
+          <p:cNvPr id="5" name="Group 4">
+            <a:extLst>
+              <a:ext uri="{FF2B5EF4-FFF2-40B4-BE49-F238E27FC236}">
+                <a16:creationId xmlns:a16="http://schemas.microsoft.com/office/drawing/2014/main" id="{A539E6F8-1035-4BAE-A592-F1D25CB1424A}"/>
+              </a:ext>
+            </a:extLst>
+          </p:cNvPr>
+          <p:cNvGrpSpPr/>
+          <p:nvPr/>
+        </p:nvGrpSpPr>
+        <p:grpSpPr>
+          <a:xfrm>
+            <a:off x="2697941" y="3286002"/>
+            <a:ext cx="1330851" cy="251979"/>
+            <a:chOff x="2697941" y="3286002"/>
+            <a:chExt cx="1330851" cy="251979"/>
+          </a:xfrm>
+        </p:grpSpPr>
+        <p:pic>
+          <p:nvPicPr>
+            <p:cNvPr id="85" name="Graphic 84">
+              <a:extLst>
+                <a:ext uri="{FF2B5EF4-FFF2-40B4-BE49-F238E27FC236}">
+                  <a16:creationId xmlns:a16="http://schemas.microsoft.com/office/drawing/2014/main" id="{F42B162A-0AF5-4A4B-8B5B-CA2144BFA801}"/>
+                </a:ext>
+              </a:extLst>
+            </p:cNvPr>
+            <p:cNvPicPr>
+              <a:picLocks noChangeAspect="1"/>
+            </p:cNvPicPr>
+            <p:nvPr/>
+          </p:nvPicPr>
+          <p:blipFill>
+            <a:blip r:embed="rId5">
+              <a:extLst>
+                <a:ext uri="{28A0092B-C50C-407E-A947-70E740481C1C}">
+                  <a14:useLocalDpi xmlns:a14="http://schemas.microsoft.com/office/drawing/2010/main" val="0"/>
+                </a:ext>
+                <a:ext uri="{96DAC541-7B7A-43D3-8B79-37D633B846F1}">
+                  <asvg:svgBlip xmlns:asvg="http://schemas.microsoft.com/office/drawing/2016/SVG/main" r:embed="rId6"/>
+                </a:ext>
+              </a:extLst>
+            </a:blip>
+            <a:stretch>
+              <a:fillRect/>
+            </a:stretch>
+          </p:blipFill>
+          <p:spPr>
+            <a:xfrm>
+              <a:off x="2697941" y="3286002"/>
+              <a:ext cx="251979" cy="251979"/>
+            </a:xfrm>
+            <a:prstGeom prst="rect">
+              <a:avLst/>
+            </a:prstGeom>
+          </p:spPr>
+        </p:pic>
+        <p:sp>
+          <p:nvSpPr>
+            <p:cNvPr id="86" name="TextBox 85">
+              <a:extLst>
+                <a:ext uri="{FF2B5EF4-FFF2-40B4-BE49-F238E27FC236}">
+                  <a16:creationId xmlns:a16="http://schemas.microsoft.com/office/drawing/2014/main" id="{0D76ED6A-AF72-4363-9C6D-72205F9F3D63}"/>
+                </a:ext>
+              </a:extLst>
+            </p:cNvPr>
+            <p:cNvSpPr txBox="1"/>
+            <p:nvPr/>
+          </p:nvSpPr>
+          <p:spPr>
+            <a:xfrm>
+              <a:off x="2905133" y="3288792"/>
+              <a:ext cx="1123659" cy="246221"/>
+            </a:xfrm>
+            <a:prstGeom prst="rect">
+              <a:avLst/>
+            </a:prstGeom>
+            <a:noFill/>
+          </p:spPr>
+          <p:txBody>
+            <a:bodyPr wrap="square" rtlCol="0">
+              <a:spAutoFit/>
+            </a:bodyPr>
+            <a:lstStyle/>
+            <a:p>
+              <a:r>
+                <a:rPr lang="en-US" sz="1000" dirty="0"/>
+                <a:t>iac-ws2-vnet</a:t>
+              </a:r>
+            </a:p>
+          </p:txBody>
+        </p:sp>
+      </p:grpSp>
+      <p:sp>
+        <p:nvSpPr>
+          <p:cNvPr id="84" name="Rectangle 83">
+            <a:extLst>
+              <a:ext uri="{FF2B5EF4-FFF2-40B4-BE49-F238E27FC236}">
+                <a16:creationId xmlns:a16="http://schemas.microsoft.com/office/drawing/2014/main" id="{4BFF43BF-EF17-4EA8-BFF4-6C46DBD8EC95}"/>
+              </a:ext>
+            </a:extLst>
+          </p:cNvPr>
+          <p:cNvSpPr/>
+          <p:nvPr/>
+        </p:nvSpPr>
+        <p:spPr>
+          <a:xfrm>
+            <a:off x="2667533" y="2460213"/>
+            <a:ext cx="3930695" cy="1054389"/>
+          </a:xfrm>
+          <a:prstGeom prst="rect">
+            <a:avLst/>
+          </a:prstGeom>
+          <a:noFill/>
+          <a:ln>
+            <a:prstDash val="sysDash"/>
+          </a:ln>
+        </p:spPr>
+        <p:style>
+          <a:lnRef idx="2">
+            <a:schemeClr val="accent1">
+              <a:shade val="50000"/>
+            </a:schemeClr>
+          </a:lnRef>
+          <a:fillRef idx="1">
+            <a:schemeClr val="accent1"/>
+          </a:fillRef>
+          <a:effectRef idx="0">
+            <a:schemeClr val="accent1"/>
+          </a:effectRef>
+          <a:fontRef idx="minor">
+            <a:schemeClr val="lt1"/>
+          </a:fontRef>
+        </p:style>
+        <p:txBody>
+          <a:bodyPr rtlCol="0" anchor="ctr"/>
+          <a:lstStyle/>
+          <a:p>
+            <a:pPr algn="ctr"/>
+            <a:endParaRPr lang="en-US"/>
+          </a:p>
+        </p:txBody>
+      </p:sp>
+      <p:sp>
+        <p:nvSpPr>
+          <p:cNvPr id="73" name="Rectangle 72">
+            <a:extLst>
+              <a:ext uri="{FF2B5EF4-FFF2-40B4-BE49-F238E27FC236}">
+                <a16:creationId xmlns:a16="http://schemas.microsoft.com/office/drawing/2014/main" id="{8DABFB2F-B120-48F5-BF4B-8339C821B6D7}"/>
+              </a:ext>
+            </a:extLst>
+          </p:cNvPr>
+          <p:cNvSpPr/>
+          <p:nvPr/>
+        </p:nvSpPr>
+        <p:spPr>
+          <a:xfrm>
+            <a:off x="2842953" y="2557336"/>
+            <a:ext cx="3599411" cy="688056"/>
+          </a:xfrm>
+          <a:prstGeom prst="rect">
+            <a:avLst/>
+          </a:prstGeom>
+          <a:noFill/>
+          <a:ln>
+            <a:prstDash val="dash"/>
+          </a:ln>
+        </p:spPr>
+        <p:style>
+          <a:lnRef idx="2">
+            <a:schemeClr val="accent1">
+              <a:shade val="50000"/>
+            </a:schemeClr>
+          </a:lnRef>
+          <a:fillRef idx="1">
+            <a:schemeClr val="accent1"/>
+          </a:fillRef>
+          <a:effectRef idx="0">
+            <a:schemeClr val="accent1"/>
+          </a:effectRef>
+          <a:fontRef idx="minor">
+            <a:schemeClr val="lt1"/>
+          </a:fontRef>
+        </p:style>
+        <p:txBody>
+          <a:bodyPr rtlCol="0" anchor="ctr"/>
+          <a:lstStyle/>
+          <a:p>
+            <a:pPr algn="ctr"/>
+            <a:endParaRPr lang="en-US"/>
+          </a:p>
+        </p:txBody>
+      </p:sp>
+      <p:sp>
+        <p:nvSpPr>
+          <p:cNvPr id="78" name="TextBox 77">
+            <a:extLst>
+              <a:ext uri="{FF2B5EF4-FFF2-40B4-BE49-F238E27FC236}">
+                <a16:creationId xmlns:a16="http://schemas.microsoft.com/office/drawing/2014/main" id="{8660CB76-795A-4458-94C1-09B5E8CF4DA8}"/>
+              </a:ext>
+            </a:extLst>
+          </p:cNvPr>
+          <p:cNvSpPr txBox="1"/>
+          <p:nvPr/>
+        </p:nvSpPr>
+        <p:spPr>
+          <a:xfrm>
+            <a:off x="5526957" y="3047490"/>
+            <a:ext cx="967106" cy="246221"/>
+          </a:xfrm>
+          <a:prstGeom prst="rect">
+            <a:avLst/>
+          </a:prstGeom>
+          <a:noFill/>
+        </p:spPr>
+        <p:txBody>
+          <a:bodyPr wrap="square" rtlCol="0">
+            <a:spAutoFit/>
+          </a:bodyPr>
+          <a:lstStyle/>
+          <a:p>
+            <a:pPr algn="r"/>
+            <a:r>
+              <a:rPr lang="en-US" sz="1000" dirty="0"/>
+              <a:t>apim-net</a:t>
+            </a:r>
+          </a:p>
+        </p:txBody>
+      </p:sp>
+      <p:pic>
+        <p:nvPicPr>
+          <p:cNvPr id="75" name="Graphic 74">
+            <a:extLst>
+              <a:ext uri="{FF2B5EF4-FFF2-40B4-BE49-F238E27FC236}">
+                <a16:creationId xmlns:a16="http://schemas.microsoft.com/office/drawing/2014/main" id="{D502F66E-19DF-470E-82F2-3090370EB01C}"/>
+              </a:ext>
+            </a:extLst>
+          </p:cNvPr>
+          <p:cNvPicPr>
+            <a:picLocks noChangeAspect="1"/>
+          </p:cNvPicPr>
+          <p:nvPr/>
+        </p:nvPicPr>
+        <p:blipFill>
+          <a:blip r:embed="rId7">
+            <a:extLst>
+              <a:ext uri="{28A0092B-C50C-407E-A947-70E740481C1C}">
+                <a14:useLocalDpi xmlns:a14="http://schemas.microsoft.com/office/drawing/2010/main" val="0"/>
+              </a:ext>
+              <a:ext uri="{96DAC541-7B7A-43D3-8B79-37D633B846F1}">
+                <asvg:svgBlip xmlns:asvg="http://schemas.microsoft.com/office/drawing/2016/SVG/main" r:embed="rId8"/>
+              </a:ext>
+            </a:extLst>
+          </a:blip>
+          <a:stretch>
+            <a:fillRect/>
+          </a:stretch>
+        </p:blipFill>
+        <p:spPr>
+          <a:xfrm>
+            <a:off x="6257040" y="2591688"/>
+            <a:ext cx="171450" cy="171450"/>
+          </a:xfrm>
+          <a:prstGeom prst="rect">
+            <a:avLst/>
+          </a:prstGeom>
+        </p:spPr>
+      </p:pic>
+      <p:grpSp>
+        <p:nvGrpSpPr>
+          <p:cNvPr id="32" name="Group 31">
+            <a:extLst>
+              <a:ext uri="{FF2B5EF4-FFF2-40B4-BE49-F238E27FC236}">
+                <a16:creationId xmlns:a16="http://schemas.microsoft.com/office/drawing/2014/main" id="{CA3548AA-1FEC-455B-A206-716DB5A1D236}"/>
+              </a:ext>
+            </a:extLst>
+          </p:cNvPr>
+          <p:cNvGrpSpPr/>
+          <p:nvPr/>
+        </p:nvGrpSpPr>
+        <p:grpSpPr>
+          <a:xfrm>
+            <a:off x="1416886" y="2628685"/>
+            <a:ext cx="1144865" cy="717444"/>
+            <a:chOff x="1125655" y="4731777"/>
+            <a:chExt cx="1144865" cy="717444"/>
+          </a:xfrm>
+        </p:grpSpPr>
+        <p:pic>
+          <p:nvPicPr>
+            <p:cNvPr id="33" name="Graphic 32">
+              <a:extLst>
+                <a:ext uri="{FF2B5EF4-FFF2-40B4-BE49-F238E27FC236}">
+                  <a16:creationId xmlns:a16="http://schemas.microsoft.com/office/drawing/2014/main" id="{07AB9493-6FF5-4273-9E15-0D0CED85D93B}"/>
+                </a:ext>
+              </a:extLst>
+            </p:cNvPr>
+            <p:cNvPicPr>
+              <a:picLocks noChangeAspect="1"/>
+            </p:cNvPicPr>
+            <p:nvPr/>
+          </p:nvPicPr>
+          <p:blipFill>
+            <a:blip r:embed="rId9">
+              <a:extLst>
+                <a:ext uri="{28A0092B-C50C-407E-A947-70E740481C1C}">
+                  <a14:useLocalDpi xmlns:a14="http://schemas.microsoft.com/office/drawing/2010/main" val="0"/>
+                </a:ext>
+                <a:ext uri="{96DAC541-7B7A-43D3-8B79-37D633B846F1}">
+                  <asvg:svgBlip xmlns:asvg="http://schemas.microsoft.com/office/drawing/2016/SVG/main" r:embed="rId10"/>
+                </a:ext>
+              </a:extLst>
+            </a:blip>
+            <a:stretch>
+              <a:fillRect/>
+            </a:stretch>
+          </p:blipFill>
+          <p:spPr>
+            <a:xfrm>
+              <a:off x="1465881" y="4731777"/>
+              <a:ext cx="464414" cy="464414"/>
+            </a:xfrm>
+            <a:prstGeom prst="rect">
+              <a:avLst/>
+            </a:prstGeom>
+          </p:spPr>
+        </p:pic>
+        <p:sp>
+          <p:nvSpPr>
+            <p:cNvPr id="34" name="TextBox 33">
+              <a:extLst>
+                <a:ext uri="{FF2B5EF4-FFF2-40B4-BE49-F238E27FC236}">
+                  <a16:creationId xmlns:a16="http://schemas.microsoft.com/office/drawing/2014/main" id="{F90444C5-3F52-4886-AFEA-5172BA0CFB69}"/>
+                </a:ext>
+              </a:extLst>
+            </p:cNvPr>
+            <p:cNvSpPr txBox="1"/>
+            <p:nvPr/>
+          </p:nvSpPr>
+          <p:spPr>
+            <a:xfrm>
+              <a:off x="1125655" y="5203000"/>
+              <a:ext cx="1144865" cy="246221"/>
+            </a:xfrm>
+            <a:prstGeom prst="rect">
+              <a:avLst/>
+            </a:prstGeom>
+            <a:noFill/>
+          </p:spPr>
+          <p:txBody>
+            <a:bodyPr wrap="none" rtlCol="0">
+              <a:spAutoFit/>
+            </a:bodyPr>
+            <a:lstStyle/>
+            <a:p>
+              <a:r>
+                <a:rPr lang="en-US" sz="1000" dirty="0"/>
+                <a:t>Container Registry</a:t>
+              </a:r>
+            </a:p>
+          </p:txBody>
+        </p:sp>
+      </p:grpSp>
+      <p:grpSp>
+        <p:nvGrpSpPr>
+          <p:cNvPr id="39" name="Group 38">
+            <a:extLst>
+              <a:ext uri="{FF2B5EF4-FFF2-40B4-BE49-F238E27FC236}">
+                <a16:creationId xmlns:a16="http://schemas.microsoft.com/office/drawing/2014/main" id="{E0460AF8-D4B8-4D8A-9BB6-787FAFCEFF9F}"/>
+              </a:ext>
+            </a:extLst>
+          </p:cNvPr>
+          <p:cNvGrpSpPr/>
+          <p:nvPr/>
+        </p:nvGrpSpPr>
+        <p:grpSpPr>
+          <a:xfrm>
+            <a:off x="7594227" y="2587471"/>
+            <a:ext cx="967106" cy="784999"/>
+            <a:chOff x="7024664" y="3607940"/>
+            <a:chExt cx="967106" cy="784999"/>
+          </a:xfrm>
+        </p:grpSpPr>
+        <p:pic>
+          <p:nvPicPr>
+            <p:cNvPr id="40" name="Graphic 39">
+              <a:extLst>
+                <a:ext uri="{FF2B5EF4-FFF2-40B4-BE49-F238E27FC236}">
+                  <a16:creationId xmlns:a16="http://schemas.microsoft.com/office/drawing/2014/main" id="{C1185322-14AA-4DE5-BF7D-0D0B00AD7138}"/>
+                </a:ext>
+              </a:extLst>
+            </p:cNvPr>
+            <p:cNvPicPr>
+              <a:picLocks noChangeAspect="1"/>
+            </p:cNvPicPr>
+            <p:nvPr/>
+          </p:nvPicPr>
+          <p:blipFill>
+            <a:blip r:embed="rId11">
+              <a:extLst>
+                <a:ext uri="{28A0092B-C50C-407E-A947-70E740481C1C}">
+                  <a14:useLocalDpi xmlns:a14="http://schemas.microsoft.com/office/drawing/2010/main" val="0"/>
+                </a:ext>
+                <a:ext uri="{96DAC541-7B7A-43D3-8B79-37D633B846F1}">
+                  <asvg:svgBlip xmlns:asvg="http://schemas.microsoft.com/office/drawing/2016/SVG/main" r:embed="rId12"/>
+                </a:ext>
+              </a:extLst>
+            </a:blip>
+            <a:stretch>
+              <a:fillRect/>
+            </a:stretch>
+          </p:blipFill>
+          <p:spPr>
+            <a:xfrm>
+              <a:off x="7276010" y="3607940"/>
+              <a:ext cx="464414" cy="464414"/>
+            </a:xfrm>
+            <a:prstGeom prst="rect">
+              <a:avLst/>
+            </a:prstGeom>
+          </p:spPr>
+        </p:pic>
+        <p:sp>
+          <p:nvSpPr>
+            <p:cNvPr id="41" name="TextBox 40">
+              <a:extLst>
+                <a:ext uri="{FF2B5EF4-FFF2-40B4-BE49-F238E27FC236}">
+                  <a16:creationId xmlns:a16="http://schemas.microsoft.com/office/drawing/2014/main" id="{D3FA9A3C-D035-40B8-AFC3-4B676D778AF6}"/>
+                </a:ext>
+              </a:extLst>
+            </p:cNvPr>
+            <p:cNvSpPr txBox="1"/>
+            <p:nvPr/>
+          </p:nvSpPr>
+          <p:spPr>
+            <a:xfrm>
+              <a:off x="7024664" y="3992829"/>
+              <a:ext cx="967106" cy="400110"/>
+            </a:xfrm>
+            <a:prstGeom prst="rect">
+              <a:avLst/>
+            </a:prstGeom>
+            <a:noFill/>
+          </p:spPr>
+          <p:txBody>
+            <a:bodyPr wrap="square" rtlCol="0">
+              <a:spAutoFit/>
+            </a:bodyPr>
+            <a:lstStyle/>
+            <a:p>
+              <a:pPr algn="ctr"/>
+              <a:r>
+                <a:rPr lang="en-US" sz="1000" dirty="0"/>
+                <a:t>Public IP</a:t>
+              </a:r>
+            </a:p>
+            <a:p>
+              <a:pPr algn="ctr"/>
+              <a:r>
+                <a:rPr lang="en-US" sz="1000" dirty="0"/>
+                <a:t>Prefix</a:t>
+              </a:r>
+            </a:p>
+          </p:txBody>
+        </p:sp>
+      </p:grpSp>
+      <p:sp>
+        <p:nvSpPr>
+          <p:cNvPr id="8" name="Rectangle 7">
+            <a:extLst>
+              <a:ext uri="{FF2B5EF4-FFF2-40B4-BE49-F238E27FC236}">
+                <a16:creationId xmlns:a16="http://schemas.microsoft.com/office/drawing/2014/main" id="{181298C4-C071-4271-8052-496A36C208CB}"/>
+              </a:ext>
+            </a:extLst>
+          </p:cNvPr>
+          <p:cNvSpPr/>
+          <p:nvPr/>
+        </p:nvSpPr>
+        <p:spPr>
+          <a:xfrm>
+            <a:off x="1204111" y="2263366"/>
+            <a:ext cx="7357222" cy="1403287"/>
+          </a:xfrm>
+          <a:prstGeom prst="rect">
+            <a:avLst/>
+          </a:prstGeom>
+          <a:noFill/>
+        </p:spPr>
+        <p:style>
+          <a:lnRef idx="2">
+            <a:schemeClr val="accent1">
+              <a:shade val="50000"/>
+            </a:schemeClr>
+          </a:lnRef>
+          <a:fillRef idx="1">
+            <a:schemeClr val="accent1"/>
+          </a:fillRef>
+          <a:effectRef idx="0">
+            <a:schemeClr val="accent1"/>
+          </a:effectRef>
+          <a:fontRef idx="minor">
+            <a:schemeClr val="lt1"/>
+          </a:fontRef>
+        </p:style>
+        <p:txBody>
+          <a:bodyPr rtlCol="0" anchor="ctr"/>
+          <a:lstStyle/>
+          <a:p>
+            <a:pPr algn="ctr"/>
+            <a:endParaRPr lang="en-US"/>
+          </a:p>
+        </p:txBody>
+      </p:sp>
+      <p:pic>
+        <p:nvPicPr>
+          <p:cNvPr id="11" name="Graphic 10">
+            <a:extLst>
+              <a:ext uri="{FF2B5EF4-FFF2-40B4-BE49-F238E27FC236}">
+                <a16:creationId xmlns:a16="http://schemas.microsoft.com/office/drawing/2014/main" id="{7000204C-22AC-4B40-85AA-927C478EE242}"/>
+              </a:ext>
+            </a:extLst>
+          </p:cNvPr>
+          <p:cNvPicPr>
+            <a:picLocks noChangeAspect="1"/>
+          </p:cNvPicPr>
+          <p:nvPr/>
+        </p:nvPicPr>
+        <p:blipFill>
+          <a:blip r:embed="rId13">
+            <a:extLst>
+              <a:ext uri="{28A0092B-C50C-407E-A947-70E740481C1C}">
+                <a14:useLocalDpi xmlns:a14="http://schemas.microsoft.com/office/drawing/2010/main" val="0"/>
+              </a:ext>
+              <a:ext uri="{96DAC541-7B7A-43D3-8B79-37D633B846F1}">
+                <asvg:svgBlip xmlns:asvg="http://schemas.microsoft.com/office/drawing/2016/SVG/main" r:embed="rId14"/>
+              </a:ext>
+            </a:extLst>
+          </a:blip>
+          <a:stretch>
+            <a:fillRect/>
+          </a:stretch>
+        </p:blipFill>
+        <p:spPr>
+          <a:xfrm>
+            <a:off x="1236793" y="2282763"/>
+            <a:ext cx="228803" cy="228803"/>
+          </a:xfrm>
+          <a:prstGeom prst="rect">
+            <a:avLst/>
+          </a:prstGeom>
+        </p:spPr>
+      </p:pic>
+      <p:sp>
+        <p:nvSpPr>
+          <p:cNvPr id="44" name="TextBox 43">
+            <a:extLst>
+              <a:ext uri="{FF2B5EF4-FFF2-40B4-BE49-F238E27FC236}">
+                <a16:creationId xmlns:a16="http://schemas.microsoft.com/office/drawing/2014/main" id="{7598C3EA-1FA3-4D34-827F-729D1C090DC7}"/>
+              </a:ext>
+            </a:extLst>
+          </p:cNvPr>
+          <p:cNvSpPr txBox="1"/>
+          <p:nvPr/>
+        </p:nvSpPr>
+        <p:spPr>
+          <a:xfrm>
+            <a:off x="1404086" y="2274055"/>
+            <a:ext cx="1123659" cy="246221"/>
+          </a:xfrm>
+          <a:prstGeom prst="rect">
+            <a:avLst/>
+          </a:prstGeom>
+          <a:noFill/>
+        </p:spPr>
+        <p:txBody>
+          <a:bodyPr wrap="square" rtlCol="0">
+            <a:spAutoFit/>
+          </a:bodyPr>
+          <a:lstStyle/>
+          <a:p>
+            <a:r>
+              <a:rPr lang="en-US" sz="1000" dirty="0"/>
+              <a:t>iac-ws2-base-rg</a:t>
+            </a:r>
+          </a:p>
+        </p:txBody>
+      </p:sp>
+      <p:grpSp>
+        <p:nvGrpSpPr>
+          <p:cNvPr id="14" name="Group 13">
+            <a:extLst>
+              <a:ext uri="{FF2B5EF4-FFF2-40B4-BE49-F238E27FC236}">
+                <a16:creationId xmlns:a16="http://schemas.microsoft.com/office/drawing/2014/main" id="{D814A492-F5D1-49AB-B90D-FE4ED11F18A7}"/>
+              </a:ext>
+            </a:extLst>
+          </p:cNvPr>
+          <p:cNvGrpSpPr/>
+          <p:nvPr/>
+        </p:nvGrpSpPr>
+        <p:grpSpPr>
+          <a:xfrm>
+            <a:off x="6722603" y="2609692"/>
+            <a:ext cx="967106" cy="710634"/>
+            <a:chOff x="7079732" y="4051542"/>
+            <a:chExt cx="967106" cy="710634"/>
+          </a:xfrm>
+        </p:grpSpPr>
+        <p:sp>
+          <p:nvSpPr>
+            <p:cNvPr id="38" name="TextBox 37">
+              <a:extLst>
+                <a:ext uri="{FF2B5EF4-FFF2-40B4-BE49-F238E27FC236}">
+                  <a16:creationId xmlns:a16="http://schemas.microsoft.com/office/drawing/2014/main" id="{196478A0-37EE-4715-BD01-729C7EF5BA55}"/>
+                </a:ext>
+              </a:extLst>
+            </p:cNvPr>
+            <p:cNvSpPr txBox="1"/>
+            <p:nvPr/>
+          </p:nvSpPr>
+          <p:spPr>
+            <a:xfrm>
+              <a:off x="7079732" y="4515955"/>
+              <a:ext cx="967106" cy="246221"/>
+            </a:xfrm>
+            <a:prstGeom prst="rect">
+              <a:avLst/>
+            </a:prstGeom>
+            <a:noFill/>
+          </p:spPr>
+          <p:txBody>
+            <a:bodyPr wrap="square" rtlCol="0">
+              <a:spAutoFit/>
+            </a:bodyPr>
+            <a:lstStyle/>
+            <a:p>
+              <a:pPr algn="ctr"/>
+              <a:r>
+                <a:rPr lang="en-US" sz="1000" dirty="0"/>
+                <a:t>Log Analytics</a:t>
+              </a:r>
+            </a:p>
+          </p:txBody>
+        </p:sp>
+        <p:pic>
+          <p:nvPicPr>
+            <p:cNvPr id="13" name="Graphic 12">
+              <a:extLst>
+                <a:ext uri="{FF2B5EF4-FFF2-40B4-BE49-F238E27FC236}">
+                  <a16:creationId xmlns:a16="http://schemas.microsoft.com/office/drawing/2014/main" id="{3B794B72-6994-4DA0-B300-6A8DD2A666BA}"/>
+                </a:ext>
+              </a:extLst>
+            </p:cNvPr>
+            <p:cNvPicPr>
+              <a:picLocks noChangeAspect="1"/>
+            </p:cNvPicPr>
+            <p:nvPr/>
+          </p:nvPicPr>
+          <p:blipFill>
+            <a:blip r:embed="rId15">
+              <a:extLst>
+                <a:ext uri="{28A0092B-C50C-407E-A947-70E740481C1C}">
+                  <a14:useLocalDpi xmlns:a14="http://schemas.microsoft.com/office/drawing/2010/main" val="0"/>
+                </a:ext>
+                <a:ext uri="{96DAC541-7B7A-43D3-8B79-37D633B846F1}">
+                  <asvg:svgBlip xmlns:asvg="http://schemas.microsoft.com/office/drawing/2016/SVG/main" r:embed="rId16"/>
+                </a:ext>
+              </a:extLst>
+            </a:blip>
+            <a:stretch>
+              <a:fillRect/>
+            </a:stretch>
+          </p:blipFill>
+          <p:spPr>
+            <a:xfrm>
+              <a:off x="7331078" y="4051542"/>
+              <a:ext cx="464413" cy="464413"/>
+            </a:xfrm>
+            <a:prstGeom prst="rect">
+              <a:avLst/>
+            </a:prstGeom>
+          </p:spPr>
+        </p:pic>
+      </p:grpSp>
+    </p:spTree>
+    <p:extLst>
+      <p:ext uri="{BB962C8B-B14F-4D97-AF65-F5344CB8AC3E}">
+        <p14:creationId xmlns:p14="http://schemas.microsoft.com/office/powerpoint/2010/main" val="718970915"/>
+      </p:ext>
+    </p:extLst>
+  </p:cSld>
+  <p:clrMapOvr>
+    <a:masterClrMapping/>
+  </p:clrMapOvr>
 </p:sld>
 </file>
 

--- a/02-aks-advanced-configuration/slides/Advanced AKS Configuration.pptx
+++ b/02-aks-advanced-configuration/slides/Advanced AKS Configuration.pptx
@@ -12301,6 +12301,107 @@
           </p:spPr>
         </p:pic>
       </p:grpSp>
+      <p:grpSp>
+        <p:nvGrpSpPr>
+          <p:cNvPr id="24" name="Group 23">
+            <a:extLst>
+              <a:ext uri="{FF2B5EF4-FFF2-40B4-BE49-F238E27FC236}">
+                <a16:creationId xmlns:a16="http://schemas.microsoft.com/office/drawing/2014/main" id="{75B8C90B-1129-4082-A350-1F4287F64398}"/>
+              </a:ext>
+            </a:extLst>
+          </p:cNvPr>
+          <p:cNvGrpSpPr/>
+          <p:nvPr/>
+        </p:nvGrpSpPr>
+        <p:grpSpPr>
+          <a:xfrm>
+            <a:off x="4019695" y="2683222"/>
+            <a:ext cx="1726053" cy="487378"/>
+            <a:chOff x="4284452" y="2780979"/>
+            <a:chExt cx="1726053" cy="487378"/>
+          </a:xfrm>
+        </p:grpSpPr>
+        <p:pic>
+          <p:nvPicPr>
+            <p:cNvPr id="25" name="Graphic 24">
+              <a:extLst>
+                <a:ext uri="{FF2B5EF4-FFF2-40B4-BE49-F238E27FC236}">
+                  <a16:creationId xmlns:a16="http://schemas.microsoft.com/office/drawing/2014/main" id="{7130F49B-EFEF-495D-BAE5-D197B5B40A06}"/>
+                </a:ext>
+              </a:extLst>
+            </p:cNvPr>
+            <p:cNvPicPr>
+              <a:picLocks noChangeAspect="1"/>
+            </p:cNvPicPr>
+            <p:nvPr/>
+          </p:nvPicPr>
+          <p:blipFill>
+            <a:blip r:embed="rId17">
+              <a:extLst>
+                <a:ext uri="{28A0092B-C50C-407E-A947-70E740481C1C}">
+                  <a14:useLocalDpi xmlns:a14="http://schemas.microsoft.com/office/drawing/2010/main" val="0"/>
+                </a:ext>
+                <a:ext uri="{96DAC541-7B7A-43D3-8B79-37D633B846F1}">
+                  <asvg:svgBlip xmlns:asvg="http://schemas.microsoft.com/office/drawing/2016/SVG/main" r:embed="rId18"/>
+                </a:ext>
+              </a:extLst>
+            </a:blip>
+            <a:stretch>
+              <a:fillRect/>
+            </a:stretch>
+          </p:blipFill>
+          <p:spPr>
+            <a:xfrm>
+              <a:off x="4284452" y="2780979"/>
+              <a:ext cx="464415" cy="464415"/>
+            </a:xfrm>
+            <a:prstGeom prst="rect">
+              <a:avLst/>
+            </a:prstGeom>
+          </p:spPr>
+        </p:pic>
+        <p:sp>
+          <p:nvSpPr>
+            <p:cNvPr id="26" name="TextBox 25">
+              <a:extLst>
+                <a:ext uri="{FF2B5EF4-FFF2-40B4-BE49-F238E27FC236}">
+                  <a16:creationId xmlns:a16="http://schemas.microsoft.com/office/drawing/2014/main" id="{D1C790A9-DD3D-475B-9A1E-98131CC61C6B}"/>
+                </a:ext>
+              </a:extLst>
+            </p:cNvPr>
+            <p:cNvSpPr txBox="1"/>
+            <p:nvPr/>
+          </p:nvSpPr>
+          <p:spPr>
+            <a:xfrm>
+              <a:off x="4682050" y="2868247"/>
+              <a:ext cx="1328455" cy="400110"/>
+            </a:xfrm>
+            <a:prstGeom prst="rect">
+              <a:avLst/>
+            </a:prstGeom>
+            <a:noFill/>
+          </p:spPr>
+          <p:txBody>
+            <a:bodyPr wrap="square" rtlCol="0">
+              <a:spAutoFit/>
+            </a:bodyPr>
+            <a:lstStyle/>
+            <a:p>
+              <a:r>
+                <a:rPr lang="en-US" sz="1000" dirty="0"/>
+                <a:t>API Management</a:t>
+              </a:r>
+            </a:p>
+            <a:p>
+              <a:r>
+                <a:rPr lang="en-US" sz="1000" dirty="0"/>
+                <a:t>(External)</a:t>
+              </a:r>
+            </a:p>
+          </p:txBody>
+        </p:sp>
+      </p:grpSp>
     </p:spTree>
     <p:extLst>
       <p:ext uri="{BB962C8B-B14F-4D97-AF65-F5344CB8AC3E}">

--- a/02-aks-advanced-configuration/slides/Advanced AKS Configuration.pptx
+++ b/02-aks-advanced-configuration/slides/Advanced AKS Configuration.pptx
@@ -5,7 +5,7 @@
     <p:sldMasterId id="2147483648" r:id="rId1"/>
   </p:sldMasterIdLst>
   <p:notesMasterIdLst>
-    <p:notesMasterId r:id="rId11"/>
+    <p:notesMasterId r:id="rId12"/>
   </p:notesMasterIdLst>
   <p:sldIdLst>
     <p:sldId id="256" r:id="rId2"/>
@@ -17,6 +17,7 @@
     <p:sldId id="2076136272" r:id="rId8"/>
     <p:sldId id="2076136273" r:id="rId9"/>
     <p:sldId id="2076136274" r:id="rId10"/>
+    <p:sldId id="2076136275" r:id="rId11"/>
   </p:sldIdLst>
   <p:sldSz cx="12192000" cy="6858000"/>
   <p:notesSz cx="6858000" cy="9144000"/>
@@ -205,7 +206,7 @@
           <a:p>
             <a:fld id="{11837477-D453-41A7-B038-AF1F6C7EED11}" type="datetimeFigureOut">
               <a:rPr lang="en-US" smtClean="0"/>
-              <a:t>3/28/2021</a:t>
+              <a:t>3/30/2021</a:t>
             </a:fld>
             <a:endParaRPr lang="en-US"/>
           </a:p>
@@ -1282,6 +1283,91 @@
 </p:notes>
 </file>
 
+<file path=ppt/notesSlides/notesSlide9.xml><?xml version="1.0" encoding="utf-8"?>
+<p:notes xmlns:a="http://schemas.openxmlformats.org/drawingml/2006/main" xmlns:r="http://schemas.openxmlformats.org/officeDocument/2006/relationships" xmlns:p="http://schemas.openxmlformats.org/presentationml/2006/main">
+  <p:cSld>
+    <p:spTree>
+      <p:nvGrpSpPr>
+        <p:cNvPr id="1" name=""/>
+        <p:cNvGrpSpPr/>
+        <p:nvPr/>
+      </p:nvGrpSpPr>
+      <p:grpSpPr>
+        <a:xfrm>
+          <a:off x="0" y="0"/>
+          <a:ext cx="0" cy="0"/>
+          <a:chOff x="0" y="0"/>
+          <a:chExt cx="0" cy="0"/>
+        </a:xfrm>
+      </p:grpSpPr>
+      <p:sp>
+        <p:nvSpPr>
+          <p:cNvPr id="2" name="Slide Image Placeholder 1"/>
+          <p:cNvSpPr>
+            <a:spLocks noGrp="1" noRot="1" noChangeAspect="1"/>
+          </p:cNvSpPr>
+          <p:nvPr>
+            <p:ph type="sldImg"/>
+          </p:nvPr>
+        </p:nvSpPr>
+        <p:spPr/>
+      </p:sp>
+      <p:sp>
+        <p:nvSpPr>
+          <p:cNvPr id="3" name="Notes Placeholder 2"/>
+          <p:cNvSpPr>
+            <a:spLocks noGrp="1"/>
+          </p:cNvSpPr>
+          <p:nvPr>
+            <p:ph type="body" idx="1"/>
+          </p:nvPr>
+        </p:nvSpPr>
+        <p:spPr/>
+        <p:txBody>
+          <a:bodyPr/>
+          <a:lstStyle/>
+          <a:p>
+            <a:pPr algn="l"/>
+            <a:endParaRPr lang="en-US" dirty="0"/>
+          </a:p>
+        </p:txBody>
+      </p:sp>
+      <p:sp>
+        <p:nvSpPr>
+          <p:cNvPr id="4" name="Slide Number Placeholder 3"/>
+          <p:cNvSpPr>
+            <a:spLocks noGrp="1"/>
+          </p:cNvSpPr>
+          <p:nvPr>
+            <p:ph type="sldNum" sz="quarter" idx="5"/>
+          </p:nvPr>
+        </p:nvSpPr>
+        <p:spPr/>
+        <p:txBody>
+          <a:bodyPr/>
+          <a:lstStyle/>
+          <a:p>
+            <a:fld id="{00A560F4-8102-4EC4-BB24-179BCBD2EB8E}" type="slidenum">
+              <a:rPr lang="en-US" smtClean="0"/>
+              <a:t>10</a:t>
+            </a:fld>
+            <a:endParaRPr lang="en-US"/>
+          </a:p>
+        </p:txBody>
+      </p:sp>
+    </p:spTree>
+    <p:extLst>
+      <p:ext uri="{BB962C8B-B14F-4D97-AF65-F5344CB8AC3E}">
+        <p14:creationId xmlns:p14="http://schemas.microsoft.com/office/powerpoint/2010/main" val="3365311661"/>
+      </p:ext>
+    </p:extLst>
+  </p:cSld>
+  <p:clrMapOvr>
+    <a:masterClrMapping/>
+  </p:clrMapOvr>
+</p:notes>
+</file>
+
 <file path=ppt/slideLayouts/slideLayout1.xml><?xml version="1.0" encoding="utf-8"?>
 <p:sldLayout xmlns:a="http://schemas.openxmlformats.org/drawingml/2006/main" xmlns:r="http://schemas.openxmlformats.org/officeDocument/2006/relationships" xmlns:p="http://schemas.openxmlformats.org/presentationml/2006/main" type="title" preserve="1">
   <p:cSld name="Title Slide">
@@ -1429,7 +1515,7 @@
           <a:p>
             <a:fld id="{CE88D40F-0E01-46E3-A0A3-09B1E418DDBF}" type="datetimeFigureOut">
               <a:rPr lang="en-US" smtClean="0"/>
-              <a:t>3/28/2021</a:t>
+              <a:t>3/30/2021</a:t>
             </a:fld>
             <a:endParaRPr lang="en-US"/>
           </a:p>
@@ -1627,7 +1713,7 @@
           <a:p>
             <a:fld id="{CE88D40F-0E01-46E3-A0A3-09B1E418DDBF}" type="datetimeFigureOut">
               <a:rPr lang="en-US" smtClean="0"/>
-              <a:t>3/28/2021</a:t>
+              <a:t>3/30/2021</a:t>
             </a:fld>
             <a:endParaRPr lang="en-US"/>
           </a:p>
@@ -1835,7 +1921,7 @@
           <a:p>
             <a:fld id="{CE88D40F-0E01-46E3-A0A3-09B1E418DDBF}" type="datetimeFigureOut">
               <a:rPr lang="en-US" smtClean="0"/>
-              <a:t>3/28/2021</a:t>
+              <a:t>3/30/2021</a:t>
             </a:fld>
             <a:endParaRPr lang="en-US"/>
           </a:p>
@@ -2477,7 +2563,7 @@
           <a:p>
             <a:fld id="{CE88D40F-0E01-46E3-A0A3-09B1E418DDBF}" type="datetimeFigureOut">
               <a:rPr lang="en-US" smtClean="0"/>
-              <a:t>3/28/2021</a:t>
+              <a:t>3/30/2021</a:t>
             </a:fld>
             <a:endParaRPr lang="en-US"/>
           </a:p>
@@ -2752,7 +2838,7 @@
           <a:p>
             <a:fld id="{CE88D40F-0E01-46E3-A0A3-09B1E418DDBF}" type="datetimeFigureOut">
               <a:rPr lang="en-US" smtClean="0"/>
-              <a:t>3/28/2021</a:t>
+              <a:t>3/30/2021</a:t>
             </a:fld>
             <a:endParaRPr lang="en-US"/>
           </a:p>
@@ -3017,7 +3103,7 @@
           <a:p>
             <a:fld id="{CE88D40F-0E01-46E3-A0A3-09B1E418DDBF}" type="datetimeFigureOut">
               <a:rPr lang="en-US" smtClean="0"/>
-              <a:t>3/28/2021</a:t>
+              <a:t>3/30/2021</a:t>
             </a:fld>
             <a:endParaRPr lang="en-US"/>
           </a:p>
@@ -3429,7 +3515,7 @@
           <a:p>
             <a:fld id="{CE88D40F-0E01-46E3-A0A3-09B1E418DDBF}" type="datetimeFigureOut">
               <a:rPr lang="en-US" smtClean="0"/>
-              <a:t>3/28/2021</a:t>
+              <a:t>3/30/2021</a:t>
             </a:fld>
             <a:endParaRPr lang="en-US"/>
           </a:p>
@@ -3570,7 +3656,7 @@
           <a:p>
             <a:fld id="{CE88D40F-0E01-46E3-A0A3-09B1E418DDBF}" type="datetimeFigureOut">
               <a:rPr lang="en-US" smtClean="0"/>
-              <a:t>3/28/2021</a:t>
+              <a:t>3/30/2021</a:t>
             </a:fld>
             <a:endParaRPr lang="en-US"/>
           </a:p>
@@ -3683,7 +3769,7 @@
           <a:p>
             <a:fld id="{CE88D40F-0E01-46E3-A0A3-09B1E418DDBF}" type="datetimeFigureOut">
               <a:rPr lang="en-US" smtClean="0"/>
-              <a:t>3/28/2021</a:t>
+              <a:t>3/30/2021</a:t>
             </a:fld>
             <a:endParaRPr lang="en-US"/>
           </a:p>
@@ -3994,7 +4080,7 @@
           <a:p>
             <a:fld id="{CE88D40F-0E01-46E3-A0A3-09B1E418DDBF}" type="datetimeFigureOut">
               <a:rPr lang="en-US" smtClean="0"/>
-              <a:t>3/28/2021</a:t>
+              <a:t>3/30/2021</a:t>
             </a:fld>
             <a:endParaRPr lang="en-US"/>
           </a:p>
@@ -4282,7 +4368,7 @@
           <a:p>
             <a:fld id="{CE88D40F-0E01-46E3-A0A3-09B1E418DDBF}" type="datetimeFigureOut">
               <a:rPr lang="en-US" smtClean="0"/>
-              <a:t>3/28/2021</a:t>
+              <a:t>3/30/2021</a:t>
             </a:fld>
             <a:endParaRPr lang="en-US"/>
           </a:p>
@@ -4523,7 +4609,7 @@
           <a:p>
             <a:fld id="{CE88D40F-0E01-46E3-A0A3-09B1E418DDBF}" type="datetimeFigureOut">
               <a:rPr lang="en-US" smtClean="0"/>
-              <a:t>3/28/2021</a:t>
+              <a:t>3/30/2021</a:t>
             </a:fld>
             <a:endParaRPr lang="en-US"/>
           </a:p>
@@ -6196,6 +6282,1749 @@
 </p:sld>
 </file>
 
+<file path=ppt/slides/slide10.xml><?xml version="1.0" encoding="utf-8"?>
+<p:sld xmlns:a="http://schemas.openxmlformats.org/drawingml/2006/main" xmlns:r="http://schemas.openxmlformats.org/officeDocument/2006/relationships" xmlns:p="http://schemas.openxmlformats.org/presentationml/2006/main">
+  <p:cSld>
+    <p:spTree>
+      <p:nvGrpSpPr>
+        <p:cNvPr id="1" name=""/>
+        <p:cNvGrpSpPr/>
+        <p:nvPr/>
+      </p:nvGrpSpPr>
+      <p:grpSpPr>
+        <a:xfrm>
+          <a:off x="0" y="0"/>
+          <a:ext cx="0" cy="0"/>
+          <a:chOff x="0" y="0"/>
+          <a:chExt cx="0" cy="0"/>
+        </a:xfrm>
+      </p:grpSpPr>
+      <p:sp>
+        <p:nvSpPr>
+          <p:cNvPr id="2" name="Title 1">
+            <a:extLst>
+              <a:ext uri="{FF2B5EF4-FFF2-40B4-BE49-F238E27FC236}">
+                <a16:creationId xmlns:a16="http://schemas.microsoft.com/office/drawing/2014/main" id="{AF708F16-5DBC-4B6A-8DFC-6213EECAA9C2}"/>
+              </a:ext>
+            </a:extLst>
+          </p:cNvPr>
+          <p:cNvSpPr>
+            <a:spLocks noGrp="1"/>
+          </p:cNvSpPr>
+          <p:nvPr>
+            <p:ph type="title"/>
+          </p:nvPr>
+        </p:nvSpPr>
+        <p:spPr>
+          <a:xfrm>
+            <a:off x="415600" y="349240"/>
+            <a:ext cx="11360800" cy="763600"/>
+          </a:xfrm>
+        </p:spPr>
+        <p:txBody>
+          <a:bodyPr/>
+          <a:lstStyle/>
+          <a:p>
+            <a:r>
+              <a:rPr lang="en-US" dirty="0"/>
+              <a:t>Infrastructure</a:t>
+            </a:r>
+          </a:p>
+        </p:txBody>
+      </p:sp>
+      <p:pic>
+        <p:nvPicPr>
+          <p:cNvPr id="4" name="Google Shape;56;p13">
+            <a:extLst>
+              <a:ext uri="{FF2B5EF4-FFF2-40B4-BE49-F238E27FC236}">
+                <a16:creationId xmlns:a16="http://schemas.microsoft.com/office/drawing/2014/main" id="{5DC2FED0-7C5F-460C-998D-2520FD324176}"/>
+              </a:ext>
+            </a:extLst>
+          </p:cNvPr>
+          <p:cNvPicPr preferRelativeResize="0"/>
+          <p:nvPr/>
+        </p:nvPicPr>
+        <p:blipFill>
+          <a:blip r:embed="rId3">
+            <a:alphaModFix/>
+          </a:blip>
+          <a:stretch>
+            <a:fillRect/>
+          </a:stretch>
+        </p:blipFill>
+        <p:spPr>
+          <a:xfrm>
+            <a:off x="10989179" y="5736492"/>
+            <a:ext cx="1202821" cy="1121508"/>
+          </a:xfrm>
+          <a:prstGeom prst="rect">
+            <a:avLst/>
+          </a:prstGeom>
+          <a:noFill/>
+          <a:ln>
+            <a:noFill/>
+          </a:ln>
+        </p:spPr>
+      </p:pic>
+      <p:pic>
+        <p:nvPicPr>
+          <p:cNvPr id="6" name="Picture 5">
+            <a:extLst>
+              <a:ext uri="{FF2B5EF4-FFF2-40B4-BE49-F238E27FC236}">
+                <a16:creationId xmlns:a16="http://schemas.microsoft.com/office/drawing/2014/main" id="{562789FC-24E6-41E1-B839-308F71066FC1}"/>
+              </a:ext>
+            </a:extLst>
+          </p:cNvPr>
+          <p:cNvPicPr>
+            <a:picLocks noChangeAspect="1"/>
+          </p:cNvPicPr>
+          <p:nvPr/>
+        </p:nvPicPr>
+        <p:blipFill>
+          <a:blip r:embed="rId4"/>
+          <a:stretch>
+            <a:fillRect/>
+          </a:stretch>
+        </p:blipFill>
+        <p:spPr>
+          <a:xfrm>
+            <a:off x="10765535" y="469734"/>
+            <a:ext cx="1010865" cy="1010865"/>
+          </a:xfrm>
+          <a:prstGeom prst="rect">
+            <a:avLst/>
+          </a:prstGeom>
+        </p:spPr>
+      </p:pic>
+      <p:grpSp>
+        <p:nvGrpSpPr>
+          <p:cNvPr id="5" name="Group 4">
+            <a:extLst>
+              <a:ext uri="{FF2B5EF4-FFF2-40B4-BE49-F238E27FC236}">
+                <a16:creationId xmlns:a16="http://schemas.microsoft.com/office/drawing/2014/main" id="{A539E6F8-1035-4BAE-A592-F1D25CB1424A}"/>
+              </a:ext>
+            </a:extLst>
+          </p:cNvPr>
+          <p:cNvGrpSpPr/>
+          <p:nvPr/>
+        </p:nvGrpSpPr>
+        <p:grpSpPr>
+          <a:xfrm>
+            <a:off x="2816352" y="2503235"/>
+            <a:ext cx="1330851" cy="251979"/>
+            <a:chOff x="2697941" y="3286002"/>
+            <a:chExt cx="1330851" cy="251979"/>
+          </a:xfrm>
+        </p:grpSpPr>
+        <p:pic>
+          <p:nvPicPr>
+            <p:cNvPr id="85" name="Graphic 84">
+              <a:extLst>
+                <a:ext uri="{FF2B5EF4-FFF2-40B4-BE49-F238E27FC236}">
+                  <a16:creationId xmlns:a16="http://schemas.microsoft.com/office/drawing/2014/main" id="{F42B162A-0AF5-4A4B-8B5B-CA2144BFA801}"/>
+                </a:ext>
+              </a:extLst>
+            </p:cNvPr>
+            <p:cNvPicPr>
+              <a:picLocks noChangeAspect="1"/>
+            </p:cNvPicPr>
+            <p:nvPr/>
+          </p:nvPicPr>
+          <p:blipFill>
+            <a:blip r:embed="rId5">
+              <a:extLst>
+                <a:ext uri="{28A0092B-C50C-407E-A947-70E740481C1C}">
+                  <a14:useLocalDpi xmlns:a14="http://schemas.microsoft.com/office/drawing/2010/main" val="0"/>
+                </a:ext>
+                <a:ext uri="{96DAC541-7B7A-43D3-8B79-37D633B846F1}">
+                  <asvg:svgBlip xmlns:asvg="http://schemas.microsoft.com/office/drawing/2016/SVG/main" r:embed="rId6"/>
+                </a:ext>
+              </a:extLst>
+            </a:blip>
+            <a:stretch>
+              <a:fillRect/>
+            </a:stretch>
+          </p:blipFill>
+          <p:spPr>
+            <a:xfrm>
+              <a:off x="2697941" y="3286002"/>
+              <a:ext cx="251979" cy="251979"/>
+            </a:xfrm>
+            <a:prstGeom prst="rect">
+              <a:avLst/>
+            </a:prstGeom>
+          </p:spPr>
+        </p:pic>
+        <p:sp>
+          <p:nvSpPr>
+            <p:cNvPr id="86" name="TextBox 85">
+              <a:extLst>
+                <a:ext uri="{FF2B5EF4-FFF2-40B4-BE49-F238E27FC236}">
+                  <a16:creationId xmlns:a16="http://schemas.microsoft.com/office/drawing/2014/main" id="{0D76ED6A-AF72-4363-9C6D-72205F9F3D63}"/>
+                </a:ext>
+              </a:extLst>
+            </p:cNvPr>
+            <p:cNvSpPr txBox="1"/>
+            <p:nvPr/>
+          </p:nvSpPr>
+          <p:spPr>
+            <a:xfrm>
+              <a:off x="2905133" y="3288792"/>
+              <a:ext cx="1123659" cy="246221"/>
+            </a:xfrm>
+            <a:prstGeom prst="rect">
+              <a:avLst/>
+            </a:prstGeom>
+            <a:noFill/>
+          </p:spPr>
+          <p:txBody>
+            <a:bodyPr wrap="square" rtlCol="0">
+              <a:spAutoFit/>
+            </a:bodyPr>
+            <a:lstStyle/>
+            <a:p>
+              <a:r>
+                <a:rPr lang="en-US" sz="1000" dirty="0"/>
+                <a:t>iac-ws2-vnet</a:t>
+              </a:r>
+            </a:p>
+          </p:txBody>
+        </p:sp>
+      </p:grpSp>
+      <p:sp>
+        <p:nvSpPr>
+          <p:cNvPr id="84" name="Rectangle 83">
+            <a:extLst>
+              <a:ext uri="{FF2B5EF4-FFF2-40B4-BE49-F238E27FC236}">
+                <a16:creationId xmlns:a16="http://schemas.microsoft.com/office/drawing/2014/main" id="{4BFF43BF-EF17-4EA8-BFF4-6C46DBD8EC95}"/>
+              </a:ext>
+            </a:extLst>
+          </p:cNvPr>
+          <p:cNvSpPr/>
+          <p:nvPr/>
+        </p:nvSpPr>
+        <p:spPr>
+          <a:xfrm>
+            <a:off x="2785944" y="1677446"/>
+            <a:ext cx="3930695" cy="1054389"/>
+          </a:xfrm>
+          <a:prstGeom prst="rect">
+            <a:avLst/>
+          </a:prstGeom>
+          <a:noFill/>
+          <a:ln>
+            <a:prstDash val="sysDash"/>
+          </a:ln>
+        </p:spPr>
+        <p:style>
+          <a:lnRef idx="2">
+            <a:schemeClr val="accent1">
+              <a:shade val="50000"/>
+            </a:schemeClr>
+          </a:lnRef>
+          <a:fillRef idx="1">
+            <a:schemeClr val="accent1"/>
+          </a:fillRef>
+          <a:effectRef idx="0">
+            <a:schemeClr val="accent1"/>
+          </a:effectRef>
+          <a:fontRef idx="minor">
+            <a:schemeClr val="lt1"/>
+          </a:fontRef>
+        </p:style>
+        <p:txBody>
+          <a:bodyPr rtlCol="0" anchor="ctr"/>
+          <a:lstStyle/>
+          <a:p>
+            <a:pPr algn="ctr"/>
+            <a:endParaRPr lang="en-US"/>
+          </a:p>
+        </p:txBody>
+      </p:sp>
+      <p:sp>
+        <p:nvSpPr>
+          <p:cNvPr id="73" name="Rectangle 72">
+            <a:extLst>
+              <a:ext uri="{FF2B5EF4-FFF2-40B4-BE49-F238E27FC236}">
+                <a16:creationId xmlns:a16="http://schemas.microsoft.com/office/drawing/2014/main" id="{8DABFB2F-B120-48F5-BF4B-8339C821B6D7}"/>
+              </a:ext>
+            </a:extLst>
+          </p:cNvPr>
+          <p:cNvSpPr/>
+          <p:nvPr/>
+        </p:nvSpPr>
+        <p:spPr>
+          <a:xfrm>
+            <a:off x="2961364" y="1774569"/>
+            <a:ext cx="3599411" cy="688056"/>
+          </a:xfrm>
+          <a:prstGeom prst="rect">
+            <a:avLst/>
+          </a:prstGeom>
+          <a:noFill/>
+          <a:ln>
+            <a:prstDash val="dash"/>
+          </a:ln>
+        </p:spPr>
+        <p:style>
+          <a:lnRef idx="2">
+            <a:schemeClr val="accent1">
+              <a:shade val="50000"/>
+            </a:schemeClr>
+          </a:lnRef>
+          <a:fillRef idx="1">
+            <a:schemeClr val="accent1"/>
+          </a:fillRef>
+          <a:effectRef idx="0">
+            <a:schemeClr val="accent1"/>
+          </a:effectRef>
+          <a:fontRef idx="minor">
+            <a:schemeClr val="lt1"/>
+          </a:fontRef>
+        </p:style>
+        <p:txBody>
+          <a:bodyPr rtlCol="0" anchor="ctr"/>
+          <a:lstStyle/>
+          <a:p>
+            <a:pPr algn="ctr"/>
+            <a:endParaRPr lang="en-US"/>
+          </a:p>
+        </p:txBody>
+      </p:sp>
+      <p:sp>
+        <p:nvSpPr>
+          <p:cNvPr id="78" name="TextBox 77">
+            <a:extLst>
+              <a:ext uri="{FF2B5EF4-FFF2-40B4-BE49-F238E27FC236}">
+                <a16:creationId xmlns:a16="http://schemas.microsoft.com/office/drawing/2014/main" id="{8660CB76-795A-4458-94C1-09B5E8CF4DA8}"/>
+              </a:ext>
+            </a:extLst>
+          </p:cNvPr>
+          <p:cNvSpPr txBox="1"/>
+          <p:nvPr/>
+        </p:nvSpPr>
+        <p:spPr>
+          <a:xfrm>
+            <a:off x="5645368" y="2264723"/>
+            <a:ext cx="967106" cy="246221"/>
+          </a:xfrm>
+          <a:prstGeom prst="rect">
+            <a:avLst/>
+          </a:prstGeom>
+          <a:noFill/>
+        </p:spPr>
+        <p:txBody>
+          <a:bodyPr wrap="square" rtlCol="0">
+            <a:spAutoFit/>
+          </a:bodyPr>
+          <a:lstStyle/>
+          <a:p>
+            <a:pPr algn="r"/>
+            <a:r>
+              <a:rPr lang="en-US" sz="1000" dirty="0"/>
+              <a:t>apim-net</a:t>
+            </a:r>
+          </a:p>
+        </p:txBody>
+      </p:sp>
+      <p:pic>
+        <p:nvPicPr>
+          <p:cNvPr id="75" name="Graphic 74">
+            <a:extLst>
+              <a:ext uri="{FF2B5EF4-FFF2-40B4-BE49-F238E27FC236}">
+                <a16:creationId xmlns:a16="http://schemas.microsoft.com/office/drawing/2014/main" id="{D502F66E-19DF-470E-82F2-3090370EB01C}"/>
+              </a:ext>
+            </a:extLst>
+          </p:cNvPr>
+          <p:cNvPicPr>
+            <a:picLocks noChangeAspect="1"/>
+          </p:cNvPicPr>
+          <p:nvPr/>
+        </p:nvPicPr>
+        <p:blipFill>
+          <a:blip r:embed="rId7">
+            <a:extLst>
+              <a:ext uri="{28A0092B-C50C-407E-A947-70E740481C1C}">
+                <a14:useLocalDpi xmlns:a14="http://schemas.microsoft.com/office/drawing/2010/main" val="0"/>
+              </a:ext>
+              <a:ext uri="{96DAC541-7B7A-43D3-8B79-37D633B846F1}">
+                <asvg:svgBlip xmlns:asvg="http://schemas.microsoft.com/office/drawing/2016/SVG/main" r:embed="rId8"/>
+              </a:ext>
+            </a:extLst>
+          </a:blip>
+          <a:stretch>
+            <a:fillRect/>
+          </a:stretch>
+        </p:blipFill>
+        <p:spPr>
+          <a:xfrm>
+            <a:off x="6375451" y="1808921"/>
+            <a:ext cx="171450" cy="171450"/>
+          </a:xfrm>
+          <a:prstGeom prst="rect">
+            <a:avLst/>
+          </a:prstGeom>
+        </p:spPr>
+      </p:pic>
+      <p:grpSp>
+        <p:nvGrpSpPr>
+          <p:cNvPr id="32" name="Group 31">
+            <a:extLst>
+              <a:ext uri="{FF2B5EF4-FFF2-40B4-BE49-F238E27FC236}">
+                <a16:creationId xmlns:a16="http://schemas.microsoft.com/office/drawing/2014/main" id="{CA3548AA-1FEC-455B-A206-716DB5A1D236}"/>
+              </a:ext>
+            </a:extLst>
+          </p:cNvPr>
+          <p:cNvGrpSpPr/>
+          <p:nvPr/>
+        </p:nvGrpSpPr>
+        <p:grpSpPr>
+          <a:xfrm>
+            <a:off x="1535297" y="1845918"/>
+            <a:ext cx="1144865" cy="717444"/>
+            <a:chOff x="1125655" y="4731777"/>
+            <a:chExt cx="1144865" cy="717444"/>
+          </a:xfrm>
+        </p:grpSpPr>
+        <p:pic>
+          <p:nvPicPr>
+            <p:cNvPr id="33" name="Graphic 32">
+              <a:extLst>
+                <a:ext uri="{FF2B5EF4-FFF2-40B4-BE49-F238E27FC236}">
+                  <a16:creationId xmlns:a16="http://schemas.microsoft.com/office/drawing/2014/main" id="{07AB9493-6FF5-4273-9E15-0D0CED85D93B}"/>
+                </a:ext>
+              </a:extLst>
+            </p:cNvPr>
+            <p:cNvPicPr>
+              <a:picLocks noChangeAspect="1"/>
+            </p:cNvPicPr>
+            <p:nvPr/>
+          </p:nvPicPr>
+          <p:blipFill>
+            <a:blip r:embed="rId9">
+              <a:extLst>
+                <a:ext uri="{28A0092B-C50C-407E-A947-70E740481C1C}">
+                  <a14:useLocalDpi xmlns:a14="http://schemas.microsoft.com/office/drawing/2010/main" val="0"/>
+                </a:ext>
+                <a:ext uri="{96DAC541-7B7A-43D3-8B79-37D633B846F1}">
+                  <asvg:svgBlip xmlns:asvg="http://schemas.microsoft.com/office/drawing/2016/SVG/main" r:embed="rId10"/>
+                </a:ext>
+              </a:extLst>
+            </a:blip>
+            <a:stretch>
+              <a:fillRect/>
+            </a:stretch>
+          </p:blipFill>
+          <p:spPr>
+            <a:xfrm>
+              <a:off x="1465881" y="4731777"/>
+              <a:ext cx="464414" cy="464414"/>
+            </a:xfrm>
+            <a:prstGeom prst="rect">
+              <a:avLst/>
+            </a:prstGeom>
+          </p:spPr>
+        </p:pic>
+        <p:sp>
+          <p:nvSpPr>
+            <p:cNvPr id="34" name="TextBox 33">
+              <a:extLst>
+                <a:ext uri="{FF2B5EF4-FFF2-40B4-BE49-F238E27FC236}">
+                  <a16:creationId xmlns:a16="http://schemas.microsoft.com/office/drawing/2014/main" id="{F90444C5-3F52-4886-AFEA-5172BA0CFB69}"/>
+                </a:ext>
+              </a:extLst>
+            </p:cNvPr>
+            <p:cNvSpPr txBox="1"/>
+            <p:nvPr/>
+          </p:nvSpPr>
+          <p:spPr>
+            <a:xfrm>
+              <a:off x="1125655" y="5203000"/>
+              <a:ext cx="1144865" cy="246221"/>
+            </a:xfrm>
+            <a:prstGeom prst="rect">
+              <a:avLst/>
+            </a:prstGeom>
+            <a:noFill/>
+          </p:spPr>
+          <p:txBody>
+            <a:bodyPr wrap="none" rtlCol="0">
+              <a:spAutoFit/>
+            </a:bodyPr>
+            <a:lstStyle/>
+            <a:p>
+              <a:r>
+                <a:rPr lang="en-US" sz="1000" dirty="0"/>
+                <a:t>Container Registry</a:t>
+              </a:r>
+            </a:p>
+          </p:txBody>
+        </p:sp>
+      </p:grpSp>
+      <p:grpSp>
+        <p:nvGrpSpPr>
+          <p:cNvPr id="39" name="Group 38">
+            <a:extLst>
+              <a:ext uri="{FF2B5EF4-FFF2-40B4-BE49-F238E27FC236}">
+                <a16:creationId xmlns:a16="http://schemas.microsoft.com/office/drawing/2014/main" id="{E0460AF8-D4B8-4D8A-9BB6-787FAFCEFF9F}"/>
+              </a:ext>
+            </a:extLst>
+          </p:cNvPr>
+          <p:cNvGrpSpPr/>
+          <p:nvPr/>
+        </p:nvGrpSpPr>
+        <p:grpSpPr>
+          <a:xfrm>
+            <a:off x="7712638" y="1804704"/>
+            <a:ext cx="967106" cy="784999"/>
+            <a:chOff x="7024664" y="3607940"/>
+            <a:chExt cx="967106" cy="784999"/>
+          </a:xfrm>
+        </p:grpSpPr>
+        <p:pic>
+          <p:nvPicPr>
+            <p:cNvPr id="40" name="Graphic 39">
+              <a:extLst>
+                <a:ext uri="{FF2B5EF4-FFF2-40B4-BE49-F238E27FC236}">
+                  <a16:creationId xmlns:a16="http://schemas.microsoft.com/office/drawing/2014/main" id="{C1185322-14AA-4DE5-BF7D-0D0B00AD7138}"/>
+                </a:ext>
+              </a:extLst>
+            </p:cNvPr>
+            <p:cNvPicPr>
+              <a:picLocks noChangeAspect="1"/>
+            </p:cNvPicPr>
+            <p:nvPr/>
+          </p:nvPicPr>
+          <p:blipFill>
+            <a:blip r:embed="rId11">
+              <a:extLst>
+                <a:ext uri="{28A0092B-C50C-407E-A947-70E740481C1C}">
+                  <a14:useLocalDpi xmlns:a14="http://schemas.microsoft.com/office/drawing/2010/main" val="0"/>
+                </a:ext>
+                <a:ext uri="{96DAC541-7B7A-43D3-8B79-37D633B846F1}">
+                  <asvg:svgBlip xmlns:asvg="http://schemas.microsoft.com/office/drawing/2016/SVG/main" r:embed="rId12"/>
+                </a:ext>
+              </a:extLst>
+            </a:blip>
+            <a:stretch>
+              <a:fillRect/>
+            </a:stretch>
+          </p:blipFill>
+          <p:spPr>
+            <a:xfrm>
+              <a:off x="7276010" y="3607940"/>
+              <a:ext cx="464414" cy="464414"/>
+            </a:xfrm>
+            <a:prstGeom prst="rect">
+              <a:avLst/>
+            </a:prstGeom>
+          </p:spPr>
+        </p:pic>
+        <p:sp>
+          <p:nvSpPr>
+            <p:cNvPr id="41" name="TextBox 40">
+              <a:extLst>
+                <a:ext uri="{FF2B5EF4-FFF2-40B4-BE49-F238E27FC236}">
+                  <a16:creationId xmlns:a16="http://schemas.microsoft.com/office/drawing/2014/main" id="{D3FA9A3C-D035-40B8-AFC3-4B676D778AF6}"/>
+                </a:ext>
+              </a:extLst>
+            </p:cNvPr>
+            <p:cNvSpPr txBox="1"/>
+            <p:nvPr/>
+          </p:nvSpPr>
+          <p:spPr>
+            <a:xfrm>
+              <a:off x="7024664" y="3992829"/>
+              <a:ext cx="967106" cy="400110"/>
+            </a:xfrm>
+            <a:prstGeom prst="rect">
+              <a:avLst/>
+            </a:prstGeom>
+            <a:noFill/>
+          </p:spPr>
+          <p:txBody>
+            <a:bodyPr wrap="square" rtlCol="0">
+              <a:spAutoFit/>
+            </a:bodyPr>
+            <a:lstStyle/>
+            <a:p>
+              <a:pPr algn="ctr"/>
+              <a:r>
+                <a:rPr lang="en-US" sz="1000" dirty="0"/>
+                <a:t>Public IP</a:t>
+              </a:r>
+            </a:p>
+            <a:p>
+              <a:pPr algn="ctr"/>
+              <a:r>
+                <a:rPr lang="en-US" sz="1000" dirty="0"/>
+                <a:t>Prefix</a:t>
+              </a:r>
+            </a:p>
+          </p:txBody>
+        </p:sp>
+      </p:grpSp>
+      <p:sp>
+        <p:nvSpPr>
+          <p:cNvPr id="8" name="Rectangle 7">
+            <a:extLst>
+              <a:ext uri="{FF2B5EF4-FFF2-40B4-BE49-F238E27FC236}">
+                <a16:creationId xmlns:a16="http://schemas.microsoft.com/office/drawing/2014/main" id="{181298C4-C071-4271-8052-496A36C208CB}"/>
+              </a:ext>
+            </a:extLst>
+          </p:cNvPr>
+          <p:cNvSpPr/>
+          <p:nvPr/>
+        </p:nvSpPr>
+        <p:spPr>
+          <a:xfrm>
+            <a:off x="1322522" y="1480599"/>
+            <a:ext cx="8413536" cy="1403287"/>
+          </a:xfrm>
+          <a:prstGeom prst="rect">
+            <a:avLst/>
+          </a:prstGeom>
+          <a:noFill/>
+        </p:spPr>
+        <p:style>
+          <a:lnRef idx="2">
+            <a:schemeClr val="accent1">
+              <a:shade val="50000"/>
+            </a:schemeClr>
+          </a:lnRef>
+          <a:fillRef idx="1">
+            <a:schemeClr val="accent1"/>
+          </a:fillRef>
+          <a:effectRef idx="0">
+            <a:schemeClr val="accent1"/>
+          </a:effectRef>
+          <a:fontRef idx="minor">
+            <a:schemeClr val="lt1"/>
+          </a:fontRef>
+        </p:style>
+        <p:txBody>
+          <a:bodyPr rtlCol="0" anchor="ctr"/>
+          <a:lstStyle/>
+          <a:p>
+            <a:pPr algn="ctr"/>
+            <a:endParaRPr lang="en-US"/>
+          </a:p>
+        </p:txBody>
+      </p:sp>
+      <p:pic>
+        <p:nvPicPr>
+          <p:cNvPr id="11" name="Graphic 10">
+            <a:extLst>
+              <a:ext uri="{FF2B5EF4-FFF2-40B4-BE49-F238E27FC236}">
+                <a16:creationId xmlns:a16="http://schemas.microsoft.com/office/drawing/2014/main" id="{7000204C-22AC-4B40-85AA-927C478EE242}"/>
+              </a:ext>
+            </a:extLst>
+          </p:cNvPr>
+          <p:cNvPicPr>
+            <a:picLocks noChangeAspect="1"/>
+          </p:cNvPicPr>
+          <p:nvPr/>
+        </p:nvPicPr>
+        <p:blipFill>
+          <a:blip r:embed="rId13">
+            <a:extLst>
+              <a:ext uri="{28A0092B-C50C-407E-A947-70E740481C1C}">
+                <a14:useLocalDpi xmlns:a14="http://schemas.microsoft.com/office/drawing/2010/main" val="0"/>
+              </a:ext>
+              <a:ext uri="{96DAC541-7B7A-43D3-8B79-37D633B846F1}">
+                <asvg:svgBlip xmlns:asvg="http://schemas.microsoft.com/office/drawing/2016/SVG/main" r:embed="rId14"/>
+              </a:ext>
+            </a:extLst>
+          </a:blip>
+          <a:stretch>
+            <a:fillRect/>
+          </a:stretch>
+        </p:blipFill>
+        <p:spPr>
+          <a:xfrm>
+            <a:off x="1355204" y="1499996"/>
+            <a:ext cx="228803" cy="228803"/>
+          </a:xfrm>
+          <a:prstGeom prst="rect">
+            <a:avLst/>
+          </a:prstGeom>
+        </p:spPr>
+      </p:pic>
+      <p:sp>
+        <p:nvSpPr>
+          <p:cNvPr id="44" name="TextBox 43">
+            <a:extLst>
+              <a:ext uri="{FF2B5EF4-FFF2-40B4-BE49-F238E27FC236}">
+                <a16:creationId xmlns:a16="http://schemas.microsoft.com/office/drawing/2014/main" id="{7598C3EA-1FA3-4D34-827F-729D1C090DC7}"/>
+              </a:ext>
+            </a:extLst>
+          </p:cNvPr>
+          <p:cNvSpPr txBox="1"/>
+          <p:nvPr/>
+        </p:nvSpPr>
+        <p:spPr>
+          <a:xfrm>
+            <a:off x="1522497" y="1491288"/>
+            <a:ext cx="1123659" cy="246221"/>
+          </a:xfrm>
+          <a:prstGeom prst="rect">
+            <a:avLst/>
+          </a:prstGeom>
+          <a:noFill/>
+        </p:spPr>
+        <p:txBody>
+          <a:bodyPr wrap="square" rtlCol="0">
+            <a:spAutoFit/>
+          </a:bodyPr>
+          <a:lstStyle/>
+          <a:p>
+            <a:r>
+              <a:rPr lang="en-US" sz="1000" dirty="0"/>
+              <a:t>iac-ws2-base-rg</a:t>
+            </a:r>
+          </a:p>
+        </p:txBody>
+      </p:sp>
+      <p:grpSp>
+        <p:nvGrpSpPr>
+          <p:cNvPr id="14" name="Group 13">
+            <a:extLst>
+              <a:ext uri="{FF2B5EF4-FFF2-40B4-BE49-F238E27FC236}">
+                <a16:creationId xmlns:a16="http://schemas.microsoft.com/office/drawing/2014/main" id="{D814A492-F5D1-49AB-B90D-FE4ED11F18A7}"/>
+              </a:ext>
+            </a:extLst>
+          </p:cNvPr>
+          <p:cNvGrpSpPr/>
+          <p:nvPr/>
+        </p:nvGrpSpPr>
+        <p:grpSpPr>
+          <a:xfrm>
+            <a:off x="6841014" y="1826925"/>
+            <a:ext cx="967106" cy="710634"/>
+            <a:chOff x="7079732" y="4051542"/>
+            <a:chExt cx="967106" cy="710634"/>
+          </a:xfrm>
+        </p:grpSpPr>
+        <p:sp>
+          <p:nvSpPr>
+            <p:cNvPr id="38" name="TextBox 37">
+              <a:extLst>
+                <a:ext uri="{FF2B5EF4-FFF2-40B4-BE49-F238E27FC236}">
+                  <a16:creationId xmlns:a16="http://schemas.microsoft.com/office/drawing/2014/main" id="{196478A0-37EE-4715-BD01-729C7EF5BA55}"/>
+                </a:ext>
+              </a:extLst>
+            </p:cNvPr>
+            <p:cNvSpPr txBox="1"/>
+            <p:nvPr/>
+          </p:nvSpPr>
+          <p:spPr>
+            <a:xfrm>
+              <a:off x="7079732" y="4515955"/>
+              <a:ext cx="967106" cy="246221"/>
+            </a:xfrm>
+            <a:prstGeom prst="rect">
+              <a:avLst/>
+            </a:prstGeom>
+            <a:noFill/>
+          </p:spPr>
+          <p:txBody>
+            <a:bodyPr wrap="square" rtlCol="0">
+              <a:spAutoFit/>
+            </a:bodyPr>
+            <a:lstStyle/>
+            <a:p>
+              <a:pPr algn="ctr"/>
+              <a:r>
+                <a:rPr lang="en-US" sz="1000" dirty="0"/>
+                <a:t>Log Analytics</a:t>
+              </a:r>
+            </a:p>
+          </p:txBody>
+        </p:sp>
+        <p:pic>
+          <p:nvPicPr>
+            <p:cNvPr id="13" name="Graphic 12">
+              <a:extLst>
+                <a:ext uri="{FF2B5EF4-FFF2-40B4-BE49-F238E27FC236}">
+                  <a16:creationId xmlns:a16="http://schemas.microsoft.com/office/drawing/2014/main" id="{3B794B72-6994-4DA0-B300-6A8DD2A666BA}"/>
+                </a:ext>
+              </a:extLst>
+            </p:cNvPr>
+            <p:cNvPicPr>
+              <a:picLocks noChangeAspect="1"/>
+            </p:cNvPicPr>
+            <p:nvPr/>
+          </p:nvPicPr>
+          <p:blipFill>
+            <a:blip r:embed="rId15">
+              <a:extLst>
+                <a:ext uri="{28A0092B-C50C-407E-A947-70E740481C1C}">
+                  <a14:useLocalDpi xmlns:a14="http://schemas.microsoft.com/office/drawing/2010/main" val="0"/>
+                </a:ext>
+                <a:ext uri="{96DAC541-7B7A-43D3-8B79-37D633B846F1}">
+                  <asvg:svgBlip xmlns:asvg="http://schemas.microsoft.com/office/drawing/2016/SVG/main" r:embed="rId16"/>
+                </a:ext>
+              </a:extLst>
+            </a:blip>
+            <a:stretch>
+              <a:fillRect/>
+            </a:stretch>
+          </p:blipFill>
+          <p:spPr>
+            <a:xfrm>
+              <a:off x="7331078" y="4051542"/>
+              <a:ext cx="464413" cy="464413"/>
+            </a:xfrm>
+            <a:prstGeom prst="rect">
+              <a:avLst/>
+            </a:prstGeom>
+          </p:spPr>
+        </p:pic>
+      </p:grpSp>
+      <p:grpSp>
+        <p:nvGrpSpPr>
+          <p:cNvPr id="24" name="Group 23">
+            <a:extLst>
+              <a:ext uri="{FF2B5EF4-FFF2-40B4-BE49-F238E27FC236}">
+                <a16:creationId xmlns:a16="http://schemas.microsoft.com/office/drawing/2014/main" id="{75B8C90B-1129-4082-A350-1F4287F64398}"/>
+              </a:ext>
+            </a:extLst>
+          </p:cNvPr>
+          <p:cNvGrpSpPr/>
+          <p:nvPr/>
+        </p:nvGrpSpPr>
+        <p:grpSpPr>
+          <a:xfrm>
+            <a:off x="4138106" y="1900455"/>
+            <a:ext cx="1726053" cy="487378"/>
+            <a:chOff x="4284452" y="2780979"/>
+            <a:chExt cx="1726053" cy="487378"/>
+          </a:xfrm>
+        </p:grpSpPr>
+        <p:pic>
+          <p:nvPicPr>
+            <p:cNvPr id="25" name="Graphic 24">
+              <a:extLst>
+                <a:ext uri="{FF2B5EF4-FFF2-40B4-BE49-F238E27FC236}">
+                  <a16:creationId xmlns:a16="http://schemas.microsoft.com/office/drawing/2014/main" id="{7130F49B-EFEF-495D-BAE5-D197B5B40A06}"/>
+                </a:ext>
+              </a:extLst>
+            </p:cNvPr>
+            <p:cNvPicPr>
+              <a:picLocks noChangeAspect="1"/>
+            </p:cNvPicPr>
+            <p:nvPr/>
+          </p:nvPicPr>
+          <p:blipFill>
+            <a:blip r:embed="rId17">
+              <a:extLst>
+                <a:ext uri="{28A0092B-C50C-407E-A947-70E740481C1C}">
+                  <a14:useLocalDpi xmlns:a14="http://schemas.microsoft.com/office/drawing/2010/main" val="0"/>
+                </a:ext>
+                <a:ext uri="{96DAC541-7B7A-43D3-8B79-37D633B846F1}">
+                  <asvg:svgBlip xmlns:asvg="http://schemas.microsoft.com/office/drawing/2016/SVG/main" r:embed="rId18"/>
+                </a:ext>
+              </a:extLst>
+            </a:blip>
+            <a:stretch>
+              <a:fillRect/>
+            </a:stretch>
+          </p:blipFill>
+          <p:spPr>
+            <a:xfrm>
+              <a:off x="4284452" y="2780979"/>
+              <a:ext cx="464415" cy="464415"/>
+            </a:xfrm>
+            <a:prstGeom prst="rect">
+              <a:avLst/>
+            </a:prstGeom>
+          </p:spPr>
+        </p:pic>
+        <p:sp>
+          <p:nvSpPr>
+            <p:cNvPr id="26" name="TextBox 25">
+              <a:extLst>
+                <a:ext uri="{FF2B5EF4-FFF2-40B4-BE49-F238E27FC236}">
+                  <a16:creationId xmlns:a16="http://schemas.microsoft.com/office/drawing/2014/main" id="{D1C790A9-DD3D-475B-9A1E-98131CC61C6B}"/>
+                </a:ext>
+              </a:extLst>
+            </p:cNvPr>
+            <p:cNvSpPr txBox="1"/>
+            <p:nvPr/>
+          </p:nvSpPr>
+          <p:spPr>
+            <a:xfrm>
+              <a:off x="4682050" y="2868247"/>
+              <a:ext cx="1328455" cy="400110"/>
+            </a:xfrm>
+            <a:prstGeom prst="rect">
+              <a:avLst/>
+            </a:prstGeom>
+            <a:noFill/>
+          </p:spPr>
+          <p:txBody>
+            <a:bodyPr wrap="square" rtlCol="0">
+              <a:spAutoFit/>
+            </a:bodyPr>
+            <a:lstStyle/>
+            <a:p>
+              <a:r>
+                <a:rPr lang="en-US" sz="1000" dirty="0"/>
+                <a:t>API Management</a:t>
+              </a:r>
+            </a:p>
+            <a:p>
+              <a:r>
+                <a:rPr lang="en-US" sz="1000" dirty="0"/>
+                <a:t>(External)</a:t>
+              </a:r>
+            </a:p>
+          </p:txBody>
+        </p:sp>
+      </p:grpSp>
+      <p:pic>
+        <p:nvPicPr>
+          <p:cNvPr id="27" name="Graphic 4">
+            <a:extLst>
+              <a:ext uri="{FF2B5EF4-FFF2-40B4-BE49-F238E27FC236}">
+                <a16:creationId xmlns:a16="http://schemas.microsoft.com/office/drawing/2014/main" id="{6C31D57D-B1D7-4512-8812-BBBAEBCE2900}"/>
+              </a:ext>
+            </a:extLst>
+          </p:cNvPr>
+          <p:cNvPicPr>
+            <a:picLocks noChangeAspect="1"/>
+          </p:cNvPicPr>
+          <p:nvPr/>
+        </p:nvPicPr>
+        <p:blipFill>
+          <a:blip r:embed="rId19">
+            <a:extLst>
+              <a:ext uri="{28A0092B-C50C-407E-A947-70E740481C1C}">
+                <a14:useLocalDpi xmlns:a14="http://schemas.microsoft.com/office/drawing/2010/main" val="0"/>
+              </a:ext>
+              <a:ext uri="{96DAC541-7B7A-43D3-8B79-37D633B846F1}">
+                <asvg:svgBlip xmlns:asvg="http://schemas.microsoft.com/office/drawing/2016/SVG/main" r:embed="rId20"/>
+              </a:ext>
+            </a:extLst>
+          </a:blip>
+          <a:stretch>
+            <a:fillRect/>
+          </a:stretch>
+        </p:blipFill>
+        <p:spPr>
+          <a:xfrm>
+            <a:off x="343599" y="6114702"/>
+            <a:ext cx="1718444" cy="574556"/>
+          </a:xfrm>
+          <a:prstGeom prst="rect">
+            <a:avLst/>
+          </a:prstGeom>
+        </p:spPr>
+      </p:pic>
+      <p:sp>
+        <p:nvSpPr>
+          <p:cNvPr id="28" name="Rectangle 27">
+            <a:extLst>
+              <a:ext uri="{FF2B5EF4-FFF2-40B4-BE49-F238E27FC236}">
+                <a16:creationId xmlns:a16="http://schemas.microsoft.com/office/drawing/2014/main" id="{F93AC285-77EB-4273-8666-5486E33C1635}"/>
+              </a:ext>
+            </a:extLst>
+          </p:cNvPr>
+          <p:cNvSpPr/>
+          <p:nvPr/>
+        </p:nvSpPr>
+        <p:spPr>
+          <a:xfrm>
+            <a:off x="1322522" y="3116724"/>
+            <a:ext cx="8413536" cy="1403287"/>
+          </a:xfrm>
+          <a:prstGeom prst="rect">
+            <a:avLst/>
+          </a:prstGeom>
+          <a:noFill/>
+        </p:spPr>
+        <p:style>
+          <a:lnRef idx="2">
+            <a:schemeClr val="accent1">
+              <a:shade val="50000"/>
+            </a:schemeClr>
+          </a:lnRef>
+          <a:fillRef idx="1">
+            <a:schemeClr val="accent1"/>
+          </a:fillRef>
+          <a:effectRef idx="0">
+            <a:schemeClr val="accent1"/>
+          </a:effectRef>
+          <a:fontRef idx="minor">
+            <a:schemeClr val="lt1"/>
+          </a:fontRef>
+        </p:style>
+        <p:txBody>
+          <a:bodyPr rtlCol="0" anchor="ctr"/>
+          <a:lstStyle/>
+          <a:p>
+            <a:pPr algn="ctr"/>
+            <a:endParaRPr lang="en-US"/>
+          </a:p>
+        </p:txBody>
+      </p:sp>
+      <p:pic>
+        <p:nvPicPr>
+          <p:cNvPr id="29" name="Graphic 28">
+            <a:extLst>
+              <a:ext uri="{FF2B5EF4-FFF2-40B4-BE49-F238E27FC236}">
+                <a16:creationId xmlns:a16="http://schemas.microsoft.com/office/drawing/2014/main" id="{1EFB5EED-6603-4810-88A0-01E11C70FF9C}"/>
+              </a:ext>
+            </a:extLst>
+          </p:cNvPr>
+          <p:cNvPicPr>
+            <a:picLocks noChangeAspect="1"/>
+          </p:cNvPicPr>
+          <p:nvPr/>
+        </p:nvPicPr>
+        <p:blipFill>
+          <a:blip r:embed="rId13">
+            <a:extLst>
+              <a:ext uri="{28A0092B-C50C-407E-A947-70E740481C1C}">
+                <a14:useLocalDpi xmlns:a14="http://schemas.microsoft.com/office/drawing/2010/main" val="0"/>
+              </a:ext>
+              <a:ext uri="{96DAC541-7B7A-43D3-8B79-37D633B846F1}">
+                <asvg:svgBlip xmlns:asvg="http://schemas.microsoft.com/office/drawing/2016/SVG/main" r:embed="rId14"/>
+              </a:ext>
+            </a:extLst>
+          </a:blip>
+          <a:stretch>
+            <a:fillRect/>
+          </a:stretch>
+        </p:blipFill>
+        <p:spPr>
+          <a:xfrm>
+            <a:off x="1355204" y="3136121"/>
+            <a:ext cx="228803" cy="228803"/>
+          </a:xfrm>
+          <a:prstGeom prst="rect">
+            <a:avLst/>
+          </a:prstGeom>
+        </p:spPr>
+      </p:pic>
+      <p:sp>
+        <p:nvSpPr>
+          <p:cNvPr id="30" name="TextBox 29">
+            <a:extLst>
+              <a:ext uri="{FF2B5EF4-FFF2-40B4-BE49-F238E27FC236}">
+                <a16:creationId xmlns:a16="http://schemas.microsoft.com/office/drawing/2014/main" id="{404F7A9F-B79E-4648-A21A-87B53AAC2B19}"/>
+              </a:ext>
+            </a:extLst>
+          </p:cNvPr>
+          <p:cNvSpPr txBox="1"/>
+          <p:nvPr/>
+        </p:nvSpPr>
+        <p:spPr>
+          <a:xfrm>
+            <a:off x="1522497" y="3127413"/>
+            <a:ext cx="1501047" cy="246221"/>
+          </a:xfrm>
+          <a:prstGeom prst="rect">
+            <a:avLst/>
+          </a:prstGeom>
+          <a:noFill/>
+        </p:spPr>
+        <p:txBody>
+          <a:bodyPr wrap="square" rtlCol="0">
+            <a:spAutoFit/>
+          </a:bodyPr>
+          <a:lstStyle/>
+          <a:p>
+            <a:r>
+              <a:rPr lang="en-US" sz="1000" dirty="0"/>
+              <a:t>iac-ws2-aks-blue-rg</a:t>
+            </a:r>
+          </a:p>
+        </p:txBody>
+      </p:sp>
+      <p:grpSp>
+        <p:nvGrpSpPr>
+          <p:cNvPr id="3" name="Group 2">
+            <a:extLst>
+              <a:ext uri="{FF2B5EF4-FFF2-40B4-BE49-F238E27FC236}">
+                <a16:creationId xmlns:a16="http://schemas.microsoft.com/office/drawing/2014/main" id="{C637D51F-C9B0-484E-95F6-DD15071D00D7}"/>
+              </a:ext>
+            </a:extLst>
+          </p:cNvPr>
+          <p:cNvGrpSpPr/>
+          <p:nvPr/>
+        </p:nvGrpSpPr>
+        <p:grpSpPr>
+          <a:xfrm>
+            <a:off x="2816352" y="4144901"/>
+            <a:ext cx="1745809" cy="251979"/>
+            <a:chOff x="2816352" y="4144901"/>
+            <a:chExt cx="1745809" cy="251979"/>
+          </a:xfrm>
+        </p:grpSpPr>
+        <p:pic>
+          <p:nvPicPr>
+            <p:cNvPr id="49" name="Graphic 48">
+              <a:extLst>
+                <a:ext uri="{FF2B5EF4-FFF2-40B4-BE49-F238E27FC236}">
+                  <a16:creationId xmlns:a16="http://schemas.microsoft.com/office/drawing/2014/main" id="{901A6591-69CA-484F-976B-8D06CCA6BFF5}"/>
+                </a:ext>
+              </a:extLst>
+            </p:cNvPr>
+            <p:cNvPicPr>
+              <a:picLocks noChangeAspect="1"/>
+            </p:cNvPicPr>
+            <p:nvPr/>
+          </p:nvPicPr>
+          <p:blipFill>
+            <a:blip r:embed="rId5">
+              <a:extLst>
+                <a:ext uri="{28A0092B-C50C-407E-A947-70E740481C1C}">
+                  <a14:useLocalDpi xmlns:a14="http://schemas.microsoft.com/office/drawing/2010/main" val="0"/>
+                </a:ext>
+                <a:ext uri="{96DAC541-7B7A-43D3-8B79-37D633B846F1}">
+                  <asvg:svgBlip xmlns:asvg="http://schemas.microsoft.com/office/drawing/2016/SVG/main" r:embed="rId6"/>
+                </a:ext>
+              </a:extLst>
+            </a:blip>
+            <a:stretch>
+              <a:fillRect/>
+            </a:stretch>
+          </p:blipFill>
+          <p:spPr>
+            <a:xfrm>
+              <a:off x="2816352" y="4144901"/>
+              <a:ext cx="251979" cy="251979"/>
+            </a:xfrm>
+            <a:prstGeom prst="rect">
+              <a:avLst/>
+            </a:prstGeom>
+          </p:spPr>
+        </p:pic>
+        <p:sp>
+          <p:nvSpPr>
+            <p:cNvPr id="50" name="TextBox 49">
+              <a:extLst>
+                <a:ext uri="{FF2B5EF4-FFF2-40B4-BE49-F238E27FC236}">
+                  <a16:creationId xmlns:a16="http://schemas.microsoft.com/office/drawing/2014/main" id="{885E8B54-C9A0-4A12-B82F-BE9FED055B8E}"/>
+                </a:ext>
+              </a:extLst>
+            </p:cNvPr>
+            <p:cNvSpPr txBox="1"/>
+            <p:nvPr/>
+          </p:nvSpPr>
+          <p:spPr>
+            <a:xfrm>
+              <a:off x="3023544" y="4147691"/>
+              <a:ext cx="1538617" cy="246221"/>
+            </a:xfrm>
+            <a:prstGeom prst="rect">
+              <a:avLst/>
+            </a:prstGeom>
+            <a:noFill/>
+          </p:spPr>
+          <p:txBody>
+            <a:bodyPr wrap="square" rtlCol="0">
+              <a:spAutoFit/>
+            </a:bodyPr>
+            <a:lstStyle/>
+            <a:p>
+              <a:r>
+                <a:rPr lang="en-US" sz="1000" dirty="0"/>
+                <a:t>iac-ws2-aks-blue-vnet</a:t>
+              </a:r>
+            </a:p>
+          </p:txBody>
+        </p:sp>
+      </p:grpSp>
+      <p:sp>
+        <p:nvSpPr>
+          <p:cNvPr id="51" name="Rectangle 50">
+            <a:extLst>
+              <a:ext uri="{FF2B5EF4-FFF2-40B4-BE49-F238E27FC236}">
+                <a16:creationId xmlns:a16="http://schemas.microsoft.com/office/drawing/2014/main" id="{1AD7FE61-DDC7-4657-9920-A6D670627FBE}"/>
+              </a:ext>
+            </a:extLst>
+          </p:cNvPr>
+          <p:cNvSpPr/>
+          <p:nvPr/>
+        </p:nvSpPr>
+        <p:spPr>
+          <a:xfrm>
+            <a:off x="2785944" y="3319112"/>
+            <a:ext cx="3930695" cy="1054389"/>
+          </a:xfrm>
+          <a:prstGeom prst="rect">
+            <a:avLst/>
+          </a:prstGeom>
+          <a:noFill/>
+          <a:ln>
+            <a:prstDash val="sysDash"/>
+          </a:ln>
+        </p:spPr>
+        <p:style>
+          <a:lnRef idx="2">
+            <a:schemeClr val="accent1">
+              <a:shade val="50000"/>
+            </a:schemeClr>
+          </a:lnRef>
+          <a:fillRef idx="1">
+            <a:schemeClr val="accent1"/>
+          </a:fillRef>
+          <a:effectRef idx="0">
+            <a:schemeClr val="accent1"/>
+          </a:effectRef>
+          <a:fontRef idx="minor">
+            <a:schemeClr val="lt1"/>
+          </a:fontRef>
+        </p:style>
+        <p:txBody>
+          <a:bodyPr rtlCol="0" anchor="ctr"/>
+          <a:lstStyle/>
+          <a:p>
+            <a:pPr algn="ctr"/>
+            <a:endParaRPr lang="en-US"/>
+          </a:p>
+        </p:txBody>
+      </p:sp>
+      <p:grpSp>
+        <p:nvGrpSpPr>
+          <p:cNvPr id="7" name="Group 6">
+            <a:extLst>
+              <a:ext uri="{FF2B5EF4-FFF2-40B4-BE49-F238E27FC236}">
+                <a16:creationId xmlns:a16="http://schemas.microsoft.com/office/drawing/2014/main" id="{40BB9398-3D11-4F0F-8B4E-4A8D76036E6E}"/>
+              </a:ext>
+            </a:extLst>
+          </p:cNvPr>
+          <p:cNvGrpSpPr/>
+          <p:nvPr/>
+        </p:nvGrpSpPr>
+        <p:grpSpPr>
+          <a:xfrm>
+            <a:off x="2961364" y="3416235"/>
+            <a:ext cx="3651110" cy="736375"/>
+            <a:chOff x="2961364" y="3416235"/>
+            <a:chExt cx="3651110" cy="736375"/>
+          </a:xfrm>
+        </p:grpSpPr>
+        <p:sp>
+          <p:nvSpPr>
+            <p:cNvPr id="52" name="Rectangle 51">
+              <a:extLst>
+                <a:ext uri="{FF2B5EF4-FFF2-40B4-BE49-F238E27FC236}">
+                  <a16:creationId xmlns:a16="http://schemas.microsoft.com/office/drawing/2014/main" id="{0AF69849-D71F-4EE1-AABA-013AD11C0BA0}"/>
+                </a:ext>
+              </a:extLst>
+            </p:cNvPr>
+            <p:cNvSpPr/>
+            <p:nvPr/>
+          </p:nvSpPr>
+          <p:spPr>
+            <a:xfrm>
+              <a:off x="2961364" y="3416235"/>
+              <a:ext cx="3599411" cy="688056"/>
+            </a:xfrm>
+            <a:prstGeom prst="rect">
+              <a:avLst/>
+            </a:prstGeom>
+            <a:noFill/>
+            <a:ln>
+              <a:prstDash val="dash"/>
+            </a:ln>
+          </p:spPr>
+          <p:style>
+            <a:lnRef idx="2">
+              <a:schemeClr val="accent1">
+                <a:shade val="50000"/>
+              </a:schemeClr>
+            </a:lnRef>
+            <a:fillRef idx="1">
+              <a:schemeClr val="accent1"/>
+            </a:fillRef>
+            <a:effectRef idx="0">
+              <a:schemeClr val="accent1"/>
+            </a:effectRef>
+            <a:fontRef idx="minor">
+              <a:schemeClr val="lt1"/>
+            </a:fontRef>
+          </p:style>
+          <p:txBody>
+            <a:bodyPr rtlCol="0" anchor="ctr"/>
+            <a:lstStyle/>
+            <a:p>
+              <a:pPr algn="ctr"/>
+              <a:endParaRPr lang="en-US"/>
+            </a:p>
+          </p:txBody>
+        </p:sp>
+        <p:sp>
+          <p:nvSpPr>
+            <p:cNvPr id="53" name="TextBox 52">
+              <a:extLst>
+                <a:ext uri="{FF2B5EF4-FFF2-40B4-BE49-F238E27FC236}">
+                  <a16:creationId xmlns:a16="http://schemas.microsoft.com/office/drawing/2014/main" id="{D0FE2FC9-7E6C-42C2-A49C-B55BE6A26483}"/>
+                </a:ext>
+              </a:extLst>
+            </p:cNvPr>
+            <p:cNvSpPr txBox="1"/>
+            <p:nvPr/>
+          </p:nvSpPr>
+          <p:spPr>
+            <a:xfrm>
+              <a:off x="5645368" y="3906389"/>
+              <a:ext cx="967106" cy="246221"/>
+            </a:xfrm>
+            <a:prstGeom prst="rect">
+              <a:avLst/>
+            </a:prstGeom>
+            <a:noFill/>
+          </p:spPr>
+          <p:txBody>
+            <a:bodyPr wrap="square" rtlCol="0">
+              <a:spAutoFit/>
+            </a:bodyPr>
+            <a:lstStyle/>
+            <a:p>
+              <a:pPr algn="r"/>
+              <a:r>
+                <a:rPr lang="en-US" sz="1000" dirty="0"/>
+                <a:t>aks-net</a:t>
+              </a:r>
+            </a:p>
+          </p:txBody>
+        </p:sp>
+        <p:pic>
+          <p:nvPicPr>
+            <p:cNvPr id="54" name="Graphic 53">
+              <a:extLst>
+                <a:ext uri="{FF2B5EF4-FFF2-40B4-BE49-F238E27FC236}">
+                  <a16:creationId xmlns:a16="http://schemas.microsoft.com/office/drawing/2014/main" id="{DCB63550-31CB-4F03-AC20-96E652028ECE}"/>
+                </a:ext>
+              </a:extLst>
+            </p:cNvPr>
+            <p:cNvPicPr>
+              <a:picLocks noChangeAspect="1"/>
+            </p:cNvPicPr>
+            <p:nvPr/>
+          </p:nvPicPr>
+          <p:blipFill>
+            <a:blip r:embed="rId7">
+              <a:extLst>
+                <a:ext uri="{28A0092B-C50C-407E-A947-70E740481C1C}">
+                  <a14:useLocalDpi xmlns:a14="http://schemas.microsoft.com/office/drawing/2010/main" val="0"/>
+                </a:ext>
+                <a:ext uri="{96DAC541-7B7A-43D3-8B79-37D633B846F1}">
+                  <asvg:svgBlip xmlns:asvg="http://schemas.microsoft.com/office/drawing/2016/SVG/main" r:embed="rId8"/>
+                </a:ext>
+              </a:extLst>
+            </a:blip>
+            <a:stretch>
+              <a:fillRect/>
+            </a:stretch>
+          </p:blipFill>
+          <p:spPr>
+            <a:xfrm>
+              <a:off x="6375451" y="3450587"/>
+              <a:ext cx="171450" cy="171450"/>
+            </a:xfrm>
+            <a:prstGeom prst="rect">
+              <a:avLst/>
+            </a:prstGeom>
+          </p:spPr>
+        </p:pic>
+      </p:grpSp>
+      <p:grpSp>
+        <p:nvGrpSpPr>
+          <p:cNvPr id="9" name="Group 8">
+            <a:extLst>
+              <a:ext uri="{FF2B5EF4-FFF2-40B4-BE49-F238E27FC236}">
+                <a16:creationId xmlns:a16="http://schemas.microsoft.com/office/drawing/2014/main" id="{2D185BAC-B0E2-43B0-8C26-10EF9C6A2F8C}"/>
+              </a:ext>
+            </a:extLst>
+          </p:cNvPr>
+          <p:cNvGrpSpPr/>
+          <p:nvPr/>
+        </p:nvGrpSpPr>
+        <p:grpSpPr>
+          <a:xfrm>
+            <a:off x="4160439" y="3587721"/>
+            <a:ext cx="1686734" cy="393217"/>
+            <a:chOff x="4339095" y="5180792"/>
+            <a:chExt cx="1686734" cy="393217"/>
+          </a:xfrm>
+        </p:grpSpPr>
+        <p:pic>
+          <p:nvPicPr>
+            <p:cNvPr id="55" name="Graphic 54">
+              <a:extLst>
+                <a:ext uri="{FF2B5EF4-FFF2-40B4-BE49-F238E27FC236}">
+                  <a16:creationId xmlns:a16="http://schemas.microsoft.com/office/drawing/2014/main" id="{6EE09CF4-51DA-4478-999B-3823D625DAED}"/>
+                </a:ext>
+              </a:extLst>
+            </p:cNvPr>
+            <p:cNvPicPr>
+              <a:picLocks noChangeAspect="1"/>
+            </p:cNvPicPr>
+            <p:nvPr/>
+          </p:nvPicPr>
+          <p:blipFill>
+            <a:blip r:embed="rId21">
+              <a:extLst>
+                <a:ext uri="{28A0092B-C50C-407E-A947-70E740481C1C}">
+                  <a14:useLocalDpi xmlns:a14="http://schemas.microsoft.com/office/drawing/2010/main" val="0"/>
+                </a:ext>
+                <a:ext uri="{96DAC541-7B7A-43D3-8B79-37D633B846F1}">
+                  <asvg:svgBlip xmlns:asvg="http://schemas.microsoft.com/office/drawing/2016/SVG/main" r:embed="rId22"/>
+                </a:ext>
+              </a:extLst>
+            </a:blip>
+            <a:stretch>
+              <a:fillRect/>
+            </a:stretch>
+          </p:blipFill>
+          <p:spPr>
+            <a:xfrm>
+              <a:off x="4339095" y="5180792"/>
+              <a:ext cx="393217" cy="393217"/>
+            </a:xfrm>
+            <a:prstGeom prst="rect">
+              <a:avLst/>
+            </a:prstGeom>
+          </p:spPr>
+        </p:pic>
+        <p:sp>
+          <p:nvSpPr>
+            <p:cNvPr id="56" name="TextBox 55">
+              <a:extLst>
+                <a:ext uri="{FF2B5EF4-FFF2-40B4-BE49-F238E27FC236}">
+                  <a16:creationId xmlns:a16="http://schemas.microsoft.com/office/drawing/2014/main" id="{CB09CE70-107F-4342-AD83-4FA857729AB0}"/>
+                </a:ext>
+              </a:extLst>
+            </p:cNvPr>
+            <p:cNvSpPr txBox="1"/>
+            <p:nvPr/>
+          </p:nvSpPr>
+          <p:spPr>
+            <a:xfrm>
+              <a:off x="4761068" y="5254289"/>
+              <a:ext cx="1264761" cy="246221"/>
+            </a:xfrm>
+            <a:prstGeom prst="rect">
+              <a:avLst/>
+            </a:prstGeom>
+            <a:noFill/>
+          </p:spPr>
+          <p:txBody>
+            <a:bodyPr wrap="square" rtlCol="0">
+              <a:spAutoFit/>
+            </a:bodyPr>
+            <a:lstStyle/>
+            <a:p>
+              <a:r>
+                <a:rPr lang="en-US" sz="1000" dirty="0"/>
+                <a:t>iac-ws2-blue-aks</a:t>
+              </a:r>
+            </a:p>
+          </p:txBody>
+        </p:sp>
+      </p:grpSp>
+      <p:cxnSp>
+        <p:nvCxnSpPr>
+          <p:cNvPr id="12" name="Connector: Elbow 11">
+            <a:extLst>
+              <a:ext uri="{FF2B5EF4-FFF2-40B4-BE49-F238E27FC236}">
+                <a16:creationId xmlns:a16="http://schemas.microsoft.com/office/drawing/2014/main" id="{3B299AF4-DFF3-46C6-AD45-FD7078EAF593}"/>
+              </a:ext>
+            </a:extLst>
+          </p:cNvPr>
+          <p:cNvCxnSpPr>
+            <a:stCxn id="51" idx="3"/>
+            <a:endCxn id="84" idx="3"/>
+          </p:cNvCxnSpPr>
+          <p:nvPr/>
+        </p:nvCxnSpPr>
+        <p:spPr>
+          <a:xfrm flipV="1">
+            <a:off x="6716639" y="2204641"/>
+            <a:ext cx="12700" cy="1641666"/>
+          </a:xfrm>
+          <a:prstGeom prst="bentConnector3">
+            <a:avLst>
+              <a:gd name="adj1" fmla="val 1800000"/>
+            </a:avLst>
+          </a:prstGeom>
+          <a:ln>
+            <a:headEnd type="arrow" w="med" len="med"/>
+            <a:tailEnd type="arrow" w="med" len="med"/>
+          </a:ln>
+        </p:spPr>
+        <p:style>
+          <a:lnRef idx="1">
+            <a:schemeClr val="accent1"/>
+          </a:lnRef>
+          <a:fillRef idx="0">
+            <a:schemeClr val="accent1"/>
+          </a:fillRef>
+          <a:effectRef idx="0">
+            <a:schemeClr val="accent1"/>
+          </a:effectRef>
+          <a:fontRef idx="minor">
+            <a:schemeClr val="tx1"/>
+          </a:fontRef>
+        </p:style>
+      </p:cxnSp>
+      <p:sp>
+        <p:nvSpPr>
+          <p:cNvPr id="57" name="TextBox 56">
+            <a:extLst>
+              <a:ext uri="{FF2B5EF4-FFF2-40B4-BE49-F238E27FC236}">
+                <a16:creationId xmlns:a16="http://schemas.microsoft.com/office/drawing/2014/main" id="{C020A34C-0BAD-4244-A951-C9D6E2F5AEB8}"/>
+              </a:ext>
+            </a:extLst>
+          </p:cNvPr>
+          <p:cNvSpPr txBox="1"/>
+          <p:nvPr/>
+        </p:nvSpPr>
+        <p:spPr>
+          <a:xfrm rot="16200000">
+            <a:off x="6388950" y="2923804"/>
+            <a:ext cx="967106" cy="246221"/>
+          </a:xfrm>
+          <a:prstGeom prst="rect">
+            <a:avLst/>
+          </a:prstGeom>
+          <a:noFill/>
+        </p:spPr>
+        <p:txBody>
+          <a:bodyPr wrap="square" rtlCol="0">
+            <a:spAutoFit/>
+          </a:bodyPr>
+          <a:lstStyle/>
+          <a:p>
+            <a:pPr algn="ctr"/>
+            <a:r>
+              <a:rPr lang="en-US" sz="1000"/>
+              <a:t>VNet </a:t>
+            </a:r>
+            <a:r>
+              <a:rPr lang="en-US" sz="1000" dirty="0"/>
+              <a:t>peering</a:t>
+            </a:r>
+          </a:p>
+        </p:txBody>
+      </p:sp>
+      <p:grpSp>
+        <p:nvGrpSpPr>
+          <p:cNvPr id="20" name="Group 19">
+            <a:extLst>
+              <a:ext uri="{FF2B5EF4-FFF2-40B4-BE49-F238E27FC236}">
+                <a16:creationId xmlns:a16="http://schemas.microsoft.com/office/drawing/2014/main" id="{8A9C2F55-F339-431F-A9BC-507F3B179737}"/>
+              </a:ext>
+            </a:extLst>
+          </p:cNvPr>
+          <p:cNvGrpSpPr/>
+          <p:nvPr/>
+        </p:nvGrpSpPr>
+        <p:grpSpPr>
+          <a:xfrm>
+            <a:off x="1476535" y="3587721"/>
+            <a:ext cx="1215580" cy="639438"/>
+            <a:chOff x="1476535" y="3587721"/>
+            <a:chExt cx="1215580" cy="639438"/>
+          </a:xfrm>
+        </p:grpSpPr>
+        <p:pic>
+          <p:nvPicPr>
+            <p:cNvPr id="16" name="Graphic 15">
+              <a:extLst>
+                <a:ext uri="{FF2B5EF4-FFF2-40B4-BE49-F238E27FC236}">
+                  <a16:creationId xmlns:a16="http://schemas.microsoft.com/office/drawing/2014/main" id="{62EFD279-0926-4C0C-A22D-5E36950FA9CC}"/>
+                </a:ext>
+              </a:extLst>
+            </p:cNvPr>
+            <p:cNvPicPr>
+              <a:picLocks noChangeAspect="1"/>
+            </p:cNvPicPr>
+            <p:nvPr/>
+          </p:nvPicPr>
+          <p:blipFill>
+            <a:blip r:embed="rId23">
+              <a:extLst>
+                <a:ext uri="{28A0092B-C50C-407E-A947-70E740481C1C}">
+                  <a14:useLocalDpi xmlns:a14="http://schemas.microsoft.com/office/drawing/2010/main" val="0"/>
+                </a:ext>
+                <a:ext uri="{96DAC541-7B7A-43D3-8B79-37D633B846F1}">
+                  <asvg:svgBlip xmlns:asvg="http://schemas.microsoft.com/office/drawing/2016/SVG/main" r:embed="rId24"/>
+                </a:ext>
+              </a:extLst>
+            </a:blip>
+            <a:stretch>
+              <a:fillRect/>
+            </a:stretch>
+          </p:blipFill>
+          <p:spPr>
+            <a:xfrm>
+              <a:off x="1887717" y="3587721"/>
+              <a:ext cx="393217" cy="393217"/>
+            </a:xfrm>
+            <a:prstGeom prst="rect">
+              <a:avLst/>
+            </a:prstGeom>
+          </p:spPr>
+        </p:pic>
+        <p:sp>
+          <p:nvSpPr>
+            <p:cNvPr id="58" name="TextBox 57">
+              <a:extLst>
+                <a:ext uri="{FF2B5EF4-FFF2-40B4-BE49-F238E27FC236}">
+                  <a16:creationId xmlns:a16="http://schemas.microsoft.com/office/drawing/2014/main" id="{2101AF5B-F31D-4DB6-9C06-CE4132DCF15F}"/>
+                </a:ext>
+              </a:extLst>
+            </p:cNvPr>
+            <p:cNvSpPr txBox="1"/>
+            <p:nvPr/>
+          </p:nvSpPr>
+          <p:spPr>
+            <a:xfrm>
+              <a:off x="1476535" y="3980938"/>
+              <a:ext cx="1215580" cy="246221"/>
+            </a:xfrm>
+            <a:prstGeom prst="rect">
+              <a:avLst/>
+            </a:prstGeom>
+            <a:noFill/>
+          </p:spPr>
+          <p:txBody>
+            <a:bodyPr wrap="square" rtlCol="0">
+              <a:spAutoFit/>
+            </a:bodyPr>
+            <a:lstStyle/>
+            <a:p>
+              <a:pPr algn="ctr"/>
+              <a:r>
+                <a:rPr lang="en-US" sz="1000" dirty="0"/>
+                <a:t>iac-ws2-aks-blue-mi</a:t>
+              </a:r>
+            </a:p>
+          </p:txBody>
+        </p:sp>
+      </p:grpSp>
+      <p:grpSp>
+        <p:nvGrpSpPr>
+          <p:cNvPr id="19" name="Group 18">
+            <a:extLst>
+              <a:ext uri="{FF2B5EF4-FFF2-40B4-BE49-F238E27FC236}">
+                <a16:creationId xmlns:a16="http://schemas.microsoft.com/office/drawing/2014/main" id="{31068AB8-78D3-4328-80B5-043C829581BF}"/>
+              </a:ext>
+            </a:extLst>
+          </p:cNvPr>
+          <p:cNvGrpSpPr/>
+          <p:nvPr/>
+        </p:nvGrpSpPr>
+        <p:grpSpPr>
+          <a:xfrm>
+            <a:off x="8473625" y="1852137"/>
+            <a:ext cx="1215580" cy="834633"/>
+            <a:chOff x="8473625" y="1852137"/>
+            <a:chExt cx="1215580" cy="834633"/>
+          </a:xfrm>
+        </p:grpSpPr>
+        <p:pic>
+          <p:nvPicPr>
+            <p:cNvPr id="18" name="Graphic 17">
+              <a:extLst>
+                <a:ext uri="{FF2B5EF4-FFF2-40B4-BE49-F238E27FC236}">
+                  <a16:creationId xmlns:a16="http://schemas.microsoft.com/office/drawing/2014/main" id="{456EA0A0-BB5C-49B2-9E8B-D85031FC7B97}"/>
+                </a:ext>
+              </a:extLst>
+            </p:cNvPr>
+            <p:cNvPicPr>
+              <a:picLocks noChangeAspect="1"/>
+            </p:cNvPicPr>
+            <p:nvPr/>
+          </p:nvPicPr>
+          <p:blipFill>
+            <a:blip r:embed="rId25">
+              <a:extLst>
+                <a:ext uri="{28A0092B-C50C-407E-A947-70E740481C1C}">
+                  <a14:useLocalDpi xmlns:a14="http://schemas.microsoft.com/office/drawing/2010/main" val="0"/>
+                </a:ext>
+                <a:ext uri="{96DAC541-7B7A-43D3-8B79-37D633B846F1}">
+                  <asvg:svgBlip xmlns:asvg="http://schemas.microsoft.com/office/drawing/2016/SVG/main" r:embed="rId26"/>
+                </a:ext>
+              </a:extLst>
+            </a:blip>
+            <a:stretch>
+              <a:fillRect/>
+            </a:stretch>
+          </p:blipFill>
+          <p:spPr>
+            <a:xfrm>
+              <a:off x="8824485" y="1852137"/>
+              <a:ext cx="458195" cy="458195"/>
+            </a:xfrm>
+            <a:prstGeom prst="rect">
+              <a:avLst/>
+            </a:prstGeom>
+          </p:spPr>
+        </p:pic>
+        <p:sp>
+          <p:nvSpPr>
+            <p:cNvPr id="60" name="TextBox 59">
+              <a:extLst>
+                <a:ext uri="{FF2B5EF4-FFF2-40B4-BE49-F238E27FC236}">
+                  <a16:creationId xmlns:a16="http://schemas.microsoft.com/office/drawing/2014/main" id="{9B78748B-C7A5-4D73-B834-750E998E43A9}"/>
+                </a:ext>
+              </a:extLst>
+            </p:cNvPr>
+            <p:cNvSpPr txBox="1"/>
+            <p:nvPr/>
+          </p:nvSpPr>
+          <p:spPr>
+            <a:xfrm>
+              <a:off x="8473625" y="2286660"/>
+              <a:ext cx="1215580" cy="400110"/>
+            </a:xfrm>
+            <a:prstGeom prst="rect">
+              <a:avLst/>
+            </a:prstGeom>
+            <a:noFill/>
+          </p:spPr>
+          <p:txBody>
+            <a:bodyPr wrap="square" rtlCol="0">
+              <a:spAutoFit/>
+            </a:bodyPr>
+            <a:lstStyle/>
+            <a:p>
+              <a:pPr algn="ctr"/>
+              <a:r>
+                <a:rPr lang="en-US" sz="1000" dirty="0"/>
+                <a:t>Application</a:t>
+              </a:r>
+              <a:br>
+                <a:rPr lang="en-US" sz="1000" dirty="0"/>
+              </a:br>
+              <a:r>
+                <a:rPr lang="en-US" sz="1000" dirty="0"/>
+                <a:t>Insights</a:t>
+              </a:r>
+            </a:p>
+          </p:txBody>
+        </p:sp>
+      </p:grpSp>
+    </p:spTree>
+    <p:extLst>
+      <p:ext uri="{BB962C8B-B14F-4D97-AF65-F5344CB8AC3E}">
+        <p14:creationId xmlns:p14="http://schemas.microsoft.com/office/powerpoint/2010/main" val="1647994106"/>
+      </p:ext>
+    </p:extLst>
+  </p:cSld>
+  <p:clrMapOvr>
+    <a:masterClrMapping/>
+  </p:clrMapOvr>
+</p:sld>
+</file>
+
 <file path=ppt/slides/slide2.xml><?xml version="1.0" encoding="utf-8"?>
 <p:sld xmlns:a="http://schemas.openxmlformats.org/drawingml/2006/main" xmlns:r="http://schemas.openxmlformats.org/officeDocument/2006/relationships" xmlns:p="http://schemas.openxmlformats.org/presentationml/2006/main">
   <p:cSld>
@@ -7481,6 +9310,45 @@
           </a:ln>
         </p:spPr>
       </p:pic>
+      <p:pic>
+        <p:nvPicPr>
+          <p:cNvPr id="6" name="Graphic 4">
+            <a:extLst>
+              <a:ext uri="{FF2B5EF4-FFF2-40B4-BE49-F238E27FC236}">
+                <a16:creationId xmlns:a16="http://schemas.microsoft.com/office/drawing/2014/main" id="{BECA1D7F-F184-4F73-8575-6FB9DC71ABBB}"/>
+              </a:ext>
+            </a:extLst>
+          </p:cNvPr>
+          <p:cNvPicPr>
+            <a:picLocks noChangeAspect="1"/>
+          </p:cNvPicPr>
+          <p:nvPr/>
+        </p:nvPicPr>
+        <p:blipFill>
+          <a:blip r:embed="rId4">
+            <a:extLst>
+              <a:ext uri="{28A0092B-C50C-407E-A947-70E740481C1C}">
+                <a14:useLocalDpi xmlns:a14="http://schemas.microsoft.com/office/drawing/2010/main" val="0"/>
+              </a:ext>
+              <a:ext uri="{96DAC541-7B7A-43D3-8B79-37D633B846F1}">
+                <asvg:svgBlip xmlns:asvg="http://schemas.microsoft.com/office/drawing/2016/SVG/main" r:embed="rId5"/>
+              </a:ext>
+            </a:extLst>
+          </a:blip>
+          <a:stretch>
+            <a:fillRect/>
+          </a:stretch>
+        </p:blipFill>
+        <p:spPr>
+          <a:xfrm>
+            <a:off x="343599" y="6114702"/>
+            <a:ext cx="1718444" cy="574556"/>
+          </a:xfrm>
+          <a:prstGeom prst="rect">
+            <a:avLst/>
+          </a:prstGeom>
+        </p:spPr>
+      </p:pic>
     </p:spTree>
   </p:cSld>
   <p:clrMapOvr>
@@ -7759,6 +9627,45 @@
           <a:xfrm>
             <a:off x="7521682" y="2482032"/>
             <a:ext cx="4320914" cy="769687"/>
+          </a:xfrm>
+          <a:prstGeom prst="rect">
+            <a:avLst/>
+          </a:prstGeom>
+        </p:spPr>
+      </p:pic>
+      <p:pic>
+        <p:nvPicPr>
+          <p:cNvPr id="8" name="Graphic 4">
+            <a:extLst>
+              <a:ext uri="{FF2B5EF4-FFF2-40B4-BE49-F238E27FC236}">
+                <a16:creationId xmlns:a16="http://schemas.microsoft.com/office/drawing/2014/main" id="{2BE20EA8-D3EC-45F5-AC7B-08A3C95C4ADD}"/>
+              </a:ext>
+            </a:extLst>
+          </p:cNvPr>
+          <p:cNvPicPr>
+            <a:picLocks noChangeAspect="1"/>
+          </p:cNvPicPr>
+          <p:nvPr/>
+        </p:nvPicPr>
+        <p:blipFill>
+          <a:blip r:embed="rId8">
+            <a:extLst>
+              <a:ext uri="{28A0092B-C50C-407E-A947-70E740481C1C}">
+                <a14:useLocalDpi xmlns:a14="http://schemas.microsoft.com/office/drawing/2010/main" val="0"/>
+              </a:ext>
+              <a:ext uri="{96DAC541-7B7A-43D3-8B79-37D633B846F1}">
+                <asvg:svgBlip xmlns:asvg="http://schemas.microsoft.com/office/drawing/2016/SVG/main" r:embed="rId9"/>
+              </a:ext>
+            </a:extLst>
+          </a:blip>
+          <a:stretch>
+            <a:fillRect/>
+          </a:stretch>
+        </p:blipFill>
+        <p:spPr>
+          <a:xfrm>
+            <a:off x="343599" y="6114702"/>
+            <a:ext cx="1718444" cy="574556"/>
           </a:xfrm>
           <a:prstGeom prst="rect">
             <a:avLst/>
@@ -7995,6 +9902,45 @@
           <a:xfrm>
             <a:off x="5948218" y="5478535"/>
             <a:ext cx="3897978" cy="1226595"/>
+          </a:xfrm>
+          <a:prstGeom prst="rect">
+            <a:avLst/>
+          </a:prstGeom>
+        </p:spPr>
+      </p:pic>
+      <p:pic>
+        <p:nvPicPr>
+          <p:cNvPr id="6" name="Graphic 4">
+            <a:extLst>
+              <a:ext uri="{FF2B5EF4-FFF2-40B4-BE49-F238E27FC236}">
+                <a16:creationId xmlns:a16="http://schemas.microsoft.com/office/drawing/2014/main" id="{2F56F404-D8E3-4B3F-9B42-03E11D13C1FB}"/>
+              </a:ext>
+            </a:extLst>
+          </p:cNvPr>
+          <p:cNvPicPr>
+            <a:picLocks noChangeAspect="1"/>
+          </p:cNvPicPr>
+          <p:nvPr/>
+        </p:nvPicPr>
+        <p:blipFill>
+          <a:blip r:embed="rId5">
+            <a:extLst>
+              <a:ext uri="{28A0092B-C50C-407E-A947-70E740481C1C}">
+                <a14:useLocalDpi xmlns:a14="http://schemas.microsoft.com/office/drawing/2010/main" val="0"/>
+              </a:ext>
+              <a:ext uri="{96DAC541-7B7A-43D3-8B79-37D633B846F1}">
+                <asvg:svgBlip xmlns:asvg="http://schemas.microsoft.com/office/drawing/2016/SVG/main" r:embed="rId6"/>
+              </a:ext>
+            </a:extLst>
+          </a:blip>
+          <a:stretch>
+            <a:fillRect/>
+          </a:stretch>
+        </p:blipFill>
+        <p:spPr>
+          <a:xfrm>
+            <a:off x="343599" y="6114702"/>
+            <a:ext cx="1718444" cy="574556"/>
           </a:xfrm>
           <a:prstGeom prst="rect">
             <a:avLst/>
@@ -11616,12 +13562,51 @@
           </a:prstGeom>
         </p:spPr>
       </p:pic>
+      <p:pic>
+        <p:nvPicPr>
+          <p:cNvPr id="27" name="Graphic 4">
+            <a:extLst>
+              <a:ext uri="{FF2B5EF4-FFF2-40B4-BE49-F238E27FC236}">
+                <a16:creationId xmlns:a16="http://schemas.microsoft.com/office/drawing/2014/main" id="{6C31D57D-B1D7-4512-8812-BBBAEBCE2900}"/>
+              </a:ext>
+            </a:extLst>
+          </p:cNvPr>
+          <p:cNvPicPr>
+            <a:picLocks noChangeAspect="1"/>
+          </p:cNvPicPr>
+          <p:nvPr/>
+        </p:nvPicPr>
+        <p:blipFill>
+          <a:blip r:embed="rId5">
+            <a:extLst>
+              <a:ext uri="{28A0092B-C50C-407E-A947-70E740481C1C}">
+                <a14:useLocalDpi xmlns:a14="http://schemas.microsoft.com/office/drawing/2010/main" val="0"/>
+              </a:ext>
+              <a:ext uri="{96DAC541-7B7A-43D3-8B79-37D633B846F1}">
+                <asvg:svgBlip xmlns:asvg="http://schemas.microsoft.com/office/drawing/2016/SVG/main" r:embed="rId6"/>
+              </a:ext>
+            </a:extLst>
+          </a:blip>
+          <a:stretch>
+            <a:fillRect/>
+          </a:stretch>
+        </p:blipFill>
+        <p:spPr>
+          <a:xfrm>
+            <a:off x="343599" y="6114702"/>
+            <a:ext cx="1718444" cy="574556"/>
+          </a:xfrm>
+          <a:prstGeom prst="rect">
+            <a:avLst/>
+          </a:prstGeom>
+        </p:spPr>
+      </p:pic>
       <p:grpSp>
         <p:nvGrpSpPr>
-          <p:cNvPr id="5" name="Group 4">
-            <a:extLst>
-              <a:ext uri="{FF2B5EF4-FFF2-40B4-BE49-F238E27FC236}">
-                <a16:creationId xmlns:a16="http://schemas.microsoft.com/office/drawing/2014/main" id="{A539E6F8-1035-4BAE-A592-F1D25CB1424A}"/>
+          <p:cNvPr id="28" name="Group 27">
+            <a:extLst>
+              <a:ext uri="{FF2B5EF4-FFF2-40B4-BE49-F238E27FC236}">
+                <a16:creationId xmlns:a16="http://schemas.microsoft.com/office/drawing/2014/main" id="{63E4E7C4-9837-4B3D-BE98-DA01CD588FCE}"/>
               </a:ext>
             </a:extLst>
           </p:cNvPr>
@@ -11630,7 +13615,7 @@
         </p:nvGrpSpPr>
         <p:grpSpPr>
           <a:xfrm>
-            <a:off x="2697941" y="3286002"/>
+            <a:off x="2757146" y="2911097"/>
             <a:ext cx="1330851" cy="251979"/>
             <a:chOff x="2697941" y="3286002"/>
             <a:chExt cx="1330851" cy="251979"/>
@@ -11638,10 +13623,10 @@
         </p:grpSpPr>
         <p:pic>
           <p:nvPicPr>
-            <p:cNvPr id="85" name="Graphic 84">
+            <p:cNvPr id="29" name="Graphic 28">
               <a:extLst>
                 <a:ext uri="{FF2B5EF4-FFF2-40B4-BE49-F238E27FC236}">
-                  <a16:creationId xmlns:a16="http://schemas.microsoft.com/office/drawing/2014/main" id="{F42B162A-0AF5-4A4B-8B5B-CA2144BFA801}"/>
+                  <a16:creationId xmlns:a16="http://schemas.microsoft.com/office/drawing/2014/main" id="{E3823610-D3BB-4E77-8E10-79175825FE0E}"/>
                 </a:ext>
               </a:extLst>
             </p:cNvPr>
@@ -11651,13 +13636,13 @@
             <p:nvPr/>
           </p:nvPicPr>
           <p:blipFill>
-            <a:blip r:embed="rId5">
+            <a:blip r:embed="rId7">
               <a:extLst>
                 <a:ext uri="{28A0092B-C50C-407E-A947-70E740481C1C}">
                   <a14:useLocalDpi xmlns:a14="http://schemas.microsoft.com/office/drawing/2010/main" val="0"/>
                 </a:ext>
                 <a:ext uri="{96DAC541-7B7A-43D3-8B79-37D633B846F1}">
-                  <asvg:svgBlip xmlns:asvg="http://schemas.microsoft.com/office/drawing/2016/SVG/main" r:embed="rId6"/>
+                  <asvg:svgBlip xmlns:asvg="http://schemas.microsoft.com/office/drawing/2016/SVG/main" r:embed="rId8"/>
                 </a:ext>
               </a:extLst>
             </a:blip>
@@ -11677,10 +13662,10 @@
         </p:pic>
         <p:sp>
           <p:nvSpPr>
-            <p:cNvPr id="86" name="TextBox 85">
+            <p:cNvPr id="30" name="TextBox 29">
               <a:extLst>
                 <a:ext uri="{FF2B5EF4-FFF2-40B4-BE49-F238E27FC236}">
-                  <a16:creationId xmlns:a16="http://schemas.microsoft.com/office/drawing/2014/main" id="{0D76ED6A-AF72-4363-9C6D-72205F9F3D63}"/>
+                  <a16:creationId xmlns:a16="http://schemas.microsoft.com/office/drawing/2014/main" id="{F4FF4892-C716-483E-8C51-6128D373B2AB}"/>
                 </a:ext>
               </a:extLst>
             </p:cNvPr>
@@ -11713,10 +13698,10 @@
       </p:grpSp>
       <p:sp>
         <p:nvSpPr>
-          <p:cNvPr id="84" name="Rectangle 83">
-            <a:extLst>
-              <a:ext uri="{FF2B5EF4-FFF2-40B4-BE49-F238E27FC236}">
-                <a16:creationId xmlns:a16="http://schemas.microsoft.com/office/drawing/2014/main" id="{4BFF43BF-EF17-4EA8-BFF4-6C46DBD8EC95}"/>
+          <p:cNvPr id="31" name="Rectangle 30">
+            <a:extLst>
+              <a:ext uri="{FF2B5EF4-FFF2-40B4-BE49-F238E27FC236}">
+                <a16:creationId xmlns:a16="http://schemas.microsoft.com/office/drawing/2014/main" id="{0247E58A-53D1-49F3-88A1-9E9682372D84}"/>
               </a:ext>
             </a:extLst>
           </p:cNvPr>
@@ -11725,7 +13710,7 @@
         </p:nvSpPr>
         <p:spPr>
           <a:xfrm>
-            <a:off x="2667533" y="2460213"/>
+            <a:off x="2726738" y="2085308"/>
             <a:ext cx="3930695" cy="1054389"/>
           </a:xfrm>
           <a:prstGeom prst="rect">
@@ -11763,10 +13748,10 @@
       </p:sp>
       <p:sp>
         <p:nvSpPr>
-          <p:cNvPr id="73" name="Rectangle 72">
-            <a:extLst>
-              <a:ext uri="{FF2B5EF4-FFF2-40B4-BE49-F238E27FC236}">
-                <a16:creationId xmlns:a16="http://schemas.microsoft.com/office/drawing/2014/main" id="{8DABFB2F-B120-48F5-BF4B-8339C821B6D7}"/>
+          <p:cNvPr id="35" name="Rectangle 34">
+            <a:extLst>
+              <a:ext uri="{FF2B5EF4-FFF2-40B4-BE49-F238E27FC236}">
+                <a16:creationId xmlns:a16="http://schemas.microsoft.com/office/drawing/2014/main" id="{817BFB9E-C693-4404-B7CE-B0B73077197E}"/>
               </a:ext>
             </a:extLst>
           </p:cNvPr>
@@ -11775,7 +13760,7 @@
         </p:nvSpPr>
         <p:spPr>
           <a:xfrm>
-            <a:off x="2842953" y="2557336"/>
+            <a:off x="2902158" y="2182431"/>
             <a:ext cx="3599411" cy="688056"/>
           </a:xfrm>
           <a:prstGeom prst="rect">
@@ -11813,10 +13798,10 @@
       </p:sp>
       <p:sp>
         <p:nvSpPr>
-          <p:cNvPr id="78" name="TextBox 77">
-            <a:extLst>
-              <a:ext uri="{FF2B5EF4-FFF2-40B4-BE49-F238E27FC236}">
-                <a16:creationId xmlns:a16="http://schemas.microsoft.com/office/drawing/2014/main" id="{8660CB76-795A-4458-94C1-09B5E8CF4DA8}"/>
+          <p:cNvPr id="36" name="TextBox 35">
+            <a:extLst>
+              <a:ext uri="{FF2B5EF4-FFF2-40B4-BE49-F238E27FC236}">
+                <a16:creationId xmlns:a16="http://schemas.microsoft.com/office/drawing/2014/main" id="{082E3CE7-788A-462E-99A8-607CE3D243CB}"/>
               </a:ext>
             </a:extLst>
           </p:cNvPr>
@@ -11825,7 +13810,7 @@
         </p:nvSpPr>
         <p:spPr>
           <a:xfrm>
-            <a:off x="5526957" y="3047490"/>
+            <a:off x="5586162" y="2672585"/>
             <a:ext cx="967106" cy="246221"/>
           </a:xfrm>
           <a:prstGeom prst="rect">
@@ -11849,10 +13834,10 @@
       </p:sp>
       <p:pic>
         <p:nvPicPr>
-          <p:cNvPr id="75" name="Graphic 74">
-            <a:extLst>
-              <a:ext uri="{FF2B5EF4-FFF2-40B4-BE49-F238E27FC236}">
-                <a16:creationId xmlns:a16="http://schemas.microsoft.com/office/drawing/2014/main" id="{D502F66E-19DF-470E-82F2-3090370EB01C}"/>
+          <p:cNvPr id="37" name="Graphic 36">
+            <a:extLst>
+              <a:ext uri="{FF2B5EF4-FFF2-40B4-BE49-F238E27FC236}">
+                <a16:creationId xmlns:a16="http://schemas.microsoft.com/office/drawing/2014/main" id="{D867B185-36E7-46FE-902D-7422A83BBE36}"/>
               </a:ext>
             </a:extLst>
           </p:cNvPr>
@@ -11862,13 +13847,13 @@
           <p:nvPr/>
         </p:nvPicPr>
         <p:blipFill>
-          <a:blip r:embed="rId7">
+          <a:blip r:embed="rId9">
             <a:extLst>
               <a:ext uri="{28A0092B-C50C-407E-A947-70E740481C1C}">
                 <a14:useLocalDpi xmlns:a14="http://schemas.microsoft.com/office/drawing/2010/main" val="0"/>
               </a:ext>
               <a:ext uri="{96DAC541-7B7A-43D3-8B79-37D633B846F1}">
-                <asvg:svgBlip xmlns:asvg="http://schemas.microsoft.com/office/drawing/2016/SVG/main" r:embed="rId8"/>
+                <asvg:svgBlip xmlns:asvg="http://schemas.microsoft.com/office/drawing/2016/SVG/main" r:embed="rId10"/>
               </a:ext>
             </a:extLst>
           </a:blip>
@@ -11878,7 +13863,7 @@
         </p:blipFill>
         <p:spPr>
           <a:xfrm>
-            <a:off x="6257040" y="2591688"/>
+            <a:off x="6316245" y="2216783"/>
             <a:ext cx="171450" cy="171450"/>
           </a:xfrm>
           <a:prstGeom prst="rect">
@@ -11888,10 +13873,10 @@
       </p:pic>
       <p:grpSp>
         <p:nvGrpSpPr>
-          <p:cNvPr id="32" name="Group 31">
-            <a:extLst>
-              <a:ext uri="{FF2B5EF4-FFF2-40B4-BE49-F238E27FC236}">
-                <a16:creationId xmlns:a16="http://schemas.microsoft.com/office/drawing/2014/main" id="{CA3548AA-1FEC-455B-A206-716DB5A1D236}"/>
+          <p:cNvPr id="42" name="Group 41">
+            <a:extLst>
+              <a:ext uri="{FF2B5EF4-FFF2-40B4-BE49-F238E27FC236}">
+                <a16:creationId xmlns:a16="http://schemas.microsoft.com/office/drawing/2014/main" id="{388E657B-B984-4456-B515-9A46578D4E57}"/>
               </a:ext>
             </a:extLst>
           </p:cNvPr>
@@ -11900,7 +13885,7 @@
         </p:nvGrpSpPr>
         <p:grpSpPr>
           <a:xfrm>
-            <a:off x="1416886" y="2628685"/>
+            <a:off x="1476091" y="2253780"/>
             <a:ext cx="1144865" cy="717444"/>
             <a:chOff x="1125655" y="4731777"/>
             <a:chExt cx="1144865" cy="717444"/>
@@ -11908,10 +13893,10 @@
         </p:grpSpPr>
         <p:pic>
           <p:nvPicPr>
-            <p:cNvPr id="33" name="Graphic 32">
+            <p:cNvPr id="43" name="Graphic 42">
               <a:extLst>
                 <a:ext uri="{FF2B5EF4-FFF2-40B4-BE49-F238E27FC236}">
-                  <a16:creationId xmlns:a16="http://schemas.microsoft.com/office/drawing/2014/main" id="{07AB9493-6FF5-4273-9E15-0D0CED85D93B}"/>
+                  <a16:creationId xmlns:a16="http://schemas.microsoft.com/office/drawing/2014/main" id="{4FF509F5-C322-4678-AC92-894184F9117B}"/>
                 </a:ext>
               </a:extLst>
             </p:cNvPr>
@@ -11921,13 +13906,13 @@
             <p:nvPr/>
           </p:nvPicPr>
           <p:blipFill>
-            <a:blip r:embed="rId9">
+            <a:blip r:embed="rId11">
               <a:extLst>
                 <a:ext uri="{28A0092B-C50C-407E-A947-70E740481C1C}">
                   <a14:useLocalDpi xmlns:a14="http://schemas.microsoft.com/office/drawing/2010/main" val="0"/>
                 </a:ext>
                 <a:ext uri="{96DAC541-7B7A-43D3-8B79-37D633B846F1}">
-                  <asvg:svgBlip xmlns:asvg="http://schemas.microsoft.com/office/drawing/2016/SVG/main" r:embed="rId10"/>
+                  <asvg:svgBlip xmlns:asvg="http://schemas.microsoft.com/office/drawing/2016/SVG/main" r:embed="rId12"/>
                 </a:ext>
               </a:extLst>
             </a:blip>
@@ -11947,10 +13932,10 @@
         </p:pic>
         <p:sp>
           <p:nvSpPr>
-            <p:cNvPr id="34" name="TextBox 33">
+            <p:cNvPr id="45" name="TextBox 44">
               <a:extLst>
                 <a:ext uri="{FF2B5EF4-FFF2-40B4-BE49-F238E27FC236}">
-                  <a16:creationId xmlns:a16="http://schemas.microsoft.com/office/drawing/2014/main" id="{F90444C5-3F52-4886-AFEA-5172BA0CFB69}"/>
+                  <a16:creationId xmlns:a16="http://schemas.microsoft.com/office/drawing/2014/main" id="{52360066-D0F2-4D5E-9F1E-4D1B338A1779}"/>
                 </a:ext>
               </a:extLst>
             </p:cNvPr>
@@ -11983,10 +13968,10 @@
       </p:grpSp>
       <p:grpSp>
         <p:nvGrpSpPr>
-          <p:cNvPr id="39" name="Group 38">
-            <a:extLst>
-              <a:ext uri="{FF2B5EF4-FFF2-40B4-BE49-F238E27FC236}">
-                <a16:creationId xmlns:a16="http://schemas.microsoft.com/office/drawing/2014/main" id="{E0460AF8-D4B8-4D8A-9BB6-787FAFCEFF9F}"/>
+          <p:cNvPr id="46" name="Group 45">
+            <a:extLst>
+              <a:ext uri="{FF2B5EF4-FFF2-40B4-BE49-F238E27FC236}">
+                <a16:creationId xmlns:a16="http://schemas.microsoft.com/office/drawing/2014/main" id="{992B2579-5839-48F3-B667-F4C768C0D9CD}"/>
               </a:ext>
             </a:extLst>
           </p:cNvPr>
@@ -11995,7 +13980,7 @@
         </p:nvGrpSpPr>
         <p:grpSpPr>
           <a:xfrm>
-            <a:off x="7594227" y="2587471"/>
+            <a:off x="7653432" y="2212566"/>
             <a:ext cx="967106" cy="784999"/>
             <a:chOff x="7024664" y="3607940"/>
             <a:chExt cx="967106" cy="784999"/>
@@ -12003,10 +13988,10 @@
         </p:grpSpPr>
         <p:pic>
           <p:nvPicPr>
-            <p:cNvPr id="40" name="Graphic 39">
+            <p:cNvPr id="47" name="Graphic 46">
               <a:extLst>
                 <a:ext uri="{FF2B5EF4-FFF2-40B4-BE49-F238E27FC236}">
-                  <a16:creationId xmlns:a16="http://schemas.microsoft.com/office/drawing/2014/main" id="{C1185322-14AA-4DE5-BF7D-0D0B00AD7138}"/>
+                  <a16:creationId xmlns:a16="http://schemas.microsoft.com/office/drawing/2014/main" id="{7815CD0B-82D1-4A81-9723-0B9AE6F2C3AE}"/>
                 </a:ext>
               </a:extLst>
             </p:cNvPr>
@@ -12016,13 +14001,13 @@
             <p:nvPr/>
           </p:nvPicPr>
           <p:blipFill>
-            <a:blip r:embed="rId11">
+            <a:blip r:embed="rId13">
               <a:extLst>
                 <a:ext uri="{28A0092B-C50C-407E-A947-70E740481C1C}">
                   <a14:useLocalDpi xmlns:a14="http://schemas.microsoft.com/office/drawing/2010/main" val="0"/>
                 </a:ext>
                 <a:ext uri="{96DAC541-7B7A-43D3-8B79-37D633B846F1}">
-                  <asvg:svgBlip xmlns:asvg="http://schemas.microsoft.com/office/drawing/2016/SVG/main" r:embed="rId12"/>
+                  <asvg:svgBlip xmlns:asvg="http://schemas.microsoft.com/office/drawing/2016/SVG/main" r:embed="rId14"/>
                 </a:ext>
               </a:extLst>
             </a:blip>
@@ -12042,10 +14027,10 @@
         </p:pic>
         <p:sp>
           <p:nvSpPr>
-            <p:cNvPr id="41" name="TextBox 40">
+            <p:cNvPr id="48" name="TextBox 47">
               <a:extLst>
                 <a:ext uri="{FF2B5EF4-FFF2-40B4-BE49-F238E27FC236}">
-                  <a16:creationId xmlns:a16="http://schemas.microsoft.com/office/drawing/2014/main" id="{D3FA9A3C-D035-40B8-AFC3-4B676D778AF6}"/>
+                  <a16:creationId xmlns:a16="http://schemas.microsoft.com/office/drawing/2014/main" id="{390A2CF9-F74A-4C25-9E1C-59DACC79E05D}"/>
                 </a:ext>
               </a:extLst>
             </p:cNvPr>
@@ -12086,10 +14071,10 @@
       </p:grpSp>
       <p:sp>
         <p:nvSpPr>
-          <p:cNvPr id="8" name="Rectangle 7">
-            <a:extLst>
-              <a:ext uri="{FF2B5EF4-FFF2-40B4-BE49-F238E27FC236}">
-                <a16:creationId xmlns:a16="http://schemas.microsoft.com/office/drawing/2014/main" id="{181298C4-C071-4271-8052-496A36C208CB}"/>
+          <p:cNvPr id="49" name="Rectangle 48">
+            <a:extLst>
+              <a:ext uri="{FF2B5EF4-FFF2-40B4-BE49-F238E27FC236}">
+                <a16:creationId xmlns:a16="http://schemas.microsoft.com/office/drawing/2014/main" id="{B5E55FD3-AEDC-4253-B630-059668889B42}"/>
               </a:ext>
             </a:extLst>
           </p:cNvPr>
@@ -12098,8 +14083,8 @@
         </p:nvSpPr>
         <p:spPr>
           <a:xfrm>
-            <a:off x="1204111" y="2263366"/>
-            <a:ext cx="7357222" cy="1403287"/>
+            <a:off x="1263316" y="1888461"/>
+            <a:ext cx="8413536" cy="1403287"/>
           </a:xfrm>
           <a:prstGeom prst="rect">
             <a:avLst/>
@@ -12133,10 +14118,10 @@
       </p:sp>
       <p:pic>
         <p:nvPicPr>
-          <p:cNvPr id="11" name="Graphic 10">
-            <a:extLst>
-              <a:ext uri="{FF2B5EF4-FFF2-40B4-BE49-F238E27FC236}">
-                <a16:creationId xmlns:a16="http://schemas.microsoft.com/office/drawing/2014/main" id="{7000204C-22AC-4B40-85AA-927C478EE242}"/>
+          <p:cNvPr id="50" name="Graphic 49">
+            <a:extLst>
+              <a:ext uri="{FF2B5EF4-FFF2-40B4-BE49-F238E27FC236}">
+                <a16:creationId xmlns:a16="http://schemas.microsoft.com/office/drawing/2014/main" id="{B1527015-E8AF-44C8-9ED3-25AEEF178A74}"/>
               </a:ext>
             </a:extLst>
           </p:cNvPr>
@@ -12146,13 +14131,13 @@
           <p:nvPr/>
         </p:nvPicPr>
         <p:blipFill>
-          <a:blip r:embed="rId13">
+          <a:blip r:embed="rId15">
             <a:extLst>
               <a:ext uri="{28A0092B-C50C-407E-A947-70E740481C1C}">
                 <a14:useLocalDpi xmlns:a14="http://schemas.microsoft.com/office/drawing/2010/main" val="0"/>
               </a:ext>
               <a:ext uri="{96DAC541-7B7A-43D3-8B79-37D633B846F1}">
-                <asvg:svgBlip xmlns:asvg="http://schemas.microsoft.com/office/drawing/2016/SVG/main" r:embed="rId14"/>
+                <asvg:svgBlip xmlns:asvg="http://schemas.microsoft.com/office/drawing/2016/SVG/main" r:embed="rId16"/>
               </a:ext>
             </a:extLst>
           </a:blip>
@@ -12162,7 +14147,7 @@
         </p:blipFill>
         <p:spPr>
           <a:xfrm>
-            <a:off x="1236793" y="2282763"/>
+            <a:off x="1295998" y="1907858"/>
             <a:ext cx="228803" cy="228803"/>
           </a:xfrm>
           <a:prstGeom prst="rect">
@@ -12172,10 +14157,10 @@
       </p:pic>
       <p:sp>
         <p:nvSpPr>
-          <p:cNvPr id="44" name="TextBox 43">
-            <a:extLst>
-              <a:ext uri="{FF2B5EF4-FFF2-40B4-BE49-F238E27FC236}">
-                <a16:creationId xmlns:a16="http://schemas.microsoft.com/office/drawing/2014/main" id="{7598C3EA-1FA3-4D34-827F-729D1C090DC7}"/>
+          <p:cNvPr id="51" name="TextBox 50">
+            <a:extLst>
+              <a:ext uri="{FF2B5EF4-FFF2-40B4-BE49-F238E27FC236}">
+                <a16:creationId xmlns:a16="http://schemas.microsoft.com/office/drawing/2014/main" id="{C20A63EC-55C7-4132-A4D7-684B29BA25F2}"/>
               </a:ext>
             </a:extLst>
           </p:cNvPr>
@@ -12184,7 +14169,7 @@
         </p:nvSpPr>
         <p:spPr>
           <a:xfrm>
-            <a:off x="1404086" y="2274055"/>
+            <a:off x="1463291" y="1899150"/>
             <a:ext cx="1123659" cy="246221"/>
           </a:xfrm>
           <a:prstGeom prst="rect">
@@ -12207,10 +14192,10 @@
       </p:sp>
       <p:grpSp>
         <p:nvGrpSpPr>
-          <p:cNvPr id="14" name="Group 13">
-            <a:extLst>
-              <a:ext uri="{FF2B5EF4-FFF2-40B4-BE49-F238E27FC236}">
-                <a16:creationId xmlns:a16="http://schemas.microsoft.com/office/drawing/2014/main" id="{D814A492-F5D1-49AB-B90D-FE4ED11F18A7}"/>
+          <p:cNvPr id="52" name="Group 51">
+            <a:extLst>
+              <a:ext uri="{FF2B5EF4-FFF2-40B4-BE49-F238E27FC236}">
+                <a16:creationId xmlns:a16="http://schemas.microsoft.com/office/drawing/2014/main" id="{17D41F26-9750-4CF3-ADC9-6945150C429B}"/>
               </a:ext>
             </a:extLst>
           </p:cNvPr>
@@ -12219,7 +14204,7 @@
         </p:nvGrpSpPr>
         <p:grpSpPr>
           <a:xfrm>
-            <a:off x="6722603" y="2609692"/>
+            <a:off x="6781808" y="2234787"/>
             <a:ext cx="967106" cy="710634"/>
             <a:chOff x="7079732" y="4051542"/>
             <a:chExt cx="967106" cy="710634"/>
@@ -12227,10 +14212,10 @@
         </p:grpSpPr>
         <p:sp>
           <p:nvSpPr>
-            <p:cNvPr id="38" name="TextBox 37">
+            <p:cNvPr id="53" name="TextBox 52">
               <a:extLst>
                 <a:ext uri="{FF2B5EF4-FFF2-40B4-BE49-F238E27FC236}">
-                  <a16:creationId xmlns:a16="http://schemas.microsoft.com/office/drawing/2014/main" id="{196478A0-37EE-4715-BD01-729C7EF5BA55}"/>
+                  <a16:creationId xmlns:a16="http://schemas.microsoft.com/office/drawing/2014/main" id="{67C42344-A83A-4445-8182-FCA6949790D3}"/>
                 </a:ext>
               </a:extLst>
             </p:cNvPr>
@@ -12263,70 +14248,10 @@
         </p:sp>
         <p:pic>
           <p:nvPicPr>
-            <p:cNvPr id="13" name="Graphic 12">
+            <p:cNvPr id="54" name="Graphic 53">
               <a:extLst>
                 <a:ext uri="{FF2B5EF4-FFF2-40B4-BE49-F238E27FC236}">
-                  <a16:creationId xmlns:a16="http://schemas.microsoft.com/office/drawing/2014/main" id="{3B794B72-6994-4DA0-B300-6A8DD2A666BA}"/>
-                </a:ext>
-              </a:extLst>
-            </p:cNvPr>
-            <p:cNvPicPr>
-              <a:picLocks noChangeAspect="1"/>
-            </p:cNvPicPr>
-            <p:nvPr/>
-          </p:nvPicPr>
-          <p:blipFill>
-            <a:blip r:embed="rId15">
-              <a:extLst>
-                <a:ext uri="{28A0092B-C50C-407E-A947-70E740481C1C}">
-                  <a14:useLocalDpi xmlns:a14="http://schemas.microsoft.com/office/drawing/2010/main" val="0"/>
-                </a:ext>
-                <a:ext uri="{96DAC541-7B7A-43D3-8B79-37D633B846F1}">
-                  <asvg:svgBlip xmlns:asvg="http://schemas.microsoft.com/office/drawing/2016/SVG/main" r:embed="rId16"/>
-                </a:ext>
-              </a:extLst>
-            </a:blip>
-            <a:stretch>
-              <a:fillRect/>
-            </a:stretch>
-          </p:blipFill>
-          <p:spPr>
-            <a:xfrm>
-              <a:off x="7331078" y="4051542"/>
-              <a:ext cx="464413" cy="464413"/>
-            </a:xfrm>
-            <a:prstGeom prst="rect">
-              <a:avLst/>
-            </a:prstGeom>
-          </p:spPr>
-        </p:pic>
-      </p:grpSp>
-      <p:grpSp>
-        <p:nvGrpSpPr>
-          <p:cNvPr id="24" name="Group 23">
-            <a:extLst>
-              <a:ext uri="{FF2B5EF4-FFF2-40B4-BE49-F238E27FC236}">
-                <a16:creationId xmlns:a16="http://schemas.microsoft.com/office/drawing/2014/main" id="{75B8C90B-1129-4082-A350-1F4287F64398}"/>
-              </a:ext>
-            </a:extLst>
-          </p:cNvPr>
-          <p:cNvGrpSpPr/>
-          <p:nvPr/>
-        </p:nvGrpSpPr>
-        <p:grpSpPr>
-          <a:xfrm>
-            <a:off x="4019695" y="2683222"/>
-            <a:ext cx="1726053" cy="487378"/>
-            <a:chOff x="4284452" y="2780979"/>
-            <a:chExt cx="1726053" cy="487378"/>
-          </a:xfrm>
-        </p:grpSpPr>
-        <p:pic>
-          <p:nvPicPr>
-            <p:cNvPr id="25" name="Graphic 24">
-              <a:extLst>
-                <a:ext uri="{FF2B5EF4-FFF2-40B4-BE49-F238E27FC236}">
-                  <a16:creationId xmlns:a16="http://schemas.microsoft.com/office/drawing/2014/main" id="{7130F49B-EFEF-495D-BAE5-D197B5B40A06}"/>
+                  <a16:creationId xmlns:a16="http://schemas.microsoft.com/office/drawing/2014/main" id="{F579BE2F-D9BE-4AD5-942C-6F63890A7009}"/>
                 </a:ext>
               </a:extLst>
             </p:cNvPr>
@@ -12352,6 +14277,66 @@
           </p:blipFill>
           <p:spPr>
             <a:xfrm>
+              <a:off x="7331078" y="4051542"/>
+              <a:ext cx="464413" cy="464413"/>
+            </a:xfrm>
+            <a:prstGeom prst="rect">
+              <a:avLst/>
+            </a:prstGeom>
+          </p:spPr>
+        </p:pic>
+      </p:grpSp>
+      <p:grpSp>
+        <p:nvGrpSpPr>
+          <p:cNvPr id="55" name="Group 54">
+            <a:extLst>
+              <a:ext uri="{FF2B5EF4-FFF2-40B4-BE49-F238E27FC236}">
+                <a16:creationId xmlns:a16="http://schemas.microsoft.com/office/drawing/2014/main" id="{DC9E5119-824C-4969-ACD4-90C84A1D1A31}"/>
+              </a:ext>
+            </a:extLst>
+          </p:cNvPr>
+          <p:cNvGrpSpPr/>
+          <p:nvPr/>
+        </p:nvGrpSpPr>
+        <p:grpSpPr>
+          <a:xfrm>
+            <a:off x="4078900" y="2308317"/>
+            <a:ext cx="1726053" cy="487378"/>
+            <a:chOff x="4284452" y="2780979"/>
+            <a:chExt cx="1726053" cy="487378"/>
+          </a:xfrm>
+        </p:grpSpPr>
+        <p:pic>
+          <p:nvPicPr>
+            <p:cNvPr id="56" name="Graphic 55">
+              <a:extLst>
+                <a:ext uri="{FF2B5EF4-FFF2-40B4-BE49-F238E27FC236}">
+                  <a16:creationId xmlns:a16="http://schemas.microsoft.com/office/drawing/2014/main" id="{3CAC055F-9ED7-4121-AA26-429EBF595D10}"/>
+                </a:ext>
+              </a:extLst>
+            </p:cNvPr>
+            <p:cNvPicPr>
+              <a:picLocks noChangeAspect="1"/>
+            </p:cNvPicPr>
+            <p:nvPr/>
+          </p:nvPicPr>
+          <p:blipFill>
+            <a:blip r:embed="rId19">
+              <a:extLst>
+                <a:ext uri="{28A0092B-C50C-407E-A947-70E740481C1C}">
+                  <a14:useLocalDpi xmlns:a14="http://schemas.microsoft.com/office/drawing/2010/main" val="0"/>
+                </a:ext>
+                <a:ext uri="{96DAC541-7B7A-43D3-8B79-37D633B846F1}">
+                  <asvg:svgBlip xmlns:asvg="http://schemas.microsoft.com/office/drawing/2016/SVG/main" r:embed="rId20"/>
+                </a:ext>
+              </a:extLst>
+            </a:blip>
+            <a:stretch>
+              <a:fillRect/>
+            </a:stretch>
+          </p:blipFill>
+          <p:spPr>
+            <a:xfrm>
               <a:off x="4284452" y="2780979"/>
               <a:ext cx="464415" cy="464415"/>
             </a:xfrm>
@@ -12362,10 +14347,10 @@
         </p:pic>
         <p:sp>
           <p:nvSpPr>
-            <p:cNvPr id="26" name="TextBox 25">
+            <p:cNvPr id="57" name="TextBox 56">
               <a:extLst>
                 <a:ext uri="{FF2B5EF4-FFF2-40B4-BE49-F238E27FC236}">
-                  <a16:creationId xmlns:a16="http://schemas.microsoft.com/office/drawing/2014/main" id="{D1C790A9-DD3D-475B-9A1E-98131CC61C6B}"/>
+                  <a16:creationId xmlns:a16="http://schemas.microsoft.com/office/drawing/2014/main" id="{1B6A0E0B-0106-4DA3-B59B-B13355A01739}"/>
                 </a:ext>
               </a:extLst>
             </p:cNvPr>
@@ -12397,6 +14382,109 @@
               <a:r>
                 <a:rPr lang="en-US" sz="1000" dirty="0"/>
                 <a:t>(External)</a:t>
+              </a:r>
+            </a:p>
+          </p:txBody>
+        </p:sp>
+      </p:grpSp>
+      <p:grpSp>
+        <p:nvGrpSpPr>
+          <p:cNvPr id="58" name="Group 57">
+            <a:extLst>
+              <a:ext uri="{FF2B5EF4-FFF2-40B4-BE49-F238E27FC236}">
+                <a16:creationId xmlns:a16="http://schemas.microsoft.com/office/drawing/2014/main" id="{3ECE6158-9A91-4089-93AA-FC7F5D30AB0C}"/>
+              </a:ext>
+            </a:extLst>
+          </p:cNvPr>
+          <p:cNvGrpSpPr/>
+          <p:nvPr/>
+        </p:nvGrpSpPr>
+        <p:grpSpPr>
+          <a:xfrm>
+            <a:off x="8414419" y="2259999"/>
+            <a:ext cx="1215580" cy="834633"/>
+            <a:chOff x="8473625" y="1852137"/>
+            <a:chExt cx="1215580" cy="834633"/>
+          </a:xfrm>
+        </p:grpSpPr>
+        <p:pic>
+          <p:nvPicPr>
+            <p:cNvPr id="59" name="Graphic 58">
+              <a:extLst>
+                <a:ext uri="{FF2B5EF4-FFF2-40B4-BE49-F238E27FC236}">
+                  <a16:creationId xmlns:a16="http://schemas.microsoft.com/office/drawing/2014/main" id="{B36DA424-DA68-49B5-9F8C-0B14C16BBE7E}"/>
+                </a:ext>
+              </a:extLst>
+            </p:cNvPr>
+            <p:cNvPicPr>
+              <a:picLocks noChangeAspect="1"/>
+            </p:cNvPicPr>
+            <p:nvPr/>
+          </p:nvPicPr>
+          <p:blipFill>
+            <a:blip r:embed="rId21">
+              <a:extLst>
+                <a:ext uri="{28A0092B-C50C-407E-A947-70E740481C1C}">
+                  <a14:useLocalDpi xmlns:a14="http://schemas.microsoft.com/office/drawing/2010/main" val="0"/>
+                </a:ext>
+                <a:ext uri="{96DAC541-7B7A-43D3-8B79-37D633B846F1}">
+                  <asvg:svgBlip xmlns:asvg="http://schemas.microsoft.com/office/drawing/2016/SVG/main" r:embed="rId22"/>
+                </a:ext>
+              </a:extLst>
+            </a:blip>
+            <a:stretch>
+              <a:fillRect/>
+            </a:stretch>
+          </p:blipFill>
+          <p:spPr>
+            <a:xfrm>
+              <a:off x="8824485" y="1852137"/>
+              <a:ext cx="458195" cy="458195"/>
+            </a:xfrm>
+            <a:prstGeom prst="rect">
+              <a:avLst/>
+            </a:prstGeom>
+          </p:spPr>
+        </p:pic>
+        <p:sp>
+          <p:nvSpPr>
+            <p:cNvPr id="60" name="TextBox 59">
+              <a:extLst>
+                <a:ext uri="{FF2B5EF4-FFF2-40B4-BE49-F238E27FC236}">
+                  <a16:creationId xmlns:a16="http://schemas.microsoft.com/office/drawing/2014/main" id="{9CEA7269-F045-4887-BCC7-D22AE25E5B38}"/>
+                </a:ext>
+              </a:extLst>
+            </p:cNvPr>
+            <p:cNvSpPr txBox="1"/>
+            <p:nvPr/>
+          </p:nvSpPr>
+          <p:spPr>
+            <a:xfrm>
+              <a:off x="8473625" y="2286660"/>
+              <a:ext cx="1215580" cy="400110"/>
+            </a:xfrm>
+            <a:prstGeom prst="rect">
+              <a:avLst/>
+            </a:prstGeom>
+            <a:noFill/>
+          </p:spPr>
+          <p:txBody>
+            <a:bodyPr wrap="square" rtlCol="0">
+              <a:spAutoFit/>
+            </a:bodyPr>
+            <a:lstStyle/>
+            <a:p>
+              <a:pPr algn="ctr"/>
+              <a:r>
+                <a:rPr lang="en-US" sz="1000" dirty="0"/>
+                <a:t>Application</a:t>
+              </a:r>
+              <a:br>
+                <a:rPr lang="en-US" sz="1000" dirty="0"/>
+              </a:br>
+              <a:r>
+                <a:rPr lang="en-US" sz="1000" dirty="0"/>
+                <a:t>Insights</a:t>
               </a:r>
             </a:p>
           </p:txBody>

--- a/02-aks-advanced-configuration/slides/Advanced AKS Configuration.pptx
+++ b/02-aks-advanced-configuration/slides/Advanced AKS Configuration.pptx
@@ -5,7 +5,7 @@
     <p:sldMasterId id="2147483648" r:id="rId1"/>
   </p:sldMasterIdLst>
   <p:notesMasterIdLst>
-    <p:notesMasterId r:id="rId19"/>
+    <p:notesMasterId r:id="rId23"/>
   </p:notesMasterIdLst>
   <p:sldIdLst>
     <p:sldId id="256" r:id="rId2"/>
@@ -25,6 +25,10 @@
     <p:sldId id="2076136280" r:id="rId16"/>
     <p:sldId id="2076136277" r:id="rId17"/>
     <p:sldId id="2076136281" r:id="rId18"/>
+    <p:sldId id="2076136282" r:id="rId19"/>
+    <p:sldId id="2076136284" r:id="rId20"/>
+    <p:sldId id="2076136285" r:id="rId21"/>
+    <p:sldId id="2076136283" r:id="rId22"/>
   </p:sldIdLst>
   <p:sldSz cx="12192000" cy="6858000"/>
   <p:notesSz cx="6858000" cy="9144000"/>
@@ -213,7 +217,7 @@
           <a:p>
             <a:fld id="{11837477-D453-41A7-B038-AF1F6C7EED11}" type="datetimeFigureOut">
               <a:rPr lang="en-US" smtClean="0"/>
-              <a:t>4/4/2021</a:t>
+              <a:t>4/11/2021</a:t>
             </a:fld>
             <a:endParaRPr lang="en-US"/>
           </a:p>
@@ -1168,6 +1172,274 @@
 </p:notes>
 </file>
 
+<file path=ppt/notesSlides/notesSlide17.xml><?xml version="1.0" encoding="utf-8"?>
+<p:notes xmlns:a="http://schemas.openxmlformats.org/drawingml/2006/main" xmlns:r="http://schemas.openxmlformats.org/officeDocument/2006/relationships" xmlns:p="http://schemas.openxmlformats.org/presentationml/2006/main">
+  <p:cSld>
+    <p:spTree>
+      <p:nvGrpSpPr>
+        <p:cNvPr id="1" name=""/>
+        <p:cNvGrpSpPr/>
+        <p:nvPr/>
+      </p:nvGrpSpPr>
+      <p:grpSpPr>
+        <a:xfrm>
+          <a:off x="0" y="0"/>
+          <a:ext cx="0" cy="0"/>
+          <a:chOff x="0" y="0"/>
+          <a:chExt cx="0" cy="0"/>
+        </a:xfrm>
+      </p:grpSpPr>
+      <p:sp>
+        <p:nvSpPr>
+          <p:cNvPr id="2" name="Slide Image Placeholder 1"/>
+          <p:cNvSpPr>
+            <a:spLocks noGrp="1" noRot="1" noChangeAspect="1"/>
+          </p:cNvSpPr>
+          <p:nvPr>
+            <p:ph type="sldImg"/>
+          </p:nvPr>
+        </p:nvSpPr>
+        <p:spPr/>
+      </p:sp>
+      <p:sp>
+        <p:nvSpPr>
+          <p:cNvPr id="3" name="Notes Placeholder 2"/>
+          <p:cNvSpPr>
+            <a:spLocks noGrp="1"/>
+          </p:cNvSpPr>
+          <p:nvPr>
+            <p:ph type="body" idx="1"/>
+          </p:nvPr>
+        </p:nvSpPr>
+        <p:spPr/>
+        <p:txBody>
+          <a:bodyPr/>
+          <a:lstStyle/>
+          <a:p>
+            <a:endParaRPr lang="nb-NO" dirty="0"/>
+          </a:p>
+        </p:txBody>
+      </p:sp>
+      <p:sp>
+        <p:nvSpPr>
+          <p:cNvPr id="4" name="Slide Number Placeholder 3"/>
+          <p:cNvSpPr>
+            <a:spLocks noGrp="1"/>
+          </p:cNvSpPr>
+          <p:nvPr>
+            <p:ph type="sldNum" sz="quarter" idx="5"/>
+          </p:nvPr>
+        </p:nvSpPr>
+        <p:spPr/>
+        <p:txBody>
+          <a:bodyPr/>
+          <a:lstStyle/>
+          <a:p>
+            <a:fld id="{00A560F4-8102-4EC4-BB24-179BCBD2EB8E}" type="slidenum">
+              <a:rPr lang="en-US" smtClean="0"/>
+              <a:t>18</a:t>
+            </a:fld>
+            <a:endParaRPr lang="en-US"/>
+          </a:p>
+        </p:txBody>
+      </p:sp>
+    </p:spTree>
+    <p:extLst>
+      <p:ext uri="{BB962C8B-B14F-4D97-AF65-F5344CB8AC3E}">
+        <p14:creationId xmlns:p14="http://schemas.microsoft.com/office/powerpoint/2010/main" val="951229025"/>
+      </p:ext>
+    </p:extLst>
+  </p:cSld>
+  <p:clrMapOvr>
+    <a:masterClrMapping/>
+  </p:clrMapOvr>
+</p:notes>
+</file>
+
+<file path=ppt/notesSlides/notesSlide18.xml><?xml version="1.0" encoding="utf-8"?>
+<p:notes xmlns:a="http://schemas.openxmlformats.org/drawingml/2006/main" xmlns:r="http://schemas.openxmlformats.org/officeDocument/2006/relationships" xmlns:p="http://schemas.openxmlformats.org/presentationml/2006/main">
+  <p:cSld>
+    <p:spTree>
+      <p:nvGrpSpPr>
+        <p:cNvPr id="1" name=""/>
+        <p:cNvGrpSpPr/>
+        <p:nvPr/>
+      </p:nvGrpSpPr>
+      <p:grpSpPr>
+        <a:xfrm>
+          <a:off x="0" y="0"/>
+          <a:ext cx="0" cy="0"/>
+          <a:chOff x="0" y="0"/>
+          <a:chExt cx="0" cy="0"/>
+        </a:xfrm>
+      </p:grpSpPr>
+      <p:sp>
+        <p:nvSpPr>
+          <p:cNvPr id="2" name="Slide Image Placeholder 1"/>
+          <p:cNvSpPr>
+            <a:spLocks noGrp="1" noRot="1" noChangeAspect="1"/>
+          </p:cNvSpPr>
+          <p:nvPr>
+            <p:ph type="sldImg"/>
+          </p:nvPr>
+        </p:nvSpPr>
+        <p:spPr/>
+      </p:sp>
+      <p:sp>
+        <p:nvSpPr>
+          <p:cNvPr id="3" name="Notes Placeholder 2"/>
+          <p:cNvSpPr>
+            <a:spLocks noGrp="1"/>
+          </p:cNvSpPr>
+          <p:nvPr>
+            <p:ph type="body" idx="1"/>
+          </p:nvPr>
+        </p:nvSpPr>
+        <p:spPr/>
+        <p:txBody>
+          <a:bodyPr/>
+          <a:lstStyle/>
+          <a:p>
+            <a:pPr rtl="0">
+              <a:spcBef>
+                <a:spcPts val="0"/>
+              </a:spcBef>
+              <a:spcAft>
+                <a:spcPts val="0"/>
+              </a:spcAft>
+            </a:pPr>
+            <a:endParaRPr lang="en-US" dirty="0"/>
+          </a:p>
+        </p:txBody>
+      </p:sp>
+      <p:sp>
+        <p:nvSpPr>
+          <p:cNvPr id="4" name="Slide Number Placeholder 3"/>
+          <p:cNvSpPr>
+            <a:spLocks noGrp="1"/>
+          </p:cNvSpPr>
+          <p:nvPr>
+            <p:ph type="sldNum" sz="quarter" idx="5"/>
+          </p:nvPr>
+        </p:nvSpPr>
+        <p:spPr/>
+        <p:txBody>
+          <a:bodyPr/>
+          <a:lstStyle/>
+          <a:p>
+            <a:fld id="{00A560F4-8102-4EC4-BB24-179BCBD2EB8E}" type="slidenum">
+              <a:rPr lang="en-US" smtClean="0"/>
+              <a:t>19</a:t>
+            </a:fld>
+            <a:endParaRPr lang="en-US"/>
+          </a:p>
+        </p:txBody>
+      </p:sp>
+    </p:spTree>
+    <p:extLst>
+      <p:ext uri="{BB962C8B-B14F-4D97-AF65-F5344CB8AC3E}">
+        <p14:creationId xmlns:p14="http://schemas.microsoft.com/office/powerpoint/2010/main" val="2343749440"/>
+      </p:ext>
+    </p:extLst>
+  </p:cSld>
+  <p:clrMapOvr>
+    <a:masterClrMapping/>
+  </p:clrMapOvr>
+</p:notes>
+</file>
+
+<file path=ppt/notesSlides/notesSlide19.xml><?xml version="1.0" encoding="utf-8"?>
+<p:notes xmlns:a="http://schemas.openxmlformats.org/drawingml/2006/main" xmlns:r="http://schemas.openxmlformats.org/officeDocument/2006/relationships" xmlns:p="http://schemas.openxmlformats.org/presentationml/2006/main">
+  <p:cSld>
+    <p:spTree>
+      <p:nvGrpSpPr>
+        <p:cNvPr id="1" name=""/>
+        <p:cNvGrpSpPr/>
+        <p:nvPr/>
+      </p:nvGrpSpPr>
+      <p:grpSpPr>
+        <a:xfrm>
+          <a:off x="0" y="0"/>
+          <a:ext cx="0" cy="0"/>
+          <a:chOff x="0" y="0"/>
+          <a:chExt cx="0" cy="0"/>
+        </a:xfrm>
+      </p:grpSpPr>
+      <p:sp>
+        <p:nvSpPr>
+          <p:cNvPr id="2" name="Slide Image Placeholder 1"/>
+          <p:cNvSpPr>
+            <a:spLocks noGrp="1" noRot="1" noChangeAspect="1"/>
+          </p:cNvSpPr>
+          <p:nvPr>
+            <p:ph type="sldImg"/>
+          </p:nvPr>
+        </p:nvSpPr>
+        <p:spPr/>
+      </p:sp>
+      <p:sp>
+        <p:nvSpPr>
+          <p:cNvPr id="3" name="Notes Placeholder 2"/>
+          <p:cNvSpPr>
+            <a:spLocks noGrp="1"/>
+          </p:cNvSpPr>
+          <p:nvPr>
+            <p:ph type="body" idx="1"/>
+          </p:nvPr>
+        </p:nvSpPr>
+        <p:spPr/>
+        <p:txBody>
+          <a:bodyPr/>
+          <a:lstStyle/>
+          <a:p>
+            <a:pPr rtl="0">
+              <a:spcBef>
+                <a:spcPts val="0"/>
+              </a:spcBef>
+              <a:spcAft>
+                <a:spcPts val="0"/>
+              </a:spcAft>
+            </a:pPr>
+            <a:endParaRPr lang="en-US" dirty="0"/>
+          </a:p>
+        </p:txBody>
+      </p:sp>
+      <p:sp>
+        <p:nvSpPr>
+          <p:cNvPr id="4" name="Slide Number Placeholder 3"/>
+          <p:cNvSpPr>
+            <a:spLocks noGrp="1"/>
+          </p:cNvSpPr>
+          <p:nvPr>
+            <p:ph type="sldNum" sz="quarter" idx="5"/>
+          </p:nvPr>
+        </p:nvSpPr>
+        <p:spPr/>
+        <p:txBody>
+          <a:bodyPr/>
+          <a:lstStyle/>
+          <a:p>
+            <a:fld id="{00A560F4-8102-4EC4-BB24-179BCBD2EB8E}" type="slidenum">
+              <a:rPr lang="en-US" smtClean="0"/>
+              <a:t>20</a:t>
+            </a:fld>
+            <a:endParaRPr lang="en-US"/>
+          </a:p>
+        </p:txBody>
+      </p:sp>
+    </p:spTree>
+    <p:extLst>
+      <p:ext uri="{BB962C8B-B14F-4D97-AF65-F5344CB8AC3E}">
+        <p14:creationId xmlns:p14="http://schemas.microsoft.com/office/powerpoint/2010/main" val="3606058486"/>
+      </p:ext>
+    </p:extLst>
+  </p:cSld>
+  <p:clrMapOvr>
+    <a:masterClrMapping/>
+  </p:clrMapOvr>
+</p:notes>
+</file>
+
 <file path=ppt/notesSlides/notesSlide2.xml><?xml version="1.0" encoding="utf-8"?>
 <p:notes xmlns:a="http://schemas.openxmlformats.org/drawingml/2006/main" xmlns:r="http://schemas.openxmlformats.org/officeDocument/2006/relationships" xmlns:p="http://schemas.openxmlformats.org/presentationml/2006/main">
   <p:cSld>
@@ -1308,6 +1580,90 @@
     <p:extLst>
       <p:ext uri="{BB962C8B-B14F-4D97-AF65-F5344CB8AC3E}">
         <p14:creationId xmlns:p14="http://schemas.microsoft.com/office/powerpoint/2010/main" val="3350553772"/>
+      </p:ext>
+    </p:extLst>
+  </p:cSld>
+  <p:clrMapOvr>
+    <a:masterClrMapping/>
+  </p:clrMapOvr>
+</p:notes>
+</file>
+
+<file path=ppt/notesSlides/notesSlide20.xml><?xml version="1.0" encoding="utf-8"?>
+<p:notes xmlns:a="http://schemas.openxmlformats.org/drawingml/2006/main" xmlns:r="http://schemas.openxmlformats.org/officeDocument/2006/relationships" xmlns:p="http://schemas.openxmlformats.org/presentationml/2006/main">
+  <p:cSld>
+    <p:spTree>
+      <p:nvGrpSpPr>
+        <p:cNvPr id="1" name=""/>
+        <p:cNvGrpSpPr/>
+        <p:nvPr/>
+      </p:nvGrpSpPr>
+      <p:grpSpPr>
+        <a:xfrm>
+          <a:off x="0" y="0"/>
+          <a:ext cx="0" cy="0"/>
+          <a:chOff x="0" y="0"/>
+          <a:chExt cx="0" cy="0"/>
+        </a:xfrm>
+      </p:grpSpPr>
+      <p:sp>
+        <p:nvSpPr>
+          <p:cNvPr id="2" name="Slide Image Placeholder 1"/>
+          <p:cNvSpPr>
+            <a:spLocks noGrp="1" noRot="1" noChangeAspect="1"/>
+          </p:cNvSpPr>
+          <p:nvPr>
+            <p:ph type="sldImg"/>
+          </p:nvPr>
+        </p:nvSpPr>
+        <p:spPr/>
+      </p:sp>
+      <p:sp>
+        <p:nvSpPr>
+          <p:cNvPr id="3" name="Notes Placeholder 2"/>
+          <p:cNvSpPr>
+            <a:spLocks noGrp="1"/>
+          </p:cNvSpPr>
+          <p:nvPr>
+            <p:ph type="body" idx="1"/>
+          </p:nvPr>
+        </p:nvSpPr>
+        <p:spPr/>
+        <p:txBody>
+          <a:bodyPr/>
+          <a:lstStyle/>
+          <a:p>
+            <a:endParaRPr lang="nb-NO" dirty="0"/>
+          </a:p>
+        </p:txBody>
+      </p:sp>
+      <p:sp>
+        <p:nvSpPr>
+          <p:cNvPr id="4" name="Slide Number Placeholder 3"/>
+          <p:cNvSpPr>
+            <a:spLocks noGrp="1"/>
+          </p:cNvSpPr>
+          <p:nvPr>
+            <p:ph type="sldNum" sz="quarter" idx="5"/>
+          </p:nvPr>
+        </p:nvSpPr>
+        <p:spPr/>
+        <p:txBody>
+          <a:bodyPr/>
+          <a:lstStyle/>
+          <a:p>
+            <a:fld id="{00A560F4-8102-4EC4-BB24-179BCBD2EB8E}" type="slidenum">
+              <a:rPr lang="en-US" smtClean="0"/>
+              <a:t>21</a:t>
+            </a:fld>
+            <a:endParaRPr lang="en-US"/>
+          </a:p>
+        </p:txBody>
+      </p:sp>
+    </p:spTree>
+    <p:extLst>
+      <p:ext uri="{BB962C8B-B14F-4D97-AF65-F5344CB8AC3E}">
+        <p14:creationId xmlns:p14="http://schemas.microsoft.com/office/powerpoint/2010/main" val="2761798007"/>
       </p:ext>
     </p:extLst>
   </p:cSld>
@@ -2125,7 +2481,7 @@
           <a:p>
             <a:fld id="{CE88D40F-0E01-46E3-A0A3-09B1E418DDBF}" type="datetimeFigureOut">
               <a:rPr lang="en-US" smtClean="0"/>
-              <a:t>4/4/2021</a:t>
+              <a:t>4/11/2021</a:t>
             </a:fld>
             <a:endParaRPr lang="en-US"/>
           </a:p>
@@ -2323,7 +2679,7 @@
           <a:p>
             <a:fld id="{CE88D40F-0E01-46E3-A0A3-09B1E418DDBF}" type="datetimeFigureOut">
               <a:rPr lang="en-US" smtClean="0"/>
-              <a:t>4/4/2021</a:t>
+              <a:t>4/11/2021</a:t>
             </a:fld>
             <a:endParaRPr lang="en-US"/>
           </a:p>
@@ -2531,7 +2887,7 @@
           <a:p>
             <a:fld id="{CE88D40F-0E01-46E3-A0A3-09B1E418DDBF}" type="datetimeFigureOut">
               <a:rPr lang="en-US" smtClean="0"/>
-              <a:t>4/4/2021</a:t>
+              <a:t>4/11/2021</a:t>
             </a:fld>
             <a:endParaRPr lang="en-US"/>
           </a:p>
@@ -3173,7 +3529,7 @@
           <a:p>
             <a:fld id="{CE88D40F-0E01-46E3-A0A3-09B1E418DDBF}" type="datetimeFigureOut">
               <a:rPr lang="en-US" smtClean="0"/>
-              <a:t>4/4/2021</a:t>
+              <a:t>4/11/2021</a:t>
             </a:fld>
             <a:endParaRPr lang="en-US"/>
           </a:p>
@@ -3448,7 +3804,7 @@
           <a:p>
             <a:fld id="{CE88D40F-0E01-46E3-A0A3-09B1E418DDBF}" type="datetimeFigureOut">
               <a:rPr lang="en-US" smtClean="0"/>
-              <a:t>4/4/2021</a:t>
+              <a:t>4/11/2021</a:t>
             </a:fld>
             <a:endParaRPr lang="en-US"/>
           </a:p>
@@ -3713,7 +4069,7 @@
           <a:p>
             <a:fld id="{CE88D40F-0E01-46E3-A0A3-09B1E418DDBF}" type="datetimeFigureOut">
               <a:rPr lang="en-US" smtClean="0"/>
-              <a:t>4/4/2021</a:t>
+              <a:t>4/11/2021</a:t>
             </a:fld>
             <a:endParaRPr lang="en-US"/>
           </a:p>
@@ -4125,7 +4481,7 @@
           <a:p>
             <a:fld id="{CE88D40F-0E01-46E3-A0A3-09B1E418DDBF}" type="datetimeFigureOut">
               <a:rPr lang="en-US" smtClean="0"/>
-              <a:t>4/4/2021</a:t>
+              <a:t>4/11/2021</a:t>
             </a:fld>
             <a:endParaRPr lang="en-US"/>
           </a:p>
@@ -4266,7 +4622,7 @@
           <a:p>
             <a:fld id="{CE88D40F-0E01-46E3-A0A3-09B1E418DDBF}" type="datetimeFigureOut">
               <a:rPr lang="en-US" smtClean="0"/>
-              <a:t>4/4/2021</a:t>
+              <a:t>4/11/2021</a:t>
             </a:fld>
             <a:endParaRPr lang="en-US"/>
           </a:p>
@@ -4379,7 +4735,7 @@
           <a:p>
             <a:fld id="{CE88D40F-0E01-46E3-A0A3-09B1E418DDBF}" type="datetimeFigureOut">
               <a:rPr lang="en-US" smtClean="0"/>
-              <a:t>4/4/2021</a:t>
+              <a:t>4/11/2021</a:t>
             </a:fld>
             <a:endParaRPr lang="en-US"/>
           </a:p>
@@ -4690,7 +5046,7 @@
           <a:p>
             <a:fld id="{CE88D40F-0E01-46E3-A0A3-09B1E418DDBF}" type="datetimeFigureOut">
               <a:rPr lang="en-US" smtClean="0"/>
-              <a:t>4/4/2021</a:t>
+              <a:t>4/11/2021</a:t>
             </a:fld>
             <a:endParaRPr lang="en-US"/>
           </a:p>
@@ -4978,7 +5334,7 @@
           <a:p>
             <a:fld id="{CE88D40F-0E01-46E3-A0A3-09B1E418DDBF}" type="datetimeFigureOut">
               <a:rPr lang="en-US" smtClean="0"/>
-              <a:t>4/4/2021</a:t>
+              <a:t>4/11/2021</a:t>
             </a:fld>
             <a:endParaRPr lang="en-US"/>
           </a:p>
@@ -5219,7 +5575,7 @@
           <a:p>
             <a:fld id="{CE88D40F-0E01-46E3-A0A3-09B1E418DDBF}" type="datetimeFigureOut">
               <a:rPr lang="en-US" smtClean="0"/>
-              <a:t>4/4/2021</a:t>
+              <a:t>4/11/2021</a:t>
             </a:fld>
             <a:endParaRPr lang="en-US"/>
           </a:p>
@@ -9017,13 +9373,8 @@
                 <a:ea typeface="+mj-ea"/>
                 <a:cs typeface="+mj-cs"/>
               </a:rPr>
-              <a:t>Lab-02 – 15 min</a:t>
+              <a:t>Lab 02 – 15 min</a:t>
             </a:r>
-            <a:endParaRPr lang="en-US" sz="5400">
-              <a:latin typeface="+mj-lt"/>
-              <a:ea typeface="+mj-ea"/>
-              <a:cs typeface="+mj-cs"/>
-            </a:endParaRPr>
           </a:p>
         </p:txBody>
       </p:sp>
@@ -13542,7 +13893,7 @@
                 <a:ea typeface="+mj-ea"/>
                 <a:cs typeface="+mj-cs"/>
               </a:rPr>
-              <a:t>Labs 04, 05</a:t>
+              <a:t>Lab 04</a:t>
             </a:r>
           </a:p>
         </p:txBody>
@@ -13684,6 +14035,1309 @@
     <p:extLst>
       <p:ext uri="{BB962C8B-B14F-4D97-AF65-F5344CB8AC3E}">
         <p14:creationId xmlns:p14="http://schemas.microsoft.com/office/powerpoint/2010/main" val="2528211199"/>
+      </p:ext>
+    </p:extLst>
+  </p:cSld>
+  <p:clrMapOvr>
+    <a:masterClrMapping/>
+  </p:clrMapOvr>
+</p:sld>
+</file>
+
+<file path=ppt/slides/slide18.xml><?xml version="1.0" encoding="utf-8"?>
+<p:sld xmlns:a="http://schemas.openxmlformats.org/drawingml/2006/main" xmlns:r="http://schemas.openxmlformats.org/officeDocument/2006/relationships" xmlns:p="http://schemas.openxmlformats.org/presentationml/2006/main">
+  <p:cSld>
+    <p:bg>
+      <p:bgPr>
+        <a:solidFill>
+          <a:schemeClr val="bg1"/>
+        </a:solidFill>
+        <a:effectLst/>
+      </p:bgPr>
+    </p:bg>
+    <p:spTree>
+      <p:nvGrpSpPr>
+        <p:cNvPr id="1" name=""/>
+        <p:cNvGrpSpPr/>
+        <p:nvPr/>
+      </p:nvGrpSpPr>
+      <p:grpSpPr>
+        <a:xfrm>
+          <a:off x="0" y="0"/>
+          <a:ext cx="0" cy="0"/>
+          <a:chOff x="0" y="0"/>
+          <a:chExt cx="0" cy="0"/>
+        </a:xfrm>
+      </p:grpSpPr>
+      <p:sp useBgFill="1">
+        <p:nvSpPr>
+          <p:cNvPr id="16" name="Rectangle 15">
+            <a:extLst>
+              <a:ext uri="{FF2B5EF4-FFF2-40B4-BE49-F238E27FC236}">
+                <a16:creationId xmlns:a16="http://schemas.microsoft.com/office/drawing/2014/main" id="{A29398BB-6F62-472B-88B2-8D942FEBFB20}"/>
+              </a:ext>
+              <a:ext uri="{C183D7F6-B498-43B3-948B-1728B52AA6E4}">
+                <adec:decorative xmlns:adec="http://schemas.microsoft.com/office/drawing/2017/decorative" val="1"/>
+              </a:ext>
+            </a:extLst>
+          </p:cNvPr>
+          <p:cNvSpPr>
+            <a:spLocks noGrp="1" noRot="1" noChangeAspect="1" noMove="1" noResize="1" noEditPoints="1" noAdjustHandles="1" noChangeArrowheads="1" noChangeShapeType="1" noTextEdit="1"/>
+          </p:cNvSpPr>
+          <p:nvPr>
+            <p:extLst>
+              <p:ext uri="{386F3935-93C4-4BCD-93E2-E3B085C9AB24}">
+                <p16:designElem xmlns:p16="http://schemas.microsoft.com/office/powerpoint/2015/main" val="1"/>
+              </p:ext>
+            </p:extLst>
+          </p:nvPr>
+        </p:nvSpPr>
+        <p:spPr>
+          <a:xfrm>
+            <a:off x="0" y="-6646"/>
+            <a:ext cx="12192000" cy="6858000"/>
+          </a:xfrm>
+          <a:prstGeom prst="rect">
+            <a:avLst/>
+          </a:prstGeom>
+          <a:ln>
+            <a:noFill/>
+          </a:ln>
+        </p:spPr>
+        <p:style>
+          <a:lnRef idx="2">
+            <a:schemeClr val="accent1">
+              <a:shade val="50000"/>
+            </a:schemeClr>
+          </a:lnRef>
+          <a:fillRef idx="1">
+            <a:schemeClr val="accent1"/>
+          </a:fillRef>
+          <a:effectRef idx="0">
+            <a:schemeClr val="accent1"/>
+          </a:effectRef>
+          <a:fontRef idx="minor">
+            <a:schemeClr val="lt1"/>
+          </a:fontRef>
+        </p:style>
+        <p:txBody>
+          <a:bodyPr rtlCol="0" anchor="ctr"/>
+          <a:lstStyle/>
+          <a:p>
+            <a:pPr algn="ctr"/>
+            <a:endParaRPr lang="en-US"/>
+          </a:p>
+        </p:txBody>
+      </p:sp>
+      <p:grpSp>
+        <p:nvGrpSpPr>
+          <p:cNvPr id="18" name="Group 17">
+            <a:extLst>
+              <a:ext uri="{FF2B5EF4-FFF2-40B4-BE49-F238E27FC236}">
+                <a16:creationId xmlns:a16="http://schemas.microsoft.com/office/drawing/2014/main" id="{A3C0D298-47AC-4912-8022-B969E5732CB9}"/>
+              </a:ext>
+              <a:ext uri="{C183D7F6-B498-43B3-948B-1728B52AA6E4}">
+                <adec:decorative xmlns:adec="http://schemas.microsoft.com/office/drawing/2017/decorative" val="1"/>
+              </a:ext>
+            </a:extLst>
+          </p:cNvPr>
+          <p:cNvGrpSpPr>
+            <a:grpSpLocks noGrp="1" noUngrp="1" noRot="1" noChangeAspect="1" noMove="1" noResize="1"/>
+          </p:cNvGrpSpPr>
+          <p:nvPr>
+            <p:extLst>
+              <p:ext uri="{386F3935-93C4-4BCD-93E2-E3B085C9AB24}">
+                <p16:designElem xmlns:p16="http://schemas.microsoft.com/office/powerpoint/2015/main" val="1"/>
+              </p:ext>
+            </p:extLst>
+          </p:nvPr>
+        </p:nvGrpSpPr>
+        <p:grpSpPr>
+          <a:xfrm>
+            <a:off x="966430" y="626107"/>
+            <a:ext cx="1128382" cy="847206"/>
+            <a:chOff x="5307830" y="325570"/>
+            <a:chExt cx="1128382" cy="847206"/>
+          </a:xfrm>
+        </p:grpSpPr>
+        <p:sp>
+          <p:nvSpPr>
+            <p:cNvPr id="19" name="Freeform 5">
+              <a:extLst>
+                <a:ext uri="{FF2B5EF4-FFF2-40B4-BE49-F238E27FC236}">
+                  <a16:creationId xmlns:a16="http://schemas.microsoft.com/office/drawing/2014/main" id="{F8ED9F95-2ADE-4C89-BD97-AF7DB8DB3677}"/>
+                </a:ext>
+                <a:ext uri="{C183D7F6-B498-43B3-948B-1728B52AA6E4}">
+                  <adec:decorative xmlns:adec="http://schemas.microsoft.com/office/drawing/2017/decorative" val="1"/>
+                </a:ext>
+              </a:extLst>
+            </p:cNvPr>
+            <p:cNvSpPr>
+              <a:spLocks/>
+            </p:cNvSpPr>
+            <p:nvPr>
+              <p:extLst>
+                <p:ext uri="{386F3935-93C4-4BCD-93E2-E3B085C9AB24}">
+                  <p16:designElem xmlns:p16="http://schemas.microsoft.com/office/powerpoint/2015/main" val="1"/>
+                </p:ext>
+              </p:extLst>
+            </p:nvPr>
+          </p:nvSpPr>
+          <p:spPr bwMode="auto">
+            <a:xfrm>
+              <a:off x="5307830" y="577396"/>
+              <a:ext cx="675351" cy="595380"/>
+            </a:xfrm>
+            <a:custGeom>
+              <a:avLst/>
+              <a:gdLst>
+                <a:gd name="T0" fmla="*/ 225 w 785"/>
+                <a:gd name="T1" fmla="*/ 692 h 692"/>
+                <a:gd name="T2" fmla="*/ 177 w 785"/>
+                <a:gd name="T3" fmla="*/ 665 h 692"/>
+                <a:gd name="T4" fmla="*/ 9 w 785"/>
+                <a:gd name="T5" fmla="*/ 374 h 692"/>
+                <a:gd name="T6" fmla="*/ 9 w 785"/>
+                <a:gd name="T7" fmla="*/ 318 h 692"/>
+                <a:gd name="T8" fmla="*/ 177 w 785"/>
+                <a:gd name="T9" fmla="*/ 27 h 692"/>
+                <a:gd name="T10" fmla="*/ 225 w 785"/>
+                <a:gd name="T11" fmla="*/ 0 h 692"/>
+                <a:gd name="T12" fmla="*/ 561 w 785"/>
+                <a:gd name="T13" fmla="*/ 0 h 692"/>
+                <a:gd name="T14" fmla="*/ 609 w 785"/>
+                <a:gd name="T15" fmla="*/ 27 h 692"/>
+                <a:gd name="T16" fmla="*/ 777 w 785"/>
+                <a:gd name="T17" fmla="*/ 318 h 692"/>
+                <a:gd name="T18" fmla="*/ 777 w 785"/>
+                <a:gd name="T19" fmla="*/ 374 h 692"/>
+                <a:gd name="T20" fmla="*/ 609 w 785"/>
+                <a:gd name="T21" fmla="*/ 665 h 692"/>
+                <a:gd name="T22" fmla="*/ 561 w 785"/>
+                <a:gd name="T23" fmla="*/ 692 h 692"/>
+                <a:gd name="T24" fmla="*/ 225 w 785"/>
+                <a:gd name="T25" fmla="*/ 692 h 692"/>
+              </a:gdLst>
+              <a:ahLst/>
+              <a:cxnLst>
+                <a:cxn ang="0">
+                  <a:pos x="T0" y="T1"/>
+                </a:cxn>
+                <a:cxn ang="0">
+                  <a:pos x="T2" y="T3"/>
+                </a:cxn>
+                <a:cxn ang="0">
+                  <a:pos x="T4" y="T5"/>
+                </a:cxn>
+                <a:cxn ang="0">
+                  <a:pos x="T6" y="T7"/>
+                </a:cxn>
+                <a:cxn ang="0">
+                  <a:pos x="T8" y="T9"/>
+                </a:cxn>
+                <a:cxn ang="0">
+                  <a:pos x="T10" y="T11"/>
+                </a:cxn>
+                <a:cxn ang="0">
+                  <a:pos x="T12" y="T13"/>
+                </a:cxn>
+                <a:cxn ang="0">
+                  <a:pos x="T14" y="T15"/>
+                </a:cxn>
+                <a:cxn ang="0">
+                  <a:pos x="T16" y="T17"/>
+                </a:cxn>
+                <a:cxn ang="0">
+                  <a:pos x="T18" y="T19"/>
+                </a:cxn>
+                <a:cxn ang="0">
+                  <a:pos x="T20" y="T21"/>
+                </a:cxn>
+                <a:cxn ang="0">
+                  <a:pos x="T22" y="T23"/>
+                </a:cxn>
+                <a:cxn ang="0">
+                  <a:pos x="T24" y="T25"/>
+                </a:cxn>
+              </a:cxnLst>
+              <a:rect l="0" t="0" r="r" b="b"/>
+              <a:pathLst>
+                <a:path w="785" h="692">
+                  <a:moveTo>
+                    <a:pt x="225" y="692"/>
+                  </a:moveTo>
+                  <a:cubicBezTo>
+                    <a:pt x="207" y="692"/>
+                    <a:pt x="185" y="680"/>
+                    <a:pt x="177" y="665"/>
+                  </a:cubicBezTo>
+                  <a:cubicBezTo>
+                    <a:pt x="9" y="374"/>
+                    <a:pt x="9" y="374"/>
+                    <a:pt x="9" y="374"/>
+                  </a:cubicBezTo>
+                  <a:cubicBezTo>
+                    <a:pt x="0" y="358"/>
+                    <a:pt x="0" y="334"/>
+                    <a:pt x="9" y="318"/>
+                  </a:cubicBezTo>
+                  <a:cubicBezTo>
+                    <a:pt x="177" y="27"/>
+                    <a:pt x="177" y="27"/>
+                    <a:pt x="177" y="27"/>
+                  </a:cubicBezTo>
+                  <a:cubicBezTo>
+                    <a:pt x="185" y="12"/>
+                    <a:pt x="207" y="0"/>
+                    <a:pt x="225" y="0"/>
+                  </a:cubicBezTo>
+                  <a:cubicBezTo>
+                    <a:pt x="561" y="0"/>
+                    <a:pt x="561" y="0"/>
+                    <a:pt x="561" y="0"/>
+                  </a:cubicBezTo>
+                  <a:cubicBezTo>
+                    <a:pt x="578" y="0"/>
+                    <a:pt x="600" y="12"/>
+                    <a:pt x="609" y="27"/>
+                  </a:cubicBezTo>
+                  <a:cubicBezTo>
+                    <a:pt x="777" y="318"/>
+                    <a:pt x="777" y="318"/>
+                    <a:pt x="777" y="318"/>
+                  </a:cubicBezTo>
+                  <a:cubicBezTo>
+                    <a:pt x="785" y="334"/>
+                    <a:pt x="785" y="358"/>
+                    <a:pt x="777" y="374"/>
+                  </a:cubicBezTo>
+                  <a:cubicBezTo>
+                    <a:pt x="609" y="665"/>
+                    <a:pt x="609" y="665"/>
+                    <a:pt x="609" y="665"/>
+                  </a:cubicBezTo>
+                  <a:cubicBezTo>
+                    <a:pt x="600" y="680"/>
+                    <a:pt x="578" y="692"/>
+                    <a:pt x="561" y="692"/>
+                  </a:cubicBezTo>
+                  <a:lnTo>
+                    <a:pt x="225" y="692"/>
+                  </a:lnTo>
+                  <a:close/>
+                </a:path>
+              </a:pathLst>
+            </a:custGeom>
+            <a:noFill/>
+            <a:ln w="28575" cmpd="sng">
+              <a:solidFill>
+                <a:schemeClr val="tx1"/>
+              </a:solidFill>
+            </a:ln>
+          </p:spPr>
+          <p:txBody>
+            <a:bodyPr vert="horz" wrap="square" lIns="91440" tIns="45720" rIns="91440" bIns="45720" numCol="1" anchor="t" anchorCtr="0" compatLnSpc="1">
+              <a:prstTxWarp prst="textNoShape">
+                <a:avLst/>
+              </a:prstTxWarp>
+            </a:bodyPr>
+            <a:lstStyle/>
+            <a:p>
+              <a:endParaRPr lang="en-US"/>
+            </a:p>
+          </p:txBody>
+        </p:sp>
+        <p:sp>
+          <p:nvSpPr>
+            <p:cNvPr id="20" name="Freeform 5">
+              <a:extLst>
+                <a:ext uri="{FF2B5EF4-FFF2-40B4-BE49-F238E27FC236}">
+                  <a16:creationId xmlns:a16="http://schemas.microsoft.com/office/drawing/2014/main" id="{1DD52534-E915-42C0-890A-5B19A15B5375}"/>
+                </a:ext>
+                <a:ext uri="{C183D7F6-B498-43B3-948B-1728B52AA6E4}">
+                  <adec:decorative xmlns:adec="http://schemas.microsoft.com/office/drawing/2017/decorative" val="1"/>
+                </a:ext>
+              </a:extLst>
+            </p:cNvPr>
+            <p:cNvSpPr>
+              <a:spLocks/>
+            </p:cNvSpPr>
+            <p:nvPr>
+              <p:extLst>
+                <p:ext uri="{386F3935-93C4-4BCD-93E2-E3B085C9AB24}">
+                  <p16:designElem xmlns:p16="http://schemas.microsoft.com/office/powerpoint/2015/main" val="1"/>
+                </p:ext>
+              </p:extLst>
+            </p:nvPr>
+          </p:nvSpPr>
+          <p:spPr bwMode="auto">
+            <a:xfrm>
+              <a:off x="5885720" y="325570"/>
+              <a:ext cx="550492" cy="485306"/>
+            </a:xfrm>
+            <a:custGeom>
+              <a:avLst/>
+              <a:gdLst>
+                <a:gd name="T0" fmla="*/ 225 w 785"/>
+                <a:gd name="T1" fmla="*/ 692 h 692"/>
+                <a:gd name="T2" fmla="*/ 177 w 785"/>
+                <a:gd name="T3" fmla="*/ 665 h 692"/>
+                <a:gd name="T4" fmla="*/ 9 w 785"/>
+                <a:gd name="T5" fmla="*/ 374 h 692"/>
+                <a:gd name="T6" fmla="*/ 9 w 785"/>
+                <a:gd name="T7" fmla="*/ 318 h 692"/>
+                <a:gd name="T8" fmla="*/ 177 w 785"/>
+                <a:gd name="T9" fmla="*/ 27 h 692"/>
+                <a:gd name="T10" fmla="*/ 225 w 785"/>
+                <a:gd name="T11" fmla="*/ 0 h 692"/>
+                <a:gd name="T12" fmla="*/ 561 w 785"/>
+                <a:gd name="T13" fmla="*/ 0 h 692"/>
+                <a:gd name="T14" fmla="*/ 609 w 785"/>
+                <a:gd name="T15" fmla="*/ 27 h 692"/>
+                <a:gd name="T16" fmla="*/ 777 w 785"/>
+                <a:gd name="T17" fmla="*/ 318 h 692"/>
+                <a:gd name="T18" fmla="*/ 777 w 785"/>
+                <a:gd name="T19" fmla="*/ 374 h 692"/>
+                <a:gd name="T20" fmla="*/ 609 w 785"/>
+                <a:gd name="T21" fmla="*/ 665 h 692"/>
+                <a:gd name="T22" fmla="*/ 561 w 785"/>
+                <a:gd name="T23" fmla="*/ 692 h 692"/>
+                <a:gd name="T24" fmla="*/ 225 w 785"/>
+                <a:gd name="T25" fmla="*/ 692 h 692"/>
+              </a:gdLst>
+              <a:ahLst/>
+              <a:cxnLst>
+                <a:cxn ang="0">
+                  <a:pos x="T0" y="T1"/>
+                </a:cxn>
+                <a:cxn ang="0">
+                  <a:pos x="T2" y="T3"/>
+                </a:cxn>
+                <a:cxn ang="0">
+                  <a:pos x="T4" y="T5"/>
+                </a:cxn>
+                <a:cxn ang="0">
+                  <a:pos x="T6" y="T7"/>
+                </a:cxn>
+                <a:cxn ang="0">
+                  <a:pos x="T8" y="T9"/>
+                </a:cxn>
+                <a:cxn ang="0">
+                  <a:pos x="T10" y="T11"/>
+                </a:cxn>
+                <a:cxn ang="0">
+                  <a:pos x="T12" y="T13"/>
+                </a:cxn>
+                <a:cxn ang="0">
+                  <a:pos x="T14" y="T15"/>
+                </a:cxn>
+                <a:cxn ang="0">
+                  <a:pos x="T16" y="T17"/>
+                </a:cxn>
+                <a:cxn ang="0">
+                  <a:pos x="T18" y="T19"/>
+                </a:cxn>
+                <a:cxn ang="0">
+                  <a:pos x="T20" y="T21"/>
+                </a:cxn>
+                <a:cxn ang="0">
+                  <a:pos x="T22" y="T23"/>
+                </a:cxn>
+                <a:cxn ang="0">
+                  <a:pos x="T24" y="T25"/>
+                </a:cxn>
+              </a:cxnLst>
+              <a:rect l="0" t="0" r="r" b="b"/>
+              <a:pathLst>
+                <a:path w="785" h="692">
+                  <a:moveTo>
+                    <a:pt x="225" y="692"/>
+                  </a:moveTo>
+                  <a:cubicBezTo>
+                    <a:pt x="207" y="692"/>
+                    <a:pt x="185" y="680"/>
+                    <a:pt x="177" y="665"/>
+                  </a:cubicBezTo>
+                  <a:cubicBezTo>
+                    <a:pt x="9" y="374"/>
+                    <a:pt x="9" y="374"/>
+                    <a:pt x="9" y="374"/>
+                  </a:cubicBezTo>
+                  <a:cubicBezTo>
+                    <a:pt x="0" y="358"/>
+                    <a:pt x="0" y="334"/>
+                    <a:pt x="9" y="318"/>
+                  </a:cubicBezTo>
+                  <a:cubicBezTo>
+                    <a:pt x="177" y="27"/>
+                    <a:pt x="177" y="27"/>
+                    <a:pt x="177" y="27"/>
+                  </a:cubicBezTo>
+                  <a:cubicBezTo>
+                    <a:pt x="185" y="12"/>
+                    <a:pt x="207" y="0"/>
+                    <a:pt x="225" y="0"/>
+                  </a:cubicBezTo>
+                  <a:cubicBezTo>
+                    <a:pt x="561" y="0"/>
+                    <a:pt x="561" y="0"/>
+                    <a:pt x="561" y="0"/>
+                  </a:cubicBezTo>
+                  <a:cubicBezTo>
+                    <a:pt x="578" y="0"/>
+                    <a:pt x="600" y="12"/>
+                    <a:pt x="609" y="27"/>
+                  </a:cubicBezTo>
+                  <a:cubicBezTo>
+                    <a:pt x="777" y="318"/>
+                    <a:pt x="777" y="318"/>
+                    <a:pt x="777" y="318"/>
+                  </a:cubicBezTo>
+                  <a:cubicBezTo>
+                    <a:pt x="785" y="334"/>
+                    <a:pt x="785" y="358"/>
+                    <a:pt x="777" y="374"/>
+                  </a:cubicBezTo>
+                  <a:cubicBezTo>
+                    <a:pt x="609" y="665"/>
+                    <a:pt x="609" y="665"/>
+                    <a:pt x="609" y="665"/>
+                  </a:cubicBezTo>
+                  <a:cubicBezTo>
+                    <a:pt x="600" y="680"/>
+                    <a:pt x="578" y="692"/>
+                    <a:pt x="561" y="692"/>
+                  </a:cubicBezTo>
+                  <a:lnTo>
+                    <a:pt x="225" y="692"/>
+                  </a:lnTo>
+                  <a:close/>
+                </a:path>
+              </a:pathLst>
+            </a:custGeom>
+            <a:noFill/>
+            <a:ln w="28575" cmpd="sng">
+              <a:solidFill>
+                <a:schemeClr val="tx1"/>
+              </a:solidFill>
+            </a:ln>
+          </p:spPr>
+          <p:txBody>
+            <a:bodyPr vert="horz" wrap="square" lIns="91440" tIns="45720" rIns="91440" bIns="45720" numCol="1" anchor="t" anchorCtr="0" compatLnSpc="1">
+              <a:prstTxWarp prst="textNoShape">
+                <a:avLst/>
+              </a:prstTxWarp>
+            </a:bodyPr>
+            <a:lstStyle/>
+            <a:p>
+              <a:endParaRPr lang="en-US"/>
+            </a:p>
+          </p:txBody>
+        </p:sp>
+      </p:grpSp>
+      <p:sp>
+        <p:nvSpPr>
+          <p:cNvPr id="22" name="Freeform 5">
+            <a:extLst>
+              <a:ext uri="{FF2B5EF4-FFF2-40B4-BE49-F238E27FC236}">
+                <a16:creationId xmlns:a16="http://schemas.microsoft.com/office/drawing/2014/main" id="{01F1CEA4-5DA0-41E1-A743-4F227AE62B67}"/>
+              </a:ext>
+              <a:ext uri="{C183D7F6-B498-43B3-948B-1728B52AA6E4}">
+                <adec:decorative xmlns:adec="http://schemas.microsoft.com/office/drawing/2017/decorative" val="1"/>
+              </a:ext>
+            </a:extLst>
+          </p:cNvPr>
+          <p:cNvSpPr>
+            <a:spLocks noGrp="1" noRot="1" noChangeAspect="1" noMove="1" noResize="1" noEditPoints="1" noAdjustHandles="1" noChangeArrowheads="1" noChangeShapeType="1" noTextEdit="1"/>
+          </p:cNvSpPr>
+          <p:nvPr>
+            <p:extLst>
+              <p:ext uri="{386F3935-93C4-4BCD-93E2-E3B085C9AB24}">
+                <p16:designElem xmlns:p16="http://schemas.microsoft.com/office/powerpoint/2015/main" val="1"/>
+              </p:ext>
+            </p:extLst>
+          </p:nvPr>
+        </p:nvSpPr>
+        <p:spPr bwMode="auto">
+          <a:xfrm>
+            <a:off x="6958811" y="1645694"/>
+            <a:ext cx="4689240" cy="4115025"/>
+          </a:xfrm>
+          <a:custGeom>
+            <a:avLst/>
+            <a:gdLst>
+              <a:gd name="T0" fmla="*/ 781 w 1099"/>
+              <a:gd name="T1" fmla="*/ 0 h 968"/>
+              <a:gd name="T2" fmla="*/ 318 w 1099"/>
+              <a:gd name="T3" fmla="*/ 0 h 968"/>
+              <a:gd name="T4" fmla="*/ 246 w 1099"/>
+              <a:gd name="T5" fmla="*/ 42 h 968"/>
+              <a:gd name="T6" fmla="*/ 15 w 1099"/>
+              <a:gd name="T7" fmla="*/ 443 h 968"/>
+              <a:gd name="T8" fmla="*/ 15 w 1099"/>
+              <a:gd name="T9" fmla="*/ 525 h 968"/>
+              <a:gd name="T10" fmla="*/ 246 w 1099"/>
+              <a:gd name="T11" fmla="*/ 926 h 968"/>
+              <a:gd name="T12" fmla="*/ 318 w 1099"/>
+              <a:gd name="T13" fmla="*/ 968 h 968"/>
+              <a:gd name="T14" fmla="*/ 781 w 1099"/>
+              <a:gd name="T15" fmla="*/ 968 h 968"/>
+              <a:gd name="T16" fmla="*/ 852 w 1099"/>
+              <a:gd name="T17" fmla="*/ 926 h 968"/>
+              <a:gd name="T18" fmla="*/ 1084 w 1099"/>
+              <a:gd name="T19" fmla="*/ 525 h 968"/>
+              <a:gd name="T20" fmla="*/ 1084 w 1099"/>
+              <a:gd name="T21" fmla="*/ 443 h 968"/>
+              <a:gd name="T22" fmla="*/ 852 w 1099"/>
+              <a:gd name="T23" fmla="*/ 42 h 968"/>
+              <a:gd name="T24" fmla="*/ 781 w 1099"/>
+              <a:gd name="T25" fmla="*/ 0 h 968"/>
+            </a:gdLst>
+            <a:ahLst/>
+            <a:cxnLst>
+              <a:cxn ang="0">
+                <a:pos x="T0" y="T1"/>
+              </a:cxn>
+              <a:cxn ang="0">
+                <a:pos x="T2" y="T3"/>
+              </a:cxn>
+              <a:cxn ang="0">
+                <a:pos x="T4" y="T5"/>
+              </a:cxn>
+              <a:cxn ang="0">
+                <a:pos x="T6" y="T7"/>
+              </a:cxn>
+              <a:cxn ang="0">
+                <a:pos x="T8" y="T9"/>
+              </a:cxn>
+              <a:cxn ang="0">
+                <a:pos x="T10" y="T11"/>
+              </a:cxn>
+              <a:cxn ang="0">
+                <a:pos x="T12" y="T13"/>
+              </a:cxn>
+              <a:cxn ang="0">
+                <a:pos x="T14" y="T15"/>
+              </a:cxn>
+              <a:cxn ang="0">
+                <a:pos x="T16" y="T17"/>
+              </a:cxn>
+              <a:cxn ang="0">
+                <a:pos x="T18" y="T19"/>
+              </a:cxn>
+              <a:cxn ang="0">
+                <a:pos x="T20" y="T21"/>
+              </a:cxn>
+              <a:cxn ang="0">
+                <a:pos x="T22" y="T23"/>
+              </a:cxn>
+              <a:cxn ang="0">
+                <a:pos x="T24" y="T25"/>
+              </a:cxn>
+            </a:cxnLst>
+            <a:rect l="0" t="0" r="r" b="b"/>
+            <a:pathLst>
+              <a:path w="1099" h="968">
+                <a:moveTo>
+                  <a:pt x="781" y="0"/>
+                </a:moveTo>
+                <a:cubicBezTo>
+                  <a:pt x="318" y="0"/>
+                  <a:pt x="318" y="0"/>
+                  <a:pt x="318" y="0"/>
+                </a:cubicBezTo>
+                <a:cubicBezTo>
+                  <a:pt x="288" y="0"/>
+                  <a:pt x="261" y="16"/>
+                  <a:pt x="246" y="42"/>
+                </a:cubicBezTo>
+                <a:cubicBezTo>
+                  <a:pt x="15" y="443"/>
+                  <a:pt x="15" y="443"/>
+                  <a:pt x="15" y="443"/>
+                </a:cubicBezTo>
+                <a:cubicBezTo>
+                  <a:pt x="0" y="468"/>
+                  <a:pt x="0" y="500"/>
+                  <a:pt x="15" y="525"/>
+                </a:cubicBezTo>
+                <a:cubicBezTo>
+                  <a:pt x="246" y="926"/>
+                  <a:pt x="246" y="926"/>
+                  <a:pt x="246" y="926"/>
+                </a:cubicBezTo>
+                <a:cubicBezTo>
+                  <a:pt x="261" y="952"/>
+                  <a:pt x="288" y="968"/>
+                  <a:pt x="318" y="968"/>
+                </a:cubicBezTo>
+                <a:cubicBezTo>
+                  <a:pt x="781" y="968"/>
+                  <a:pt x="781" y="968"/>
+                  <a:pt x="781" y="968"/>
+                </a:cubicBezTo>
+                <a:cubicBezTo>
+                  <a:pt x="810" y="968"/>
+                  <a:pt x="838" y="952"/>
+                  <a:pt x="852" y="926"/>
+                </a:cubicBezTo>
+                <a:cubicBezTo>
+                  <a:pt x="1084" y="525"/>
+                  <a:pt x="1084" y="525"/>
+                  <a:pt x="1084" y="525"/>
+                </a:cubicBezTo>
+                <a:cubicBezTo>
+                  <a:pt x="1099" y="500"/>
+                  <a:pt x="1099" y="468"/>
+                  <a:pt x="1084" y="443"/>
+                </a:cubicBezTo>
+                <a:cubicBezTo>
+                  <a:pt x="852" y="42"/>
+                  <a:pt x="852" y="42"/>
+                  <a:pt x="852" y="42"/>
+                </a:cubicBezTo>
+                <a:cubicBezTo>
+                  <a:pt x="838" y="16"/>
+                  <a:pt x="810" y="0"/>
+                  <a:pt x="781" y="0"/>
+                </a:cubicBezTo>
+                <a:close/>
+              </a:path>
+            </a:pathLst>
+          </a:custGeom>
+          <a:noFill/>
+          <a:ln w="50800" cap="flat">
+            <a:solidFill>
+              <a:schemeClr val="tx1"/>
+            </a:solidFill>
+            <a:prstDash val="solid"/>
+            <a:miter lim="800000"/>
+            <a:headEnd/>
+            <a:tailEnd/>
+          </a:ln>
+        </p:spPr>
+        <p:txBody>
+          <a:bodyPr vert="horz" wrap="square" lIns="91440" tIns="45720" rIns="91440" bIns="45720" numCol="1" anchor="t" anchorCtr="0" compatLnSpc="1">
+            <a:prstTxWarp prst="textNoShape">
+              <a:avLst/>
+            </a:prstTxWarp>
+          </a:bodyPr>
+          <a:lstStyle/>
+          <a:p>
+            <a:endParaRPr lang="en-US" dirty="0"/>
+          </a:p>
+        </p:txBody>
+      </p:sp>
+      <p:sp>
+        <p:nvSpPr>
+          <p:cNvPr id="24" name="Freeform: Shape 23">
+            <a:extLst>
+              <a:ext uri="{FF2B5EF4-FFF2-40B4-BE49-F238E27FC236}">
+                <a16:creationId xmlns:a16="http://schemas.microsoft.com/office/drawing/2014/main" id="{07D1A722-B699-4DA0-B7AC-F06CC81AD5F2}"/>
+              </a:ext>
+              <a:ext uri="{C183D7F6-B498-43B3-948B-1728B52AA6E4}">
+                <adec:decorative xmlns:adec="http://schemas.microsoft.com/office/drawing/2017/decorative" val="1"/>
+              </a:ext>
+            </a:extLst>
+          </p:cNvPr>
+          <p:cNvSpPr>
+            <a:spLocks noGrp="1" noRot="1" noChangeAspect="1" noMove="1" noResize="1" noEditPoints="1" noAdjustHandles="1" noChangeArrowheads="1" noChangeShapeType="1" noTextEdit="1"/>
+          </p:cNvSpPr>
+          <p:nvPr>
+            <p:extLst>
+              <p:ext uri="{386F3935-93C4-4BCD-93E2-E3B085C9AB24}">
+                <p16:designElem xmlns:p16="http://schemas.microsoft.com/office/powerpoint/2015/main" val="1"/>
+              </p:ext>
+            </p:extLst>
+          </p:nvPr>
+        </p:nvSpPr>
+        <p:spPr>
+          <a:xfrm>
+            <a:off x="4439502" y="626107"/>
+            <a:ext cx="3154669" cy="2796247"/>
+          </a:xfrm>
+          <a:custGeom>
+            <a:avLst/>
+            <a:gdLst>
+              <a:gd name="connsiteX0" fmla="*/ 853538 w 2991693"/>
+              <a:gd name="connsiteY0" fmla="*/ 0 h 2651787"/>
+              <a:gd name="connsiteX1" fmla="*/ 2141030 w 2991693"/>
+              <a:gd name="connsiteY1" fmla="*/ 0 h 2651787"/>
+              <a:gd name="connsiteX2" fmla="*/ 2324957 w 2991693"/>
+              <a:gd name="connsiteY2" fmla="*/ 103466 h 2651787"/>
+              <a:gd name="connsiteX3" fmla="*/ 2968702 w 2991693"/>
+              <a:gd name="connsiteY3" fmla="*/ 1218596 h 2651787"/>
+              <a:gd name="connsiteX4" fmla="*/ 2968702 w 2991693"/>
+              <a:gd name="connsiteY4" fmla="*/ 1433192 h 2651787"/>
+              <a:gd name="connsiteX5" fmla="*/ 2324957 w 2991693"/>
+              <a:gd name="connsiteY5" fmla="*/ 2548321 h 2651787"/>
+              <a:gd name="connsiteX6" fmla="*/ 2141030 w 2991693"/>
+              <a:gd name="connsiteY6" fmla="*/ 2651787 h 2651787"/>
+              <a:gd name="connsiteX7" fmla="*/ 853538 w 2991693"/>
+              <a:gd name="connsiteY7" fmla="*/ 2651787 h 2651787"/>
+              <a:gd name="connsiteX8" fmla="*/ 669612 w 2991693"/>
+              <a:gd name="connsiteY8" fmla="*/ 2548321 h 2651787"/>
+              <a:gd name="connsiteX9" fmla="*/ 25866 w 2991693"/>
+              <a:gd name="connsiteY9" fmla="*/ 1433192 h 2651787"/>
+              <a:gd name="connsiteX10" fmla="*/ 25866 w 2991693"/>
+              <a:gd name="connsiteY10" fmla="*/ 1218596 h 2651787"/>
+              <a:gd name="connsiteX11" fmla="*/ 669612 w 2991693"/>
+              <a:gd name="connsiteY11" fmla="*/ 103466 h 2651787"/>
+              <a:gd name="connsiteX12" fmla="*/ 853538 w 2991693"/>
+              <a:gd name="connsiteY12" fmla="*/ 0 h 2651787"/>
+            </a:gdLst>
+            <a:ahLst/>
+            <a:cxnLst>
+              <a:cxn ang="0">
+                <a:pos x="connsiteX0" y="connsiteY0"/>
+              </a:cxn>
+              <a:cxn ang="0">
+                <a:pos x="connsiteX1" y="connsiteY1"/>
+              </a:cxn>
+              <a:cxn ang="0">
+                <a:pos x="connsiteX2" y="connsiteY2"/>
+              </a:cxn>
+              <a:cxn ang="0">
+                <a:pos x="connsiteX3" y="connsiteY3"/>
+              </a:cxn>
+              <a:cxn ang="0">
+                <a:pos x="connsiteX4" y="connsiteY4"/>
+              </a:cxn>
+              <a:cxn ang="0">
+                <a:pos x="connsiteX5" y="connsiteY5"/>
+              </a:cxn>
+              <a:cxn ang="0">
+                <a:pos x="connsiteX6" y="connsiteY6"/>
+              </a:cxn>
+              <a:cxn ang="0">
+                <a:pos x="connsiteX7" y="connsiteY7"/>
+              </a:cxn>
+              <a:cxn ang="0">
+                <a:pos x="connsiteX8" y="connsiteY8"/>
+              </a:cxn>
+              <a:cxn ang="0">
+                <a:pos x="connsiteX9" y="connsiteY9"/>
+              </a:cxn>
+              <a:cxn ang="0">
+                <a:pos x="connsiteX10" y="connsiteY10"/>
+              </a:cxn>
+              <a:cxn ang="0">
+                <a:pos x="connsiteX11" y="connsiteY11"/>
+              </a:cxn>
+              <a:cxn ang="0">
+                <a:pos x="connsiteX12" y="connsiteY12"/>
+              </a:cxn>
+            </a:cxnLst>
+            <a:rect l="l" t="t" r="r" b="b"/>
+            <a:pathLst>
+              <a:path w="2991693" h="2651787">
+                <a:moveTo>
+                  <a:pt x="853538" y="0"/>
+                </a:moveTo>
+                <a:cubicBezTo>
+                  <a:pt x="2141030" y="0"/>
+                  <a:pt x="2141030" y="0"/>
+                  <a:pt x="2141030" y="0"/>
+                </a:cubicBezTo>
+                <a:cubicBezTo>
+                  <a:pt x="2206170" y="0"/>
+                  <a:pt x="2290471" y="45985"/>
+                  <a:pt x="2324957" y="103466"/>
+                </a:cubicBezTo>
+                <a:cubicBezTo>
+                  <a:pt x="2968702" y="1218596"/>
+                  <a:pt x="2968702" y="1218596"/>
+                  <a:pt x="2968702" y="1218596"/>
+                </a:cubicBezTo>
+                <a:cubicBezTo>
+                  <a:pt x="2999357" y="1279909"/>
+                  <a:pt x="2999357" y="1371878"/>
+                  <a:pt x="2968702" y="1433192"/>
+                </a:cubicBezTo>
+                <a:cubicBezTo>
+                  <a:pt x="2324957" y="2548321"/>
+                  <a:pt x="2324957" y="2548321"/>
+                  <a:pt x="2324957" y="2548321"/>
+                </a:cubicBezTo>
+                <a:cubicBezTo>
+                  <a:pt x="2290471" y="2605803"/>
+                  <a:pt x="2206170" y="2651787"/>
+                  <a:pt x="2141030" y="2651787"/>
+                </a:cubicBezTo>
+                <a:lnTo>
+                  <a:pt x="853538" y="2651787"/>
+                </a:lnTo>
+                <a:cubicBezTo>
+                  <a:pt x="784566" y="2651787"/>
+                  <a:pt x="700266" y="2605803"/>
+                  <a:pt x="669612" y="2548321"/>
+                </a:cubicBezTo>
+                <a:cubicBezTo>
+                  <a:pt x="25866" y="1433192"/>
+                  <a:pt x="25866" y="1433192"/>
+                  <a:pt x="25866" y="1433192"/>
+                </a:cubicBezTo>
+                <a:cubicBezTo>
+                  <a:pt x="-8621" y="1371878"/>
+                  <a:pt x="-8621" y="1279909"/>
+                  <a:pt x="25866" y="1218596"/>
+                </a:cubicBezTo>
+                <a:cubicBezTo>
+                  <a:pt x="669612" y="103466"/>
+                  <a:pt x="669612" y="103466"/>
+                  <a:pt x="669612" y="103466"/>
+                </a:cubicBezTo>
+                <a:cubicBezTo>
+                  <a:pt x="700266" y="45985"/>
+                  <a:pt x="784566" y="0"/>
+                  <a:pt x="853538" y="0"/>
+                </a:cubicBezTo>
+                <a:close/>
+              </a:path>
+            </a:pathLst>
+          </a:custGeom>
+          <a:noFill/>
+          <a:ln w="50800" cap="flat">
+            <a:solidFill>
+              <a:schemeClr val="tx1"/>
+            </a:solidFill>
+            <a:prstDash val="solid"/>
+            <a:miter lim="800000"/>
+            <a:headEnd/>
+            <a:tailEnd/>
+          </a:ln>
+        </p:spPr>
+        <p:txBody>
+          <a:bodyPr vert="horz" wrap="square" lIns="91440" tIns="45720" rIns="91440" bIns="45720" numCol="1" anchor="t" anchorCtr="0" compatLnSpc="1">
+            <a:prstTxWarp prst="textNoShape">
+              <a:avLst/>
+            </a:prstTxWarp>
+          </a:bodyPr>
+          <a:lstStyle/>
+          <a:p>
+            <a:endParaRPr lang="en-US" dirty="0">
+              <a:solidFill>
+                <a:schemeClr val="tx1"/>
+              </a:solidFill>
+            </a:endParaRPr>
+          </a:p>
+        </p:txBody>
+      </p:sp>
+      <p:sp>
+        <p:nvSpPr>
+          <p:cNvPr id="8" name="TextBox 7">
+            <a:extLst>
+              <a:ext uri="{FF2B5EF4-FFF2-40B4-BE49-F238E27FC236}">
+                <a16:creationId xmlns:a16="http://schemas.microsoft.com/office/drawing/2014/main" id="{04CA4DF5-C512-4233-8F08-3FDA86F8239A}"/>
+              </a:ext>
+            </a:extLst>
+          </p:cNvPr>
+          <p:cNvSpPr txBox="1"/>
+          <p:nvPr/>
+        </p:nvSpPr>
+        <p:spPr>
+          <a:xfrm>
+            <a:off x="475974" y="3968793"/>
+            <a:ext cx="6006864" cy="703152"/>
+          </a:xfrm>
+          <a:prstGeom prst="rect">
+            <a:avLst/>
+          </a:prstGeom>
+        </p:spPr>
+        <p:txBody>
+          <a:bodyPr vert="horz" lIns="91440" tIns="45720" rIns="91440" bIns="45720" rtlCol="0" anchor="b">
+            <a:normAutofit fontScale="92500" lnSpcReduction="10000"/>
+          </a:bodyPr>
+          <a:lstStyle/>
+          <a:p>
+            <a:pPr>
+              <a:lnSpc>
+                <a:spcPct val="90000"/>
+              </a:lnSpc>
+              <a:spcBef>
+                <a:spcPct val="0"/>
+              </a:spcBef>
+              <a:spcAft>
+                <a:spcPts val="600"/>
+              </a:spcAft>
+            </a:pPr>
+            <a:r>
+              <a:rPr lang="en-US" sz="5000" dirty="0">
+                <a:latin typeface="+mj-lt"/>
+                <a:ea typeface="+mj-ea"/>
+                <a:cs typeface="+mj-cs"/>
+              </a:rPr>
+              <a:t>Pod managed identities</a:t>
+            </a:r>
+          </a:p>
+        </p:txBody>
+      </p:sp>
+      <p:pic>
+        <p:nvPicPr>
+          <p:cNvPr id="5" name="Picture 4">
+            <a:extLst>
+              <a:ext uri="{FF2B5EF4-FFF2-40B4-BE49-F238E27FC236}">
+                <a16:creationId xmlns:a16="http://schemas.microsoft.com/office/drawing/2014/main" id="{93AEC2F9-08DB-41B5-823D-537809F93BF8}"/>
+              </a:ext>
+            </a:extLst>
+          </p:cNvPr>
+          <p:cNvPicPr>
+            <a:picLocks noChangeAspect="1"/>
+          </p:cNvPicPr>
+          <p:nvPr/>
+        </p:nvPicPr>
+        <p:blipFill>
+          <a:blip r:embed="rId3"/>
+          <a:stretch>
+            <a:fillRect/>
+          </a:stretch>
+        </p:blipFill>
+        <p:spPr>
+          <a:xfrm>
+            <a:off x="5093601" y="1172546"/>
+            <a:ext cx="1846470" cy="1703368"/>
+          </a:xfrm>
+          <a:prstGeom prst="rect">
+            <a:avLst/>
+          </a:prstGeom>
+        </p:spPr>
+      </p:pic>
+      <p:pic>
+        <p:nvPicPr>
+          <p:cNvPr id="7" name="Picture 6">
+            <a:extLst>
+              <a:ext uri="{FF2B5EF4-FFF2-40B4-BE49-F238E27FC236}">
+                <a16:creationId xmlns:a16="http://schemas.microsoft.com/office/drawing/2014/main" id="{44155673-E4BF-4691-91EF-AF8288758CA5}"/>
+              </a:ext>
+            </a:extLst>
+          </p:cNvPr>
+          <p:cNvPicPr>
+            <a:picLocks noChangeAspect="1"/>
+          </p:cNvPicPr>
+          <p:nvPr/>
+        </p:nvPicPr>
+        <p:blipFill>
+          <a:blip r:embed="rId4"/>
+          <a:stretch>
+            <a:fillRect/>
+          </a:stretch>
+        </p:blipFill>
+        <p:spPr>
+          <a:xfrm>
+            <a:off x="7946675" y="2346450"/>
+            <a:ext cx="2713512" cy="2713512"/>
+          </a:xfrm>
+          <a:prstGeom prst="rect">
+            <a:avLst/>
+          </a:prstGeom>
+        </p:spPr>
+      </p:pic>
+      <p:pic>
+        <p:nvPicPr>
+          <p:cNvPr id="9" name="Google Shape;56;p13">
+            <a:extLst>
+              <a:ext uri="{FF2B5EF4-FFF2-40B4-BE49-F238E27FC236}">
+                <a16:creationId xmlns:a16="http://schemas.microsoft.com/office/drawing/2014/main" id="{8B86C196-2125-4822-ACAC-63C2EC26B20A}"/>
+              </a:ext>
+            </a:extLst>
+          </p:cNvPr>
+          <p:cNvPicPr preferRelativeResize="0"/>
+          <p:nvPr/>
+        </p:nvPicPr>
+        <p:blipFill>
+          <a:blip r:embed="rId5">
+            <a:alphaModFix/>
+          </a:blip>
+          <a:stretch>
+            <a:fillRect/>
+          </a:stretch>
+        </p:blipFill>
+        <p:spPr>
+          <a:xfrm>
+            <a:off x="10989179" y="5736492"/>
+            <a:ext cx="1202821" cy="1121508"/>
+          </a:xfrm>
+          <a:prstGeom prst="rect">
+            <a:avLst/>
+          </a:prstGeom>
+          <a:noFill/>
+          <a:ln>
+            <a:noFill/>
+          </a:ln>
+        </p:spPr>
+      </p:pic>
+      <p:pic>
+        <p:nvPicPr>
+          <p:cNvPr id="11" name="Graphic 4">
+            <a:extLst>
+              <a:ext uri="{FF2B5EF4-FFF2-40B4-BE49-F238E27FC236}">
+                <a16:creationId xmlns:a16="http://schemas.microsoft.com/office/drawing/2014/main" id="{A39FC542-752A-4C84-B068-FE266CF5CEEA}"/>
+              </a:ext>
+            </a:extLst>
+          </p:cNvPr>
+          <p:cNvPicPr>
+            <a:picLocks noChangeAspect="1"/>
+          </p:cNvPicPr>
+          <p:nvPr/>
+        </p:nvPicPr>
+        <p:blipFill>
+          <a:blip r:embed="rId6">
+            <a:extLst>
+              <a:ext uri="{28A0092B-C50C-407E-A947-70E740481C1C}">
+                <a14:useLocalDpi xmlns:a14="http://schemas.microsoft.com/office/drawing/2010/main" val="0"/>
+              </a:ext>
+              <a:ext uri="{96DAC541-7B7A-43D3-8B79-37D633B846F1}">
+                <asvg:svgBlip xmlns:asvg="http://schemas.microsoft.com/office/drawing/2016/SVG/main" r:embed="rId7"/>
+              </a:ext>
+            </a:extLst>
+          </a:blip>
+          <a:stretch>
+            <a:fillRect/>
+          </a:stretch>
+        </p:blipFill>
+        <p:spPr>
+          <a:xfrm>
+            <a:off x="343599" y="6114702"/>
+            <a:ext cx="1718444" cy="574556"/>
+          </a:xfrm>
+          <a:prstGeom prst="rect">
+            <a:avLst/>
+          </a:prstGeom>
+        </p:spPr>
+      </p:pic>
+    </p:spTree>
+    <p:extLst>
+      <p:ext uri="{BB962C8B-B14F-4D97-AF65-F5344CB8AC3E}">
+        <p14:creationId xmlns:p14="http://schemas.microsoft.com/office/powerpoint/2010/main" val="1279980811"/>
+      </p:ext>
+    </p:extLst>
+  </p:cSld>
+  <p:clrMapOvr>
+    <a:masterClrMapping/>
+  </p:clrMapOvr>
+</p:sld>
+</file>
+
+<file path=ppt/slides/slide19.xml><?xml version="1.0" encoding="utf-8"?>
+<p:sld xmlns:a="http://schemas.openxmlformats.org/drawingml/2006/main" xmlns:r="http://schemas.openxmlformats.org/officeDocument/2006/relationships" xmlns:p="http://schemas.openxmlformats.org/presentationml/2006/main">
+  <p:cSld>
+    <p:spTree>
+      <p:nvGrpSpPr>
+        <p:cNvPr id="1" name=""/>
+        <p:cNvGrpSpPr/>
+        <p:nvPr/>
+      </p:nvGrpSpPr>
+      <p:grpSpPr>
+        <a:xfrm>
+          <a:off x="0" y="0"/>
+          <a:ext cx="0" cy="0"/>
+          <a:chOff x="0" y="0"/>
+          <a:chExt cx="0" cy="0"/>
+        </a:xfrm>
+      </p:grpSpPr>
+      <p:sp>
+        <p:nvSpPr>
+          <p:cNvPr id="2" name="Title 1">
+            <a:extLst>
+              <a:ext uri="{FF2B5EF4-FFF2-40B4-BE49-F238E27FC236}">
+                <a16:creationId xmlns:a16="http://schemas.microsoft.com/office/drawing/2014/main" id="{AF708F16-5DBC-4B6A-8DFC-6213EECAA9C2}"/>
+              </a:ext>
+            </a:extLst>
+          </p:cNvPr>
+          <p:cNvSpPr>
+            <a:spLocks noGrp="1"/>
+          </p:cNvSpPr>
+          <p:nvPr>
+            <p:ph type="title"/>
+          </p:nvPr>
+        </p:nvSpPr>
+        <p:spPr/>
+        <p:txBody>
+          <a:bodyPr/>
+          <a:lstStyle/>
+          <a:p>
+            <a:r>
+              <a:rPr lang="en-US" sz="4400" dirty="0">
+                <a:latin typeface="+mj-lt"/>
+                <a:ea typeface="+mj-ea"/>
+                <a:cs typeface="+mj-cs"/>
+              </a:rPr>
+              <a:t>Pod managed identities</a:t>
+            </a:r>
+            <a:endParaRPr lang="en-US" dirty="0"/>
+          </a:p>
+        </p:txBody>
+      </p:sp>
+      <p:sp>
+        <p:nvSpPr>
+          <p:cNvPr id="3" name="Text Placeholder 2">
+            <a:extLst>
+              <a:ext uri="{FF2B5EF4-FFF2-40B4-BE49-F238E27FC236}">
+                <a16:creationId xmlns:a16="http://schemas.microsoft.com/office/drawing/2014/main" id="{EC7572EA-1EAB-40E7-BB72-53988D9C2321}"/>
+              </a:ext>
+            </a:extLst>
+          </p:cNvPr>
+          <p:cNvSpPr>
+            <a:spLocks noGrp="1"/>
+          </p:cNvSpPr>
+          <p:nvPr>
+            <p:ph type="body" idx="1"/>
+          </p:nvPr>
+        </p:nvSpPr>
+        <p:spPr>
+          <a:xfrm>
+            <a:off x="415599" y="1536633"/>
+            <a:ext cx="11125611" cy="3651003"/>
+          </a:xfrm>
+        </p:spPr>
+        <p:txBody>
+          <a:bodyPr/>
+          <a:lstStyle/>
+          <a:p>
+            <a:r>
+              <a:rPr lang="en-US" dirty="0"/>
+              <a:t>System vs User node pools</a:t>
+            </a:r>
+          </a:p>
+          <a:p>
+            <a:r>
+              <a:rPr lang="en-US" dirty="0"/>
+              <a:t>Node pools use-cases</a:t>
+            </a:r>
+          </a:p>
+          <a:p>
+            <a:r>
+              <a:rPr lang="en-US" dirty="0"/>
+              <a:t>spot node pool</a:t>
+            </a:r>
+          </a:p>
+          <a:p>
+            <a:r>
+              <a:rPr lang="en-US" dirty="0"/>
+              <a:t>Assigning Pods to Nodes</a:t>
+            </a:r>
+          </a:p>
+          <a:p>
+            <a:r>
+              <a:rPr lang="en-US" dirty="0"/>
+              <a:t>Taints and Tolerations</a:t>
+            </a:r>
+          </a:p>
+          <a:p>
+            <a:endParaRPr lang="en-US" dirty="0"/>
+          </a:p>
+          <a:p>
+            <a:endParaRPr lang="en-US" dirty="0"/>
+          </a:p>
+        </p:txBody>
+      </p:sp>
+      <p:pic>
+        <p:nvPicPr>
+          <p:cNvPr id="4" name="Google Shape;56;p13">
+            <a:extLst>
+              <a:ext uri="{FF2B5EF4-FFF2-40B4-BE49-F238E27FC236}">
+                <a16:creationId xmlns:a16="http://schemas.microsoft.com/office/drawing/2014/main" id="{5DC2FED0-7C5F-460C-998D-2520FD324176}"/>
+              </a:ext>
+            </a:extLst>
+          </p:cNvPr>
+          <p:cNvPicPr preferRelativeResize="0"/>
+          <p:nvPr/>
+        </p:nvPicPr>
+        <p:blipFill>
+          <a:blip r:embed="rId3">
+            <a:alphaModFix/>
+          </a:blip>
+          <a:stretch>
+            <a:fillRect/>
+          </a:stretch>
+        </p:blipFill>
+        <p:spPr>
+          <a:xfrm>
+            <a:off x="10989179" y="5736492"/>
+            <a:ext cx="1202821" cy="1121508"/>
+          </a:xfrm>
+          <a:prstGeom prst="rect">
+            <a:avLst/>
+          </a:prstGeom>
+          <a:noFill/>
+          <a:ln>
+            <a:noFill/>
+          </a:ln>
+        </p:spPr>
+      </p:pic>
+      <p:pic>
+        <p:nvPicPr>
+          <p:cNvPr id="5" name="Picture 4">
+            <a:extLst>
+              <a:ext uri="{FF2B5EF4-FFF2-40B4-BE49-F238E27FC236}">
+                <a16:creationId xmlns:a16="http://schemas.microsoft.com/office/drawing/2014/main" id="{86A17813-B73F-471E-ABB2-08A18EC70133}"/>
+              </a:ext>
+            </a:extLst>
+          </p:cNvPr>
+          <p:cNvPicPr>
+            <a:picLocks noChangeAspect="1"/>
+          </p:cNvPicPr>
+          <p:nvPr/>
+        </p:nvPicPr>
+        <p:blipFill>
+          <a:blip r:embed="rId4"/>
+          <a:stretch>
+            <a:fillRect/>
+          </a:stretch>
+        </p:blipFill>
+        <p:spPr>
+          <a:xfrm>
+            <a:off x="10935891" y="593367"/>
+            <a:ext cx="840509" cy="775369"/>
+          </a:xfrm>
+          <a:prstGeom prst="rect">
+            <a:avLst/>
+          </a:prstGeom>
+        </p:spPr>
+      </p:pic>
+      <p:pic>
+        <p:nvPicPr>
+          <p:cNvPr id="14" name="Graphic 4">
+            <a:extLst>
+              <a:ext uri="{FF2B5EF4-FFF2-40B4-BE49-F238E27FC236}">
+                <a16:creationId xmlns:a16="http://schemas.microsoft.com/office/drawing/2014/main" id="{6AB13A8A-95A1-436F-A858-2CAE645C2D0D}"/>
+              </a:ext>
+            </a:extLst>
+          </p:cNvPr>
+          <p:cNvPicPr>
+            <a:picLocks noChangeAspect="1"/>
+          </p:cNvPicPr>
+          <p:nvPr/>
+        </p:nvPicPr>
+        <p:blipFill>
+          <a:blip r:embed="rId5">
+            <a:extLst>
+              <a:ext uri="{28A0092B-C50C-407E-A947-70E740481C1C}">
+                <a14:useLocalDpi xmlns:a14="http://schemas.microsoft.com/office/drawing/2010/main" val="0"/>
+              </a:ext>
+              <a:ext uri="{96DAC541-7B7A-43D3-8B79-37D633B846F1}">
+                <asvg:svgBlip xmlns:asvg="http://schemas.microsoft.com/office/drawing/2016/SVG/main" r:embed="rId6"/>
+              </a:ext>
+            </a:extLst>
+          </a:blip>
+          <a:stretch>
+            <a:fillRect/>
+          </a:stretch>
+        </p:blipFill>
+        <p:spPr>
+          <a:xfrm>
+            <a:off x="343599" y="6114702"/>
+            <a:ext cx="1718444" cy="574556"/>
+          </a:xfrm>
+          <a:prstGeom prst="rect">
+            <a:avLst/>
+          </a:prstGeom>
+        </p:spPr>
+      </p:pic>
+    </p:spTree>
+    <p:extLst>
+      <p:ext uri="{BB962C8B-B14F-4D97-AF65-F5344CB8AC3E}">
+        <p14:creationId xmlns:p14="http://schemas.microsoft.com/office/powerpoint/2010/main" val="2337549905"/>
       </p:ext>
     </p:extLst>
   </p:cSld>
@@ -14530,6 +16184,1276 @@
       <p:bldP spid="2" grpId="0"/>
     </p:bldLst>
   </p:timing>
+</p:sld>
+</file>
+
+<file path=ppt/slides/slide20.xml><?xml version="1.0" encoding="utf-8"?>
+<p:sld xmlns:a="http://schemas.openxmlformats.org/drawingml/2006/main" xmlns:r="http://schemas.openxmlformats.org/officeDocument/2006/relationships" xmlns:p="http://schemas.openxmlformats.org/presentationml/2006/main">
+  <p:cSld>
+    <p:spTree>
+      <p:nvGrpSpPr>
+        <p:cNvPr id="1" name=""/>
+        <p:cNvGrpSpPr/>
+        <p:nvPr/>
+      </p:nvGrpSpPr>
+      <p:grpSpPr>
+        <a:xfrm>
+          <a:off x="0" y="0"/>
+          <a:ext cx="0" cy="0"/>
+          <a:chOff x="0" y="0"/>
+          <a:chExt cx="0" cy="0"/>
+        </a:xfrm>
+      </p:grpSpPr>
+      <p:sp>
+        <p:nvSpPr>
+          <p:cNvPr id="2" name="Title 1">
+            <a:extLst>
+              <a:ext uri="{FF2B5EF4-FFF2-40B4-BE49-F238E27FC236}">
+                <a16:creationId xmlns:a16="http://schemas.microsoft.com/office/drawing/2014/main" id="{AF708F16-5DBC-4B6A-8DFC-6213EECAA9C2}"/>
+              </a:ext>
+            </a:extLst>
+          </p:cNvPr>
+          <p:cNvSpPr>
+            <a:spLocks noGrp="1"/>
+          </p:cNvSpPr>
+          <p:nvPr>
+            <p:ph type="title"/>
+          </p:nvPr>
+        </p:nvSpPr>
+        <p:spPr/>
+        <p:txBody>
+          <a:bodyPr/>
+          <a:lstStyle/>
+          <a:p>
+            <a:r>
+              <a:rPr lang="en-US" sz="4400" dirty="0">
+                <a:latin typeface="+mj-lt"/>
+                <a:ea typeface="+mj-ea"/>
+                <a:cs typeface="+mj-cs"/>
+              </a:rPr>
+              <a:t>Pod managed identities</a:t>
+            </a:r>
+            <a:endParaRPr lang="en-US" dirty="0"/>
+          </a:p>
+        </p:txBody>
+      </p:sp>
+      <p:pic>
+        <p:nvPicPr>
+          <p:cNvPr id="4" name="Google Shape;56;p13">
+            <a:extLst>
+              <a:ext uri="{FF2B5EF4-FFF2-40B4-BE49-F238E27FC236}">
+                <a16:creationId xmlns:a16="http://schemas.microsoft.com/office/drawing/2014/main" id="{5DC2FED0-7C5F-460C-998D-2520FD324176}"/>
+              </a:ext>
+            </a:extLst>
+          </p:cNvPr>
+          <p:cNvPicPr preferRelativeResize="0"/>
+          <p:nvPr/>
+        </p:nvPicPr>
+        <p:blipFill>
+          <a:blip r:embed="rId3">
+            <a:alphaModFix/>
+          </a:blip>
+          <a:stretch>
+            <a:fillRect/>
+          </a:stretch>
+        </p:blipFill>
+        <p:spPr>
+          <a:xfrm>
+            <a:off x="10989179" y="5736492"/>
+            <a:ext cx="1202821" cy="1121508"/>
+          </a:xfrm>
+          <a:prstGeom prst="rect">
+            <a:avLst/>
+          </a:prstGeom>
+          <a:noFill/>
+          <a:ln>
+            <a:noFill/>
+          </a:ln>
+        </p:spPr>
+      </p:pic>
+      <p:pic>
+        <p:nvPicPr>
+          <p:cNvPr id="5" name="Picture 4">
+            <a:extLst>
+              <a:ext uri="{FF2B5EF4-FFF2-40B4-BE49-F238E27FC236}">
+                <a16:creationId xmlns:a16="http://schemas.microsoft.com/office/drawing/2014/main" id="{86A17813-B73F-471E-ABB2-08A18EC70133}"/>
+              </a:ext>
+            </a:extLst>
+          </p:cNvPr>
+          <p:cNvPicPr>
+            <a:picLocks noChangeAspect="1"/>
+          </p:cNvPicPr>
+          <p:nvPr/>
+        </p:nvPicPr>
+        <p:blipFill>
+          <a:blip r:embed="rId4"/>
+          <a:stretch>
+            <a:fillRect/>
+          </a:stretch>
+        </p:blipFill>
+        <p:spPr>
+          <a:xfrm>
+            <a:off x="10935891" y="593367"/>
+            <a:ext cx="840509" cy="775369"/>
+          </a:xfrm>
+          <a:prstGeom prst="rect">
+            <a:avLst/>
+          </a:prstGeom>
+        </p:spPr>
+      </p:pic>
+      <p:pic>
+        <p:nvPicPr>
+          <p:cNvPr id="14" name="Graphic 4">
+            <a:extLst>
+              <a:ext uri="{FF2B5EF4-FFF2-40B4-BE49-F238E27FC236}">
+                <a16:creationId xmlns:a16="http://schemas.microsoft.com/office/drawing/2014/main" id="{6AB13A8A-95A1-436F-A858-2CAE645C2D0D}"/>
+              </a:ext>
+            </a:extLst>
+          </p:cNvPr>
+          <p:cNvPicPr>
+            <a:picLocks noChangeAspect="1"/>
+          </p:cNvPicPr>
+          <p:nvPr/>
+        </p:nvPicPr>
+        <p:blipFill>
+          <a:blip r:embed="rId5">
+            <a:extLst>
+              <a:ext uri="{28A0092B-C50C-407E-A947-70E740481C1C}">
+                <a14:useLocalDpi xmlns:a14="http://schemas.microsoft.com/office/drawing/2010/main" val="0"/>
+              </a:ext>
+              <a:ext uri="{96DAC541-7B7A-43D3-8B79-37D633B846F1}">
+                <asvg:svgBlip xmlns:asvg="http://schemas.microsoft.com/office/drawing/2016/SVG/main" r:embed="rId6"/>
+              </a:ext>
+            </a:extLst>
+          </a:blip>
+          <a:stretch>
+            <a:fillRect/>
+          </a:stretch>
+        </p:blipFill>
+        <p:spPr>
+          <a:xfrm>
+            <a:off x="343599" y="6114702"/>
+            <a:ext cx="1718444" cy="574556"/>
+          </a:xfrm>
+          <a:prstGeom prst="rect">
+            <a:avLst/>
+          </a:prstGeom>
+        </p:spPr>
+      </p:pic>
+      <p:pic>
+        <p:nvPicPr>
+          <p:cNvPr id="10" name="Picture 9">
+            <a:extLst>
+              <a:ext uri="{FF2B5EF4-FFF2-40B4-BE49-F238E27FC236}">
+                <a16:creationId xmlns:a16="http://schemas.microsoft.com/office/drawing/2014/main" id="{086A0159-F290-4B4C-80B4-2DD5B4AF6C72}"/>
+              </a:ext>
+            </a:extLst>
+          </p:cNvPr>
+          <p:cNvPicPr>
+            <a:picLocks noChangeAspect="1"/>
+          </p:cNvPicPr>
+          <p:nvPr/>
+        </p:nvPicPr>
+        <p:blipFill>
+          <a:blip r:embed="rId7"/>
+          <a:stretch>
+            <a:fillRect/>
+          </a:stretch>
+        </p:blipFill>
+        <p:spPr>
+          <a:xfrm>
+            <a:off x="1625679" y="1876393"/>
+            <a:ext cx="7437765" cy="3718882"/>
+          </a:xfrm>
+          <a:prstGeom prst="rect">
+            <a:avLst/>
+          </a:prstGeom>
+        </p:spPr>
+      </p:pic>
+    </p:spTree>
+    <p:extLst>
+      <p:ext uri="{BB962C8B-B14F-4D97-AF65-F5344CB8AC3E}">
+        <p14:creationId xmlns:p14="http://schemas.microsoft.com/office/powerpoint/2010/main" val="1406419713"/>
+      </p:ext>
+    </p:extLst>
+  </p:cSld>
+  <p:clrMapOvr>
+    <a:masterClrMapping/>
+  </p:clrMapOvr>
+</p:sld>
+</file>
+
+<file path=ppt/slides/slide21.xml><?xml version="1.0" encoding="utf-8"?>
+<p:sld xmlns:a="http://schemas.openxmlformats.org/drawingml/2006/main" xmlns:r="http://schemas.openxmlformats.org/officeDocument/2006/relationships" xmlns:p="http://schemas.openxmlformats.org/presentationml/2006/main">
+  <p:cSld>
+    <p:bg>
+      <p:bgPr>
+        <a:solidFill>
+          <a:schemeClr val="bg1"/>
+        </a:solidFill>
+        <a:effectLst/>
+      </p:bgPr>
+    </p:bg>
+    <p:spTree>
+      <p:nvGrpSpPr>
+        <p:cNvPr id="1" name=""/>
+        <p:cNvGrpSpPr/>
+        <p:nvPr/>
+      </p:nvGrpSpPr>
+      <p:grpSpPr>
+        <a:xfrm>
+          <a:off x="0" y="0"/>
+          <a:ext cx="0" cy="0"/>
+          <a:chOff x="0" y="0"/>
+          <a:chExt cx="0" cy="0"/>
+        </a:xfrm>
+      </p:grpSpPr>
+      <p:sp useBgFill="1">
+        <p:nvSpPr>
+          <p:cNvPr id="16" name="Rectangle 15">
+            <a:extLst>
+              <a:ext uri="{FF2B5EF4-FFF2-40B4-BE49-F238E27FC236}">
+                <a16:creationId xmlns:a16="http://schemas.microsoft.com/office/drawing/2014/main" id="{A29398BB-6F62-472B-88B2-8D942FEBFB20}"/>
+              </a:ext>
+              <a:ext uri="{C183D7F6-B498-43B3-948B-1728B52AA6E4}">
+                <adec:decorative xmlns:adec="http://schemas.microsoft.com/office/drawing/2017/decorative" val="1"/>
+              </a:ext>
+            </a:extLst>
+          </p:cNvPr>
+          <p:cNvSpPr>
+            <a:spLocks noGrp="1" noRot="1" noChangeAspect="1" noMove="1" noResize="1" noEditPoints="1" noAdjustHandles="1" noChangeArrowheads="1" noChangeShapeType="1" noTextEdit="1"/>
+          </p:cNvSpPr>
+          <p:nvPr>
+            <p:extLst>
+              <p:ext uri="{386F3935-93C4-4BCD-93E2-E3B085C9AB24}">
+                <p16:designElem xmlns:p16="http://schemas.microsoft.com/office/powerpoint/2015/main" val="1"/>
+              </p:ext>
+            </p:extLst>
+          </p:nvPr>
+        </p:nvSpPr>
+        <p:spPr>
+          <a:xfrm>
+            <a:off x="0" y="-6646"/>
+            <a:ext cx="12192000" cy="6858000"/>
+          </a:xfrm>
+          <a:prstGeom prst="rect">
+            <a:avLst/>
+          </a:prstGeom>
+          <a:ln>
+            <a:noFill/>
+          </a:ln>
+        </p:spPr>
+        <p:style>
+          <a:lnRef idx="2">
+            <a:schemeClr val="accent1">
+              <a:shade val="50000"/>
+            </a:schemeClr>
+          </a:lnRef>
+          <a:fillRef idx="1">
+            <a:schemeClr val="accent1"/>
+          </a:fillRef>
+          <a:effectRef idx="0">
+            <a:schemeClr val="accent1"/>
+          </a:effectRef>
+          <a:fontRef idx="minor">
+            <a:schemeClr val="lt1"/>
+          </a:fontRef>
+        </p:style>
+        <p:txBody>
+          <a:bodyPr rtlCol="0" anchor="ctr"/>
+          <a:lstStyle/>
+          <a:p>
+            <a:pPr algn="ctr"/>
+            <a:endParaRPr lang="en-US"/>
+          </a:p>
+        </p:txBody>
+      </p:sp>
+      <p:grpSp>
+        <p:nvGrpSpPr>
+          <p:cNvPr id="18" name="Group 17">
+            <a:extLst>
+              <a:ext uri="{FF2B5EF4-FFF2-40B4-BE49-F238E27FC236}">
+                <a16:creationId xmlns:a16="http://schemas.microsoft.com/office/drawing/2014/main" id="{A3C0D298-47AC-4912-8022-B969E5732CB9}"/>
+              </a:ext>
+              <a:ext uri="{C183D7F6-B498-43B3-948B-1728B52AA6E4}">
+                <adec:decorative xmlns:adec="http://schemas.microsoft.com/office/drawing/2017/decorative" val="1"/>
+              </a:ext>
+            </a:extLst>
+          </p:cNvPr>
+          <p:cNvGrpSpPr>
+            <a:grpSpLocks noGrp="1" noUngrp="1" noRot="1" noChangeAspect="1" noMove="1" noResize="1"/>
+          </p:cNvGrpSpPr>
+          <p:nvPr>
+            <p:extLst>
+              <p:ext uri="{386F3935-93C4-4BCD-93E2-E3B085C9AB24}">
+                <p16:designElem xmlns:p16="http://schemas.microsoft.com/office/powerpoint/2015/main" val="1"/>
+              </p:ext>
+            </p:extLst>
+          </p:nvPr>
+        </p:nvGrpSpPr>
+        <p:grpSpPr>
+          <a:xfrm>
+            <a:off x="966430" y="626107"/>
+            <a:ext cx="1128382" cy="847206"/>
+            <a:chOff x="5307830" y="325570"/>
+            <a:chExt cx="1128382" cy="847206"/>
+          </a:xfrm>
+        </p:grpSpPr>
+        <p:sp>
+          <p:nvSpPr>
+            <p:cNvPr id="19" name="Freeform 5">
+              <a:extLst>
+                <a:ext uri="{FF2B5EF4-FFF2-40B4-BE49-F238E27FC236}">
+                  <a16:creationId xmlns:a16="http://schemas.microsoft.com/office/drawing/2014/main" id="{F8ED9F95-2ADE-4C89-BD97-AF7DB8DB3677}"/>
+                </a:ext>
+                <a:ext uri="{C183D7F6-B498-43B3-948B-1728B52AA6E4}">
+                  <adec:decorative xmlns:adec="http://schemas.microsoft.com/office/drawing/2017/decorative" val="1"/>
+                </a:ext>
+              </a:extLst>
+            </p:cNvPr>
+            <p:cNvSpPr>
+              <a:spLocks/>
+            </p:cNvSpPr>
+            <p:nvPr>
+              <p:extLst>
+                <p:ext uri="{386F3935-93C4-4BCD-93E2-E3B085C9AB24}">
+                  <p16:designElem xmlns:p16="http://schemas.microsoft.com/office/powerpoint/2015/main" val="1"/>
+                </p:ext>
+              </p:extLst>
+            </p:nvPr>
+          </p:nvSpPr>
+          <p:spPr bwMode="auto">
+            <a:xfrm>
+              <a:off x="5307830" y="577396"/>
+              <a:ext cx="675351" cy="595380"/>
+            </a:xfrm>
+            <a:custGeom>
+              <a:avLst/>
+              <a:gdLst>
+                <a:gd name="T0" fmla="*/ 225 w 785"/>
+                <a:gd name="T1" fmla="*/ 692 h 692"/>
+                <a:gd name="T2" fmla="*/ 177 w 785"/>
+                <a:gd name="T3" fmla="*/ 665 h 692"/>
+                <a:gd name="T4" fmla="*/ 9 w 785"/>
+                <a:gd name="T5" fmla="*/ 374 h 692"/>
+                <a:gd name="T6" fmla="*/ 9 w 785"/>
+                <a:gd name="T7" fmla="*/ 318 h 692"/>
+                <a:gd name="T8" fmla="*/ 177 w 785"/>
+                <a:gd name="T9" fmla="*/ 27 h 692"/>
+                <a:gd name="T10" fmla="*/ 225 w 785"/>
+                <a:gd name="T11" fmla="*/ 0 h 692"/>
+                <a:gd name="T12" fmla="*/ 561 w 785"/>
+                <a:gd name="T13" fmla="*/ 0 h 692"/>
+                <a:gd name="T14" fmla="*/ 609 w 785"/>
+                <a:gd name="T15" fmla="*/ 27 h 692"/>
+                <a:gd name="T16" fmla="*/ 777 w 785"/>
+                <a:gd name="T17" fmla="*/ 318 h 692"/>
+                <a:gd name="T18" fmla="*/ 777 w 785"/>
+                <a:gd name="T19" fmla="*/ 374 h 692"/>
+                <a:gd name="T20" fmla="*/ 609 w 785"/>
+                <a:gd name="T21" fmla="*/ 665 h 692"/>
+                <a:gd name="T22" fmla="*/ 561 w 785"/>
+                <a:gd name="T23" fmla="*/ 692 h 692"/>
+                <a:gd name="T24" fmla="*/ 225 w 785"/>
+                <a:gd name="T25" fmla="*/ 692 h 692"/>
+              </a:gdLst>
+              <a:ahLst/>
+              <a:cxnLst>
+                <a:cxn ang="0">
+                  <a:pos x="T0" y="T1"/>
+                </a:cxn>
+                <a:cxn ang="0">
+                  <a:pos x="T2" y="T3"/>
+                </a:cxn>
+                <a:cxn ang="0">
+                  <a:pos x="T4" y="T5"/>
+                </a:cxn>
+                <a:cxn ang="0">
+                  <a:pos x="T6" y="T7"/>
+                </a:cxn>
+                <a:cxn ang="0">
+                  <a:pos x="T8" y="T9"/>
+                </a:cxn>
+                <a:cxn ang="0">
+                  <a:pos x="T10" y="T11"/>
+                </a:cxn>
+                <a:cxn ang="0">
+                  <a:pos x="T12" y="T13"/>
+                </a:cxn>
+                <a:cxn ang="0">
+                  <a:pos x="T14" y="T15"/>
+                </a:cxn>
+                <a:cxn ang="0">
+                  <a:pos x="T16" y="T17"/>
+                </a:cxn>
+                <a:cxn ang="0">
+                  <a:pos x="T18" y="T19"/>
+                </a:cxn>
+                <a:cxn ang="0">
+                  <a:pos x="T20" y="T21"/>
+                </a:cxn>
+                <a:cxn ang="0">
+                  <a:pos x="T22" y="T23"/>
+                </a:cxn>
+                <a:cxn ang="0">
+                  <a:pos x="T24" y="T25"/>
+                </a:cxn>
+              </a:cxnLst>
+              <a:rect l="0" t="0" r="r" b="b"/>
+              <a:pathLst>
+                <a:path w="785" h="692">
+                  <a:moveTo>
+                    <a:pt x="225" y="692"/>
+                  </a:moveTo>
+                  <a:cubicBezTo>
+                    <a:pt x="207" y="692"/>
+                    <a:pt x="185" y="680"/>
+                    <a:pt x="177" y="665"/>
+                  </a:cubicBezTo>
+                  <a:cubicBezTo>
+                    <a:pt x="9" y="374"/>
+                    <a:pt x="9" y="374"/>
+                    <a:pt x="9" y="374"/>
+                  </a:cubicBezTo>
+                  <a:cubicBezTo>
+                    <a:pt x="0" y="358"/>
+                    <a:pt x="0" y="334"/>
+                    <a:pt x="9" y="318"/>
+                  </a:cubicBezTo>
+                  <a:cubicBezTo>
+                    <a:pt x="177" y="27"/>
+                    <a:pt x="177" y="27"/>
+                    <a:pt x="177" y="27"/>
+                  </a:cubicBezTo>
+                  <a:cubicBezTo>
+                    <a:pt x="185" y="12"/>
+                    <a:pt x="207" y="0"/>
+                    <a:pt x="225" y="0"/>
+                  </a:cubicBezTo>
+                  <a:cubicBezTo>
+                    <a:pt x="561" y="0"/>
+                    <a:pt x="561" y="0"/>
+                    <a:pt x="561" y="0"/>
+                  </a:cubicBezTo>
+                  <a:cubicBezTo>
+                    <a:pt x="578" y="0"/>
+                    <a:pt x="600" y="12"/>
+                    <a:pt x="609" y="27"/>
+                  </a:cubicBezTo>
+                  <a:cubicBezTo>
+                    <a:pt x="777" y="318"/>
+                    <a:pt x="777" y="318"/>
+                    <a:pt x="777" y="318"/>
+                  </a:cubicBezTo>
+                  <a:cubicBezTo>
+                    <a:pt x="785" y="334"/>
+                    <a:pt x="785" y="358"/>
+                    <a:pt x="777" y="374"/>
+                  </a:cubicBezTo>
+                  <a:cubicBezTo>
+                    <a:pt x="609" y="665"/>
+                    <a:pt x="609" y="665"/>
+                    <a:pt x="609" y="665"/>
+                  </a:cubicBezTo>
+                  <a:cubicBezTo>
+                    <a:pt x="600" y="680"/>
+                    <a:pt x="578" y="692"/>
+                    <a:pt x="561" y="692"/>
+                  </a:cubicBezTo>
+                  <a:lnTo>
+                    <a:pt x="225" y="692"/>
+                  </a:lnTo>
+                  <a:close/>
+                </a:path>
+              </a:pathLst>
+            </a:custGeom>
+            <a:noFill/>
+            <a:ln w="28575" cmpd="sng">
+              <a:solidFill>
+                <a:schemeClr val="tx1"/>
+              </a:solidFill>
+            </a:ln>
+          </p:spPr>
+          <p:txBody>
+            <a:bodyPr vert="horz" wrap="square" lIns="91440" tIns="45720" rIns="91440" bIns="45720" numCol="1" anchor="t" anchorCtr="0" compatLnSpc="1">
+              <a:prstTxWarp prst="textNoShape">
+                <a:avLst/>
+              </a:prstTxWarp>
+            </a:bodyPr>
+            <a:lstStyle/>
+            <a:p>
+              <a:endParaRPr lang="en-US"/>
+            </a:p>
+          </p:txBody>
+        </p:sp>
+        <p:sp>
+          <p:nvSpPr>
+            <p:cNvPr id="20" name="Freeform 5">
+              <a:extLst>
+                <a:ext uri="{FF2B5EF4-FFF2-40B4-BE49-F238E27FC236}">
+                  <a16:creationId xmlns:a16="http://schemas.microsoft.com/office/drawing/2014/main" id="{1DD52534-E915-42C0-890A-5B19A15B5375}"/>
+                </a:ext>
+                <a:ext uri="{C183D7F6-B498-43B3-948B-1728B52AA6E4}">
+                  <adec:decorative xmlns:adec="http://schemas.microsoft.com/office/drawing/2017/decorative" val="1"/>
+                </a:ext>
+              </a:extLst>
+            </p:cNvPr>
+            <p:cNvSpPr>
+              <a:spLocks/>
+            </p:cNvSpPr>
+            <p:nvPr>
+              <p:extLst>
+                <p:ext uri="{386F3935-93C4-4BCD-93E2-E3B085C9AB24}">
+                  <p16:designElem xmlns:p16="http://schemas.microsoft.com/office/powerpoint/2015/main" val="1"/>
+                </p:ext>
+              </p:extLst>
+            </p:nvPr>
+          </p:nvSpPr>
+          <p:spPr bwMode="auto">
+            <a:xfrm>
+              <a:off x="5885720" y="325570"/>
+              <a:ext cx="550492" cy="485306"/>
+            </a:xfrm>
+            <a:custGeom>
+              <a:avLst/>
+              <a:gdLst>
+                <a:gd name="T0" fmla="*/ 225 w 785"/>
+                <a:gd name="T1" fmla="*/ 692 h 692"/>
+                <a:gd name="T2" fmla="*/ 177 w 785"/>
+                <a:gd name="T3" fmla="*/ 665 h 692"/>
+                <a:gd name="T4" fmla="*/ 9 w 785"/>
+                <a:gd name="T5" fmla="*/ 374 h 692"/>
+                <a:gd name="T6" fmla="*/ 9 w 785"/>
+                <a:gd name="T7" fmla="*/ 318 h 692"/>
+                <a:gd name="T8" fmla="*/ 177 w 785"/>
+                <a:gd name="T9" fmla="*/ 27 h 692"/>
+                <a:gd name="T10" fmla="*/ 225 w 785"/>
+                <a:gd name="T11" fmla="*/ 0 h 692"/>
+                <a:gd name="T12" fmla="*/ 561 w 785"/>
+                <a:gd name="T13" fmla="*/ 0 h 692"/>
+                <a:gd name="T14" fmla="*/ 609 w 785"/>
+                <a:gd name="T15" fmla="*/ 27 h 692"/>
+                <a:gd name="T16" fmla="*/ 777 w 785"/>
+                <a:gd name="T17" fmla="*/ 318 h 692"/>
+                <a:gd name="T18" fmla="*/ 777 w 785"/>
+                <a:gd name="T19" fmla="*/ 374 h 692"/>
+                <a:gd name="T20" fmla="*/ 609 w 785"/>
+                <a:gd name="T21" fmla="*/ 665 h 692"/>
+                <a:gd name="T22" fmla="*/ 561 w 785"/>
+                <a:gd name="T23" fmla="*/ 692 h 692"/>
+                <a:gd name="T24" fmla="*/ 225 w 785"/>
+                <a:gd name="T25" fmla="*/ 692 h 692"/>
+              </a:gdLst>
+              <a:ahLst/>
+              <a:cxnLst>
+                <a:cxn ang="0">
+                  <a:pos x="T0" y="T1"/>
+                </a:cxn>
+                <a:cxn ang="0">
+                  <a:pos x="T2" y="T3"/>
+                </a:cxn>
+                <a:cxn ang="0">
+                  <a:pos x="T4" y="T5"/>
+                </a:cxn>
+                <a:cxn ang="0">
+                  <a:pos x="T6" y="T7"/>
+                </a:cxn>
+                <a:cxn ang="0">
+                  <a:pos x="T8" y="T9"/>
+                </a:cxn>
+                <a:cxn ang="0">
+                  <a:pos x="T10" y="T11"/>
+                </a:cxn>
+                <a:cxn ang="0">
+                  <a:pos x="T12" y="T13"/>
+                </a:cxn>
+                <a:cxn ang="0">
+                  <a:pos x="T14" y="T15"/>
+                </a:cxn>
+                <a:cxn ang="0">
+                  <a:pos x="T16" y="T17"/>
+                </a:cxn>
+                <a:cxn ang="0">
+                  <a:pos x="T18" y="T19"/>
+                </a:cxn>
+                <a:cxn ang="0">
+                  <a:pos x="T20" y="T21"/>
+                </a:cxn>
+                <a:cxn ang="0">
+                  <a:pos x="T22" y="T23"/>
+                </a:cxn>
+                <a:cxn ang="0">
+                  <a:pos x="T24" y="T25"/>
+                </a:cxn>
+              </a:cxnLst>
+              <a:rect l="0" t="0" r="r" b="b"/>
+              <a:pathLst>
+                <a:path w="785" h="692">
+                  <a:moveTo>
+                    <a:pt x="225" y="692"/>
+                  </a:moveTo>
+                  <a:cubicBezTo>
+                    <a:pt x="207" y="692"/>
+                    <a:pt x="185" y="680"/>
+                    <a:pt x="177" y="665"/>
+                  </a:cubicBezTo>
+                  <a:cubicBezTo>
+                    <a:pt x="9" y="374"/>
+                    <a:pt x="9" y="374"/>
+                    <a:pt x="9" y="374"/>
+                  </a:cubicBezTo>
+                  <a:cubicBezTo>
+                    <a:pt x="0" y="358"/>
+                    <a:pt x="0" y="334"/>
+                    <a:pt x="9" y="318"/>
+                  </a:cubicBezTo>
+                  <a:cubicBezTo>
+                    <a:pt x="177" y="27"/>
+                    <a:pt x="177" y="27"/>
+                    <a:pt x="177" y="27"/>
+                  </a:cubicBezTo>
+                  <a:cubicBezTo>
+                    <a:pt x="185" y="12"/>
+                    <a:pt x="207" y="0"/>
+                    <a:pt x="225" y="0"/>
+                  </a:cubicBezTo>
+                  <a:cubicBezTo>
+                    <a:pt x="561" y="0"/>
+                    <a:pt x="561" y="0"/>
+                    <a:pt x="561" y="0"/>
+                  </a:cubicBezTo>
+                  <a:cubicBezTo>
+                    <a:pt x="578" y="0"/>
+                    <a:pt x="600" y="12"/>
+                    <a:pt x="609" y="27"/>
+                  </a:cubicBezTo>
+                  <a:cubicBezTo>
+                    <a:pt x="777" y="318"/>
+                    <a:pt x="777" y="318"/>
+                    <a:pt x="777" y="318"/>
+                  </a:cubicBezTo>
+                  <a:cubicBezTo>
+                    <a:pt x="785" y="334"/>
+                    <a:pt x="785" y="358"/>
+                    <a:pt x="777" y="374"/>
+                  </a:cubicBezTo>
+                  <a:cubicBezTo>
+                    <a:pt x="609" y="665"/>
+                    <a:pt x="609" y="665"/>
+                    <a:pt x="609" y="665"/>
+                  </a:cubicBezTo>
+                  <a:cubicBezTo>
+                    <a:pt x="600" y="680"/>
+                    <a:pt x="578" y="692"/>
+                    <a:pt x="561" y="692"/>
+                  </a:cubicBezTo>
+                  <a:lnTo>
+                    <a:pt x="225" y="692"/>
+                  </a:lnTo>
+                  <a:close/>
+                </a:path>
+              </a:pathLst>
+            </a:custGeom>
+            <a:noFill/>
+            <a:ln w="28575" cmpd="sng">
+              <a:solidFill>
+                <a:schemeClr val="tx1"/>
+              </a:solidFill>
+            </a:ln>
+          </p:spPr>
+          <p:txBody>
+            <a:bodyPr vert="horz" wrap="square" lIns="91440" tIns="45720" rIns="91440" bIns="45720" numCol="1" anchor="t" anchorCtr="0" compatLnSpc="1">
+              <a:prstTxWarp prst="textNoShape">
+                <a:avLst/>
+              </a:prstTxWarp>
+            </a:bodyPr>
+            <a:lstStyle/>
+            <a:p>
+              <a:endParaRPr lang="en-US"/>
+            </a:p>
+          </p:txBody>
+        </p:sp>
+      </p:grpSp>
+      <p:sp>
+        <p:nvSpPr>
+          <p:cNvPr id="22" name="Freeform 5">
+            <a:extLst>
+              <a:ext uri="{FF2B5EF4-FFF2-40B4-BE49-F238E27FC236}">
+                <a16:creationId xmlns:a16="http://schemas.microsoft.com/office/drawing/2014/main" id="{01F1CEA4-5DA0-41E1-A743-4F227AE62B67}"/>
+              </a:ext>
+              <a:ext uri="{C183D7F6-B498-43B3-948B-1728B52AA6E4}">
+                <adec:decorative xmlns:adec="http://schemas.microsoft.com/office/drawing/2017/decorative" val="1"/>
+              </a:ext>
+            </a:extLst>
+          </p:cNvPr>
+          <p:cNvSpPr>
+            <a:spLocks noGrp="1" noRot="1" noChangeAspect="1" noMove="1" noResize="1" noEditPoints="1" noAdjustHandles="1" noChangeArrowheads="1" noChangeShapeType="1" noTextEdit="1"/>
+          </p:cNvSpPr>
+          <p:nvPr>
+            <p:extLst>
+              <p:ext uri="{386F3935-93C4-4BCD-93E2-E3B085C9AB24}">
+                <p16:designElem xmlns:p16="http://schemas.microsoft.com/office/powerpoint/2015/main" val="1"/>
+              </p:ext>
+            </p:extLst>
+          </p:nvPr>
+        </p:nvSpPr>
+        <p:spPr bwMode="auto">
+          <a:xfrm>
+            <a:off x="6958811" y="1645694"/>
+            <a:ext cx="4689240" cy="4115025"/>
+          </a:xfrm>
+          <a:custGeom>
+            <a:avLst/>
+            <a:gdLst>
+              <a:gd name="T0" fmla="*/ 781 w 1099"/>
+              <a:gd name="T1" fmla="*/ 0 h 968"/>
+              <a:gd name="T2" fmla="*/ 318 w 1099"/>
+              <a:gd name="T3" fmla="*/ 0 h 968"/>
+              <a:gd name="T4" fmla="*/ 246 w 1099"/>
+              <a:gd name="T5" fmla="*/ 42 h 968"/>
+              <a:gd name="T6" fmla="*/ 15 w 1099"/>
+              <a:gd name="T7" fmla="*/ 443 h 968"/>
+              <a:gd name="T8" fmla="*/ 15 w 1099"/>
+              <a:gd name="T9" fmla="*/ 525 h 968"/>
+              <a:gd name="T10" fmla="*/ 246 w 1099"/>
+              <a:gd name="T11" fmla="*/ 926 h 968"/>
+              <a:gd name="T12" fmla="*/ 318 w 1099"/>
+              <a:gd name="T13" fmla="*/ 968 h 968"/>
+              <a:gd name="T14" fmla="*/ 781 w 1099"/>
+              <a:gd name="T15" fmla="*/ 968 h 968"/>
+              <a:gd name="T16" fmla="*/ 852 w 1099"/>
+              <a:gd name="T17" fmla="*/ 926 h 968"/>
+              <a:gd name="T18" fmla="*/ 1084 w 1099"/>
+              <a:gd name="T19" fmla="*/ 525 h 968"/>
+              <a:gd name="T20" fmla="*/ 1084 w 1099"/>
+              <a:gd name="T21" fmla="*/ 443 h 968"/>
+              <a:gd name="T22" fmla="*/ 852 w 1099"/>
+              <a:gd name="T23" fmla="*/ 42 h 968"/>
+              <a:gd name="T24" fmla="*/ 781 w 1099"/>
+              <a:gd name="T25" fmla="*/ 0 h 968"/>
+            </a:gdLst>
+            <a:ahLst/>
+            <a:cxnLst>
+              <a:cxn ang="0">
+                <a:pos x="T0" y="T1"/>
+              </a:cxn>
+              <a:cxn ang="0">
+                <a:pos x="T2" y="T3"/>
+              </a:cxn>
+              <a:cxn ang="0">
+                <a:pos x="T4" y="T5"/>
+              </a:cxn>
+              <a:cxn ang="0">
+                <a:pos x="T6" y="T7"/>
+              </a:cxn>
+              <a:cxn ang="0">
+                <a:pos x="T8" y="T9"/>
+              </a:cxn>
+              <a:cxn ang="0">
+                <a:pos x="T10" y="T11"/>
+              </a:cxn>
+              <a:cxn ang="0">
+                <a:pos x="T12" y="T13"/>
+              </a:cxn>
+              <a:cxn ang="0">
+                <a:pos x="T14" y="T15"/>
+              </a:cxn>
+              <a:cxn ang="0">
+                <a:pos x="T16" y="T17"/>
+              </a:cxn>
+              <a:cxn ang="0">
+                <a:pos x="T18" y="T19"/>
+              </a:cxn>
+              <a:cxn ang="0">
+                <a:pos x="T20" y="T21"/>
+              </a:cxn>
+              <a:cxn ang="0">
+                <a:pos x="T22" y="T23"/>
+              </a:cxn>
+              <a:cxn ang="0">
+                <a:pos x="T24" y="T25"/>
+              </a:cxn>
+            </a:cxnLst>
+            <a:rect l="0" t="0" r="r" b="b"/>
+            <a:pathLst>
+              <a:path w="1099" h="968">
+                <a:moveTo>
+                  <a:pt x="781" y="0"/>
+                </a:moveTo>
+                <a:cubicBezTo>
+                  <a:pt x="318" y="0"/>
+                  <a:pt x="318" y="0"/>
+                  <a:pt x="318" y="0"/>
+                </a:cubicBezTo>
+                <a:cubicBezTo>
+                  <a:pt x="288" y="0"/>
+                  <a:pt x="261" y="16"/>
+                  <a:pt x="246" y="42"/>
+                </a:cubicBezTo>
+                <a:cubicBezTo>
+                  <a:pt x="15" y="443"/>
+                  <a:pt x="15" y="443"/>
+                  <a:pt x="15" y="443"/>
+                </a:cubicBezTo>
+                <a:cubicBezTo>
+                  <a:pt x="0" y="468"/>
+                  <a:pt x="0" y="500"/>
+                  <a:pt x="15" y="525"/>
+                </a:cubicBezTo>
+                <a:cubicBezTo>
+                  <a:pt x="246" y="926"/>
+                  <a:pt x="246" y="926"/>
+                  <a:pt x="246" y="926"/>
+                </a:cubicBezTo>
+                <a:cubicBezTo>
+                  <a:pt x="261" y="952"/>
+                  <a:pt x="288" y="968"/>
+                  <a:pt x="318" y="968"/>
+                </a:cubicBezTo>
+                <a:cubicBezTo>
+                  <a:pt x="781" y="968"/>
+                  <a:pt x="781" y="968"/>
+                  <a:pt x="781" y="968"/>
+                </a:cubicBezTo>
+                <a:cubicBezTo>
+                  <a:pt x="810" y="968"/>
+                  <a:pt x="838" y="952"/>
+                  <a:pt x="852" y="926"/>
+                </a:cubicBezTo>
+                <a:cubicBezTo>
+                  <a:pt x="1084" y="525"/>
+                  <a:pt x="1084" y="525"/>
+                  <a:pt x="1084" y="525"/>
+                </a:cubicBezTo>
+                <a:cubicBezTo>
+                  <a:pt x="1099" y="500"/>
+                  <a:pt x="1099" y="468"/>
+                  <a:pt x="1084" y="443"/>
+                </a:cubicBezTo>
+                <a:cubicBezTo>
+                  <a:pt x="852" y="42"/>
+                  <a:pt x="852" y="42"/>
+                  <a:pt x="852" y="42"/>
+                </a:cubicBezTo>
+                <a:cubicBezTo>
+                  <a:pt x="838" y="16"/>
+                  <a:pt x="810" y="0"/>
+                  <a:pt x="781" y="0"/>
+                </a:cubicBezTo>
+                <a:close/>
+              </a:path>
+            </a:pathLst>
+          </a:custGeom>
+          <a:noFill/>
+          <a:ln w="50800" cap="flat">
+            <a:solidFill>
+              <a:schemeClr val="tx1"/>
+            </a:solidFill>
+            <a:prstDash val="solid"/>
+            <a:miter lim="800000"/>
+            <a:headEnd/>
+            <a:tailEnd/>
+          </a:ln>
+        </p:spPr>
+        <p:txBody>
+          <a:bodyPr vert="horz" wrap="square" lIns="91440" tIns="45720" rIns="91440" bIns="45720" numCol="1" anchor="t" anchorCtr="0" compatLnSpc="1">
+            <a:prstTxWarp prst="textNoShape">
+              <a:avLst/>
+            </a:prstTxWarp>
+          </a:bodyPr>
+          <a:lstStyle/>
+          <a:p>
+            <a:endParaRPr lang="en-US" dirty="0"/>
+          </a:p>
+        </p:txBody>
+      </p:sp>
+      <p:sp>
+        <p:nvSpPr>
+          <p:cNvPr id="24" name="Freeform: Shape 23">
+            <a:extLst>
+              <a:ext uri="{FF2B5EF4-FFF2-40B4-BE49-F238E27FC236}">
+                <a16:creationId xmlns:a16="http://schemas.microsoft.com/office/drawing/2014/main" id="{07D1A722-B699-4DA0-B7AC-F06CC81AD5F2}"/>
+              </a:ext>
+              <a:ext uri="{C183D7F6-B498-43B3-948B-1728B52AA6E4}">
+                <adec:decorative xmlns:adec="http://schemas.microsoft.com/office/drawing/2017/decorative" val="1"/>
+              </a:ext>
+            </a:extLst>
+          </p:cNvPr>
+          <p:cNvSpPr>
+            <a:spLocks noGrp="1" noRot="1" noChangeAspect="1" noMove="1" noResize="1" noEditPoints="1" noAdjustHandles="1" noChangeArrowheads="1" noChangeShapeType="1" noTextEdit="1"/>
+          </p:cNvSpPr>
+          <p:nvPr>
+            <p:extLst>
+              <p:ext uri="{386F3935-93C4-4BCD-93E2-E3B085C9AB24}">
+                <p16:designElem xmlns:p16="http://schemas.microsoft.com/office/powerpoint/2015/main" val="1"/>
+              </p:ext>
+            </p:extLst>
+          </p:nvPr>
+        </p:nvSpPr>
+        <p:spPr>
+          <a:xfrm>
+            <a:off x="4439502" y="626107"/>
+            <a:ext cx="3154669" cy="2796247"/>
+          </a:xfrm>
+          <a:custGeom>
+            <a:avLst/>
+            <a:gdLst>
+              <a:gd name="connsiteX0" fmla="*/ 853538 w 2991693"/>
+              <a:gd name="connsiteY0" fmla="*/ 0 h 2651787"/>
+              <a:gd name="connsiteX1" fmla="*/ 2141030 w 2991693"/>
+              <a:gd name="connsiteY1" fmla="*/ 0 h 2651787"/>
+              <a:gd name="connsiteX2" fmla="*/ 2324957 w 2991693"/>
+              <a:gd name="connsiteY2" fmla="*/ 103466 h 2651787"/>
+              <a:gd name="connsiteX3" fmla="*/ 2968702 w 2991693"/>
+              <a:gd name="connsiteY3" fmla="*/ 1218596 h 2651787"/>
+              <a:gd name="connsiteX4" fmla="*/ 2968702 w 2991693"/>
+              <a:gd name="connsiteY4" fmla="*/ 1433192 h 2651787"/>
+              <a:gd name="connsiteX5" fmla="*/ 2324957 w 2991693"/>
+              <a:gd name="connsiteY5" fmla="*/ 2548321 h 2651787"/>
+              <a:gd name="connsiteX6" fmla="*/ 2141030 w 2991693"/>
+              <a:gd name="connsiteY6" fmla="*/ 2651787 h 2651787"/>
+              <a:gd name="connsiteX7" fmla="*/ 853538 w 2991693"/>
+              <a:gd name="connsiteY7" fmla="*/ 2651787 h 2651787"/>
+              <a:gd name="connsiteX8" fmla="*/ 669612 w 2991693"/>
+              <a:gd name="connsiteY8" fmla="*/ 2548321 h 2651787"/>
+              <a:gd name="connsiteX9" fmla="*/ 25866 w 2991693"/>
+              <a:gd name="connsiteY9" fmla="*/ 1433192 h 2651787"/>
+              <a:gd name="connsiteX10" fmla="*/ 25866 w 2991693"/>
+              <a:gd name="connsiteY10" fmla="*/ 1218596 h 2651787"/>
+              <a:gd name="connsiteX11" fmla="*/ 669612 w 2991693"/>
+              <a:gd name="connsiteY11" fmla="*/ 103466 h 2651787"/>
+              <a:gd name="connsiteX12" fmla="*/ 853538 w 2991693"/>
+              <a:gd name="connsiteY12" fmla="*/ 0 h 2651787"/>
+            </a:gdLst>
+            <a:ahLst/>
+            <a:cxnLst>
+              <a:cxn ang="0">
+                <a:pos x="connsiteX0" y="connsiteY0"/>
+              </a:cxn>
+              <a:cxn ang="0">
+                <a:pos x="connsiteX1" y="connsiteY1"/>
+              </a:cxn>
+              <a:cxn ang="0">
+                <a:pos x="connsiteX2" y="connsiteY2"/>
+              </a:cxn>
+              <a:cxn ang="0">
+                <a:pos x="connsiteX3" y="connsiteY3"/>
+              </a:cxn>
+              <a:cxn ang="0">
+                <a:pos x="connsiteX4" y="connsiteY4"/>
+              </a:cxn>
+              <a:cxn ang="0">
+                <a:pos x="connsiteX5" y="connsiteY5"/>
+              </a:cxn>
+              <a:cxn ang="0">
+                <a:pos x="connsiteX6" y="connsiteY6"/>
+              </a:cxn>
+              <a:cxn ang="0">
+                <a:pos x="connsiteX7" y="connsiteY7"/>
+              </a:cxn>
+              <a:cxn ang="0">
+                <a:pos x="connsiteX8" y="connsiteY8"/>
+              </a:cxn>
+              <a:cxn ang="0">
+                <a:pos x="connsiteX9" y="connsiteY9"/>
+              </a:cxn>
+              <a:cxn ang="0">
+                <a:pos x="connsiteX10" y="connsiteY10"/>
+              </a:cxn>
+              <a:cxn ang="0">
+                <a:pos x="connsiteX11" y="connsiteY11"/>
+              </a:cxn>
+              <a:cxn ang="0">
+                <a:pos x="connsiteX12" y="connsiteY12"/>
+              </a:cxn>
+            </a:cxnLst>
+            <a:rect l="l" t="t" r="r" b="b"/>
+            <a:pathLst>
+              <a:path w="2991693" h="2651787">
+                <a:moveTo>
+                  <a:pt x="853538" y="0"/>
+                </a:moveTo>
+                <a:cubicBezTo>
+                  <a:pt x="2141030" y="0"/>
+                  <a:pt x="2141030" y="0"/>
+                  <a:pt x="2141030" y="0"/>
+                </a:cubicBezTo>
+                <a:cubicBezTo>
+                  <a:pt x="2206170" y="0"/>
+                  <a:pt x="2290471" y="45985"/>
+                  <a:pt x="2324957" y="103466"/>
+                </a:cubicBezTo>
+                <a:cubicBezTo>
+                  <a:pt x="2968702" y="1218596"/>
+                  <a:pt x="2968702" y="1218596"/>
+                  <a:pt x="2968702" y="1218596"/>
+                </a:cubicBezTo>
+                <a:cubicBezTo>
+                  <a:pt x="2999357" y="1279909"/>
+                  <a:pt x="2999357" y="1371878"/>
+                  <a:pt x="2968702" y="1433192"/>
+                </a:cubicBezTo>
+                <a:cubicBezTo>
+                  <a:pt x="2324957" y="2548321"/>
+                  <a:pt x="2324957" y="2548321"/>
+                  <a:pt x="2324957" y="2548321"/>
+                </a:cubicBezTo>
+                <a:cubicBezTo>
+                  <a:pt x="2290471" y="2605803"/>
+                  <a:pt x="2206170" y="2651787"/>
+                  <a:pt x="2141030" y="2651787"/>
+                </a:cubicBezTo>
+                <a:lnTo>
+                  <a:pt x="853538" y="2651787"/>
+                </a:lnTo>
+                <a:cubicBezTo>
+                  <a:pt x="784566" y="2651787"/>
+                  <a:pt x="700266" y="2605803"/>
+                  <a:pt x="669612" y="2548321"/>
+                </a:cubicBezTo>
+                <a:cubicBezTo>
+                  <a:pt x="25866" y="1433192"/>
+                  <a:pt x="25866" y="1433192"/>
+                  <a:pt x="25866" y="1433192"/>
+                </a:cubicBezTo>
+                <a:cubicBezTo>
+                  <a:pt x="-8621" y="1371878"/>
+                  <a:pt x="-8621" y="1279909"/>
+                  <a:pt x="25866" y="1218596"/>
+                </a:cubicBezTo>
+                <a:cubicBezTo>
+                  <a:pt x="669612" y="103466"/>
+                  <a:pt x="669612" y="103466"/>
+                  <a:pt x="669612" y="103466"/>
+                </a:cubicBezTo>
+                <a:cubicBezTo>
+                  <a:pt x="700266" y="45985"/>
+                  <a:pt x="784566" y="0"/>
+                  <a:pt x="853538" y="0"/>
+                </a:cubicBezTo>
+                <a:close/>
+              </a:path>
+            </a:pathLst>
+          </a:custGeom>
+          <a:noFill/>
+          <a:ln w="50800" cap="flat">
+            <a:solidFill>
+              <a:schemeClr val="tx1"/>
+            </a:solidFill>
+            <a:prstDash val="solid"/>
+            <a:miter lim="800000"/>
+            <a:headEnd/>
+            <a:tailEnd/>
+          </a:ln>
+        </p:spPr>
+        <p:txBody>
+          <a:bodyPr vert="horz" wrap="square" lIns="91440" tIns="45720" rIns="91440" bIns="45720" numCol="1" anchor="t" anchorCtr="0" compatLnSpc="1">
+            <a:prstTxWarp prst="textNoShape">
+              <a:avLst/>
+            </a:prstTxWarp>
+          </a:bodyPr>
+          <a:lstStyle/>
+          <a:p>
+            <a:endParaRPr lang="en-US" dirty="0">
+              <a:solidFill>
+                <a:schemeClr val="tx1"/>
+              </a:solidFill>
+            </a:endParaRPr>
+          </a:p>
+        </p:txBody>
+      </p:sp>
+      <p:sp>
+        <p:nvSpPr>
+          <p:cNvPr id="8" name="TextBox 7">
+            <a:extLst>
+              <a:ext uri="{FF2B5EF4-FFF2-40B4-BE49-F238E27FC236}">
+                <a16:creationId xmlns:a16="http://schemas.microsoft.com/office/drawing/2014/main" id="{04CA4DF5-C512-4233-8F08-3FDA86F8239A}"/>
+              </a:ext>
+            </a:extLst>
+          </p:cNvPr>
+          <p:cNvSpPr txBox="1"/>
+          <p:nvPr/>
+        </p:nvSpPr>
+        <p:spPr>
+          <a:xfrm>
+            <a:off x="966430" y="3450865"/>
+            <a:ext cx="6006864" cy="1566407"/>
+          </a:xfrm>
+          <a:prstGeom prst="rect">
+            <a:avLst/>
+          </a:prstGeom>
+        </p:spPr>
+        <p:txBody>
+          <a:bodyPr vert="horz" lIns="91440" tIns="45720" rIns="91440" bIns="45720" rtlCol="0" anchor="b">
+            <a:normAutofit/>
+          </a:bodyPr>
+          <a:lstStyle/>
+          <a:p>
+            <a:pPr>
+              <a:lnSpc>
+                <a:spcPct val="90000"/>
+              </a:lnSpc>
+              <a:spcBef>
+                <a:spcPct val="0"/>
+              </a:spcBef>
+              <a:spcAft>
+                <a:spcPts val="600"/>
+              </a:spcAft>
+            </a:pPr>
+            <a:r>
+              <a:rPr lang="en-US" sz="5400" dirty="0">
+                <a:latin typeface="+mj-lt"/>
+                <a:ea typeface="+mj-ea"/>
+                <a:cs typeface="+mj-cs"/>
+              </a:rPr>
+              <a:t>Lab 05</a:t>
+            </a:r>
+          </a:p>
+        </p:txBody>
+      </p:sp>
+      <p:pic>
+        <p:nvPicPr>
+          <p:cNvPr id="5" name="Picture 4">
+            <a:extLst>
+              <a:ext uri="{FF2B5EF4-FFF2-40B4-BE49-F238E27FC236}">
+                <a16:creationId xmlns:a16="http://schemas.microsoft.com/office/drawing/2014/main" id="{93AEC2F9-08DB-41B5-823D-537809F93BF8}"/>
+              </a:ext>
+            </a:extLst>
+          </p:cNvPr>
+          <p:cNvPicPr>
+            <a:picLocks noChangeAspect="1"/>
+          </p:cNvPicPr>
+          <p:nvPr/>
+        </p:nvPicPr>
+        <p:blipFill>
+          <a:blip r:embed="rId3"/>
+          <a:stretch>
+            <a:fillRect/>
+          </a:stretch>
+        </p:blipFill>
+        <p:spPr>
+          <a:xfrm>
+            <a:off x="5093601" y="1172546"/>
+            <a:ext cx="1846470" cy="1703368"/>
+          </a:xfrm>
+          <a:prstGeom prst="rect">
+            <a:avLst/>
+          </a:prstGeom>
+        </p:spPr>
+      </p:pic>
+      <p:pic>
+        <p:nvPicPr>
+          <p:cNvPr id="7" name="Picture 6">
+            <a:extLst>
+              <a:ext uri="{FF2B5EF4-FFF2-40B4-BE49-F238E27FC236}">
+                <a16:creationId xmlns:a16="http://schemas.microsoft.com/office/drawing/2014/main" id="{44155673-E4BF-4691-91EF-AF8288758CA5}"/>
+              </a:ext>
+            </a:extLst>
+          </p:cNvPr>
+          <p:cNvPicPr>
+            <a:picLocks noChangeAspect="1"/>
+          </p:cNvPicPr>
+          <p:nvPr/>
+        </p:nvPicPr>
+        <p:blipFill>
+          <a:blip r:embed="rId4"/>
+          <a:stretch>
+            <a:fillRect/>
+          </a:stretch>
+        </p:blipFill>
+        <p:spPr>
+          <a:xfrm>
+            <a:off x="7946675" y="2346450"/>
+            <a:ext cx="2713512" cy="2713512"/>
+          </a:xfrm>
+          <a:prstGeom prst="rect">
+            <a:avLst/>
+          </a:prstGeom>
+        </p:spPr>
+      </p:pic>
+      <p:pic>
+        <p:nvPicPr>
+          <p:cNvPr id="9" name="Google Shape;56;p13">
+            <a:extLst>
+              <a:ext uri="{FF2B5EF4-FFF2-40B4-BE49-F238E27FC236}">
+                <a16:creationId xmlns:a16="http://schemas.microsoft.com/office/drawing/2014/main" id="{8B86C196-2125-4822-ACAC-63C2EC26B20A}"/>
+              </a:ext>
+            </a:extLst>
+          </p:cNvPr>
+          <p:cNvPicPr preferRelativeResize="0"/>
+          <p:nvPr/>
+        </p:nvPicPr>
+        <p:blipFill>
+          <a:blip r:embed="rId5">
+            <a:alphaModFix/>
+          </a:blip>
+          <a:stretch>
+            <a:fillRect/>
+          </a:stretch>
+        </p:blipFill>
+        <p:spPr>
+          <a:xfrm>
+            <a:off x="10989179" y="5736492"/>
+            <a:ext cx="1202821" cy="1121508"/>
+          </a:xfrm>
+          <a:prstGeom prst="rect">
+            <a:avLst/>
+          </a:prstGeom>
+          <a:noFill/>
+          <a:ln>
+            <a:noFill/>
+          </a:ln>
+        </p:spPr>
+      </p:pic>
+      <p:pic>
+        <p:nvPicPr>
+          <p:cNvPr id="11" name="Graphic 4">
+            <a:extLst>
+              <a:ext uri="{FF2B5EF4-FFF2-40B4-BE49-F238E27FC236}">
+                <a16:creationId xmlns:a16="http://schemas.microsoft.com/office/drawing/2014/main" id="{A39FC542-752A-4C84-B068-FE266CF5CEEA}"/>
+              </a:ext>
+            </a:extLst>
+          </p:cNvPr>
+          <p:cNvPicPr>
+            <a:picLocks noChangeAspect="1"/>
+          </p:cNvPicPr>
+          <p:nvPr/>
+        </p:nvPicPr>
+        <p:blipFill>
+          <a:blip r:embed="rId6">
+            <a:extLst>
+              <a:ext uri="{28A0092B-C50C-407E-A947-70E740481C1C}">
+                <a14:useLocalDpi xmlns:a14="http://schemas.microsoft.com/office/drawing/2010/main" val="0"/>
+              </a:ext>
+              <a:ext uri="{96DAC541-7B7A-43D3-8B79-37D633B846F1}">
+                <asvg:svgBlip xmlns:asvg="http://schemas.microsoft.com/office/drawing/2016/SVG/main" r:embed="rId7"/>
+              </a:ext>
+            </a:extLst>
+          </a:blip>
+          <a:stretch>
+            <a:fillRect/>
+          </a:stretch>
+        </p:blipFill>
+        <p:spPr>
+          <a:xfrm>
+            <a:off x="343599" y="6114702"/>
+            <a:ext cx="1718444" cy="574556"/>
+          </a:xfrm>
+          <a:prstGeom prst="rect">
+            <a:avLst/>
+          </a:prstGeom>
+        </p:spPr>
+      </p:pic>
+    </p:spTree>
+    <p:extLst>
+      <p:ext uri="{BB962C8B-B14F-4D97-AF65-F5344CB8AC3E}">
+        <p14:creationId xmlns:p14="http://schemas.microsoft.com/office/powerpoint/2010/main" val="1550299837"/>
+      </p:ext>
+    </p:extLst>
+  </p:cSld>
+  <p:clrMapOvr>
+    <a:masterClrMapping/>
+  </p:clrMapOvr>
 </p:sld>
 </file>
 

--- a/02-aks-advanced-configuration/slides/Advanced AKS Configuration.pptx
+++ b/02-aks-advanced-configuration/slides/Advanced AKS Configuration.pptx
@@ -5,7 +5,7 @@
     <p:sldMasterId id="2147483648" r:id="rId1"/>
   </p:sldMasterIdLst>
   <p:notesMasterIdLst>
-    <p:notesMasterId r:id="rId23"/>
+    <p:notesMasterId r:id="rId24"/>
   </p:notesMasterIdLst>
   <p:sldIdLst>
     <p:sldId id="256" r:id="rId2"/>
@@ -28,7 +28,8 @@
     <p:sldId id="2076136282" r:id="rId19"/>
     <p:sldId id="2076136284" r:id="rId20"/>
     <p:sldId id="2076136285" r:id="rId21"/>
-    <p:sldId id="2076136283" r:id="rId22"/>
+    <p:sldId id="2076136286" r:id="rId22"/>
+    <p:sldId id="2076136283" r:id="rId23"/>
   </p:sldIdLst>
   <p:sldSz cx="12192000" cy="6858000"/>
   <p:notesSz cx="6858000" cy="9144000"/>
@@ -1633,7 +1634,15 @@
           <a:bodyPr/>
           <a:lstStyle/>
           <a:p>
-            <a:endParaRPr lang="nb-NO" dirty="0"/>
+            <a:pPr rtl="0">
+              <a:spcBef>
+                <a:spcPts val="0"/>
+              </a:spcBef>
+              <a:spcAft>
+                <a:spcPts val="0"/>
+              </a:spcAft>
+            </a:pPr>
+            <a:endParaRPr lang="en-US" dirty="0"/>
           </a:p>
         </p:txBody>
       </p:sp>
@@ -1655,6 +1664,90 @@
             <a:fld id="{00A560F4-8102-4EC4-BB24-179BCBD2EB8E}" type="slidenum">
               <a:rPr lang="en-US" smtClean="0"/>
               <a:t>21</a:t>
+            </a:fld>
+            <a:endParaRPr lang="en-US"/>
+          </a:p>
+        </p:txBody>
+      </p:sp>
+    </p:spTree>
+    <p:extLst>
+      <p:ext uri="{BB962C8B-B14F-4D97-AF65-F5344CB8AC3E}">
+        <p14:creationId xmlns:p14="http://schemas.microsoft.com/office/powerpoint/2010/main" val="895774708"/>
+      </p:ext>
+    </p:extLst>
+  </p:cSld>
+  <p:clrMapOvr>
+    <a:masterClrMapping/>
+  </p:clrMapOvr>
+</p:notes>
+</file>
+
+<file path=ppt/notesSlides/notesSlide21.xml><?xml version="1.0" encoding="utf-8"?>
+<p:notes xmlns:a="http://schemas.openxmlformats.org/drawingml/2006/main" xmlns:r="http://schemas.openxmlformats.org/officeDocument/2006/relationships" xmlns:p="http://schemas.openxmlformats.org/presentationml/2006/main">
+  <p:cSld>
+    <p:spTree>
+      <p:nvGrpSpPr>
+        <p:cNvPr id="1" name=""/>
+        <p:cNvGrpSpPr/>
+        <p:nvPr/>
+      </p:nvGrpSpPr>
+      <p:grpSpPr>
+        <a:xfrm>
+          <a:off x="0" y="0"/>
+          <a:ext cx="0" cy="0"/>
+          <a:chOff x="0" y="0"/>
+          <a:chExt cx="0" cy="0"/>
+        </a:xfrm>
+      </p:grpSpPr>
+      <p:sp>
+        <p:nvSpPr>
+          <p:cNvPr id="2" name="Slide Image Placeholder 1"/>
+          <p:cNvSpPr>
+            <a:spLocks noGrp="1" noRot="1" noChangeAspect="1"/>
+          </p:cNvSpPr>
+          <p:nvPr>
+            <p:ph type="sldImg"/>
+          </p:nvPr>
+        </p:nvSpPr>
+        <p:spPr/>
+      </p:sp>
+      <p:sp>
+        <p:nvSpPr>
+          <p:cNvPr id="3" name="Notes Placeholder 2"/>
+          <p:cNvSpPr>
+            <a:spLocks noGrp="1"/>
+          </p:cNvSpPr>
+          <p:nvPr>
+            <p:ph type="body" idx="1"/>
+          </p:nvPr>
+        </p:nvSpPr>
+        <p:spPr/>
+        <p:txBody>
+          <a:bodyPr/>
+          <a:lstStyle/>
+          <a:p>
+            <a:endParaRPr lang="nb-NO" dirty="0"/>
+          </a:p>
+        </p:txBody>
+      </p:sp>
+      <p:sp>
+        <p:nvSpPr>
+          <p:cNvPr id="4" name="Slide Number Placeholder 3"/>
+          <p:cNvSpPr>
+            <a:spLocks noGrp="1"/>
+          </p:cNvSpPr>
+          <p:nvPr>
+            <p:ph type="sldNum" sz="quarter" idx="5"/>
+          </p:nvPr>
+        </p:nvSpPr>
+        <p:spPr/>
+        <p:txBody>
+          <a:bodyPr/>
+          <a:lstStyle/>
+          <a:p>
+            <a:fld id="{00A560F4-8102-4EC4-BB24-179BCBD2EB8E}" type="slidenum">
+              <a:rPr lang="en-US" smtClean="0"/>
+              <a:t>22</a:t>
             </a:fld>
             <a:endParaRPr lang="en-US"/>
           </a:p>
@@ -16386,6 +16479,202 @@
 <file path=ppt/slides/slide21.xml><?xml version="1.0" encoding="utf-8"?>
 <p:sld xmlns:a="http://schemas.openxmlformats.org/drawingml/2006/main" xmlns:r="http://schemas.openxmlformats.org/officeDocument/2006/relationships" xmlns:p="http://schemas.openxmlformats.org/presentationml/2006/main">
   <p:cSld>
+    <p:spTree>
+      <p:nvGrpSpPr>
+        <p:cNvPr id="1" name=""/>
+        <p:cNvGrpSpPr/>
+        <p:nvPr/>
+      </p:nvGrpSpPr>
+      <p:grpSpPr>
+        <a:xfrm>
+          <a:off x="0" y="0"/>
+          <a:ext cx="0" cy="0"/>
+          <a:chOff x="0" y="0"/>
+          <a:chExt cx="0" cy="0"/>
+        </a:xfrm>
+      </p:grpSpPr>
+      <p:sp>
+        <p:nvSpPr>
+          <p:cNvPr id="2" name="Title 1">
+            <a:extLst>
+              <a:ext uri="{FF2B5EF4-FFF2-40B4-BE49-F238E27FC236}">
+                <a16:creationId xmlns:a16="http://schemas.microsoft.com/office/drawing/2014/main" id="{AF708F16-5DBC-4B6A-8DFC-6213EECAA9C2}"/>
+              </a:ext>
+            </a:extLst>
+          </p:cNvPr>
+          <p:cNvSpPr>
+            <a:spLocks noGrp="1"/>
+          </p:cNvSpPr>
+          <p:nvPr>
+            <p:ph type="title"/>
+          </p:nvPr>
+        </p:nvSpPr>
+        <p:spPr/>
+        <p:txBody>
+          <a:bodyPr/>
+          <a:lstStyle/>
+          <a:p>
+            <a:r>
+              <a:rPr lang="en-US" sz="4400">
+                <a:latin typeface="+mj-lt"/>
+                <a:ea typeface="+mj-ea"/>
+                <a:cs typeface="+mj-cs"/>
+              </a:rPr>
+              <a:t>Pod managed identities</a:t>
+            </a:r>
+            <a:endParaRPr lang="en-US" dirty="0"/>
+          </a:p>
+        </p:txBody>
+      </p:sp>
+      <p:pic>
+        <p:nvPicPr>
+          <p:cNvPr id="4" name="Google Shape;56;p13">
+            <a:extLst>
+              <a:ext uri="{FF2B5EF4-FFF2-40B4-BE49-F238E27FC236}">
+                <a16:creationId xmlns:a16="http://schemas.microsoft.com/office/drawing/2014/main" id="{5DC2FED0-7C5F-460C-998D-2520FD324176}"/>
+              </a:ext>
+            </a:extLst>
+          </p:cNvPr>
+          <p:cNvPicPr preferRelativeResize="0"/>
+          <p:nvPr/>
+        </p:nvPicPr>
+        <p:blipFill>
+          <a:blip r:embed="rId3">
+            <a:alphaModFix/>
+          </a:blip>
+          <a:stretch>
+            <a:fillRect/>
+          </a:stretch>
+        </p:blipFill>
+        <p:spPr>
+          <a:xfrm>
+            <a:off x="10989179" y="5736492"/>
+            <a:ext cx="1202821" cy="1121508"/>
+          </a:xfrm>
+          <a:prstGeom prst="rect">
+            <a:avLst/>
+          </a:prstGeom>
+          <a:noFill/>
+          <a:ln>
+            <a:noFill/>
+          </a:ln>
+        </p:spPr>
+      </p:pic>
+      <p:pic>
+        <p:nvPicPr>
+          <p:cNvPr id="5" name="Picture 4">
+            <a:extLst>
+              <a:ext uri="{FF2B5EF4-FFF2-40B4-BE49-F238E27FC236}">
+                <a16:creationId xmlns:a16="http://schemas.microsoft.com/office/drawing/2014/main" id="{86A17813-B73F-471E-ABB2-08A18EC70133}"/>
+              </a:ext>
+            </a:extLst>
+          </p:cNvPr>
+          <p:cNvPicPr>
+            <a:picLocks noChangeAspect="1"/>
+          </p:cNvPicPr>
+          <p:nvPr/>
+        </p:nvPicPr>
+        <p:blipFill>
+          <a:blip r:embed="rId4"/>
+          <a:stretch>
+            <a:fillRect/>
+          </a:stretch>
+        </p:blipFill>
+        <p:spPr>
+          <a:xfrm>
+            <a:off x="10935891" y="593367"/>
+            <a:ext cx="840509" cy="775369"/>
+          </a:xfrm>
+          <a:prstGeom prst="rect">
+            <a:avLst/>
+          </a:prstGeom>
+        </p:spPr>
+      </p:pic>
+      <p:pic>
+        <p:nvPicPr>
+          <p:cNvPr id="14" name="Graphic 4">
+            <a:extLst>
+              <a:ext uri="{FF2B5EF4-FFF2-40B4-BE49-F238E27FC236}">
+                <a16:creationId xmlns:a16="http://schemas.microsoft.com/office/drawing/2014/main" id="{6AB13A8A-95A1-436F-A858-2CAE645C2D0D}"/>
+              </a:ext>
+            </a:extLst>
+          </p:cNvPr>
+          <p:cNvPicPr>
+            <a:picLocks noChangeAspect="1"/>
+          </p:cNvPicPr>
+          <p:nvPr/>
+        </p:nvPicPr>
+        <p:blipFill>
+          <a:blip r:embed="rId5">
+            <a:extLst>
+              <a:ext uri="{28A0092B-C50C-407E-A947-70E740481C1C}">
+                <a14:useLocalDpi xmlns:a14="http://schemas.microsoft.com/office/drawing/2010/main" val="0"/>
+              </a:ext>
+              <a:ext uri="{96DAC541-7B7A-43D3-8B79-37D633B846F1}">
+                <asvg:svgBlip xmlns:asvg="http://schemas.microsoft.com/office/drawing/2016/SVG/main" r:embed="rId6"/>
+              </a:ext>
+            </a:extLst>
+          </a:blip>
+          <a:stretch>
+            <a:fillRect/>
+          </a:stretch>
+        </p:blipFill>
+        <p:spPr>
+          <a:xfrm>
+            <a:off x="343599" y="6114702"/>
+            <a:ext cx="1718444" cy="574556"/>
+          </a:xfrm>
+          <a:prstGeom prst="rect">
+            <a:avLst/>
+          </a:prstGeom>
+        </p:spPr>
+      </p:pic>
+      <p:pic>
+        <p:nvPicPr>
+          <p:cNvPr id="11" name="Picture 10">
+            <a:extLst>
+              <a:ext uri="{FF2B5EF4-FFF2-40B4-BE49-F238E27FC236}">
+                <a16:creationId xmlns:a16="http://schemas.microsoft.com/office/drawing/2014/main" id="{084800FA-B4D1-4EED-ADB5-DFF16C6C8AFA}"/>
+              </a:ext>
+            </a:extLst>
+          </p:cNvPr>
+          <p:cNvPicPr>
+            <a:picLocks noChangeAspect="1"/>
+          </p:cNvPicPr>
+          <p:nvPr/>
+        </p:nvPicPr>
+        <p:blipFill>
+          <a:blip r:embed="rId7"/>
+          <a:stretch>
+            <a:fillRect/>
+          </a:stretch>
+        </p:blipFill>
+        <p:spPr>
+          <a:xfrm>
+            <a:off x="2769581" y="1904868"/>
+            <a:ext cx="6652837" cy="3048264"/>
+          </a:xfrm>
+          <a:prstGeom prst="rect">
+            <a:avLst/>
+          </a:prstGeom>
+        </p:spPr>
+      </p:pic>
+    </p:spTree>
+    <p:extLst>
+      <p:ext uri="{BB962C8B-B14F-4D97-AF65-F5344CB8AC3E}">
+        <p14:creationId xmlns:p14="http://schemas.microsoft.com/office/powerpoint/2010/main" val="1664970853"/>
+      </p:ext>
+    </p:extLst>
+  </p:cSld>
+  <p:clrMapOvr>
+    <a:masterClrMapping/>
+  </p:clrMapOvr>
+</p:sld>
+</file>
+
+<file path=ppt/slides/slide22.xml><?xml version="1.0" encoding="utf-8"?>
+<p:sld xmlns:a="http://schemas.openxmlformats.org/drawingml/2006/main" xmlns:r="http://schemas.openxmlformats.org/officeDocument/2006/relationships" xmlns:p="http://schemas.openxmlformats.org/presentationml/2006/main">
+  <p:cSld>
     <p:bg>
       <p:bgPr>
         <a:solidFill>
@@ -17306,7 +17595,7 @@
                 <a:ea typeface="+mj-ea"/>
                 <a:cs typeface="+mj-cs"/>
               </a:rPr>
-              <a:t>Lab 05</a:t>
+              <a:t>Lab 05 – 20 min</a:t>
             </a:r>
           </a:p>
         </p:txBody>

--- a/02-aks-advanced-configuration/slides/Advanced AKS Configuration.pptx
+++ b/02-aks-advanced-configuration/slides/Advanced AKS Configuration.pptx
@@ -5,7 +5,7 @@
     <p:sldMasterId id="2147483648" r:id="rId1"/>
   </p:sldMasterIdLst>
   <p:notesMasterIdLst>
-    <p:notesMasterId r:id="rId24"/>
+    <p:notesMasterId r:id="rId26"/>
   </p:notesMasterIdLst>
   <p:sldIdLst>
     <p:sldId id="256" r:id="rId2"/>
@@ -30,6 +30,8 @@
     <p:sldId id="2076136285" r:id="rId21"/>
     <p:sldId id="2076136286" r:id="rId22"/>
     <p:sldId id="2076136283" r:id="rId23"/>
+    <p:sldId id="2076136287" r:id="rId24"/>
+    <p:sldId id="2076136288" r:id="rId25"/>
   </p:sldIdLst>
   <p:sldSz cx="12192000" cy="6858000"/>
   <p:notesSz cx="6858000" cy="9144000"/>
@@ -1757,6 +1759,174 @@
     <p:extLst>
       <p:ext uri="{BB962C8B-B14F-4D97-AF65-F5344CB8AC3E}">
         <p14:creationId xmlns:p14="http://schemas.microsoft.com/office/powerpoint/2010/main" val="2761798007"/>
+      </p:ext>
+    </p:extLst>
+  </p:cSld>
+  <p:clrMapOvr>
+    <a:masterClrMapping/>
+  </p:clrMapOvr>
+</p:notes>
+</file>
+
+<file path=ppt/notesSlides/notesSlide22.xml><?xml version="1.0" encoding="utf-8"?>
+<p:notes xmlns:a="http://schemas.openxmlformats.org/drawingml/2006/main" xmlns:r="http://schemas.openxmlformats.org/officeDocument/2006/relationships" xmlns:p="http://schemas.openxmlformats.org/presentationml/2006/main">
+  <p:cSld>
+    <p:spTree>
+      <p:nvGrpSpPr>
+        <p:cNvPr id="1" name=""/>
+        <p:cNvGrpSpPr/>
+        <p:nvPr/>
+      </p:nvGrpSpPr>
+      <p:grpSpPr>
+        <a:xfrm>
+          <a:off x="0" y="0"/>
+          <a:ext cx="0" cy="0"/>
+          <a:chOff x="0" y="0"/>
+          <a:chExt cx="0" cy="0"/>
+        </a:xfrm>
+      </p:grpSpPr>
+      <p:sp>
+        <p:nvSpPr>
+          <p:cNvPr id="2" name="Slide Image Placeholder 1"/>
+          <p:cNvSpPr>
+            <a:spLocks noGrp="1" noRot="1" noChangeAspect="1"/>
+          </p:cNvSpPr>
+          <p:nvPr>
+            <p:ph type="sldImg"/>
+          </p:nvPr>
+        </p:nvSpPr>
+        <p:spPr/>
+      </p:sp>
+      <p:sp>
+        <p:nvSpPr>
+          <p:cNvPr id="3" name="Notes Placeholder 2"/>
+          <p:cNvSpPr>
+            <a:spLocks noGrp="1"/>
+          </p:cNvSpPr>
+          <p:nvPr>
+            <p:ph type="body" idx="1"/>
+          </p:nvPr>
+        </p:nvSpPr>
+        <p:spPr/>
+        <p:txBody>
+          <a:bodyPr/>
+          <a:lstStyle/>
+          <a:p>
+            <a:endParaRPr lang="nb-NO" dirty="0"/>
+          </a:p>
+        </p:txBody>
+      </p:sp>
+      <p:sp>
+        <p:nvSpPr>
+          <p:cNvPr id="4" name="Slide Number Placeholder 3"/>
+          <p:cNvSpPr>
+            <a:spLocks noGrp="1"/>
+          </p:cNvSpPr>
+          <p:nvPr>
+            <p:ph type="sldNum" sz="quarter" idx="5"/>
+          </p:nvPr>
+        </p:nvSpPr>
+        <p:spPr/>
+        <p:txBody>
+          <a:bodyPr/>
+          <a:lstStyle/>
+          <a:p>
+            <a:fld id="{00A560F4-8102-4EC4-BB24-179BCBD2EB8E}" type="slidenum">
+              <a:rPr lang="en-US" smtClean="0"/>
+              <a:t>23</a:t>
+            </a:fld>
+            <a:endParaRPr lang="en-US"/>
+          </a:p>
+        </p:txBody>
+      </p:sp>
+    </p:spTree>
+    <p:extLst>
+      <p:ext uri="{BB962C8B-B14F-4D97-AF65-F5344CB8AC3E}">
+        <p14:creationId xmlns:p14="http://schemas.microsoft.com/office/powerpoint/2010/main" val="3794709917"/>
+      </p:ext>
+    </p:extLst>
+  </p:cSld>
+  <p:clrMapOvr>
+    <a:masterClrMapping/>
+  </p:clrMapOvr>
+</p:notes>
+</file>
+
+<file path=ppt/notesSlides/notesSlide23.xml><?xml version="1.0" encoding="utf-8"?>
+<p:notes xmlns:a="http://schemas.openxmlformats.org/drawingml/2006/main" xmlns:r="http://schemas.openxmlformats.org/officeDocument/2006/relationships" xmlns:p="http://schemas.openxmlformats.org/presentationml/2006/main">
+  <p:cSld>
+    <p:spTree>
+      <p:nvGrpSpPr>
+        <p:cNvPr id="1" name=""/>
+        <p:cNvGrpSpPr/>
+        <p:nvPr/>
+      </p:nvGrpSpPr>
+      <p:grpSpPr>
+        <a:xfrm>
+          <a:off x="0" y="0"/>
+          <a:ext cx="0" cy="0"/>
+          <a:chOff x="0" y="0"/>
+          <a:chExt cx="0" cy="0"/>
+        </a:xfrm>
+      </p:grpSpPr>
+      <p:sp>
+        <p:nvSpPr>
+          <p:cNvPr id="2" name="Slide Image Placeholder 1"/>
+          <p:cNvSpPr>
+            <a:spLocks noGrp="1" noRot="1" noChangeAspect="1"/>
+          </p:cNvSpPr>
+          <p:nvPr>
+            <p:ph type="sldImg"/>
+          </p:nvPr>
+        </p:nvSpPr>
+        <p:spPr/>
+      </p:sp>
+      <p:sp>
+        <p:nvSpPr>
+          <p:cNvPr id="3" name="Notes Placeholder 2"/>
+          <p:cNvSpPr>
+            <a:spLocks noGrp="1"/>
+          </p:cNvSpPr>
+          <p:nvPr>
+            <p:ph type="body" idx="1"/>
+          </p:nvPr>
+        </p:nvSpPr>
+        <p:spPr/>
+        <p:txBody>
+          <a:bodyPr/>
+          <a:lstStyle/>
+          <a:p>
+            <a:endParaRPr lang="nb-NO" dirty="0"/>
+          </a:p>
+        </p:txBody>
+      </p:sp>
+      <p:sp>
+        <p:nvSpPr>
+          <p:cNvPr id="4" name="Slide Number Placeholder 3"/>
+          <p:cNvSpPr>
+            <a:spLocks noGrp="1"/>
+          </p:cNvSpPr>
+          <p:nvPr>
+            <p:ph type="sldNum" sz="quarter" idx="5"/>
+          </p:nvPr>
+        </p:nvSpPr>
+        <p:spPr/>
+        <p:txBody>
+          <a:bodyPr/>
+          <a:lstStyle/>
+          <a:p>
+            <a:fld id="{00A560F4-8102-4EC4-BB24-179BCBD2EB8E}" type="slidenum">
+              <a:rPr lang="en-US" smtClean="0"/>
+              <a:t>24</a:t>
+            </a:fld>
+            <a:endParaRPr lang="en-US"/>
+          </a:p>
+        </p:txBody>
+      </p:sp>
+    </p:spTree>
+    <p:extLst>
+      <p:ext uri="{BB962C8B-B14F-4D97-AF65-F5344CB8AC3E}">
+        <p14:creationId xmlns:p14="http://schemas.microsoft.com/office/powerpoint/2010/main" val="1622572903"/>
       </p:ext>
     </p:extLst>
   </p:cSld>
@@ -17737,6 +17907,2162 @@
     <p:extLst>
       <p:ext uri="{BB962C8B-B14F-4D97-AF65-F5344CB8AC3E}">
         <p14:creationId xmlns:p14="http://schemas.microsoft.com/office/powerpoint/2010/main" val="1550299837"/>
+      </p:ext>
+    </p:extLst>
+  </p:cSld>
+  <p:clrMapOvr>
+    <a:masterClrMapping/>
+  </p:clrMapOvr>
+</p:sld>
+</file>
+
+<file path=ppt/slides/slide23.xml><?xml version="1.0" encoding="utf-8"?>
+<p:sld xmlns:a="http://schemas.openxmlformats.org/drawingml/2006/main" xmlns:r="http://schemas.openxmlformats.org/officeDocument/2006/relationships" xmlns:p="http://schemas.openxmlformats.org/presentationml/2006/main">
+  <p:cSld>
+    <p:bg>
+      <p:bgPr>
+        <a:solidFill>
+          <a:schemeClr val="bg1"/>
+        </a:solidFill>
+        <a:effectLst/>
+      </p:bgPr>
+    </p:bg>
+    <p:spTree>
+      <p:nvGrpSpPr>
+        <p:cNvPr id="1" name=""/>
+        <p:cNvGrpSpPr/>
+        <p:nvPr/>
+      </p:nvGrpSpPr>
+      <p:grpSpPr>
+        <a:xfrm>
+          <a:off x="0" y="0"/>
+          <a:ext cx="0" cy="0"/>
+          <a:chOff x="0" y="0"/>
+          <a:chExt cx="0" cy="0"/>
+        </a:xfrm>
+      </p:grpSpPr>
+      <p:sp useBgFill="1">
+        <p:nvSpPr>
+          <p:cNvPr id="16" name="Rectangle 15">
+            <a:extLst>
+              <a:ext uri="{FF2B5EF4-FFF2-40B4-BE49-F238E27FC236}">
+                <a16:creationId xmlns:a16="http://schemas.microsoft.com/office/drawing/2014/main" id="{A29398BB-6F62-472B-88B2-8D942FEBFB20}"/>
+              </a:ext>
+              <a:ext uri="{C183D7F6-B498-43B3-948B-1728B52AA6E4}">
+                <adec:decorative xmlns:adec="http://schemas.microsoft.com/office/drawing/2017/decorative" val="1"/>
+              </a:ext>
+            </a:extLst>
+          </p:cNvPr>
+          <p:cNvSpPr>
+            <a:spLocks noGrp="1" noRot="1" noChangeAspect="1" noMove="1" noResize="1" noEditPoints="1" noAdjustHandles="1" noChangeArrowheads="1" noChangeShapeType="1" noTextEdit="1"/>
+          </p:cNvSpPr>
+          <p:nvPr>
+            <p:extLst>
+              <p:ext uri="{386F3935-93C4-4BCD-93E2-E3B085C9AB24}">
+                <p16:designElem xmlns:p16="http://schemas.microsoft.com/office/powerpoint/2015/main" val="1"/>
+              </p:ext>
+            </p:extLst>
+          </p:nvPr>
+        </p:nvSpPr>
+        <p:spPr>
+          <a:xfrm>
+            <a:off x="0" y="-6646"/>
+            <a:ext cx="12192000" cy="6858000"/>
+          </a:xfrm>
+          <a:prstGeom prst="rect">
+            <a:avLst/>
+          </a:prstGeom>
+          <a:ln>
+            <a:noFill/>
+          </a:ln>
+        </p:spPr>
+        <p:style>
+          <a:lnRef idx="2">
+            <a:schemeClr val="accent1">
+              <a:shade val="50000"/>
+            </a:schemeClr>
+          </a:lnRef>
+          <a:fillRef idx="1">
+            <a:schemeClr val="accent1"/>
+          </a:fillRef>
+          <a:effectRef idx="0">
+            <a:schemeClr val="accent1"/>
+          </a:effectRef>
+          <a:fontRef idx="minor">
+            <a:schemeClr val="lt1"/>
+          </a:fontRef>
+        </p:style>
+        <p:txBody>
+          <a:bodyPr rtlCol="0" anchor="ctr"/>
+          <a:lstStyle/>
+          <a:p>
+            <a:pPr algn="ctr"/>
+            <a:endParaRPr lang="en-US"/>
+          </a:p>
+        </p:txBody>
+      </p:sp>
+      <p:grpSp>
+        <p:nvGrpSpPr>
+          <p:cNvPr id="18" name="Group 17">
+            <a:extLst>
+              <a:ext uri="{FF2B5EF4-FFF2-40B4-BE49-F238E27FC236}">
+                <a16:creationId xmlns:a16="http://schemas.microsoft.com/office/drawing/2014/main" id="{A3C0D298-47AC-4912-8022-B969E5732CB9}"/>
+              </a:ext>
+              <a:ext uri="{C183D7F6-B498-43B3-948B-1728B52AA6E4}">
+                <adec:decorative xmlns:adec="http://schemas.microsoft.com/office/drawing/2017/decorative" val="1"/>
+              </a:ext>
+            </a:extLst>
+          </p:cNvPr>
+          <p:cNvGrpSpPr>
+            <a:grpSpLocks noGrp="1" noUngrp="1" noRot="1" noChangeAspect="1" noMove="1" noResize="1"/>
+          </p:cNvGrpSpPr>
+          <p:nvPr>
+            <p:extLst>
+              <p:ext uri="{386F3935-93C4-4BCD-93E2-E3B085C9AB24}">
+                <p16:designElem xmlns:p16="http://schemas.microsoft.com/office/powerpoint/2015/main" val="1"/>
+              </p:ext>
+            </p:extLst>
+          </p:nvPr>
+        </p:nvGrpSpPr>
+        <p:grpSpPr>
+          <a:xfrm>
+            <a:off x="966430" y="626107"/>
+            <a:ext cx="1128382" cy="847206"/>
+            <a:chOff x="5307830" y="325570"/>
+            <a:chExt cx="1128382" cy="847206"/>
+          </a:xfrm>
+        </p:grpSpPr>
+        <p:sp>
+          <p:nvSpPr>
+            <p:cNvPr id="19" name="Freeform 5">
+              <a:extLst>
+                <a:ext uri="{FF2B5EF4-FFF2-40B4-BE49-F238E27FC236}">
+                  <a16:creationId xmlns:a16="http://schemas.microsoft.com/office/drawing/2014/main" id="{F8ED9F95-2ADE-4C89-BD97-AF7DB8DB3677}"/>
+                </a:ext>
+                <a:ext uri="{C183D7F6-B498-43B3-948B-1728B52AA6E4}">
+                  <adec:decorative xmlns:adec="http://schemas.microsoft.com/office/drawing/2017/decorative" val="1"/>
+                </a:ext>
+              </a:extLst>
+            </p:cNvPr>
+            <p:cNvSpPr>
+              <a:spLocks/>
+            </p:cNvSpPr>
+            <p:nvPr>
+              <p:extLst>
+                <p:ext uri="{386F3935-93C4-4BCD-93E2-E3B085C9AB24}">
+                  <p16:designElem xmlns:p16="http://schemas.microsoft.com/office/powerpoint/2015/main" val="1"/>
+                </p:ext>
+              </p:extLst>
+            </p:nvPr>
+          </p:nvSpPr>
+          <p:spPr bwMode="auto">
+            <a:xfrm>
+              <a:off x="5307830" y="577396"/>
+              <a:ext cx="675351" cy="595380"/>
+            </a:xfrm>
+            <a:custGeom>
+              <a:avLst/>
+              <a:gdLst>
+                <a:gd name="T0" fmla="*/ 225 w 785"/>
+                <a:gd name="T1" fmla="*/ 692 h 692"/>
+                <a:gd name="T2" fmla="*/ 177 w 785"/>
+                <a:gd name="T3" fmla="*/ 665 h 692"/>
+                <a:gd name="T4" fmla="*/ 9 w 785"/>
+                <a:gd name="T5" fmla="*/ 374 h 692"/>
+                <a:gd name="T6" fmla="*/ 9 w 785"/>
+                <a:gd name="T7" fmla="*/ 318 h 692"/>
+                <a:gd name="T8" fmla="*/ 177 w 785"/>
+                <a:gd name="T9" fmla="*/ 27 h 692"/>
+                <a:gd name="T10" fmla="*/ 225 w 785"/>
+                <a:gd name="T11" fmla="*/ 0 h 692"/>
+                <a:gd name="T12" fmla="*/ 561 w 785"/>
+                <a:gd name="T13" fmla="*/ 0 h 692"/>
+                <a:gd name="T14" fmla="*/ 609 w 785"/>
+                <a:gd name="T15" fmla="*/ 27 h 692"/>
+                <a:gd name="T16" fmla="*/ 777 w 785"/>
+                <a:gd name="T17" fmla="*/ 318 h 692"/>
+                <a:gd name="T18" fmla="*/ 777 w 785"/>
+                <a:gd name="T19" fmla="*/ 374 h 692"/>
+                <a:gd name="T20" fmla="*/ 609 w 785"/>
+                <a:gd name="T21" fmla="*/ 665 h 692"/>
+                <a:gd name="T22" fmla="*/ 561 w 785"/>
+                <a:gd name="T23" fmla="*/ 692 h 692"/>
+                <a:gd name="T24" fmla="*/ 225 w 785"/>
+                <a:gd name="T25" fmla="*/ 692 h 692"/>
+              </a:gdLst>
+              <a:ahLst/>
+              <a:cxnLst>
+                <a:cxn ang="0">
+                  <a:pos x="T0" y="T1"/>
+                </a:cxn>
+                <a:cxn ang="0">
+                  <a:pos x="T2" y="T3"/>
+                </a:cxn>
+                <a:cxn ang="0">
+                  <a:pos x="T4" y="T5"/>
+                </a:cxn>
+                <a:cxn ang="0">
+                  <a:pos x="T6" y="T7"/>
+                </a:cxn>
+                <a:cxn ang="0">
+                  <a:pos x="T8" y="T9"/>
+                </a:cxn>
+                <a:cxn ang="0">
+                  <a:pos x="T10" y="T11"/>
+                </a:cxn>
+                <a:cxn ang="0">
+                  <a:pos x="T12" y="T13"/>
+                </a:cxn>
+                <a:cxn ang="0">
+                  <a:pos x="T14" y="T15"/>
+                </a:cxn>
+                <a:cxn ang="0">
+                  <a:pos x="T16" y="T17"/>
+                </a:cxn>
+                <a:cxn ang="0">
+                  <a:pos x="T18" y="T19"/>
+                </a:cxn>
+                <a:cxn ang="0">
+                  <a:pos x="T20" y="T21"/>
+                </a:cxn>
+                <a:cxn ang="0">
+                  <a:pos x="T22" y="T23"/>
+                </a:cxn>
+                <a:cxn ang="0">
+                  <a:pos x="T24" y="T25"/>
+                </a:cxn>
+              </a:cxnLst>
+              <a:rect l="0" t="0" r="r" b="b"/>
+              <a:pathLst>
+                <a:path w="785" h="692">
+                  <a:moveTo>
+                    <a:pt x="225" y="692"/>
+                  </a:moveTo>
+                  <a:cubicBezTo>
+                    <a:pt x="207" y="692"/>
+                    <a:pt x="185" y="680"/>
+                    <a:pt x="177" y="665"/>
+                  </a:cubicBezTo>
+                  <a:cubicBezTo>
+                    <a:pt x="9" y="374"/>
+                    <a:pt x="9" y="374"/>
+                    <a:pt x="9" y="374"/>
+                  </a:cubicBezTo>
+                  <a:cubicBezTo>
+                    <a:pt x="0" y="358"/>
+                    <a:pt x="0" y="334"/>
+                    <a:pt x="9" y="318"/>
+                  </a:cubicBezTo>
+                  <a:cubicBezTo>
+                    <a:pt x="177" y="27"/>
+                    <a:pt x="177" y="27"/>
+                    <a:pt x="177" y="27"/>
+                  </a:cubicBezTo>
+                  <a:cubicBezTo>
+                    <a:pt x="185" y="12"/>
+                    <a:pt x="207" y="0"/>
+                    <a:pt x="225" y="0"/>
+                  </a:cubicBezTo>
+                  <a:cubicBezTo>
+                    <a:pt x="561" y="0"/>
+                    <a:pt x="561" y="0"/>
+                    <a:pt x="561" y="0"/>
+                  </a:cubicBezTo>
+                  <a:cubicBezTo>
+                    <a:pt x="578" y="0"/>
+                    <a:pt x="600" y="12"/>
+                    <a:pt x="609" y="27"/>
+                  </a:cubicBezTo>
+                  <a:cubicBezTo>
+                    <a:pt x="777" y="318"/>
+                    <a:pt x="777" y="318"/>
+                    <a:pt x="777" y="318"/>
+                  </a:cubicBezTo>
+                  <a:cubicBezTo>
+                    <a:pt x="785" y="334"/>
+                    <a:pt x="785" y="358"/>
+                    <a:pt x="777" y="374"/>
+                  </a:cubicBezTo>
+                  <a:cubicBezTo>
+                    <a:pt x="609" y="665"/>
+                    <a:pt x="609" y="665"/>
+                    <a:pt x="609" y="665"/>
+                  </a:cubicBezTo>
+                  <a:cubicBezTo>
+                    <a:pt x="600" y="680"/>
+                    <a:pt x="578" y="692"/>
+                    <a:pt x="561" y="692"/>
+                  </a:cubicBezTo>
+                  <a:lnTo>
+                    <a:pt x="225" y="692"/>
+                  </a:lnTo>
+                  <a:close/>
+                </a:path>
+              </a:pathLst>
+            </a:custGeom>
+            <a:noFill/>
+            <a:ln w="28575" cmpd="sng">
+              <a:solidFill>
+                <a:schemeClr val="tx1"/>
+              </a:solidFill>
+            </a:ln>
+          </p:spPr>
+          <p:txBody>
+            <a:bodyPr vert="horz" wrap="square" lIns="91440" tIns="45720" rIns="91440" bIns="45720" numCol="1" anchor="t" anchorCtr="0" compatLnSpc="1">
+              <a:prstTxWarp prst="textNoShape">
+                <a:avLst/>
+              </a:prstTxWarp>
+            </a:bodyPr>
+            <a:lstStyle/>
+            <a:p>
+              <a:endParaRPr lang="en-US"/>
+            </a:p>
+          </p:txBody>
+        </p:sp>
+        <p:sp>
+          <p:nvSpPr>
+            <p:cNvPr id="20" name="Freeform 5">
+              <a:extLst>
+                <a:ext uri="{FF2B5EF4-FFF2-40B4-BE49-F238E27FC236}">
+                  <a16:creationId xmlns:a16="http://schemas.microsoft.com/office/drawing/2014/main" id="{1DD52534-E915-42C0-890A-5B19A15B5375}"/>
+                </a:ext>
+                <a:ext uri="{C183D7F6-B498-43B3-948B-1728B52AA6E4}">
+                  <adec:decorative xmlns:adec="http://schemas.microsoft.com/office/drawing/2017/decorative" val="1"/>
+                </a:ext>
+              </a:extLst>
+            </p:cNvPr>
+            <p:cNvSpPr>
+              <a:spLocks/>
+            </p:cNvSpPr>
+            <p:nvPr>
+              <p:extLst>
+                <p:ext uri="{386F3935-93C4-4BCD-93E2-E3B085C9AB24}">
+                  <p16:designElem xmlns:p16="http://schemas.microsoft.com/office/powerpoint/2015/main" val="1"/>
+                </p:ext>
+              </p:extLst>
+            </p:nvPr>
+          </p:nvSpPr>
+          <p:spPr bwMode="auto">
+            <a:xfrm>
+              <a:off x="5885720" y="325570"/>
+              <a:ext cx="550492" cy="485306"/>
+            </a:xfrm>
+            <a:custGeom>
+              <a:avLst/>
+              <a:gdLst>
+                <a:gd name="T0" fmla="*/ 225 w 785"/>
+                <a:gd name="T1" fmla="*/ 692 h 692"/>
+                <a:gd name="T2" fmla="*/ 177 w 785"/>
+                <a:gd name="T3" fmla="*/ 665 h 692"/>
+                <a:gd name="T4" fmla="*/ 9 w 785"/>
+                <a:gd name="T5" fmla="*/ 374 h 692"/>
+                <a:gd name="T6" fmla="*/ 9 w 785"/>
+                <a:gd name="T7" fmla="*/ 318 h 692"/>
+                <a:gd name="T8" fmla="*/ 177 w 785"/>
+                <a:gd name="T9" fmla="*/ 27 h 692"/>
+                <a:gd name="T10" fmla="*/ 225 w 785"/>
+                <a:gd name="T11" fmla="*/ 0 h 692"/>
+                <a:gd name="T12" fmla="*/ 561 w 785"/>
+                <a:gd name="T13" fmla="*/ 0 h 692"/>
+                <a:gd name="T14" fmla="*/ 609 w 785"/>
+                <a:gd name="T15" fmla="*/ 27 h 692"/>
+                <a:gd name="T16" fmla="*/ 777 w 785"/>
+                <a:gd name="T17" fmla="*/ 318 h 692"/>
+                <a:gd name="T18" fmla="*/ 777 w 785"/>
+                <a:gd name="T19" fmla="*/ 374 h 692"/>
+                <a:gd name="T20" fmla="*/ 609 w 785"/>
+                <a:gd name="T21" fmla="*/ 665 h 692"/>
+                <a:gd name="T22" fmla="*/ 561 w 785"/>
+                <a:gd name="T23" fmla="*/ 692 h 692"/>
+                <a:gd name="T24" fmla="*/ 225 w 785"/>
+                <a:gd name="T25" fmla="*/ 692 h 692"/>
+              </a:gdLst>
+              <a:ahLst/>
+              <a:cxnLst>
+                <a:cxn ang="0">
+                  <a:pos x="T0" y="T1"/>
+                </a:cxn>
+                <a:cxn ang="0">
+                  <a:pos x="T2" y="T3"/>
+                </a:cxn>
+                <a:cxn ang="0">
+                  <a:pos x="T4" y="T5"/>
+                </a:cxn>
+                <a:cxn ang="0">
+                  <a:pos x="T6" y="T7"/>
+                </a:cxn>
+                <a:cxn ang="0">
+                  <a:pos x="T8" y="T9"/>
+                </a:cxn>
+                <a:cxn ang="0">
+                  <a:pos x="T10" y="T11"/>
+                </a:cxn>
+                <a:cxn ang="0">
+                  <a:pos x="T12" y="T13"/>
+                </a:cxn>
+                <a:cxn ang="0">
+                  <a:pos x="T14" y="T15"/>
+                </a:cxn>
+                <a:cxn ang="0">
+                  <a:pos x="T16" y="T17"/>
+                </a:cxn>
+                <a:cxn ang="0">
+                  <a:pos x="T18" y="T19"/>
+                </a:cxn>
+                <a:cxn ang="0">
+                  <a:pos x="T20" y="T21"/>
+                </a:cxn>
+                <a:cxn ang="0">
+                  <a:pos x="T22" y="T23"/>
+                </a:cxn>
+                <a:cxn ang="0">
+                  <a:pos x="T24" y="T25"/>
+                </a:cxn>
+              </a:cxnLst>
+              <a:rect l="0" t="0" r="r" b="b"/>
+              <a:pathLst>
+                <a:path w="785" h="692">
+                  <a:moveTo>
+                    <a:pt x="225" y="692"/>
+                  </a:moveTo>
+                  <a:cubicBezTo>
+                    <a:pt x="207" y="692"/>
+                    <a:pt x="185" y="680"/>
+                    <a:pt x="177" y="665"/>
+                  </a:cubicBezTo>
+                  <a:cubicBezTo>
+                    <a:pt x="9" y="374"/>
+                    <a:pt x="9" y="374"/>
+                    <a:pt x="9" y="374"/>
+                  </a:cubicBezTo>
+                  <a:cubicBezTo>
+                    <a:pt x="0" y="358"/>
+                    <a:pt x="0" y="334"/>
+                    <a:pt x="9" y="318"/>
+                  </a:cubicBezTo>
+                  <a:cubicBezTo>
+                    <a:pt x="177" y="27"/>
+                    <a:pt x="177" y="27"/>
+                    <a:pt x="177" y="27"/>
+                  </a:cubicBezTo>
+                  <a:cubicBezTo>
+                    <a:pt x="185" y="12"/>
+                    <a:pt x="207" y="0"/>
+                    <a:pt x="225" y="0"/>
+                  </a:cubicBezTo>
+                  <a:cubicBezTo>
+                    <a:pt x="561" y="0"/>
+                    <a:pt x="561" y="0"/>
+                    <a:pt x="561" y="0"/>
+                  </a:cubicBezTo>
+                  <a:cubicBezTo>
+                    <a:pt x="578" y="0"/>
+                    <a:pt x="600" y="12"/>
+                    <a:pt x="609" y="27"/>
+                  </a:cubicBezTo>
+                  <a:cubicBezTo>
+                    <a:pt x="777" y="318"/>
+                    <a:pt x="777" y="318"/>
+                    <a:pt x="777" y="318"/>
+                  </a:cubicBezTo>
+                  <a:cubicBezTo>
+                    <a:pt x="785" y="334"/>
+                    <a:pt x="785" y="358"/>
+                    <a:pt x="777" y="374"/>
+                  </a:cubicBezTo>
+                  <a:cubicBezTo>
+                    <a:pt x="609" y="665"/>
+                    <a:pt x="609" y="665"/>
+                    <a:pt x="609" y="665"/>
+                  </a:cubicBezTo>
+                  <a:cubicBezTo>
+                    <a:pt x="600" y="680"/>
+                    <a:pt x="578" y="692"/>
+                    <a:pt x="561" y="692"/>
+                  </a:cubicBezTo>
+                  <a:lnTo>
+                    <a:pt x="225" y="692"/>
+                  </a:lnTo>
+                  <a:close/>
+                </a:path>
+              </a:pathLst>
+            </a:custGeom>
+            <a:noFill/>
+            <a:ln w="28575" cmpd="sng">
+              <a:solidFill>
+                <a:schemeClr val="tx1"/>
+              </a:solidFill>
+            </a:ln>
+          </p:spPr>
+          <p:txBody>
+            <a:bodyPr vert="horz" wrap="square" lIns="91440" tIns="45720" rIns="91440" bIns="45720" numCol="1" anchor="t" anchorCtr="0" compatLnSpc="1">
+              <a:prstTxWarp prst="textNoShape">
+                <a:avLst/>
+              </a:prstTxWarp>
+            </a:bodyPr>
+            <a:lstStyle/>
+            <a:p>
+              <a:endParaRPr lang="en-US"/>
+            </a:p>
+          </p:txBody>
+        </p:sp>
+      </p:grpSp>
+      <p:sp>
+        <p:nvSpPr>
+          <p:cNvPr id="22" name="Freeform 5">
+            <a:extLst>
+              <a:ext uri="{FF2B5EF4-FFF2-40B4-BE49-F238E27FC236}">
+                <a16:creationId xmlns:a16="http://schemas.microsoft.com/office/drawing/2014/main" id="{01F1CEA4-5DA0-41E1-A743-4F227AE62B67}"/>
+              </a:ext>
+              <a:ext uri="{C183D7F6-B498-43B3-948B-1728B52AA6E4}">
+                <adec:decorative xmlns:adec="http://schemas.microsoft.com/office/drawing/2017/decorative" val="1"/>
+              </a:ext>
+            </a:extLst>
+          </p:cNvPr>
+          <p:cNvSpPr>
+            <a:spLocks noGrp="1" noRot="1" noChangeAspect="1" noMove="1" noResize="1" noEditPoints="1" noAdjustHandles="1" noChangeArrowheads="1" noChangeShapeType="1" noTextEdit="1"/>
+          </p:cNvSpPr>
+          <p:nvPr>
+            <p:extLst>
+              <p:ext uri="{386F3935-93C4-4BCD-93E2-E3B085C9AB24}">
+                <p16:designElem xmlns:p16="http://schemas.microsoft.com/office/powerpoint/2015/main" val="1"/>
+              </p:ext>
+            </p:extLst>
+          </p:nvPr>
+        </p:nvSpPr>
+        <p:spPr bwMode="auto">
+          <a:xfrm>
+            <a:off x="6958811" y="1645694"/>
+            <a:ext cx="4689240" cy="4115025"/>
+          </a:xfrm>
+          <a:custGeom>
+            <a:avLst/>
+            <a:gdLst>
+              <a:gd name="T0" fmla="*/ 781 w 1099"/>
+              <a:gd name="T1" fmla="*/ 0 h 968"/>
+              <a:gd name="T2" fmla="*/ 318 w 1099"/>
+              <a:gd name="T3" fmla="*/ 0 h 968"/>
+              <a:gd name="T4" fmla="*/ 246 w 1099"/>
+              <a:gd name="T5" fmla="*/ 42 h 968"/>
+              <a:gd name="T6" fmla="*/ 15 w 1099"/>
+              <a:gd name="T7" fmla="*/ 443 h 968"/>
+              <a:gd name="T8" fmla="*/ 15 w 1099"/>
+              <a:gd name="T9" fmla="*/ 525 h 968"/>
+              <a:gd name="T10" fmla="*/ 246 w 1099"/>
+              <a:gd name="T11" fmla="*/ 926 h 968"/>
+              <a:gd name="T12" fmla="*/ 318 w 1099"/>
+              <a:gd name="T13" fmla="*/ 968 h 968"/>
+              <a:gd name="T14" fmla="*/ 781 w 1099"/>
+              <a:gd name="T15" fmla="*/ 968 h 968"/>
+              <a:gd name="T16" fmla="*/ 852 w 1099"/>
+              <a:gd name="T17" fmla="*/ 926 h 968"/>
+              <a:gd name="T18" fmla="*/ 1084 w 1099"/>
+              <a:gd name="T19" fmla="*/ 525 h 968"/>
+              <a:gd name="T20" fmla="*/ 1084 w 1099"/>
+              <a:gd name="T21" fmla="*/ 443 h 968"/>
+              <a:gd name="T22" fmla="*/ 852 w 1099"/>
+              <a:gd name="T23" fmla="*/ 42 h 968"/>
+              <a:gd name="T24" fmla="*/ 781 w 1099"/>
+              <a:gd name="T25" fmla="*/ 0 h 968"/>
+            </a:gdLst>
+            <a:ahLst/>
+            <a:cxnLst>
+              <a:cxn ang="0">
+                <a:pos x="T0" y="T1"/>
+              </a:cxn>
+              <a:cxn ang="0">
+                <a:pos x="T2" y="T3"/>
+              </a:cxn>
+              <a:cxn ang="0">
+                <a:pos x="T4" y="T5"/>
+              </a:cxn>
+              <a:cxn ang="0">
+                <a:pos x="T6" y="T7"/>
+              </a:cxn>
+              <a:cxn ang="0">
+                <a:pos x="T8" y="T9"/>
+              </a:cxn>
+              <a:cxn ang="0">
+                <a:pos x="T10" y="T11"/>
+              </a:cxn>
+              <a:cxn ang="0">
+                <a:pos x="T12" y="T13"/>
+              </a:cxn>
+              <a:cxn ang="0">
+                <a:pos x="T14" y="T15"/>
+              </a:cxn>
+              <a:cxn ang="0">
+                <a:pos x="T16" y="T17"/>
+              </a:cxn>
+              <a:cxn ang="0">
+                <a:pos x="T18" y="T19"/>
+              </a:cxn>
+              <a:cxn ang="0">
+                <a:pos x="T20" y="T21"/>
+              </a:cxn>
+              <a:cxn ang="0">
+                <a:pos x="T22" y="T23"/>
+              </a:cxn>
+              <a:cxn ang="0">
+                <a:pos x="T24" y="T25"/>
+              </a:cxn>
+            </a:cxnLst>
+            <a:rect l="0" t="0" r="r" b="b"/>
+            <a:pathLst>
+              <a:path w="1099" h="968">
+                <a:moveTo>
+                  <a:pt x="781" y="0"/>
+                </a:moveTo>
+                <a:cubicBezTo>
+                  <a:pt x="318" y="0"/>
+                  <a:pt x="318" y="0"/>
+                  <a:pt x="318" y="0"/>
+                </a:cubicBezTo>
+                <a:cubicBezTo>
+                  <a:pt x="288" y="0"/>
+                  <a:pt x="261" y="16"/>
+                  <a:pt x="246" y="42"/>
+                </a:cubicBezTo>
+                <a:cubicBezTo>
+                  <a:pt x="15" y="443"/>
+                  <a:pt x="15" y="443"/>
+                  <a:pt x="15" y="443"/>
+                </a:cubicBezTo>
+                <a:cubicBezTo>
+                  <a:pt x="0" y="468"/>
+                  <a:pt x="0" y="500"/>
+                  <a:pt x="15" y="525"/>
+                </a:cubicBezTo>
+                <a:cubicBezTo>
+                  <a:pt x="246" y="926"/>
+                  <a:pt x="246" y="926"/>
+                  <a:pt x="246" y="926"/>
+                </a:cubicBezTo>
+                <a:cubicBezTo>
+                  <a:pt x="261" y="952"/>
+                  <a:pt x="288" y="968"/>
+                  <a:pt x="318" y="968"/>
+                </a:cubicBezTo>
+                <a:cubicBezTo>
+                  <a:pt x="781" y="968"/>
+                  <a:pt x="781" y="968"/>
+                  <a:pt x="781" y="968"/>
+                </a:cubicBezTo>
+                <a:cubicBezTo>
+                  <a:pt x="810" y="968"/>
+                  <a:pt x="838" y="952"/>
+                  <a:pt x="852" y="926"/>
+                </a:cubicBezTo>
+                <a:cubicBezTo>
+                  <a:pt x="1084" y="525"/>
+                  <a:pt x="1084" y="525"/>
+                  <a:pt x="1084" y="525"/>
+                </a:cubicBezTo>
+                <a:cubicBezTo>
+                  <a:pt x="1099" y="500"/>
+                  <a:pt x="1099" y="468"/>
+                  <a:pt x="1084" y="443"/>
+                </a:cubicBezTo>
+                <a:cubicBezTo>
+                  <a:pt x="852" y="42"/>
+                  <a:pt x="852" y="42"/>
+                  <a:pt x="852" y="42"/>
+                </a:cubicBezTo>
+                <a:cubicBezTo>
+                  <a:pt x="838" y="16"/>
+                  <a:pt x="810" y="0"/>
+                  <a:pt x="781" y="0"/>
+                </a:cubicBezTo>
+                <a:close/>
+              </a:path>
+            </a:pathLst>
+          </a:custGeom>
+          <a:noFill/>
+          <a:ln w="50800" cap="flat">
+            <a:solidFill>
+              <a:schemeClr val="tx1"/>
+            </a:solidFill>
+            <a:prstDash val="solid"/>
+            <a:miter lim="800000"/>
+            <a:headEnd/>
+            <a:tailEnd/>
+          </a:ln>
+        </p:spPr>
+        <p:txBody>
+          <a:bodyPr vert="horz" wrap="square" lIns="91440" tIns="45720" rIns="91440" bIns="45720" numCol="1" anchor="t" anchorCtr="0" compatLnSpc="1">
+            <a:prstTxWarp prst="textNoShape">
+              <a:avLst/>
+            </a:prstTxWarp>
+          </a:bodyPr>
+          <a:lstStyle/>
+          <a:p>
+            <a:endParaRPr lang="en-US" dirty="0"/>
+          </a:p>
+        </p:txBody>
+      </p:sp>
+      <p:sp>
+        <p:nvSpPr>
+          <p:cNvPr id="24" name="Freeform: Shape 23">
+            <a:extLst>
+              <a:ext uri="{FF2B5EF4-FFF2-40B4-BE49-F238E27FC236}">
+                <a16:creationId xmlns:a16="http://schemas.microsoft.com/office/drawing/2014/main" id="{07D1A722-B699-4DA0-B7AC-F06CC81AD5F2}"/>
+              </a:ext>
+              <a:ext uri="{C183D7F6-B498-43B3-948B-1728B52AA6E4}">
+                <adec:decorative xmlns:adec="http://schemas.microsoft.com/office/drawing/2017/decorative" val="1"/>
+              </a:ext>
+            </a:extLst>
+          </p:cNvPr>
+          <p:cNvSpPr>
+            <a:spLocks noGrp="1" noRot="1" noChangeAspect="1" noMove="1" noResize="1" noEditPoints="1" noAdjustHandles="1" noChangeArrowheads="1" noChangeShapeType="1" noTextEdit="1"/>
+          </p:cNvSpPr>
+          <p:nvPr>
+            <p:extLst>
+              <p:ext uri="{386F3935-93C4-4BCD-93E2-E3B085C9AB24}">
+                <p16:designElem xmlns:p16="http://schemas.microsoft.com/office/powerpoint/2015/main" val="1"/>
+              </p:ext>
+            </p:extLst>
+          </p:nvPr>
+        </p:nvSpPr>
+        <p:spPr>
+          <a:xfrm>
+            <a:off x="4439502" y="626107"/>
+            <a:ext cx="3154669" cy="2796247"/>
+          </a:xfrm>
+          <a:custGeom>
+            <a:avLst/>
+            <a:gdLst>
+              <a:gd name="connsiteX0" fmla="*/ 853538 w 2991693"/>
+              <a:gd name="connsiteY0" fmla="*/ 0 h 2651787"/>
+              <a:gd name="connsiteX1" fmla="*/ 2141030 w 2991693"/>
+              <a:gd name="connsiteY1" fmla="*/ 0 h 2651787"/>
+              <a:gd name="connsiteX2" fmla="*/ 2324957 w 2991693"/>
+              <a:gd name="connsiteY2" fmla="*/ 103466 h 2651787"/>
+              <a:gd name="connsiteX3" fmla="*/ 2968702 w 2991693"/>
+              <a:gd name="connsiteY3" fmla="*/ 1218596 h 2651787"/>
+              <a:gd name="connsiteX4" fmla="*/ 2968702 w 2991693"/>
+              <a:gd name="connsiteY4" fmla="*/ 1433192 h 2651787"/>
+              <a:gd name="connsiteX5" fmla="*/ 2324957 w 2991693"/>
+              <a:gd name="connsiteY5" fmla="*/ 2548321 h 2651787"/>
+              <a:gd name="connsiteX6" fmla="*/ 2141030 w 2991693"/>
+              <a:gd name="connsiteY6" fmla="*/ 2651787 h 2651787"/>
+              <a:gd name="connsiteX7" fmla="*/ 853538 w 2991693"/>
+              <a:gd name="connsiteY7" fmla="*/ 2651787 h 2651787"/>
+              <a:gd name="connsiteX8" fmla="*/ 669612 w 2991693"/>
+              <a:gd name="connsiteY8" fmla="*/ 2548321 h 2651787"/>
+              <a:gd name="connsiteX9" fmla="*/ 25866 w 2991693"/>
+              <a:gd name="connsiteY9" fmla="*/ 1433192 h 2651787"/>
+              <a:gd name="connsiteX10" fmla="*/ 25866 w 2991693"/>
+              <a:gd name="connsiteY10" fmla="*/ 1218596 h 2651787"/>
+              <a:gd name="connsiteX11" fmla="*/ 669612 w 2991693"/>
+              <a:gd name="connsiteY11" fmla="*/ 103466 h 2651787"/>
+              <a:gd name="connsiteX12" fmla="*/ 853538 w 2991693"/>
+              <a:gd name="connsiteY12" fmla="*/ 0 h 2651787"/>
+            </a:gdLst>
+            <a:ahLst/>
+            <a:cxnLst>
+              <a:cxn ang="0">
+                <a:pos x="connsiteX0" y="connsiteY0"/>
+              </a:cxn>
+              <a:cxn ang="0">
+                <a:pos x="connsiteX1" y="connsiteY1"/>
+              </a:cxn>
+              <a:cxn ang="0">
+                <a:pos x="connsiteX2" y="connsiteY2"/>
+              </a:cxn>
+              <a:cxn ang="0">
+                <a:pos x="connsiteX3" y="connsiteY3"/>
+              </a:cxn>
+              <a:cxn ang="0">
+                <a:pos x="connsiteX4" y="connsiteY4"/>
+              </a:cxn>
+              <a:cxn ang="0">
+                <a:pos x="connsiteX5" y="connsiteY5"/>
+              </a:cxn>
+              <a:cxn ang="0">
+                <a:pos x="connsiteX6" y="connsiteY6"/>
+              </a:cxn>
+              <a:cxn ang="0">
+                <a:pos x="connsiteX7" y="connsiteY7"/>
+              </a:cxn>
+              <a:cxn ang="0">
+                <a:pos x="connsiteX8" y="connsiteY8"/>
+              </a:cxn>
+              <a:cxn ang="0">
+                <a:pos x="connsiteX9" y="connsiteY9"/>
+              </a:cxn>
+              <a:cxn ang="0">
+                <a:pos x="connsiteX10" y="connsiteY10"/>
+              </a:cxn>
+              <a:cxn ang="0">
+                <a:pos x="connsiteX11" y="connsiteY11"/>
+              </a:cxn>
+              <a:cxn ang="0">
+                <a:pos x="connsiteX12" y="connsiteY12"/>
+              </a:cxn>
+            </a:cxnLst>
+            <a:rect l="l" t="t" r="r" b="b"/>
+            <a:pathLst>
+              <a:path w="2991693" h="2651787">
+                <a:moveTo>
+                  <a:pt x="853538" y="0"/>
+                </a:moveTo>
+                <a:cubicBezTo>
+                  <a:pt x="2141030" y="0"/>
+                  <a:pt x="2141030" y="0"/>
+                  <a:pt x="2141030" y="0"/>
+                </a:cubicBezTo>
+                <a:cubicBezTo>
+                  <a:pt x="2206170" y="0"/>
+                  <a:pt x="2290471" y="45985"/>
+                  <a:pt x="2324957" y="103466"/>
+                </a:cubicBezTo>
+                <a:cubicBezTo>
+                  <a:pt x="2968702" y="1218596"/>
+                  <a:pt x="2968702" y="1218596"/>
+                  <a:pt x="2968702" y="1218596"/>
+                </a:cubicBezTo>
+                <a:cubicBezTo>
+                  <a:pt x="2999357" y="1279909"/>
+                  <a:pt x="2999357" y="1371878"/>
+                  <a:pt x="2968702" y="1433192"/>
+                </a:cubicBezTo>
+                <a:cubicBezTo>
+                  <a:pt x="2324957" y="2548321"/>
+                  <a:pt x="2324957" y="2548321"/>
+                  <a:pt x="2324957" y="2548321"/>
+                </a:cubicBezTo>
+                <a:cubicBezTo>
+                  <a:pt x="2290471" y="2605803"/>
+                  <a:pt x="2206170" y="2651787"/>
+                  <a:pt x="2141030" y="2651787"/>
+                </a:cubicBezTo>
+                <a:lnTo>
+                  <a:pt x="853538" y="2651787"/>
+                </a:lnTo>
+                <a:cubicBezTo>
+                  <a:pt x="784566" y="2651787"/>
+                  <a:pt x="700266" y="2605803"/>
+                  <a:pt x="669612" y="2548321"/>
+                </a:cubicBezTo>
+                <a:cubicBezTo>
+                  <a:pt x="25866" y="1433192"/>
+                  <a:pt x="25866" y="1433192"/>
+                  <a:pt x="25866" y="1433192"/>
+                </a:cubicBezTo>
+                <a:cubicBezTo>
+                  <a:pt x="-8621" y="1371878"/>
+                  <a:pt x="-8621" y="1279909"/>
+                  <a:pt x="25866" y="1218596"/>
+                </a:cubicBezTo>
+                <a:cubicBezTo>
+                  <a:pt x="669612" y="103466"/>
+                  <a:pt x="669612" y="103466"/>
+                  <a:pt x="669612" y="103466"/>
+                </a:cubicBezTo>
+                <a:cubicBezTo>
+                  <a:pt x="700266" y="45985"/>
+                  <a:pt x="784566" y="0"/>
+                  <a:pt x="853538" y="0"/>
+                </a:cubicBezTo>
+                <a:close/>
+              </a:path>
+            </a:pathLst>
+          </a:custGeom>
+          <a:noFill/>
+          <a:ln w="50800" cap="flat">
+            <a:solidFill>
+              <a:schemeClr val="tx1"/>
+            </a:solidFill>
+            <a:prstDash val="solid"/>
+            <a:miter lim="800000"/>
+            <a:headEnd/>
+            <a:tailEnd/>
+          </a:ln>
+        </p:spPr>
+        <p:txBody>
+          <a:bodyPr vert="horz" wrap="square" lIns="91440" tIns="45720" rIns="91440" bIns="45720" numCol="1" anchor="t" anchorCtr="0" compatLnSpc="1">
+            <a:prstTxWarp prst="textNoShape">
+              <a:avLst/>
+            </a:prstTxWarp>
+          </a:bodyPr>
+          <a:lstStyle/>
+          <a:p>
+            <a:endParaRPr lang="en-US" dirty="0">
+              <a:solidFill>
+                <a:schemeClr val="tx1"/>
+              </a:solidFill>
+            </a:endParaRPr>
+          </a:p>
+        </p:txBody>
+      </p:sp>
+      <p:sp>
+        <p:nvSpPr>
+          <p:cNvPr id="8" name="TextBox 7">
+            <a:extLst>
+              <a:ext uri="{FF2B5EF4-FFF2-40B4-BE49-F238E27FC236}">
+                <a16:creationId xmlns:a16="http://schemas.microsoft.com/office/drawing/2014/main" id="{04CA4DF5-C512-4233-8F08-3FDA86F8239A}"/>
+              </a:ext>
+            </a:extLst>
+          </p:cNvPr>
+          <p:cNvSpPr txBox="1"/>
+          <p:nvPr/>
+        </p:nvSpPr>
+        <p:spPr>
+          <a:xfrm>
+            <a:off x="475974" y="3968793"/>
+            <a:ext cx="6006864" cy="703152"/>
+          </a:xfrm>
+          <a:prstGeom prst="rect">
+            <a:avLst/>
+          </a:prstGeom>
+        </p:spPr>
+        <p:txBody>
+          <a:bodyPr vert="horz" lIns="91440" tIns="45720" rIns="91440" bIns="45720" rtlCol="0" anchor="b">
+            <a:normAutofit fontScale="92500" lnSpcReduction="10000"/>
+          </a:bodyPr>
+          <a:lstStyle/>
+          <a:p>
+            <a:pPr>
+              <a:lnSpc>
+                <a:spcPct val="90000"/>
+              </a:lnSpc>
+              <a:spcBef>
+                <a:spcPct val="0"/>
+              </a:spcBef>
+              <a:spcAft>
+                <a:spcPts val="600"/>
+              </a:spcAft>
+            </a:pPr>
+            <a:r>
+              <a:rPr lang="en-US" sz="5000" dirty="0">
+                <a:latin typeface="+mj-lt"/>
+                <a:ea typeface="+mj-ea"/>
+                <a:cs typeface="+mj-cs"/>
+              </a:rPr>
+              <a:t>NGINX ingress controller</a:t>
+            </a:r>
+          </a:p>
+        </p:txBody>
+      </p:sp>
+      <p:pic>
+        <p:nvPicPr>
+          <p:cNvPr id="5" name="Picture 4">
+            <a:extLst>
+              <a:ext uri="{FF2B5EF4-FFF2-40B4-BE49-F238E27FC236}">
+                <a16:creationId xmlns:a16="http://schemas.microsoft.com/office/drawing/2014/main" id="{93AEC2F9-08DB-41B5-823D-537809F93BF8}"/>
+              </a:ext>
+            </a:extLst>
+          </p:cNvPr>
+          <p:cNvPicPr>
+            <a:picLocks noChangeAspect="1"/>
+          </p:cNvPicPr>
+          <p:nvPr/>
+        </p:nvPicPr>
+        <p:blipFill>
+          <a:blip r:embed="rId3"/>
+          <a:stretch>
+            <a:fillRect/>
+          </a:stretch>
+        </p:blipFill>
+        <p:spPr>
+          <a:xfrm>
+            <a:off x="5093601" y="1172546"/>
+            <a:ext cx="1846470" cy="1703368"/>
+          </a:xfrm>
+          <a:prstGeom prst="rect">
+            <a:avLst/>
+          </a:prstGeom>
+        </p:spPr>
+      </p:pic>
+      <p:pic>
+        <p:nvPicPr>
+          <p:cNvPr id="7" name="Picture 6">
+            <a:extLst>
+              <a:ext uri="{FF2B5EF4-FFF2-40B4-BE49-F238E27FC236}">
+                <a16:creationId xmlns:a16="http://schemas.microsoft.com/office/drawing/2014/main" id="{44155673-E4BF-4691-91EF-AF8288758CA5}"/>
+              </a:ext>
+            </a:extLst>
+          </p:cNvPr>
+          <p:cNvPicPr>
+            <a:picLocks noChangeAspect="1"/>
+          </p:cNvPicPr>
+          <p:nvPr/>
+        </p:nvPicPr>
+        <p:blipFill>
+          <a:blip r:embed="rId4"/>
+          <a:stretch>
+            <a:fillRect/>
+          </a:stretch>
+        </p:blipFill>
+        <p:spPr>
+          <a:xfrm>
+            <a:off x="7946675" y="2346450"/>
+            <a:ext cx="2713512" cy="2713512"/>
+          </a:xfrm>
+          <a:prstGeom prst="rect">
+            <a:avLst/>
+          </a:prstGeom>
+        </p:spPr>
+      </p:pic>
+      <p:pic>
+        <p:nvPicPr>
+          <p:cNvPr id="9" name="Google Shape;56;p13">
+            <a:extLst>
+              <a:ext uri="{FF2B5EF4-FFF2-40B4-BE49-F238E27FC236}">
+                <a16:creationId xmlns:a16="http://schemas.microsoft.com/office/drawing/2014/main" id="{8B86C196-2125-4822-ACAC-63C2EC26B20A}"/>
+              </a:ext>
+            </a:extLst>
+          </p:cNvPr>
+          <p:cNvPicPr preferRelativeResize="0"/>
+          <p:nvPr/>
+        </p:nvPicPr>
+        <p:blipFill>
+          <a:blip r:embed="rId5">
+            <a:alphaModFix/>
+          </a:blip>
+          <a:stretch>
+            <a:fillRect/>
+          </a:stretch>
+        </p:blipFill>
+        <p:spPr>
+          <a:xfrm>
+            <a:off x="10989179" y="5736492"/>
+            <a:ext cx="1202821" cy="1121508"/>
+          </a:xfrm>
+          <a:prstGeom prst="rect">
+            <a:avLst/>
+          </a:prstGeom>
+          <a:noFill/>
+          <a:ln>
+            <a:noFill/>
+          </a:ln>
+        </p:spPr>
+      </p:pic>
+      <p:pic>
+        <p:nvPicPr>
+          <p:cNvPr id="11" name="Graphic 4">
+            <a:extLst>
+              <a:ext uri="{FF2B5EF4-FFF2-40B4-BE49-F238E27FC236}">
+                <a16:creationId xmlns:a16="http://schemas.microsoft.com/office/drawing/2014/main" id="{A39FC542-752A-4C84-B068-FE266CF5CEEA}"/>
+              </a:ext>
+            </a:extLst>
+          </p:cNvPr>
+          <p:cNvPicPr>
+            <a:picLocks noChangeAspect="1"/>
+          </p:cNvPicPr>
+          <p:nvPr/>
+        </p:nvPicPr>
+        <p:blipFill>
+          <a:blip r:embed="rId6">
+            <a:extLst>
+              <a:ext uri="{28A0092B-C50C-407E-A947-70E740481C1C}">
+                <a14:useLocalDpi xmlns:a14="http://schemas.microsoft.com/office/drawing/2010/main" val="0"/>
+              </a:ext>
+              <a:ext uri="{96DAC541-7B7A-43D3-8B79-37D633B846F1}">
+                <asvg:svgBlip xmlns:asvg="http://schemas.microsoft.com/office/drawing/2016/SVG/main" r:embed="rId7"/>
+              </a:ext>
+            </a:extLst>
+          </a:blip>
+          <a:stretch>
+            <a:fillRect/>
+          </a:stretch>
+        </p:blipFill>
+        <p:spPr>
+          <a:xfrm>
+            <a:off x="343599" y="6114702"/>
+            <a:ext cx="1718444" cy="574556"/>
+          </a:xfrm>
+          <a:prstGeom prst="rect">
+            <a:avLst/>
+          </a:prstGeom>
+        </p:spPr>
+      </p:pic>
+    </p:spTree>
+    <p:extLst>
+      <p:ext uri="{BB962C8B-B14F-4D97-AF65-F5344CB8AC3E}">
+        <p14:creationId xmlns:p14="http://schemas.microsoft.com/office/powerpoint/2010/main" val="937204128"/>
+      </p:ext>
+    </p:extLst>
+  </p:cSld>
+  <p:clrMapOvr>
+    <a:masterClrMapping/>
+  </p:clrMapOvr>
+</p:sld>
+</file>
+
+<file path=ppt/slides/slide24.xml><?xml version="1.0" encoding="utf-8"?>
+<p:sld xmlns:a="http://schemas.openxmlformats.org/drawingml/2006/main" xmlns:r="http://schemas.openxmlformats.org/officeDocument/2006/relationships" xmlns:p="http://schemas.openxmlformats.org/presentationml/2006/main">
+  <p:cSld>
+    <p:bg>
+      <p:bgPr>
+        <a:solidFill>
+          <a:schemeClr val="bg1"/>
+        </a:solidFill>
+        <a:effectLst/>
+      </p:bgPr>
+    </p:bg>
+    <p:spTree>
+      <p:nvGrpSpPr>
+        <p:cNvPr id="1" name=""/>
+        <p:cNvGrpSpPr/>
+        <p:nvPr/>
+      </p:nvGrpSpPr>
+      <p:grpSpPr>
+        <a:xfrm>
+          <a:off x="0" y="0"/>
+          <a:ext cx="0" cy="0"/>
+          <a:chOff x="0" y="0"/>
+          <a:chExt cx="0" cy="0"/>
+        </a:xfrm>
+      </p:grpSpPr>
+      <p:sp useBgFill="1">
+        <p:nvSpPr>
+          <p:cNvPr id="16" name="Rectangle 15">
+            <a:extLst>
+              <a:ext uri="{FF2B5EF4-FFF2-40B4-BE49-F238E27FC236}">
+                <a16:creationId xmlns:a16="http://schemas.microsoft.com/office/drawing/2014/main" id="{A29398BB-6F62-472B-88B2-8D942FEBFB20}"/>
+              </a:ext>
+              <a:ext uri="{C183D7F6-B498-43B3-948B-1728B52AA6E4}">
+                <adec:decorative xmlns:adec="http://schemas.microsoft.com/office/drawing/2017/decorative" val="1"/>
+              </a:ext>
+            </a:extLst>
+          </p:cNvPr>
+          <p:cNvSpPr>
+            <a:spLocks noGrp="1" noRot="1" noChangeAspect="1" noMove="1" noResize="1" noEditPoints="1" noAdjustHandles="1" noChangeArrowheads="1" noChangeShapeType="1" noTextEdit="1"/>
+          </p:cNvSpPr>
+          <p:nvPr>
+            <p:extLst>
+              <p:ext uri="{386F3935-93C4-4BCD-93E2-E3B085C9AB24}">
+                <p16:designElem xmlns:p16="http://schemas.microsoft.com/office/powerpoint/2015/main" val="1"/>
+              </p:ext>
+            </p:extLst>
+          </p:nvPr>
+        </p:nvSpPr>
+        <p:spPr>
+          <a:xfrm>
+            <a:off x="0" y="-6646"/>
+            <a:ext cx="12192000" cy="6858000"/>
+          </a:xfrm>
+          <a:prstGeom prst="rect">
+            <a:avLst/>
+          </a:prstGeom>
+          <a:ln>
+            <a:noFill/>
+          </a:ln>
+        </p:spPr>
+        <p:style>
+          <a:lnRef idx="2">
+            <a:schemeClr val="accent1">
+              <a:shade val="50000"/>
+            </a:schemeClr>
+          </a:lnRef>
+          <a:fillRef idx="1">
+            <a:schemeClr val="accent1"/>
+          </a:fillRef>
+          <a:effectRef idx="0">
+            <a:schemeClr val="accent1"/>
+          </a:effectRef>
+          <a:fontRef idx="minor">
+            <a:schemeClr val="lt1"/>
+          </a:fontRef>
+        </p:style>
+        <p:txBody>
+          <a:bodyPr rtlCol="0" anchor="ctr"/>
+          <a:lstStyle/>
+          <a:p>
+            <a:pPr algn="ctr"/>
+            <a:endParaRPr lang="en-US"/>
+          </a:p>
+        </p:txBody>
+      </p:sp>
+      <p:grpSp>
+        <p:nvGrpSpPr>
+          <p:cNvPr id="18" name="Group 17">
+            <a:extLst>
+              <a:ext uri="{FF2B5EF4-FFF2-40B4-BE49-F238E27FC236}">
+                <a16:creationId xmlns:a16="http://schemas.microsoft.com/office/drawing/2014/main" id="{A3C0D298-47AC-4912-8022-B969E5732CB9}"/>
+              </a:ext>
+              <a:ext uri="{C183D7F6-B498-43B3-948B-1728B52AA6E4}">
+                <adec:decorative xmlns:adec="http://schemas.microsoft.com/office/drawing/2017/decorative" val="1"/>
+              </a:ext>
+            </a:extLst>
+          </p:cNvPr>
+          <p:cNvGrpSpPr>
+            <a:grpSpLocks noGrp="1" noUngrp="1" noRot="1" noChangeAspect="1" noMove="1" noResize="1"/>
+          </p:cNvGrpSpPr>
+          <p:nvPr>
+            <p:extLst>
+              <p:ext uri="{386F3935-93C4-4BCD-93E2-E3B085C9AB24}">
+                <p16:designElem xmlns:p16="http://schemas.microsoft.com/office/powerpoint/2015/main" val="1"/>
+              </p:ext>
+            </p:extLst>
+          </p:nvPr>
+        </p:nvGrpSpPr>
+        <p:grpSpPr>
+          <a:xfrm>
+            <a:off x="966430" y="626107"/>
+            <a:ext cx="1128382" cy="847206"/>
+            <a:chOff x="5307830" y="325570"/>
+            <a:chExt cx="1128382" cy="847206"/>
+          </a:xfrm>
+        </p:grpSpPr>
+        <p:sp>
+          <p:nvSpPr>
+            <p:cNvPr id="19" name="Freeform 5">
+              <a:extLst>
+                <a:ext uri="{FF2B5EF4-FFF2-40B4-BE49-F238E27FC236}">
+                  <a16:creationId xmlns:a16="http://schemas.microsoft.com/office/drawing/2014/main" id="{F8ED9F95-2ADE-4C89-BD97-AF7DB8DB3677}"/>
+                </a:ext>
+                <a:ext uri="{C183D7F6-B498-43B3-948B-1728B52AA6E4}">
+                  <adec:decorative xmlns:adec="http://schemas.microsoft.com/office/drawing/2017/decorative" val="1"/>
+                </a:ext>
+              </a:extLst>
+            </p:cNvPr>
+            <p:cNvSpPr>
+              <a:spLocks/>
+            </p:cNvSpPr>
+            <p:nvPr>
+              <p:extLst>
+                <p:ext uri="{386F3935-93C4-4BCD-93E2-E3B085C9AB24}">
+                  <p16:designElem xmlns:p16="http://schemas.microsoft.com/office/powerpoint/2015/main" val="1"/>
+                </p:ext>
+              </p:extLst>
+            </p:nvPr>
+          </p:nvSpPr>
+          <p:spPr bwMode="auto">
+            <a:xfrm>
+              <a:off x="5307830" y="577396"/>
+              <a:ext cx="675351" cy="595380"/>
+            </a:xfrm>
+            <a:custGeom>
+              <a:avLst/>
+              <a:gdLst>
+                <a:gd name="T0" fmla="*/ 225 w 785"/>
+                <a:gd name="T1" fmla="*/ 692 h 692"/>
+                <a:gd name="T2" fmla="*/ 177 w 785"/>
+                <a:gd name="T3" fmla="*/ 665 h 692"/>
+                <a:gd name="T4" fmla="*/ 9 w 785"/>
+                <a:gd name="T5" fmla="*/ 374 h 692"/>
+                <a:gd name="T6" fmla="*/ 9 w 785"/>
+                <a:gd name="T7" fmla="*/ 318 h 692"/>
+                <a:gd name="T8" fmla="*/ 177 w 785"/>
+                <a:gd name="T9" fmla="*/ 27 h 692"/>
+                <a:gd name="T10" fmla="*/ 225 w 785"/>
+                <a:gd name="T11" fmla="*/ 0 h 692"/>
+                <a:gd name="T12" fmla="*/ 561 w 785"/>
+                <a:gd name="T13" fmla="*/ 0 h 692"/>
+                <a:gd name="T14" fmla="*/ 609 w 785"/>
+                <a:gd name="T15" fmla="*/ 27 h 692"/>
+                <a:gd name="T16" fmla="*/ 777 w 785"/>
+                <a:gd name="T17" fmla="*/ 318 h 692"/>
+                <a:gd name="T18" fmla="*/ 777 w 785"/>
+                <a:gd name="T19" fmla="*/ 374 h 692"/>
+                <a:gd name="T20" fmla="*/ 609 w 785"/>
+                <a:gd name="T21" fmla="*/ 665 h 692"/>
+                <a:gd name="T22" fmla="*/ 561 w 785"/>
+                <a:gd name="T23" fmla="*/ 692 h 692"/>
+                <a:gd name="T24" fmla="*/ 225 w 785"/>
+                <a:gd name="T25" fmla="*/ 692 h 692"/>
+              </a:gdLst>
+              <a:ahLst/>
+              <a:cxnLst>
+                <a:cxn ang="0">
+                  <a:pos x="T0" y="T1"/>
+                </a:cxn>
+                <a:cxn ang="0">
+                  <a:pos x="T2" y="T3"/>
+                </a:cxn>
+                <a:cxn ang="0">
+                  <a:pos x="T4" y="T5"/>
+                </a:cxn>
+                <a:cxn ang="0">
+                  <a:pos x="T6" y="T7"/>
+                </a:cxn>
+                <a:cxn ang="0">
+                  <a:pos x="T8" y="T9"/>
+                </a:cxn>
+                <a:cxn ang="0">
+                  <a:pos x="T10" y="T11"/>
+                </a:cxn>
+                <a:cxn ang="0">
+                  <a:pos x="T12" y="T13"/>
+                </a:cxn>
+                <a:cxn ang="0">
+                  <a:pos x="T14" y="T15"/>
+                </a:cxn>
+                <a:cxn ang="0">
+                  <a:pos x="T16" y="T17"/>
+                </a:cxn>
+                <a:cxn ang="0">
+                  <a:pos x="T18" y="T19"/>
+                </a:cxn>
+                <a:cxn ang="0">
+                  <a:pos x="T20" y="T21"/>
+                </a:cxn>
+                <a:cxn ang="0">
+                  <a:pos x="T22" y="T23"/>
+                </a:cxn>
+                <a:cxn ang="0">
+                  <a:pos x="T24" y="T25"/>
+                </a:cxn>
+              </a:cxnLst>
+              <a:rect l="0" t="0" r="r" b="b"/>
+              <a:pathLst>
+                <a:path w="785" h="692">
+                  <a:moveTo>
+                    <a:pt x="225" y="692"/>
+                  </a:moveTo>
+                  <a:cubicBezTo>
+                    <a:pt x="207" y="692"/>
+                    <a:pt x="185" y="680"/>
+                    <a:pt x="177" y="665"/>
+                  </a:cubicBezTo>
+                  <a:cubicBezTo>
+                    <a:pt x="9" y="374"/>
+                    <a:pt x="9" y="374"/>
+                    <a:pt x="9" y="374"/>
+                  </a:cubicBezTo>
+                  <a:cubicBezTo>
+                    <a:pt x="0" y="358"/>
+                    <a:pt x="0" y="334"/>
+                    <a:pt x="9" y="318"/>
+                  </a:cubicBezTo>
+                  <a:cubicBezTo>
+                    <a:pt x="177" y="27"/>
+                    <a:pt x="177" y="27"/>
+                    <a:pt x="177" y="27"/>
+                  </a:cubicBezTo>
+                  <a:cubicBezTo>
+                    <a:pt x="185" y="12"/>
+                    <a:pt x="207" y="0"/>
+                    <a:pt x="225" y="0"/>
+                  </a:cubicBezTo>
+                  <a:cubicBezTo>
+                    <a:pt x="561" y="0"/>
+                    <a:pt x="561" y="0"/>
+                    <a:pt x="561" y="0"/>
+                  </a:cubicBezTo>
+                  <a:cubicBezTo>
+                    <a:pt x="578" y="0"/>
+                    <a:pt x="600" y="12"/>
+                    <a:pt x="609" y="27"/>
+                  </a:cubicBezTo>
+                  <a:cubicBezTo>
+                    <a:pt x="777" y="318"/>
+                    <a:pt x="777" y="318"/>
+                    <a:pt x="777" y="318"/>
+                  </a:cubicBezTo>
+                  <a:cubicBezTo>
+                    <a:pt x="785" y="334"/>
+                    <a:pt x="785" y="358"/>
+                    <a:pt x="777" y="374"/>
+                  </a:cubicBezTo>
+                  <a:cubicBezTo>
+                    <a:pt x="609" y="665"/>
+                    <a:pt x="609" y="665"/>
+                    <a:pt x="609" y="665"/>
+                  </a:cubicBezTo>
+                  <a:cubicBezTo>
+                    <a:pt x="600" y="680"/>
+                    <a:pt x="578" y="692"/>
+                    <a:pt x="561" y="692"/>
+                  </a:cubicBezTo>
+                  <a:lnTo>
+                    <a:pt x="225" y="692"/>
+                  </a:lnTo>
+                  <a:close/>
+                </a:path>
+              </a:pathLst>
+            </a:custGeom>
+            <a:noFill/>
+            <a:ln w="28575" cmpd="sng">
+              <a:solidFill>
+                <a:schemeClr val="tx1"/>
+              </a:solidFill>
+            </a:ln>
+          </p:spPr>
+          <p:txBody>
+            <a:bodyPr vert="horz" wrap="square" lIns="91440" tIns="45720" rIns="91440" bIns="45720" numCol="1" anchor="t" anchorCtr="0" compatLnSpc="1">
+              <a:prstTxWarp prst="textNoShape">
+                <a:avLst/>
+              </a:prstTxWarp>
+            </a:bodyPr>
+            <a:lstStyle/>
+            <a:p>
+              <a:endParaRPr lang="en-US"/>
+            </a:p>
+          </p:txBody>
+        </p:sp>
+        <p:sp>
+          <p:nvSpPr>
+            <p:cNvPr id="20" name="Freeform 5">
+              <a:extLst>
+                <a:ext uri="{FF2B5EF4-FFF2-40B4-BE49-F238E27FC236}">
+                  <a16:creationId xmlns:a16="http://schemas.microsoft.com/office/drawing/2014/main" id="{1DD52534-E915-42C0-890A-5B19A15B5375}"/>
+                </a:ext>
+                <a:ext uri="{C183D7F6-B498-43B3-948B-1728B52AA6E4}">
+                  <adec:decorative xmlns:adec="http://schemas.microsoft.com/office/drawing/2017/decorative" val="1"/>
+                </a:ext>
+              </a:extLst>
+            </p:cNvPr>
+            <p:cNvSpPr>
+              <a:spLocks/>
+            </p:cNvSpPr>
+            <p:nvPr>
+              <p:extLst>
+                <p:ext uri="{386F3935-93C4-4BCD-93E2-E3B085C9AB24}">
+                  <p16:designElem xmlns:p16="http://schemas.microsoft.com/office/powerpoint/2015/main" val="1"/>
+                </p:ext>
+              </p:extLst>
+            </p:nvPr>
+          </p:nvSpPr>
+          <p:spPr bwMode="auto">
+            <a:xfrm>
+              <a:off x="5885720" y="325570"/>
+              <a:ext cx="550492" cy="485306"/>
+            </a:xfrm>
+            <a:custGeom>
+              <a:avLst/>
+              <a:gdLst>
+                <a:gd name="T0" fmla="*/ 225 w 785"/>
+                <a:gd name="T1" fmla="*/ 692 h 692"/>
+                <a:gd name="T2" fmla="*/ 177 w 785"/>
+                <a:gd name="T3" fmla="*/ 665 h 692"/>
+                <a:gd name="T4" fmla="*/ 9 w 785"/>
+                <a:gd name="T5" fmla="*/ 374 h 692"/>
+                <a:gd name="T6" fmla="*/ 9 w 785"/>
+                <a:gd name="T7" fmla="*/ 318 h 692"/>
+                <a:gd name="T8" fmla="*/ 177 w 785"/>
+                <a:gd name="T9" fmla="*/ 27 h 692"/>
+                <a:gd name="T10" fmla="*/ 225 w 785"/>
+                <a:gd name="T11" fmla="*/ 0 h 692"/>
+                <a:gd name="T12" fmla="*/ 561 w 785"/>
+                <a:gd name="T13" fmla="*/ 0 h 692"/>
+                <a:gd name="T14" fmla="*/ 609 w 785"/>
+                <a:gd name="T15" fmla="*/ 27 h 692"/>
+                <a:gd name="T16" fmla="*/ 777 w 785"/>
+                <a:gd name="T17" fmla="*/ 318 h 692"/>
+                <a:gd name="T18" fmla="*/ 777 w 785"/>
+                <a:gd name="T19" fmla="*/ 374 h 692"/>
+                <a:gd name="T20" fmla="*/ 609 w 785"/>
+                <a:gd name="T21" fmla="*/ 665 h 692"/>
+                <a:gd name="T22" fmla="*/ 561 w 785"/>
+                <a:gd name="T23" fmla="*/ 692 h 692"/>
+                <a:gd name="T24" fmla="*/ 225 w 785"/>
+                <a:gd name="T25" fmla="*/ 692 h 692"/>
+              </a:gdLst>
+              <a:ahLst/>
+              <a:cxnLst>
+                <a:cxn ang="0">
+                  <a:pos x="T0" y="T1"/>
+                </a:cxn>
+                <a:cxn ang="0">
+                  <a:pos x="T2" y="T3"/>
+                </a:cxn>
+                <a:cxn ang="0">
+                  <a:pos x="T4" y="T5"/>
+                </a:cxn>
+                <a:cxn ang="0">
+                  <a:pos x="T6" y="T7"/>
+                </a:cxn>
+                <a:cxn ang="0">
+                  <a:pos x="T8" y="T9"/>
+                </a:cxn>
+                <a:cxn ang="0">
+                  <a:pos x="T10" y="T11"/>
+                </a:cxn>
+                <a:cxn ang="0">
+                  <a:pos x="T12" y="T13"/>
+                </a:cxn>
+                <a:cxn ang="0">
+                  <a:pos x="T14" y="T15"/>
+                </a:cxn>
+                <a:cxn ang="0">
+                  <a:pos x="T16" y="T17"/>
+                </a:cxn>
+                <a:cxn ang="0">
+                  <a:pos x="T18" y="T19"/>
+                </a:cxn>
+                <a:cxn ang="0">
+                  <a:pos x="T20" y="T21"/>
+                </a:cxn>
+                <a:cxn ang="0">
+                  <a:pos x="T22" y="T23"/>
+                </a:cxn>
+                <a:cxn ang="0">
+                  <a:pos x="T24" y="T25"/>
+                </a:cxn>
+              </a:cxnLst>
+              <a:rect l="0" t="0" r="r" b="b"/>
+              <a:pathLst>
+                <a:path w="785" h="692">
+                  <a:moveTo>
+                    <a:pt x="225" y="692"/>
+                  </a:moveTo>
+                  <a:cubicBezTo>
+                    <a:pt x="207" y="692"/>
+                    <a:pt x="185" y="680"/>
+                    <a:pt x="177" y="665"/>
+                  </a:cubicBezTo>
+                  <a:cubicBezTo>
+                    <a:pt x="9" y="374"/>
+                    <a:pt x="9" y="374"/>
+                    <a:pt x="9" y="374"/>
+                  </a:cubicBezTo>
+                  <a:cubicBezTo>
+                    <a:pt x="0" y="358"/>
+                    <a:pt x="0" y="334"/>
+                    <a:pt x="9" y="318"/>
+                  </a:cubicBezTo>
+                  <a:cubicBezTo>
+                    <a:pt x="177" y="27"/>
+                    <a:pt x="177" y="27"/>
+                    <a:pt x="177" y="27"/>
+                  </a:cubicBezTo>
+                  <a:cubicBezTo>
+                    <a:pt x="185" y="12"/>
+                    <a:pt x="207" y="0"/>
+                    <a:pt x="225" y="0"/>
+                  </a:cubicBezTo>
+                  <a:cubicBezTo>
+                    <a:pt x="561" y="0"/>
+                    <a:pt x="561" y="0"/>
+                    <a:pt x="561" y="0"/>
+                  </a:cubicBezTo>
+                  <a:cubicBezTo>
+                    <a:pt x="578" y="0"/>
+                    <a:pt x="600" y="12"/>
+                    <a:pt x="609" y="27"/>
+                  </a:cubicBezTo>
+                  <a:cubicBezTo>
+                    <a:pt x="777" y="318"/>
+                    <a:pt x="777" y="318"/>
+                    <a:pt x="777" y="318"/>
+                  </a:cubicBezTo>
+                  <a:cubicBezTo>
+                    <a:pt x="785" y="334"/>
+                    <a:pt x="785" y="358"/>
+                    <a:pt x="777" y="374"/>
+                  </a:cubicBezTo>
+                  <a:cubicBezTo>
+                    <a:pt x="609" y="665"/>
+                    <a:pt x="609" y="665"/>
+                    <a:pt x="609" y="665"/>
+                  </a:cubicBezTo>
+                  <a:cubicBezTo>
+                    <a:pt x="600" y="680"/>
+                    <a:pt x="578" y="692"/>
+                    <a:pt x="561" y="692"/>
+                  </a:cubicBezTo>
+                  <a:lnTo>
+                    <a:pt x="225" y="692"/>
+                  </a:lnTo>
+                  <a:close/>
+                </a:path>
+              </a:pathLst>
+            </a:custGeom>
+            <a:noFill/>
+            <a:ln w="28575" cmpd="sng">
+              <a:solidFill>
+                <a:schemeClr val="tx1"/>
+              </a:solidFill>
+            </a:ln>
+          </p:spPr>
+          <p:txBody>
+            <a:bodyPr vert="horz" wrap="square" lIns="91440" tIns="45720" rIns="91440" bIns="45720" numCol="1" anchor="t" anchorCtr="0" compatLnSpc="1">
+              <a:prstTxWarp prst="textNoShape">
+                <a:avLst/>
+              </a:prstTxWarp>
+            </a:bodyPr>
+            <a:lstStyle/>
+            <a:p>
+              <a:endParaRPr lang="en-US"/>
+            </a:p>
+          </p:txBody>
+        </p:sp>
+      </p:grpSp>
+      <p:sp>
+        <p:nvSpPr>
+          <p:cNvPr id="22" name="Freeform 5">
+            <a:extLst>
+              <a:ext uri="{FF2B5EF4-FFF2-40B4-BE49-F238E27FC236}">
+                <a16:creationId xmlns:a16="http://schemas.microsoft.com/office/drawing/2014/main" id="{01F1CEA4-5DA0-41E1-A743-4F227AE62B67}"/>
+              </a:ext>
+              <a:ext uri="{C183D7F6-B498-43B3-948B-1728B52AA6E4}">
+                <adec:decorative xmlns:adec="http://schemas.microsoft.com/office/drawing/2017/decorative" val="1"/>
+              </a:ext>
+            </a:extLst>
+          </p:cNvPr>
+          <p:cNvSpPr>
+            <a:spLocks noGrp="1" noRot="1" noChangeAspect="1" noMove="1" noResize="1" noEditPoints="1" noAdjustHandles="1" noChangeArrowheads="1" noChangeShapeType="1" noTextEdit="1"/>
+          </p:cNvSpPr>
+          <p:nvPr>
+            <p:extLst>
+              <p:ext uri="{386F3935-93C4-4BCD-93E2-E3B085C9AB24}">
+                <p16:designElem xmlns:p16="http://schemas.microsoft.com/office/powerpoint/2015/main" val="1"/>
+              </p:ext>
+            </p:extLst>
+          </p:nvPr>
+        </p:nvSpPr>
+        <p:spPr bwMode="auto">
+          <a:xfrm>
+            <a:off x="6958811" y="1645694"/>
+            <a:ext cx="4689240" cy="4115025"/>
+          </a:xfrm>
+          <a:custGeom>
+            <a:avLst/>
+            <a:gdLst>
+              <a:gd name="T0" fmla="*/ 781 w 1099"/>
+              <a:gd name="T1" fmla="*/ 0 h 968"/>
+              <a:gd name="T2" fmla="*/ 318 w 1099"/>
+              <a:gd name="T3" fmla="*/ 0 h 968"/>
+              <a:gd name="T4" fmla="*/ 246 w 1099"/>
+              <a:gd name="T5" fmla="*/ 42 h 968"/>
+              <a:gd name="T6" fmla="*/ 15 w 1099"/>
+              <a:gd name="T7" fmla="*/ 443 h 968"/>
+              <a:gd name="T8" fmla="*/ 15 w 1099"/>
+              <a:gd name="T9" fmla="*/ 525 h 968"/>
+              <a:gd name="T10" fmla="*/ 246 w 1099"/>
+              <a:gd name="T11" fmla="*/ 926 h 968"/>
+              <a:gd name="T12" fmla="*/ 318 w 1099"/>
+              <a:gd name="T13" fmla="*/ 968 h 968"/>
+              <a:gd name="T14" fmla="*/ 781 w 1099"/>
+              <a:gd name="T15" fmla="*/ 968 h 968"/>
+              <a:gd name="T16" fmla="*/ 852 w 1099"/>
+              <a:gd name="T17" fmla="*/ 926 h 968"/>
+              <a:gd name="T18" fmla="*/ 1084 w 1099"/>
+              <a:gd name="T19" fmla="*/ 525 h 968"/>
+              <a:gd name="T20" fmla="*/ 1084 w 1099"/>
+              <a:gd name="T21" fmla="*/ 443 h 968"/>
+              <a:gd name="T22" fmla="*/ 852 w 1099"/>
+              <a:gd name="T23" fmla="*/ 42 h 968"/>
+              <a:gd name="T24" fmla="*/ 781 w 1099"/>
+              <a:gd name="T25" fmla="*/ 0 h 968"/>
+            </a:gdLst>
+            <a:ahLst/>
+            <a:cxnLst>
+              <a:cxn ang="0">
+                <a:pos x="T0" y="T1"/>
+              </a:cxn>
+              <a:cxn ang="0">
+                <a:pos x="T2" y="T3"/>
+              </a:cxn>
+              <a:cxn ang="0">
+                <a:pos x="T4" y="T5"/>
+              </a:cxn>
+              <a:cxn ang="0">
+                <a:pos x="T6" y="T7"/>
+              </a:cxn>
+              <a:cxn ang="0">
+                <a:pos x="T8" y="T9"/>
+              </a:cxn>
+              <a:cxn ang="0">
+                <a:pos x="T10" y="T11"/>
+              </a:cxn>
+              <a:cxn ang="0">
+                <a:pos x="T12" y="T13"/>
+              </a:cxn>
+              <a:cxn ang="0">
+                <a:pos x="T14" y="T15"/>
+              </a:cxn>
+              <a:cxn ang="0">
+                <a:pos x="T16" y="T17"/>
+              </a:cxn>
+              <a:cxn ang="0">
+                <a:pos x="T18" y="T19"/>
+              </a:cxn>
+              <a:cxn ang="0">
+                <a:pos x="T20" y="T21"/>
+              </a:cxn>
+              <a:cxn ang="0">
+                <a:pos x="T22" y="T23"/>
+              </a:cxn>
+              <a:cxn ang="0">
+                <a:pos x="T24" y="T25"/>
+              </a:cxn>
+            </a:cxnLst>
+            <a:rect l="0" t="0" r="r" b="b"/>
+            <a:pathLst>
+              <a:path w="1099" h="968">
+                <a:moveTo>
+                  <a:pt x="781" y="0"/>
+                </a:moveTo>
+                <a:cubicBezTo>
+                  <a:pt x="318" y="0"/>
+                  <a:pt x="318" y="0"/>
+                  <a:pt x="318" y="0"/>
+                </a:cubicBezTo>
+                <a:cubicBezTo>
+                  <a:pt x="288" y="0"/>
+                  <a:pt x="261" y="16"/>
+                  <a:pt x="246" y="42"/>
+                </a:cubicBezTo>
+                <a:cubicBezTo>
+                  <a:pt x="15" y="443"/>
+                  <a:pt x="15" y="443"/>
+                  <a:pt x="15" y="443"/>
+                </a:cubicBezTo>
+                <a:cubicBezTo>
+                  <a:pt x="0" y="468"/>
+                  <a:pt x="0" y="500"/>
+                  <a:pt x="15" y="525"/>
+                </a:cubicBezTo>
+                <a:cubicBezTo>
+                  <a:pt x="246" y="926"/>
+                  <a:pt x="246" y="926"/>
+                  <a:pt x="246" y="926"/>
+                </a:cubicBezTo>
+                <a:cubicBezTo>
+                  <a:pt x="261" y="952"/>
+                  <a:pt x="288" y="968"/>
+                  <a:pt x="318" y="968"/>
+                </a:cubicBezTo>
+                <a:cubicBezTo>
+                  <a:pt x="781" y="968"/>
+                  <a:pt x="781" y="968"/>
+                  <a:pt x="781" y="968"/>
+                </a:cubicBezTo>
+                <a:cubicBezTo>
+                  <a:pt x="810" y="968"/>
+                  <a:pt x="838" y="952"/>
+                  <a:pt x="852" y="926"/>
+                </a:cubicBezTo>
+                <a:cubicBezTo>
+                  <a:pt x="1084" y="525"/>
+                  <a:pt x="1084" y="525"/>
+                  <a:pt x="1084" y="525"/>
+                </a:cubicBezTo>
+                <a:cubicBezTo>
+                  <a:pt x="1099" y="500"/>
+                  <a:pt x="1099" y="468"/>
+                  <a:pt x="1084" y="443"/>
+                </a:cubicBezTo>
+                <a:cubicBezTo>
+                  <a:pt x="852" y="42"/>
+                  <a:pt x="852" y="42"/>
+                  <a:pt x="852" y="42"/>
+                </a:cubicBezTo>
+                <a:cubicBezTo>
+                  <a:pt x="838" y="16"/>
+                  <a:pt x="810" y="0"/>
+                  <a:pt x="781" y="0"/>
+                </a:cubicBezTo>
+                <a:close/>
+              </a:path>
+            </a:pathLst>
+          </a:custGeom>
+          <a:noFill/>
+          <a:ln w="50800" cap="flat">
+            <a:solidFill>
+              <a:schemeClr val="tx1"/>
+            </a:solidFill>
+            <a:prstDash val="solid"/>
+            <a:miter lim="800000"/>
+            <a:headEnd/>
+            <a:tailEnd/>
+          </a:ln>
+        </p:spPr>
+        <p:txBody>
+          <a:bodyPr vert="horz" wrap="square" lIns="91440" tIns="45720" rIns="91440" bIns="45720" numCol="1" anchor="t" anchorCtr="0" compatLnSpc="1">
+            <a:prstTxWarp prst="textNoShape">
+              <a:avLst/>
+            </a:prstTxWarp>
+          </a:bodyPr>
+          <a:lstStyle/>
+          <a:p>
+            <a:endParaRPr lang="en-US" dirty="0"/>
+          </a:p>
+        </p:txBody>
+      </p:sp>
+      <p:sp>
+        <p:nvSpPr>
+          <p:cNvPr id="24" name="Freeform: Shape 23">
+            <a:extLst>
+              <a:ext uri="{FF2B5EF4-FFF2-40B4-BE49-F238E27FC236}">
+                <a16:creationId xmlns:a16="http://schemas.microsoft.com/office/drawing/2014/main" id="{07D1A722-B699-4DA0-B7AC-F06CC81AD5F2}"/>
+              </a:ext>
+              <a:ext uri="{C183D7F6-B498-43B3-948B-1728B52AA6E4}">
+                <adec:decorative xmlns:adec="http://schemas.microsoft.com/office/drawing/2017/decorative" val="1"/>
+              </a:ext>
+            </a:extLst>
+          </p:cNvPr>
+          <p:cNvSpPr>
+            <a:spLocks noGrp="1" noRot="1" noChangeAspect="1" noMove="1" noResize="1" noEditPoints="1" noAdjustHandles="1" noChangeArrowheads="1" noChangeShapeType="1" noTextEdit="1"/>
+          </p:cNvSpPr>
+          <p:nvPr>
+            <p:extLst>
+              <p:ext uri="{386F3935-93C4-4BCD-93E2-E3B085C9AB24}">
+                <p16:designElem xmlns:p16="http://schemas.microsoft.com/office/powerpoint/2015/main" val="1"/>
+              </p:ext>
+            </p:extLst>
+          </p:nvPr>
+        </p:nvSpPr>
+        <p:spPr>
+          <a:xfrm>
+            <a:off x="4439502" y="626107"/>
+            <a:ext cx="3154669" cy="2796247"/>
+          </a:xfrm>
+          <a:custGeom>
+            <a:avLst/>
+            <a:gdLst>
+              <a:gd name="connsiteX0" fmla="*/ 853538 w 2991693"/>
+              <a:gd name="connsiteY0" fmla="*/ 0 h 2651787"/>
+              <a:gd name="connsiteX1" fmla="*/ 2141030 w 2991693"/>
+              <a:gd name="connsiteY1" fmla="*/ 0 h 2651787"/>
+              <a:gd name="connsiteX2" fmla="*/ 2324957 w 2991693"/>
+              <a:gd name="connsiteY2" fmla="*/ 103466 h 2651787"/>
+              <a:gd name="connsiteX3" fmla="*/ 2968702 w 2991693"/>
+              <a:gd name="connsiteY3" fmla="*/ 1218596 h 2651787"/>
+              <a:gd name="connsiteX4" fmla="*/ 2968702 w 2991693"/>
+              <a:gd name="connsiteY4" fmla="*/ 1433192 h 2651787"/>
+              <a:gd name="connsiteX5" fmla="*/ 2324957 w 2991693"/>
+              <a:gd name="connsiteY5" fmla="*/ 2548321 h 2651787"/>
+              <a:gd name="connsiteX6" fmla="*/ 2141030 w 2991693"/>
+              <a:gd name="connsiteY6" fmla="*/ 2651787 h 2651787"/>
+              <a:gd name="connsiteX7" fmla="*/ 853538 w 2991693"/>
+              <a:gd name="connsiteY7" fmla="*/ 2651787 h 2651787"/>
+              <a:gd name="connsiteX8" fmla="*/ 669612 w 2991693"/>
+              <a:gd name="connsiteY8" fmla="*/ 2548321 h 2651787"/>
+              <a:gd name="connsiteX9" fmla="*/ 25866 w 2991693"/>
+              <a:gd name="connsiteY9" fmla="*/ 1433192 h 2651787"/>
+              <a:gd name="connsiteX10" fmla="*/ 25866 w 2991693"/>
+              <a:gd name="connsiteY10" fmla="*/ 1218596 h 2651787"/>
+              <a:gd name="connsiteX11" fmla="*/ 669612 w 2991693"/>
+              <a:gd name="connsiteY11" fmla="*/ 103466 h 2651787"/>
+              <a:gd name="connsiteX12" fmla="*/ 853538 w 2991693"/>
+              <a:gd name="connsiteY12" fmla="*/ 0 h 2651787"/>
+            </a:gdLst>
+            <a:ahLst/>
+            <a:cxnLst>
+              <a:cxn ang="0">
+                <a:pos x="connsiteX0" y="connsiteY0"/>
+              </a:cxn>
+              <a:cxn ang="0">
+                <a:pos x="connsiteX1" y="connsiteY1"/>
+              </a:cxn>
+              <a:cxn ang="0">
+                <a:pos x="connsiteX2" y="connsiteY2"/>
+              </a:cxn>
+              <a:cxn ang="0">
+                <a:pos x="connsiteX3" y="connsiteY3"/>
+              </a:cxn>
+              <a:cxn ang="0">
+                <a:pos x="connsiteX4" y="connsiteY4"/>
+              </a:cxn>
+              <a:cxn ang="0">
+                <a:pos x="connsiteX5" y="connsiteY5"/>
+              </a:cxn>
+              <a:cxn ang="0">
+                <a:pos x="connsiteX6" y="connsiteY6"/>
+              </a:cxn>
+              <a:cxn ang="0">
+                <a:pos x="connsiteX7" y="connsiteY7"/>
+              </a:cxn>
+              <a:cxn ang="0">
+                <a:pos x="connsiteX8" y="connsiteY8"/>
+              </a:cxn>
+              <a:cxn ang="0">
+                <a:pos x="connsiteX9" y="connsiteY9"/>
+              </a:cxn>
+              <a:cxn ang="0">
+                <a:pos x="connsiteX10" y="connsiteY10"/>
+              </a:cxn>
+              <a:cxn ang="0">
+                <a:pos x="connsiteX11" y="connsiteY11"/>
+              </a:cxn>
+              <a:cxn ang="0">
+                <a:pos x="connsiteX12" y="connsiteY12"/>
+              </a:cxn>
+            </a:cxnLst>
+            <a:rect l="l" t="t" r="r" b="b"/>
+            <a:pathLst>
+              <a:path w="2991693" h="2651787">
+                <a:moveTo>
+                  <a:pt x="853538" y="0"/>
+                </a:moveTo>
+                <a:cubicBezTo>
+                  <a:pt x="2141030" y="0"/>
+                  <a:pt x="2141030" y="0"/>
+                  <a:pt x="2141030" y="0"/>
+                </a:cubicBezTo>
+                <a:cubicBezTo>
+                  <a:pt x="2206170" y="0"/>
+                  <a:pt x="2290471" y="45985"/>
+                  <a:pt x="2324957" y="103466"/>
+                </a:cubicBezTo>
+                <a:cubicBezTo>
+                  <a:pt x="2968702" y="1218596"/>
+                  <a:pt x="2968702" y="1218596"/>
+                  <a:pt x="2968702" y="1218596"/>
+                </a:cubicBezTo>
+                <a:cubicBezTo>
+                  <a:pt x="2999357" y="1279909"/>
+                  <a:pt x="2999357" y="1371878"/>
+                  <a:pt x="2968702" y="1433192"/>
+                </a:cubicBezTo>
+                <a:cubicBezTo>
+                  <a:pt x="2324957" y="2548321"/>
+                  <a:pt x="2324957" y="2548321"/>
+                  <a:pt x="2324957" y="2548321"/>
+                </a:cubicBezTo>
+                <a:cubicBezTo>
+                  <a:pt x="2290471" y="2605803"/>
+                  <a:pt x="2206170" y="2651787"/>
+                  <a:pt x="2141030" y="2651787"/>
+                </a:cubicBezTo>
+                <a:lnTo>
+                  <a:pt x="853538" y="2651787"/>
+                </a:lnTo>
+                <a:cubicBezTo>
+                  <a:pt x="784566" y="2651787"/>
+                  <a:pt x="700266" y="2605803"/>
+                  <a:pt x="669612" y="2548321"/>
+                </a:cubicBezTo>
+                <a:cubicBezTo>
+                  <a:pt x="25866" y="1433192"/>
+                  <a:pt x="25866" y="1433192"/>
+                  <a:pt x="25866" y="1433192"/>
+                </a:cubicBezTo>
+                <a:cubicBezTo>
+                  <a:pt x="-8621" y="1371878"/>
+                  <a:pt x="-8621" y="1279909"/>
+                  <a:pt x="25866" y="1218596"/>
+                </a:cubicBezTo>
+                <a:cubicBezTo>
+                  <a:pt x="669612" y="103466"/>
+                  <a:pt x="669612" y="103466"/>
+                  <a:pt x="669612" y="103466"/>
+                </a:cubicBezTo>
+                <a:cubicBezTo>
+                  <a:pt x="700266" y="45985"/>
+                  <a:pt x="784566" y="0"/>
+                  <a:pt x="853538" y="0"/>
+                </a:cubicBezTo>
+                <a:close/>
+              </a:path>
+            </a:pathLst>
+          </a:custGeom>
+          <a:noFill/>
+          <a:ln w="50800" cap="flat">
+            <a:solidFill>
+              <a:schemeClr val="tx1"/>
+            </a:solidFill>
+            <a:prstDash val="solid"/>
+            <a:miter lim="800000"/>
+            <a:headEnd/>
+            <a:tailEnd/>
+          </a:ln>
+        </p:spPr>
+        <p:txBody>
+          <a:bodyPr vert="horz" wrap="square" lIns="91440" tIns="45720" rIns="91440" bIns="45720" numCol="1" anchor="t" anchorCtr="0" compatLnSpc="1">
+            <a:prstTxWarp prst="textNoShape">
+              <a:avLst/>
+            </a:prstTxWarp>
+          </a:bodyPr>
+          <a:lstStyle/>
+          <a:p>
+            <a:endParaRPr lang="en-US" dirty="0">
+              <a:solidFill>
+                <a:schemeClr val="tx1"/>
+              </a:solidFill>
+            </a:endParaRPr>
+          </a:p>
+        </p:txBody>
+      </p:sp>
+      <p:sp>
+        <p:nvSpPr>
+          <p:cNvPr id="8" name="TextBox 7">
+            <a:extLst>
+              <a:ext uri="{FF2B5EF4-FFF2-40B4-BE49-F238E27FC236}">
+                <a16:creationId xmlns:a16="http://schemas.microsoft.com/office/drawing/2014/main" id="{04CA4DF5-C512-4233-8F08-3FDA86F8239A}"/>
+              </a:ext>
+            </a:extLst>
+          </p:cNvPr>
+          <p:cNvSpPr txBox="1"/>
+          <p:nvPr/>
+        </p:nvSpPr>
+        <p:spPr>
+          <a:xfrm>
+            <a:off x="966430" y="3450865"/>
+            <a:ext cx="6006864" cy="1566407"/>
+          </a:xfrm>
+          <a:prstGeom prst="rect">
+            <a:avLst/>
+          </a:prstGeom>
+        </p:spPr>
+        <p:txBody>
+          <a:bodyPr vert="horz" lIns="91440" tIns="45720" rIns="91440" bIns="45720" rtlCol="0" anchor="b">
+            <a:normAutofit/>
+          </a:bodyPr>
+          <a:lstStyle/>
+          <a:p>
+            <a:pPr>
+              <a:lnSpc>
+                <a:spcPct val="90000"/>
+              </a:lnSpc>
+              <a:spcBef>
+                <a:spcPct val="0"/>
+              </a:spcBef>
+              <a:spcAft>
+                <a:spcPts val="600"/>
+              </a:spcAft>
+            </a:pPr>
+            <a:r>
+              <a:rPr lang="en-US" sz="5400">
+                <a:latin typeface="+mj-lt"/>
+                <a:ea typeface="+mj-ea"/>
+                <a:cs typeface="+mj-cs"/>
+              </a:rPr>
+              <a:t>Lab 06 </a:t>
+            </a:r>
+            <a:r>
+              <a:rPr lang="en-US" sz="5400" dirty="0">
+                <a:latin typeface="+mj-lt"/>
+                <a:ea typeface="+mj-ea"/>
+                <a:cs typeface="+mj-cs"/>
+              </a:rPr>
+              <a:t>– 20 min</a:t>
+            </a:r>
+          </a:p>
+        </p:txBody>
+      </p:sp>
+      <p:pic>
+        <p:nvPicPr>
+          <p:cNvPr id="5" name="Picture 4">
+            <a:extLst>
+              <a:ext uri="{FF2B5EF4-FFF2-40B4-BE49-F238E27FC236}">
+                <a16:creationId xmlns:a16="http://schemas.microsoft.com/office/drawing/2014/main" id="{93AEC2F9-08DB-41B5-823D-537809F93BF8}"/>
+              </a:ext>
+            </a:extLst>
+          </p:cNvPr>
+          <p:cNvPicPr>
+            <a:picLocks noChangeAspect="1"/>
+          </p:cNvPicPr>
+          <p:nvPr/>
+        </p:nvPicPr>
+        <p:blipFill>
+          <a:blip r:embed="rId3"/>
+          <a:stretch>
+            <a:fillRect/>
+          </a:stretch>
+        </p:blipFill>
+        <p:spPr>
+          <a:xfrm>
+            <a:off x="5093601" y="1172546"/>
+            <a:ext cx="1846470" cy="1703368"/>
+          </a:xfrm>
+          <a:prstGeom prst="rect">
+            <a:avLst/>
+          </a:prstGeom>
+        </p:spPr>
+      </p:pic>
+      <p:pic>
+        <p:nvPicPr>
+          <p:cNvPr id="7" name="Picture 6">
+            <a:extLst>
+              <a:ext uri="{FF2B5EF4-FFF2-40B4-BE49-F238E27FC236}">
+                <a16:creationId xmlns:a16="http://schemas.microsoft.com/office/drawing/2014/main" id="{44155673-E4BF-4691-91EF-AF8288758CA5}"/>
+              </a:ext>
+            </a:extLst>
+          </p:cNvPr>
+          <p:cNvPicPr>
+            <a:picLocks noChangeAspect="1"/>
+          </p:cNvPicPr>
+          <p:nvPr/>
+        </p:nvPicPr>
+        <p:blipFill>
+          <a:blip r:embed="rId4"/>
+          <a:stretch>
+            <a:fillRect/>
+          </a:stretch>
+        </p:blipFill>
+        <p:spPr>
+          <a:xfrm>
+            <a:off x="7946675" y="2346450"/>
+            <a:ext cx="2713512" cy="2713512"/>
+          </a:xfrm>
+          <a:prstGeom prst="rect">
+            <a:avLst/>
+          </a:prstGeom>
+        </p:spPr>
+      </p:pic>
+      <p:pic>
+        <p:nvPicPr>
+          <p:cNvPr id="9" name="Google Shape;56;p13">
+            <a:extLst>
+              <a:ext uri="{FF2B5EF4-FFF2-40B4-BE49-F238E27FC236}">
+                <a16:creationId xmlns:a16="http://schemas.microsoft.com/office/drawing/2014/main" id="{8B86C196-2125-4822-ACAC-63C2EC26B20A}"/>
+              </a:ext>
+            </a:extLst>
+          </p:cNvPr>
+          <p:cNvPicPr preferRelativeResize="0"/>
+          <p:nvPr/>
+        </p:nvPicPr>
+        <p:blipFill>
+          <a:blip r:embed="rId5">
+            <a:alphaModFix/>
+          </a:blip>
+          <a:stretch>
+            <a:fillRect/>
+          </a:stretch>
+        </p:blipFill>
+        <p:spPr>
+          <a:xfrm>
+            <a:off x="10989179" y="5736492"/>
+            <a:ext cx="1202821" cy="1121508"/>
+          </a:xfrm>
+          <a:prstGeom prst="rect">
+            <a:avLst/>
+          </a:prstGeom>
+          <a:noFill/>
+          <a:ln>
+            <a:noFill/>
+          </a:ln>
+        </p:spPr>
+      </p:pic>
+      <p:pic>
+        <p:nvPicPr>
+          <p:cNvPr id="11" name="Graphic 4">
+            <a:extLst>
+              <a:ext uri="{FF2B5EF4-FFF2-40B4-BE49-F238E27FC236}">
+                <a16:creationId xmlns:a16="http://schemas.microsoft.com/office/drawing/2014/main" id="{A39FC542-752A-4C84-B068-FE266CF5CEEA}"/>
+              </a:ext>
+            </a:extLst>
+          </p:cNvPr>
+          <p:cNvPicPr>
+            <a:picLocks noChangeAspect="1"/>
+          </p:cNvPicPr>
+          <p:nvPr/>
+        </p:nvPicPr>
+        <p:blipFill>
+          <a:blip r:embed="rId6">
+            <a:extLst>
+              <a:ext uri="{28A0092B-C50C-407E-A947-70E740481C1C}">
+                <a14:useLocalDpi xmlns:a14="http://schemas.microsoft.com/office/drawing/2010/main" val="0"/>
+              </a:ext>
+              <a:ext uri="{96DAC541-7B7A-43D3-8B79-37D633B846F1}">
+                <asvg:svgBlip xmlns:asvg="http://schemas.microsoft.com/office/drawing/2016/SVG/main" r:embed="rId7"/>
+              </a:ext>
+            </a:extLst>
+          </a:blip>
+          <a:stretch>
+            <a:fillRect/>
+          </a:stretch>
+        </p:blipFill>
+        <p:spPr>
+          <a:xfrm>
+            <a:off x="343599" y="6114702"/>
+            <a:ext cx="1718444" cy="574556"/>
+          </a:xfrm>
+          <a:prstGeom prst="rect">
+            <a:avLst/>
+          </a:prstGeom>
+        </p:spPr>
+      </p:pic>
+    </p:spTree>
+    <p:extLst>
+      <p:ext uri="{BB962C8B-B14F-4D97-AF65-F5344CB8AC3E}">
+        <p14:creationId xmlns:p14="http://schemas.microsoft.com/office/powerpoint/2010/main" val="2038575819"/>
       </p:ext>
     </p:extLst>
   </p:cSld>

--- a/02-aks-advanced-configuration/slides/Advanced AKS Configuration.pptx
+++ b/02-aks-advanced-configuration/slides/Advanced AKS Configuration.pptx
@@ -5,7 +5,7 @@
     <p:sldMasterId id="2147483648" r:id="rId1"/>
   </p:sldMasterIdLst>
   <p:notesMasterIdLst>
-    <p:notesMasterId r:id="rId26"/>
+    <p:notesMasterId r:id="rId27"/>
   </p:notesMasterIdLst>
   <p:sldIdLst>
     <p:sldId id="256" r:id="rId2"/>
@@ -17,21 +17,22 @@
     <p:sldId id="2076136272" r:id="rId8"/>
     <p:sldId id="2076136274" r:id="rId9"/>
     <p:sldId id="2076136275" r:id="rId10"/>
-    <p:sldId id="295" r:id="rId11"/>
-    <p:sldId id="303" r:id="rId12"/>
-    <p:sldId id="275" r:id="rId13"/>
-    <p:sldId id="2076136279" r:id="rId14"/>
-    <p:sldId id="2076136278" r:id="rId15"/>
-    <p:sldId id="2076136280" r:id="rId16"/>
-    <p:sldId id="2076136277" r:id="rId17"/>
-    <p:sldId id="2076136281" r:id="rId18"/>
-    <p:sldId id="2076136282" r:id="rId19"/>
-    <p:sldId id="2076136284" r:id="rId20"/>
-    <p:sldId id="2076136285" r:id="rId21"/>
-    <p:sldId id="2076136286" r:id="rId22"/>
-    <p:sldId id="2076136283" r:id="rId23"/>
-    <p:sldId id="2076136287" r:id="rId24"/>
-    <p:sldId id="2076136288" r:id="rId25"/>
+    <p:sldId id="2076136289" r:id="rId11"/>
+    <p:sldId id="295" r:id="rId12"/>
+    <p:sldId id="303" r:id="rId13"/>
+    <p:sldId id="275" r:id="rId14"/>
+    <p:sldId id="2076136279" r:id="rId15"/>
+    <p:sldId id="2076136278" r:id="rId16"/>
+    <p:sldId id="2076136280" r:id="rId17"/>
+    <p:sldId id="2076136277" r:id="rId18"/>
+    <p:sldId id="2076136281" r:id="rId19"/>
+    <p:sldId id="2076136282" r:id="rId20"/>
+    <p:sldId id="2076136284" r:id="rId21"/>
+    <p:sldId id="2076136285" r:id="rId22"/>
+    <p:sldId id="2076136286" r:id="rId23"/>
+    <p:sldId id="2076136283" r:id="rId24"/>
+    <p:sldId id="2076136287" r:id="rId25"/>
+    <p:sldId id="2076136288" r:id="rId26"/>
   </p:sldIdLst>
   <p:sldSz cx="12192000" cy="6858000"/>
   <p:notesSz cx="6858000" cy="9144000"/>
@@ -220,7 +221,7 @@
           <a:p>
             <a:fld id="{11837477-D453-41A7-B038-AF1F6C7EED11}" type="datetimeFigureOut">
               <a:rPr lang="en-US" smtClean="0"/>
-              <a:t>4/11/2021</a:t>
+              <a:t>4/16/2021</a:t>
             </a:fld>
             <a:endParaRPr lang="en-US"/>
           </a:p>
@@ -615,15 +616,7 @@
           <a:bodyPr/>
           <a:lstStyle/>
           <a:p>
-            <a:pPr rtl="0">
-              <a:spcBef>
-                <a:spcPts val="0"/>
-              </a:spcBef>
-              <a:spcAft>
-                <a:spcPts val="0"/>
-              </a:spcAft>
-            </a:pPr>
-            <a:endParaRPr lang="en-US" dirty="0"/>
+            <a:endParaRPr lang="nb-NO" dirty="0"/>
           </a:p>
         </p:txBody>
       </p:sp>
@@ -653,7 +646,7 @@
     </p:spTree>
     <p:extLst>
       <p:ext uri="{BB962C8B-B14F-4D97-AF65-F5344CB8AC3E}">
-        <p14:creationId xmlns:p14="http://schemas.microsoft.com/office/powerpoint/2010/main" val="3980074384"/>
+        <p14:creationId xmlns:p14="http://schemas.microsoft.com/office/powerpoint/2010/main" val="2972451762"/>
       </p:ext>
     </p:extLst>
   </p:cSld>
@@ -707,7 +700,15 @@
           <a:bodyPr/>
           <a:lstStyle/>
           <a:p>
-            <a:endParaRPr lang="nb-NO" dirty="0"/>
+            <a:pPr rtl="0">
+              <a:spcBef>
+                <a:spcPts val="0"/>
+              </a:spcBef>
+              <a:spcAft>
+                <a:spcPts val="0"/>
+              </a:spcAft>
+            </a:pPr>
+            <a:endParaRPr lang="en-US" dirty="0"/>
           </a:p>
         </p:txBody>
       </p:sp>
@@ -737,7 +738,7 @@
     </p:spTree>
     <p:extLst>
       <p:ext uri="{BB962C8B-B14F-4D97-AF65-F5344CB8AC3E}">
-        <p14:creationId xmlns:p14="http://schemas.microsoft.com/office/powerpoint/2010/main" val="479999250"/>
+        <p14:creationId xmlns:p14="http://schemas.microsoft.com/office/powerpoint/2010/main" val="3980074384"/>
       </p:ext>
     </p:extLst>
   </p:cSld>
@@ -821,7 +822,7 @@
     </p:spTree>
     <p:extLst>
       <p:ext uri="{BB962C8B-B14F-4D97-AF65-F5344CB8AC3E}">
-        <p14:creationId xmlns:p14="http://schemas.microsoft.com/office/powerpoint/2010/main" val="3607682239"/>
+        <p14:creationId xmlns:p14="http://schemas.microsoft.com/office/powerpoint/2010/main" val="479999250"/>
       </p:ext>
     </p:extLst>
   </p:cSld>
@@ -905,7 +906,7 @@
     </p:spTree>
     <p:extLst>
       <p:ext uri="{BB962C8B-B14F-4D97-AF65-F5344CB8AC3E}">
-        <p14:creationId xmlns:p14="http://schemas.microsoft.com/office/powerpoint/2010/main" val="2195789208"/>
+        <p14:creationId xmlns:p14="http://schemas.microsoft.com/office/powerpoint/2010/main" val="3607682239"/>
       </p:ext>
     </p:extLst>
   </p:cSld>
@@ -989,7 +990,7 @@
     </p:spTree>
     <p:extLst>
       <p:ext uri="{BB962C8B-B14F-4D97-AF65-F5344CB8AC3E}">
-        <p14:creationId xmlns:p14="http://schemas.microsoft.com/office/powerpoint/2010/main" val="2399411471"/>
+        <p14:creationId xmlns:p14="http://schemas.microsoft.com/office/powerpoint/2010/main" val="2195789208"/>
       </p:ext>
     </p:extLst>
   </p:cSld>
@@ -1043,15 +1044,7 @@
           <a:bodyPr/>
           <a:lstStyle/>
           <a:p>
-            <a:pPr rtl="0">
-              <a:spcBef>
-                <a:spcPts val="0"/>
-              </a:spcBef>
-              <a:spcAft>
-                <a:spcPts val="0"/>
-              </a:spcAft>
-            </a:pPr>
-            <a:endParaRPr lang="en-US" dirty="0"/>
+            <a:endParaRPr lang="nb-NO" dirty="0"/>
           </a:p>
         </p:txBody>
       </p:sp>
@@ -1081,7 +1074,7 @@
     </p:spTree>
     <p:extLst>
       <p:ext uri="{BB962C8B-B14F-4D97-AF65-F5344CB8AC3E}">
-        <p14:creationId xmlns:p14="http://schemas.microsoft.com/office/powerpoint/2010/main" val="2762075235"/>
+        <p14:creationId xmlns:p14="http://schemas.microsoft.com/office/powerpoint/2010/main" val="2399411471"/>
       </p:ext>
     </p:extLst>
   </p:cSld>
@@ -1135,7 +1128,15 @@
           <a:bodyPr/>
           <a:lstStyle/>
           <a:p>
-            <a:endParaRPr lang="nb-NO" dirty="0"/>
+            <a:pPr rtl="0">
+              <a:spcBef>
+                <a:spcPts val="0"/>
+              </a:spcBef>
+              <a:spcAft>
+                <a:spcPts val="0"/>
+              </a:spcAft>
+            </a:pPr>
+            <a:endParaRPr lang="en-US" dirty="0"/>
           </a:p>
         </p:txBody>
       </p:sp>
@@ -1165,7 +1166,7 @@
     </p:spTree>
     <p:extLst>
       <p:ext uri="{BB962C8B-B14F-4D97-AF65-F5344CB8AC3E}">
-        <p14:creationId xmlns:p14="http://schemas.microsoft.com/office/powerpoint/2010/main" val="1702904635"/>
+        <p14:creationId xmlns:p14="http://schemas.microsoft.com/office/powerpoint/2010/main" val="2762075235"/>
       </p:ext>
     </p:extLst>
   </p:cSld>
@@ -1249,7 +1250,7 @@
     </p:spTree>
     <p:extLst>
       <p:ext uri="{BB962C8B-B14F-4D97-AF65-F5344CB8AC3E}">
-        <p14:creationId xmlns:p14="http://schemas.microsoft.com/office/powerpoint/2010/main" val="951229025"/>
+        <p14:creationId xmlns:p14="http://schemas.microsoft.com/office/powerpoint/2010/main" val="1702904635"/>
       </p:ext>
     </p:extLst>
   </p:cSld>
@@ -1303,15 +1304,7 @@
           <a:bodyPr/>
           <a:lstStyle/>
           <a:p>
-            <a:pPr rtl="0">
-              <a:spcBef>
-                <a:spcPts val="0"/>
-              </a:spcBef>
-              <a:spcAft>
-                <a:spcPts val="0"/>
-              </a:spcAft>
-            </a:pPr>
-            <a:endParaRPr lang="en-US" dirty="0"/>
+            <a:endParaRPr lang="nb-NO" dirty="0"/>
           </a:p>
         </p:txBody>
       </p:sp>
@@ -1341,7 +1334,7 @@
     </p:spTree>
     <p:extLst>
       <p:ext uri="{BB962C8B-B14F-4D97-AF65-F5344CB8AC3E}">
-        <p14:creationId xmlns:p14="http://schemas.microsoft.com/office/powerpoint/2010/main" val="2343749440"/>
+        <p14:creationId xmlns:p14="http://schemas.microsoft.com/office/powerpoint/2010/main" val="951229025"/>
       </p:ext>
     </p:extLst>
   </p:cSld>
@@ -1433,7 +1426,7 @@
     </p:spTree>
     <p:extLst>
       <p:ext uri="{BB962C8B-B14F-4D97-AF65-F5344CB8AC3E}">
-        <p14:creationId xmlns:p14="http://schemas.microsoft.com/office/powerpoint/2010/main" val="3606058486"/>
+        <p14:creationId xmlns:p14="http://schemas.microsoft.com/office/powerpoint/2010/main" val="2343749440"/>
       </p:ext>
     </p:extLst>
   </p:cSld>
@@ -1674,7 +1667,7 @@
     </p:spTree>
     <p:extLst>
       <p:ext uri="{BB962C8B-B14F-4D97-AF65-F5344CB8AC3E}">
-        <p14:creationId xmlns:p14="http://schemas.microsoft.com/office/powerpoint/2010/main" val="895774708"/>
+        <p14:creationId xmlns:p14="http://schemas.microsoft.com/office/powerpoint/2010/main" val="3606058486"/>
       </p:ext>
     </p:extLst>
   </p:cSld>
@@ -1728,7 +1721,15 @@
           <a:bodyPr/>
           <a:lstStyle/>
           <a:p>
-            <a:endParaRPr lang="nb-NO" dirty="0"/>
+            <a:pPr rtl="0">
+              <a:spcBef>
+                <a:spcPts val="0"/>
+              </a:spcBef>
+              <a:spcAft>
+                <a:spcPts val="0"/>
+              </a:spcAft>
+            </a:pPr>
+            <a:endParaRPr lang="en-US" dirty="0"/>
           </a:p>
         </p:txBody>
       </p:sp>
@@ -1758,7 +1759,7 @@
     </p:spTree>
     <p:extLst>
       <p:ext uri="{BB962C8B-B14F-4D97-AF65-F5344CB8AC3E}">
-        <p14:creationId xmlns:p14="http://schemas.microsoft.com/office/powerpoint/2010/main" val="2761798007"/>
+        <p14:creationId xmlns:p14="http://schemas.microsoft.com/office/powerpoint/2010/main" val="895774708"/>
       </p:ext>
     </p:extLst>
   </p:cSld>
@@ -1842,7 +1843,7 @@
     </p:spTree>
     <p:extLst>
       <p:ext uri="{BB962C8B-B14F-4D97-AF65-F5344CB8AC3E}">
-        <p14:creationId xmlns:p14="http://schemas.microsoft.com/office/powerpoint/2010/main" val="3794709917"/>
+        <p14:creationId xmlns:p14="http://schemas.microsoft.com/office/powerpoint/2010/main" val="2761798007"/>
       </p:ext>
     </p:extLst>
   </p:cSld>
@@ -1918,6 +1919,90 @@
             <a:fld id="{00A560F4-8102-4EC4-BB24-179BCBD2EB8E}" type="slidenum">
               <a:rPr lang="en-US" smtClean="0"/>
               <a:t>24</a:t>
+            </a:fld>
+            <a:endParaRPr lang="en-US"/>
+          </a:p>
+        </p:txBody>
+      </p:sp>
+    </p:spTree>
+    <p:extLst>
+      <p:ext uri="{BB962C8B-B14F-4D97-AF65-F5344CB8AC3E}">
+        <p14:creationId xmlns:p14="http://schemas.microsoft.com/office/powerpoint/2010/main" val="3794709917"/>
+      </p:ext>
+    </p:extLst>
+  </p:cSld>
+  <p:clrMapOvr>
+    <a:masterClrMapping/>
+  </p:clrMapOvr>
+</p:notes>
+</file>
+
+<file path=ppt/notesSlides/notesSlide24.xml><?xml version="1.0" encoding="utf-8"?>
+<p:notes xmlns:a="http://schemas.openxmlformats.org/drawingml/2006/main" xmlns:r="http://schemas.openxmlformats.org/officeDocument/2006/relationships" xmlns:p="http://schemas.openxmlformats.org/presentationml/2006/main">
+  <p:cSld>
+    <p:spTree>
+      <p:nvGrpSpPr>
+        <p:cNvPr id="1" name=""/>
+        <p:cNvGrpSpPr/>
+        <p:nvPr/>
+      </p:nvGrpSpPr>
+      <p:grpSpPr>
+        <a:xfrm>
+          <a:off x="0" y="0"/>
+          <a:ext cx="0" cy="0"/>
+          <a:chOff x="0" y="0"/>
+          <a:chExt cx="0" cy="0"/>
+        </a:xfrm>
+      </p:grpSpPr>
+      <p:sp>
+        <p:nvSpPr>
+          <p:cNvPr id="2" name="Slide Image Placeholder 1"/>
+          <p:cNvSpPr>
+            <a:spLocks noGrp="1" noRot="1" noChangeAspect="1"/>
+          </p:cNvSpPr>
+          <p:nvPr>
+            <p:ph type="sldImg"/>
+          </p:nvPr>
+        </p:nvSpPr>
+        <p:spPr/>
+      </p:sp>
+      <p:sp>
+        <p:nvSpPr>
+          <p:cNvPr id="3" name="Notes Placeholder 2"/>
+          <p:cNvSpPr>
+            <a:spLocks noGrp="1"/>
+          </p:cNvSpPr>
+          <p:nvPr>
+            <p:ph type="body" idx="1"/>
+          </p:nvPr>
+        </p:nvSpPr>
+        <p:spPr/>
+        <p:txBody>
+          <a:bodyPr/>
+          <a:lstStyle/>
+          <a:p>
+            <a:endParaRPr lang="nb-NO" dirty="0"/>
+          </a:p>
+        </p:txBody>
+      </p:sp>
+      <p:sp>
+        <p:nvSpPr>
+          <p:cNvPr id="4" name="Slide Number Placeholder 3"/>
+          <p:cNvSpPr>
+            <a:spLocks noGrp="1"/>
+          </p:cNvSpPr>
+          <p:nvPr>
+            <p:ph type="sldNum" sz="quarter" idx="5"/>
+          </p:nvPr>
+        </p:nvSpPr>
+        <p:spPr/>
+        <p:txBody>
+          <a:bodyPr/>
+          <a:lstStyle/>
+          <a:p>
+            <a:fld id="{00A560F4-8102-4EC4-BB24-179BCBD2EB8E}" type="slidenum">
+              <a:rPr lang="en-US" smtClean="0"/>
+              <a:t>25</a:t>
             </a:fld>
             <a:endParaRPr lang="en-US"/>
           </a:p>
@@ -2557,7 +2642,8 @@
           <a:bodyPr/>
           <a:lstStyle/>
           <a:p>
-            <a:endParaRPr lang="nb-NO" dirty="0"/>
+            <a:pPr algn="l"/>
+            <a:endParaRPr lang="en-US" dirty="0"/>
           </a:p>
         </p:txBody>
       </p:sp>
@@ -2587,7 +2673,7 @@
     </p:spTree>
     <p:extLst>
       <p:ext uri="{BB962C8B-B14F-4D97-AF65-F5344CB8AC3E}">
-        <p14:creationId xmlns:p14="http://schemas.microsoft.com/office/powerpoint/2010/main" val="2972451762"/>
+        <p14:creationId xmlns:p14="http://schemas.microsoft.com/office/powerpoint/2010/main" val="3175549432"/>
       </p:ext>
     </p:extLst>
   </p:cSld>
@@ -2744,7 +2830,7 @@
           <a:p>
             <a:fld id="{CE88D40F-0E01-46E3-A0A3-09B1E418DDBF}" type="datetimeFigureOut">
               <a:rPr lang="en-US" smtClean="0"/>
-              <a:t>4/11/2021</a:t>
+              <a:t>4/16/2021</a:t>
             </a:fld>
             <a:endParaRPr lang="en-US"/>
           </a:p>
@@ -2942,7 +3028,7 @@
           <a:p>
             <a:fld id="{CE88D40F-0E01-46E3-A0A3-09B1E418DDBF}" type="datetimeFigureOut">
               <a:rPr lang="en-US" smtClean="0"/>
-              <a:t>4/11/2021</a:t>
+              <a:t>4/16/2021</a:t>
             </a:fld>
             <a:endParaRPr lang="en-US"/>
           </a:p>
@@ -3150,7 +3236,7 @@
           <a:p>
             <a:fld id="{CE88D40F-0E01-46E3-A0A3-09B1E418DDBF}" type="datetimeFigureOut">
               <a:rPr lang="en-US" smtClean="0"/>
-              <a:t>4/11/2021</a:t>
+              <a:t>4/16/2021</a:t>
             </a:fld>
             <a:endParaRPr lang="en-US"/>
           </a:p>
@@ -3792,7 +3878,7 @@
           <a:p>
             <a:fld id="{CE88D40F-0E01-46E3-A0A3-09B1E418DDBF}" type="datetimeFigureOut">
               <a:rPr lang="en-US" smtClean="0"/>
-              <a:t>4/11/2021</a:t>
+              <a:t>4/16/2021</a:t>
             </a:fld>
             <a:endParaRPr lang="en-US"/>
           </a:p>
@@ -4067,7 +4153,7 @@
           <a:p>
             <a:fld id="{CE88D40F-0E01-46E3-A0A3-09B1E418DDBF}" type="datetimeFigureOut">
               <a:rPr lang="en-US" smtClean="0"/>
-              <a:t>4/11/2021</a:t>
+              <a:t>4/16/2021</a:t>
             </a:fld>
             <a:endParaRPr lang="en-US"/>
           </a:p>
@@ -4332,7 +4418,7 @@
           <a:p>
             <a:fld id="{CE88D40F-0E01-46E3-A0A3-09B1E418DDBF}" type="datetimeFigureOut">
               <a:rPr lang="en-US" smtClean="0"/>
-              <a:t>4/11/2021</a:t>
+              <a:t>4/16/2021</a:t>
             </a:fld>
             <a:endParaRPr lang="en-US"/>
           </a:p>
@@ -4744,7 +4830,7 @@
           <a:p>
             <a:fld id="{CE88D40F-0E01-46E3-A0A3-09B1E418DDBF}" type="datetimeFigureOut">
               <a:rPr lang="en-US" smtClean="0"/>
-              <a:t>4/11/2021</a:t>
+              <a:t>4/16/2021</a:t>
             </a:fld>
             <a:endParaRPr lang="en-US"/>
           </a:p>
@@ -4885,7 +4971,7 @@
           <a:p>
             <a:fld id="{CE88D40F-0E01-46E3-A0A3-09B1E418DDBF}" type="datetimeFigureOut">
               <a:rPr lang="en-US" smtClean="0"/>
-              <a:t>4/11/2021</a:t>
+              <a:t>4/16/2021</a:t>
             </a:fld>
             <a:endParaRPr lang="en-US"/>
           </a:p>
@@ -4998,7 +5084,7 @@
           <a:p>
             <a:fld id="{CE88D40F-0E01-46E3-A0A3-09B1E418DDBF}" type="datetimeFigureOut">
               <a:rPr lang="en-US" smtClean="0"/>
-              <a:t>4/11/2021</a:t>
+              <a:t>4/16/2021</a:t>
             </a:fld>
             <a:endParaRPr lang="en-US"/>
           </a:p>
@@ -5309,7 +5395,7 @@
           <a:p>
             <a:fld id="{CE88D40F-0E01-46E3-A0A3-09B1E418DDBF}" type="datetimeFigureOut">
               <a:rPr lang="en-US" smtClean="0"/>
-              <a:t>4/11/2021</a:t>
+              <a:t>4/16/2021</a:t>
             </a:fld>
             <a:endParaRPr lang="en-US"/>
           </a:p>
@@ -5597,7 +5683,7 @@
           <a:p>
             <a:fld id="{CE88D40F-0E01-46E3-A0A3-09B1E418DDBF}" type="datetimeFigureOut">
               <a:rPr lang="en-US" smtClean="0"/>
-              <a:t>4/11/2021</a:t>
+              <a:t>4/16/2021</a:t>
             </a:fld>
             <a:endParaRPr lang="en-US"/>
           </a:p>
@@ -5838,7 +5924,7 @@
           <a:p>
             <a:fld id="{CE88D40F-0E01-46E3-A0A3-09B1E418DDBF}" type="datetimeFigureOut">
               <a:rPr lang="en-US" smtClean="0"/>
-              <a:t>4/11/2021</a:t>
+              <a:t>4/16/2021</a:t>
             </a:fld>
             <a:endParaRPr lang="en-US"/>
           </a:p>
@@ -7409,6 +7495,1745 @@
 <file path=ppt/slides/slide10.xml><?xml version="1.0" encoding="utf-8"?>
 <p:sld xmlns:a="http://schemas.openxmlformats.org/drawingml/2006/main" xmlns:r="http://schemas.openxmlformats.org/officeDocument/2006/relationships" xmlns:p="http://schemas.openxmlformats.org/presentationml/2006/main">
   <p:cSld>
+    <p:spTree>
+      <p:nvGrpSpPr>
+        <p:cNvPr id="1" name=""/>
+        <p:cNvGrpSpPr/>
+        <p:nvPr/>
+      </p:nvGrpSpPr>
+      <p:grpSpPr>
+        <a:xfrm>
+          <a:off x="0" y="0"/>
+          <a:ext cx="0" cy="0"/>
+          <a:chOff x="0" y="0"/>
+          <a:chExt cx="0" cy="0"/>
+        </a:xfrm>
+      </p:grpSpPr>
+      <p:sp>
+        <p:nvSpPr>
+          <p:cNvPr id="2" name="Title 1">
+            <a:extLst>
+              <a:ext uri="{FF2B5EF4-FFF2-40B4-BE49-F238E27FC236}">
+                <a16:creationId xmlns:a16="http://schemas.microsoft.com/office/drawing/2014/main" id="{AF708F16-5DBC-4B6A-8DFC-6213EECAA9C2}"/>
+              </a:ext>
+            </a:extLst>
+          </p:cNvPr>
+          <p:cNvSpPr>
+            <a:spLocks noGrp="1"/>
+          </p:cNvSpPr>
+          <p:nvPr>
+            <p:ph type="title"/>
+          </p:nvPr>
+        </p:nvSpPr>
+        <p:spPr>
+          <a:xfrm>
+            <a:off x="415600" y="349240"/>
+            <a:ext cx="11360800" cy="763600"/>
+          </a:xfrm>
+        </p:spPr>
+        <p:txBody>
+          <a:bodyPr/>
+          <a:lstStyle/>
+          <a:p>
+            <a:r>
+              <a:rPr lang="en-US" dirty="0"/>
+              <a:t>Infrastructure</a:t>
+            </a:r>
+          </a:p>
+        </p:txBody>
+      </p:sp>
+      <p:pic>
+        <p:nvPicPr>
+          <p:cNvPr id="4" name="Google Shape;56;p13">
+            <a:extLst>
+              <a:ext uri="{FF2B5EF4-FFF2-40B4-BE49-F238E27FC236}">
+                <a16:creationId xmlns:a16="http://schemas.microsoft.com/office/drawing/2014/main" id="{5DC2FED0-7C5F-460C-998D-2520FD324176}"/>
+              </a:ext>
+            </a:extLst>
+          </p:cNvPr>
+          <p:cNvPicPr preferRelativeResize="0"/>
+          <p:nvPr/>
+        </p:nvPicPr>
+        <p:blipFill>
+          <a:blip r:embed="rId3">
+            <a:alphaModFix/>
+          </a:blip>
+          <a:stretch>
+            <a:fillRect/>
+          </a:stretch>
+        </p:blipFill>
+        <p:spPr>
+          <a:xfrm>
+            <a:off x="10989179" y="5736492"/>
+            <a:ext cx="1202821" cy="1121508"/>
+          </a:xfrm>
+          <a:prstGeom prst="rect">
+            <a:avLst/>
+          </a:prstGeom>
+          <a:noFill/>
+          <a:ln>
+            <a:noFill/>
+          </a:ln>
+        </p:spPr>
+      </p:pic>
+      <p:pic>
+        <p:nvPicPr>
+          <p:cNvPr id="6" name="Picture 5">
+            <a:extLst>
+              <a:ext uri="{FF2B5EF4-FFF2-40B4-BE49-F238E27FC236}">
+                <a16:creationId xmlns:a16="http://schemas.microsoft.com/office/drawing/2014/main" id="{562789FC-24E6-41E1-B839-308F71066FC1}"/>
+              </a:ext>
+            </a:extLst>
+          </p:cNvPr>
+          <p:cNvPicPr>
+            <a:picLocks noChangeAspect="1"/>
+          </p:cNvPicPr>
+          <p:nvPr/>
+        </p:nvPicPr>
+        <p:blipFill>
+          <a:blip r:embed="rId4"/>
+          <a:stretch>
+            <a:fillRect/>
+          </a:stretch>
+        </p:blipFill>
+        <p:spPr>
+          <a:xfrm>
+            <a:off x="10765535" y="469734"/>
+            <a:ext cx="1010865" cy="1010865"/>
+          </a:xfrm>
+          <a:prstGeom prst="rect">
+            <a:avLst/>
+          </a:prstGeom>
+        </p:spPr>
+      </p:pic>
+      <p:grpSp>
+        <p:nvGrpSpPr>
+          <p:cNvPr id="5" name="Group 4">
+            <a:extLst>
+              <a:ext uri="{FF2B5EF4-FFF2-40B4-BE49-F238E27FC236}">
+                <a16:creationId xmlns:a16="http://schemas.microsoft.com/office/drawing/2014/main" id="{A539E6F8-1035-4BAE-A592-F1D25CB1424A}"/>
+              </a:ext>
+            </a:extLst>
+          </p:cNvPr>
+          <p:cNvGrpSpPr/>
+          <p:nvPr/>
+        </p:nvGrpSpPr>
+        <p:grpSpPr>
+          <a:xfrm>
+            <a:off x="2816352" y="2503235"/>
+            <a:ext cx="1330851" cy="251979"/>
+            <a:chOff x="2697941" y="3286002"/>
+            <a:chExt cx="1330851" cy="251979"/>
+          </a:xfrm>
+        </p:grpSpPr>
+        <p:pic>
+          <p:nvPicPr>
+            <p:cNvPr id="85" name="Graphic 84">
+              <a:extLst>
+                <a:ext uri="{FF2B5EF4-FFF2-40B4-BE49-F238E27FC236}">
+                  <a16:creationId xmlns:a16="http://schemas.microsoft.com/office/drawing/2014/main" id="{F42B162A-0AF5-4A4B-8B5B-CA2144BFA801}"/>
+                </a:ext>
+              </a:extLst>
+            </p:cNvPr>
+            <p:cNvPicPr>
+              <a:picLocks noChangeAspect="1"/>
+            </p:cNvPicPr>
+            <p:nvPr/>
+          </p:nvPicPr>
+          <p:blipFill>
+            <a:blip r:embed="rId5">
+              <a:extLst>
+                <a:ext uri="{28A0092B-C50C-407E-A947-70E740481C1C}">
+                  <a14:useLocalDpi xmlns:a14="http://schemas.microsoft.com/office/drawing/2010/main" val="0"/>
+                </a:ext>
+                <a:ext uri="{96DAC541-7B7A-43D3-8B79-37D633B846F1}">
+                  <asvg:svgBlip xmlns:asvg="http://schemas.microsoft.com/office/drawing/2016/SVG/main" r:embed="rId6"/>
+                </a:ext>
+              </a:extLst>
+            </a:blip>
+            <a:stretch>
+              <a:fillRect/>
+            </a:stretch>
+          </p:blipFill>
+          <p:spPr>
+            <a:xfrm>
+              <a:off x="2697941" y="3286002"/>
+              <a:ext cx="251979" cy="251979"/>
+            </a:xfrm>
+            <a:prstGeom prst="rect">
+              <a:avLst/>
+            </a:prstGeom>
+          </p:spPr>
+        </p:pic>
+        <p:sp>
+          <p:nvSpPr>
+            <p:cNvPr id="86" name="TextBox 85">
+              <a:extLst>
+                <a:ext uri="{FF2B5EF4-FFF2-40B4-BE49-F238E27FC236}">
+                  <a16:creationId xmlns:a16="http://schemas.microsoft.com/office/drawing/2014/main" id="{0D76ED6A-AF72-4363-9C6D-72205F9F3D63}"/>
+                </a:ext>
+              </a:extLst>
+            </p:cNvPr>
+            <p:cNvSpPr txBox="1"/>
+            <p:nvPr/>
+          </p:nvSpPr>
+          <p:spPr>
+            <a:xfrm>
+              <a:off x="2905133" y="3288792"/>
+              <a:ext cx="1123659" cy="246221"/>
+            </a:xfrm>
+            <a:prstGeom prst="rect">
+              <a:avLst/>
+            </a:prstGeom>
+            <a:noFill/>
+          </p:spPr>
+          <p:txBody>
+            <a:bodyPr wrap="square" rtlCol="0">
+              <a:spAutoFit/>
+            </a:bodyPr>
+            <a:lstStyle/>
+            <a:p>
+              <a:r>
+                <a:rPr lang="en-US" sz="1000" dirty="0"/>
+                <a:t>iac-ws2-vnet</a:t>
+              </a:r>
+            </a:p>
+          </p:txBody>
+        </p:sp>
+      </p:grpSp>
+      <p:sp>
+        <p:nvSpPr>
+          <p:cNvPr id="84" name="Rectangle 83">
+            <a:extLst>
+              <a:ext uri="{FF2B5EF4-FFF2-40B4-BE49-F238E27FC236}">
+                <a16:creationId xmlns:a16="http://schemas.microsoft.com/office/drawing/2014/main" id="{4BFF43BF-EF17-4EA8-BFF4-6C46DBD8EC95}"/>
+              </a:ext>
+            </a:extLst>
+          </p:cNvPr>
+          <p:cNvSpPr/>
+          <p:nvPr/>
+        </p:nvSpPr>
+        <p:spPr>
+          <a:xfrm>
+            <a:off x="2785944" y="1677446"/>
+            <a:ext cx="3930695" cy="1054389"/>
+          </a:xfrm>
+          <a:prstGeom prst="rect">
+            <a:avLst/>
+          </a:prstGeom>
+          <a:noFill/>
+          <a:ln>
+            <a:prstDash val="sysDash"/>
+          </a:ln>
+        </p:spPr>
+        <p:style>
+          <a:lnRef idx="2">
+            <a:schemeClr val="accent1">
+              <a:shade val="50000"/>
+            </a:schemeClr>
+          </a:lnRef>
+          <a:fillRef idx="1">
+            <a:schemeClr val="accent1"/>
+          </a:fillRef>
+          <a:effectRef idx="0">
+            <a:schemeClr val="accent1"/>
+          </a:effectRef>
+          <a:fontRef idx="minor">
+            <a:schemeClr val="lt1"/>
+          </a:fontRef>
+        </p:style>
+        <p:txBody>
+          <a:bodyPr rtlCol="0" anchor="ctr"/>
+          <a:lstStyle/>
+          <a:p>
+            <a:pPr algn="ctr"/>
+            <a:endParaRPr lang="en-US"/>
+          </a:p>
+        </p:txBody>
+      </p:sp>
+      <p:sp>
+        <p:nvSpPr>
+          <p:cNvPr id="73" name="Rectangle 72">
+            <a:extLst>
+              <a:ext uri="{FF2B5EF4-FFF2-40B4-BE49-F238E27FC236}">
+                <a16:creationId xmlns:a16="http://schemas.microsoft.com/office/drawing/2014/main" id="{8DABFB2F-B120-48F5-BF4B-8339C821B6D7}"/>
+              </a:ext>
+            </a:extLst>
+          </p:cNvPr>
+          <p:cNvSpPr/>
+          <p:nvPr/>
+        </p:nvSpPr>
+        <p:spPr>
+          <a:xfrm>
+            <a:off x="2961364" y="1774569"/>
+            <a:ext cx="3599411" cy="688056"/>
+          </a:xfrm>
+          <a:prstGeom prst="rect">
+            <a:avLst/>
+          </a:prstGeom>
+          <a:noFill/>
+          <a:ln>
+            <a:prstDash val="dash"/>
+          </a:ln>
+        </p:spPr>
+        <p:style>
+          <a:lnRef idx="2">
+            <a:schemeClr val="accent1">
+              <a:shade val="50000"/>
+            </a:schemeClr>
+          </a:lnRef>
+          <a:fillRef idx="1">
+            <a:schemeClr val="accent1"/>
+          </a:fillRef>
+          <a:effectRef idx="0">
+            <a:schemeClr val="accent1"/>
+          </a:effectRef>
+          <a:fontRef idx="minor">
+            <a:schemeClr val="lt1"/>
+          </a:fontRef>
+        </p:style>
+        <p:txBody>
+          <a:bodyPr rtlCol="0" anchor="ctr"/>
+          <a:lstStyle/>
+          <a:p>
+            <a:pPr algn="ctr"/>
+            <a:endParaRPr lang="en-US"/>
+          </a:p>
+        </p:txBody>
+      </p:sp>
+      <p:sp>
+        <p:nvSpPr>
+          <p:cNvPr id="78" name="TextBox 77">
+            <a:extLst>
+              <a:ext uri="{FF2B5EF4-FFF2-40B4-BE49-F238E27FC236}">
+                <a16:creationId xmlns:a16="http://schemas.microsoft.com/office/drawing/2014/main" id="{8660CB76-795A-4458-94C1-09B5E8CF4DA8}"/>
+              </a:ext>
+            </a:extLst>
+          </p:cNvPr>
+          <p:cNvSpPr txBox="1"/>
+          <p:nvPr/>
+        </p:nvSpPr>
+        <p:spPr>
+          <a:xfrm>
+            <a:off x="5645368" y="2264723"/>
+            <a:ext cx="967106" cy="246221"/>
+          </a:xfrm>
+          <a:prstGeom prst="rect">
+            <a:avLst/>
+          </a:prstGeom>
+          <a:noFill/>
+        </p:spPr>
+        <p:txBody>
+          <a:bodyPr wrap="square" rtlCol="0">
+            <a:spAutoFit/>
+          </a:bodyPr>
+          <a:lstStyle/>
+          <a:p>
+            <a:pPr algn="r"/>
+            <a:r>
+              <a:rPr lang="en-US" sz="1000" dirty="0"/>
+              <a:t>apim-net</a:t>
+            </a:r>
+          </a:p>
+        </p:txBody>
+      </p:sp>
+      <p:pic>
+        <p:nvPicPr>
+          <p:cNvPr id="75" name="Graphic 74">
+            <a:extLst>
+              <a:ext uri="{FF2B5EF4-FFF2-40B4-BE49-F238E27FC236}">
+                <a16:creationId xmlns:a16="http://schemas.microsoft.com/office/drawing/2014/main" id="{D502F66E-19DF-470E-82F2-3090370EB01C}"/>
+              </a:ext>
+            </a:extLst>
+          </p:cNvPr>
+          <p:cNvPicPr>
+            <a:picLocks noChangeAspect="1"/>
+          </p:cNvPicPr>
+          <p:nvPr/>
+        </p:nvPicPr>
+        <p:blipFill>
+          <a:blip r:embed="rId7">
+            <a:extLst>
+              <a:ext uri="{28A0092B-C50C-407E-A947-70E740481C1C}">
+                <a14:useLocalDpi xmlns:a14="http://schemas.microsoft.com/office/drawing/2010/main" val="0"/>
+              </a:ext>
+              <a:ext uri="{96DAC541-7B7A-43D3-8B79-37D633B846F1}">
+                <asvg:svgBlip xmlns:asvg="http://schemas.microsoft.com/office/drawing/2016/SVG/main" r:embed="rId8"/>
+              </a:ext>
+            </a:extLst>
+          </a:blip>
+          <a:stretch>
+            <a:fillRect/>
+          </a:stretch>
+        </p:blipFill>
+        <p:spPr>
+          <a:xfrm>
+            <a:off x="6375451" y="1808921"/>
+            <a:ext cx="171450" cy="171450"/>
+          </a:xfrm>
+          <a:prstGeom prst="rect">
+            <a:avLst/>
+          </a:prstGeom>
+        </p:spPr>
+      </p:pic>
+      <p:grpSp>
+        <p:nvGrpSpPr>
+          <p:cNvPr id="32" name="Group 31">
+            <a:extLst>
+              <a:ext uri="{FF2B5EF4-FFF2-40B4-BE49-F238E27FC236}">
+                <a16:creationId xmlns:a16="http://schemas.microsoft.com/office/drawing/2014/main" id="{CA3548AA-1FEC-455B-A206-716DB5A1D236}"/>
+              </a:ext>
+            </a:extLst>
+          </p:cNvPr>
+          <p:cNvGrpSpPr/>
+          <p:nvPr/>
+        </p:nvGrpSpPr>
+        <p:grpSpPr>
+          <a:xfrm>
+            <a:off x="1535297" y="1845918"/>
+            <a:ext cx="1144865" cy="717444"/>
+            <a:chOff x="1125655" y="4731777"/>
+            <a:chExt cx="1144865" cy="717444"/>
+          </a:xfrm>
+        </p:grpSpPr>
+        <p:pic>
+          <p:nvPicPr>
+            <p:cNvPr id="33" name="Graphic 32">
+              <a:extLst>
+                <a:ext uri="{FF2B5EF4-FFF2-40B4-BE49-F238E27FC236}">
+                  <a16:creationId xmlns:a16="http://schemas.microsoft.com/office/drawing/2014/main" id="{07AB9493-6FF5-4273-9E15-0D0CED85D93B}"/>
+                </a:ext>
+              </a:extLst>
+            </p:cNvPr>
+            <p:cNvPicPr>
+              <a:picLocks noChangeAspect="1"/>
+            </p:cNvPicPr>
+            <p:nvPr/>
+          </p:nvPicPr>
+          <p:blipFill>
+            <a:blip r:embed="rId9">
+              <a:extLst>
+                <a:ext uri="{28A0092B-C50C-407E-A947-70E740481C1C}">
+                  <a14:useLocalDpi xmlns:a14="http://schemas.microsoft.com/office/drawing/2010/main" val="0"/>
+                </a:ext>
+                <a:ext uri="{96DAC541-7B7A-43D3-8B79-37D633B846F1}">
+                  <asvg:svgBlip xmlns:asvg="http://schemas.microsoft.com/office/drawing/2016/SVG/main" r:embed="rId10"/>
+                </a:ext>
+              </a:extLst>
+            </a:blip>
+            <a:stretch>
+              <a:fillRect/>
+            </a:stretch>
+          </p:blipFill>
+          <p:spPr>
+            <a:xfrm>
+              <a:off x="1465881" y="4731777"/>
+              <a:ext cx="464414" cy="464414"/>
+            </a:xfrm>
+            <a:prstGeom prst="rect">
+              <a:avLst/>
+            </a:prstGeom>
+          </p:spPr>
+        </p:pic>
+        <p:sp>
+          <p:nvSpPr>
+            <p:cNvPr id="34" name="TextBox 33">
+              <a:extLst>
+                <a:ext uri="{FF2B5EF4-FFF2-40B4-BE49-F238E27FC236}">
+                  <a16:creationId xmlns:a16="http://schemas.microsoft.com/office/drawing/2014/main" id="{F90444C5-3F52-4886-AFEA-5172BA0CFB69}"/>
+                </a:ext>
+              </a:extLst>
+            </p:cNvPr>
+            <p:cNvSpPr txBox="1"/>
+            <p:nvPr/>
+          </p:nvSpPr>
+          <p:spPr>
+            <a:xfrm>
+              <a:off x="1125655" y="5203000"/>
+              <a:ext cx="1144865" cy="246221"/>
+            </a:xfrm>
+            <a:prstGeom prst="rect">
+              <a:avLst/>
+            </a:prstGeom>
+            <a:noFill/>
+          </p:spPr>
+          <p:txBody>
+            <a:bodyPr wrap="none" rtlCol="0">
+              <a:spAutoFit/>
+            </a:bodyPr>
+            <a:lstStyle/>
+            <a:p>
+              <a:r>
+                <a:rPr lang="en-US" sz="1000" dirty="0"/>
+                <a:t>Container Registry</a:t>
+              </a:r>
+            </a:p>
+          </p:txBody>
+        </p:sp>
+      </p:grpSp>
+      <p:grpSp>
+        <p:nvGrpSpPr>
+          <p:cNvPr id="39" name="Group 38">
+            <a:extLst>
+              <a:ext uri="{FF2B5EF4-FFF2-40B4-BE49-F238E27FC236}">
+                <a16:creationId xmlns:a16="http://schemas.microsoft.com/office/drawing/2014/main" id="{E0460AF8-D4B8-4D8A-9BB6-787FAFCEFF9F}"/>
+              </a:ext>
+            </a:extLst>
+          </p:cNvPr>
+          <p:cNvGrpSpPr/>
+          <p:nvPr/>
+        </p:nvGrpSpPr>
+        <p:grpSpPr>
+          <a:xfrm>
+            <a:off x="7712638" y="1804704"/>
+            <a:ext cx="967106" cy="784999"/>
+            <a:chOff x="7024664" y="3607940"/>
+            <a:chExt cx="967106" cy="784999"/>
+          </a:xfrm>
+        </p:grpSpPr>
+        <p:pic>
+          <p:nvPicPr>
+            <p:cNvPr id="40" name="Graphic 39">
+              <a:extLst>
+                <a:ext uri="{FF2B5EF4-FFF2-40B4-BE49-F238E27FC236}">
+                  <a16:creationId xmlns:a16="http://schemas.microsoft.com/office/drawing/2014/main" id="{C1185322-14AA-4DE5-BF7D-0D0B00AD7138}"/>
+                </a:ext>
+              </a:extLst>
+            </p:cNvPr>
+            <p:cNvPicPr>
+              <a:picLocks noChangeAspect="1"/>
+            </p:cNvPicPr>
+            <p:nvPr/>
+          </p:nvPicPr>
+          <p:blipFill>
+            <a:blip r:embed="rId11">
+              <a:extLst>
+                <a:ext uri="{28A0092B-C50C-407E-A947-70E740481C1C}">
+                  <a14:useLocalDpi xmlns:a14="http://schemas.microsoft.com/office/drawing/2010/main" val="0"/>
+                </a:ext>
+                <a:ext uri="{96DAC541-7B7A-43D3-8B79-37D633B846F1}">
+                  <asvg:svgBlip xmlns:asvg="http://schemas.microsoft.com/office/drawing/2016/SVG/main" r:embed="rId12"/>
+                </a:ext>
+              </a:extLst>
+            </a:blip>
+            <a:stretch>
+              <a:fillRect/>
+            </a:stretch>
+          </p:blipFill>
+          <p:spPr>
+            <a:xfrm>
+              <a:off x="7276010" y="3607940"/>
+              <a:ext cx="464414" cy="464414"/>
+            </a:xfrm>
+            <a:prstGeom prst="rect">
+              <a:avLst/>
+            </a:prstGeom>
+          </p:spPr>
+        </p:pic>
+        <p:sp>
+          <p:nvSpPr>
+            <p:cNvPr id="41" name="TextBox 40">
+              <a:extLst>
+                <a:ext uri="{FF2B5EF4-FFF2-40B4-BE49-F238E27FC236}">
+                  <a16:creationId xmlns:a16="http://schemas.microsoft.com/office/drawing/2014/main" id="{D3FA9A3C-D035-40B8-AFC3-4B676D778AF6}"/>
+                </a:ext>
+              </a:extLst>
+            </p:cNvPr>
+            <p:cNvSpPr txBox="1"/>
+            <p:nvPr/>
+          </p:nvSpPr>
+          <p:spPr>
+            <a:xfrm>
+              <a:off x="7024664" y="3992829"/>
+              <a:ext cx="967106" cy="400110"/>
+            </a:xfrm>
+            <a:prstGeom prst="rect">
+              <a:avLst/>
+            </a:prstGeom>
+            <a:noFill/>
+          </p:spPr>
+          <p:txBody>
+            <a:bodyPr wrap="square" rtlCol="0">
+              <a:spAutoFit/>
+            </a:bodyPr>
+            <a:lstStyle/>
+            <a:p>
+              <a:pPr algn="ctr"/>
+              <a:r>
+                <a:rPr lang="en-US" sz="1000" dirty="0"/>
+                <a:t>Public IP</a:t>
+              </a:r>
+            </a:p>
+            <a:p>
+              <a:pPr algn="ctr"/>
+              <a:r>
+                <a:rPr lang="en-US" sz="1000" dirty="0"/>
+                <a:t>Prefix</a:t>
+              </a:r>
+            </a:p>
+          </p:txBody>
+        </p:sp>
+      </p:grpSp>
+      <p:sp>
+        <p:nvSpPr>
+          <p:cNvPr id="8" name="Rectangle 7">
+            <a:extLst>
+              <a:ext uri="{FF2B5EF4-FFF2-40B4-BE49-F238E27FC236}">
+                <a16:creationId xmlns:a16="http://schemas.microsoft.com/office/drawing/2014/main" id="{181298C4-C071-4271-8052-496A36C208CB}"/>
+              </a:ext>
+            </a:extLst>
+          </p:cNvPr>
+          <p:cNvSpPr/>
+          <p:nvPr/>
+        </p:nvSpPr>
+        <p:spPr>
+          <a:xfrm>
+            <a:off x="1322522" y="1480599"/>
+            <a:ext cx="8413536" cy="1403287"/>
+          </a:xfrm>
+          <a:prstGeom prst="rect">
+            <a:avLst/>
+          </a:prstGeom>
+          <a:noFill/>
+        </p:spPr>
+        <p:style>
+          <a:lnRef idx="2">
+            <a:schemeClr val="accent1">
+              <a:shade val="50000"/>
+            </a:schemeClr>
+          </a:lnRef>
+          <a:fillRef idx="1">
+            <a:schemeClr val="accent1"/>
+          </a:fillRef>
+          <a:effectRef idx="0">
+            <a:schemeClr val="accent1"/>
+          </a:effectRef>
+          <a:fontRef idx="minor">
+            <a:schemeClr val="lt1"/>
+          </a:fontRef>
+        </p:style>
+        <p:txBody>
+          <a:bodyPr rtlCol="0" anchor="ctr"/>
+          <a:lstStyle/>
+          <a:p>
+            <a:pPr algn="ctr"/>
+            <a:endParaRPr lang="en-US"/>
+          </a:p>
+        </p:txBody>
+      </p:sp>
+      <p:pic>
+        <p:nvPicPr>
+          <p:cNvPr id="11" name="Graphic 10">
+            <a:extLst>
+              <a:ext uri="{FF2B5EF4-FFF2-40B4-BE49-F238E27FC236}">
+                <a16:creationId xmlns:a16="http://schemas.microsoft.com/office/drawing/2014/main" id="{7000204C-22AC-4B40-85AA-927C478EE242}"/>
+              </a:ext>
+            </a:extLst>
+          </p:cNvPr>
+          <p:cNvPicPr>
+            <a:picLocks noChangeAspect="1"/>
+          </p:cNvPicPr>
+          <p:nvPr/>
+        </p:nvPicPr>
+        <p:blipFill>
+          <a:blip r:embed="rId13">
+            <a:extLst>
+              <a:ext uri="{28A0092B-C50C-407E-A947-70E740481C1C}">
+                <a14:useLocalDpi xmlns:a14="http://schemas.microsoft.com/office/drawing/2010/main" val="0"/>
+              </a:ext>
+              <a:ext uri="{96DAC541-7B7A-43D3-8B79-37D633B846F1}">
+                <asvg:svgBlip xmlns:asvg="http://schemas.microsoft.com/office/drawing/2016/SVG/main" r:embed="rId14"/>
+              </a:ext>
+            </a:extLst>
+          </a:blip>
+          <a:stretch>
+            <a:fillRect/>
+          </a:stretch>
+        </p:blipFill>
+        <p:spPr>
+          <a:xfrm>
+            <a:off x="1355204" y="1499996"/>
+            <a:ext cx="228803" cy="228803"/>
+          </a:xfrm>
+          <a:prstGeom prst="rect">
+            <a:avLst/>
+          </a:prstGeom>
+        </p:spPr>
+      </p:pic>
+      <p:sp>
+        <p:nvSpPr>
+          <p:cNvPr id="44" name="TextBox 43">
+            <a:extLst>
+              <a:ext uri="{FF2B5EF4-FFF2-40B4-BE49-F238E27FC236}">
+                <a16:creationId xmlns:a16="http://schemas.microsoft.com/office/drawing/2014/main" id="{7598C3EA-1FA3-4D34-827F-729D1C090DC7}"/>
+              </a:ext>
+            </a:extLst>
+          </p:cNvPr>
+          <p:cNvSpPr txBox="1"/>
+          <p:nvPr/>
+        </p:nvSpPr>
+        <p:spPr>
+          <a:xfrm>
+            <a:off x="1522497" y="1491288"/>
+            <a:ext cx="1123659" cy="246221"/>
+          </a:xfrm>
+          <a:prstGeom prst="rect">
+            <a:avLst/>
+          </a:prstGeom>
+          <a:noFill/>
+        </p:spPr>
+        <p:txBody>
+          <a:bodyPr wrap="square" rtlCol="0">
+            <a:spAutoFit/>
+          </a:bodyPr>
+          <a:lstStyle/>
+          <a:p>
+            <a:r>
+              <a:rPr lang="en-US" sz="1000" dirty="0"/>
+              <a:t>iac-ws2-base-rg</a:t>
+            </a:r>
+          </a:p>
+        </p:txBody>
+      </p:sp>
+      <p:grpSp>
+        <p:nvGrpSpPr>
+          <p:cNvPr id="14" name="Group 13">
+            <a:extLst>
+              <a:ext uri="{FF2B5EF4-FFF2-40B4-BE49-F238E27FC236}">
+                <a16:creationId xmlns:a16="http://schemas.microsoft.com/office/drawing/2014/main" id="{D814A492-F5D1-49AB-B90D-FE4ED11F18A7}"/>
+              </a:ext>
+            </a:extLst>
+          </p:cNvPr>
+          <p:cNvGrpSpPr/>
+          <p:nvPr/>
+        </p:nvGrpSpPr>
+        <p:grpSpPr>
+          <a:xfrm>
+            <a:off x="6841014" y="1826925"/>
+            <a:ext cx="967106" cy="710634"/>
+            <a:chOff x="7079732" y="4051542"/>
+            <a:chExt cx="967106" cy="710634"/>
+          </a:xfrm>
+        </p:grpSpPr>
+        <p:sp>
+          <p:nvSpPr>
+            <p:cNvPr id="38" name="TextBox 37">
+              <a:extLst>
+                <a:ext uri="{FF2B5EF4-FFF2-40B4-BE49-F238E27FC236}">
+                  <a16:creationId xmlns:a16="http://schemas.microsoft.com/office/drawing/2014/main" id="{196478A0-37EE-4715-BD01-729C7EF5BA55}"/>
+                </a:ext>
+              </a:extLst>
+            </p:cNvPr>
+            <p:cNvSpPr txBox="1"/>
+            <p:nvPr/>
+          </p:nvSpPr>
+          <p:spPr>
+            <a:xfrm>
+              <a:off x="7079732" y="4515955"/>
+              <a:ext cx="967106" cy="246221"/>
+            </a:xfrm>
+            <a:prstGeom prst="rect">
+              <a:avLst/>
+            </a:prstGeom>
+            <a:noFill/>
+          </p:spPr>
+          <p:txBody>
+            <a:bodyPr wrap="square" rtlCol="0">
+              <a:spAutoFit/>
+            </a:bodyPr>
+            <a:lstStyle/>
+            <a:p>
+              <a:pPr algn="ctr"/>
+              <a:r>
+                <a:rPr lang="en-US" sz="1000" dirty="0"/>
+                <a:t>Log Analytics</a:t>
+              </a:r>
+            </a:p>
+          </p:txBody>
+        </p:sp>
+        <p:pic>
+          <p:nvPicPr>
+            <p:cNvPr id="13" name="Graphic 12">
+              <a:extLst>
+                <a:ext uri="{FF2B5EF4-FFF2-40B4-BE49-F238E27FC236}">
+                  <a16:creationId xmlns:a16="http://schemas.microsoft.com/office/drawing/2014/main" id="{3B794B72-6994-4DA0-B300-6A8DD2A666BA}"/>
+                </a:ext>
+              </a:extLst>
+            </p:cNvPr>
+            <p:cNvPicPr>
+              <a:picLocks noChangeAspect="1"/>
+            </p:cNvPicPr>
+            <p:nvPr/>
+          </p:nvPicPr>
+          <p:blipFill>
+            <a:blip r:embed="rId15">
+              <a:extLst>
+                <a:ext uri="{28A0092B-C50C-407E-A947-70E740481C1C}">
+                  <a14:useLocalDpi xmlns:a14="http://schemas.microsoft.com/office/drawing/2010/main" val="0"/>
+                </a:ext>
+                <a:ext uri="{96DAC541-7B7A-43D3-8B79-37D633B846F1}">
+                  <asvg:svgBlip xmlns:asvg="http://schemas.microsoft.com/office/drawing/2016/SVG/main" r:embed="rId16"/>
+                </a:ext>
+              </a:extLst>
+            </a:blip>
+            <a:stretch>
+              <a:fillRect/>
+            </a:stretch>
+          </p:blipFill>
+          <p:spPr>
+            <a:xfrm>
+              <a:off x="7331078" y="4051542"/>
+              <a:ext cx="464413" cy="464413"/>
+            </a:xfrm>
+            <a:prstGeom prst="rect">
+              <a:avLst/>
+            </a:prstGeom>
+          </p:spPr>
+        </p:pic>
+      </p:grpSp>
+      <p:grpSp>
+        <p:nvGrpSpPr>
+          <p:cNvPr id="24" name="Group 23">
+            <a:extLst>
+              <a:ext uri="{FF2B5EF4-FFF2-40B4-BE49-F238E27FC236}">
+                <a16:creationId xmlns:a16="http://schemas.microsoft.com/office/drawing/2014/main" id="{75B8C90B-1129-4082-A350-1F4287F64398}"/>
+              </a:ext>
+            </a:extLst>
+          </p:cNvPr>
+          <p:cNvGrpSpPr/>
+          <p:nvPr/>
+        </p:nvGrpSpPr>
+        <p:grpSpPr>
+          <a:xfrm>
+            <a:off x="4138106" y="1900455"/>
+            <a:ext cx="1726053" cy="487378"/>
+            <a:chOff x="4284452" y="2780979"/>
+            <a:chExt cx="1726053" cy="487378"/>
+          </a:xfrm>
+        </p:grpSpPr>
+        <p:pic>
+          <p:nvPicPr>
+            <p:cNvPr id="25" name="Graphic 24">
+              <a:extLst>
+                <a:ext uri="{FF2B5EF4-FFF2-40B4-BE49-F238E27FC236}">
+                  <a16:creationId xmlns:a16="http://schemas.microsoft.com/office/drawing/2014/main" id="{7130F49B-EFEF-495D-BAE5-D197B5B40A06}"/>
+                </a:ext>
+              </a:extLst>
+            </p:cNvPr>
+            <p:cNvPicPr>
+              <a:picLocks noChangeAspect="1"/>
+            </p:cNvPicPr>
+            <p:nvPr/>
+          </p:nvPicPr>
+          <p:blipFill>
+            <a:blip r:embed="rId17">
+              <a:extLst>
+                <a:ext uri="{28A0092B-C50C-407E-A947-70E740481C1C}">
+                  <a14:useLocalDpi xmlns:a14="http://schemas.microsoft.com/office/drawing/2010/main" val="0"/>
+                </a:ext>
+                <a:ext uri="{96DAC541-7B7A-43D3-8B79-37D633B846F1}">
+                  <asvg:svgBlip xmlns:asvg="http://schemas.microsoft.com/office/drawing/2016/SVG/main" r:embed="rId18"/>
+                </a:ext>
+              </a:extLst>
+            </a:blip>
+            <a:stretch>
+              <a:fillRect/>
+            </a:stretch>
+          </p:blipFill>
+          <p:spPr>
+            <a:xfrm>
+              <a:off x="4284452" y="2780979"/>
+              <a:ext cx="464415" cy="464415"/>
+            </a:xfrm>
+            <a:prstGeom prst="rect">
+              <a:avLst/>
+            </a:prstGeom>
+          </p:spPr>
+        </p:pic>
+        <p:sp>
+          <p:nvSpPr>
+            <p:cNvPr id="26" name="TextBox 25">
+              <a:extLst>
+                <a:ext uri="{FF2B5EF4-FFF2-40B4-BE49-F238E27FC236}">
+                  <a16:creationId xmlns:a16="http://schemas.microsoft.com/office/drawing/2014/main" id="{D1C790A9-DD3D-475B-9A1E-98131CC61C6B}"/>
+                </a:ext>
+              </a:extLst>
+            </p:cNvPr>
+            <p:cNvSpPr txBox="1"/>
+            <p:nvPr/>
+          </p:nvSpPr>
+          <p:spPr>
+            <a:xfrm>
+              <a:off x="4682050" y="2868247"/>
+              <a:ext cx="1328455" cy="400110"/>
+            </a:xfrm>
+            <a:prstGeom prst="rect">
+              <a:avLst/>
+            </a:prstGeom>
+            <a:noFill/>
+          </p:spPr>
+          <p:txBody>
+            <a:bodyPr wrap="square" rtlCol="0">
+              <a:spAutoFit/>
+            </a:bodyPr>
+            <a:lstStyle/>
+            <a:p>
+              <a:r>
+                <a:rPr lang="en-US" sz="1000" dirty="0"/>
+                <a:t>API Management</a:t>
+              </a:r>
+            </a:p>
+            <a:p>
+              <a:r>
+                <a:rPr lang="en-US" sz="1000" dirty="0"/>
+                <a:t>(External)</a:t>
+              </a:r>
+            </a:p>
+          </p:txBody>
+        </p:sp>
+      </p:grpSp>
+      <p:pic>
+        <p:nvPicPr>
+          <p:cNvPr id="27" name="Graphic 4">
+            <a:extLst>
+              <a:ext uri="{FF2B5EF4-FFF2-40B4-BE49-F238E27FC236}">
+                <a16:creationId xmlns:a16="http://schemas.microsoft.com/office/drawing/2014/main" id="{6C31D57D-B1D7-4512-8812-BBBAEBCE2900}"/>
+              </a:ext>
+            </a:extLst>
+          </p:cNvPr>
+          <p:cNvPicPr>
+            <a:picLocks noChangeAspect="1"/>
+          </p:cNvPicPr>
+          <p:nvPr/>
+        </p:nvPicPr>
+        <p:blipFill>
+          <a:blip r:embed="rId19">
+            <a:extLst>
+              <a:ext uri="{28A0092B-C50C-407E-A947-70E740481C1C}">
+                <a14:useLocalDpi xmlns:a14="http://schemas.microsoft.com/office/drawing/2010/main" val="0"/>
+              </a:ext>
+              <a:ext uri="{96DAC541-7B7A-43D3-8B79-37D633B846F1}">
+                <asvg:svgBlip xmlns:asvg="http://schemas.microsoft.com/office/drawing/2016/SVG/main" r:embed="rId20"/>
+              </a:ext>
+            </a:extLst>
+          </a:blip>
+          <a:stretch>
+            <a:fillRect/>
+          </a:stretch>
+        </p:blipFill>
+        <p:spPr>
+          <a:xfrm>
+            <a:off x="343599" y="6114702"/>
+            <a:ext cx="1718444" cy="574556"/>
+          </a:xfrm>
+          <a:prstGeom prst="rect">
+            <a:avLst/>
+          </a:prstGeom>
+        </p:spPr>
+      </p:pic>
+      <p:sp>
+        <p:nvSpPr>
+          <p:cNvPr id="28" name="Rectangle 27">
+            <a:extLst>
+              <a:ext uri="{FF2B5EF4-FFF2-40B4-BE49-F238E27FC236}">
+                <a16:creationId xmlns:a16="http://schemas.microsoft.com/office/drawing/2014/main" id="{F93AC285-77EB-4273-8666-5486E33C1635}"/>
+              </a:ext>
+            </a:extLst>
+          </p:cNvPr>
+          <p:cNvSpPr/>
+          <p:nvPr/>
+        </p:nvSpPr>
+        <p:spPr>
+          <a:xfrm>
+            <a:off x="1322522" y="3116724"/>
+            <a:ext cx="8413536" cy="1403287"/>
+          </a:xfrm>
+          <a:prstGeom prst="rect">
+            <a:avLst/>
+          </a:prstGeom>
+          <a:noFill/>
+        </p:spPr>
+        <p:style>
+          <a:lnRef idx="2">
+            <a:schemeClr val="accent1">
+              <a:shade val="50000"/>
+            </a:schemeClr>
+          </a:lnRef>
+          <a:fillRef idx="1">
+            <a:schemeClr val="accent1"/>
+          </a:fillRef>
+          <a:effectRef idx="0">
+            <a:schemeClr val="accent1"/>
+          </a:effectRef>
+          <a:fontRef idx="minor">
+            <a:schemeClr val="lt1"/>
+          </a:fontRef>
+        </p:style>
+        <p:txBody>
+          <a:bodyPr rtlCol="0" anchor="ctr"/>
+          <a:lstStyle/>
+          <a:p>
+            <a:pPr algn="ctr"/>
+            <a:endParaRPr lang="en-US"/>
+          </a:p>
+        </p:txBody>
+      </p:sp>
+      <p:pic>
+        <p:nvPicPr>
+          <p:cNvPr id="29" name="Graphic 28">
+            <a:extLst>
+              <a:ext uri="{FF2B5EF4-FFF2-40B4-BE49-F238E27FC236}">
+                <a16:creationId xmlns:a16="http://schemas.microsoft.com/office/drawing/2014/main" id="{1EFB5EED-6603-4810-88A0-01E11C70FF9C}"/>
+              </a:ext>
+            </a:extLst>
+          </p:cNvPr>
+          <p:cNvPicPr>
+            <a:picLocks noChangeAspect="1"/>
+          </p:cNvPicPr>
+          <p:nvPr/>
+        </p:nvPicPr>
+        <p:blipFill>
+          <a:blip r:embed="rId13">
+            <a:extLst>
+              <a:ext uri="{28A0092B-C50C-407E-A947-70E740481C1C}">
+                <a14:useLocalDpi xmlns:a14="http://schemas.microsoft.com/office/drawing/2010/main" val="0"/>
+              </a:ext>
+              <a:ext uri="{96DAC541-7B7A-43D3-8B79-37D633B846F1}">
+                <asvg:svgBlip xmlns:asvg="http://schemas.microsoft.com/office/drawing/2016/SVG/main" r:embed="rId14"/>
+              </a:ext>
+            </a:extLst>
+          </a:blip>
+          <a:stretch>
+            <a:fillRect/>
+          </a:stretch>
+        </p:blipFill>
+        <p:spPr>
+          <a:xfrm>
+            <a:off x="1355204" y="3136121"/>
+            <a:ext cx="228803" cy="228803"/>
+          </a:xfrm>
+          <a:prstGeom prst="rect">
+            <a:avLst/>
+          </a:prstGeom>
+        </p:spPr>
+      </p:pic>
+      <p:sp>
+        <p:nvSpPr>
+          <p:cNvPr id="30" name="TextBox 29">
+            <a:extLst>
+              <a:ext uri="{FF2B5EF4-FFF2-40B4-BE49-F238E27FC236}">
+                <a16:creationId xmlns:a16="http://schemas.microsoft.com/office/drawing/2014/main" id="{404F7A9F-B79E-4648-A21A-87B53AAC2B19}"/>
+              </a:ext>
+            </a:extLst>
+          </p:cNvPr>
+          <p:cNvSpPr txBox="1"/>
+          <p:nvPr/>
+        </p:nvSpPr>
+        <p:spPr>
+          <a:xfrm>
+            <a:off x="1522497" y="3127413"/>
+            <a:ext cx="1501047" cy="246221"/>
+          </a:xfrm>
+          <a:prstGeom prst="rect">
+            <a:avLst/>
+          </a:prstGeom>
+          <a:noFill/>
+        </p:spPr>
+        <p:txBody>
+          <a:bodyPr wrap="square" rtlCol="0">
+            <a:spAutoFit/>
+          </a:bodyPr>
+          <a:lstStyle/>
+          <a:p>
+            <a:r>
+              <a:rPr lang="en-US" sz="1000" dirty="0"/>
+              <a:t>iac-ws2-aks-blue-rg</a:t>
+            </a:r>
+          </a:p>
+        </p:txBody>
+      </p:sp>
+      <p:grpSp>
+        <p:nvGrpSpPr>
+          <p:cNvPr id="3" name="Group 2">
+            <a:extLst>
+              <a:ext uri="{FF2B5EF4-FFF2-40B4-BE49-F238E27FC236}">
+                <a16:creationId xmlns:a16="http://schemas.microsoft.com/office/drawing/2014/main" id="{C637D51F-C9B0-484E-95F6-DD15071D00D7}"/>
+              </a:ext>
+            </a:extLst>
+          </p:cNvPr>
+          <p:cNvGrpSpPr/>
+          <p:nvPr/>
+        </p:nvGrpSpPr>
+        <p:grpSpPr>
+          <a:xfrm>
+            <a:off x="2816352" y="4144901"/>
+            <a:ext cx="1745809" cy="251979"/>
+            <a:chOff x="2816352" y="4144901"/>
+            <a:chExt cx="1745809" cy="251979"/>
+          </a:xfrm>
+        </p:grpSpPr>
+        <p:pic>
+          <p:nvPicPr>
+            <p:cNvPr id="49" name="Graphic 48">
+              <a:extLst>
+                <a:ext uri="{FF2B5EF4-FFF2-40B4-BE49-F238E27FC236}">
+                  <a16:creationId xmlns:a16="http://schemas.microsoft.com/office/drawing/2014/main" id="{901A6591-69CA-484F-976B-8D06CCA6BFF5}"/>
+                </a:ext>
+              </a:extLst>
+            </p:cNvPr>
+            <p:cNvPicPr>
+              <a:picLocks noChangeAspect="1"/>
+            </p:cNvPicPr>
+            <p:nvPr/>
+          </p:nvPicPr>
+          <p:blipFill>
+            <a:blip r:embed="rId5">
+              <a:extLst>
+                <a:ext uri="{28A0092B-C50C-407E-A947-70E740481C1C}">
+                  <a14:useLocalDpi xmlns:a14="http://schemas.microsoft.com/office/drawing/2010/main" val="0"/>
+                </a:ext>
+                <a:ext uri="{96DAC541-7B7A-43D3-8B79-37D633B846F1}">
+                  <asvg:svgBlip xmlns:asvg="http://schemas.microsoft.com/office/drawing/2016/SVG/main" r:embed="rId6"/>
+                </a:ext>
+              </a:extLst>
+            </a:blip>
+            <a:stretch>
+              <a:fillRect/>
+            </a:stretch>
+          </p:blipFill>
+          <p:spPr>
+            <a:xfrm>
+              <a:off x="2816352" y="4144901"/>
+              <a:ext cx="251979" cy="251979"/>
+            </a:xfrm>
+            <a:prstGeom prst="rect">
+              <a:avLst/>
+            </a:prstGeom>
+          </p:spPr>
+        </p:pic>
+        <p:sp>
+          <p:nvSpPr>
+            <p:cNvPr id="50" name="TextBox 49">
+              <a:extLst>
+                <a:ext uri="{FF2B5EF4-FFF2-40B4-BE49-F238E27FC236}">
+                  <a16:creationId xmlns:a16="http://schemas.microsoft.com/office/drawing/2014/main" id="{885E8B54-C9A0-4A12-B82F-BE9FED055B8E}"/>
+                </a:ext>
+              </a:extLst>
+            </p:cNvPr>
+            <p:cNvSpPr txBox="1"/>
+            <p:nvPr/>
+          </p:nvSpPr>
+          <p:spPr>
+            <a:xfrm>
+              <a:off x="3023544" y="4147691"/>
+              <a:ext cx="1538617" cy="246221"/>
+            </a:xfrm>
+            <a:prstGeom prst="rect">
+              <a:avLst/>
+            </a:prstGeom>
+            <a:noFill/>
+          </p:spPr>
+          <p:txBody>
+            <a:bodyPr wrap="square" rtlCol="0">
+              <a:spAutoFit/>
+            </a:bodyPr>
+            <a:lstStyle/>
+            <a:p>
+              <a:r>
+                <a:rPr lang="en-US" sz="1000" dirty="0"/>
+                <a:t>iac-ws2-aks-blue-vnet</a:t>
+              </a:r>
+            </a:p>
+          </p:txBody>
+        </p:sp>
+      </p:grpSp>
+      <p:sp>
+        <p:nvSpPr>
+          <p:cNvPr id="51" name="Rectangle 50">
+            <a:extLst>
+              <a:ext uri="{FF2B5EF4-FFF2-40B4-BE49-F238E27FC236}">
+                <a16:creationId xmlns:a16="http://schemas.microsoft.com/office/drawing/2014/main" id="{1AD7FE61-DDC7-4657-9920-A6D670627FBE}"/>
+              </a:ext>
+            </a:extLst>
+          </p:cNvPr>
+          <p:cNvSpPr/>
+          <p:nvPr/>
+        </p:nvSpPr>
+        <p:spPr>
+          <a:xfrm>
+            <a:off x="2785944" y="3319112"/>
+            <a:ext cx="3930695" cy="1054389"/>
+          </a:xfrm>
+          <a:prstGeom prst="rect">
+            <a:avLst/>
+          </a:prstGeom>
+          <a:noFill/>
+          <a:ln>
+            <a:prstDash val="sysDash"/>
+          </a:ln>
+        </p:spPr>
+        <p:style>
+          <a:lnRef idx="2">
+            <a:schemeClr val="accent1">
+              <a:shade val="50000"/>
+            </a:schemeClr>
+          </a:lnRef>
+          <a:fillRef idx="1">
+            <a:schemeClr val="accent1"/>
+          </a:fillRef>
+          <a:effectRef idx="0">
+            <a:schemeClr val="accent1"/>
+          </a:effectRef>
+          <a:fontRef idx="minor">
+            <a:schemeClr val="lt1"/>
+          </a:fontRef>
+        </p:style>
+        <p:txBody>
+          <a:bodyPr rtlCol="0" anchor="ctr"/>
+          <a:lstStyle/>
+          <a:p>
+            <a:pPr algn="ctr"/>
+            <a:endParaRPr lang="en-US"/>
+          </a:p>
+        </p:txBody>
+      </p:sp>
+      <p:grpSp>
+        <p:nvGrpSpPr>
+          <p:cNvPr id="7" name="Group 6">
+            <a:extLst>
+              <a:ext uri="{FF2B5EF4-FFF2-40B4-BE49-F238E27FC236}">
+                <a16:creationId xmlns:a16="http://schemas.microsoft.com/office/drawing/2014/main" id="{40BB9398-3D11-4F0F-8B4E-4A8D76036E6E}"/>
+              </a:ext>
+            </a:extLst>
+          </p:cNvPr>
+          <p:cNvGrpSpPr/>
+          <p:nvPr/>
+        </p:nvGrpSpPr>
+        <p:grpSpPr>
+          <a:xfrm>
+            <a:off x="2961364" y="3416235"/>
+            <a:ext cx="3651110" cy="736375"/>
+            <a:chOff x="2961364" y="3416235"/>
+            <a:chExt cx="3651110" cy="736375"/>
+          </a:xfrm>
+        </p:grpSpPr>
+        <p:sp>
+          <p:nvSpPr>
+            <p:cNvPr id="52" name="Rectangle 51">
+              <a:extLst>
+                <a:ext uri="{FF2B5EF4-FFF2-40B4-BE49-F238E27FC236}">
+                  <a16:creationId xmlns:a16="http://schemas.microsoft.com/office/drawing/2014/main" id="{0AF69849-D71F-4EE1-AABA-013AD11C0BA0}"/>
+                </a:ext>
+              </a:extLst>
+            </p:cNvPr>
+            <p:cNvSpPr/>
+            <p:nvPr/>
+          </p:nvSpPr>
+          <p:spPr>
+            <a:xfrm>
+              <a:off x="2961364" y="3416235"/>
+              <a:ext cx="3599411" cy="688056"/>
+            </a:xfrm>
+            <a:prstGeom prst="rect">
+              <a:avLst/>
+            </a:prstGeom>
+            <a:noFill/>
+            <a:ln>
+              <a:prstDash val="dash"/>
+            </a:ln>
+          </p:spPr>
+          <p:style>
+            <a:lnRef idx="2">
+              <a:schemeClr val="accent1">
+                <a:shade val="50000"/>
+              </a:schemeClr>
+            </a:lnRef>
+            <a:fillRef idx="1">
+              <a:schemeClr val="accent1"/>
+            </a:fillRef>
+            <a:effectRef idx="0">
+              <a:schemeClr val="accent1"/>
+            </a:effectRef>
+            <a:fontRef idx="minor">
+              <a:schemeClr val="lt1"/>
+            </a:fontRef>
+          </p:style>
+          <p:txBody>
+            <a:bodyPr rtlCol="0" anchor="ctr"/>
+            <a:lstStyle/>
+            <a:p>
+              <a:pPr algn="ctr"/>
+              <a:endParaRPr lang="en-US"/>
+            </a:p>
+          </p:txBody>
+        </p:sp>
+        <p:sp>
+          <p:nvSpPr>
+            <p:cNvPr id="53" name="TextBox 52">
+              <a:extLst>
+                <a:ext uri="{FF2B5EF4-FFF2-40B4-BE49-F238E27FC236}">
+                  <a16:creationId xmlns:a16="http://schemas.microsoft.com/office/drawing/2014/main" id="{D0FE2FC9-7E6C-42C2-A49C-B55BE6A26483}"/>
+                </a:ext>
+              </a:extLst>
+            </p:cNvPr>
+            <p:cNvSpPr txBox="1"/>
+            <p:nvPr/>
+          </p:nvSpPr>
+          <p:spPr>
+            <a:xfrm>
+              <a:off x="5645368" y="3906389"/>
+              <a:ext cx="967106" cy="246221"/>
+            </a:xfrm>
+            <a:prstGeom prst="rect">
+              <a:avLst/>
+            </a:prstGeom>
+            <a:noFill/>
+          </p:spPr>
+          <p:txBody>
+            <a:bodyPr wrap="square" rtlCol="0">
+              <a:spAutoFit/>
+            </a:bodyPr>
+            <a:lstStyle/>
+            <a:p>
+              <a:pPr algn="r"/>
+              <a:r>
+                <a:rPr lang="en-US" sz="1000" dirty="0"/>
+                <a:t>aks-net</a:t>
+              </a:r>
+            </a:p>
+          </p:txBody>
+        </p:sp>
+        <p:pic>
+          <p:nvPicPr>
+            <p:cNvPr id="54" name="Graphic 53">
+              <a:extLst>
+                <a:ext uri="{FF2B5EF4-FFF2-40B4-BE49-F238E27FC236}">
+                  <a16:creationId xmlns:a16="http://schemas.microsoft.com/office/drawing/2014/main" id="{DCB63550-31CB-4F03-AC20-96E652028ECE}"/>
+                </a:ext>
+              </a:extLst>
+            </p:cNvPr>
+            <p:cNvPicPr>
+              <a:picLocks noChangeAspect="1"/>
+            </p:cNvPicPr>
+            <p:nvPr/>
+          </p:nvPicPr>
+          <p:blipFill>
+            <a:blip r:embed="rId7">
+              <a:extLst>
+                <a:ext uri="{28A0092B-C50C-407E-A947-70E740481C1C}">
+                  <a14:useLocalDpi xmlns:a14="http://schemas.microsoft.com/office/drawing/2010/main" val="0"/>
+                </a:ext>
+                <a:ext uri="{96DAC541-7B7A-43D3-8B79-37D633B846F1}">
+                  <asvg:svgBlip xmlns:asvg="http://schemas.microsoft.com/office/drawing/2016/SVG/main" r:embed="rId8"/>
+                </a:ext>
+              </a:extLst>
+            </a:blip>
+            <a:stretch>
+              <a:fillRect/>
+            </a:stretch>
+          </p:blipFill>
+          <p:spPr>
+            <a:xfrm>
+              <a:off x="6375451" y="3450587"/>
+              <a:ext cx="171450" cy="171450"/>
+            </a:xfrm>
+            <a:prstGeom prst="rect">
+              <a:avLst/>
+            </a:prstGeom>
+          </p:spPr>
+        </p:pic>
+      </p:grpSp>
+      <p:grpSp>
+        <p:nvGrpSpPr>
+          <p:cNvPr id="9" name="Group 8">
+            <a:extLst>
+              <a:ext uri="{FF2B5EF4-FFF2-40B4-BE49-F238E27FC236}">
+                <a16:creationId xmlns:a16="http://schemas.microsoft.com/office/drawing/2014/main" id="{2D185BAC-B0E2-43B0-8C26-10EF9C6A2F8C}"/>
+              </a:ext>
+            </a:extLst>
+          </p:cNvPr>
+          <p:cNvGrpSpPr/>
+          <p:nvPr/>
+        </p:nvGrpSpPr>
+        <p:grpSpPr>
+          <a:xfrm>
+            <a:off x="4160439" y="3587721"/>
+            <a:ext cx="1686734" cy="393217"/>
+            <a:chOff x="4339095" y="5180792"/>
+            <a:chExt cx="1686734" cy="393217"/>
+          </a:xfrm>
+        </p:grpSpPr>
+        <p:pic>
+          <p:nvPicPr>
+            <p:cNvPr id="55" name="Graphic 54">
+              <a:extLst>
+                <a:ext uri="{FF2B5EF4-FFF2-40B4-BE49-F238E27FC236}">
+                  <a16:creationId xmlns:a16="http://schemas.microsoft.com/office/drawing/2014/main" id="{6EE09CF4-51DA-4478-999B-3823D625DAED}"/>
+                </a:ext>
+              </a:extLst>
+            </p:cNvPr>
+            <p:cNvPicPr>
+              <a:picLocks noChangeAspect="1"/>
+            </p:cNvPicPr>
+            <p:nvPr/>
+          </p:nvPicPr>
+          <p:blipFill>
+            <a:blip r:embed="rId21">
+              <a:extLst>
+                <a:ext uri="{28A0092B-C50C-407E-A947-70E740481C1C}">
+                  <a14:useLocalDpi xmlns:a14="http://schemas.microsoft.com/office/drawing/2010/main" val="0"/>
+                </a:ext>
+                <a:ext uri="{96DAC541-7B7A-43D3-8B79-37D633B846F1}">
+                  <asvg:svgBlip xmlns:asvg="http://schemas.microsoft.com/office/drawing/2016/SVG/main" r:embed="rId22"/>
+                </a:ext>
+              </a:extLst>
+            </a:blip>
+            <a:stretch>
+              <a:fillRect/>
+            </a:stretch>
+          </p:blipFill>
+          <p:spPr>
+            <a:xfrm>
+              <a:off x="4339095" y="5180792"/>
+              <a:ext cx="393217" cy="393217"/>
+            </a:xfrm>
+            <a:prstGeom prst="rect">
+              <a:avLst/>
+            </a:prstGeom>
+          </p:spPr>
+        </p:pic>
+        <p:sp>
+          <p:nvSpPr>
+            <p:cNvPr id="56" name="TextBox 55">
+              <a:extLst>
+                <a:ext uri="{FF2B5EF4-FFF2-40B4-BE49-F238E27FC236}">
+                  <a16:creationId xmlns:a16="http://schemas.microsoft.com/office/drawing/2014/main" id="{CB09CE70-107F-4342-AD83-4FA857729AB0}"/>
+                </a:ext>
+              </a:extLst>
+            </p:cNvPr>
+            <p:cNvSpPr txBox="1"/>
+            <p:nvPr/>
+          </p:nvSpPr>
+          <p:spPr>
+            <a:xfrm>
+              <a:off x="4761068" y="5254289"/>
+              <a:ext cx="1264761" cy="246221"/>
+            </a:xfrm>
+            <a:prstGeom prst="rect">
+              <a:avLst/>
+            </a:prstGeom>
+            <a:noFill/>
+          </p:spPr>
+          <p:txBody>
+            <a:bodyPr wrap="square" rtlCol="0">
+              <a:spAutoFit/>
+            </a:bodyPr>
+            <a:lstStyle/>
+            <a:p>
+              <a:r>
+                <a:rPr lang="en-US" sz="1000" dirty="0"/>
+                <a:t>iac-ws2-blue-aks</a:t>
+              </a:r>
+            </a:p>
+          </p:txBody>
+        </p:sp>
+      </p:grpSp>
+      <p:cxnSp>
+        <p:nvCxnSpPr>
+          <p:cNvPr id="12" name="Connector: Elbow 11">
+            <a:extLst>
+              <a:ext uri="{FF2B5EF4-FFF2-40B4-BE49-F238E27FC236}">
+                <a16:creationId xmlns:a16="http://schemas.microsoft.com/office/drawing/2014/main" id="{3B299AF4-DFF3-46C6-AD45-FD7078EAF593}"/>
+              </a:ext>
+            </a:extLst>
+          </p:cNvPr>
+          <p:cNvCxnSpPr>
+            <a:stCxn id="51" idx="3"/>
+            <a:endCxn id="84" idx="3"/>
+          </p:cNvCxnSpPr>
+          <p:nvPr/>
+        </p:nvCxnSpPr>
+        <p:spPr>
+          <a:xfrm flipV="1">
+            <a:off x="6716639" y="2204641"/>
+            <a:ext cx="12700" cy="1641666"/>
+          </a:xfrm>
+          <a:prstGeom prst="bentConnector3">
+            <a:avLst>
+              <a:gd name="adj1" fmla="val 1800000"/>
+            </a:avLst>
+          </a:prstGeom>
+          <a:ln>
+            <a:headEnd type="arrow" w="med" len="med"/>
+            <a:tailEnd type="arrow" w="med" len="med"/>
+          </a:ln>
+        </p:spPr>
+        <p:style>
+          <a:lnRef idx="1">
+            <a:schemeClr val="accent1"/>
+          </a:lnRef>
+          <a:fillRef idx="0">
+            <a:schemeClr val="accent1"/>
+          </a:fillRef>
+          <a:effectRef idx="0">
+            <a:schemeClr val="accent1"/>
+          </a:effectRef>
+          <a:fontRef idx="minor">
+            <a:schemeClr val="tx1"/>
+          </a:fontRef>
+        </p:style>
+      </p:cxnSp>
+      <p:sp>
+        <p:nvSpPr>
+          <p:cNvPr id="57" name="TextBox 56">
+            <a:extLst>
+              <a:ext uri="{FF2B5EF4-FFF2-40B4-BE49-F238E27FC236}">
+                <a16:creationId xmlns:a16="http://schemas.microsoft.com/office/drawing/2014/main" id="{C020A34C-0BAD-4244-A951-C9D6E2F5AEB8}"/>
+              </a:ext>
+            </a:extLst>
+          </p:cNvPr>
+          <p:cNvSpPr txBox="1"/>
+          <p:nvPr/>
+        </p:nvSpPr>
+        <p:spPr>
+          <a:xfrm rot="16200000">
+            <a:off x="6388950" y="2923804"/>
+            <a:ext cx="967106" cy="246221"/>
+          </a:xfrm>
+          <a:prstGeom prst="rect">
+            <a:avLst/>
+          </a:prstGeom>
+          <a:noFill/>
+        </p:spPr>
+        <p:txBody>
+          <a:bodyPr wrap="square" rtlCol="0">
+            <a:spAutoFit/>
+          </a:bodyPr>
+          <a:lstStyle/>
+          <a:p>
+            <a:pPr algn="ctr"/>
+            <a:r>
+              <a:rPr lang="en-US" sz="1000" dirty="0"/>
+              <a:t>VNet peering</a:t>
+            </a:r>
+          </a:p>
+        </p:txBody>
+      </p:sp>
+      <p:grpSp>
+        <p:nvGrpSpPr>
+          <p:cNvPr id="20" name="Group 19">
+            <a:extLst>
+              <a:ext uri="{FF2B5EF4-FFF2-40B4-BE49-F238E27FC236}">
+                <a16:creationId xmlns:a16="http://schemas.microsoft.com/office/drawing/2014/main" id="{8A9C2F55-F339-431F-A9BC-507F3B179737}"/>
+              </a:ext>
+            </a:extLst>
+          </p:cNvPr>
+          <p:cNvGrpSpPr/>
+          <p:nvPr/>
+        </p:nvGrpSpPr>
+        <p:grpSpPr>
+          <a:xfrm>
+            <a:off x="1476535" y="3587721"/>
+            <a:ext cx="1215580" cy="639438"/>
+            <a:chOff x="1476535" y="3587721"/>
+            <a:chExt cx="1215580" cy="639438"/>
+          </a:xfrm>
+        </p:grpSpPr>
+        <p:pic>
+          <p:nvPicPr>
+            <p:cNvPr id="16" name="Graphic 15">
+              <a:extLst>
+                <a:ext uri="{FF2B5EF4-FFF2-40B4-BE49-F238E27FC236}">
+                  <a16:creationId xmlns:a16="http://schemas.microsoft.com/office/drawing/2014/main" id="{62EFD279-0926-4C0C-A22D-5E36950FA9CC}"/>
+                </a:ext>
+              </a:extLst>
+            </p:cNvPr>
+            <p:cNvPicPr>
+              <a:picLocks noChangeAspect="1"/>
+            </p:cNvPicPr>
+            <p:nvPr/>
+          </p:nvPicPr>
+          <p:blipFill>
+            <a:blip r:embed="rId23">
+              <a:extLst>
+                <a:ext uri="{28A0092B-C50C-407E-A947-70E740481C1C}">
+                  <a14:useLocalDpi xmlns:a14="http://schemas.microsoft.com/office/drawing/2010/main" val="0"/>
+                </a:ext>
+                <a:ext uri="{96DAC541-7B7A-43D3-8B79-37D633B846F1}">
+                  <asvg:svgBlip xmlns:asvg="http://schemas.microsoft.com/office/drawing/2016/SVG/main" r:embed="rId24"/>
+                </a:ext>
+              </a:extLst>
+            </a:blip>
+            <a:stretch>
+              <a:fillRect/>
+            </a:stretch>
+          </p:blipFill>
+          <p:spPr>
+            <a:xfrm>
+              <a:off x="1887717" y="3587721"/>
+              <a:ext cx="393217" cy="393217"/>
+            </a:xfrm>
+            <a:prstGeom prst="rect">
+              <a:avLst/>
+            </a:prstGeom>
+          </p:spPr>
+        </p:pic>
+        <p:sp>
+          <p:nvSpPr>
+            <p:cNvPr id="58" name="TextBox 57">
+              <a:extLst>
+                <a:ext uri="{FF2B5EF4-FFF2-40B4-BE49-F238E27FC236}">
+                  <a16:creationId xmlns:a16="http://schemas.microsoft.com/office/drawing/2014/main" id="{2101AF5B-F31D-4DB6-9C06-CE4132DCF15F}"/>
+                </a:ext>
+              </a:extLst>
+            </p:cNvPr>
+            <p:cNvSpPr txBox="1"/>
+            <p:nvPr/>
+          </p:nvSpPr>
+          <p:spPr>
+            <a:xfrm>
+              <a:off x="1476535" y="3980938"/>
+              <a:ext cx="1215580" cy="246221"/>
+            </a:xfrm>
+            <a:prstGeom prst="rect">
+              <a:avLst/>
+            </a:prstGeom>
+            <a:noFill/>
+          </p:spPr>
+          <p:txBody>
+            <a:bodyPr wrap="square" rtlCol="0">
+              <a:spAutoFit/>
+            </a:bodyPr>
+            <a:lstStyle/>
+            <a:p>
+              <a:pPr algn="ctr"/>
+              <a:r>
+                <a:rPr lang="en-US" sz="1000" dirty="0"/>
+                <a:t>iac-ws2-aks-blue-mi</a:t>
+              </a:r>
+            </a:p>
+          </p:txBody>
+        </p:sp>
+      </p:grpSp>
+      <p:grpSp>
+        <p:nvGrpSpPr>
+          <p:cNvPr id="19" name="Group 18">
+            <a:extLst>
+              <a:ext uri="{FF2B5EF4-FFF2-40B4-BE49-F238E27FC236}">
+                <a16:creationId xmlns:a16="http://schemas.microsoft.com/office/drawing/2014/main" id="{31068AB8-78D3-4328-80B5-043C829581BF}"/>
+              </a:ext>
+            </a:extLst>
+          </p:cNvPr>
+          <p:cNvGrpSpPr/>
+          <p:nvPr/>
+        </p:nvGrpSpPr>
+        <p:grpSpPr>
+          <a:xfrm>
+            <a:off x="8473625" y="1852137"/>
+            <a:ext cx="1215580" cy="834633"/>
+            <a:chOff x="8473625" y="1852137"/>
+            <a:chExt cx="1215580" cy="834633"/>
+          </a:xfrm>
+        </p:grpSpPr>
+        <p:pic>
+          <p:nvPicPr>
+            <p:cNvPr id="18" name="Graphic 17">
+              <a:extLst>
+                <a:ext uri="{FF2B5EF4-FFF2-40B4-BE49-F238E27FC236}">
+                  <a16:creationId xmlns:a16="http://schemas.microsoft.com/office/drawing/2014/main" id="{456EA0A0-BB5C-49B2-9E8B-D85031FC7B97}"/>
+                </a:ext>
+              </a:extLst>
+            </p:cNvPr>
+            <p:cNvPicPr>
+              <a:picLocks noChangeAspect="1"/>
+            </p:cNvPicPr>
+            <p:nvPr/>
+          </p:nvPicPr>
+          <p:blipFill>
+            <a:blip r:embed="rId25">
+              <a:extLst>
+                <a:ext uri="{28A0092B-C50C-407E-A947-70E740481C1C}">
+                  <a14:useLocalDpi xmlns:a14="http://schemas.microsoft.com/office/drawing/2010/main" val="0"/>
+                </a:ext>
+                <a:ext uri="{96DAC541-7B7A-43D3-8B79-37D633B846F1}">
+                  <asvg:svgBlip xmlns:asvg="http://schemas.microsoft.com/office/drawing/2016/SVG/main" r:embed="rId26"/>
+                </a:ext>
+              </a:extLst>
+            </a:blip>
+            <a:stretch>
+              <a:fillRect/>
+            </a:stretch>
+          </p:blipFill>
+          <p:spPr>
+            <a:xfrm>
+              <a:off x="8824485" y="1852137"/>
+              <a:ext cx="458195" cy="458195"/>
+            </a:xfrm>
+            <a:prstGeom prst="rect">
+              <a:avLst/>
+            </a:prstGeom>
+          </p:spPr>
+        </p:pic>
+        <p:sp>
+          <p:nvSpPr>
+            <p:cNvPr id="60" name="TextBox 59">
+              <a:extLst>
+                <a:ext uri="{FF2B5EF4-FFF2-40B4-BE49-F238E27FC236}">
+                  <a16:creationId xmlns:a16="http://schemas.microsoft.com/office/drawing/2014/main" id="{9B78748B-C7A5-4D73-B834-750E998E43A9}"/>
+                </a:ext>
+              </a:extLst>
+            </p:cNvPr>
+            <p:cNvSpPr txBox="1"/>
+            <p:nvPr/>
+          </p:nvSpPr>
+          <p:spPr>
+            <a:xfrm>
+              <a:off x="8473625" y="2286660"/>
+              <a:ext cx="1215580" cy="400110"/>
+            </a:xfrm>
+            <a:prstGeom prst="rect">
+              <a:avLst/>
+            </a:prstGeom>
+            <a:noFill/>
+          </p:spPr>
+          <p:txBody>
+            <a:bodyPr wrap="square" rtlCol="0">
+              <a:spAutoFit/>
+            </a:bodyPr>
+            <a:lstStyle/>
+            <a:p>
+              <a:pPr algn="ctr"/>
+              <a:r>
+                <a:rPr lang="en-US" sz="1000" dirty="0"/>
+                <a:t>Application</a:t>
+              </a:r>
+              <a:br>
+                <a:rPr lang="en-US" sz="1000" dirty="0"/>
+              </a:br>
+              <a:r>
+                <a:rPr lang="en-US" sz="1000" dirty="0"/>
+                <a:t>Insights</a:t>
+              </a:r>
+            </a:p>
+          </p:txBody>
+        </p:sp>
+      </p:grpSp>
+    </p:spTree>
+    <p:extLst>
+      <p:ext uri="{BB962C8B-B14F-4D97-AF65-F5344CB8AC3E}">
+        <p14:creationId xmlns:p14="http://schemas.microsoft.com/office/powerpoint/2010/main" val="2604257330"/>
+      </p:ext>
+    </p:extLst>
+  </p:cSld>
+  <p:clrMapOvr>
+    <a:masterClrMapping/>
+  </p:clrMapOvr>
+</p:sld>
+</file>
+
+<file path=ppt/slides/slide11.xml><?xml version="1.0" encoding="utf-8"?>
+<p:sld xmlns:a="http://schemas.openxmlformats.org/drawingml/2006/main" xmlns:r="http://schemas.openxmlformats.org/officeDocument/2006/relationships" xmlns:p="http://schemas.openxmlformats.org/presentationml/2006/main">
+  <p:cSld>
     <p:bg>
       <p:bgPr>
         <a:solidFill>
@@ -8498,7 +10323,7 @@
 </p:sld>
 </file>
 
-<file path=ppt/slides/slide11.xml><?xml version="1.0" encoding="utf-8"?>
+<file path=ppt/slides/slide12.xml><?xml version="1.0" encoding="utf-8"?>
 <p:sld xmlns:a="http://schemas.openxmlformats.org/drawingml/2006/main" xmlns:r="http://schemas.openxmlformats.org/officeDocument/2006/relationships" xmlns:p="http://schemas.openxmlformats.org/presentationml/2006/main">
   <p:cSld>
     <p:spTree>
@@ -8713,7 +10538,7 @@
 </p:sld>
 </file>
 
-<file path=ppt/slides/slide12.xml><?xml version="1.0" encoding="utf-8"?>
+<file path=ppt/slides/slide13.xml><?xml version="1.0" encoding="utf-8"?>
 <p:sld xmlns:a="http://schemas.openxmlformats.org/drawingml/2006/main" xmlns:r="http://schemas.openxmlformats.org/officeDocument/2006/relationships" xmlns:p="http://schemas.openxmlformats.org/presentationml/2006/main">
   <p:cSld>
     <p:bg>
@@ -9787,7 +11612,7 @@
 </p:sld>
 </file>
 
-<file path=ppt/slides/slide13.xml><?xml version="1.0" encoding="utf-8"?>
+<file path=ppt/slides/slide14.xml><?xml version="1.0" encoding="utf-8"?>
 <p:sld xmlns:a="http://schemas.openxmlformats.org/drawingml/2006/main" xmlns:r="http://schemas.openxmlformats.org/officeDocument/2006/relationships" xmlns:p="http://schemas.openxmlformats.org/presentationml/2006/main">
   <p:cSld>
     <p:bg>
@@ -10861,7 +12686,7 @@
 </p:sld>
 </file>
 
-<file path=ppt/slides/slide14.xml><?xml version="1.0" encoding="utf-8"?>
+<file path=ppt/slides/slide15.xml><?xml version="1.0" encoding="utf-8"?>
 <p:sld xmlns:a="http://schemas.openxmlformats.org/drawingml/2006/main" xmlns:r="http://schemas.openxmlformats.org/officeDocument/2006/relationships" xmlns:p="http://schemas.openxmlformats.org/presentationml/2006/main">
   <p:cSld>
     <p:bg>
@@ -11935,7 +13760,7 @@
 </p:sld>
 </file>
 
-<file path=ppt/slides/slide15.xml><?xml version="1.0" encoding="utf-8"?>
+<file path=ppt/slides/slide16.xml><?xml version="1.0" encoding="utf-8"?>
 <p:sld xmlns:a="http://schemas.openxmlformats.org/drawingml/2006/main" xmlns:r="http://schemas.openxmlformats.org/officeDocument/2006/relationships" xmlns:p="http://schemas.openxmlformats.org/presentationml/2006/main">
   <p:cSld>
     <p:bg>
@@ -13009,7 +14834,7 @@
 </p:sld>
 </file>
 
-<file path=ppt/slides/slide16.xml><?xml version="1.0" encoding="utf-8"?>
+<file path=ppt/slides/slide17.xml><?xml version="1.0" encoding="utf-8"?>
 <p:sld xmlns:a="http://schemas.openxmlformats.org/drawingml/2006/main" xmlns:r="http://schemas.openxmlformats.org/officeDocument/2006/relationships" xmlns:p="http://schemas.openxmlformats.org/presentationml/2006/main">
   <p:cSld>
     <p:spTree>
@@ -13233,7 +15058,7 @@
 </p:sld>
 </file>
 
-<file path=ppt/slides/slide17.xml><?xml version="1.0" encoding="utf-8"?>
+<file path=ppt/slides/slide18.xml><?xml version="1.0" encoding="utf-8"?>
 <p:sld xmlns:a="http://schemas.openxmlformats.org/drawingml/2006/main" xmlns:r="http://schemas.openxmlformats.org/officeDocument/2006/relationships" xmlns:p="http://schemas.openxmlformats.org/presentationml/2006/main">
   <p:cSld>
     <p:bg>
@@ -14307,7 +16132,7 @@
 </p:sld>
 </file>
 
-<file path=ppt/slides/slide18.xml><?xml version="1.0" encoding="utf-8"?>
+<file path=ppt/slides/slide19.xml><?xml version="1.0" encoding="utf-8"?>
 <p:sld xmlns:a="http://schemas.openxmlformats.org/drawingml/2006/main" xmlns:r="http://schemas.openxmlformats.org/officeDocument/2006/relationships" xmlns:p="http://schemas.openxmlformats.org/presentationml/2006/main">
   <p:cSld>
     <p:bg>
@@ -15381,235 +17206,6 @@
 </p:sld>
 </file>
 
-<file path=ppt/slides/slide19.xml><?xml version="1.0" encoding="utf-8"?>
-<p:sld xmlns:a="http://schemas.openxmlformats.org/drawingml/2006/main" xmlns:r="http://schemas.openxmlformats.org/officeDocument/2006/relationships" xmlns:p="http://schemas.openxmlformats.org/presentationml/2006/main">
-  <p:cSld>
-    <p:spTree>
-      <p:nvGrpSpPr>
-        <p:cNvPr id="1" name=""/>
-        <p:cNvGrpSpPr/>
-        <p:nvPr/>
-      </p:nvGrpSpPr>
-      <p:grpSpPr>
-        <a:xfrm>
-          <a:off x="0" y="0"/>
-          <a:ext cx="0" cy="0"/>
-          <a:chOff x="0" y="0"/>
-          <a:chExt cx="0" cy="0"/>
-        </a:xfrm>
-      </p:grpSpPr>
-      <p:sp>
-        <p:nvSpPr>
-          <p:cNvPr id="2" name="Title 1">
-            <a:extLst>
-              <a:ext uri="{FF2B5EF4-FFF2-40B4-BE49-F238E27FC236}">
-                <a16:creationId xmlns:a16="http://schemas.microsoft.com/office/drawing/2014/main" id="{AF708F16-5DBC-4B6A-8DFC-6213EECAA9C2}"/>
-              </a:ext>
-            </a:extLst>
-          </p:cNvPr>
-          <p:cNvSpPr>
-            <a:spLocks noGrp="1"/>
-          </p:cNvSpPr>
-          <p:nvPr>
-            <p:ph type="title"/>
-          </p:nvPr>
-        </p:nvSpPr>
-        <p:spPr/>
-        <p:txBody>
-          <a:bodyPr/>
-          <a:lstStyle/>
-          <a:p>
-            <a:r>
-              <a:rPr lang="en-US" sz="4400" dirty="0">
-                <a:latin typeface="+mj-lt"/>
-                <a:ea typeface="+mj-ea"/>
-                <a:cs typeface="+mj-cs"/>
-              </a:rPr>
-              <a:t>Pod managed identities</a:t>
-            </a:r>
-            <a:endParaRPr lang="en-US" dirty="0"/>
-          </a:p>
-        </p:txBody>
-      </p:sp>
-      <p:sp>
-        <p:nvSpPr>
-          <p:cNvPr id="3" name="Text Placeholder 2">
-            <a:extLst>
-              <a:ext uri="{FF2B5EF4-FFF2-40B4-BE49-F238E27FC236}">
-                <a16:creationId xmlns:a16="http://schemas.microsoft.com/office/drawing/2014/main" id="{EC7572EA-1EAB-40E7-BB72-53988D9C2321}"/>
-              </a:ext>
-            </a:extLst>
-          </p:cNvPr>
-          <p:cNvSpPr>
-            <a:spLocks noGrp="1"/>
-          </p:cNvSpPr>
-          <p:nvPr>
-            <p:ph type="body" idx="1"/>
-          </p:nvPr>
-        </p:nvSpPr>
-        <p:spPr>
-          <a:xfrm>
-            <a:off x="415599" y="1536633"/>
-            <a:ext cx="11125611" cy="3651003"/>
-          </a:xfrm>
-        </p:spPr>
-        <p:txBody>
-          <a:bodyPr/>
-          <a:lstStyle/>
-          <a:p>
-            <a:r>
-              <a:rPr lang="en-US" dirty="0"/>
-              <a:t>System vs User node pools</a:t>
-            </a:r>
-          </a:p>
-          <a:p>
-            <a:r>
-              <a:rPr lang="en-US" dirty="0"/>
-              <a:t>Node pools use-cases</a:t>
-            </a:r>
-          </a:p>
-          <a:p>
-            <a:r>
-              <a:rPr lang="en-US" dirty="0"/>
-              <a:t>spot node pool</a:t>
-            </a:r>
-          </a:p>
-          <a:p>
-            <a:r>
-              <a:rPr lang="en-US" dirty="0"/>
-              <a:t>Assigning Pods to Nodes</a:t>
-            </a:r>
-          </a:p>
-          <a:p>
-            <a:r>
-              <a:rPr lang="en-US" dirty="0"/>
-              <a:t>Taints and Tolerations</a:t>
-            </a:r>
-          </a:p>
-          <a:p>
-            <a:endParaRPr lang="en-US" dirty="0"/>
-          </a:p>
-          <a:p>
-            <a:endParaRPr lang="en-US" dirty="0"/>
-          </a:p>
-        </p:txBody>
-      </p:sp>
-      <p:pic>
-        <p:nvPicPr>
-          <p:cNvPr id="4" name="Google Shape;56;p13">
-            <a:extLst>
-              <a:ext uri="{FF2B5EF4-FFF2-40B4-BE49-F238E27FC236}">
-                <a16:creationId xmlns:a16="http://schemas.microsoft.com/office/drawing/2014/main" id="{5DC2FED0-7C5F-460C-998D-2520FD324176}"/>
-              </a:ext>
-            </a:extLst>
-          </p:cNvPr>
-          <p:cNvPicPr preferRelativeResize="0"/>
-          <p:nvPr/>
-        </p:nvPicPr>
-        <p:blipFill>
-          <a:blip r:embed="rId3">
-            <a:alphaModFix/>
-          </a:blip>
-          <a:stretch>
-            <a:fillRect/>
-          </a:stretch>
-        </p:blipFill>
-        <p:spPr>
-          <a:xfrm>
-            <a:off x="10989179" y="5736492"/>
-            <a:ext cx="1202821" cy="1121508"/>
-          </a:xfrm>
-          <a:prstGeom prst="rect">
-            <a:avLst/>
-          </a:prstGeom>
-          <a:noFill/>
-          <a:ln>
-            <a:noFill/>
-          </a:ln>
-        </p:spPr>
-      </p:pic>
-      <p:pic>
-        <p:nvPicPr>
-          <p:cNvPr id="5" name="Picture 4">
-            <a:extLst>
-              <a:ext uri="{FF2B5EF4-FFF2-40B4-BE49-F238E27FC236}">
-                <a16:creationId xmlns:a16="http://schemas.microsoft.com/office/drawing/2014/main" id="{86A17813-B73F-471E-ABB2-08A18EC70133}"/>
-              </a:ext>
-            </a:extLst>
-          </p:cNvPr>
-          <p:cNvPicPr>
-            <a:picLocks noChangeAspect="1"/>
-          </p:cNvPicPr>
-          <p:nvPr/>
-        </p:nvPicPr>
-        <p:blipFill>
-          <a:blip r:embed="rId4"/>
-          <a:stretch>
-            <a:fillRect/>
-          </a:stretch>
-        </p:blipFill>
-        <p:spPr>
-          <a:xfrm>
-            <a:off x="10935891" y="593367"/>
-            <a:ext cx="840509" cy="775369"/>
-          </a:xfrm>
-          <a:prstGeom prst="rect">
-            <a:avLst/>
-          </a:prstGeom>
-        </p:spPr>
-      </p:pic>
-      <p:pic>
-        <p:nvPicPr>
-          <p:cNvPr id="14" name="Graphic 4">
-            <a:extLst>
-              <a:ext uri="{FF2B5EF4-FFF2-40B4-BE49-F238E27FC236}">
-                <a16:creationId xmlns:a16="http://schemas.microsoft.com/office/drawing/2014/main" id="{6AB13A8A-95A1-436F-A858-2CAE645C2D0D}"/>
-              </a:ext>
-            </a:extLst>
-          </p:cNvPr>
-          <p:cNvPicPr>
-            <a:picLocks noChangeAspect="1"/>
-          </p:cNvPicPr>
-          <p:nvPr/>
-        </p:nvPicPr>
-        <p:blipFill>
-          <a:blip r:embed="rId5">
-            <a:extLst>
-              <a:ext uri="{28A0092B-C50C-407E-A947-70E740481C1C}">
-                <a14:useLocalDpi xmlns:a14="http://schemas.microsoft.com/office/drawing/2010/main" val="0"/>
-              </a:ext>
-              <a:ext uri="{96DAC541-7B7A-43D3-8B79-37D633B846F1}">
-                <asvg:svgBlip xmlns:asvg="http://schemas.microsoft.com/office/drawing/2016/SVG/main" r:embed="rId6"/>
-              </a:ext>
-            </a:extLst>
-          </a:blip>
-          <a:stretch>
-            <a:fillRect/>
-          </a:stretch>
-        </p:blipFill>
-        <p:spPr>
-          <a:xfrm>
-            <a:off x="343599" y="6114702"/>
-            <a:ext cx="1718444" cy="574556"/>
-          </a:xfrm>
-          <a:prstGeom prst="rect">
-            <a:avLst/>
-          </a:prstGeom>
-        </p:spPr>
-      </p:pic>
-    </p:spTree>
-    <p:extLst>
-      <p:ext uri="{BB962C8B-B14F-4D97-AF65-F5344CB8AC3E}">
-        <p14:creationId xmlns:p14="http://schemas.microsoft.com/office/powerpoint/2010/main" val="2337549905"/>
-      </p:ext>
-    </p:extLst>
-  </p:cSld>
-  <p:clrMapOvr>
-    <a:masterClrMapping/>
-  </p:clrMapOvr>
-</p:sld>
-</file>
-
 <file path=ppt/slides/slide2.xml><?xml version="1.0" encoding="utf-8"?>
 <p:sld xmlns:a="http://schemas.openxmlformats.org/drawingml/2006/main" xmlns:r="http://schemas.openxmlformats.org/officeDocument/2006/relationships" xmlns:p="http://schemas.openxmlformats.org/presentationml/2006/main">
   <p:cSld>
@@ -16500,6 +18096,69 @@
           </a:p>
         </p:txBody>
       </p:sp>
+      <p:sp>
+        <p:nvSpPr>
+          <p:cNvPr id="3" name="Text Placeholder 2">
+            <a:extLst>
+              <a:ext uri="{FF2B5EF4-FFF2-40B4-BE49-F238E27FC236}">
+                <a16:creationId xmlns:a16="http://schemas.microsoft.com/office/drawing/2014/main" id="{EC7572EA-1EAB-40E7-BB72-53988D9C2321}"/>
+              </a:ext>
+            </a:extLst>
+          </p:cNvPr>
+          <p:cNvSpPr>
+            <a:spLocks noGrp="1"/>
+          </p:cNvSpPr>
+          <p:nvPr>
+            <p:ph type="body" idx="1"/>
+          </p:nvPr>
+        </p:nvSpPr>
+        <p:spPr>
+          <a:xfrm>
+            <a:off x="415599" y="1536633"/>
+            <a:ext cx="11125611" cy="3651003"/>
+          </a:xfrm>
+        </p:spPr>
+        <p:txBody>
+          <a:bodyPr/>
+          <a:lstStyle/>
+          <a:p>
+            <a:r>
+              <a:rPr lang="en-US" dirty="0"/>
+              <a:t>System vs User node pools</a:t>
+            </a:r>
+          </a:p>
+          <a:p>
+            <a:r>
+              <a:rPr lang="en-US" dirty="0"/>
+              <a:t>Node pools use-cases</a:t>
+            </a:r>
+          </a:p>
+          <a:p>
+            <a:r>
+              <a:rPr lang="en-US" dirty="0"/>
+              <a:t>spot node pool</a:t>
+            </a:r>
+          </a:p>
+          <a:p>
+            <a:r>
+              <a:rPr lang="en-US" dirty="0"/>
+              <a:t>Assigning Pods to Nodes</a:t>
+            </a:r>
+          </a:p>
+          <a:p>
+            <a:r>
+              <a:rPr lang="en-US" dirty="0"/>
+              <a:t>Taints and Tolerations</a:t>
+            </a:r>
+          </a:p>
+          <a:p>
+            <a:endParaRPr lang="en-US" dirty="0"/>
+          </a:p>
+          <a:p>
+            <a:endParaRPr lang="en-US" dirty="0"/>
+          </a:p>
+        </p:txBody>
+      </p:sp>
       <p:pic>
         <p:nvPicPr>
           <p:cNvPr id="4" name="Google Shape;56;p13">
@@ -16603,40 +18262,10 @@
           </a:prstGeom>
         </p:spPr>
       </p:pic>
-      <p:pic>
-        <p:nvPicPr>
-          <p:cNvPr id="10" name="Picture 9">
-            <a:extLst>
-              <a:ext uri="{FF2B5EF4-FFF2-40B4-BE49-F238E27FC236}">
-                <a16:creationId xmlns:a16="http://schemas.microsoft.com/office/drawing/2014/main" id="{086A0159-F290-4B4C-80B4-2DD5B4AF6C72}"/>
-              </a:ext>
-            </a:extLst>
-          </p:cNvPr>
-          <p:cNvPicPr>
-            <a:picLocks noChangeAspect="1"/>
-          </p:cNvPicPr>
-          <p:nvPr/>
-        </p:nvPicPr>
-        <p:blipFill>
-          <a:blip r:embed="rId7"/>
-          <a:stretch>
-            <a:fillRect/>
-          </a:stretch>
-        </p:blipFill>
-        <p:spPr>
-          <a:xfrm>
-            <a:off x="1625679" y="1876393"/>
-            <a:ext cx="7437765" cy="3718882"/>
-          </a:xfrm>
-          <a:prstGeom prst="rect">
-            <a:avLst/>
-          </a:prstGeom>
-        </p:spPr>
-      </p:pic>
     </p:spTree>
     <p:extLst>
       <p:ext uri="{BB962C8B-B14F-4D97-AF65-F5344CB8AC3E}">
-        <p14:creationId xmlns:p14="http://schemas.microsoft.com/office/powerpoint/2010/main" val="1406419713"/>
+        <p14:creationId xmlns:p14="http://schemas.microsoft.com/office/powerpoint/2010/main" val="2337549905"/>
       </p:ext>
     </p:extLst>
   </p:cSld>
@@ -16685,6 +18314,202 @@
           <a:lstStyle/>
           <a:p>
             <a:r>
+              <a:rPr lang="en-US" sz="4400" dirty="0">
+                <a:latin typeface="+mj-lt"/>
+                <a:ea typeface="+mj-ea"/>
+                <a:cs typeface="+mj-cs"/>
+              </a:rPr>
+              <a:t>Pod managed identities</a:t>
+            </a:r>
+            <a:endParaRPr lang="en-US" dirty="0"/>
+          </a:p>
+        </p:txBody>
+      </p:sp>
+      <p:pic>
+        <p:nvPicPr>
+          <p:cNvPr id="4" name="Google Shape;56;p13">
+            <a:extLst>
+              <a:ext uri="{FF2B5EF4-FFF2-40B4-BE49-F238E27FC236}">
+                <a16:creationId xmlns:a16="http://schemas.microsoft.com/office/drawing/2014/main" id="{5DC2FED0-7C5F-460C-998D-2520FD324176}"/>
+              </a:ext>
+            </a:extLst>
+          </p:cNvPr>
+          <p:cNvPicPr preferRelativeResize="0"/>
+          <p:nvPr/>
+        </p:nvPicPr>
+        <p:blipFill>
+          <a:blip r:embed="rId3">
+            <a:alphaModFix/>
+          </a:blip>
+          <a:stretch>
+            <a:fillRect/>
+          </a:stretch>
+        </p:blipFill>
+        <p:spPr>
+          <a:xfrm>
+            <a:off x="10989179" y="5736492"/>
+            <a:ext cx="1202821" cy="1121508"/>
+          </a:xfrm>
+          <a:prstGeom prst="rect">
+            <a:avLst/>
+          </a:prstGeom>
+          <a:noFill/>
+          <a:ln>
+            <a:noFill/>
+          </a:ln>
+        </p:spPr>
+      </p:pic>
+      <p:pic>
+        <p:nvPicPr>
+          <p:cNvPr id="5" name="Picture 4">
+            <a:extLst>
+              <a:ext uri="{FF2B5EF4-FFF2-40B4-BE49-F238E27FC236}">
+                <a16:creationId xmlns:a16="http://schemas.microsoft.com/office/drawing/2014/main" id="{86A17813-B73F-471E-ABB2-08A18EC70133}"/>
+              </a:ext>
+            </a:extLst>
+          </p:cNvPr>
+          <p:cNvPicPr>
+            <a:picLocks noChangeAspect="1"/>
+          </p:cNvPicPr>
+          <p:nvPr/>
+        </p:nvPicPr>
+        <p:blipFill>
+          <a:blip r:embed="rId4"/>
+          <a:stretch>
+            <a:fillRect/>
+          </a:stretch>
+        </p:blipFill>
+        <p:spPr>
+          <a:xfrm>
+            <a:off x="10935891" y="593367"/>
+            <a:ext cx="840509" cy="775369"/>
+          </a:xfrm>
+          <a:prstGeom prst="rect">
+            <a:avLst/>
+          </a:prstGeom>
+        </p:spPr>
+      </p:pic>
+      <p:pic>
+        <p:nvPicPr>
+          <p:cNvPr id="14" name="Graphic 4">
+            <a:extLst>
+              <a:ext uri="{FF2B5EF4-FFF2-40B4-BE49-F238E27FC236}">
+                <a16:creationId xmlns:a16="http://schemas.microsoft.com/office/drawing/2014/main" id="{6AB13A8A-95A1-436F-A858-2CAE645C2D0D}"/>
+              </a:ext>
+            </a:extLst>
+          </p:cNvPr>
+          <p:cNvPicPr>
+            <a:picLocks noChangeAspect="1"/>
+          </p:cNvPicPr>
+          <p:nvPr/>
+        </p:nvPicPr>
+        <p:blipFill>
+          <a:blip r:embed="rId5">
+            <a:extLst>
+              <a:ext uri="{28A0092B-C50C-407E-A947-70E740481C1C}">
+                <a14:useLocalDpi xmlns:a14="http://schemas.microsoft.com/office/drawing/2010/main" val="0"/>
+              </a:ext>
+              <a:ext uri="{96DAC541-7B7A-43D3-8B79-37D633B846F1}">
+                <asvg:svgBlip xmlns:asvg="http://schemas.microsoft.com/office/drawing/2016/SVG/main" r:embed="rId6"/>
+              </a:ext>
+            </a:extLst>
+          </a:blip>
+          <a:stretch>
+            <a:fillRect/>
+          </a:stretch>
+        </p:blipFill>
+        <p:spPr>
+          <a:xfrm>
+            <a:off x="343599" y="6114702"/>
+            <a:ext cx="1718444" cy="574556"/>
+          </a:xfrm>
+          <a:prstGeom prst="rect">
+            <a:avLst/>
+          </a:prstGeom>
+        </p:spPr>
+      </p:pic>
+      <p:pic>
+        <p:nvPicPr>
+          <p:cNvPr id="10" name="Picture 9">
+            <a:extLst>
+              <a:ext uri="{FF2B5EF4-FFF2-40B4-BE49-F238E27FC236}">
+                <a16:creationId xmlns:a16="http://schemas.microsoft.com/office/drawing/2014/main" id="{086A0159-F290-4B4C-80B4-2DD5B4AF6C72}"/>
+              </a:ext>
+            </a:extLst>
+          </p:cNvPr>
+          <p:cNvPicPr>
+            <a:picLocks noChangeAspect="1"/>
+          </p:cNvPicPr>
+          <p:nvPr/>
+        </p:nvPicPr>
+        <p:blipFill>
+          <a:blip r:embed="rId7"/>
+          <a:stretch>
+            <a:fillRect/>
+          </a:stretch>
+        </p:blipFill>
+        <p:spPr>
+          <a:xfrm>
+            <a:off x="1625679" y="1876393"/>
+            <a:ext cx="7437765" cy="3718882"/>
+          </a:xfrm>
+          <a:prstGeom prst="rect">
+            <a:avLst/>
+          </a:prstGeom>
+        </p:spPr>
+      </p:pic>
+    </p:spTree>
+    <p:extLst>
+      <p:ext uri="{BB962C8B-B14F-4D97-AF65-F5344CB8AC3E}">
+        <p14:creationId xmlns:p14="http://schemas.microsoft.com/office/powerpoint/2010/main" val="1406419713"/>
+      </p:ext>
+    </p:extLst>
+  </p:cSld>
+  <p:clrMapOvr>
+    <a:masterClrMapping/>
+  </p:clrMapOvr>
+</p:sld>
+</file>
+
+<file path=ppt/slides/slide22.xml><?xml version="1.0" encoding="utf-8"?>
+<p:sld xmlns:a="http://schemas.openxmlformats.org/drawingml/2006/main" xmlns:r="http://schemas.openxmlformats.org/officeDocument/2006/relationships" xmlns:p="http://schemas.openxmlformats.org/presentationml/2006/main">
+  <p:cSld>
+    <p:spTree>
+      <p:nvGrpSpPr>
+        <p:cNvPr id="1" name=""/>
+        <p:cNvGrpSpPr/>
+        <p:nvPr/>
+      </p:nvGrpSpPr>
+      <p:grpSpPr>
+        <a:xfrm>
+          <a:off x="0" y="0"/>
+          <a:ext cx="0" cy="0"/>
+          <a:chOff x="0" y="0"/>
+          <a:chExt cx="0" cy="0"/>
+        </a:xfrm>
+      </p:grpSpPr>
+      <p:sp>
+        <p:nvSpPr>
+          <p:cNvPr id="2" name="Title 1">
+            <a:extLst>
+              <a:ext uri="{FF2B5EF4-FFF2-40B4-BE49-F238E27FC236}">
+                <a16:creationId xmlns:a16="http://schemas.microsoft.com/office/drawing/2014/main" id="{AF708F16-5DBC-4B6A-8DFC-6213EECAA9C2}"/>
+              </a:ext>
+            </a:extLst>
+          </p:cNvPr>
+          <p:cNvSpPr>
+            <a:spLocks noGrp="1"/>
+          </p:cNvSpPr>
+          <p:nvPr>
+            <p:ph type="title"/>
+          </p:nvPr>
+        </p:nvSpPr>
+        <p:spPr/>
+        <p:txBody>
+          <a:bodyPr/>
+          <a:lstStyle/>
+          <a:p>
+            <a:r>
               <a:rPr lang="en-US" sz="4400">
                 <a:latin typeface="+mj-lt"/>
                 <a:ea typeface="+mj-ea"/>
@@ -16842,7 +18667,7 @@
 </p:sld>
 </file>
 
-<file path=ppt/slides/slide22.xml><?xml version="1.0" encoding="utf-8"?>
+<file path=ppt/slides/slide23.xml><?xml version="1.0" encoding="utf-8"?>
 <p:sld xmlns:a="http://schemas.openxmlformats.org/drawingml/2006/main" xmlns:r="http://schemas.openxmlformats.org/officeDocument/2006/relationships" xmlns:p="http://schemas.openxmlformats.org/presentationml/2006/main">
   <p:cSld>
     <p:bg>
@@ -17916,7 +19741,7 @@
 </p:sld>
 </file>
 
-<file path=ppt/slides/slide23.xml><?xml version="1.0" encoding="utf-8"?>
+<file path=ppt/slides/slide24.xml><?xml version="1.0" encoding="utf-8"?>
 <p:sld xmlns:a="http://schemas.openxmlformats.org/drawingml/2006/main" xmlns:r="http://schemas.openxmlformats.org/officeDocument/2006/relationships" xmlns:p="http://schemas.openxmlformats.org/presentationml/2006/main">
   <p:cSld>
     <p:bg>
@@ -18990,7 +20815,7 @@
 </p:sld>
 </file>
 
-<file path=ppt/slides/slide24.xml><?xml version="1.0" encoding="utf-8"?>
+<file path=ppt/slides/slide25.xml><?xml version="1.0" encoding="utf-8"?>
 <p:sld xmlns:a="http://schemas.openxmlformats.org/drawingml/2006/main" xmlns:r="http://schemas.openxmlformats.org/officeDocument/2006/relationships" xmlns:p="http://schemas.openxmlformats.org/presentationml/2006/main">
   <p:cSld>
     <p:bg>
@@ -24973,7 +26798,7 @@
         </p:nvGrpSpPr>
         <p:grpSpPr>
           <a:xfrm>
-            <a:off x="2816352" y="2503235"/>
+            <a:off x="3108452" y="2881445"/>
             <a:ext cx="1330851" cy="251979"/>
             <a:chOff x="2697941" y="3286002"/>
             <a:chExt cx="1330851" cy="251979"/>
@@ -25068,7 +26893,7 @@
         </p:nvSpPr>
         <p:spPr>
           <a:xfrm>
-            <a:off x="2785944" y="1677446"/>
+            <a:off x="3078044" y="2055656"/>
             <a:ext cx="3930695" cy="1054389"/>
           </a:xfrm>
           <a:prstGeom prst="rect">
@@ -25118,7 +26943,7 @@
         </p:nvSpPr>
         <p:spPr>
           <a:xfrm>
-            <a:off x="2961364" y="1774569"/>
+            <a:off x="3253464" y="2152779"/>
             <a:ext cx="3599411" cy="688056"/>
           </a:xfrm>
           <a:prstGeom prst="rect">
@@ -25168,7 +26993,7 @@
         </p:nvSpPr>
         <p:spPr>
           <a:xfrm>
-            <a:off x="5645368" y="2264723"/>
+            <a:off x="5937468" y="2642933"/>
             <a:ext cx="967106" cy="246221"/>
           </a:xfrm>
           <a:prstGeom prst="rect">
@@ -25221,7 +27046,7 @@
         </p:blipFill>
         <p:spPr>
           <a:xfrm>
-            <a:off x="6375451" y="1808921"/>
+            <a:off x="6667551" y="2187131"/>
             <a:ext cx="171450" cy="171450"/>
           </a:xfrm>
           <a:prstGeom prst="rect">
@@ -25229,204 +27054,6 @@
           </a:prstGeom>
         </p:spPr>
       </p:pic>
-      <p:grpSp>
-        <p:nvGrpSpPr>
-          <p:cNvPr id="32" name="Group 31">
-            <a:extLst>
-              <a:ext uri="{FF2B5EF4-FFF2-40B4-BE49-F238E27FC236}">
-                <a16:creationId xmlns:a16="http://schemas.microsoft.com/office/drawing/2014/main" id="{CA3548AA-1FEC-455B-A206-716DB5A1D236}"/>
-              </a:ext>
-            </a:extLst>
-          </p:cNvPr>
-          <p:cNvGrpSpPr/>
-          <p:nvPr/>
-        </p:nvGrpSpPr>
-        <p:grpSpPr>
-          <a:xfrm>
-            <a:off x="1535297" y="1845918"/>
-            <a:ext cx="1144865" cy="717444"/>
-            <a:chOff x="1125655" y="4731777"/>
-            <a:chExt cx="1144865" cy="717444"/>
-          </a:xfrm>
-        </p:grpSpPr>
-        <p:pic>
-          <p:nvPicPr>
-            <p:cNvPr id="33" name="Graphic 32">
-              <a:extLst>
-                <a:ext uri="{FF2B5EF4-FFF2-40B4-BE49-F238E27FC236}">
-                  <a16:creationId xmlns:a16="http://schemas.microsoft.com/office/drawing/2014/main" id="{07AB9493-6FF5-4273-9E15-0D0CED85D93B}"/>
-                </a:ext>
-              </a:extLst>
-            </p:cNvPr>
-            <p:cNvPicPr>
-              <a:picLocks noChangeAspect="1"/>
-            </p:cNvPicPr>
-            <p:nvPr/>
-          </p:nvPicPr>
-          <p:blipFill>
-            <a:blip r:embed="rId9">
-              <a:extLst>
-                <a:ext uri="{28A0092B-C50C-407E-A947-70E740481C1C}">
-                  <a14:useLocalDpi xmlns:a14="http://schemas.microsoft.com/office/drawing/2010/main" val="0"/>
-                </a:ext>
-                <a:ext uri="{96DAC541-7B7A-43D3-8B79-37D633B846F1}">
-                  <asvg:svgBlip xmlns:asvg="http://schemas.microsoft.com/office/drawing/2016/SVG/main" r:embed="rId10"/>
-                </a:ext>
-              </a:extLst>
-            </a:blip>
-            <a:stretch>
-              <a:fillRect/>
-            </a:stretch>
-          </p:blipFill>
-          <p:spPr>
-            <a:xfrm>
-              <a:off x="1465881" y="4731777"/>
-              <a:ext cx="464414" cy="464414"/>
-            </a:xfrm>
-            <a:prstGeom prst="rect">
-              <a:avLst/>
-            </a:prstGeom>
-          </p:spPr>
-        </p:pic>
-        <p:sp>
-          <p:nvSpPr>
-            <p:cNvPr id="34" name="TextBox 33">
-              <a:extLst>
-                <a:ext uri="{FF2B5EF4-FFF2-40B4-BE49-F238E27FC236}">
-                  <a16:creationId xmlns:a16="http://schemas.microsoft.com/office/drawing/2014/main" id="{F90444C5-3F52-4886-AFEA-5172BA0CFB69}"/>
-                </a:ext>
-              </a:extLst>
-            </p:cNvPr>
-            <p:cNvSpPr txBox="1"/>
-            <p:nvPr/>
-          </p:nvSpPr>
-          <p:spPr>
-            <a:xfrm>
-              <a:off x="1125655" y="5203000"/>
-              <a:ext cx="1144865" cy="246221"/>
-            </a:xfrm>
-            <a:prstGeom prst="rect">
-              <a:avLst/>
-            </a:prstGeom>
-            <a:noFill/>
-          </p:spPr>
-          <p:txBody>
-            <a:bodyPr wrap="none" rtlCol="0">
-              <a:spAutoFit/>
-            </a:bodyPr>
-            <a:lstStyle/>
-            <a:p>
-              <a:r>
-                <a:rPr lang="en-US" sz="1000" dirty="0"/>
-                <a:t>Container Registry</a:t>
-              </a:r>
-            </a:p>
-          </p:txBody>
-        </p:sp>
-      </p:grpSp>
-      <p:grpSp>
-        <p:nvGrpSpPr>
-          <p:cNvPr id="39" name="Group 38">
-            <a:extLst>
-              <a:ext uri="{FF2B5EF4-FFF2-40B4-BE49-F238E27FC236}">
-                <a16:creationId xmlns:a16="http://schemas.microsoft.com/office/drawing/2014/main" id="{E0460AF8-D4B8-4D8A-9BB6-787FAFCEFF9F}"/>
-              </a:ext>
-            </a:extLst>
-          </p:cNvPr>
-          <p:cNvGrpSpPr/>
-          <p:nvPr/>
-        </p:nvGrpSpPr>
-        <p:grpSpPr>
-          <a:xfrm>
-            <a:off x="7712638" y="1804704"/>
-            <a:ext cx="967106" cy="784999"/>
-            <a:chOff x="7024664" y="3607940"/>
-            <a:chExt cx="967106" cy="784999"/>
-          </a:xfrm>
-        </p:grpSpPr>
-        <p:pic>
-          <p:nvPicPr>
-            <p:cNvPr id="40" name="Graphic 39">
-              <a:extLst>
-                <a:ext uri="{FF2B5EF4-FFF2-40B4-BE49-F238E27FC236}">
-                  <a16:creationId xmlns:a16="http://schemas.microsoft.com/office/drawing/2014/main" id="{C1185322-14AA-4DE5-BF7D-0D0B00AD7138}"/>
-                </a:ext>
-              </a:extLst>
-            </p:cNvPr>
-            <p:cNvPicPr>
-              <a:picLocks noChangeAspect="1"/>
-            </p:cNvPicPr>
-            <p:nvPr/>
-          </p:nvPicPr>
-          <p:blipFill>
-            <a:blip r:embed="rId11">
-              <a:extLst>
-                <a:ext uri="{28A0092B-C50C-407E-A947-70E740481C1C}">
-                  <a14:useLocalDpi xmlns:a14="http://schemas.microsoft.com/office/drawing/2010/main" val="0"/>
-                </a:ext>
-                <a:ext uri="{96DAC541-7B7A-43D3-8B79-37D633B846F1}">
-                  <asvg:svgBlip xmlns:asvg="http://schemas.microsoft.com/office/drawing/2016/SVG/main" r:embed="rId12"/>
-                </a:ext>
-              </a:extLst>
-            </a:blip>
-            <a:stretch>
-              <a:fillRect/>
-            </a:stretch>
-          </p:blipFill>
-          <p:spPr>
-            <a:xfrm>
-              <a:off x="7276010" y="3607940"/>
-              <a:ext cx="464414" cy="464414"/>
-            </a:xfrm>
-            <a:prstGeom prst="rect">
-              <a:avLst/>
-            </a:prstGeom>
-          </p:spPr>
-        </p:pic>
-        <p:sp>
-          <p:nvSpPr>
-            <p:cNvPr id="41" name="TextBox 40">
-              <a:extLst>
-                <a:ext uri="{FF2B5EF4-FFF2-40B4-BE49-F238E27FC236}">
-                  <a16:creationId xmlns:a16="http://schemas.microsoft.com/office/drawing/2014/main" id="{D3FA9A3C-D035-40B8-AFC3-4B676D778AF6}"/>
-                </a:ext>
-              </a:extLst>
-            </p:cNvPr>
-            <p:cNvSpPr txBox="1"/>
-            <p:nvPr/>
-          </p:nvSpPr>
-          <p:spPr>
-            <a:xfrm>
-              <a:off x="7024664" y="3992829"/>
-              <a:ext cx="967106" cy="400110"/>
-            </a:xfrm>
-            <a:prstGeom prst="rect">
-              <a:avLst/>
-            </a:prstGeom>
-            <a:noFill/>
-          </p:spPr>
-          <p:txBody>
-            <a:bodyPr wrap="square" rtlCol="0">
-              <a:spAutoFit/>
-            </a:bodyPr>
-            <a:lstStyle/>
-            <a:p>
-              <a:pPr algn="ctr"/>
-              <a:r>
-                <a:rPr lang="en-US" sz="1000" dirty="0"/>
-                <a:t>Public IP</a:t>
-              </a:r>
-            </a:p>
-            <a:p>
-              <a:pPr algn="ctr"/>
-              <a:r>
-                <a:rPr lang="en-US" sz="1000" dirty="0"/>
-                <a:t>Prefix</a:t>
-              </a:r>
-            </a:p>
-          </p:txBody>
-        </p:sp>
-      </p:grpSp>
       <p:sp>
         <p:nvSpPr>
           <p:cNvPr id="8" name="Rectangle 7">
@@ -25441,8 +27068,8 @@
         </p:nvSpPr>
         <p:spPr>
           <a:xfrm>
-            <a:off x="1322522" y="1480599"/>
-            <a:ext cx="8413536" cy="1403287"/>
+            <a:off x="2938256" y="1858809"/>
+            <a:ext cx="4503936" cy="1514547"/>
           </a:xfrm>
           <a:prstGeom prst="rect">
             <a:avLst/>
@@ -25489,13 +27116,13 @@
           <p:nvPr/>
         </p:nvPicPr>
         <p:blipFill>
-          <a:blip r:embed="rId13">
+          <a:blip r:embed="rId9">
             <a:extLst>
               <a:ext uri="{28A0092B-C50C-407E-A947-70E740481C1C}">
                 <a14:useLocalDpi xmlns:a14="http://schemas.microsoft.com/office/drawing/2010/main" val="0"/>
               </a:ext>
               <a:ext uri="{96DAC541-7B7A-43D3-8B79-37D633B846F1}">
-                <asvg:svgBlip xmlns:asvg="http://schemas.microsoft.com/office/drawing/2016/SVG/main" r:embed="rId14"/>
+                <asvg:svgBlip xmlns:asvg="http://schemas.microsoft.com/office/drawing/2016/SVG/main" r:embed="rId10"/>
               </a:ext>
             </a:extLst>
           </a:blip>
@@ -25505,7 +27132,7 @@
         </p:blipFill>
         <p:spPr>
           <a:xfrm>
-            <a:off x="1355204" y="1499996"/>
+            <a:off x="2969999" y="3129020"/>
             <a:ext cx="228803" cy="228803"/>
           </a:xfrm>
           <a:prstGeom prst="rect">
@@ -25527,7 +27154,7 @@
         </p:nvSpPr>
         <p:spPr>
           <a:xfrm>
-            <a:off x="1522497" y="1491288"/>
+            <a:off x="3137292" y="3120312"/>
             <a:ext cx="1123659" cy="246221"/>
           </a:xfrm>
           <a:prstGeom prst="rect">
@@ -25550,10 +27177,10 @@
       </p:sp>
       <p:grpSp>
         <p:nvGrpSpPr>
-          <p:cNvPr id="14" name="Group 13">
-            <a:extLst>
-              <a:ext uri="{FF2B5EF4-FFF2-40B4-BE49-F238E27FC236}">
-                <a16:creationId xmlns:a16="http://schemas.microsoft.com/office/drawing/2014/main" id="{D814A492-F5D1-49AB-B90D-FE4ED11F18A7}"/>
+          <p:cNvPr id="24" name="Group 23">
+            <a:extLst>
+              <a:ext uri="{FF2B5EF4-FFF2-40B4-BE49-F238E27FC236}">
+                <a16:creationId xmlns:a16="http://schemas.microsoft.com/office/drawing/2014/main" id="{75B8C90B-1129-4082-A350-1F4287F64398}"/>
               </a:ext>
             </a:extLst>
           </p:cNvPr>
@@ -25562,103 +27189,7 @@
         </p:nvGrpSpPr>
         <p:grpSpPr>
           <a:xfrm>
-            <a:off x="6841014" y="1826925"/>
-            <a:ext cx="967106" cy="710634"/>
-            <a:chOff x="7079732" y="4051542"/>
-            <a:chExt cx="967106" cy="710634"/>
-          </a:xfrm>
-        </p:grpSpPr>
-        <p:sp>
-          <p:nvSpPr>
-            <p:cNvPr id="38" name="TextBox 37">
-              <a:extLst>
-                <a:ext uri="{FF2B5EF4-FFF2-40B4-BE49-F238E27FC236}">
-                  <a16:creationId xmlns:a16="http://schemas.microsoft.com/office/drawing/2014/main" id="{196478A0-37EE-4715-BD01-729C7EF5BA55}"/>
-                </a:ext>
-              </a:extLst>
-            </p:cNvPr>
-            <p:cNvSpPr txBox="1"/>
-            <p:nvPr/>
-          </p:nvSpPr>
-          <p:spPr>
-            <a:xfrm>
-              <a:off x="7079732" y="4515955"/>
-              <a:ext cx="967106" cy="246221"/>
-            </a:xfrm>
-            <a:prstGeom prst="rect">
-              <a:avLst/>
-            </a:prstGeom>
-            <a:noFill/>
-          </p:spPr>
-          <p:txBody>
-            <a:bodyPr wrap="square" rtlCol="0">
-              <a:spAutoFit/>
-            </a:bodyPr>
-            <a:lstStyle/>
-            <a:p>
-              <a:pPr algn="ctr"/>
-              <a:r>
-                <a:rPr lang="en-US" sz="1000" dirty="0"/>
-                <a:t>Log Analytics</a:t>
-              </a:r>
-            </a:p>
-          </p:txBody>
-        </p:sp>
-        <p:pic>
-          <p:nvPicPr>
-            <p:cNvPr id="13" name="Graphic 12">
-              <a:extLst>
-                <a:ext uri="{FF2B5EF4-FFF2-40B4-BE49-F238E27FC236}">
-                  <a16:creationId xmlns:a16="http://schemas.microsoft.com/office/drawing/2014/main" id="{3B794B72-6994-4DA0-B300-6A8DD2A666BA}"/>
-                </a:ext>
-              </a:extLst>
-            </p:cNvPr>
-            <p:cNvPicPr>
-              <a:picLocks noChangeAspect="1"/>
-            </p:cNvPicPr>
-            <p:nvPr/>
-          </p:nvPicPr>
-          <p:blipFill>
-            <a:blip r:embed="rId15">
-              <a:extLst>
-                <a:ext uri="{28A0092B-C50C-407E-A947-70E740481C1C}">
-                  <a14:useLocalDpi xmlns:a14="http://schemas.microsoft.com/office/drawing/2010/main" val="0"/>
-                </a:ext>
-                <a:ext uri="{96DAC541-7B7A-43D3-8B79-37D633B846F1}">
-                  <asvg:svgBlip xmlns:asvg="http://schemas.microsoft.com/office/drawing/2016/SVG/main" r:embed="rId16"/>
-                </a:ext>
-              </a:extLst>
-            </a:blip>
-            <a:stretch>
-              <a:fillRect/>
-            </a:stretch>
-          </p:blipFill>
-          <p:spPr>
-            <a:xfrm>
-              <a:off x="7331078" y="4051542"/>
-              <a:ext cx="464413" cy="464413"/>
-            </a:xfrm>
-            <a:prstGeom prst="rect">
-              <a:avLst/>
-            </a:prstGeom>
-          </p:spPr>
-        </p:pic>
-      </p:grpSp>
-      <p:grpSp>
-        <p:nvGrpSpPr>
-          <p:cNvPr id="24" name="Group 23">
-            <a:extLst>
-              <a:ext uri="{FF2B5EF4-FFF2-40B4-BE49-F238E27FC236}">
-                <a16:creationId xmlns:a16="http://schemas.microsoft.com/office/drawing/2014/main" id="{75B8C90B-1129-4082-A350-1F4287F64398}"/>
-              </a:ext>
-            </a:extLst>
-          </p:cNvPr>
-          <p:cNvGrpSpPr/>
-          <p:nvPr/>
-        </p:nvGrpSpPr>
-        <p:grpSpPr>
-          <a:xfrm>
-            <a:off x="4138106" y="1900455"/>
+            <a:off x="4430206" y="2278665"/>
             <a:ext cx="1726053" cy="487378"/>
             <a:chOff x="4284452" y="2780979"/>
             <a:chExt cx="1726053" cy="487378"/>
@@ -25679,13 +27210,13 @@
             <p:nvPr/>
           </p:nvPicPr>
           <p:blipFill>
-            <a:blip r:embed="rId17">
+            <a:blip r:embed="rId11">
               <a:extLst>
                 <a:ext uri="{28A0092B-C50C-407E-A947-70E740481C1C}">
                   <a14:useLocalDpi xmlns:a14="http://schemas.microsoft.com/office/drawing/2010/main" val="0"/>
                 </a:ext>
                 <a:ext uri="{96DAC541-7B7A-43D3-8B79-37D633B846F1}">
-                  <asvg:svgBlip xmlns:asvg="http://schemas.microsoft.com/office/drawing/2016/SVG/main" r:embed="rId18"/>
+                  <asvg:svgBlip xmlns:asvg="http://schemas.microsoft.com/office/drawing/2016/SVG/main" r:embed="rId12"/>
                 </a:ext>
               </a:extLst>
             </a:blip>
@@ -25760,13 +27291,13 @@
           <p:nvPr/>
         </p:nvPicPr>
         <p:blipFill>
-          <a:blip r:embed="rId19">
+          <a:blip r:embed="rId13">
             <a:extLst>
               <a:ext uri="{28A0092B-C50C-407E-A947-70E740481C1C}">
                 <a14:useLocalDpi xmlns:a14="http://schemas.microsoft.com/office/drawing/2010/main" val="0"/>
               </a:ext>
               <a:ext uri="{96DAC541-7B7A-43D3-8B79-37D633B846F1}">
-                <asvg:svgBlip xmlns:asvg="http://schemas.microsoft.com/office/drawing/2016/SVG/main" r:embed="rId20"/>
+                <asvg:svgBlip xmlns:asvg="http://schemas.microsoft.com/office/drawing/2016/SVG/main" r:embed="rId14"/>
               </a:ext>
             </a:extLst>
           </a:blip>
@@ -25798,8 +27329,8 @@
         </p:nvSpPr>
         <p:spPr>
           <a:xfrm>
-            <a:off x="1322522" y="3116724"/>
-            <a:ext cx="8413536" cy="1403287"/>
+            <a:off x="2938256" y="3494934"/>
+            <a:ext cx="4503936" cy="2619768"/>
           </a:xfrm>
           <a:prstGeom prst="rect">
             <a:avLst/>
@@ -25846,13 +27377,13 @@
           <p:nvPr/>
         </p:nvPicPr>
         <p:blipFill>
-          <a:blip r:embed="rId13">
+          <a:blip r:embed="rId9">
             <a:extLst>
               <a:ext uri="{28A0092B-C50C-407E-A947-70E740481C1C}">
                 <a14:useLocalDpi xmlns:a14="http://schemas.microsoft.com/office/drawing/2010/main" val="0"/>
               </a:ext>
               <a:ext uri="{96DAC541-7B7A-43D3-8B79-37D633B846F1}">
-                <asvg:svgBlip xmlns:asvg="http://schemas.microsoft.com/office/drawing/2016/SVG/main" r:embed="rId14"/>
+                <asvg:svgBlip xmlns:asvg="http://schemas.microsoft.com/office/drawing/2016/SVG/main" r:embed="rId10"/>
               </a:ext>
             </a:extLst>
           </a:blip>
@@ -25862,7 +27393,7 @@
         </p:blipFill>
         <p:spPr>
           <a:xfrm>
-            <a:off x="1355204" y="3136121"/>
+            <a:off x="2963642" y="5877189"/>
             <a:ext cx="228803" cy="228803"/>
           </a:xfrm>
           <a:prstGeom prst="rect">
@@ -25884,7 +27415,7 @@
         </p:nvSpPr>
         <p:spPr>
           <a:xfrm>
-            <a:off x="1522497" y="3127413"/>
+            <a:off x="3130935" y="5868481"/>
             <a:ext cx="1501047" cy="246221"/>
           </a:xfrm>
           <a:prstGeom prst="rect">
@@ -25919,7 +27450,7 @@
         </p:nvGrpSpPr>
         <p:grpSpPr>
           <a:xfrm>
-            <a:off x="2816352" y="4144901"/>
+            <a:off x="3108452" y="5527791"/>
             <a:ext cx="1745809" cy="251979"/>
             <a:chOff x="2816352" y="4144901"/>
             <a:chExt cx="1745809" cy="251979"/>
@@ -26014,8 +27545,8 @@
         </p:nvSpPr>
         <p:spPr>
           <a:xfrm>
-            <a:off x="2785944" y="3319112"/>
-            <a:ext cx="3930695" cy="1054389"/>
+            <a:off x="3078044" y="3697322"/>
+            <a:ext cx="3930695" cy="2058289"/>
           </a:xfrm>
           <a:prstGeom prst="rect">
             <a:avLst/>
@@ -26050,247 +27581,170 @@
           </a:p>
         </p:txBody>
       </p:sp>
-      <p:grpSp>
-        <p:nvGrpSpPr>
-          <p:cNvPr id="7" name="Group 6">
-            <a:extLst>
-              <a:ext uri="{FF2B5EF4-FFF2-40B4-BE49-F238E27FC236}">
-                <a16:creationId xmlns:a16="http://schemas.microsoft.com/office/drawing/2014/main" id="{40BB9398-3D11-4F0F-8B4E-4A8D76036E6E}"/>
-              </a:ext>
-            </a:extLst>
-          </p:cNvPr>
-          <p:cNvGrpSpPr/>
+      <p:sp>
+        <p:nvSpPr>
+          <p:cNvPr id="52" name="Rectangle 51">
+            <a:extLst>
+              <a:ext uri="{FF2B5EF4-FFF2-40B4-BE49-F238E27FC236}">
+                <a16:creationId xmlns:a16="http://schemas.microsoft.com/office/drawing/2014/main" id="{0AF69849-D71F-4EE1-AABA-013AD11C0BA0}"/>
+              </a:ext>
+            </a:extLst>
+          </p:cNvPr>
+          <p:cNvSpPr/>
           <p:nvPr/>
-        </p:nvGrpSpPr>
-        <p:grpSpPr>
+        </p:nvSpPr>
+        <p:spPr>
           <a:xfrm>
-            <a:off x="2961364" y="3416235"/>
-            <a:ext cx="3651110" cy="736375"/>
-            <a:chOff x="2961364" y="3416235"/>
-            <a:chExt cx="3651110" cy="736375"/>
-          </a:xfrm>
-        </p:grpSpPr>
-        <p:sp>
-          <p:nvSpPr>
-            <p:cNvPr id="52" name="Rectangle 51">
-              <a:extLst>
-                <a:ext uri="{FF2B5EF4-FFF2-40B4-BE49-F238E27FC236}">
-                  <a16:creationId xmlns:a16="http://schemas.microsoft.com/office/drawing/2014/main" id="{0AF69849-D71F-4EE1-AABA-013AD11C0BA0}"/>
-                </a:ext>
-              </a:extLst>
-            </p:cNvPr>
-            <p:cNvSpPr/>
-            <p:nvPr/>
-          </p:nvSpPr>
-          <p:spPr>
-            <a:xfrm>
-              <a:off x="2961364" y="3416235"/>
-              <a:ext cx="3599411" cy="688056"/>
-            </a:xfrm>
-            <a:prstGeom prst="rect">
-              <a:avLst/>
-            </a:prstGeom>
-            <a:noFill/>
-            <a:ln>
-              <a:prstDash val="dash"/>
-            </a:ln>
-          </p:spPr>
-          <p:style>
-            <a:lnRef idx="2">
-              <a:schemeClr val="accent1">
-                <a:shade val="50000"/>
-              </a:schemeClr>
-            </a:lnRef>
-            <a:fillRef idx="1">
-              <a:schemeClr val="accent1"/>
-            </a:fillRef>
-            <a:effectRef idx="0">
-              <a:schemeClr val="accent1"/>
-            </a:effectRef>
-            <a:fontRef idx="minor">
-              <a:schemeClr val="lt1"/>
-            </a:fontRef>
-          </p:style>
-          <p:txBody>
-            <a:bodyPr rtlCol="0" anchor="ctr"/>
-            <a:lstStyle/>
-            <a:p>
-              <a:pPr algn="ctr"/>
-              <a:endParaRPr lang="en-US"/>
-            </a:p>
-          </p:txBody>
-        </p:sp>
-        <p:sp>
-          <p:nvSpPr>
-            <p:cNvPr id="53" name="TextBox 52">
-              <a:extLst>
-                <a:ext uri="{FF2B5EF4-FFF2-40B4-BE49-F238E27FC236}">
-                  <a16:creationId xmlns:a16="http://schemas.microsoft.com/office/drawing/2014/main" id="{D0FE2FC9-7E6C-42C2-A49C-B55BE6A26483}"/>
-                </a:ext>
-              </a:extLst>
-            </p:cNvPr>
-            <p:cNvSpPr txBox="1"/>
-            <p:nvPr/>
-          </p:nvSpPr>
-          <p:spPr>
-            <a:xfrm>
-              <a:off x="5645368" y="3906389"/>
-              <a:ext cx="967106" cy="246221"/>
-            </a:xfrm>
-            <a:prstGeom prst="rect">
-              <a:avLst/>
-            </a:prstGeom>
-            <a:noFill/>
-          </p:spPr>
-          <p:txBody>
-            <a:bodyPr wrap="square" rtlCol="0">
-              <a:spAutoFit/>
-            </a:bodyPr>
-            <a:lstStyle/>
-            <a:p>
-              <a:pPr algn="r"/>
-              <a:r>
-                <a:rPr lang="en-US" sz="1000" dirty="0"/>
-                <a:t>aks-net</a:t>
-              </a:r>
-            </a:p>
-          </p:txBody>
-        </p:sp>
-        <p:pic>
-          <p:nvPicPr>
-            <p:cNvPr id="54" name="Graphic 53">
-              <a:extLst>
-                <a:ext uri="{FF2B5EF4-FFF2-40B4-BE49-F238E27FC236}">
-                  <a16:creationId xmlns:a16="http://schemas.microsoft.com/office/drawing/2014/main" id="{DCB63550-31CB-4F03-AC20-96E652028ECE}"/>
-                </a:ext>
-              </a:extLst>
-            </p:cNvPr>
-            <p:cNvPicPr>
-              <a:picLocks noChangeAspect="1"/>
-            </p:cNvPicPr>
-            <p:nvPr/>
-          </p:nvPicPr>
-          <p:blipFill>
-            <a:blip r:embed="rId7">
-              <a:extLst>
-                <a:ext uri="{28A0092B-C50C-407E-A947-70E740481C1C}">
-                  <a14:useLocalDpi xmlns:a14="http://schemas.microsoft.com/office/drawing/2010/main" val="0"/>
-                </a:ext>
-                <a:ext uri="{96DAC541-7B7A-43D3-8B79-37D633B846F1}">
-                  <asvg:svgBlip xmlns:asvg="http://schemas.microsoft.com/office/drawing/2016/SVG/main" r:embed="rId8"/>
-                </a:ext>
-              </a:extLst>
-            </a:blip>
-            <a:stretch>
-              <a:fillRect/>
-            </a:stretch>
-          </p:blipFill>
-          <p:spPr>
-            <a:xfrm>
-              <a:off x="6375451" y="3450587"/>
-              <a:ext cx="171450" cy="171450"/>
-            </a:xfrm>
-            <a:prstGeom prst="rect">
-              <a:avLst/>
-            </a:prstGeom>
-          </p:spPr>
-        </p:pic>
-      </p:grpSp>
-      <p:grpSp>
-        <p:nvGrpSpPr>
-          <p:cNvPr id="9" name="Group 8">
-            <a:extLst>
-              <a:ext uri="{FF2B5EF4-FFF2-40B4-BE49-F238E27FC236}">
-                <a16:creationId xmlns:a16="http://schemas.microsoft.com/office/drawing/2014/main" id="{2D185BAC-B0E2-43B0-8C26-10EF9C6A2F8C}"/>
-              </a:ext>
-            </a:extLst>
-          </p:cNvPr>
-          <p:cNvGrpSpPr/>
+            <a:off x="3253464" y="3794444"/>
+            <a:ext cx="3599411" cy="1709187"/>
+          </a:xfrm>
+          <a:prstGeom prst="rect">
+            <a:avLst/>
+          </a:prstGeom>
+          <a:noFill/>
+          <a:ln>
+            <a:prstDash val="dash"/>
+          </a:ln>
+        </p:spPr>
+        <p:style>
+          <a:lnRef idx="2">
+            <a:schemeClr val="accent1">
+              <a:shade val="50000"/>
+            </a:schemeClr>
+          </a:lnRef>
+          <a:fillRef idx="1">
+            <a:schemeClr val="accent1"/>
+          </a:fillRef>
+          <a:effectRef idx="0">
+            <a:schemeClr val="accent1"/>
+          </a:effectRef>
+          <a:fontRef idx="minor">
+            <a:schemeClr val="lt1"/>
+          </a:fontRef>
+        </p:style>
+        <p:txBody>
+          <a:bodyPr rtlCol="0" anchor="ctr"/>
+          <a:lstStyle/>
+          <a:p>
+            <a:pPr algn="ctr"/>
+            <a:endParaRPr lang="en-US"/>
+          </a:p>
+        </p:txBody>
+      </p:sp>
+      <p:sp>
+        <p:nvSpPr>
+          <p:cNvPr id="53" name="TextBox 52">
+            <a:extLst>
+              <a:ext uri="{FF2B5EF4-FFF2-40B4-BE49-F238E27FC236}">
+                <a16:creationId xmlns:a16="http://schemas.microsoft.com/office/drawing/2014/main" id="{D0FE2FC9-7E6C-42C2-A49C-B55BE6A26483}"/>
+              </a:ext>
+            </a:extLst>
+          </p:cNvPr>
+          <p:cNvSpPr txBox="1"/>
           <p:nvPr/>
-        </p:nvGrpSpPr>
-        <p:grpSpPr>
+        </p:nvSpPr>
+        <p:spPr>
           <a:xfrm>
-            <a:off x="4160439" y="3587721"/>
-            <a:ext cx="1686734" cy="393217"/>
-            <a:chOff x="4339095" y="5180792"/>
-            <a:chExt cx="1686734" cy="393217"/>
-          </a:xfrm>
-        </p:grpSpPr>
-        <p:pic>
-          <p:nvPicPr>
-            <p:cNvPr id="55" name="Graphic 54">
-              <a:extLst>
-                <a:ext uri="{FF2B5EF4-FFF2-40B4-BE49-F238E27FC236}">
-                  <a16:creationId xmlns:a16="http://schemas.microsoft.com/office/drawing/2014/main" id="{6EE09CF4-51DA-4478-999B-3823D625DAED}"/>
-                </a:ext>
-              </a:extLst>
-            </p:cNvPr>
-            <p:cNvPicPr>
-              <a:picLocks noChangeAspect="1"/>
-            </p:cNvPicPr>
-            <p:nvPr/>
-          </p:nvPicPr>
-          <p:blipFill>
-            <a:blip r:embed="rId21">
-              <a:extLst>
-                <a:ext uri="{28A0092B-C50C-407E-A947-70E740481C1C}">
-                  <a14:useLocalDpi xmlns:a14="http://schemas.microsoft.com/office/drawing/2010/main" val="0"/>
-                </a:ext>
-                <a:ext uri="{96DAC541-7B7A-43D3-8B79-37D633B846F1}">
-                  <asvg:svgBlip xmlns:asvg="http://schemas.microsoft.com/office/drawing/2016/SVG/main" r:embed="rId22"/>
-                </a:ext>
-              </a:extLst>
-            </a:blip>
-            <a:stretch>
-              <a:fillRect/>
-            </a:stretch>
-          </p:blipFill>
-          <p:spPr>
-            <a:xfrm>
-              <a:off x="4339095" y="5180792"/>
-              <a:ext cx="393217" cy="393217"/>
-            </a:xfrm>
-            <a:prstGeom prst="rect">
-              <a:avLst/>
-            </a:prstGeom>
-          </p:spPr>
-        </p:pic>
-        <p:sp>
-          <p:nvSpPr>
-            <p:cNvPr id="56" name="TextBox 55">
-              <a:extLst>
-                <a:ext uri="{FF2B5EF4-FFF2-40B4-BE49-F238E27FC236}">
-                  <a16:creationId xmlns:a16="http://schemas.microsoft.com/office/drawing/2014/main" id="{CB09CE70-107F-4342-AD83-4FA857729AB0}"/>
-                </a:ext>
-              </a:extLst>
-            </p:cNvPr>
-            <p:cNvSpPr txBox="1"/>
-            <p:nvPr/>
-          </p:nvSpPr>
-          <p:spPr>
-            <a:xfrm>
-              <a:off x="4761068" y="5254289"/>
-              <a:ext cx="1264761" cy="246221"/>
-            </a:xfrm>
-            <a:prstGeom prst="rect">
-              <a:avLst/>
-            </a:prstGeom>
-            <a:noFill/>
-          </p:spPr>
-          <p:txBody>
-            <a:bodyPr wrap="square" rtlCol="0">
-              <a:spAutoFit/>
-            </a:bodyPr>
-            <a:lstStyle/>
-            <a:p>
-              <a:r>
-                <a:rPr lang="en-US" sz="1000" dirty="0"/>
-                <a:t>iac-ws2-blue-aks</a:t>
-              </a:r>
-            </a:p>
-          </p:txBody>
-        </p:sp>
-      </p:grpSp>
+            <a:off x="5940591" y="5312543"/>
+            <a:ext cx="967106" cy="246221"/>
+          </a:xfrm>
+          <a:prstGeom prst="rect">
+            <a:avLst/>
+          </a:prstGeom>
+          <a:noFill/>
+        </p:spPr>
+        <p:txBody>
+          <a:bodyPr wrap="square" rtlCol="0">
+            <a:spAutoFit/>
+          </a:bodyPr>
+          <a:lstStyle/>
+          <a:p>
+            <a:pPr algn="r"/>
+            <a:r>
+              <a:rPr lang="en-US" sz="1000" dirty="0"/>
+              <a:t>aks-net</a:t>
+            </a:r>
+          </a:p>
+        </p:txBody>
+      </p:sp>
+      <p:pic>
+        <p:nvPicPr>
+          <p:cNvPr id="54" name="Graphic 53">
+            <a:extLst>
+              <a:ext uri="{FF2B5EF4-FFF2-40B4-BE49-F238E27FC236}">
+                <a16:creationId xmlns:a16="http://schemas.microsoft.com/office/drawing/2014/main" id="{DCB63550-31CB-4F03-AC20-96E652028ECE}"/>
+              </a:ext>
+            </a:extLst>
+          </p:cNvPr>
+          <p:cNvPicPr>
+            <a:picLocks noChangeAspect="1"/>
+          </p:cNvPicPr>
+          <p:nvPr/>
+        </p:nvPicPr>
+        <p:blipFill>
+          <a:blip r:embed="rId7">
+            <a:extLst>
+              <a:ext uri="{28A0092B-C50C-407E-A947-70E740481C1C}">
+                <a14:useLocalDpi xmlns:a14="http://schemas.microsoft.com/office/drawing/2010/main" val="0"/>
+              </a:ext>
+              <a:ext uri="{96DAC541-7B7A-43D3-8B79-37D633B846F1}">
+                <asvg:svgBlip xmlns:asvg="http://schemas.microsoft.com/office/drawing/2016/SVG/main" r:embed="rId8"/>
+              </a:ext>
+            </a:extLst>
+          </a:blip>
+          <a:stretch>
+            <a:fillRect/>
+          </a:stretch>
+        </p:blipFill>
+        <p:spPr>
+          <a:xfrm>
+            <a:off x="6667551" y="3828797"/>
+            <a:ext cx="171450" cy="171450"/>
+          </a:xfrm>
+          <a:prstGeom prst="rect">
+            <a:avLst/>
+          </a:prstGeom>
+        </p:spPr>
+      </p:pic>
+      <p:pic>
+        <p:nvPicPr>
+          <p:cNvPr id="55" name="Graphic 54">
+            <a:extLst>
+              <a:ext uri="{FF2B5EF4-FFF2-40B4-BE49-F238E27FC236}">
+                <a16:creationId xmlns:a16="http://schemas.microsoft.com/office/drawing/2014/main" id="{6EE09CF4-51DA-4478-999B-3823D625DAED}"/>
+              </a:ext>
+            </a:extLst>
+          </p:cNvPr>
+          <p:cNvPicPr>
+            <a:picLocks noChangeAspect="1"/>
+          </p:cNvPicPr>
+          <p:nvPr/>
+        </p:nvPicPr>
+        <p:blipFill>
+          <a:blip r:embed="rId15">
+            <a:extLst>
+              <a:ext uri="{28A0092B-C50C-407E-A947-70E740481C1C}">
+                <a14:useLocalDpi xmlns:a14="http://schemas.microsoft.com/office/drawing/2010/main" val="0"/>
+              </a:ext>
+              <a:ext uri="{96DAC541-7B7A-43D3-8B79-37D633B846F1}">
+                <asvg:svgBlip xmlns:asvg="http://schemas.microsoft.com/office/drawing/2016/SVG/main" r:embed="rId16"/>
+              </a:ext>
+            </a:extLst>
+          </a:blip>
+          <a:stretch>
+            <a:fillRect/>
+          </a:stretch>
+        </p:blipFill>
+        <p:spPr>
+          <a:xfrm>
+            <a:off x="3273795" y="3831121"/>
+            <a:ext cx="246222" cy="246222"/>
+          </a:xfrm>
+          <a:prstGeom prst="rect">
+            <a:avLst/>
+          </a:prstGeom>
+        </p:spPr>
+      </p:pic>
       <p:cxnSp>
         <p:nvCxnSpPr>
           <p:cNvPr id="12" name="Connector: Elbow 11">
@@ -26301,6 +27755,7 @@
             </a:extLst>
           </p:cNvPr>
           <p:cNvCxnSpPr>
+            <a:cxnSpLocks/>
             <a:stCxn id="51" idx="3"/>
             <a:endCxn id="84" idx="3"/>
           </p:cNvCxnSpPr>
@@ -26308,8 +27763,8 @@
         </p:nvCxnSpPr>
         <p:spPr>
           <a:xfrm flipV="1">
-            <a:off x="6716639" y="2204641"/>
-            <a:ext cx="12700" cy="1641666"/>
+            <a:off x="7008739" y="2582851"/>
+            <a:ext cx="12700" cy="2143616"/>
           </a:xfrm>
           <a:prstGeom prst="bentConnector3">
             <a:avLst>
@@ -26350,7 +27805,7 @@
         </p:nvSpPr>
         <p:spPr>
           <a:xfrm rot="16200000">
-            <a:off x="6388950" y="2923804"/>
+            <a:off x="6681050" y="3302014"/>
             <a:ext cx="967106" cy="246221"/>
           </a:xfrm>
           <a:prstGeom prst="rect">
@@ -26374,10 +27829,10 @@
       </p:sp>
       <p:grpSp>
         <p:nvGrpSpPr>
-          <p:cNvPr id="20" name="Group 19">
-            <a:extLst>
-              <a:ext uri="{FF2B5EF4-FFF2-40B4-BE49-F238E27FC236}">
-                <a16:creationId xmlns:a16="http://schemas.microsoft.com/office/drawing/2014/main" id="{8A9C2F55-F339-431F-A9BC-507F3B179737}"/>
+          <p:cNvPr id="59" name="Group 58">
+            <a:extLst>
+              <a:ext uri="{FF2B5EF4-FFF2-40B4-BE49-F238E27FC236}">
+                <a16:creationId xmlns:a16="http://schemas.microsoft.com/office/drawing/2014/main" id="{7518821E-C274-4D98-89EB-DFF32E30820A}"/>
               </a:ext>
             </a:extLst>
           </p:cNvPr>
@@ -26386,18 +27841,18 @@
         </p:nvGrpSpPr>
         <p:grpSpPr>
           <a:xfrm>
-            <a:off x="1476535" y="3587721"/>
-            <a:ext cx="1215580" cy="639438"/>
-            <a:chOff x="1476535" y="3587721"/>
-            <a:chExt cx="1215580" cy="639438"/>
+            <a:off x="4432693" y="3880915"/>
+            <a:ext cx="1484578" cy="464415"/>
+            <a:chOff x="4350799" y="3212180"/>
+            <a:chExt cx="1484578" cy="464415"/>
           </a:xfrm>
         </p:grpSpPr>
         <p:pic>
           <p:nvPicPr>
-            <p:cNvPr id="16" name="Graphic 15">
+            <p:cNvPr id="61" name="Graphic 60">
               <a:extLst>
                 <a:ext uri="{FF2B5EF4-FFF2-40B4-BE49-F238E27FC236}">
-                  <a16:creationId xmlns:a16="http://schemas.microsoft.com/office/drawing/2014/main" id="{62EFD279-0926-4C0C-A22D-5E36950FA9CC}"/>
+                  <a16:creationId xmlns:a16="http://schemas.microsoft.com/office/drawing/2014/main" id="{FE895A81-7D03-4E83-832E-367D18CD4B99}"/>
                 </a:ext>
               </a:extLst>
             </p:cNvPr>
@@ -26407,13 +27862,13 @@
             <p:nvPr/>
           </p:nvPicPr>
           <p:blipFill>
-            <a:blip r:embed="rId23">
+            <a:blip r:embed="rId17">
               <a:extLst>
                 <a:ext uri="{28A0092B-C50C-407E-A947-70E740481C1C}">
                   <a14:useLocalDpi xmlns:a14="http://schemas.microsoft.com/office/drawing/2010/main" val="0"/>
                 </a:ext>
                 <a:ext uri="{96DAC541-7B7A-43D3-8B79-37D633B846F1}">
-                  <asvg:svgBlip xmlns:asvg="http://schemas.microsoft.com/office/drawing/2016/SVG/main" r:embed="rId24"/>
+                  <asvg:svgBlip xmlns:asvg="http://schemas.microsoft.com/office/drawing/2016/SVG/main" r:embed="rId18"/>
                 </a:ext>
               </a:extLst>
             </a:blip>
@@ -26423,8 +27878,8 @@
           </p:blipFill>
           <p:spPr>
             <a:xfrm>
-              <a:off x="1887717" y="3587721"/>
-              <a:ext cx="393217" cy="393217"/>
+              <a:off x="4350799" y="3212180"/>
+              <a:ext cx="464415" cy="464415"/>
             </a:xfrm>
             <a:prstGeom prst="rect">
               <a:avLst/>
@@ -26433,10 +27888,10 @@
         </p:pic>
         <p:sp>
           <p:nvSpPr>
-            <p:cNvPr id="58" name="TextBox 57">
+            <p:cNvPr id="62" name="TextBox 61">
               <a:extLst>
                 <a:ext uri="{FF2B5EF4-FFF2-40B4-BE49-F238E27FC236}">
-                  <a16:creationId xmlns:a16="http://schemas.microsoft.com/office/drawing/2014/main" id="{2101AF5B-F31D-4DB6-9C06-CE4132DCF15F}"/>
+                  <a16:creationId xmlns:a16="http://schemas.microsoft.com/office/drawing/2014/main" id="{B9A2EDD7-E666-4DFF-B03B-B9C6F04B0123}"/>
                 </a:ext>
               </a:extLst>
             </p:cNvPr>
@@ -26445,8 +27900,8 @@
           </p:nvSpPr>
           <p:spPr>
             <a:xfrm>
-              <a:off x="1476535" y="3980938"/>
-              <a:ext cx="1215580" cy="246221"/>
+              <a:off x="4746328" y="3244332"/>
+              <a:ext cx="1089049" cy="400110"/>
             </a:xfrm>
             <a:prstGeom prst="rect">
               <a:avLst/>
@@ -26459,10 +27914,15 @@
             </a:bodyPr>
             <a:lstStyle/>
             <a:p>
-              <a:pPr algn="ctr"/>
               <a:r>
                 <a:rPr lang="en-US" sz="1000" dirty="0"/>
-                <a:t>iac-ws2-aks-blue-mi</a:t>
+                <a:t>NGINX Ingress</a:t>
+              </a:r>
+            </a:p>
+            <a:p>
+              <a:r>
+                <a:rPr lang="en-US" sz="1000" dirty="0"/>
+                <a:t>controller</a:t>
               </a:r>
             </a:p>
           </p:txBody>
@@ -26470,10 +27930,10 @@
       </p:grpSp>
       <p:grpSp>
         <p:nvGrpSpPr>
-          <p:cNvPr id="19" name="Group 18">
-            <a:extLst>
-              <a:ext uri="{FF2B5EF4-FFF2-40B4-BE49-F238E27FC236}">
-                <a16:creationId xmlns:a16="http://schemas.microsoft.com/office/drawing/2014/main" id="{31068AB8-78D3-4328-80B5-043C829581BF}"/>
+          <p:cNvPr id="42" name="Group 41">
+            <a:extLst>
+              <a:ext uri="{FF2B5EF4-FFF2-40B4-BE49-F238E27FC236}">
+                <a16:creationId xmlns:a16="http://schemas.microsoft.com/office/drawing/2014/main" id="{278B0758-D395-4188-913A-BA25E913109D}"/>
               </a:ext>
             </a:extLst>
           </p:cNvPr>
@@ -26482,95 +27942,1096 @@
         </p:nvGrpSpPr>
         <p:grpSpPr>
           <a:xfrm>
-            <a:off x="8473625" y="1852137"/>
-            <a:ext cx="1215580" cy="834633"/>
-            <a:chOff x="8473625" y="1852137"/>
-            <a:chExt cx="1215580" cy="834633"/>
+            <a:off x="3343840" y="4979680"/>
+            <a:ext cx="741026" cy="465458"/>
+            <a:chOff x="2423087" y="4659964"/>
+            <a:chExt cx="741026" cy="465458"/>
           </a:xfrm>
         </p:grpSpPr>
-        <p:pic>
-          <p:nvPicPr>
-            <p:cNvPr id="18" name="Graphic 17">
+        <p:sp>
+          <p:nvSpPr>
+            <p:cNvPr id="67" name="Rectangle: Rounded Corners 66">
               <a:extLst>
                 <a:ext uri="{FF2B5EF4-FFF2-40B4-BE49-F238E27FC236}">
-                  <a16:creationId xmlns:a16="http://schemas.microsoft.com/office/drawing/2014/main" id="{456EA0A0-BB5C-49B2-9E8B-D85031FC7B97}"/>
+                  <a16:creationId xmlns:a16="http://schemas.microsoft.com/office/drawing/2014/main" id="{290060B0-5CEB-491E-BD0D-B9306BC485EE}"/>
                 </a:ext>
               </a:extLst>
             </p:cNvPr>
-            <p:cNvPicPr>
-              <a:picLocks noChangeAspect="1"/>
-            </p:cNvPicPr>
-            <p:nvPr/>
-          </p:nvPicPr>
-          <p:blipFill>
-            <a:blip r:embed="rId25">
-              <a:extLst>
-                <a:ext uri="{28A0092B-C50C-407E-A947-70E740481C1C}">
-                  <a14:useLocalDpi xmlns:a14="http://schemas.microsoft.com/office/drawing/2010/main" val="0"/>
-                </a:ext>
-                <a:ext uri="{96DAC541-7B7A-43D3-8B79-37D633B846F1}">
-                  <asvg:svgBlip xmlns:asvg="http://schemas.microsoft.com/office/drawing/2016/SVG/main" r:embed="rId26"/>
-                </a:ext>
-              </a:extLst>
-            </a:blip>
-            <a:stretch>
-              <a:fillRect/>
-            </a:stretch>
-          </p:blipFill>
-          <p:spPr>
-            <a:xfrm>
-              <a:off x="8824485" y="1852137"/>
-              <a:ext cx="458195" cy="458195"/>
-            </a:xfrm>
-            <a:prstGeom prst="rect">
-              <a:avLst/>
-            </a:prstGeom>
-          </p:spPr>
-        </p:pic>
-        <p:sp>
-          <p:nvSpPr>
-            <p:cNvPr id="60" name="TextBox 59">
-              <a:extLst>
-                <a:ext uri="{FF2B5EF4-FFF2-40B4-BE49-F238E27FC236}">
-                  <a16:creationId xmlns:a16="http://schemas.microsoft.com/office/drawing/2014/main" id="{9B78748B-C7A5-4D73-B834-750E998E43A9}"/>
-                </a:ext>
-              </a:extLst>
-            </p:cNvPr>
-            <p:cNvSpPr txBox="1"/>
+            <p:cNvSpPr/>
             <p:nvPr/>
           </p:nvSpPr>
           <p:spPr>
             <a:xfrm>
-              <a:off x="8473625" y="2286660"/>
-              <a:ext cx="1215580" cy="400110"/>
+              <a:off x="2423087" y="4659964"/>
+              <a:ext cx="741026" cy="465458"/>
             </a:xfrm>
-            <a:prstGeom prst="rect">
+            <a:prstGeom prst="roundRect">
               <a:avLst/>
             </a:prstGeom>
-            <a:noFill/>
+            <a:solidFill>
+              <a:schemeClr val="accent6">
+                <a:lumMod val="20000"/>
+                <a:lumOff val="80000"/>
+              </a:schemeClr>
+            </a:solidFill>
           </p:spPr>
+          <p:style>
+            <a:lnRef idx="2">
+              <a:schemeClr val="accent1">
+                <a:shade val="50000"/>
+              </a:schemeClr>
+            </a:lnRef>
+            <a:fillRef idx="1">
+              <a:schemeClr val="accent1"/>
+            </a:fillRef>
+            <a:effectRef idx="0">
+              <a:schemeClr val="accent1"/>
+            </a:effectRef>
+            <a:fontRef idx="minor">
+              <a:schemeClr val="lt1"/>
+            </a:fontRef>
+          </p:style>
           <p:txBody>
-            <a:bodyPr wrap="square" rtlCol="0">
-              <a:spAutoFit/>
-            </a:bodyPr>
+            <a:bodyPr rtlCol="0" anchor="t" anchorCtr="0"/>
             <a:lstStyle/>
             <a:p>
               <a:pPr algn="ctr"/>
               <a:r>
-                <a:rPr lang="en-US" sz="1000" dirty="0"/>
-                <a:t>Application</a:t>
+                <a:rPr lang="en-US" sz="800" dirty="0">
+                  <a:solidFill>
+                    <a:schemeClr val="tx1"/>
+                  </a:solidFill>
+                </a:rPr>
+                <a:t>pod</a:t>
               </a:r>
-              <a:br>
-                <a:rPr lang="en-US" sz="1000" dirty="0"/>
-              </a:br>
+            </a:p>
+          </p:txBody>
+        </p:sp>
+        <p:sp>
+          <p:nvSpPr>
+            <p:cNvPr id="68" name="Rectangle: Rounded Corners 67">
+              <a:extLst>
+                <a:ext uri="{FF2B5EF4-FFF2-40B4-BE49-F238E27FC236}">
+                  <a16:creationId xmlns:a16="http://schemas.microsoft.com/office/drawing/2014/main" id="{A3344AE3-58B6-4BBC-B1EE-F7036335894F}"/>
+                </a:ext>
+              </a:extLst>
+            </p:cNvPr>
+            <p:cNvSpPr/>
+            <p:nvPr/>
+          </p:nvSpPr>
+          <p:spPr>
+            <a:xfrm>
+              <a:off x="2558164" y="4896041"/>
+              <a:ext cx="443544" cy="171298"/>
+            </a:xfrm>
+            <a:prstGeom prst="roundRect">
+              <a:avLst/>
+            </a:prstGeom>
+            <a:solidFill>
+              <a:schemeClr val="accent5">
+                <a:lumMod val="75000"/>
+              </a:schemeClr>
+            </a:solidFill>
+          </p:spPr>
+          <p:style>
+            <a:lnRef idx="2">
+              <a:schemeClr val="accent1">
+                <a:shade val="50000"/>
+              </a:schemeClr>
+            </a:lnRef>
+            <a:fillRef idx="1">
+              <a:schemeClr val="accent1"/>
+            </a:fillRef>
+            <a:effectRef idx="0">
+              <a:schemeClr val="accent1"/>
+            </a:effectRef>
+            <a:fontRef idx="minor">
+              <a:schemeClr val="lt1"/>
+            </a:fontRef>
+          </p:style>
+          <p:txBody>
+            <a:bodyPr rtlCol="0" anchor="ctr"/>
+            <a:lstStyle/>
+            <a:p>
+              <a:pPr algn="ctr"/>
               <a:r>
-                <a:rPr lang="en-US" sz="1000" dirty="0"/>
-                <a:t>Insights</a:t>
+                <a:rPr lang="en-US" sz="800" dirty="0"/>
+                <a:t>api-b</a:t>
               </a:r>
             </a:p>
           </p:txBody>
         </p:sp>
       </p:grpSp>
+      <p:sp>
+        <p:nvSpPr>
+          <p:cNvPr id="77" name="Rectangle: Rounded Corners 76">
+            <a:extLst>
+              <a:ext uri="{FF2B5EF4-FFF2-40B4-BE49-F238E27FC236}">
+                <a16:creationId xmlns:a16="http://schemas.microsoft.com/office/drawing/2014/main" id="{730C8872-7715-45C6-900E-C492FD788E79}"/>
+              </a:ext>
+            </a:extLst>
+          </p:cNvPr>
+          <p:cNvSpPr/>
+          <p:nvPr/>
+        </p:nvSpPr>
+        <p:spPr>
+          <a:xfrm>
+            <a:off x="4218884" y="4564990"/>
+            <a:ext cx="887057" cy="213593"/>
+          </a:xfrm>
+          <a:prstGeom prst="roundRect">
+            <a:avLst/>
+          </a:prstGeom>
+          <a:solidFill>
+            <a:schemeClr val="bg2"/>
+          </a:solidFill>
+        </p:spPr>
+        <p:style>
+          <a:lnRef idx="2">
+            <a:schemeClr val="accent1">
+              <a:shade val="50000"/>
+            </a:schemeClr>
+          </a:lnRef>
+          <a:fillRef idx="1">
+            <a:schemeClr val="accent1"/>
+          </a:fillRef>
+          <a:effectRef idx="0">
+            <a:schemeClr val="accent1"/>
+          </a:effectRef>
+          <a:fontRef idx="minor">
+            <a:schemeClr val="lt1"/>
+          </a:fontRef>
+        </p:style>
+        <p:txBody>
+          <a:bodyPr rtlCol="0" anchor="ctr"/>
+          <a:lstStyle/>
+          <a:p>
+            <a:pPr algn="ctr"/>
+            <a:r>
+              <a:rPr lang="en-US" sz="800" b="1" dirty="0" err="1">
+                <a:solidFill>
+                  <a:schemeClr val="tx1"/>
+                </a:solidFill>
+              </a:rPr>
+              <a:t>api</a:t>
+            </a:r>
+            <a:r>
+              <a:rPr lang="en-US" sz="800" b="1" dirty="0">
+                <a:solidFill>
+                  <a:schemeClr val="tx1"/>
+                </a:solidFill>
+              </a:rPr>
+              <a:t>-b-service</a:t>
+            </a:r>
+          </a:p>
+        </p:txBody>
+      </p:sp>
+      <p:cxnSp>
+        <p:nvCxnSpPr>
+          <p:cNvPr id="80" name="Straight Arrow Connector 79">
+            <a:extLst>
+              <a:ext uri="{FF2B5EF4-FFF2-40B4-BE49-F238E27FC236}">
+                <a16:creationId xmlns:a16="http://schemas.microsoft.com/office/drawing/2014/main" id="{94D16D17-8D1F-4892-8E03-A96DEE0ED396}"/>
+              </a:ext>
+            </a:extLst>
+          </p:cNvPr>
+          <p:cNvCxnSpPr>
+            <a:cxnSpLocks/>
+            <a:stCxn id="77" idx="2"/>
+            <a:endCxn id="68" idx="0"/>
+          </p:cNvCxnSpPr>
+          <p:nvPr/>
+        </p:nvCxnSpPr>
+        <p:spPr>
+          <a:xfrm flipH="1">
+            <a:off x="3700689" y="4778583"/>
+            <a:ext cx="961724" cy="437174"/>
+          </a:xfrm>
+          <a:prstGeom prst="straightConnector1">
+            <a:avLst/>
+          </a:prstGeom>
+          <a:ln>
+            <a:tailEnd type="triangle"/>
+          </a:ln>
+        </p:spPr>
+        <p:style>
+          <a:lnRef idx="1">
+            <a:schemeClr val="accent1"/>
+          </a:lnRef>
+          <a:fillRef idx="0">
+            <a:schemeClr val="accent1"/>
+          </a:fillRef>
+          <a:effectRef idx="0">
+            <a:schemeClr val="accent1"/>
+          </a:effectRef>
+          <a:fontRef idx="minor">
+            <a:schemeClr val="tx1"/>
+          </a:fontRef>
+        </p:style>
+      </p:cxnSp>
+      <p:grpSp>
+        <p:nvGrpSpPr>
+          <p:cNvPr id="98" name="Group 97">
+            <a:extLst>
+              <a:ext uri="{FF2B5EF4-FFF2-40B4-BE49-F238E27FC236}">
+                <a16:creationId xmlns:a16="http://schemas.microsoft.com/office/drawing/2014/main" id="{D1E0F3B4-0EF7-421C-9162-BEAA856FCBDF}"/>
+              </a:ext>
+            </a:extLst>
+          </p:cNvPr>
+          <p:cNvGrpSpPr/>
+          <p:nvPr/>
+        </p:nvGrpSpPr>
+        <p:grpSpPr>
+          <a:xfrm>
+            <a:off x="4477944" y="4998243"/>
+            <a:ext cx="741026" cy="465458"/>
+            <a:chOff x="2423087" y="4659964"/>
+            <a:chExt cx="741026" cy="465458"/>
+          </a:xfrm>
+        </p:grpSpPr>
+        <p:sp>
+          <p:nvSpPr>
+            <p:cNvPr id="99" name="Rectangle: Rounded Corners 98">
+              <a:extLst>
+                <a:ext uri="{FF2B5EF4-FFF2-40B4-BE49-F238E27FC236}">
+                  <a16:creationId xmlns:a16="http://schemas.microsoft.com/office/drawing/2014/main" id="{0B6BD1A0-34F6-4B7C-803B-D3B564045135}"/>
+                </a:ext>
+              </a:extLst>
+            </p:cNvPr>
+            <p:cNvSpPr/>
+            <p:nvPr/>
+          </p:nvSpPr>
+          <p:spPr>
+            <a:xfrm>
+              <a:off x="2423087" y="4659964"/>
+              <a:ext cx="741026" cy="465458"/>
+            </a:xfrm>
+            <a:prstGeom prst="roundRect">
+              <a:avLst/>
+            </a:prstGeom>
+            <a:solidFill>
+              <a:schemeClr val="accent6">
+                <a:lumMod val="20000"/>
+                <a:lumOff val="80000"/>
+              </a:schemeClr>
+            </a:solidFill>
+          </p:spPr>
+          <p:style>
+            <a:lnRef idx="2">
+              <a:schemeClr val="accent1">
+                <a:shade val="50000"/>
+              </a:schemeClr>
+            </a:lnRef>
+            <a:fillRef idx="1">
+              <a:schemeClr val="accent1"/>
+            </a:fillRef>
+            <a:effectRef idx="0">
+              <a:schemeClr val="accent1"/>
+            </a:effectRef>
+            <a:fontRef idx="minor">
+              <a:schemeClr val="lt1"/>
+            </a:fontRef>
+          </p:style>
+          <p:txBody>
+            <a:bodyPr rtlCol="0" anchor="t" anchorCtr="0"/>
+            <a:lstStyle/>
+            <a:p>
+              <a:pPr algn="ctr"/>
+              <a:r>
+                <a:rPr lang="en-US" sz="800" dirty="0">
+                  <a:solidFill>
+                    <a:schemeClr val="tx1"/>
+                  </a:solidFill>
+                </a:rPr>
+                <a:t>pod</a:t>
+              </a:r>
+            </a:p>
+          </p:txBody>
+        </p:sp>
+        <p:sp>
+          <p:nvSpPr>
+            <p:cNvPr id="100" name="Rectangle: Rounded Corners 99">
+              <a:extLst>
+                <a:ext uri="{FF2B5EF4-FFF2-40B4-BE49-F238E27FC236}">
+                  <a16:creationId xmlns:a16="http://schemas.microsoft.com/office/drawing/2014/main" id="{D838B17C-C305-4A38-B5FA-D269DFB3BB43}"/>
+                </a:ext>
+              </a:extLst>
+            </p:cNvPr>
+            <p:cNvSpPr/>
+            <p:nvPr/>
+          </p:nvSpPr>
+          <p:spPr>
+            <a:xfrm>
+              <a:off x="2558164" y="4896041"/>
+              <a:ext cx="443544" cy="171298"/>
+            </a:xfrm>
+            <a:prstGeom prst="roundRect">
+              <a:avLst/>
+            </a:prstGeom>
+            <a:solidFill>
+              <a:schemeClr val="accent5">
+                <a:lumMod val="75000"/>
+              </a:schemeClr>
+            </a:solidFill>
+          </p:spPr>
+          <p:style>
+            <a:lnRef idx="2">
+              <a:schemeClr val="accent1">
+                <a:shade val="50000"/>
+              </a:schemeClr>
+            </a:lnRef>
+            <a:fillRef idx="1">
+              <a:schemeClr val="accent1"/>
+            </a:fillRef>
+            <a:effectRef idx="0">
+              <a:schemeClr val="accent1"/>
+            </a:effectRef>
+            <a:fontRef idx="minor">
+              <a:schemeClr val="lt1"/>
+            </a:fontRef>
+          </p:style>
+          <p:txBody>
+            <a:bodyPr rtlCol="0" anchor="ctr"/>
+            <a:lstStyle/>
+            <a:p>
+              <a:pPr algn="ctr"/>
+              <a:r>
+                <a:rPr lang="en-US" sz="800" dirty="0"/>
+                <a:t>api-b</a:t>
+              </a:r>
+            </a:p>
+          </p:txBody>
+        </p:sp>
+      </p:grpSp>
+      <p:cxnSp>
+        <p:nvCxnSpPr>
+          <p:cNvPr id="81" name="Straight Arrow Connector 80">
+            <a:extLst>
+              <a:ext uri="{FF2B5EF4-FFF2-40B4-BE49-F238E27FC236}">
+                <a16:creationId xmlns:a16="http://schemas.microsoft.com/office/drawing/2014/main" id="{75348CEF-F08C-418E-B759-04BCFB93413C}"/>
+              </a:ext>
+            </a:extLst>
+          </p:cNvPr>
+          <p:cNvCxnSpPr>
+            <a:cxnSpLocks/>
+            <a:stCxn id="77" idx="2"/>
+            <a:endCxn id="100" idx="0"/>
+          </p:cNvCxnSpPr>
+          <p:nvPr/>
+        </p:nvCxnSpPr>
+        <p:spPr>
+          <a:xfrm>
+            <a:off x="4662413" y="4778583"/>
+            <a:ext cx="172380" cy="455737"/>
+          </a:xfrm>
+          <a:prstGeom prst="straightConnector1">
+            <a:avLst/>
+          </a:prstGeom>
+          <a:ln w="6350">
+            <a:tailEnd type="triangle"/>
+          </a:ln>
+        </p:spPr>
+        <p:style>
+          <a:lnRef idx="1">
+            <a:schemeClr val="accent1"/>
+          </a:lnRef>
+          <a:fillRef idx="0">
+            <a:schemeClr val="accent1"/>
+          </a:fillRef>
+          <a:effectRef idx="0">
+            <a:schemeClr val="accent1"/>
+          </a:effectRef>
+          <a:fontRef idx="minor">
+            <a:schemeClr val="tx1"/>
+          </a:fontRef>
+        </p:style>
+      </p:cxnSp>
+      <p:grpSp>
+        <p:nvGrpSpPr>
+          <p:cNvPr id="101" name="Group 100">
+            <a:extLst>
+              <a:ext uri="{FF2B5EF4-FFF2-40B4-BE49-F238E27FC236}">
+                <a16:creationId xmlns:a16="http://schemas.microsoft.com/office/drawing/2014/main" id="{2C10EC8B-FF7E-4C65-A690-A9D0C52A4040}"/>
+              </a:ext>
+            </a:extLst>
+          </p:cNvPr>
+          <p:cNvGrpSpPr/>
+          <p:nvPr/>
+        </p:nvGrpSpPr>
+        <p:grpSpPr>
+          <a:xfrm>
+            <a:off x="5442596" y="4979899"/>
+            <a:ext cx="741026" cy="465458"/>
+            <a:chOff x="2423087" y="4659964"/>
+            <a:chExt cx="741026" cy="465458"/>
+          </a:xfrm>
+        </p:grpSpPr>
+        <p:sp>
+          <p:nvSpPr>
+            <p:cNvPr id="102" name="Rectangle: Rounded Corners 101">
+              <a:extLst>
+                <a:ext uri="{FF2B5EF4-FFF2-40B4-BE49-F238E27FC236}">
+                  <a16:creationId xmlns:a16="http://schemas.microsoft.com/office/drawing/2014/main" id="{565709AE-308D-4C92-92B4-A5C8722A6D52}"/>
+                </a:ext>
+              </a:extLst>
+            </p:cNvPr>
+            <p:cNvSpPr/>
+            <p:nvPr/>
+          </p:nvSpPr>
+          <p:spPr>
+            <a:xfrm>
+              <a:off x="2423087" y="4659964"/>
+              <a:ext cx="741026" cy="465458"/>
+            </a:xfrm>
+            <a:prstGeom prst="roundRect">
+              <a:avLst/>
+            </a:prstGeom>
+            <a:solidFill>
+              <a:schemeClr val="accent6">
+                <a:lumMod val="20000"/>
+                <a:lumOff val="80000"/>
+              </a:schemeClr>
+            </a:solidFill>
+          </p:spPr>
+          <p:style>
+            <a:lnRef idx="2">
+              <a:schemeClr val="accent1">
+                <a:shade val="50000"/>
+              </a:schemeClr>
+            </a:lnRef>
+            <a:fillRef idx="1">
+              <a:schemeClr val="accent1"/>
+            </a:fillRef>
+            <a:effectRef idx="0">
+              <a:schemeClr val="accent1"/>
+            </a:effectRef>
+            <a:fontRef idx="minor">
+              <a:schemeClr val="lt1"/>
+            </a:fontRef>
+          </p:style>
+          <p:txBody>
+            <a:bodyPr rtlCol="0" anchor="t" anchorCtr="0"/>
+            <a:lstStyle/>
+            <a:p>
+              <a:pPr algn="ctr"/>
+              <a:r>
+                <a:rPr lang="en-US" sz="800" dirty="0">
+                  <a:solidFill>
+                    <a:schemeClr val="tx1"/>
+                  </a:solidFill>
+                </a:rPr>
+                <a:t>pod</a:t>
+              </a:r>
+            </a:p>
+          </p:txBody>
+        </p:sp>
+        <p:sp>
+          <p:nvSpPr>
+            <p:cNvPr id="103" name="Rectangle: Rounded Corners 102">
+              <a:extLst>
+                <a:ext uri="{FF2B5EF4-FFF2-40B4-BE49-F238E27FC236}">
+                  <a16:creationId xmlns:a16="http://schemas.microsoft.com/office/drawing/2014/main" id="{7B21793F-2C21-4EF6-ADE0-9B21A0A3C0B3}"/>
+                </a:ext>
+              </a:extLst>
+            </p:cNvPr>
+            <p:cNvSpPr/>
+            <p:nvPr/>
+          </p:nvSpPr>
+          <p:spPr>
+            <a:xfrm>
+              <a:off x="2558164" y="4896041"/>
+              <a:ext cx="443544" cy="171298"/>
+            </a:xfrm>
+            <a:prstGeom prst="roundRect">
+              <a:avLst/>
+            </a:prstGeom>
+            <a:solidFill>
+              <a:schemeClr val="accent5">
+                <a:lumMod val="75000"/>
+              </a:schemeClr>
+            </a:solidFill>
+          </p:spPr>
+          <p:style>
+            <a:lnRef idx="2">
+              <a:schemeClr val="accent1">
+                <a:shade val="50000"/>
+              </a:schemeClr>
+            </a:lnRef>
+            <a:fillRef idx="1">
+              <a:schemeClr val="accent1"/>
+            </a:fillRef>
+            <a:effectRef idx="0">
+              <a:schemeClr val="accent1"/>
+            </a:effectRef>
+            <a:fontRef idx="minor">
+              <a:schemeClr val="lt1"/>
+            </a:fontRef>
+          </p:style>
+          <p:txBody>
+            <a:bodyPr rtlCol="0" anchor="ctr"/>
+            <a:lstStyle/>
+            <a:p>
+              <a:pPr algn="ctr"/>
+              <a:r>
+                <a:rPr lang="en-US" sz="800" dirty="0"/>
+                <a:t>api-b</a:t>
+              </a:r>
+            </a:p>
+          </p:txBody>
+        </p:sp>
+      </p:grpSp>
+      <p:cxnSp>
+        <p:nvCxnSpPr>
+          <p:cNvPr id="79" name="Straight Arrow Connector 78">
+            <a:extLst>
+              <a:ext uri="{FF2B5EF4-FFF2-40B4-BE49-F238E27FC236}">
+                <a16:creationId xmlns:a16="http://schemas.microsoft.com/office/drawing/2014/main" id="{68F38027-E684-4326-8C21-7BABDA182481}"/>
+              </a:ext>
+            </a:extLst>
+          </p:cNvPr>
+          <p:cNvCxnSpPr>
+            <a:cxnSpLocks/>
+            <a:stCxn id="77" idx="2"/>
+            <a:endCxn id="103" idx="0"/>
+          </p:cNvCxnSpPr>
+          <p:nvPr/>
+        </p:nvCxnSpPr>
+        <p:spPr>
+          <a:xfrm>
+            <a:off x="4662413" y="4778583"/>
+            <a:ext cx="1137032" cy="437393"/>
+          </a:xfrm>
+          <a:prstGeom prst="straightConnector1">
+            <a:avLst/>
+          </a:prstGeom>
+          <a:ln>
+            <a:tailEnd type="triangle"/>
+          </a:ln>
+        </p:spPr>
+        <p:style>
+          <a:lnRef idx="1">
+            <a:schemeClr val="accent1"/>
+          </a:lnRef>
+          <a:fillRef idx="0">
+            <a:schemeClr val="accent1"/>
+          </a:fillRef>
+          <a:effectRef idx="0">
+            <a:schemeClr val="accent1"/>
+          </a:effectRef>
+          <a:fontRef idx="minor">
+            <a:schemeClr val="tx1"/>
+          </a:fontRef>
+        </p:style>
+      </p:cxnSp>
+      <p:cxnSp>
+        <p:nvCxnSpPr>
+          <p:cNvPr id="48" name="Connector: Elbow 47">
+            <a:extLst>
+              <a:ext uri="{FF2B5EF4-FFF2-40B4-BE49-F238E27FC236}">
+                <a16:creationId xmlns:a16="http://schemas.microsoft.com/office/drawing/2014/main" id="{00F912AF-5963-456B-AF4D-6FE3B4CF7225}"/>
+              </a:ext>
+            </a:extLst>
+          </p:cNvPr>
+          <p:cNvCxnSpPr>
+            <a:stCxn id="25" idx="2"/>
+            <a:endCxn id="61" idx="0"/>
+          </p:cNvCxnSpPr>
+          <p:nvPr/>
+        </p:nvCxnSpPr>
+        <p:spPr>
+          <a:xfrm rot="16200000" flipH="1">
+            <a:off x="4094740" y="3310753"/>
+            <a:ext cx="1137835" cy="2487"/>
+          </a:xfrm>
+          <a:prstGeom prst="bentConnector3">
+            <a:avLst/>
+          </a:prstGeom>
+          <a:ln>
+            <a:tailEnd type="triangle"/>
+          </a:ln>
+        </p:spPr>
+        <p:style>
+          <a:lnRef idx="1">
+            <a:schemeClr val="accent1"/>
+          </a:lnRef>
+          <a:fillRef idx="0">
+            <a:schemeClr val="accent1"/>
+          </a:fillRef>
+          <a:effectRef idx="0">
+            <a:schemeClr val="accent1"/>
+          </a:effectRef>
+          <a:fontRef idx="minor">
+            <a:schemeClr val="tx1"/>
+          </a:fontRef>
+        </p:style>
+      </p:cxnSp>
+      <p:cxnSp>
+        <p:nvCxnSpPr>
+          <p:cNvPr id="105" name="Connector: Elbow 104">
+            <a:extLst>
+              <a:ext uri="{FF2B5EF4-FFF2-40B4-BE49-F238E27FC236}">
+                <a16:creationId xmlns:a16="http://schemas.microsoft.com/office/drawing/2014/main" id="{C46B1187-10AA-470A-928D-3CCF6760E2A6}"/>
+              </a:ext>
+            </a:extLst>
+          </p:cNvPr>
+          <p:cNvCxnSpPr>
+            <a:cxnSpLocks/>
+            <a:stCxn id="61" idx="2"/>
+            <a:endCxn id="77" idx="0"/>
+          </p:cNvCxnSpPr>
+          <p:nvPr/>
+        </p:nvCxnSpPr>
+        <p:spPr>
+          <a:xfrm rot="5400000">
+            <a:off x="4553827" y="4453916"/>
+            <a:ext cx="219660" cy="2488"/>
+          </a:xfrm>
+          <a:prstGeom prst="bentConnector3">
+            <a:avLst/>
+          </a:prstGeom>
+          <a:ln>
+            <a:tailEnd type="triangle"/>
+          </a:ln>
+        </p:spPr>
+        <p:style>
+          <a:lnRef idx="1">
+            <a:schemeClr val="accent1"/>
+          </a:lnRef>
+          <a:fillRef idx="0">
+            <a:schemeClr val="accent1"/>
+          </a:fillRef>
+          <a:effectRef idx="0">
+            <a:schemeClr val="accent1"/>
+          </a:effectRef>
+          <a:fontRef idx="minor">
+            <a:schemeClr val="tx1"/>
+          </a:fontRef>
+        </p:style>
+      </p:cxnSp>
+      <p:pic>
+        <p:nvPicPr>
+          <p:cNvPr id="106" name="Picture 105">
+            <a:extLst>
+              <a:ext uri="{FF2B5EF4-FFF2-40B4-BE49-F238E27FC236}">
+                <a16:creationId xmlns:a16="http://schemas.microsoft.com/office/drawing/2014/main" id="{2FCFB136-91AA-423E-8BF3-A4D4BD537DF5}"/>
+              </a:ext>
+            </a:extLst>
+          </p:cNvPr>
+          <p:cNvPicPr>
+            <a:picLocks noChangeAspect="1"/>
+          </p:cNvPicPr>
+          <p:nvPr/>
+        </p:nvPicPr>
+        <p:blipFill>
+          <a:blip r:embed="rId19"/>
+          <a:stretch>
+            <a:fillRect/>
+          </a:stretch>
+        </p:blipFill>
+        <p:spPr>
+          <a:xfrm>
+            <a:off x="3371701" y="5036627"/>
+            <a:ext cx="132449" cy="122184"/>
+          </a:xfrm>
+          <a:prstGeom prst="rect">
+            <a:avLst/>
+          </a:prstGeom>
+        </p:spPr>
+      </p:pic>
+      <p:pic>
+        <p:nvPicPr>
+          <p:cNvPr id="107" name="Picture 106">
+            <a:extLst>
+              <a:ext uri="{FF2B5EF4-FFF2-40B4-BE49-F238E27FC236}">
+                <a16:creationId xmlns:a16="http://schemas.microsoft.com/office/drawing/2014/main" id="{8FD4D2DE-27AC-4009-9DE6-2A9391E023EA}"/>
+              </a:ext>
+            </a:extLst>
+          </p:cNvPr>
+          <p:cNvPicPr>
+            <a:picLocks noChangeAspect="1"/>
+          </p:cNvPicPr>
+          <p:nvPr/>
+        </p:nvPicPr>
+        <p:blipFill>
+          <a:blip r:embed="rId19"/>
+          <a:stretch>
+            <a:fillRect/>
+          </a:stretch>
+        </p:blipFill>
+        <p:spPr>
+          <a:xfrm>
+            <a:off x="4522207" y="5043077"/>
+            <a:ext cx="132449" cy="122184"/>
+          </a:xfrm>
+          <a:prstGeom prst="rect">
+            <a:avLst/>
+          </a:prstGeom>
+        </p:spPr>
+      </p:pic>
+      <p:pic>
+        <p:nvPicPr>
+          <p:cNvPr id="108" name="Picture 107">
+            <a:extLst>
+              <a:ext uri="{FF2B5EF4-FFF2-40B4-BE49-F238E27FC236}">
+                <a16:creationId xmlns:a16="http://schemas.microsoft.com/office/drawing/2014/main" id="{FA6DAEA4-A688-48E2-8594-A4AD08243E6E}"/>
+              </a:ext>
+            </a:extLst>
+          </p:cNvPr>
+          <p:cNvPicPr>
+            <a:picLocks noChangeAspect="1"/>
+          </p:cNvPicPr>
+          <p:nvPr/>
+        </p:nvPicPr>
+        <p:blipFill>
+          <a:blip r:embed="rId19"/>
+          <a:stretch>
+            <a:fillRect/>
+          </a:stretch>
+        </p:blipFill>
+        <p:spPr>
+          <a:xfrm>
+            <a:off x="6001622" y="5018860"/>
+            <a:ext cx="132449" cy="122184"/>
+          </a:xfrm>
+          <a:prstGeom prst="rect">
+            <a:avLst/>
+          </a:prstGeom>
+        </p:spPr>
+      </p:pic>
+      <p:cxnSp>
+        <p:nvCxnSpPr>
+          <p:cNvPr id="109" name="Connector: Elbow 108">
+            <a:extLst>
+              <a:ext uri="{FF2B5EF4-FFF2-40B4-BE49-F238E27FC236}">
+                <a16:creationId xmlns:a16="http://schemas.microsoft.com/office/drawing/2014/main" id="{5E115DF6-1062-401F-BADF-F5D55728DFE2}"/>
+              </a:ext>
+            </a:extLst>
+          </p:cNvPr>
+          <p:cNvCxnSpPr>
+            <a:cxnSpLocks/>
+            <a:endCxn id="25" idx="0"/>
+          </p:cNvCxnSpPr>
+          <p:nvPr/>
+        </p:nvCxnSpPr>
+        <p:spPr>
+          <a:xfrm rot="5400000">
+            <a:off x="4300526" y="1916775"/>
+            <a:ext cx="723779" cy="1"/>
+          </a:xfrm>
+          <a:prstGeom prst="bentConnector3">
+            <a:avLst/>
+          </a:prstGeom>
+          <a:ln>
+            <a:tailEnd type="triangle"/>
+          </a:ln>
+        </p:spPr>
+        <p:style>
+          <a:lnRef idx="1">
+            <a:schemeClr val="accent1"/>
+          </a:lnRef>
+          <a:fillRef idx="0">
+            <a:schemeClr val="accent1"/>
+          </a:fillRef>
+          <a:effectRef idx="0">
+            <a:schemeClr val="accent1"/>
+          </a:effectRef>
+          <a:fontRef idx="minor">
+            <a:schemeClr val="tx1"/>
+          </a:fontRef>
+        </p:style>
+      </p:cxnSp>
+      <p:sp>
+        <p:nvSpPr>
+          <p:cNvPr id="120" name="Callout: Line 119">
+            <a:extLst>
+              <a:ext uri="{FF2B5EF4-FFF2-40B4-BE49-F238E27FC236}">
+                <a16:creationId xmlns:a16="http://schemas.microsoft.com/office/drawing/2014/main" id="{A5266CAE-BB58-4FC7-A128-94B02DAE3232}"/>
+              </a:ext>
+            </a:extLst>
+          </p:cNvPr>
+          <p:cNvSpPr/>
+          <p:nvPr/>
+        </p:nvSpPr>
+        <p:spPr>
+          <a:xfrm>
+            <a:off x="5174196" y="1359114"/>
+            <a:ext cx="2839502" cy="328175"/>
+          </a:xfrm>
+          <a:prstGeom prst="borderCallout1">
+            <a:avLst>
+              <a:gd name="adj1" fmla="val 49709"/>
+              <a:gd name="adj2" fmla="val -933"/>
+              <a:gd name="adj3" fmla="val 143459"/>
+              <a:gd name="adj4" fmla="val -18211"/>
+            </a:avLst>
+          </a:prstGeom>
+          <a:solidFill>
+            <a:schemeClr val="accent3">
+              <a:lumMod val="20000"/>
+              <a:lumOff val="80000"/>
+            </a:schemeClr>
+          </a:solidFill>
+        </p:spPr>
+        <p:style>
+          <a:lnRef idx="2">
+            <a:schemeClr val="accent1">
+              <a:shade val="50000"/>
+            </a:schemeClr>
+          </a:lnRef>
+          <a:fillRef idx="1">
+            <a:schemeClr val="accent1"/>
+          </a:fillRef>
+          <a:effectRef idx="0">
+            <a:schemeClr val="accent1"/>
+          </a:effectRef>
+          <a:fontRef idx="minor">
+            <a:schemeClr val="lt1"/>
+          </a:fontRef>
+        </p:style>
+        <p:txBody>
+          <a:bodyPr rtlCol="0" anchor="ctr"/>
+          <a:lstStyle/>
+          <a:p>
+            <a:r>
+              <a:rPr lang="en-US" altLang="en-US" sz="800" dirty="0">
+                <a:solidFill>
+                  <a:srgbClr val="333333"/>
+                </a:solidFill>
+                <a:latin typeface="Menlo"/>
+              </a:rPr>
+              <a:t>GET https://iac-ws2-evg-apim.azure-api.net/api-b/api</a:t>
+            </a:r>
+            <a:r>
+              <a:rPr lang="en-US" altLang="en-US" sz="800" dirty="0">
+                <a:solidFill>
+                  <a:schemeClr val="tx1"/>
+                </a:solidFill>
+              </a:rPr>
+              <a:t>  HTTP/1.1</a:t>
+            </a:r>
+            <a:endParaRPr lang="en-US" dirty="0"/>
+          </a:p>
+        </p:txBody>
+      </p:sp>
+      <p:sp>
+        <p:nvSpPr>
+          <p:cNvPr id="121" name="Rectangle 1">
+            <a:extLst>
+              <a:ext uri="{FF2B5EF4-FFF2-40B4-BE49-F238E27FC236}">
+                <a16:creationId xmlns:a16="http://schemas.microsoft.com/office/drawing/2014/main" id="{963D80FC-83A1-4535-A288-6A80A0D4F30B}"/>
+              </a:ext>
+            </a:extLst>
+          </p:cNvPr>
+          <p:cNvSpPr>
+            <a:spLocks noChangeArrowheads="1"/>
+          </p:cNvSpPr>
+          <p:nvPr/>
+        </p:nvSpPr>
+        <p:spPr bwMode="auto">
+          <a:xfrm>
+            <a:off x="0" y="42025"/>
+            <a:ext cx="65" cy="373149"/>
+          </a:xfrm>
+          <a:prstGeom prst="rect">
+            <a:avLst/>
+          </a:prstGeom>
+          <a:solidFill>
+            <a:srgbClr val="F5F5F5"/>
+          </a:solidFill>
+          <a:ln>
+            <a:noFill/>
+          </a:ln>
+          <a:effectLst/>
+          <a:extLst>
+            <a:ext uri="{91240B29-F687-4F45-9708-019B960494DF}">
+              <a14:hiddenLine xmlns:a14="http://schemas.microsoft.com/office/drawing/2010/main" w="9525">
+                <a:solidFill>
+                  <a:schemeClr val="tx1"/>
+                </a:solidFill>
+                <a:miter lim="800000"/>
+                <a:headEnd/>
+                <a:tailEnd/>
+              </a14:hiddenLine>
+            </a:ext>
+            <a:ext uri="{AF507438-7753-43E0-B8FC-AC1667EBCBE1}">
+              <a14:hiddenEffects xmlns:a14="http://schemas.microsoft.com/office/drawing/2010/main">
+                <a:effectLst>
+                  <a:outerShdw dist="35921" dir="2700000" algn="ctr" rotWithShape="0">
+                    <a:schemeClr val="bg2"/>
+                  </a:outerShdw>
+                </a:effectLst>
+              </a14:hiddenEffects>
+            </a:ext>
+          </a:extLst>
+        </p:spPr>
+        <p:txBody>
+          <a:bodyPr vert="horz" wrap="none" lIns="0" tIns="0" rIns="0" bIns="95220" numCol="1" anchor="ctr" anchorCtr="0" compatLnSpc="1">
+            <a:prstTxWarp prst="textNoShape">
+              <a:avLst/>
+            </a:prstTxWarp>
+            <a:spAutoFit/>
+          </a:bodyPr>
+          <a:lstStyle/>
+          <a:p>
+            <a:pPr marL="0" marR="0" lvl="0" indent="0" algn="l" defTabSz="914400" rtl="0" eaLnBrk="0" fontAlgn="base" latinLnBrk="0" hangingPunct="0">
+              <a:lnSpc>
+                <a:spcPct val="100000"/>
+              </a:lnSpc>
+              <a:spcBef>
+                <a:spcPct val="0"/>
+              </a:spcBef>
+              <a:spcAft>
+                <a:spcPct val="0"/>
+              </a:spcAft>
+              <a:buClrTx/>
+              <a:buSzTx/>
+              <a:buFontTx/>
+              <a:buNone/>
+              <a:tabLst/>
+            </a:pPr>
+            <a:endParaRPr kumimoji="0" lang="en-US" altLang="en-US" sz="1800" b="0" i="0" u="none" strike="noStrike" cap="none" normalizeH="0" baseline="0" dirty="0">
+              <a:ln>
+                <a:noFill/>
+              </a:ln>
+              <a:solidFill>
+                <a:schemeClr val="tx1"/>
+              </a:solidFill>
+              <a:effectLst/>
+              <a:latin typeface="Arial" panose="020B0604020202020204" pitchFamily="34" charset="0"/>
+            </a:endParaRPr>
+          </a:p>
+        </p:txBody>
+      </p:sp>
+      <p:sp>
+        <p:nvSpPr>
+          <p:cNvPr id="123" name="Callout: Line 122">
+            <a:extLst>
+              <a:ext uri="{FF2B5EF4-FFF2-40B4-BE49-F238E27FC236}">
+                <a16:creationId xmlns:a16="http://schemas.microsoft.com/office/drawing/2014/main" id="{5599FCEF-55CF-45BE-8F66-AB4E002BE124}"/>
+              </a:ext>
+            </a:extLst>
+          </p:cNvPr>
+          <p:cNvSpPr/>
+          <p:nvPr/>
+        </p:nvSpPr>
+        <p:spPr>
+          <a:xfrm>
+            <a:off x="5144430" y="3277616"/>
+            <a:ext cx="1325735" cy="328175"/>
+          </a:xfrm>
+          <a:prstGeom prst="borderCallout1">
+            <a:avLst>
+              <a:gd name="adj1" fmla="val 49709"/>
+              <a:gd name="adj2" fmla="val -933"/>
+              <a:gd name="adj3" fmla="val 120240"/>
+              <a:gd name="adj4" fmla="val -36154"/>
+            </a:avLst>
+          </a:prstGeom>
+          <a:solidFill>
+            <a:schemeClr val="accent3">
+              <a:lumMod val="20000"/>
+              <a:lumOff val="80000"/>
+            </a:schemeClr>
+          </a:solidFill>
+        </p:spPr>
+        <p:style>
+          <a:lnRef idx="2">
+            <a:schemeClr val="accent1">
+              <a:shade val="50000"/>
+            </a:schemeClr>
+          </a:lnRef>
+          <a:fillRef idx="1">
+            <a:schemeClr val="accent1"/>
+          </a:fillRef>
+          <a:effectRef idx="0">
+            <a:schemeClr val="accent1"/>
+          </a:effectRef>
+          <a:fontRef idx="minor">
+            <a:schemeClr val="lt1"/>
+          </a:fontRef>
+        </p:style>
+        <p:txBody>
+          <a:bodyPr rtlCol="0" anchor="ctr"/>
+          <a:lstStyle/>
+          <a:p>
+            <a:r>
+              <a:rPr lang="en-US" altLang="en-US" sz="800" dirty="0">
+                <a:solidFill>
+                  <a:srgbClr val="333333"/>
+                </a:solidFill>
+                <a:latin typeface="Menlo"/>
+              </a:rPr>
+              <a:t>GET http://10.11.0.146/api</a:t>
+            </a:r>
+            <a:endParaRPr lang="en-US" dirty="0"/>
+          </a:p>
+        </p:txBody>
+      </p:sp>
+      <p:sp>
+        <p:nvSpPr>
+          <p:cNvPr id="124" name="Callout: Line 123">
+            <a:extLst>
+              <a:ext uri="{FF2B5EF4-FFF2-40B4-BE49-F238E27FC236}">
+                <a16:creationId xmlns:a16="http://schemas.microsoft.com/office/drawing/2014/main" id="{50DA7616-832B-4167-8E45-EDCBF47E83E8}"/>
+              </a:ext>
+            </a:extLst>
+          </p:cNvPr>
+          <p:cNvSpPr/>
+          <p:nvPr/>
+        </p:nvSpPr>
+        <p:spPr>
+          <a:xfrm>
+            <a:off x="5159643" y="4249314"/>
+            <a:ext cx="1639961" cy="328175"/>
+          </a:xfrm>
+          <a:prstGeom prst="borderCallout1">
+            <a:avLst>
+              <a:gd name="adj1" fmla="val 45840"/>
+              <a:gd name="adj2" fmla="val -1708"/>
+              <a:gd name="adj3" fmla="val 64126"/>
+              <a:gd name="adj4" fmla="val -29532"/>
+            </a:avLst>
+          </a:prstGeom>
+          <a:solidFill>
+            <a:schemeClr val="accent3">
+              <a:lumMod val="20000"/>
+              <a:lumOff val="80000"/>
+            </a:schemeClr>
+          </a:solidFill>
+        </p:spPr>
+        <p:style>
+          <a:lnRef idx="2">
+            <a:schemeClr val="accent1">
+              <a:shade val="50000"/>
+            </a:schemeClr>
+          </a:lnRef>
+          <a:fillRef idx="1">
+            <a:schemeClr val="accent1"/>
+          </a:fillRef>
+          <a:effectRef idx="0">
+            <a:schemeClr val="accent1"/>
+          </a:effectRef>
+          <a:fontRef idx="minor">
+            <a:schemeClr val="lt1"/>
+          </a:fontRef>
+        </p:style>
+        <p:txBody>
+          <a:bodyPr rtlCol="0" anchor="ctr"/>
+          <a:lstStyle/>
+          <a:p>
+            <a:r>
+              <a:rPr lang="en-US" altLang="en-US" sz="800" dirty="0">
+                <a:solidFill>
+                  <a:srgbClr val="333333"/>
+                </a:solidFill>
+                <a:latin typeface="Menlo"/>
+              </a:rPr>
+              <a:t>GET http://api-b-service:8081/api</a:t>
+            </a:r>
+            <a:endParaRPr lang="en-US" dirty="0"/>
+          </a:p>
+        </p:txBody>
+      </p:sp>
     </p:spTree>
     <p:extLst>
       <p:ext uri="{BB962C8B-B14F-4D97-AF65-F5344CB8AC3E}">
